--- a/Presentazione ppt/Presentazione_finale.pptx
+++ b/Presentazione ppt/Presentazione_finale.pptx
@@ -1831,73 +1831,73 @@
         <a:p>
           <a:pPr algn="l"/>
           <a:r>
-            <a:rPr lang="it-IT" sz="2600" dirty="0" smtClean="0"/>
+            <a:rPr lang="it-IT" sz="2600" dirty="0"/>
             <a:t>Processi interni</a:t>
           </a:r>
         </a:p>
         <a:p>
           <a:pPr algn="l"/>
           <a:r>
-            <a:rPr lang="it-IT" sz="1600" dirty="0" smtClean="0"/>
+            <a:rPr lang="it-IT" sz="1600" dirty="0"/>
             <a:t>- Model </a:t>
           </a:r>
           <a:r>
-            <a:rPr lang="it-IT" sz="1600" dirty="0" err="1" smtClean="0"/>
+            <a:rPr lang="it-IT" sz="1600" dirty="0" err="1"/>
             <a:t>risk</a:t>
           </a:r>
-          <a:endParaRPr lang="it-IT" sz="1600" dirty="0" smtClean="0"/>
+          <a:endParaRPr lang="it-IT" sz="1600" dirty="0"/>
         </a:p>
         <a:p>
           <a:pPr algn="l"/>
           <a:r>
-            <a:rPr lang="it-IT" sz="1600" dirty="0" smtClean="0"/>
+            <a:rPr lang="it-IT" sz="1600" dirty="0"/>
             <a:t>- </a:t>
           </a:r>
           <a:r>
-            <a:rPr lang="it-IT" sz="1600" dirty="0" err="1" smtClean="0"/>
+            <a:rPr lang="it-IT" sz="1600" dirty="0" err="1"/>
             <a:t>Transaction</a:t>
           </a:r>
           <a:r>
-            <a:rPr lang="it-IT" sz="1600" dirty="0" smtClean="0"/>
+            <a:rPr lang="it-IT" sz="1600" dirty="0"/>
             <a:t> </a:t>
           </a:r>
           <a:r>
-            <a:rPr lang="it-IT" sz="1600" dirty="0" err="1" smtClean="0"/>
+            <a:rPr lang="it-IT" sz="1600" dirty="0" err="1"/>
             <a:t>risk</a:t>
           </a:r>
-          <a:endParaRPr lang="it-IT" sz="1600" dirty="0" smtClean="0"/>
+          <a:endParaRPr lang="it-IT" sz="1600" dirty="0"/>
         </a:p>
         <a:p>
           <a:pPr algn="l"/>
           <a:r>
-            <a:rPr lang="it-IT" sz="1600" dirty="0" smtClean="0"/>
+            <a:rPr lang="it-IT" sz="1600" dirty="0"/>
             <a:t>- Security </a:t>
           </a:r>
           <a:r>
-            <a:rPr lang="it-IT" sz="1600" dirty="0" err="1" smtClean="0"/>
+            <a:rPr lang="it-IT" sz="1600" dirty="0" err="1"/>
             <a:t>risk</a:t>
           </a:r>
-          <a:endParaRPr lang="it-IT" sz="1600" dirty="0" smtClean="0"/>
+          <a:endParaRPr lang="it-IT" sz="1600" dirty="0"/>
         </a:p>
         <a:p>
           <a:pPr algn="l"/>
           <a:r>
-            <a:rPr lang="it-IT" sz="1600" dirty="0" smtClean="0"/>
+            <a:rPr lang="it-IT" sz="1600" dirty="0"/>
             <a:t>- </a:t>
           </a:r>
           <a:r>
-            <a:rPr lang="it-IT" sz="1600" dirty="0" err="1" smtClean="0"/>
+            <a:rPr lang="it-IT" sz="1600" dirty="0" err="1"/>
             <a:t>Settlement</a:t>
           </a:r>
           <a:r>
-            <a:rPr lang="it-IT" sz="1600" dirty="0" smtClean="0"/>
+            <a:rPr lang="it-IT" sz="1600" dirty="0"/>
             <a:t> </a:t>
           </a:r>
           <a:r>
-            <a:rPr lang="it-IT" sz="1600" dirty="0" err="1" smtClean="0"/>
+            <a:rPr lang="it-IT" sz="1600" dirty="0" err="1"/>
             <a:t>error</a:t>
           </a:r>
-          <a:endParaRPr lang="it-IT" sz="1600" dirty="0" smtClean="0"/>
+          <a:endParaRPr lang="it-IT" sz="1600" dirty="0"/>
         </a:p>
         <a:p>
           <a:pPr algn="l"/>
@@ -1936,85 +1936,85 @@
         <a:p>
           <a:pPr algn="ctr"/>
           <a:r>
-            <a:rPr lang="en-US" sz="2600" dirty="0" err="1" smtClean="0"/>
+            <a:rPr lang="en-US" sz="2600" dirty="0" err="1"/>
             <a:t>Sistemi</a:t>
           </a:r>
           <a:r>
-            <a:rPr lang="en-US" sz="2600" dirty="0" smtClean="0"/>
+            <a:rPr lang="en-US" sz="2600" dirty="0"/>
             <a:t> </a:t>
           </a:r>
           <a:r>
-            <a:rPr lang="en-US" sz="2600" dirty="0" err="1" smtClean="0"/>
+            <a:rPr lang="en-US" sz="2600" dirty="0" err="1"/>
             <a:t>interni</a:t>
           </a:r>
-          <a:endParaRPr lang="en-US" sz="2600" dirty="0" smtClean="0"/>
+          <a:endParaRPr lang="en-US" sz="2600" dirty="0"/>
         </a:p>
         <a:p>
           <a:pPr algn="l"/>
           <a:r>
-            <a:rPr lang="en-US" sz="1600" dirty="0" smtClean="0"/>
+            <a:rPr lang="en-US" sz="1600" dirty="0"/>
             <a:t>- </a:t>
           </a:r>
           <a:r>
-            <a:rPr lang="en-US" sz="1600" dirty="0" err="1" smtClean="0"/>
+            <a:rPr lang="en-US" sz="1600" dirty="0" err="1"/>
             <a:t>Inadeguati</a:t>
           </a:r>
           <a:r>
-            <a:rPr lang="en-US" sz="1600" dirty="0" smtClean="0"/>
+            <a:rPr lang="en-US" sz="1600" dirty="0"/>
             <a:t> </a:t>
           </a:r>
           <a:r>
-            <a:rPr lang="en-US" sz="1600" dirty="0" err="1" smtClean="0"/>
+            <a:rPr lang="en-US" sz="1600" dirty="0" err="1"/>
             <a:t>sistemi</a:t>
           </a:r>
           <a:r>
-            <a:rPr lang="en-US" sz="1600" dirty="0" smtClean="0"/>
+            <a:rPr lang="en-US" sz="1600" dirty="0"/>
             <a:t> </a:t>
           </a:r>
           <a:r>
-            <a:rPr lang="en-US" sz="1600" dirty="0" err="1" smtClean="0"/>
+            <a:rPr lang="en-US" sz="1600" dirty="0" err="1"/>
             <a:t>informativi</a:t>
           </a:r>
           <a:r>
-            <a:rPr lang="en-US" sz="1600" dirty="0" smtClean="0"/>
+            <a:rPr lang="en-US" sz="1600" dirty="0"/>
             <a:t> e </a:t>
           </a:r>
           <a:r>
-            <a:rPr lang="en-US" sz="1600" dirty="0" err="1" smtClean="0"/>
+            <a:rPr lang="en-US" sz="1600" dirty="0" err="1"/>
             <a:t>tecnologici</a:t>
           </a:r>
-          <a:endParaRPr lang="en-US" sz="1600" dirty="0" smtClean="0"/>
+          <a:endParaRPr lang="en-US" sz="1600" dirty="0"/>
         </a:p>
         <a:p>
           <a:pPr algn="l"/>
           <a:r>
-            <a:rPr lang="en-US" sz="1600" dirty="0" smtClean="0"/>
+            <a:rPr lang="en-US" sz="1600" dirty="0"/>
             <a:t>-</a:t>
           </a:r>
           <a:r>
-            <a:rPr lang="en-US" sz="1600" dirty="0" err="1" smtClean="0"/>
+            <a:rPr lang="en-US" sz="1600" dirty="0" err="1"/>
             <a:t>Inefficienze</a:t>
           </a:r>
           <a:r>
-            <a:rPr lang="en-US" sz="1600" dirty="0" smtClean="0"/>
+            <a:rPr lang="en-US" sz="1600" dirty="0"/>
             <a:t> e </a:t>
           </a:r>
           <a:r>
-            <a:rPr lang="en-US" sz="1600" dirty="0" err="1" smtClean="0"/>
+            <a:rPr lang="en-US" sz="1600" dirty="0" err="1"/>
             <a:t>malfunzionamento</a:t>
           </a:r>
           <a:r>
-            <a:rPr lang="en-US" sz="1600" dirty="0" smtClean="0"/>
+            <a:rPr lang="en-US" sz="1600" dirty="0"/>
             <a:t> di hardware e software</a:t>
           </a:r>
         </a:p>
         <a:p>
           <a:pPr algn="ctr"/>
-          <a:endParaRPr lang="en-US" sz="1600" dirty="0" smtClean="0"/>
+          <a:endParaRPr lang="en-US" sz="1600" dirty="0"/>
         </a:p>
         <a:p>
           <a:pPr algn="ctr"/>
-          <a:endParaRPr lang="en-US" sz="1600" dirty="0" smtClean="0"/>
+          <a:endParaRPr lang="en-US" sz="1600" dirty="0"/>
         </a:p>
         <a:p>
           <a:pPr algn="ctr"/>
@@ -2052,116 +2052,116 @@
         <a:lstStyle/>
         <a:p>
           <a:r>
-            <a:rPr lang="en-US" sz="2600" dirty="0" err="1" smtClean="0"/>
+            <a:rPr lang="en-US" sz="2600" dirty="0" err="1"/>
             <a:t>Fattori</a:t>
           </a:r>
           <a:r>
-            <a:rPr lang="en-US" sz="2600" dirty="0" smtClean="0"/>
+            <a:rPr lang="en-US" sz="2600" dirty="0"/>
             <a:t> </a:t>
           </a:r>
           <a:r>
-            <a:rPr lang="en-US" sz="2600" dirty="0" err="1" smtClean="0"/>
+            <a:rPr lang="en-US" sz="2600" dirty="0" err="1"/>
             <a:t>umani</a:t>
           </a:r>
-          <a:endParaRPr lang="en-US" sz="2600" dirty="0" smtClean="0"/>
+          <a:endParaRPr lang="en-US" sz="2600" dirty="0"/>
         </a:p>
         <a:p>
           <a:r>
-            <a:rPr lang="en-US" sz="1600" smtClean="0"/>
+            <a:rPr lang="en-US" sz="1600"/>
             <a:t>-</a:t>
           </a:r>
           <a:r>
-            <a:rPr lang="en-US" sz="2600" smtClean="0"/>
+            <a:rPr lang="en-US" sz="2600"/>
             <a:t> </a:t>
           </a:r>
           <a:r>
-            <a:rPr lang="en-US" sz="1600" smtClean="0"/>
+            <a:rPr lang="en-US" sz="1600"/>
             <a:t>mancanza </a:t>
           </a:r>
           <a:r>
-            <a:rPr lang="en-US" sz="1600" dirty="0" smtClean="0"/>
+            <a:rPr lang="en-US" sz="1600" dirty="0"/>
             <a:t>di </a:t>
           </a:r>
           <a:r>
-            <a:rPr lang="en-US" sz="1600" dirty="0" err="1" smtClean="0"/>
+            <a:rPr lang="en-US" sz="1600" dirty="0" err="1"/>
             <a:t>esperienza</a:t>
           </a:r>
           <a:r>
-            <a:rPr lang="en-US" sz="1600" dirty="0" smtClean="0"/>
+            <a:rPr lang="en-US" sz="1600" dirty="0"/>
             <a:t> e di </a:t>
           </a:r>
           <a:r>
-            <a:rPr lang="en-US" sz="1600" dirty="0" err="1" smtClean="0"/>
+            <a:rPr lang="en-US" sz="1600" dirty="0" err="1"/>
             <a:t>professionalità</a:t>
           </a:r>
           <a:r>
-            <a:rPr lang="en-US" sz="1600" dirty="0" smtClean="0"/>
+            <a:rPr lang="en-US" sz="1600" dirty="0"/>
             <a:t> del </a:t>
           </a:r>
           <a:r>
-            <a:rPr lang="en-US" sz="1600" dirty="0" err="1" smtClean="0"/>
+            <a:rPr lang="en-US" sz="1600" dirty="0" err="1"/>
             <a:t>personale</a:t>
           </a:r>
-          <a:endParaRPr lang="en-US" sz="1600" dirty="0" smtClean="0"/>
+          <a:endParaRPr lang="en-US" sz="1600" dirty="0"/>
         </a:p>
         <a:p>
           <a:r>
-            <a:rPr lang="en-US" sz="1600" dirty="0" smtClean="0"/>
+            <a:rPr lang="en-US" sz="1600" dirty="0"/>
             <a:t>- </a:t>
           </a:r>
           <a:r>
-            <a:rPr lang="en-US" sz="1600" dirty="0" err="1" smtClean="0"/>
+            <a:rPr lang="en-US" sz="1600" dirty="0" err="1"/>
             <a:t>frodi</a:t>
           </a:r>
           <a:r>
-            <a:rPr lang="en-US" sz="1600" dirty="0" smtClean="0"/>
+            <a:rPr lang="en-US" sz="1600" dirty="0"/>
             <a:t>, </a:t>
           </a:r>
           <a:r>
-            <a:rPr lang="en-US" sz="1600" dirty="0" err="1" smtClean="0"/>
+            <a:rPr lang="en-US" sz="1600" dirty="0" err="1"/>
             <a:t>collusioni</a:t>
           </a:r>
           <a:r>
-            <a:rPr lang="en-US" sz="1600" dirty="0" smtClean="0"/>
+            <a:rPr lang="en-US" sz="1600" dirty="0"/>
             <a:t>, </a:t>
           </a:r>
           <a:r>
-            <a:rPr lang="en-US" sz="1600" dirty="0" err="1" smtClean="0"/>
+            <a:rPr lang="en-US" sz="1600" dirty="0" err="1"/>
             <a:t>attività</a:t>
           </a:r>
           <a:r>
-            <a:rPr lang="en-US" sz="1600" dirty="0" smtClean="0"/>
+            <a:rPr lang="en-US" sz="1600" dirty="0"/>
             <a:t> </a:t>
           </a:r>
           <a:r>
-            <a:rPr lang="en-US" sz="1600" dirty="0" err="1" smtClean="0"/>
+            <a:rPr lang="en-US" sz="1600" dirty="0" err="1"/>
             <a:t>criminali</a:t>
           </a:r>
           <a:r>
-            <a:rPr lang="en-US" sz="1600" dirty="0" smtClean="0"/>
+            <a:rPr lang="en-US" sz="1600" dirty="0"/>
             <a:t> </a:t>
           </a:r>
           <a:r>
-            <a:rPr lang="en-US" sz="1600" dirty="0" err="1" smtClean="0"/>
+            <a:rPr lang="en-US" sz="1600" dirty="0" err="1"/>
             <a:t>violazione</a:t>
           </a:r>
           <a:r>
-            <a:rPr lang="en-US" sz="1600" dirty="0" smtClean="0"/>
+            <a:rPr lang="en-US" sz="1600" dirty="0"/>
             <a:t> di </a:t>
           </a:r>
           <a:r>
-            <a:rPr lang="en-US" sz="1600" dirty="0" err="1" smtClean="0"/>
+            <a:rPr lang="en-US" sz="1600" dirty="0" err="1"/>
             <a:t>leggi</a:t>
           </a:r>
           <a:r>
-            <a:rPr lang="en-US" sz="1600" dirty="0" smtClean="0"/>
+            <a:rPr lang="en-US" sz="1600" dirty="0"/>
             <a:t> </a:t>
           </a:r>
           <a:r>
-            <a:rPr lang="mr-IN" sz="1600" dirty="0" smtClean="0"/>
+            <a:rPr lang="mr-IN" sz="1600" dirty="0"/>
             <a:t>…</a:t>
           </a:r>
-          <a:endParaRPr lang="en-US" sz="1600" dirty="0" smtClean="0"/>
+          <a:endParaRPr lang="en-US" sz="1600" dirty="0"/>
         </a:p>
         <a:p>
           <a:endParaRPr lang="en-US" sz="2600" dirty="0"/>
@@ -2198,61 +2198,61 @@
         <a:lstStyle/>
         <a:p>
           <a:r>
-            <a:rPr lang="en-US" sz="2600" dirty="0" err="1" smtClean="0"/>
+            <a:rPr lang="en-US" sz="2600" dirty="0" err="1"/>
             <a:t>Eventi</a:t>
           </a:r>
           <a:r>
-            <a:rPr lang="en-US" sz="2600" dirty="0" smtClean="0"/>
+            <a:rPr lang="en-US" sz="2600" dirty="0"/>
             <a:t> </a:t>
           </a:r>
           <a:r>
-            <a:rPr lang="en-US" sz="2600" dirty="0" err="1" smtClean="0"/>
+            <a:rPr lang="en-US" sz="2600" dirty="0" err="1"/>
             <a:t>esogeni</a:t>
           </a:r>
-          <a:endParaRPr lang="en-US" sz="2600" dirty="0" smtClean="0"/>
+          <a:endParaRPr lang="en-US" sz="2600" dirty="0"/>
         </a:p>
         <a:p>
           <a:r>
-            <a:rPr lang="en-US" sz="1600" dirty="0" smtClean="0"/>
+            <a:rPr lang="en-US" sz="1600" dirty="0"/>
             <a:t>- </a:t>
           </a:r>
           <a:r>
-            <a:rPr lang="en-US" sz="1600" dirty="0" err="1" smtClean="0"/>
+            <a:rPr lang="en-US" sz="1600" dirty="0" err="1"/>
             <a:t>Eventi</a:t>
           </a:r>
           <a:r>
-            <a:rPr lang="en-US" sz="1600" dirty="0" smtClean="0"/>
+            <a:rPr lang="en-US" sz="1600" dirty="0"/>
             <a:t> </a:t>
           </a:r>
           <a:r>
-            <a:rPr lang="en-US" sz="1600" dirty="0" err="1" smtClean="0"/>
+            <a:rPr lang="en-US" sz="1600" dirty="0" err="1"/>
             <a:t>naturali</a:t>
           </a:r>
           <a:r>
-            <a:rPr lang="en-US" sz="1600" dirty="0" smtClean="0"/>
+            <a:rPr lang="en-US" sz="1600" dirty="0"/>
             <a:t> al di </a:t>
           </a:r>
           <a:r>
-            <a:rPr lang="en-US" sz="1600" dirty="0" err="1" smtClean="0"/>
+            <a:rPr lang="en-US" sz="1600" dirty="0" err="1"/>
             <a:t>fuori</a:t>
           </a:r>
           <a:r>
-            <a:rPr lang="en-US" sz="1600" dirty="0" smtClean="0"/>
+            <a:rPr lang="en-US" sz="1600" dirty="0"/>
             <a:t> del </a:t>
           </a:r>
           <a:r>
-            <a:rPr lang="en-US" sz="1600" dirty="0" err="1" smtClean="0"/>
+            <a:rPr lang="en-US" sz="1600" dirty="0" err="1"/>
             <a:t>controllo</a:t>
           </a:r>
           <a:r>
-            <a:rPr lang="en-US" sz="1600" dirty="0" smtClean="0"/>
+            <a:rPr lang="en-US" sz="1600" dirty="0"/>
             <a:t> </a:t>
           </a:r>
           <a:r>
-            <a:rPr lang="en-US" sz="1600" dirty="0" err="1" smtClean="0"/>
+            <a:rPr lang="en-US" sz="1600" dirty="0" err="1"/>
             <a:t>aziendale</a:t>
           </a:r>
-          <a:endParaRPr lang="en-US" sz="1600" dirty="0" smtClean="0"/>
+          <a:endParaRPr lang="en-US" sz="1600" dirty="0"/>
         </a:p>
         <a:p>
           <a:endParaRPr lang="en-US" sz="1600" dirty="0"/>
@@ -2289,13 +2289,6 @@
         </dgm:presLayoutVars>
       </dgm:prSet>
       <dgm:spPr/>
-      <dgm:t>
-        <a:bodyPr/>
-        <a:lstStyle/>
-        <a:p>
-          <a:endParaRPr lang="it-IT"/>
-        </a:p>
-      </dgm:t>
     </dgm:pt>
     <dgm:pt modelId="{DF13AF8B-7744-4589-BEE8-8D137E2B3F84}" type="pres">
       <dgm:prSet presAssocID="{9B872567-EFDF-4C1B-8AFB-BC96F3FFEBFA}" presName="compositeNode" presStyleCnt="0">
@@ -2308,13 +2301,6 @@
     <dgm:pt modelId="{6110B588-C671-416F-89BF-E26F13F8955B}" type="pres">
       <dgm:prSet presAssocID="{9B872567-EFDF-4C1B-8AFB-BC96F3FFEBFA}" presName="bgRect" presStyleLbl="alignNode1" presStyleIdx="0" presStyleCnt="4" custScaleX="99030" custScaleY="120730" custLinFactNeighborX="-8" custLinFactNeighborY="-1174"/>
       <dgm:spPr/>
-      <dgm:t>
-        <a:bodyPr/>
-        <a:lstStyle/>
-        <a:p>
-          <a:endParaRPr lang="it-IT"/>
-        </a:p>
-      </dgm:t>
     </dgm:pt>
     <dgm:pt modelId="{AC1DAF9E-D9B9-41BE-8EC2-F8DE89D3885F}" type="pres">
       <dgm:prSet presAssocID="{FACD17B6-2F4D-48E5-8D87-4BDB4BF8BBCA}" presName="sibTransNodeRect" presStyleLbl="alignNode1" presStyleIdx="0" presStyleCnt="4" custFlipVert="1" custScaleY="4800" custLinFactNeighborX="-8" custLinFactNeighborY="-48043">
@@ -2324,13 +2310,6 @@
         </dgm:presLayoutVars>
       </dgm:prSet>
       <dgm:spPr/>
-      <dgm:t>
-        <a:bodyPr/>
-        <a:lstStyle/>
-        <a:p>
-          <a:endParaRPr lang="it-IT"/>
-        </a:p>
-      </dgm:t>
     </dgm:pt>
     <dgm:pt modelId="{8ECF17BF-C584-46A0-9C82-D0A8DD07CACF}" type="pres">
       <dgm:prSet presAssocID="{9B872567-EFDF-4C1B-8AFB-BC96F3FFEBFA}" presName="nodeRect" presStyleLbl="alignNode1" presStyleIdx="0" presStyleCnt="4">
@@ -2339,13 +2318,6 @@
         </dgm:presLayoutVars>
       </dgm:prSet>
       <dgm:spPr/>
-      <dgm:t>
-        <a:bodyPr/>
-        <a:lstStyle/>
-        <a:p>
-          <a:endParaRPr lang="it-IT"/>
-        </a:p>
-      </dgm:t>
     </dgm:pt>
     <dgm:pt modelId="{3C9131C4-C9DD-4C11-AB8E-63001FC2481B}" type="pres">
       <dgm:prSet presAssocID="{FACD17B6-2F4D-48E5-8D87-4BDB4BF8BBCA}" presName="sibTrans" presStyleCnt="0"/>
@@ -2362,13 +2334,6 @@
     <dgm:pt modelId="{A74A78AE-5941-4D66-84EF-38B1D9F8FA7E}" type="pres">
       <dgm:prSet presAssocID="{A789788D-2BC7-42BE-99DA-4C675B5F87DB}" presName="bgRect" presStyleLbl="alignNode1" presStyleIdx="1" presStyleCnt="4" custScaleX="98577" custScaleY="120855" custLinFactNeighborX="-181" custLinFactNeighborY="13634"/>
       <dgm:spPr/>
-      <dgm:t>
-        <a:bodyPr/>
-        <a:lstStyle/>
-        <a:p>
-          <a:endParaRPr lang="it-IT"/>
-        </a:p>
-      </dgm:t>
     </dgm:pt>
     <dgm:pt modelId="{5E7B9680-9FC6-4DC8-9B13-653326B1FEFE}" type="pres">
       <dgm:prSet presAssocID="{4F4F8776-F9C4-4919-9907-F0EA7B5E8299}" presName="sibTransNodeRect" presStyleLbl="alignNode1" presStyleIdx="1" presStyleCnt="4" custLinFactNeighborX="-181" custLinFactNeighborY="-53563">
@@ -2378,13 +2343,6 @@
         </dgm:presLayoutVars>
       </dgm:prSet>
       <dgm:spPr/>
-      <dgm:t>
-        <a:bodyPr/>
-        <a:lstStyle/>
-        <a:p>
-          <a:endParaRPr lang="it-IT"/>
-        </a:p>
-      </dgm:t>
     </dgm:pt>
     <dgm:pt modelId="{5EE1BECF-F457-49B4-9844-C1E148E40E0D}" type="pres">
       <dgm:prSet presAssocID="{A789788D-2BC7-42BE-99DA-4C675B5F87DB}" presName="nodeRect" presStyleLbl="alignNode1" presStyleIdx="1" presStyleCnt="4">
@@ -2393,13 +2351,6 @@
         </dgm:presLayoutVars>
       </dgm:prSet>
       <dgm:spPr/>
-      <dgm:t>
-        <a:bodyPr/>
-        <a:lstStyle/>
-        <a:p>
-          <a:endParaRPr lang="it-IT"/>
-        </a:p>
-      </dgm:t>
     </dgm:pt>
     <dgm:pt modelId="{3F6E6066-6BEA-46CE-9F6B-87DC70CDCF69}" type="pres">
       <dgm:prSet presAssocID="{4F4F8776-F9C4-4919-9907-F0EA7B5E8299}" presName="sibTrans" presStyleCnt="0"/>
@@ -2416,13 +2367,6 @@
     <dgm:pt modelId="{FAE33C77-3AA2-465C-A7FC-A45C00119CA3}" type="pres">
       <dgm:prSet presAssocID="{69128290-2081-4E68-9847-58EDCBA92F91}" presName="bgRect" presStyleLbl="alignNode1" presStyleIdx="2" presStyleCnt="4" custScaleX="100318" custScaleY="120730" custLinFactNeighborY="11037"/>
       <dgm:spPr/>
-      <dgm:t>
-        <a:bodyPr/>
-        <a:lstStyle/>
-        <a:p>
-          <a:endParaRPr lang="it-IT"/>
-        </a:p>
-      </dgm:t>
     </dgm:pt>
     <dgm:pt modelId="{7849BBA6-D266-42A9-B6C6-AD9C6F999483}" type="pres">
       <dgm:prSet presAssocID="{74213363-BB68-426E-A0CC-21F1F889B241}" presName="sibTransNodeRect" presStyleLbl="alignNode1" presStyleIdx="2" presStyleCnt="4" custLinFactNeighborX="-1558" custLinFactNeighborY="-53563">
@@ -2432,13 +2376,6 @@
         </dgm:presLayoutVars>
       </dgm:prSet>
       <dgm:spPr/>
-      <dgm:t>
-        <a:bodyPr/>
-        <a:lstStyle/>
-        <a:p>
-          <a:endParaRPr lang="it-IT"/>
-        </a:p>
-      </dgm:t>
     </dgm:pt>
     <dgm:pt modelId="{90A6C12F-0C5B-41AA-800B-BC261948D502}" type="pres">
       <dgm:prSet presAssocID="{69128290-2081-4E68-9847-58EDCBA92F91}" presName="nodeRect" presStyleLbl="alignNode1" presStyleIdx="2" presStyleCnt="4">
@@ -2447,13 +2384,6 @@
         </dgm:presLayoutVars>
       </dgm:prSet>
       <dgm:spPr/>
-      <dgm:t>
-        <a:bodyPr/>
-        <a:lstStyle/>
-        <a:p>
-          <a:endParaRPr lang="it-IT"/>
-        </a:p>
-      </dgm:t>
     </dgm:pt>
     <dgm:pt modelId="{5207E8C7-2978-4161-BB6B-FA32F17DB40E}" type="pres">
       <dgm:prSet presAssocID="{74213363-BB68-426E-A0CC-21F1F889B241}" presName="sibTrans" presStyleCnt="0"/>
@@ -2470,13 +2400,6 @@
     <dgm:pt modelId="{111876E3-FB47-4A52-921E-F224A2DA1E4F}" type="pres">
       <dgm:prSet presAssocID="{FAD5C1CB-738E-495D-BCD1-F08D3C5A4857}" presName="bgRect" presStyleLbl="alignNode1" presStyleIdx="3" presStyleCnt="4" custScaleY="120730" custLinFactNeighborY="1104"/>
       <dgm:spPr/>
-      <dgm:t>
-        <a:bodyPr/>
-        <a:lstStyle/>
-        <a:p>
-          <a:endParaRPr lang="it-IT"/>
-        </a:p>
-      </dgm:t>
     </dgm:pt>
     <dgm:pt modelId="{C6062BE6-03FD-4D78-8D04-682DA997199E}" type="pres">
       <dgm:prSet presAssocID="{8EA8D63B-5055-4222-B75F-31C6865837C1}" presName="sibTransNodeRect" presStyleLbl="alignNode1" presStyleIdx="3" presStyleCnt="4" custFlipVert="0" custScaleX="40187" custScaleY="43746" custLinFactNeighborX="-519" custLinFactNeighborY="-63716">
@@ -2486,13 +2409,6 @@
         </dgm:presLayoutVars>
       </dgm:prSet>
       <dgm:spPr/>
-      <dgm:t>
-        <a:bodyPr/>
-        <a:lstStyle/>
-        <a:p>
-          <a:endParaRPr lang="it-IT"/>
-        </a:p>
-      </dgm:t>
     </dgm:pt>
     <dgm:pt modelId="{AD949F35-F3D8-47CB-BAFE-886FD2F5C80C}" type="pres">
       <dgm:prSet presAssocID="{FAD5C1CB-738E-495D-BCD1-F08D3C5A4857}" presName="nodeRect" presStyleLbl="alignNode1" presStyleIdx="3" presStyleCnt="4">
@@ -2501,33 +2417,26 @@
         </dgm:presLayoutVars>
       </dgm:prSet>
       <dgm:spPr/>
-      <dgm:t>
-        <a:bodyPr/>
-        <a:lstStyle/>
-        <a:p>
-          <a:endParaRPr lang="it-IT"/>
-        </a:p>
-      </dgm:t>
     </dgm:pt>
   </dgm:ptLst>
   <dgm:cxnLst>
-    <dgm:cxn modelId="{C4D48EA3-0480-45FE-94DF-C0C9D6C3DD05}" srcId="{0B489E6A-972E-44EF-AE19-718816D9EC2C}" destId="{69128290-2081-4E68-9847-58EDCBA92F91}" srcOrd="2" destOrd="0" parTransId="{94B35E93-77A0-4648-B537-2A2FE90D2063}" sibTransId="{74213363-BB68-426E-A0CC-21F1F889B241}"/>
-    <dgm:cxn modelId="{CE6C7BB8-15EA-2048-B228-030FA55ECF84}" type="presOf" srcId="{FAD5C1CB-738E-495D-BCD1-F08D3C5A4857}" destId="{AD949F35-F3D8-47CB-BAFE-886FD2F5C80C}" srcOrd="1" destOrd="0" presId="urn:microsoft.com/office/officeart/2016/7/layout/LinearBlockProcessNumbered"/>
     <dgm:cxn modelId="{813CC900-FB8A-7A45-8324-E78956BE43F7}" type="presOf" srcId="{FAD5C1CB-738E-495D-BCD1-F08D3C5A4857}" destId="{111876E3-FB47-4A52-921E-F224A2DA1E4F}" srcOrd="0" destOrd="0" presId="urn:microsoft.com/office/officeart/2016/7/layout/LinearBlockProcessNumbered"/>
-    <dgm:cxn modelId="{0EC79391-BFF9-7840-BBD0-D9BD14A97FF3}" type="presOf" srcId="{8EA8D63B-5055-4222-B75F-31C6865837C1}" destId="{C6062BE6-03FD-4D78-8D04-682DA997199E}" srcOrd="0" destOrd="0" presId="urn:microsoft.com/office/officeart/2016/7/layout/LinearBlockProcessNumbered"/>
-    <dgm:cxn modelId="{19A2FFD2-51BD-9C48-BB11-9BA32DE54841}" type="presOf" srcId="{A789788D-2BC7-42BE-99DA-4C675B5F87DB}" destId="{A74A78AE-5941-4D66-84EF-38B1D9F8FA7E}" srcOrd="0" destOrd="0" presId="urn:microsoft.com/office/officeart/2016/7/layout/LinearBlockProcessNumbered"/>
+    <dgm:cxn modelId="{8E21630D-EB8E-3A45-AD3F-0A8605CD83B7}" type="presOf" srcId="{0B489E6A-972E-44EF-AE19-718816D9EC2C}" destId="{7FB67A7E-5E1A-4449-97AB-32219E2FEE08}" srcOrd="0" destOrd="0" presId="urn:microsoft.com/office/officeart/2016/7/layout/LinearBlockProcessNumbered"/>
     <dgm:cxn modelId="{C6BBC415-EC39-E54C-AD3B-DBA6B7600147}" type="presOf" srcId="{74213363-BB68-426E-A0CC-21F1F889B241}" destId="{7849BBA6-D266-42A9-B6C6-AD9C6F999483}" srcOrd="0" destOrd="0" presId="urn:microsoft.com/office/officeart/2016/7/layout/LinearBlockProcessNumbered"/>
     <dgm:cxn modelId="{1AE20D66-AA4D-0042-AC65-4F7887F5ADF9}" type="presOf" srcId="{FACD17B6-2F4D-48E5-8D87-4BDB4BF8BBCA}" destId="{AC1DAF9E-D9B9-41BE-8EC2-F8DE89D3885F}" srcOrd="0" destOrd="0" presId="urn:microsoft.com/office/officeart/2016/7/layout/LinearBlockProcessNumbered"/>
+    <dgm:cxn modelId="{555BB654-D054-428A-BF8F-C61D5FCA1AD4}" srcId="{0B489E6A-972E-44EF-AE19-718816D9EC2C}" destId="{9B872567-EFDF-4C1B-8AFB-BC96F3FFEBFA}" srcOrd="0" destOrd="0" parTransId="{58B70363-741A-4A55-8DAE-0828CE7E6240}" sibTransId="{FACD17B6-2F4D-48E5-8D87-4BDB4BF8BBCA}"/>
+    <dgm:cxn modelId="{EEFAC975-EA67-9D43-81C6-0DEBA00395DC}" type="presOf" srcId="{69128290-2081-4E68-9847-58EDCBA92F91}" destId="{FAE33C77-3AA2-465C-A7FC-A45C00119CA3}" srcOrd="0" destOrd="0" presId="urn:microsoft.com/office/officeart/2016/7/layout/LinearBlockProcessNumbered"/>
+    <dgm:cxn modelId="{1F181680-1D9C-274D-AA2B-1FA16C4CF1EE}" type="presOf" srcId="{4F4F8776-F9C4-4919-9907-F0EA7B5E8299}" destId="{5E7B9680-9FC6-4DC8-9B13-653326B1FEFE}" srcOrd="0" destOrd="0" presId="urn:microsoft.com/office/officeart/2016/7/layout/LinearBlockProcessNumbered"/>
+    <dgm:cxn modelId="{FD5AEE82-406B-2D4D-930B-9327A63DAECB}" type="presOf" srcId="{A789788D-2BC7-42BE-99DA-4C675B5F87DB}" destId="{5EE1BECF-F457-49B4-9844-C1E148E40E0D}" srcOrd="1" destOrd="0" presId="urn:microsoft.com/office/officeart/2016/7/layout/LinearBlockProcessNumbered"/>
+    <dgm:cxn modelId="{CC95E389-4DE9-45FD-A6F7-E7AFB0ECB8DC}" srcId="{0B489E6A-972E-44EF-AE19-718816D9EC2C}" destId="{A789788D-2BC7-42BE-99DA-4C675B5F87DB}" srcOrd="1" destOrd="0" parTransId="{E2E3FD5C-3D83-4148-A48A-DCECD48BCBE1}" sibTransId="{4F4F8776-F9C4-4919-9907-F0EA7B5E8299}"/>
+    <dgm:cxn modelId="{0EC79391-BFF9-7840-BBD0-D9BD14A97FF3}" type="presOf" srcId="{8EA8D63B-5055-4222-B75F-31C6865837C1}" destId="{C6062BE6-03FD-4D78-8D04-682DA997199E}" srcOrd="0" destOrd="0" presId="urn:microsoft.com/office/officeart/2016/7/layout/LinearBlockProcessNumbered"/>
+    <dgm:cxn modelId="{7664DF91-BFB6-440D-9EDB-2905780A2858}" srcId="{0B489E6A-972E-44EF-AE19-718816D9EC2C}" destId="{FAD5C1CB-738E-495D-BCD1-F08D3C5A4857}" srcOrd="3" destOrd="0" parTransId="{5A3D2556-DCAE-49A0-9495-ED80ED829676}" sibTransId="{8EA8D63B-5055-4222-B75F-31C6865837C1}"/>
+    <dgm:cxn modelId="{C4D48EA3-0480-45FE-94DF-C0C9D6C3DD05}" srcId="{0B489E6A-972E-44EF-AE19-718816D9EC2C}" destId="{69128290-2081-4E68-9847-58EDCBA92F91}" srcOrd="2" destOrd="0" parTransId="{94B35E93-77A0-4648-B537-2A2FE90D2063}" sibTransId="{74213363-BB68-426E-A0CC-21F1F889B241}"/>
+    <dgm:cxn modelId="{7CEA08AF-52C4-9C4A-80C1-9EA0AD141EA3}" type="presOf" srcId="{69128290-2081-4E68-9847-58EDCBA92F91}" destId="{90A6C12F-0C5B-41AA-800B-BC261948D502}" srcOrd="1" destOrd="0" presId="urn:microsoft.com/office/officeart/2016/7/layout/LinearBlockProcessNumbered"/>
+    <dgm:cxn modelId="{CE6C7BB8-15EA-2048-B228-030FA55ECF84}" type="presOf" srcId="{FAD5C1CB-738E-495D-BCD1-F08D3C5A4857}" destId="{AD949F35-F3D8-47CB-BAFE-886FD2F5C80C}" srcOrd="1" destOrd="0" presId="urn:microsoft.com/office/officeart/2016/7/layout/LinearBlockProcessNumbered"/>
+    <dgm:cxn modelId="{19A2FFD2-51BD-9C48-BB11-9BA32DE54841}" type="presOf" srcId="{A789788D-2BC7-42BE-99DA-4C675B5F87DB}" destId="{A74A78AE-5941-4D66-84EF-38B1D9F8FA7E}" srcOrd="0" destOrd="0" presId="urn:microsoft.com/office/officeart/2016/7/layout/LinearBlockProcessNumbered"/>
+    <dgm:cxn modelId="{11CA90D8-6205-5948-9E5F-4558052370AE}" type="presOf" srcId="{9B872567-EFDF-4C1B-8AFB-BC96F3FFEBFA}" destId="{6110B588-C671-416F-89BF-E26F13F8955B}" srcOrd="0" destOrd="0" presId="urn:microsoft.com/office/officeart/2016/7/layout/LinearBlockProcessNumbered"/>
     <dgm:cxn modelId="{99BAADD8-0CD4-164B-A56D-685844EB825E}" type="presOf" srcId="{9B872567-EFDF-4C1B-8AFB-BC96F3FFEBFA}" destId="{8ECF17BF-C584-46A0-9C82-D0A8DD07CACF}" srcOrd="1" destOrd="0" presId="urn:microsoft.com/office/officeart/2016/7/layout/LinearBlockProcessNumbered"/>
-    <dgm:cxn modelId="{11CA90D8-6205-5948-9E5F-4558052370AE}" type="presOf" srcId="{9B872567-EFDF-4C1B-8AFB-BC96F3FFEBFA}" destId="{6110B588-C671-416F-89BF-E26F13F8955B}" srcOrd="0" destOrd="0" presId="urn:microsoft.com/office/officeart/2016/7/layout/LinearBlockProcessNumbered"/>
-    <dgm:cxn modelId="{EEFAC975-EA67-9D43-81C6-0DEBA00395DC}" type="presOf" srcId="{69128290-2081-4E68-9847-58EDCBA92F91}" destId="{FAE33C77-3AA2-465C-A7FC-A45C00119CA3}" srcOrd="0" destOrd="0" presId="urn:microsoft.com/office/officeart/2016/7/layout/LinearBlockProcessNumbered"/>
-    <dgm:cxn modelId="{555BB654-D054-428A-BF8F-C61D5FCA1AD4}" srcId="{0B489E6A-972E-44EF-AE19-718816D9EC2C}" destId="{9B872567-EFDF-4C1B-8AFB-BC96F3FFEBFA}" srcOrd="0" destOrd="0" parTransId="{58B70363-741A-4A55-8DAE-0828CE7E6240}" sibTransId="{FACD17B6-2F4D-48E5-8D87-4BDB4BF8BBCA}"/>
-    <dgm:cxn modelId="{7664DF91-BFB6-440D-9EDB-2905780A2858}" srcId="{0B489E6A-972E-44EF-AE19-718816D9EC2C}" destId="{FAD5C1CB-738E-495D-BCD1-F08D3C5A4857}" srcOrd="3" destOrd="0" parTransId="{5A3D2556-DCAE-49A0-9495-ED80ED829676}" sibTransId="{8EA8D63B-5055-4222-B75F-31C6865837C1}"/>
-    <dgm:cxn modelId="{FD5AEE82-406B-2D4D-930B-9327A63DAECB}" type="presOf" srcId="{A789788D-2BC7-42BE-99DA-4C675B5F87DB}" destId="{5EE1BECF-F457-49B4-9844-C1E148E40E0D}" srcOrd="1" destOrd="0" presId="urn:microsoft.com/office/officeart/2016/7/layout/LinearBlockProcessNumbered"/>
-    <dgm:cxn modelId="{8E21630D-EB8E-3A45-AD3F-0A8605CD83B7}" type="presOf" srcId="{0B489E6A-972E-44EF-AE19-718816D9EC2C}" destId="{7FB67A7E-5E1A-4449-97AB-32219E2FEE08}" srcOrd="0" destOrd="0" presId="urn:microsoft.com/office/officeart/2016/7/layout/LinearBlockProcessNumbered"/>
-    <dgm:cxn modelId="{CC95E389-4DE9-45FD-A6F7-E7AFB0ECB8DC}" srcId="{0B489E6A-972E-44EF-AE19-718816D9EC2C}" destId="{A789788D-2BC7-42BE-99DA-4C675B5F87DB}" srcOrd="1" destOrd="0" parTransId="{E2E3FD5C-3D83-4148-A48A-DCECD48BCBE1}" sibTransId="{4F4F8776-F9C4-4919-9907-F0EA7B5E8299}"/>
-    <dgm:cxn modelId="{1F181680-1D9C-274D-AA2B-1FA16C4CF1EE}" type="presOf" srcId="{4F4F8776-F9C4-4919-9907-F0EA7B5E8299}" destId="{5E7B9680-9FC6-4DC8-9B13-653326B1FEFE}" srcOrd="0" destOrd="0" presId="urn:microsoft.com/office/officeart/2016/7/layout/LinearBlockProcessNumbered"/>
-    <dgm:cxn modelId="{7CEA08AF-52C4-9C4A-80C1-9EA0AD141EA3}" type="presOf" srcId="{69128290-2081-4E68-9847-58EDCBA92F91}" destId="{90A6C12F-0C5B-41AA-800B-BC261948D502}" srcOrd="1" destOrd="0" presId="urn:microsoft.com/office/officeart/2016/7/layout/LinearBlockProcessNumbered"/>
     <dgm:cxn modelId="{F1E39E1F-EF8A-2248-B66C-FA62A8805C87}" type="presParOf" srcId="{7FB67A7E-5E1A-4449-97AB-32219E2FEE08}" destId="{DF13AF8B-7744-4589-BEE8-8D137E2B3F84}" srcOrd="0" destOrd="0" presId="urn:microsoft.com/office/officeart/2016/7/layout/LinearBlockProcessNumbered"/>
     <dgm:cxn modelId="{7CD6A067-6785-0E4F-888B-0646FF88B0A0}" type="presParOf" srcId="{DF13AF8B-7744-4589-BEE8-8D137E2B3F84}" destId="{6110B588-C671-416F-89BF-E26F13F8955B}" srcOrd="0" destOrd="0" presId="urn:microsoft.com/office/officeart/2016/7/layout/LinearBlockProcessNumbered"/>
     <dgm:cxn modelId="{C4D91AD3-79E4-C941-8C47-79664217B5E3}" type="presParOf" srcId="{DF13AF8B-7744-4589-BEE8-8D137E2B3F84}" destId="{AC1DAF9E-D9B9-41BE-8EC2-F8DE89D3885F}" srcOrd="1" destOrd="0" presId="urn:microsoft.com/office/officeart/2016/7/layout/LinearBlockProcessNumbered"/>
@@ -3090,13 +2999,6 @@
         </dgm:presLayoutVars>
       </dgm:prSet>
       <dgm:spPr/>
-      <dgm:t>
-        <a:bodyPr/>
-        <a:lstStyle/>
-        <a:p>
-          <a:endParaRPr lang="it-IT"/>
-        </a:p>
-      </dgm:t>
     </dgm:pt>
     <dgm:pt modelId="{EC400221-5B3E-4704-830F-E6B0FE6BE857}" type="pres">
       <dgm:prSet presAssocID="{B3213BC7-026C-4063-842C-922F37494025}" presName="node" presStyleLbl="node1" presStyleIdx="0" presStyleCnt="8">
@@ -3105,13 +3007,6 @@
         </dgm:presLayoutVars>
       </dgm:prSet>
       <dgm:spPr/>
-      <dgm:t>
-        <a:bodyPr/>
-        <a:lstStyle/>
-        <a:p>
-          <a:endParaRPr lang="it-IT"/>
-        </a:p>
-      </dgm:t>
     </dgm:pt>
     <dgm:pt modelId="{18825C66-8611-43D0-8C5F-0E51E820CA72}" type="pres">
       <dgm:prSet presAssocID="{C89F1AAD-9C46-44EF-BF00-F52F6D4F9E86}" presName="sibTrans" presStyleCnt="0"/>
@@ -3124,13 +3019,6 @@
         </dgm:presLayoutVars>
       </dgm:prSet>
       <dgm:spPr/>
-      <dgm:t>
-        <a:bodyPr/>
-        <a:lstStyle/>
-        <a:p>
-          <a:endParaRPr lang="it-IT"/>
-        </a:p>
-      </dgm:t>
     </dgm:pt>
     <dgm:pt modelId="{C8464BB5-880B-4A6E-B497-93A90AA9D90D}" type="pres">
       <dgm:prSet presAssocID="{224D462D-A87C-463C-B4AC-5539F7E40D23}" presName="sibTrans" presStyleCnt="0"/>
@@ -3143,13 +3031,6 @@
         </dgm:presLayoutVars>
       </dgm:prSet>
       <dgm:spPr/>
-      <dgm:t>
-        <a:bodyPr/>
-        <a:lstStyle/>
-        <a:p>
-          <a:endParaRPr lang="it-IT"/>
-        </a:p>
-      </dgm:t>
     </dgm:pt>
     <dgm:pt modelId="{5A42969C-E213-4748-B273-1843D77C6EA4}" type="pres">
       <dgm:prSet presAssocID="{5F286498-3DD1-4AE4-8EE0-6EB9187B8C58}" presName="sibTrans" presStyleCnt="0"/>
@@ -3162,13 +3043,6 @@
         </dgm:presLayoutVars>
       </dgm:prSet>
       <dgm:spPr/>
-      <dgm:t>
-        <a:bodyPr/>
-        <a:lstStyle/>
-        <a:p>
-          <a:endParaRPr lang="it-IT"/>
-        </a:p>
-      </dgm:t>
     </dgm:pt>
     <dgm:pt modelId="{7B120E63-2AD1-4744-8344-228BA899F3CA}" type="pres">
       <dgm:prSet presAssocID="{85B4F3AD-433A-4BF4-9895-4EAC0752368E}" presName="sibTrans" presStyleCnt="0"/>
@@ -3181,13 +3055,6 @@
         </dgm:presLayoutVars>
       </dgm:prSet>
       <dgm:spPr/>
-      <dgm:t>
-        <a:bodyPr/>
-        <a:lstStyle/>
-        <a:p>
-          <a:endParaRPr lang="it-IT"/>
-        </a:p>
-      </dgm:t>
     </dgm:pt>
     <dgm:pt modelId="{7E51F8D1-A041-416F-BED3-C51F74ABC606}" type="pres">
       <dgm:prSet presAssocID="{E4555F18-99C2-4A68-9F74-B6DC760C6DD3}" presName="sibTrans" presStyleCnt="0"/>
@@ -3200,13 +3067,6 @@
         </dgm:presLayoutVars>
       </dgm:prSet>
       <dgm:spPr/>
-      <dgm:t>
-        <a:bodyPr/>
-        <a:lstStyle/>
-        <a:p>
-          <a:endParaRPr lang="it-IT"/>
-        </a:p>
-      </dgm:t>
     </dgm:pt>
     <dgm:pt modelId="{D6CA05BA-210B-4A13-A6FA-A5D571F0F75D}" type="pres">
       <dgm:prSet presAssocID="{AD91095F-7D21-4A5F-9B3B-1B9B0104D6BD}" presName="sibTrans" presStyleCnt="0"/>
@@ -3219,13 +3079,6 @@
         </dgm:presLayoutVars>
       </dgm:prSet>
       <dgm:spPr/>
-      <dgm:t>
-        <a:bodyPr/>
-        <a:lstStyle/>
-        <a:p>
-          <a:endParaRPr lang="it-IT"/>
-        </a:p>
-      </dgm:t>
     </dgm:pt>
     <dgm:pt modelId="{B82CA663-A151-4E06-A648-21850004D6BC}" type="pres">
       <dgm:prSet presAssocID="{D6D29D83-24C9-4A8F-94CD-9A44F67E1D24}" presName="sibTrans" presStyleCnt="0"/>
@@ -3238,33 +3091,26 @@
         </dgm:presLayoutVars>
       </dgm:prSet>
       <dgm:spPr/>
-      <dgm:t>
-        <a:bodyPr/>
-        <a:lstStyle/>
-        <a:p>
-          <a:endParaRPr lang="it-IT"/>
-        </a:p>
-      </dgm:t>
     </dgm:pt>
   </dgm:ptLst>
   <dgm:cxnLst>
+    <dgm:cxn modelId="{999CF001-6A76-4C31-AC48-5A26B96630E1}" srcId="{ADA23775-9C5C-4DED-90A7-BEDF571F2915}" destId="{C522442E-1D47-4F8E-86B3-FD8E1C94F0D7}" srcOrd="2" destOrd="0" parTransId="{1B467899-BB5F-4159-82C4-FEDC10E754DB}" sibTransId="{5F286498-3DD1-4AE4-8EE0-6EB9187B8C58}"/>
+    <dgm:cxn modelId="{6951FD11-75A6-4A61-8688-ED9E1CC47539}" srcId="{ADA23775-9C5C-4DED-90A7-BEDF571F2915}" destId="{42117951-3DC0-49A3-9C13-4F8D9A6CBB39}" srcOrd="1" destOrd="0" parTransId="{A8E2D20B-1666-4668-9DB3-5E08BAE040BA}" sibTransId="{224D462D-A87C-463C-B4AC-5539F7E40D23}"/>
+    <dgm:cxn modelId="{FCD30331-521C-42AB-99C7-D0DB153D57F9}" srcId="{ADA23775-9C5C-4DED-90A7-BEDF571F2915}" destId="{3F5B9A0C-11F5-423D-B7F8-66978FC464D8}" srcOrd="7" destOrd="0" parTransId="{D036466B-6284-4EC1-AEA6-CA69F8C9BD87}" sibTransId="{00E3115F-D182-484A-8321-E97D8830A384}"/>
+    <dgm:cxn modelId="{34B30748-5883-F349-9AAD-F77246323104}" type="presOf" srcId="{E9B5EB73-B77F-48F3-BDE3-1AC8717EF9BB}" destId="{BC21A1B2-DFE8-4892-AB2D-1A2BB1AC7BF5}" srcOrd="0" destOrd="0" presId="urn:microsoft.com/office/officeart/2005/8/layout/default"/>
+    <dgm:cxn modelId="{B1C0D951-F45D-406B-BEA3-042705860F26}" srcId="{ADA23775-9C5C-4DED-90A7-BEDF571F2915}" destId="{E9B5EB73-B77F-48F3-BDE3-1AC8717EF9BB}" srcOrd="3" destOrd="0" parTransId="{87D79049-2918-43B9-AF5D-686C741E3655}" sibTransId="{85B4F3AD-433A-4BF4-9895-4EAC0752368E}"/>
+    <dgm:cxn modelId="{B37AD556-4B89-934E-AEB7-53EC36C5C8B5}" type="presOf" srcId="{ADA23775-9C5C-4DED-90A7-BEDF571F2915}" destId="{0B091D1A-1755-41DB-AA33-3D92F130E811}" srcOrd="0" destOrd="0" presId="urn:microsoft.com/office/officeart/2005/8/layout/default"/>
+    <dgm:cxn modelId="{81700F7F-4335-4E1C-980E-632D3897E0F2}" srcId="{ADA23775-9C5C-4DED-90A7-BEDF571F2915}" destId="{562704B0-2F52-4ACB-AE49-A0E819B65BD4}" srcOrd="5" destOrd="0" parTransId="{989E4511-207D-4E94-AAD8-2B658955DB2F}" sibTransId="{AD91095F-7D21-4A5F-9B3B-1B9B0104D6BD}"/>
+    <dgm:cxn modelId="{1CB80AA1-29C3-4483-97F0-415B798A0DF8}" srcId="{ADA23775-9C5C-4DED-90A7-BEDF571F2915}" destId="{B3213BC7-026C-4063-842C-922F37494025}" srcOrd="0" destOrd="0" parTransId="{E348462D-34BE-454A-8049-61F7B9B6D19D}" sibTransId="{C89F1AAD-9C46-44EF-BF00-F52F6D4F9E86}"/>
+    <dgm:cxn modelId="{E80E4AA2-BE2C-E944-9D88-50F4EE7F590E}" type="presOf" srcId="{C522442E-1D47-4F8E-86B3-FD8E1C94F0D7}" destId="{913BEC82-19A7-481C-812D-21D9AD447867}" srcOrd="0" destOrd="0" presId="urn:microsoft.com/office/officeart/2005/8/layout/default"/>
+    <dgm:cxn modelId="{FE70ACC0-02E7-4718-9218-D51A4867C883}" srcId="{ADA23775-9C5C-4DED-90A7-BEDF571F2915}" destId="{EA1637CB-9BDB-4F9E-A15F-6BB2FFBA0653}" srcOrd="6" destOrd="0" parTransId="{B10FF396-4CFE-45A0-8082-A0B152CD9973}" sibTransId="{D6D29D83-24C9-4A8F-94CD-9A44F67E1D24}"/>
+    <dgm:cxn modelId="{404ADCC5-3AD5-0A41-80BB-C3909EFA9979}" type="presOf" srcId="{562704B0-2F52-4ACB-AE49-A0E819B65BD4}" destId="{57435459-264B-4997-B063-0203792E95E0}" srcOrd="0" destOrd="0" presId="urn:microsoft.com/office/officeart/2005/8/layout/default"/>
+    <dgm:cxn modelId="{3D6D65C7-51E5-404A-9456-55D1EC46311A}" type="presOf" srcId="{B3213BC7-026C-4063-842C-922F37494025}" destId="{EC400221-5B3E-4704-830F-E6B0FE6BE857}" srcOrd="0" destOrd="0" presId="urn:microsoft.com/office/officeart/2005/8/layout/default"/>
+    <dgm:cxn modelId="{396156EA-A77A-AB47-9F24-99915C93DC50}" type="presOf" srcId="{90938726-65B3-4E11-8EEB-E4AAF84CA339}" destId="{298A701D-5DA2-4BDE-89E7-030D332FFA74}" srcOrd="0" destOrd="0" presId="urn:microsoft.com/office/officeart/2005/8/layout/default"/>
+    <dgm:cxn modelId="{997B29ED-64C2-E645-9F30-A6D5E63AF8BF}" type="presOf" srcId="{42117951-3DC0-49A3-9C13-4F8D9A6CBB39}" destId="{14839345-A8D4-4FB8-BAA9-6A6E99A04A53}" srcOrd="0" destOrd="0" presId="urn:microsoft.com/office/officeart/2005/8/layout/default"/>
+    <dgm:cxn modelId="{0738C3F5-BF55-6A4E-BFB9-06D7D6C4F6B0}" type="presOf" srcId="{3F5B9A0C-11F5-423D-B7F8-66978FC464D8}" destId="{F516814E-CC30-4267-B271-855545C72895}" srcOrd="0" destOrd="0" presId="urn:microsoft.com/office/officeart/2005/8/layout/default"/>
+    <dgm:cxn modelId="{99C573FA-CFAF-4179-82AB-24E0F5ECF53A}" srcId="{ADA23775-9C5C-4DED-90A7-BEDF571F2915}" destId="{90938726-65B3-4E11-8EEB-E4AAF84CA339}" srcOrd="4" destOrd="0" parTransId="{01860D45-C6AE-4463-8AD6-466976EF0CA7}" sibTransId="{E4555F18-99C2-4A68-9F74-B6DC760C6DD3}"/>
     <dgm:cxn modelId="{1E8F23FE-1587-8F4E-97F0-7F555239172A}" type="presOf" srcId="{EA1637CB-9BDB-4F9E-A15F-6BB2FFBA0653}" destId="{60B40670-08B0-46AC-AEE4-D93FB4D67BE6}" srcOrd="0" destOrd="0" presId="urn:microsoft.com/office/officeart/2005/8/layout/default"/>
-    <dgm:cxn modelId="{B37AD556-4B89-934E-AEB7-53EC36C5C8B5}" type="presOf" srcId="{ADA23775-9C5C-4DED-90A7-BEDF571F2915}" destId="{0B091D1A-1755-41DB-AA33-3D92F130E811}" srcOrd="0" destOrd="0" presId="urn:microsoft.com/office/officeart/2005/8/layout/default"/>
-    <dgm:cxn modelId="{1CB80AA1-29C3-4483-97F0-415B798A0DF8}" srcId="{ADA23775-9C5C-4DED-90A7-BEDF571F2915}" destId="{B3213BC7-026C-4063-842C-922F37494025}" srcOrd="0" destOrd="0" parTransId="{E348462D-34BE-454A-8049-61F7B9B6D19D}" sibTransId="{C89F1AAD-9C46-44EF-BF00-F52F6D4F9E86}"/>
-    <dgm:cxn modelId="{99C573FA-CFAF-4179-82AB-24E0F5ECF53A}" srcId="{ADA23775-9C5C-4DED-90A7-BEDF571F2915}" destId="{90938726-65B3-4E11-8EEB-E4AAF84CA339}" srcOrd="4" destOrd="0" parTransId="{01860D45-C6AE-4463-8AD6-466976EF0CA7}" sibTransId="{E4555F18-99C2-4A68-9F74-B6DC760C6DD3}"/>
-    <dgm:cxn modelId="{404ADCC5-3AD5-0A41-80BB-C3909EFA9979}" type="presOf" srcId="{562704B0-2F52-4ACB-AE49-A0E819B65BD4}" destId="{57435459-264B-4997-B063-0203792E95E0}" srcOrd="0" destOrd="0" presId="urn:microsoft.com/office/officeart/2005/8/layout/default"/>
-    <dgm:cxn modelId="{34B30748-5883-F349-9AAD-F77246323104}" type="presOf" srcId="{E9B5EB73-B77F-48F3-BDE3-1AC8717EF9BB}" destId="{BC21A1B2-DFE8-4892-AB2D-1A2BB1AC7BF5}" srcOrd="0" destOrd="0" presId="urn:microsoft.com/office/officeart/2005/8/layout/default"/>
-    <dgm:cxn modelId="{E80E4AA2-BE2C-E944-9D88-50F4EE7F590E}" type="presOf" srcId="{C522442E-1D47-4F8E-86B3-FD8E1C94F0D7}" destId="{913BEC82-19A7-481C-812D-21D9AD447867}" srcOrd="0" destOrd="0" presId="urn:microsoft.com/office/officeart/2005/8/layout/default"/>
-    <dgm:cxn modelId="{0738C3F5-BF55-6A4E-BFB9-06D7D6C4F6B0}" type="presOf" srcId="{3F5B9A0C-11F5-423D-B7F8-66978FC464D8}" destId="{F516814E-CC30-4267-B271-855545C72895}" srcOrd="0" destOrd="0" presId="urn:microsoft.com/office/officeart/2005/8/layout/default"/>
-    <dgm:cxn modelId="{997B29ED-64C2-E645-9F30-A6D5E63AF8BF}" type="presOf" srcId="{42117951-3DC0-49A3-9C13-4F8D9A6CBB39}" destId="{14839345-A8D4-4FB8-BAA9-6A6E99A04A53}" srcOrd="0" destOrd="0" presId="urn:microsoft.com/office/officeart/2005/8/layout/default"/>
-    <dgm:cxn modelId="{6951FD11-75A6-4A61-8688-ED9E1CC47539}" srcId="{ADA23775-9C5C-4DED-90A7-BEDF571F2915}" destId="{42117951-3DC0-49A3-9C13-4F8D9A6CBB39}" srcOrd="1" destOrd="0" parTransId="{A8E2D20B-1666-4668-9DB3-5E08BAE040BA}" sibTransId="{224D462D-A87C-463C-B4AC-5539F7E40D23}"/>
-    <dgm:cxn modelId="{FE70ACC0-02E7-4718-9218-D51A4867C883}" srcId="{ADA23775-9C5C-4DED-90A7-BEDF571F2915}" destId="{EA1637CB-9BDB-4F9E-A15F-6BB2FFBA0653}" srcOrd="6" destOrd="0" parTransId="{B10FF396-4CFE-45A0-8082-A0B152CD9973}" sibTransId="{D6D29D83-24C9-4A8F-94CD-9A44F67E1D24}"/>
-    <dgm:cxn modelId="{81700F7F-4335-4E1C-980E-632D3897E0F2}" srcId="{ADA23775-9C5C-4DED-90A7-BEDF571F2915}" destId="{562704B0-2F52-4ACB-AE49-A0E819B65BD4}" srcOrd="5" destOrd="0" parTransId="{989E4511-207D-4E94-AAD8-2B658955DB2F}" sibTransId="{AD91095F-7D21-4A5F-9B3B-1B9B0104D6BD}"/>
-    <dgm:cxn modelId="{3D6D65C7-51E5-404A-9456-55D1EC46311A}" type="presOf" srcId="{B3213BC7-026C-4063-842C-922F37494025}" destId="{EC400221-5B3E-4704-830F-E6B0FE6BE857}" srcOrd="0" destOrd="0" presId="urn:microsoft.com/office/officeart/2005/8/layout/default"/>
-    <dgm:cxn modelId="{B1C0D951-F45D-406B-BEA3-042705860F26}" srcId="{ADA23775-9C5C-4DED-90A7-BEDF571F2915}" destId="{E9B5EB73-B77F-48F3-BDE3-1AC8717EF9BB}" srcOrd="3" destOrd="0" parTransId="{87D79049-2918-43B9-AF5D-686C741E3655}" sibTransId="{85B4F3AD-433A-4BF4-9895-4EAC0752368E}"/>
-    <dgm:cxn modelId="{FCD30331-521C-42AB-99C7-D0DB153D57F9}" srcId="{ADA23775-9C5C-4DED-90A7-BEDF571F2915}" destId="{3F5B9A0C-11F5-423D-B7F8-66978FC464D8}" srcOrd="7" destOrd="0" parTransId="{D036466B-6284-4EC1-AEA6-CA69F8C9BD87}" sibTransId="{00E3115F-D182-484A-8321-E97D8830A384}"/>
-    <dgm:cxn modelId="{396156EA-A77A-AB47-9F24-99915C93DC50}" type="presOf" srcId="{90938726-65B3-4E11-8EEB-E4AAF84CA339}" destId="{298A701D-5DA2-4BDE-89E7-030D332FFA74}" srcOrd="0" destOrd="0" presId="urn:microsoft.com/office/officeart/2005/8/layout/default"/>
-    <dgm:cxn modelId="{999CF001-6A76-4C31-AC48-5A26B96630E1}" srcId="{ADA23775-9C5C-4DED-90A7-BEDF571F2915}" destId="{C522442E-1D47-4F8E-86B3-FD8E1C94F0D7}" srcOrd="2" destOrd="0" parTransId="{1B467899-BB5F-4159-82C4-FEDC10E754DB}" sibTransId="{5F286498-3DD1-4AE4-8EE0-6EB9187B8C58}"/>
     <dgm:cxn modelId="{9A1791EF-0D69-E24C-8A46-2BE02199F3AC}" type="presParOf" srcId="{0B091D1A-1755-41DB-AA33-3D92F130E811}" destId="{EC400221-5B3E-4704-830F-E6B0FE6BE857}" srcOrd="0" destOrd="0" presId="urn:microsoft.com/office/officeart/2005/8/layout/default"/>
     <dgm:cxn modelId="{64872DCA-A621-CA47-9D57-3E69A67A82B6}" type="presParOf" srcId="{0B091D1A-1755-41DB-AA33-3D92F130E811}" destId="{18825C66-8611-43D0-8C5F-0E51E820CA72}" srcOrd="1" destOrd="0" presId="urn:microsoft.com/office/officeart/2005/8/layout/default"/>
     <dgm:cxn modelId="{BDA9D887-60A5-BF46-AC4D-2A98DEF3FDC8}" type="presParOf" srcId="{0B091D1A-1755-41DB-AA33-3D92F130E811}" destId="{14839345-A8D4-4FB8-BAA9-6A6E99A04A53}" srcOrd="2" destOrd="0" presId="urn:microsoft.com/office/officeart/2005/8/layout/default"/>
@@ -3390,7 +3236,7 @@
         </a:bodyPr>
         <a:lstStyle/>
         <a:p>
-          <a:pPr lvl="0" algn="l" defTabSz="1155700">
+          <a:pPr marL="0" lvl="0" indent="0" algn="l" defTabSz="1155700">
             <a:lnSpc>
               <a:spcPct val="90000"/>
             </a:lnSpc>
@@ -3400,14 +3246,15 @@
             <a:spcAft>
               <a:spcPct val="35000"/>
             </a:spcAft>
+            <a:buNone/>
           </a:pPr>
           <a:r>
-            <a:rPr lang="it-IT" sz="2600" kern="1200" dirty="0" smtClean="0"/>
+            <a:rPr lang="it-IT" sz="2600" kern="1200" dirty="0"/>
             <a:t>Processi interni</a:t>
           </a:r>
         </a:p>
         <a:p>
-          <a:pPr lvl="0" algn="l" defTabSz="1155700">
+          <a:pPr marL="0" lvl="0" indent="0" algn="l" defTabSz="1155700">
             <a:lnSpc>
               <a:spcPct val="90000"/>
             </a:lnSpc>
@@ -3417,19 +3264,20 @@
             <a:spcAft>
               <a:spcPct val="35000"/>
             </a:spcAft>
+            <a:buNone/>
           </a:pPr>
           <a:r>
-            <a:rPr lang="it-IT" sz="1600" kern="1200" dirty="0" smtClean="0"/>
+            <a:rPr lang="it-IT" sz="1600" kern="1200" dirty="0"/>
             <a:t>- Model </a:t>
           </a:r>
           <a:r>
-            <a:rPr lang="it-IT" sz="1600" kern="1200" dirty="0" err="1" smtClean="0"/>
+            <a:rPr lang="it-IT" sz="1600" kern="1200" dirty="0" err="1"/>
             <a:t>risk</a:t>
           </a:r>
-          <a:endParaRPr lang="it-IT" sz="1600" kern="1200" dirty="0" smtClean="0"/>
+          <a:endParaRPr lang="it-IT" sz="1600" kern="1200" dirty="0"/>
         </a:p>
         <a:p>
-          <a:pPr lvl="0" algn="l" defTabSz="1155700">
+          <a:pPr marL="0" lvl="0" indent="0" algn="l" defTabSz="1155700">
             <a:lnSpc>
               <a:spcPct val="90000"/>
             </a:lnSpc>
@@ -3439,27 +3287,28 @@
             <a:spcAft>
               <a:spcPct val="35000"/>
             </a:spcAft>
+            <a:buNone/>
           </a:pPr>
           <a:r>
-            <a:rPr lang="it-IT" sz="1600" kern="1200" dirty="0" smtClean="0"/>
+            <a:rPr lang="it-IT" sz="1600" kern="1200" dirty="0"/>
             <a:t>- </a:t>
           </a:r>
           <a:r>
-            <a:rPr lang="it-IT" sz="1600" kern="1200" dirty="0" err="1" smtClean="0"/>
+            <a:rPr lang="it-IT" sz="1600" kern="1200" dirty="0" err="1"/>
             <a:t>Transaction</a:t>
           </a:r>
           <a:r>
-            <a:rPr lang="it-IT" sz="1600" kern="1200" dirty="0" smtClean="0"/>
+            <a:rPr lang="it-IT" sz="1600" kern="1200" dirty="0"/>
             <a:t> </a:t>
           </a:r>
           <a:r>
-            <a:rPr lang="it-IT" sz="1600" kern="1200" dirty="0" err="1" smtClean="0"/>
+            <a:rPr lang="it-IT" sz="1600" kern="1200" dirty="0" err="1"/>
             <a:t>risk</a:t>
           </a:r>
-          <a:endParaRPr lang="it-IT" sz="1600" kern="1200" dirty="0" smtClean="0"/>
+          <a:endParaRPr lang="it-IT" sz="1600" kern="1200" dirty="0"/>
         </a:p>
         <a:p>
-          <a:pPr lvl="0" algn="l" defTabSz="1155700">
+          <a:pPr marL="0" lvl="0" indent="0" algn="l" defTabSz="1155700">
             <a:lnSpc>
               <a:spcPct val="90000"/>
             </a:lnSpc>
@@ -3469,19 +3318,20 @@
             <a:spcAft>
               <a:spcPct val="35000"/>
             </a:spcAft>
+            <a:buNone/>
           </a:pPr>
           <a:r>
-            <a:rPr lang="it-IT" sz="1600" kern="1200" dirty="0" smtClean="0"/>
+            <a:rPr lang="it-IT" sz="1600" kern="1200" dirty="0"/>
             <a:t>- Security </a:t>
           </a:r>
           <a:r>
-            <a:rPr lang="it-IT" sz="1600" kern="1200" dirty="0" err="1" smtClean="0"/>
+            <a:rPr lang="it-IT" sz="1600" kern="1200" dirty="0" err="1"/>
             <a:t>risk</a:t>
           </a:r>
-          <a:endParaRPr lang="it-IT" sz="1600" kern="1200" dirty="0" smtClean="0"/>
+          <a:endParaRPr lang="it-IT" sz="1600" kern="1200" dirty="0"/>
         </a:p>
         <a:p>
-          <a:pPr lvl="0" algn="l" defTabSz="1155700">
+          <a:pPr marL="0" lvl="0" indent="0" algn="l" defTabSz="1155700">
             <a:lnSpc>
               <a:spcPct val="90000"/>
             </a:lnSpc>
@@ -3491,27 +3341,28 @@
             <a:spcAft>
               <a:spcPct val="35000"/>
             </a:spcAft>
+            <a:buNone/>
           </a:pPr>
           <a:r>
-            <a:rPr lang="it-IT" sz="1600" kern="1200" dirty="0" smtClean="0"/>
+            <a:rPr lang="it-IT" sz="1600" kern="1200" dirty="0"/>
             <a:t>- </a:t>
           </a:r>
           <a:r>
-            <a:rPr lang="it-IT" sz="1600" kern="1200" dirty="0" err="1" smtClean="0"/>
+            <a:rPr lang="it-IT" sz="1600" kern="1200" dirty="0" err="1"/>
             <a:t>Settlement</a:t>
           </a:r>
           <a:r>
-            <a:rPr lang="it-IT" sz="1600" kern="1200" dirty="0" smtClean="0"/>
+            <a:rPr lang="it-IT" sz="1600" kern="1200" dirty="0"/>
             <a:t> </a:t>
           </a:r>
           <a:r>
-            <a:rPr lang="it-IT" sz="1600" kern="1200" dirty="0" err="1" smtClean="0"/>
+            <a:rPr lang="it-IT" sz="1600" kern="1200" dirty="0" err="1"/>
             <a:t>error</a:t>
           </a:r>
-          <a:endParaRPr lang="it-IT" sz="1600" kern="1200" dirty="0" smtClean="0"/>
+          <a:endParaRPr lang="it-IT" sz="1600" kern="1200" dirty="0"/>
         </a:p>
         <a:p>
-          <a:pPr lvl="0" algn="l" defTabSz="1155700">
+          <a:pPr marL="0" lvl="0" indent="0" algn="l" defTabSz="1155700">
             <a:lnSpc>
               <a:spcPct val="90000"/>
             </a:lnSpc>
@@ -3521,6 +3372,7 @@
             <a:spcAft>
               <a:spcPct val="35000"/>
             </a:spcAft>
+            <a:buNone/>
           </a:pPr>
           <a:endParaRPr lang="en-US" sz="1600" kern="1200" dirty="0"/>
         </a:p>
@@ -3578,7 +3430,7 @@
         </a:bodyPr>
         <a:lstStyle/>
         <a:p>
-          <a:pPr lvl="0" algn="l" defTabSz="622300">
+          <a:pPr marL="0" lvl="0" indent="0" algn="l" defTabSz="622300">
             <a:lnSpc>
               <a:spcPct val="90000"/>
             </a:lnSpc>
@@ -3588,6 +3440,7 @@
             <a:spcAft>
               <a:spcPct val="35000"/>
             </a:spcAft>
+            <a:buNone/>
           </a:pPr>
           <a:endParaRPr lang="en-US" sz="1400" kern="1200" dirty="0"/>
         </a:p>
@@ -3688,7 +3541,7 @@
         </a:bodyPr>
         <a:lstStyle/>
         <a:p>
-          <a:pPr lvl="0" algn="ctr" defTabSz="1155700">
+          <a:pPr marL="0" lvl="0" indent="0" algn="ctr" defTabSz="1155700">
             <a:lnSpc>
               <a:spcPct val="90000"/>
             </a:lnSpc>
@@ -3698,23 +3551,24 @@
             <a:spcAft>
               <a:spcPct val="35000"/>
             </a:spcAft>
+            <a:buNone/>
           </a:pPr>
           <a:r>
-            <a:rPr lang="en-US" sz="2600" kern="1200" dirty="0" err="1" smtClean="0"/>
+            <a:rPr lang="en-US" sz="2600" kern="1200" dirty="0" err="1"/>
             <a:t>Sistemi</a:t>
           </a:r>
           <a:r>
-            <a:rPr lang="en-US" sz="2600" kern="1200" dirty="0" smtClean="0"/>
+            <a:rPr lang="en-US" sz="2600" kern="1200" dirty="0"/>
             <a:t> </a:t>
           </a:r>
           <a:r>
-            <a:rPr lang="en-US" sz="2600" kern="1200" dirty="0" err="1" smtClean="0"/>
+            <a:rPr lang="en-US" sz="2600" kern="1200" dirty="0" err="1"/>
             <a:t>interni</a:t>
           </a:r>
-          <a:endParaRPr lang="en-US" sz="2600" kern="1200" dirty="0" smtClean="0"/>
+          <a:endParaRPr lang="en-US" sz="2600" kern="1200" dirty="0"/>
         </a:p>
         <a:p>
-          <a:pPr lvl="0" algn="l" defTabSz="1155700">
+          <a:pPr marL="0" lvl="0" indent="0" algn="l" defTabSz="1155700">
             <a:lnSpc>
               <a:spcPct val="90000"/>
             </a:lnSpc>
@@ -3724,43 +3578,44 @@
             <a:spcAft>
               <a:spcPct val="35000"/>
             </a:spcAft>
+            <a:buNone/>
           </a:pPr>
           <a:r>
-            <a:rPr lang="en-US" sz="1600" kern="1200" dirty="0" smtClean="0"/>
+            <a:rPr lang="en-US" sz="1600" kern="1200" dirty="0"/>
             <a:t>- </a:t>
           </a:r>
           <a:r>
-            <a:rPr lang="en-US" sz="1600" kern="1200" dirty="0" err="1" smtClean="0"/>
+            <a:rPr lang="en-US" sz="1600" kern="1200" dirty="0" err="1"/>
             <a:t>Inadeguati</a:t>
           </a:r>
           <a:r>
-            <a:rPr lang="en-US" sz="1600" kern="1200" dirty="0" smtClean="0"/>
+            <a:rPr lang="en-US" sz="1600" kern="1200" dirty="0"/>
             <a:t> </a:t>
           </a:r>
           <a:r>
-            <a:rPr lang="en-US" sz="1600" kern="1200" dirty="0" err="1" smtClean="0"/>
+            <a:rPr lang="en-US" sz="1600" kern="1200" dirty="0" err="1"/>
             <a:t>sistemi</a:t>
           </a:r>
           <a:r>
-            <a:rPr lang="en-US" sz="1600" kern="1200" dirty="0" smtClean="0"/>
+            <a:rPr lang="en-US" sz="1600" kern="1200" dirty="0"/>
             <a:t> </a:t>
           </a:r>
           <a:r>
-            <a:rPr lang="en-US" sz="1600" kern="1200" dirty="0" err="1" smtClean="0"/>
+            <a:rPr lang="en-US" sz="1600" kern="1200" dirty="0" err="1"/>
             <a:t>informativi</a:t>
           </a:r>
           <a:r>
-            <a:rPr lang="en-US" sz="1600" kern="1200" dirty="0" smtClean="0"/>
+            <a:rPr lang="en-US" sz="1600" kern="1200" dirty="0"/>
             <a:t> e </a:t>
           </a:r>
           <a:r>
-            <a:rPr lang="en-US" sz="1600" kern="1200" dirty="0" err="1" smtClean="0"/>
+            <a:rPr lang="en-US" sz="1600" kern="1200" dirty="0" err="1"/>
             <a:t>tecnologici</a:t>
           </a:r>
-          <a:endParaRPr lang="en-US" sz="1600" kern="1200" dirty="0" smtClean="0"/>
+          <a:endParaRPr lang="en-US" sz="1600" kern="1200" dirty="0"/>
         </a:p>
         <a:p>
-          <a:pPr lvl="0" algn="l" defTabSz="1155700">
+          <a:pPr marL="0" lvl="0" indent="0" algn="l" defTabSz="1155700">
             <a:lnSpc>
               <a:spcPct val="90000"/>
             </a:lnSpc>
@@ -3770,30 +3625,31 @@
             <a:spcAft>
               <a:spcPct val="35000"/>
             </a:spcAft>
+            <a:buNone/>
           </a:pPr>
           <a:r>
-            <a:rPr lang="en-US" sz="1600" kern="1200" dirty="0" smtClean="0"/>
+            <a:rPr lang="en-US" sz="1600" kern="1200" dirty="0"/>
             <a:t>-</a:t>
           </a:r>
           <a:r>
-            <a:rPr lang="en-US" sz="1600" kern="1200" dirty="0" err="1" smtClean="0"/>
+            <a:rPr lang="en-US" sz="1600" kern="1200" dirty="0" err="1"/>
             <a:t>Inefficienze</a:t>
           </a:r>
           <a:r>
-            <a:rPr lang="en-US" sz="1600" kern="1200" dirty="0" smtClean="0"/>
+            <a:rPr lang="en-US" sz="1600" kern="1200" dirty="0"/>
             <a:t> e </a:t>
           </a:r>
           <a:r>
-            <a:rPr lang="en-US" sz="1600" kern="1200" dirty="0" err="1" smtClean="0"/>
+            <a:rPr lang="en-US" sz="1600" kern="1200" dirty="0" err="1"/>
             <a:t>malfunzionamento</a:t>
           </a:r>
           <a:r>
-            <a:rPr lang="en-US" sz="1600" kern="1200" dirty="0" smtClean="0"/>
+            <a:rPr lang="en-US" sz="1600" kern="1200" dirty="0"/>
             <a:t> di hardware e software</a:t>
           </a:r>
         </a:p>
         <a:p>
-          <a:pPr lvl="0" algn="ctr" defTabSz="1155700">
+          <a:pPr marL="0" lvl="0" indent="0" algn="ctr" defTabSz="1155700">
             <a:lnSpc>
               <a:spcPct val="90000"/>
             </a:lnSpc>
@@ -3803,11 +3659,12 @@
             <a:spcAft>
               <a:spcPct val="35000"/>
             </a:spcAft>
+            <a:buNone/>
           </a:pPr>
-          <a:endParaRPr lang="en-US" sz="1600" kern="1200" dirty="0" smtClean="0"/>
+          <a:endParaRPr lang="en-US" sz="1600" kern="1200" dirty="0"/>
         </a:p>
         <a:p>
-          <a:pPr lvl="0" algn="ctr" defTabSz="1155700">
+          <a:pPr marL="0" lvl="0" indent="0" algn="ctr" defTabSz="1155700">
             <a:lnSpc>
               <a:spcPct val="90000"/>
             </a:lnSpc>
@@ -3817,11 +3674,12 @@
             <a:spcAft>
               <a:spcPct val="35000"/>
             </a:spcAft>
+            <a:buNone/>
           </a:pPr>
-          <a:endParaRPr lang="en-US" sz="1600" kern="1200" dirty="0" smtClean="0"/>
+          <a:endParaRPr lang="en-US" sz="1600" kern="1200" dirty="0"/>
         </a:p>
         <a:p>
-          <a:pPr lvl="0" algn="ctr" defTabSz="1155700">
+          <a:pPr marL="0" lvl="0" indent="0" algn="ctr" defTabSz="1155700">
             <a:lnSpc>
               <a:spcPct val="90000"/>
             </a:lnSpc>
@@ -3831,6 +3689,7 @@
             <a:spcAft>
               <a:spcPct val="35000"/>
             </a:spcAft>
+            <a:buNone/>
           </a:pPr>
           <a:endParaRPr lang="en-US" sz="1600" kern="1200" dirty="0"/>
         </a:p>
@@ -3888,7 +3747,7 @@
         </a:bodyPr>
         <a:lstStyle/>
         <a:p>
-          <a:pPr lvl="0" algn="l" defTabSz="2933700">
+          <a:pPr marL="0" lvl="0" indent="0" algn="l" defTabSz="2933700">
             <a:lnSpc>
               <a:spcPct val="90000"/>
             </a:lnSpc>
@@ -3898,6 +3757,7 @@
             <a:spcAft>
               <a:spcPct val="35000"/>
             </a:spcAft>
+            <a:buNone/>
           </a:pPr>
           <a:endParaRPr lang="en-US" sz="6600" kern="1200" dirty="0"/>
         </a:p>
@@ -3998,7 +3858,7 @@
         </a:bodyPr>
         <a:lstStyle/>
         <a:p>
-          <a:pPr lvl="0" algn="l" defTabSz="1155700">
+          <a:pPr marL="0" lvl="0" indent="0" algn="l" defTabSz="1155700">
             <a:lnSpc>
               <a:spcPct val="90000"/>
             </a:lnSpc>
@@ -4008,23 +3868,24 @@
             <a:spcAft>
               <a:spcPct val="35000"/>
             </a:spcAft>
+            <a:buNone/>
           </a:pPr>
           <a:r>
-            <a:rPr lang="en-US" sz="2600" kern="1200" dirty="0" err="1" smtClean="0"/>
+            <a:rPr lang="en-US" sz="2600" kern="1200" dirty="0" err="1"/>
             <a:t>Fattori</a:t>
           </a:r>
           <a:r>
-            <a:rPr lang="en-US" sz="2600" kern="1200" dirty="0" smtClean="0"/>
+            <a:rPr lang="en-US" sz="2600" kern="1200" dirty="0"/>
             <a:t> </a:t>
           </a:r>
           <a:r>
-            <a:rPr lang="en-US" sz="2600" kern="1200" dirty="0" err="1" smtClean="0"/>
+            <a:rPr lang="en-US" sz="2600" kern="1200" dirty="0" err="1"/>
             <a:t>umani</a:t>
           </a:r>
-          <a:endParaRPr lang="en-US" sz="2600" kern="1200" dirty="0" smtClean="0"/>
+          <a:endParaRPr lang="en-US" sz="2600" kern="1200" dirty="0"/>
         </a:p>
         <a:p>
-          <a:pPr lvl="0" algn="l" defTabSz="1155700">
+          <a:pPr marL="0" lvl="0" indent="0" algn="l" defTabSz="1155700">
             <a:lnSpc>
               <a:spcPct val="90000"/>
             </a:lnSpc>
@@ -4034,47 +3895,48 @@
             <a:spcAft>
               <a:spcPct val="35000"/>
             </a:spcAft>
+            <a:buNone/>
           </a:pPr>
           <a:r>
-            <a:rPr lang="en-US" sz="1600" kern="1200" smtClean="0"/>
+            <a:rPr lang="en-US" sz="1600" kern="1200"/>
             <a:t>-</a:t>
           </a:r>
           <a:r>
-            <a:rPr lang="en-US" sz="2600" kern="1200" smtClean="0"/>
+            <a:rPr lang="en-US" sz="2600" kern="1200"/>
             <a:t> </a:t>
           </a:r>
           <a:r>
-            <a:rPr lang="en-US" sz="1600" kern="1200" smtClean="0"/>
+            <a:rPr lang="en-US" sz="1600" kern="1200"/>
             <a:t>mancanza </a:t>
           </a:r>
           <a:r>
-            <a:rPr lang="en-US" sz="1600" kern="1200" dirty="0" smtClean="0"/>
+            <a:rPr lang="en-US" sz="1600" kern="1200" dirty="0"/>
             <a:t>di </a:t>
           </a:r>
           <a:r>
-            <a:rPr lang="en-US" sz="1600" kern="1200" dirty="0" err="1" smtClean="0"/>
+            <a:rPr lang="en-US" sz="1600" kern="1200" dirty="0" err="1"/>
             <a:t>esperienza</a:t>
           </a:r>
           <a:r>
-            <a:rPr lang="en-US" sz="1600" kern="1200" dirty="0" smtClean="0"/>
+            <a:rPr lang="en-US" sz="1600" kern="1200" dirty="0"/>
             <a:t> e di </a:t>
           </a:r>
           <a:r>
-            <a:rPr lang="en-US" sz="1600" kern="1200" dirty="0" err="1" smtClean="0"/>
+            <a:rPr lang="en-US" sz="1600" kern="1200" dirty="0" err="1"/>
             <a:t>professionalità</a:t>
           </a:r>
           <a:r>
-            <a:rPr lang="en-US" sz="1600" kern="1200" dirty="0" smtClean="0"/>
+            <a:rPr lang="en-US" sz="1600" kern="1200" dirty="0"/>
             <a:t> del </a:t>
           </a:r>
           <a:r>
-            <a:rPr lang="en-US" sz="1600" kern="1200" dirty="0" err="1" smtClean="0"/>
+            <a:rPr lang="en-US" sz="1600" kern="1200" dirty="0" err="1"/>
             <a:t>personale</a:t>
           </a:r>
-          <a:endParaRPr lang="en-US" sz="1600" kern="1200" dirty="0" smtClean="0"/>
+          <a:endParaRPr lang="en-US" sz="1600" kern="1200" dirty="0"/>
         </a:p>
         <a:p>
-          <a:pPr lvl="0" algn="l" defTabSz="1155700">
+          <a:pPr marL="0" lvl="0" indent="0" algn="l" defTabSz="1155700">
             <a:lnSpc>
               <a:spcPct val="90000"/>
             </a:lnSpc>
@@ -4084,67 +3946,68 @@
             <a:spcAft>
               <a:spcPct val="35000"/>
             </a:spcAft>
+            <a:buNone/>
           </a:pPr>
           <a:r>
-            <a:rPr lang="en-US" sz="1600" kern="1200" dirty="0" smtClean="0"/>
+            <a:rPr lang="en-US" sz="1600" kern="1200" dirty="0"/>
             <a:t>- </a:t>
           </a:r>
           <a:r>
-            <a:rPr lang="en-US" sz="1600" kern="1200" dirty="0" err="1" smtClean="0"/>
+            <a:rPr lang="en-US" sz="1600" kern="1200" dirty="0" err="1"/>
             <a:t>frodi</a:t>
           </a:r>
           <a:r>
-            <a:rPr lang="en-US" sz="1600" kern="1200" dirty="0" smtClean="0"/>
+            <a:rPr lang="en-US" sz="1600" kern="1200" dirty="0"/>
             <a:t>, </a:t>
           </a:r>
           <a:r>
-            <a:rPr lang="en-US" sz="1600" kern="1200" dirty="0" err="1" smtClean="0"/>
+            <a:rPr lang="en-US" sz="1600" kern="1200" dirty="0" err="1"/>
             <a:t>collusioni</a:t>
           </a:r>
           <a:r>
-            <a:rPr lang="en-US" sz="1600" kern="1200" dirty="0" smtClean="0"/>
+            <a:rPr lang="en-US" sz="1600" kern="1200" dirty="0"/>
             <a:t>, </a:t>
           </a:r>
           <a:r>
-            <a:rPr lang="en-US" sz="1600" kern="1200" dirty="0" err="1" smtClean="0"/>
+            <a:rPr lang="en-US" sz="1600" kern="1200" dirty="0" err="1"/>
             <a:t>attività</a:t>
           </a:r>
           <a:r>
-            <a:rPr lang="en-US" sz="1600" kern="1200" dirty="0" smtClean="0"/>
+            <a:rPr lang="en-US" sz="1600" kern="1200" dirty="0"/>
             <a:t> </a:t>
           </a:r>
           <a:r>
-            <a:rPr lang="en-US" sz="1600" kern="1200" dirty="0" err="1" smtClean="0"/>
+            <a:rPr lang="en-US" sz="1600" kern="1200" dirty="0" err="1"/>
             <a:t>criminali</a:t>
           </a:r>
           <a:r>
-            <a:rPr lang="en-US" sz="1600" kern="1200" dirty="0" smtClean="0"/>
+            <a:rPr lang="en-US" sz="1600" kern="1200" dirty="0"/>
             <a:t> </a:t>
           </a:r>
           <a:r>
-            <a:rPr lang="en-US" sz="1600" kern="1200" dirty="0" err="1" smtClean="0"/>
+            <a:rPr lang="en-US" sz="1600" kern="1200" dirty="0" err="1"/>
             <a:t>violazione</a:t>
           </a:r>
           <a:r>
-            <a:rPr lang="en-US" sz="1600" kern="1200" dirty="0" smtClean="0"/>
+            <a:rPr lang="en-US" sz="1600" kern="1200" dirty="0"/>
             <a:t> di </a:t>
           </a:r>
           <a:r>
-            <a:rPr lang="en-US" sz="1600" kern="1200" dirty="0" err="1" smtClean="0"/>
+            <a:rPr lang="en-US" sz="1600" kern="1200" dirty="0" err="1"/>
             <a:t>leggi</a:t>
           </a:r>
           <a:r>
-            <a:rPr lang="en-US" sz="1600" kern="1200" dirty="0" smtClean="0"/>
+            <a:rPr lang="en-US" sz="1600" kern="1200" dirty="0"/>
             <a:t> </a:t>
           </a:r>
           <a:r>
-            <a:rPr lang="mr-IN" sz="1600" kern="1200" dirty="0" smtClean="0"/>
+            <a:rPr lang="mr-IN" sz="1600" kern="1200" dirty="0"/>
             <a:t>…</a:t>
           </a:r>
-          <a:endParaRPr lang="en-US" sz="1600" kern="1200" dirty="0" smtClean="0"/>
+          <a:endParaRPr lang="en-US" sz="1600" kern="1200" dirty="0"/>
         </a:p>
         <a:p>
-          <a:pPr lvl="0" algn="l" defTabSz="1155700">
+          <a:pPr marL="0" lvl="0" indent="0" algn="l" defTabSz="1155700">
             <a:lnSpc>
               <a:spcPct val="90000"/>
             </a:lnSpc>
@@ -4154,6 +4017,7 @@
             <a:spcAft>
               <a:spcPct val="35000"/>
             </a:spcAft>
+            <a:buNone/>
           </a:pPr>
           <a:endParaRPr lang="en-US" sz="2600" kern="1200" dirty="0"/>
         </a:p>
@@ -4211,7 +4075,7 @@
         </a:bodyPr>
         <a:lstStyle/>
         <a:p>
-          <a:pPr lvl="0" algn="l" defTabSz="2933700">
+          <a:pPr marL="0" lvl="0" indent="0" algn="l" defTabSz="2933700">
             <a:lnSpc>
               <a:spcPct val="90000"/>
             </a:lnSpc>
@@ -4221,6 +4085,7 @@
             <a:spcAft>
               <a:spcPct val="35000"/>
             </a:spcAft>
+            <a:buNone/>
           </a:pPr>
           <a:endParaRPr lang="en-US" sz="6600" kern="1200" dirty="0"/>
         </a:p>
@@ -4321,7 +4186,7 @@
         </a:bodyPr>
         <a:lstStyle/>
         <a:p>
-          <a:pPr lvl="0" algn="l" defTabSz="1155700">
+          <a:pPr marL="0" lvl="0" indent="0" algn="l" defTabSz="1155700">
             <a:lnSpc>
               <a:spcPct val="90000"/>
             </a:lnSpc>
@@ -4331,23 +4196,24 @@
             <a:spcAft>
               <a:spcPct val="35000"/>
             </a:spcAft>
+            <a:buNone/>
           </a:pPr>
           <a:r>
-            <a:rPr lang="en-US" sz="2600" kern="1200" dirty="0" err="1" smtClean="0"/>
+            <a:rPr lang="en-US" sz="2600" kern="1200" dirty="0" err="1"/>
             <a:t>Eventi</a:t>
           </a:r>
           <a:r>
-            <a:rPr lang="en-US" sz="2600" kern="1200" dirty="0" smtClean="0"/>
+            <a:rPr lang="en-US" sz="2600" kern="1200" dirty="0"/>
             <a:t> </a:t>
           </a:r>
           <a:r>
-            <a:rPr lang="en-US" sz="2600" kern="1200" dirty="0" err="1" smtClean="0"/>
+            <a:rPr lang="en-US" sz="2600" kern="1200" dirty="0" err="1"/>
             <a:t>esogeni</a:t>
           </a:r>
-          <a:endParaRPr lang="en-US" sz="2600" kern="1200" dirty="0" smtClean="0"/>
+          <a:endParaRPr lang="en-US" sz="2600" kern="1200" dirty="0"/>
         </a:p>
         <a:p>
-          <a:pPr lvl="0" algn="l" defTabSz="1155700">
+          <a:pPr marL="0" lvl="0" indent="0" algn="l" defTabSz="1155700">
             <a:lnSpc>
               <a:spcPct val="90000"/>
             </a:lnSpc>
@@ -4357,51 +4223,52 @@
             <a:spcAft>
               <a:spcPct val="35000"/>
             </a:spcAft>
+            <a:buNone/>
           </a:pPr>
           <a:r>
-            <a:rPr lang="en-US" sz="1600" kern="1200" dirty="0" smtClean="0"/>
+            <a:rPr lang="en-US" sz="1600" kern="1200" dirty="0"/>
             <a:t>- </a:t>
           </a:r>
           <a:r>
-            <a:rPr lang="en-US" sz="1600" kern="1200" dirty="0" err="1" smtClean="0"/>
+            <a:rPr lang="en-US" sz="1600" kern="1200" dirty="0" err="1"/>
             <a:t>Eventi</a:t>
           </a:r>
           <a:r>
-            <a:rPr lang="en-US" sz="1600" kern="1200" dirty="0" smtClean="0"/>
+            <a:rPr lang="en-US" sz="1600" kern="1200" dirty="0"/>
             <a:t> </a:t>
           </a:r>
           <a:r>
-            <a:rPr lang="en-US" sz="1600" kern="1200" dirty="0" err="1" smtClean="0"/>
+            <a:rPr lang="en-US" sz="1600" kern="1200" dirty="0" err="1"/>
             <a:t>naturali</a:t>
           </a:r>
           <a:r>
-            <a:rPr lang="en-US" sz="1600" kern="1200" dirty="0" smtClean="0"/>
+            <a:rPr lang="en-US" sz="1600" kern="1200" dirty="0"/>
             <a:t> al di </a:t>
           </a:r>
           <a:r>
-            <a:rPr lang="en-US" sz="1600" kern="1200" dirty="0" err="1" smtClean="0"/>
+            <a:rPr lang="en-US" sz="1600" kern="1200" dirty="0" err="1"/>
             <a:t>fuori</a:t>
           </a:r>
           <a:r>
-            <a:rPr lang="en-US" sz="1600" kern="1200" dirty="0" smtClean="0"/>
+            <a:rPr lang="en-US" sz="1600" kern="1200" dirty="0"/>
             <a:t> del </a:t>
           </a:r>
           <a:r>
-            <a:rPr lang="en-US" sz="1600" kern="1200" dirty="0" err="1" smtClean="0"/>
+            <a:rPr lang="en-US" sz="1600" kern="1200" dirty="0" err="1"/>
             <a:t>controllo</a:t>
           </a:r>
           <a:r>
-            <a:rPr lang="en-US" sz="1600" kern="1200" dirty="0" smtClean="0"/>
+            <a:rPr lang="en-US" sz="1600" kern="1200" dirty="0"/>
             <a:t> </a:t>
           </a:r>
           <a:r>
-            <a:rPr lang="en-US" sz="1600" kern="1200" dirty="0" err="1" smtClean="0"/>
+            <a:rPr lang="en-US" sz="1600" kern="1200" dirty="0" err="1"/>
             <a:t>aziendale</a:t>
           </a:r>
-          <a:endParaRPr lang="en-US" sz="1600" kern="1200" dirty="0" smtClean="0"/>
+          <a:endParaRPr lang="en-US" sz="1600" kern="1200" dirty="0"/>
         </a:p>
         <a:p>
-          <a:pPr lvl="0" algn="l" defTabSz="1155700">
+          <a:pPr marL="0" lvl="0" indent="0" algn="l" defTabSz="1155700">
             <a:lnSpc>
               <a:spcPct val="90000"/>
             </a:lnSpc>
@@ -4411,6 +4278,7 @@
             <a:spcAft>
               <a:spcPct val="35000"/>
             </a:spcAft>
+            <a:buNone/>
           </a:pPr>
           <a:endParaRPr lang="en-US" sz="1600" kern="1200" dirty="0"/>
         </a:p>
@@ -4468,7 +4336,7 @@
         </a:bodyPr>
         <a:lstStyle/>
         <a:p>
-          <a:pPr lvl="0" algn="l" defTabSz="755650">
+          <a:pPr marL="0" lvl="0" indent="0" algn="l" defTabSz="755650">
             <a:lnSpc>
               <a:spcPct val="90000"/>
             </a:lnSpc>
@@ -4478,6 +4346,7 @@
             <a:spcAft>
               <a:spcPct val="35000"/>
             </a:spcAft>
+            <a:buNone/>
           </a:pPr>
           <a:endParaRPr lang="en-US" sz="1700" kern="1200" dirty="0"/>
         </a:p>
@@ -4572,7 +4441,7 @@
         </a:bodyPr>
         <a:lstStyle/>
         <a:p>
-          <a:pPr lvl="0" algn="ctr" defTabSz="1422400">
+          <a:pPr marL="0" lvl="0" indent="0" algn="ctr" defTabSz="1422400">
             <a:lnSpc>
               <a:spcPct val="90000"/>
             </a:lnSpc>
@@ -4582,6 +4451,7 @@
             <a:spcAft>
               <a:spcPct val="35000"/>
             </a:spcAft>
+            <a:buNone/>
           </a:pPr>
           <a:r>
             <a:rPr lang="it-IT" sz="3200" kern="1200" dirty="0"/>
@@ -4669,7 +4539,7 @@
         </a:bodyPr>
         <a:lstStyle/>
         <a:p>
-          <a:pPr lvl="0" algn="ctr" defTabSz="1422400">
+          <a:pPr marL="0" lvl="0" indent="0" algn="ctr" defTabSz="1422400">
             <a:lnSpc>
               <a:spcPct val="90000"/>
             </a:lnSpc>
@@ -4679,6 +4549,7 @@
             <a:spcAft>
               <a:spcPct val="35000"/>
             </a:spcAft>
+            <a:buNone/>
           </a:pPr>
           <a:r>
             <a:rPr lang="it-IT" sz="3200" kern="1200" dirty="0"/>
@@ -4760,7 +4631,7 @@
         </a:bodyPr>
         <a:lstStyle/>
         <a:p>
-          <a:pPr lvl="0" algn="ctr" defTabSz="1422400">
+          <a:pPr marL="0" lvl="0" indent="0" algn="ctr" defTabSz="1422400">
             <a:lnSpc>
               <a:spcPct val="90000"/>
             </a:lnSpc>
@@ -4770,6 +4641,7 @@
             <a:spcAft>
               <a:spcPct val="35000"/>
             </a:spcAft>
+            <a:buNone/>
           </a:pPr>
           <a:r>
             <a:rPr lang="it-IT" sz="3200" kern="1200"/>
@@ -4853,7 +4725,7 @@
         </a:bodyPr>
         <a:lstStyle/>
         <a:p>
-          <a:pPr lvl="0" algn="ctr" defTabSz="1422400">
+          <a:pPr marL="0" lvl="0" indent="0" algn="ctr" defTabSz="1422400">
             <a:lnSpc>
               <a:spcPct val="90000"/>
             </a:lnSpc>
@@ -4863,6 +4735,7 @@
             <a:spcAft>
               <a:spcPct val="35000"/>
             </a:spcAft>
+            <a:buNone/>
           </a:pPr>
           <a:r>
             <a:rPr lang="it-IT" sz="3200" kern="1200" dirty="0"/>
@@ -4946,7 +4819,7 @@
         </a:bodyPr>
         <a:lstStyle/>
         <a:p>
-          <a:pPr lvl="0" algn="ctr" defTabSz="1422400">
+          <a:pPr marL="0" lvl="0" indent="0" algn="ctr" defTabSz="1422400">
             <a:lnSpc>
               <a:spcPct val="90000"/>
             </a:lnSpc>
@@ -4956,6 +4829,7 @@
             <a:spcAft>
               <a:spcPct val="35000"/>
             </a:spcAft>
+            <a:buNone/>
           </a:pPr>
           <a:r>
             <a:rPr lang="it-IT" sz="3200" kern="1200" dirty="0"/>
@@ -5037,7 +4911,7 @@
         </a:bodyPr>
         <a:lstStyle/>
         <a:p>
-          <a:pPr lvl="0" algn="ctr" defTabSz="1422400">
+          <a:pPr marL="0" lvl="0" indent="0" algn="ctr" defTabSz="1422400">
             <a:lnSpc>
               <a:spcPct val="90000"/>
             </a:lnSpc>
@@ -5047,6 +4921,7 @@
             <a:spcAft>
               <a:spcPct val="35000"/>
             </a:spcAft>
+            <a:buNone/>
           </a:pPr>
           <a:r>
             <a:rPr lang="it-IT" sz="3200" kern="1200" dirty="0"/>
@@ -5130,7 +5005,7 @@
         </a:bodyPr>
         <a:lstStyle/>
         <a:p>
-          <a:pPr lvl="0" algn="ctr" defTabSz="1422400">
+          <a:pPr marL="0" lvl="0" indent="0" algn="ctr" defTabSz="1422400">
             <a:lnSpc>
               <a:spcPct val="90000"/>
             </a:lnSpc>
@@ -5140,6 +5015,7 @@
             <a:spcAft>
               <a:spcPct val="35000"/>
             </a:spcAft>
+            <a:buNone/>
           </a:pPr>
           <a:r>
             <a:rPr lang="it-IT" sz="3200" kern="1200" dirty="0"/>
@@ -5226,7 +5102,7 @@
         </a:bodyPr>
         <a:lstStyle/>
         <a:p>
-          <a:pPr lvl="0" algn="ctr" defTabSz="1422400">
+          <a:pPr marL="0" lvl="0" indent="0" algn="ctr" defTabSz="1422400">
             <a:lnSpc>
               <a:spcPct val="90000"/>
             </a:lnSpc>
@@ -5236,6 +5112,7 @@
             <a:spcAft>
               <a:spcPct val="35000"/>
             </a:spcAft>
+            <a:buNone/>
           </a:pPr>
           <a:r>
             <a:rPr lang="it-IT" sz="3200" kern="1200" dirty="0"/>
@@ -5507,7 +5384,7 @@
   </dgm:layoutNode>
   <dgm:extLst>
     <a:ext uri="{4F341089-5ED1-44EC-B178-C955D00A3D55}">
-      <dgm1611:autoBuNodeInfoLst xmlns:dgm1611="http://schemas.microsoft.com/office/drawing/2016/11/diagram" xmlns="">
+      <dgm1611:autoBuNodeInfoLst xmlns:dgm1611="http://schemas.microsoft.com/office/drawing/2016/11/diagram">
         <dgm1611:autoBuNodeInfo lvl="1" ptType="sibTrans">
           <dgm1611:buPr prefix="" leadZeros="1">
             <a:buAutoNum type="arabicParenBoth"/>
@@ -7842,7 +7719,7 @@
           <a:p>
             <a:fld id="{AF89CFBA-E078-4C41-A575-83366E02218D}" type="datetimeFigureOut">
               <a:rPr lang="it-IT" smtClean="0"/>
-              <a:t>09/05/18</a:t>
+              <a:t>17/05/2018</a:t>
             </a:fld>
             <a:endParaRPr lang="it-IT"/>
           </a:p>
@@ -7906,38 +7783,37 @@
           <a:p>
             <a:pPr lvl="0"/>
             <a:r>
-              <a:rPr lang="it-IT" smtClean="0"/>
+              <a:rPr lang="it-IT"/>
               <a:t>Fare clic per modificare gli stili del testo dello schema</a:t>
             </a:r>
           </a:p>
           <a:p>
             <a:pPr lvl="1"/>
             <a:r>
-              <a:rPr lang="it-IT" smtClean="0"/>
+              <a:rPr lang="it-IT"/>
               <a:t>Secondo livello</a:t>
             </a:r>
           </a:p>
           <a:p>
             <a:pPr lvl="2"/>
             <a:r>
-              <a:rPr lang="it-IT" smtClean="0"/>
+              <a:rPr lang="it-IT"/>
               <a:t>Terzo livello</a:t>
             </a:r>
           </a:p>
           <a:p>
             <a:pPr lvl="3"/>
             <a:r>
-              <a:rPr lang="it-IT" smtClean="0"/>
+              <a:rPr lang="it-IT"/>
               <a:t>Quarto livello</a:t>
             </a:r>
           </a:p>
           <a:p>
             <a:pPr lvl="4"/>
             <a:r>
-              <a:rPr lang="it-IT" smtClean="0"/>
+              <a:rPr lang="it-IT"/>
               <a:t>Quinto livello</a:t>
             </a:r>
-            <a:endParaRPr lang="it-IT"/>
           </a:p>
         </p:txBody>
       </p:sp>
@@ -8001,7 +7877,7 @@
           <a:p>
             <a:fld id="{FCB28800-713D-6840-B5F3-37F5C6941456}" type="slidenum">
               <a:rPr lang="it-IT" smtClean="0"/>
-              <a:t>‹n.›</a:t>
+              <a:t>‹N›</a:t>
             </a:fld>
             <a:endParaRPr lang="it-IT"/>
           </a:p>
@@ -8152,10 +8028,9 @@
           </a:lstStyle>
           <a:p>
             <a:r>
-              <a:rPr lang="it-IT" smtClean="0"/>
+              <a:rPr lang="it-IT"/>
               <a:t>Fare clic per modificare lo stile del titolo dello schema</a:t>
             </a:r>
-            <a:endParaRPr lang="it-IT"/>
           </a:p>
         </p:txBody>
       </p:sp>
@@ -8217,10 +8092,9 @@
           </a:lstStyle>
           <a:p>
             <a:r>
-              <a:rPr lang="it-IT" smtClean="0"/>
+              <a:rPr lang="it-IT"/>
               <a:t>Fare clic per modificare lo stile del sottotitolo dello schema</a:t>
             </a:r>
-            <a:endParaRPr lang="it-IT"/>
           </a:p>
         </p:txBody>
       </p:sp>
@@ -8241,7 +8115,7 @@
           <a:p>
             <a:fld id="{D775947D-044B-614B-8E36-7404D1B77440}" type="datetimeFigureOut">
               <a:rPr lang="it-IT" smtClean="0"/>
-              <a:t>09/05/18</a:t>
+              <a:t>17/05/2018</a:t>
             </a:fld>
             <a:endParaRPr lang="it-IT"/>
           </a:p>
@@ -8283,7 +8157,7 @@
           <a:p>
             <a:fld id="{57FD6837-3DD8-C040-8A46-1B9F3D0E0FFF}" type="slidenum">
               <a:rPr lang="it-IT" smtClean="0"/>
-              <a:t>‹n.›</a:t>
+              <a:t>‹N›</a:t>
             </a:fld>
             <a:endParaRPr lang="it-IT"/>
           </a:p>
@@ -8330,10 +8204,9 @@
           <a:lstStyle/>
           <a:p>
             <a:r>
-              <a:rPr lang="it-IT" smtClean="0"/>
+              <a:rPr lang="it-IT"/>
               <a:t>Fare clic per modificare lo stile del titolo dello schema</a:t>
             </a:r>
-            <a:endParaRPr lang="it-IT"/>
           </a:p>
         </p:txBody>
       </p:sp>
@@ -8354,38 +8227,37 @@
           <a:p>
             <a:pPr lvl="0"/>
             <a:r>
-              <a:rPr lang="it-IT" smtClean="0"/>
+              <a:rPr lang="it-IT"/>
               <a:t>Fare clic per modificare gli stili del testo dello schema</a:t>
             </a:r>
           </a:p>
           <a:p>
             <a:pPr lvl="1"/>
             <a:r>
-              <a:rPr lang="it-IT" smtClean="0"/>
+              <a:rPr lang="it-IT"/>
               <a:t>Secondo livello</a:t>
             </a:r>
           </a:p>
           <a:p>
             <a:pPr lvl="2"/>
             <a:r>
-              <a:rPr lang="it-IT" smtClean="0"/>
+              <a:rPr lang="it-IT"/>
               <a:t>Terzo livello</a:t>
             </a:r>
           </a:p>
           <a:p>
             <a:pPr lvl="3"/>
             <a:r>
-              <a:rPr lang="it-IT" smtClean="0"/>
+              <a:rPr lang="it-IT"/>
               <a:t>Quarto livello</a:t>
             </a:r>
           </a:p>
           <a:p>
             <a:pPr lvl="4"/>
             <a:r>
-              <a:rPr lang="it-IT" smtClean="0"/>
+              <a:rPr lang="it-IT"/>
               <a:t>Quinto livello</a:t>
             </a:r>
-            <a:endParaRPr lang="it-IT"/>
           </a:p>
         </p:txBody>
       </p:sp>
@@ -8406,7 +8278,7 @@
           <a:p>
             <a:fld id="{D775947D-044B-614B-8E36-7404D1B77440}" type="datetimeFigureOut">
               <a:rPr lang="it-IT" smtClean="0"/>
-              <a:t>09/05/18</a:t>
+              <a:t>17/05/2018</a:t>
             </a:fld>
             <a:endParaRPr lang="it-IT"/>
           </a:p>
@@ -8448,7 +8320,7 @@
           <a:p>
             <a:fld id="{57FD6837-3DD8-C040-8A46-1B9F3D0E0FFF}" type="slidenum">
               <a:rPr lang="it-IT" smtClean="0"/>
-              <a:t>‹n.›</a:t>
+              <a:t>‹N›</a:t>
             </a:fld>
             <a:endParaRPr lang="it-IT"/>
           </a:p>
@@ -8500,10 +8372,9 @@
           <a:lstStyle/>
           <a:p>
             <a:r>
-              <a:rPr lang="it-IT" smtClean="0"/>
+              <a:rPr lang="it-IT"/>
               <a:t>Fare clic per modificare lo stile del titolo dello schema</a:t>
             </a:r>
-            <a:endParaRPr lang="it-IT"/>
           </a:p>
         </p:txBody>
       </p:sp>
@@ -8529,38 +8400,37 @@
           <a:p>
             <a:pPr lvl="0"/>
             <a:r>
-              <a:rPr lang="it-IT" smtClean="0"/>
+              <a:rPr lang="it-IT"/>
               <a:t>Fare clic per modificare gli stili del testo dello schema</a:t>
             </a:r>
           </a:p>
           <a:p>
             <a:pPr lvl="1"/>
             <a:r>
-              <a:rPr lang="it-IT" smtClean="0"/>
+              <a:rPr lang="it-IT"/>
               <a:t>Secondo livello</a:t>
             </a:r>
           </a:p>
           <a:p>
             <a:pPr lvl="2"/>
             <a:r>
-              <a:rPr lang="it-IT" smtClean="0"/>
+              <a:rPr lang="it-IT"/>
               <a:t>Terzo livello</a:t>
             </a:r>
           </a:p>
           <a:p>
             <a:pPr lvl="3"/>
             <a:r>
-              <a:rPr lang="it-IT" smtClean="0"/>
+              <a:rPr lang="it-IT"/>
               <a:t>Quarto livello</a:t>
             </a:r>
           </a:p>
           <a:p>
             <a:pPr lvl="4"/>
             <a:r>
-              <a:rPr lang="it-IT" smtClean="0"/>
+              <a:rPr lang="it-IT"/>
               <a:t>Quinto livello</a:t>
             </a:r>
-            <a:endParaRPr lang="it-IT"/>
           </a:p>
         </p:txBody>
       </p:sp>
@@ -8581,7 +8451,7 @@
           <a:p>
             <a:fld id="{D775947D-044B-614B-8E36-7404D1B77440}" type="datetimeFigureOut">
               <a:rPr lang="it-IT" smtClean="0"/>
-              <a:t>09/05/18</a:t>
+              <a:t>17/05/2018</a:t>
             </a:fld>
             <a:endParaRPr lang="it-IT"/>
           </a:p>
@@ -8623,7 +8493,7 @@
           <a:p>
             <a:fld id="{57FD6837-3DD8-C040-8A46-1B9F3D0E0FFF}" type="slidenum">
               <a:rPr lang="it-IT" smtClean="0"/>
-              <a:t>‹n.›</a:t>
+              <a:t>‹N›</a:t>
             </a:fld>
             <a:endParaRPr lang="it-IT"/>
           </a:p>
@@ -8670,10 +8540,9 @@
           <a:lstStyle/>
           <a:p>
             <a:r>
-              <a:rPr lang="it-IT" smtClean="0"/>
+              <a:rPr lang="it-IT"/>
               <a:t>Fare clic per modificare lo stile del titolo dello schema</a:t>
             </a:r>
-            <a:endParaRPr lang="it-IT"/>
           </a:p>
         </p:txBody>
       </p:sp>
@@ -8694,38 +8563,37 @@
           <a:p>
             <a:pPr lvl="0"/>
             <a:r>
-              <a:rPr lang="it-IT" smtClean="0"/>
+              <a:rPr lang="it-IT"/>
               <a:t>Fare clic per modificare gli stili del testo dello schema</a:t>
             </a:r>
           </a:p>
           <a:p>
             <a:pPr lvl="1"/>
             <a:r>
-              <a:rPr lang="it-IT" smtClean="0"/>
+              <a:rPr lang="it-IT"/>
               <a:t>Secondo livello</a:t>
             </a:r>
           </a:p>
           <a:p>
             <a:pPr lvl="2"/>
             <a:r>
-              <a:rPr lang="it-IT" smtClean="0"/>
+              <a:rPr lang="it-IT"/>
               <a:t>Terzo livello</a:t>
             </a:r>
           </a:p>
           <a:p>
             <a:pPr lvl="3"/>
             <a:r>
-              <a:rPr lang="it-IT" smtClean="0"/>
+              <a:rPr lang="it-IT"/>
               <a:t>Quarto livello</a:t>
             </a:r>
           </a:p>
           <a:p>
             <a:pPr lvl="4"/>
             <a:r>
-              <a:rPr lang="it-IT" smtClean="0"/>
+              <a:rPr lang="it-IT"/>
               <a:t>Quinto livello</a:t>
             </a:r>
-            <a:endParaRPr lang="it-IT"/>
           </a:p>
         </p:txBody>
       </p:sp>
@@ -8746,7 +8614,7 @@
           <a:p>
             <a:fld id="{D775947D-044B-614B-8E36-7404D1B77440}" type="datetimeFigureOut">
               <a:rPr lang="it-IT" smtClean="0"/>
-              <a:t>09/05/18</a:t>
+              <a:t>17/05/2018</a:t>
             </a:fld>
             <a:endParaRPr lang="it-IT"/>
           </a:p>
@@ -8788,7 +8656,7 @@
           <a:p>
             <a:fld id="{57FD6837-3DD8-C040-8A46-1B9F3D0E0FFF}" type="slidenum">
               <a:rPr lang="it-IT" smtClean="0"/>
-              <a:t>‹n.›</a:t>
+              <a:t>‹N›</a:t>
             </a:fld>
             <a:endParaRPr lang="it-IT"/>
           </a:p>
@@ -8844,10 +8712,9 @@
           </a:lstStyle>
           <a:p>
             <a:r>
-              <a:rPr lang="it-IT" smtClean="0"/>
+              <a:rPr lang="it-IT"/>
               <a:t>Fare clic per modificare lo stile del titolo dello schema</a:t>
             </a:r>
-            <a:endParaRPr lang="it-IT"/>
           </a:p>
         </p:txBody>
       </p:sp>
@@ -8964,7 +8831,7 @@
           <a:p>
             <a:pPr lvl="0"/>
             <a:r>
-              <a:rPr lang="it-IT" smtClean="0"/>
+              <a:rPr lang="it-IT"/>
               <a:t>Fare clic per modificare gli stili del testo dello schema</a:t>
             </a:r>
           </a:p>
@@ -8987,7 +8854,7 @@
           <a:p>
             <a:fld id="{D775947D-044B-614B-8E36-7404D1B77440}" type="datetimeFigureOut">
               <a:rPr lang="it-IT" smtClean="0"/>
-              <a:t>09/05/18</a:t>
+              <a:t>17/05/2018</a:t>
             </a:fld>
             <a:endParaRPr lang="it-IT"/>
           </a:p>
@@ -9029,7 +8896,7 @@
           <a:p>
             <a:fld id="{57FD6837-3DD8-C040-8A46-1B9F3D0E0FFF}" type="slidenum">
               <a:rPr lang="it-IT" smtClean="0"/>
-              <a:t>‹n.›</a:t>
+              <a:t>‹N›</a:t>
             </a:fld>
             <a:endParaRPr lang="it-IT"/>
           </a:p>
@@ -9076,10 +8943,9 @@
           <a:lstStyle/>
           <a:p>
             <a:r>
-              <a:rPr lang="it-IT" smtClean="0"/>
+              <a:rPr lang="it-IT"/>
               <a:t>Fare clic per modificare lo stile del titolo dello schema</a:t>
             </a:r>
-            <a:endParaRPr lang="it-IT"/>
           </a:p>
         </p:txBody>
       </p:sp>
@@ -9105,38 +8971,37 @@
           <a:p>
             <a:pPr lvl="0"/>
             <a:r>
-              <a:rPr lang="it-IT" smtClean="0"/>
+              <a:rPr lang="it-IT"/>
               <a:t>Fare clic per modificare gli stili del testo dello schema</a:t>
             </a:r>
           </a:p>
           <a:p>
             <a:pPr lvl="1"/>
             <a:r>
-              <a:rPr lang="it-IT" smtClean="0"/>
+              <a:rPr lang="it-IT"/>
               <a:t>Secondo livello</a:t>
             </a:r>
           </a:p>
           <a:p>
             <a:pPr lvl="2"/>
             <a:r>
-              <a:rPr lang="it-IT" smtClean="0"/>
+              <a:rPr lang="it-IT"/>
               <a:t>Terzo livello</a:t>
             </a:r>
           </a:p>
           <a:p>
             <a:pPr lvl="3"/>
             <a:r>
-              <a:rPr lang="it-IT" smtClean="0"/>
+              <a:rPr lang="it-IT"/>
               <a:t>Quarto livello</a:t>
             </a:r>
           </a:p>
           <a:p>
             <a:pPr lvl="4"/>
             <a:r>
-              <a:rPr lang="it-IT" smtClean="0"/>
+              <a:rPr lang="it-IT"/>
               <a:t>Quinto livello</a:t>
             </a:r>
-            <a:endParaRPr lang="it-IT"/>
           </a:p>
         </p:txBody>
       </p:sp>
@@ -9162,38 +9027,37 @@
           <a:p>
             <a:pPr lvl="0"/>
             <a:r>
-              <a:rPr lang="it-IT" smtClean="0"/>
+              <a:rPr lang="it-IT"/>
               <a:t>Fare clic per modificare gli stili del testo dello schema</a:t>
             </a:r>
           </a:p>
           <a:p>
             <a:pPr lvl="1"/>
             <a:r>
-              <a:rPr lang="it-IT" smtClean="0"/>
+              <a:rPr lang="it-IT"/>
               <a:t>Secondo livello</a:t>
             </a:r>
           </a:p>
           <a:p>
             <a:pPr lvl="2"/>
             <a:r>
-              <a:rPr lang="it-IT" smtClean="0"/>
+              <a:rPr lang="it-IT"/>
               <a:t>Terzo livello</a:t>
             </a:r>
           </a:p>
           <a:p>
             <a:pPr lvl="3"/>
             <a:r>
-              <a:rPr lang="it-IT" smtClean="0"/>
+              <a:rPr lang="it-IT"/>
               <a:t>Quarto livello</a:t>
             </a:r>
           </a:p>
           <a:p>
             <a:pPr lvl="4"/>
             <a:r>
-              <a:rPr lang="it-IT" smtClean="0"/>
+              <a:rPr lang="it-IT"/>
               <a:t>Quinto livello</a:t>
             </a:r>
-            <a:endParaRPr lang="it-IT"/>
           </a:p>
         </p:txBody>
       </p:sp>
@@ -9214,7 +9078,7 @@
           <a:p>
             <a:fld id="{D775947D-044B-614B-8E36-7404D1B77440}" type="datetimeFigureOut">
               <a:rPr lang="it-IT" smtClean="0"/>
-              <a:t>09/05/18</a:t>
+              <a:t>17/05/2018</a:t>
             </a:fld>
             <a:endParaRPr lang="it-IT"/>
           </a:p>
@@ -9256,7 +9120,7 @@
           <a:p>
             <a:fld id="{57FD6837-3DD8-C040-8A46-1B9F3D0E0FFF}" type="slidenum">
               <a:rPr lang="it-IT" smtClean="0"/>
-              <a:t>‹n.›</a:t>
+              <a:t>‹N›</a:t>
             </a:fld>
             <a:endParaRPr lang="it-IT"/>
           </a:p>
@@ -9308,10 +9172,9 @@
           <a:lstStyle/>
           <a:p>
             <a:r>
-              <a:rPr lang="it-IT" smtClean="0"/>
+              <a:rPr lang="it-IT"/>
               <a:t>Fare clic per modificare lo stile del titolo dello schema</a:t>
             </a:r>
-            <a:endParaRPr lang="it-IT"/>
           </a:p>
         </p:txBody>
       </p:sp>
@@ -9374,7 +9237,7 @@
           <a:p>
             <a:pPr lvl="0"/>
             <a:r>
-              <a:rPr lang="it-IT" smtClean="0"/>
+              <a:rPr lang="it-IT"/>
               <a:t>Fare clic per modificare gli stili del testo dello schema</a:t>
             </a:r>
           </a:p>
@@ -9402,38 +9265,37 @@
           <a:p>
             <a:pPr lvl="0"/>
             <a:r>
-              <a:rPr lang="it-IT" smtClean="0"/>
+              <a:rPr lang="it-IT"/>
               <a:t>Fare clic per modificare gli stili del testo dello schema</a:t>
             </a:r>
           </a:p>
           <a:p>
             <a:pPr lvl="1"/>
             <a:r>
-              <a:rPr lang="it-IT" smtClean="0"/>
+              <a:rPr lang="it-IT"/>
               <a:t>Secondo livello</a:t>
             </a:r>
           </a:p>
           <a:p>
             <a:pPr lvl="2"/>
             <a:r>
-              <a:rPr lang="it-IT" smtClean="0"/>
+              <a:rPr lang="it-IT"/>
               <a:t>Terzo livello</a:t>
             </a:r>
           </a:p>
           <a:p>
             <a:pPr lvl="3"/>
             <a:r>
-              <a:rPr lang="it-IT" smtClean="0"/>
+              <a:rPr lang="it-IT"/>
               <a:t>Quarto livello</a:t>
             </a:r>
           </a:p>
           <a:p>
             <a:pPr lvl="4"/>
             <a:r>
-              <a:rPr lang="it-IT" smtClean="0"/>
+              <a:rPr lang="it-IT"/>
               <a:t>Quinto livello</a:t>
             </a:r>
-            <a:endParaRPr lang="it-IT"/>
           </a:p>
         </p:txBody>
       </p:sp>
@@ -9496,7 +9358,7 @@
           <a:p>
             <a:pPr lvl="0"/>
             <a:r>
-              <a:rPr lang="it-IT" smtClean="0"/>
+              <a:rPr lang="it-IT"/>
               <a:t>Fare clic per modificare gli stili del testo dello schema</a:t>
             </a:r>
           </a:p>
@@ -9524,38 +9386,37 @@
           <a:p>
             <a:pPr lvl="0"/>
             <a:r>
-              <a:rPr lang="it-IT" smtClean="0"/>
+              <a:rPr lang="it-IT"/>
               <a:t>Fare clic per modificare gli stili del testo dello schema</a:t>
             </a:r>
           </a:p>
           <a:p>
             <a:pPr lvl="1"/>
             <a:r>
-              <a:rPr lang="it-IT" smtClean="0"/>
+              <a:rPr lang="it-IT"/>
               <a:t>Secondo livello</a:t>
             </a:r>
           </a:p>
           <a:p>
             <a:pPr lvl="2"/>
             <a:r>
-              <a:rPr lang="it-IT" smtClean="0"/>
+              <a:rPr lang="it-IT"/>
               <a:t>Terzo livello</a:t>
             </a:r>
           </a:p>
           <a:p>
             <a:pPr lvl="3"/>
             <a:r>
-              <a:rPr lang="it-IT" smtClean="0"/>
+              <a:rPr lang="it-IT"/>
               <a:t>Quarto livello</a:t>
             </a:r>
           </a:p>
           <a:p>
             <a:pPr lvl="4"/>
             <a:r>
-              <a:rPr lang="it-IT" smtClean="0"/>
+              <a:rPr lang="it-IT"/>
               <a:t>Quinto livello</a:t>
             </a:r>
-            <a:endParaRPr lang="it-IT"/>
           </a:p>
         </p:txBody>
       </p:sp>
@@ -9576,7 +9437,7 @@
           <a:p>
             <a:fld id="{D775947D-044B-614B-8E36-7404D1B77440}" type="datetimeFigureOut">
               <a:rPr lang="it-IT" smtClean="0"/>
-              <a:t>09/05/18</a:t>
+              <a:t>17/05/2018</a:t>
             </a:fld>
             <a:endParaRPr lang="it-IT"/>
           </a:p>
@@ -9618,7 +9479,7 @@
           <a:p>
             <a:fld id="{57FD6837-3DD8-C040-8A46-1B9F3D0E0FFF}" type="slidenum">
               <a:rPr lang="it-IT" smtClean="0"/>
-              <a:t>‹n.›</a:t>
+              <a:t>‹N›</a:t>
             </a:fld>
             <a:endParaRPr lang="it-IT"/>
           </a:p>
@@ -9665,10 +9526,9 @@
           <a:lstStyle/>
           <a:p>
             <a:r>
-              <a:rPr lang="it-IT" smtClean="0"/>
+              <a:rPr lang="it-IT"/>
               <a:t>Fare clic per modificare lo stile del titolo dello schema</a:t>
             </a:r>
-            <a:endParaRPr lang="it-IT"/>
           </a:p>
         </p:txBody>
       </p:sp>
@@ -9689,7 +9549,7 @@
           <a:p>
             <a:fld id="{D775947D-044B-614B-8E36-7404D1B77440}" type="datetimeFigureOut">
               <a:rPr lang="it-IT" smtClean="0"/>
-              <a:t>09/05/18</a:t>
+              <a:t>17/05/2018</a:t>
             </a:fld>
             <a:endParaRPr lang="it-IT"/>
           </a:p>
@@ -9731,7 +9591,7 @@
           <a:p>
             <a:fld id="{57FD6837-3DD8-C040-8A46-1B9F3D0E0FFF}" type="slidenum">
               <a:rPr lang="it-IT" smtClean="0"/>
-              <a:t>‹n.›</a:t>
+              <a:t>‹N›</a:t>
             </a:fld>
             <a:endParaRPr lang="it-IT"/>
           </a:p>
@@ -9779,7 +9639,7 @@
           <a:p>
             <a:fld id="{D775947D-044B-614B-8E36-7404D1B77440}" type="datetimeFigureOut">
               <a:rPr lang="it-IT" smtClean="0"/>
-              <a:t>09/05/18</a:t>
+              <a:t>17/05/2018</a:t>
             </a:fld>
             <a:endParaRPr lang="it-IT"/>
           </a:p>
@@ -9821,7 +9681,7 @@
           <a:p>
             <a:fld id="{57FD6837-3DD8-C040-8A46-1B9F3D0E0FFF}" type="slidenum">
               <a:rPr lang="it-IT" smtClean="0"/>
-              <a:t>‹n.›</a:t>
+              <a:t>‹N›</a:t>
             </a:fld>
             <a:endParaRPr lang="it-IT"/>
           </a:p>
@@ -9877,10 +9737,9 @@
           </a:lstStyle>
           <a:p>
             <a:r>
-              <a:rPr lang="it-IT" smtClean="0"/>
+              <a:rPr lang="it-IT"/>
               <a:t>Fare clic per modificare lo stile del titolo dello schema</a:t>
             </a:r>
-            <a:endParaRPr lang="it-IT"/>
           </a:p>
         </p:txBody>
       </p:sp>
@@ -9934,38 +9793,37 @@
           <a:p>
             <a:pPr lvl="0"/>
             <a:r>
-              <a:rPr lang="it-IT" smtClean="0"/>
+              <a:rPr lang="it-IT"/>
               <a:t>Fare clic per modificare gli stili del testo dello schema</a:t>
             </a:r>
           </a:p>
           <a:p>
             <a:pPr lvl="1"/>
             <a:r>
-              <a:rPr lang="it-IT" smtClean="0"/>
+              <a:rPr lang="it-IT"/>
               <a:t>Secondo livello</a:t>
             </a:r>
           </a:p>
           <a:p>
             <a:pPr lvl="2"/>
             <a:r>
-              <a:rPr lang="it-IT" smtClean="0"/>
+              <a:rPr lang="it-IT"/>
               <a:t>Terzo livello</a:t>
             </a:r>
           </a:p>
           <a:p>
             <a:pPr lvl="3"/>
             <a:r>
-              <a:rPr lang="it-IT" smtClean="0"/>
+              <a:rPr lang="it-IT"/>
               <a:t>Quarto livello</a:t>
             </a:r>
           </a:p>
           <a:p>
             <a:pPr lvl="4"/>
             <a:r>
-              <a:rPr lang="it-IT" smtClean="0"/>
+              <a:rPr lang="it-IT"/>
               <a:t>Quinto livello</a:t>
             </a:r>
-            <a:endParaRPr lang="it-IT"/>
           </a:p>
         </p:txBody>
       </p:sp>
@@ -10028,7 +9886,7 @@
           <a:p>
             <a:pPr lvl="0"/>
             <a:r>
-              <a:rPr lang="it-IT" smtClean="0"/>
+              <a:rPr lang="it-IT"/>
               <a:t>Fare clic per modificare gli stili del testo dello schema</a:t>
             </a:r>
           </a:p>
@@ -10051,7 +9909,7 @@
           <a:p>
             <a:fld id="{D775947D-044B-614B-8E36-7404D1B77440}" type="datetimeFigureOut">
               <a:rPr lang="it-IT" smtClean="0"/>
-              <a:t>09/05/18</a:t>
+              <a:t>17/05/2018</a:t>
             </a:fld>
             <a:endParaRPr lang="it-IT"/>
           </a:p>
@@ -10093,7 +9951,7 @@
           <a:p>
             <a:fld id="{57FD6837-3DD8-C040-8A46-1B9F3D0E0FFF}" type="slidenum">
               <a:rPr lang="it-IT" smtClean="0"/>
-              <a:t>‹n.›</a:t>
+              <a:t>‹N›</a:t>
             </a:fld>
             <a:endParaRPr lang="it-IT"/>
           </a:p>
@@ -10149,10 +10007,9 @@
           </a:lstStyle>
           <a:p>
             <a:r>
-              <a:rPr lang="it-IT" smtClean="0"/>
+              <a:rPr lang="it-IT"/>
               <a:t>Fare clic per modificare lo stile del titolo dello schema</a:t>
             </a:r>
-            <a:endParaRPr lang="it-IT"/>
           </a:p>
         </p:txBody>
       </p:sp>
@@ -10276,7 +10133,7 @@
           <a:p>
             <a:pPr lvl="0"/>
             <a:r>
-              <a:rPr lang="it-IT" smtClean="0"/>
+              <a:rPr lang="it-IT"/>
               <a:t>Fare clic per modificare gli stili del testo dello schema</a:t>
             </a:r>
           </a:p>
@@ -10299,7 +10156,7 @@
           <a:p>
             <a:fld id="{D775947D-044B-614B-8E36-7404D1B77440}" type="datetimeFigureOut">
               <a:rPr lang="it-IT" smtClean="0"/>
-              <a:t>09/05/18</a:t>
+              <a:t>17/05/2018</a:t>
             </a:fld>
             <a:endParaRPr lang="it-IT"/>
           </a:p>
@@ -10341,7 +10198,7 @@
           <a:p>
             <a:fld id="{57FD6837-3DD8-C040-8A46-1B9F3D0E0FFF}" type="slidenum">
               <a:rPr lang="it-IT" smtClean="0"/>
-              <a:t>‹n.›</a:t>
+              <a:t>‹N›</a:t>
             </a:fld>
             <a:endParaRPr lang="it-IT"/>
           </a:p>
@@ -10403,10 +10260,9 @@
           <a:lstStyle/>
           <a:p>
             <a:r>
-              <a:rPr lang="it-IT" smtClean="0"/>
+              <a:rPr lang="it-IT"/>
               <a:t>Fare clic per modificare lo stile del titolo dello schema</a:t>
             </a:r>
-            <a:endParaRPr lang="it-IT"/>
           </a:p>
         </p:txBody>
       </p:sp>
@@ -10437,38 +10293,37 @@
           <a:p>
             <a:pPr lvl="0"/>
             <a:r>
-              <a:rPr lang="it-IT" smtClean="0"/>
+              <a:rPr lang="it-IT"/>
               <a:t>Fare clic per modificare gli stili del testo dello schema</a:t>
             </a:r>
           </a:p>
           <a:p>
             <a:pPr lvl="1"/>
             <a:r>
-              <a:rPr lang="it-IT" smtClean="0"/>
+              <a:rPr lang="it-IT"/>
               <a:t>Secondo livello</a:t>
             </a:r>
           </a:p>
           <a:p>
             <a:pPr lvl="2"/>
             <a:r>
-              <a:rPr lang="it-IT" smtClean="0"/>
+              <a:rPr lang="it-IT"/>
               <a:t>Terzo livello</a:t>
             </a:r>
           </a:p>
           <a:p>
             <a:pPr lvl="3"/>
             <a:r>
-              <a:rPr lang="it-IT" smtClean="0"/>
+              <a:rPr lang="it-IT"/>
               <a:t>Quarto livello</a:t>
             </a:r>
           </a:p>
           <a:p>
             <a:pPr lvl="4"/>
             <a:r>
-              <a:rPr lang="it-IT" smtClean="0"/>
+              <a:rPr lang="it-IT"/>
               <a:t>Quinto livello</a:t>
             </a:r>
-            <a:endParaRPr lang="it-IT"/>
           </a:p>
         </p:txBody>
       </p:sp>
@@ -10507,7 +10362,7 @@
           <a:p>
             <a:fld id="{D775947D-044B-614B-8E36-7404D1B77440}" type="datetimeFigureOut">
               <a:rPr lang="it-IT" smtClean="0"/>
-              <a:t>09/05/18</a:t>
+              <a:t>17/05/2018</a:t>
             </a:fld>
             <a:endParaRPr lang="it-IT"/>
           </a:p>
@@ -10585,7 +10440,7 @@
           <a:p>
             <a:fld id="{57FD6837-3DD8-C040-8A46-1B9F3D0E0FFF}" type="slidenum">
               <a:rPr lang="it-IT" smtClean="0"/>
-              <a:t>‹n.›</a:t>
+              <a:t>‹N›</a:t>
             </a:fld>
             <a:endParaRPr lang="it-IT"/>
           </a:p>
@@ -10947,7 +10802,7 @@
           <p:cNvPr id="11" name="Immagine 10">
             <a:extLst>
               <a:ext uri="{FF2B5EF4-FFF2-40B4-BE49-F238E27FC236}">
-                <a16:creationId xmlns="" xmlns:a16="http://schemas.microsoft.com/office/drawing/2014/main" id="{19E2129C-A575-42F4-AB71-59B9444C164B}"/>
+                <a16:creationId xmlns:a16="http://schemas.microsoft.com/office/drawing/2014/main" id="{19E2129C-A575-42F4-AB71-59B9444C164B}"/>
               </a:ext>
             </a:extLst>
           </p:cNvPr>
@@ -11005,20 +10860,8 @@
           <a:p>
             <a:pPr algn="ctr"/>
             <a:r>
-              <a:rPr lang="it-IT" i="1" dirty="0" smtClean="0"/>
-              <a:t>ERIK HOLLER  </a:t>
-            </a:r>
-            <a:r>
               <a:rPr lang="it-IT" i="1" dirty="0"/>
-              <a:t>- </a:t>
-            </a:r>
-            <a:r>
-              <a:rPr lang="it-IT" i="1" dirty="0" smtClean="0"/>
-              <a:t>ELIA SCARPARO - </a:t>
-            </a:r>
-            <a:r>
-              <a:rPr lang="it-IT" i="1" dirty="0"/>
-              <a:t>STEFANO ZAMPIERO</a:t>
+              <a:t>ERIK HOLLER  - ELIA SCARPARO - STEFANO ZAMPIERO</a:t>
             </a:r>
           </a:p>
         </p:txBody>
@@ -11047,28 +10890,16 @@
           <a:p>
             <a:pPr algn="ctr"/>
             <a:r>
-              <a:rPr lang="it-IT" sz="3600" b="1" dirty="0" smtClean="0">
+              <a:rPr lang="it-IT" sz="3600" b="1" dirty="0">
                 <a:latin typeface="+mn-lt"/>
               </a:rPr>
               <a:t>Laboratorio di simulazioni finanziarie</a:t>
-            </a:r>
-            <a:r>
-              <a:rPr lang="it-IT" b="1" dirty="0">
-                <a:latin typeface="+mn-lt"/>
-              </a:rPr>
-              <a:t/>
             </a:r>
             <a:br>
               <a:rPr lang="it-IT" b="1" dirty="0">
                 <a:latin typeface="+mn-lt"/>
               </a:rPr>
             </a:br>
-            <a:r>
-              <a:rPr lang="it-IT" b="1" dirty="0">
-                <a:latin typeface="+mn-lt"/>
-              </a:rPr>
-              <a:t/>
-            </a:r>
             <a:br>
               <a:rPr lang="it-IT" b="1" dirty="0">
                 <a:latin typeface="+mn-lt"/>
@@ -11078,17 +10909,8 @@
               <a:rPr lang="it-IT" sz="3600" b="1" dirty="0">
                 <a:latin typeface="+mn-lt"/>
               </a:rPr>
-              <a:t>A.A. </a:t>
-            </a:r>
-            <a:r>
-              <a:rPr lang="it-IT" sz="3600" b="1" dirty="0" smtClean="0">
-                <a:latin typeface="+mn-lt"/>
-              </a:rPr>
-              <a:t>2017/2018</a:t>
-            </a:r>
-            <a:endParaRPr lang="it-IT" sz="3600" b="1" dirty="0">
-              <a:latin typeface="+mn-lt"/>
-            </a:endParaRPr>
+              <a:t>A.A. 2017/2018</a:t>
+            </a:r>
           </a:p>
         </p:txBody>
       </p:sp>
@@ -11116,23 +10938,19 @@
           <a:p>
             <a:pPr algn="ctr"/>
             <a:r>
-              <a:rPr lang="it-IT" sz="3600" b="1" dirty="0" smtClean="0"/>
-              <a:t>Approccio attuariale alla misurazione del rischio </a:t>
-            </a:r>
-            <a:r>
-              <a:rPr lang="it-IT" sz="3600" b="1" dirty="0" smtClean="0"/>
-              <a:t>operativo: Il </a:t>
-            </a:r>
-            <a:r>
-              <a:rPr lang="it-IT" sz="3600" b="1" dirty="0" err="1" smtClean="0"/>
+              <a:rPr lang="it-IT" sz="3600" b="1" dirty="0"/>
+              <a:t>Approccio attuariale alla misurazione del rischio operativo: Il </a:t>
+            </a:r>
+            <a:r>
+              <a:rPr lang="it-IT" sz="3600" b="1" dirty="0" err="1"/>
               <a:t>Loss</a:t>
             </a:r>
             <a:r>
-              <a:rPr lang="it-IT" sz="3600" b="1" dirty="0" smtClean="0"/>
+              <a:rPr lang="it-IT" sz="3600" b="1" dirty="0"/>
               <a:t> Distribution </a:t>
             </a:r>
             <a:r>
-              <a:rPr lang="it-IT" sz="3600" b="1" dirty="0" err="1" smtClean="0"/>
+              <a:rPr lang="it-IT" sz="3600" b="1" dirty="0" err="1"/>
               <a:t>Approach</a:t>
             </a:r>
             <a:endParaRPr lang="it-IT" sz="3600" b="1" dirty="0"/>
@@ -11149,13 +10967,6 @@
   <p:clrMapOvr>
     <a:masterClrMapping/>
   </p:clrMapOvr>
-  <p:timing>
-    <p:tnLst>
-      <p:par>
-        <p:cTn id="1" dur="indefinite" restart="never" nodeType="tmRoot"/>
-      </p:par>
-    </p:tnLst>
-  </p:timing>
 </p:sld>
 </file>
 
@@ -11247,20 +11058,8 @@
           <a:p>
             <a:pPr algn="ctr"/>
             <a:r>
-              <a:rPr lang="it-IT" sz="1100" i="1" dirty="0" smtClean="0"/>
-              <a:t>ERIK HOLLER  </a:t>
-            </a:r>
-            <a:r>
               <a:rPr lang="it-IT" sz="1100" i="1" dirty="0"/>
-              <a:t>- </a:t>
-            </a:r>
-            <a:r>
-              <a:rPr lang="it-IT" sz="1100" i="1" dirty="0" smtClean="0"/>
-              <a:t>ELIA SCARPARO- </a:t>
-            </a:r>
-            <a:r>
-              <a:rPr lang="it-IT" sz="1100" i="1" dirty="0"/>
-              <a:t>STEFANO ZAMPIERO</a:t>
+              <a:t>ERIK HOLLER  - ELIA SCARPARO- STEFANO ZAMPIERO</a:t>
             </a:r>
           </a:p>
         </p:txBody>
@@ -11288,18 +11087,9 @@
           <a:lstStyle/>
           <a:p>
             <a:r>
-              <a:rPr lang="it-IT" sz="1400" i="1" dirty="0" smtClean="0"/>
-              <a:t>LABORATORIO DI SIMULAZIONI FINANZIARIE A.A</a:t>
-            </a:r>
-            <a:r>
               <a:rPr lang="it-IT" sz="1400" i="1" dirty="0"/>
-              <a:t>. </a:t>
-            </a:r>
-            <a:r>
-              <a:rPr lang="it-IT" sz="1400" i="1" dirty="0" smtClean="0"/>
-              <a:t>2017-2018</a:t>
-            </a:r>
-            <a:endParaRPr lang="it-IT" sz="1400" i="1" dirty="0"/>
+              <a:t>LABORATORIO DI SIMULAZIONI FINANZIARIE A.A. 2017-2018</a:t>
+            </a:r>
           </a:p>
         </p:txBody>
       </p:sp>
@@ -11308,7 +11098,7 @@
           <p:cNvPr id="10" name="Segnaposto contenuto 2">
             <a:extLst>
               <a:ext uri="{FF2B5EF4-FFF2-40B4-BE49-F238E27FC236}">
-                <a16:creationId xmlns="" xmlns:mc="http://schemas.openxmlformats.org/markup-compatibility/2006" xmlns:a14="http://schemas.microsoft.com/office/drawing/2010/main" xmlns:a16="http://schemas.microsoft.com/office/drawing/2014/main" id="{1080FD01-1484-43D4-A1C5-7D0508973CE6}"/>
+                <a16:creationId xmlns:a16="http://schemas.microsoft.com/office/drawing/2014/main" id="{1080FD01-1484-43D4-A1C5-7D0508973CE6}"/>
               </a:ext>
             </a:extLst>
           </p:cNvPr>
@@ -11506,7 +11296,7 @@
               <a:buChar char="•"/>
             </a:pPr>
             <a:r>
-              <a:rPr lang="it-IT" sz="2000" dirty="0" smtClean="0">
+              <a:rPr lang="it-IT" sz="2000" dirty="0">
                 <a:latin typeface="Times New Roman" panose="02020603050405020304" pitchFamily="18" charset="0"/>
                 <a:cs typeface="Times New Roman" panose="02020603050405020304" pitchFamily="18" charset="0"/>
               </a:rPr>
@@ -11577,13 +11367,13 @@
           </a:lstStyle>
           <a:p>
             <a:r>
-              <a:rPr lang="it-IT" sz="4000" dirty="0" smtClean="0">
+              <a:rPr lang="it-IT" sz="4000" dirty="0">
                 <a:latin typeface="+mn-lt"/>
               </a:rPr>
               <a:t>Costruzione della distribuzione di </a:t>
             </a:r>
             <a:r>
-              <a:rPr lang="it-IT" sz="4000" b="1" i="1" dirty="0" err="1" smtClean="0">
+              <a:rPr lang="it-IT" sz="4000" b="1" i="1" dirty="0" err="1">
                 <a:latin typeface="+mn-lt"/>
               </a:rPr>
               <a:t>frequency</a:t>
@@ -11634,13 +11424,6 @@
   <p:clrMapOvr>
     <a:masterClrMapping/>
   </p:clrMapOvr>
-  <p:timing>
-    <p:tnLst>
-      <p:par>
-        <p:cTn id="1" dur="indefinite" restart="never" nodeType="tmRoot"/>
-      </p:par>
-    </p:tnLst>
-  </p:timing>
 </p:sld>
 </file>
 
@@ -11732,20 +11515,8 @@
           <a:p>
             <a:pPr algn="ctr"/>
             <a:r>
-              <a:rPr lang="it-IT" sz="1100" i="1" dirty="0" smtClean="0"/>
-              <a:t>ERIK HOLLER  </a:t>
-            </a:r>
-            <a:r>
               <a:rPr lang="it-IT" sz="1100" i="1" dirty="0"/>
-              <a:t>- </a:t>
-            </a:r>
-            <a:r>
-              <a:rPr lang="it-IT" sz="1100" i="1" dirty="0" smtClean="0"/>
-              <a:t>ELIA SCARPARO- </a:t>
-            </a:r>
-            <a:r>
-              <a:rPr lang="it-IT" sz="1100" i="1" dirty="0"/>
-              <a:t>STEFANO ZAMPIERO</a:t>
+              <a:t>ERIK HOLLER  - ELIA SCARPARO- STEFANO ZAMPIERO</a:t>
             </a:r>
           </a:p>
         </p:txBody>
@@ -11773,18 +11544,9 @@
           <a:lstStyle/>
           <a:p>
             <a:r>
-              <a:rPr lang="it-IT" sz="1400" i="1" dirty="0" smtClean="0"/>
-              <a:t>LABORATORIO DI SIMULAZIONI FINANZIARIE A.A</a:t>
-            </a:r>
-            <a:r>
               <a:rPr lang="it-IT" sz="1400" i="1" dirty="0"/>
-              <a:t>. </a:t>
-            </a:r>
-            <a:r>
-              <a:rPr lang="it-IT" sz="1400" i="1" dirty="0" smtClean="0"/>
-              <a:t>2017-2018</a:t>
-            </a:r>
-            <a:endParaRPr lang="it-IT" sz="1400" i="1" dirty="0"/>
+              <a:t>LABORATORIO DI SIMULAZIONI FINANZIARIE A.A. 2017-2018</a:t>
+            </a:r>
           </a:p>
         </p:txBody>
       </p:sp>
@@ -11815,16 +11577,12 @@
               <a:t> </a:t>
             </a:r>
             <a:r>
-              <a:rPr lang="it-IT" sz="2400" dirty="0" smtClean="0"/>
+              <a:rPr lang="it-IT" sz="2400" dirty="0"/>
               <a:t>La </a:t>
             </a:r>
             <a:r>
-              <a:rPr lang="it-IT" sz="2400" b="1" dirty="0" smtClean="0"/>
-              <a:t>distribuzione </a:t>
-            </a:r>
-            <a:r>
               <a:rPr lang="it-IT" sz="2400" b="1" dirty="0"/>
-              <a:t>di </a:t>
+              <a:t>distribuzione di </a:t>
             </a:r>
             <a:r>
               <a:rPr lang="it-IT" sz="2400" b="1" dirty="0" err="1"/>
@@ -11836,23 +11594,19 @@
             </a:r>
             <a:r>
               <a:rPr lang="it-IT" sz="2400" dirty="0"/>
-              <a:t>è </a:t>
-            </a:r>
-            <a:r>
-              <a:rPr lang="it-IT" sz="2400" dirty="0" smtClean="0"/>
-              <a:t>utile per la stima della </a:t>
-            </a:r>
-            <a:r>
-              <a:rPr lang="it-IT" sz="2400" dirty="0" err="1" smtClean="0"/>
+              <a:t>è utile per la stima della </a:t>
+            </a:r>
+            <a:r>
+              <a:rPr lang="it-IT" sz="2400" dirty="0" err="1"/>
               <a:t>frequency</a:t>
             </a:r>
             <a:r>
-              <a:rPr lang="it-IT" sz="2400" dirty="0" smtClean="0"/>
+              <a:rPr lang="it-IT" sz="2400" dirty="0"/>
               <a:t> in quanto:</a:t>
             </a:r>
           </a:p>
           <a:p>
-            <a:endParaRPr lang="it-IT" sz="2400" dirty="0" smtClean="0"/>
+            <a:endParaRPr lang="it-IT" sz="2400" dirty="0"/>
           </a:p>
           <a:p>
             <a:pPr marL="285750" indent="-285750">
@@ -11860,12 +11614,8 @@
               <a:buChar char="•"/>
             </a:pPr>
             <a:r>
-              <a:rPr lang="it-IT" sz="2400" dirty="0" smtClean="0"/>
-              <a:t>si </a:t>
-            </a:r>
-            <a:r>
               <a:rPr lang="it-IT" sz="2400" dirty="0"/>
-              <a:t>possono aggregare più distribuzioni di </a:t>
+              <a:t>si possono aggregare più distribuzioni di </a:t>
             </a:r>
             <a:r>
               <a:rPr lang="it-IT" sz="2400" dirty="0" err="1"/>
@@ -11873,11 +11623,7 @@
             </a:r>
             <a:r>
               <a:rPr lang="it-IT" sz="2400" dirty="0"/>
-              <a:t> legate ciascuna ad </a:t>
-            </a:r>
-            <a:r>
-              <a:rPr lang="it-IT" sz="2400" dirty="0" smtClean="0"/>
-              <a:t>un determinato </a:t>
+              <a:t> legate ciascuna ad un determinato </a:t>
             </a:r>
             <a:r>
               <a:rPr lang="it-IT" sz="2400" i="1" dirty="0" err="1"/>
@@ -11896,36 +11642,8 @@
               <a:t> </a:t>
             </a:r>
             <a:r>
-              <a:rPr lang="it-IT" sz="2400" dirty="0" smtClean="0"/>
-              <a:t>all'interno </a:t>
-            </a:r>
-            <a:r>
               <a:rPr lang="it-IT" sz="2400" dirty="0"/>
-              <a:t>di una </a:t>
-            </a:r>
-            <a:r>
-              <a:rPr lang="it-IT" sz="2400" dirty="0" smtClean="0"/>
-              <a:t>determinata business </a:t>
-            </a:r>
-            <a:r>
-              <a:rPr lang="it-IT" sz="2400" dirty="0"/>
-              <a:t>line </a:t>
-            </a:r>
-            <a:r>
-              <a:rPr lang="it-IT" sz="2400" dirty="0" smtClean="0"/>
-              <a:t>(sfruttando l’ipotesi di indipendenza </a:t>
-            </a:r>
-            <a:r>
-              <a:rPr lang="it-IT" sz="2400" dirty="0"/>
-              <a:t>degli </a:t>
-            </a:r>
-            <a:r>
-              <a:rPr lang="it-IT" sz="2400" dirty="0" smtClean="0"/>
-              <a:t>eventi </a:t>
-            </a:r>
-            <a:r>
-              <a:rPr lang="it-IT" sz="2400" dirty="0"/>
-              <a:t>nei diversi </a:t>
+              <a:t>all'interno di una determinata business line (sfruttando l’ipotesi di indipendenza degli eventi nei diversi </a:t>
             </a:r>
             <a:r>
               <a:rPr lang="it-IT" sz="2400" dirty="0" err="1"/>
@@ -11940,7 +11658,7 @@
               <a:t>PROPRIETA' ADDITIVA</a:t>
             </a:r>
             <a:r>
-              <a:rPr lang="it-IT" sz="2400" dirty="0" smtClean="0"/>
+              <a:rPr lang="it-IT" sz="2400" dirty="0"/>
               <a:t>;</a:t>
             </a:r>
           </a:p>
@@ -11956,7 +11674,7 @@
               <a:buFont typeface="Arial" charset="0"/>
               <a:buChar char="•"/>
             </a:pPr>
-            <a:endParaRPr lang="it-IT" sz="2400" dirty="0" smtClean="0"/>
+            <a:endParaRPr lang="it-IT" sz="2400" dirty="0"/>
           </a:p>
           <a:p>
             <a:pPr marL="285750" indent="-285750">
@@ -11970,7 +11688,7 @@
               <a:buFont typeface="Arial" charset="0"/>
               <a:buChar char="•"/>
             </a:pPr>
-            <a:endParaRPr lang="it-IT" sz="2400" dirty="0" smtClean="0"/>
+            <a:endParaRPr lang="it-IT" sz="2400" dirty="0"/>
           </a:p>
           <a:p>
             <a:pPr marL="285750" indent="-285750">
@@ -11984,7 +11702,7 @@
               <a:buFont typeface="Arial" charset="0"/>
               <a:buChar char="•"/>
             </a:pPr>
-            <a:endParaRPr lang="it-IT" sz="2400" dirty="0" smtClean="0"/>
+            <a:endParaRPr lang="it-IT" sz="2400" dirty="0"/>
           </a:p>
           <a:p>
             <a:pPr marL="285750" indent="-285750">
@@ -11992,20 +11710,8 @@
               <a:buChar char="•"/>
             </a:pPr>
             <a:r>
-              <a:rPr lang="it-IT" sz="2400" dirty="0" smtClean="0"/>
-              <a:t>è </a:t>
-            </a:r>
-            <a:r>
               <a:rPr lang="it-IT" sz="2400" dirty="0"/>
-              <a:t>semplice da implementare, basta conoscere il numero medio di volte </a:t>
-            </a:r>
-            <a:r>
-              <a:rPr lang="it-IT" sz="2400" dirty="0" smtClean="0"/>
-              <a:t>che l'evento </a:t>
-            </a:r>
-            <a:r>
-              <a:rPr lang="it-IT" sz="2400" dirty="0"/>
-              <a:t>si verifica in un arco di tempo (</a:t>
+              <a:t>è semplice da implementare, basta conoscere il numero medio di volte che l'evento si verifica in un arco di tempo (</a:t>
             </a:r>
             <a:r>
               <a:rPr lang="it-IT" sz="2400" b="1" i="1" dirty="0"/>
@@ -12013,14 +11719,10 @@
             </a:r>
             <a:r>
               <a:rPr lang="it-IT" sz="2400" dirty="0"/>
-              <a:t>) per definire l'intera </a:t>
-            </a:r>
-            <a:r>
-              <a:rPr lang="it-IT" sz="2400" dirty="0" smtClean="0"/>
-              <a:t>distribuzione</a:t>
-            </a:r>
-            <a:r>
-              <a:rPr lang="it-IT" dirty="0" smtClean="0"/>
+              <a:t>) per definire l'intera distribuzione</a:t>
+            </a:r>
+            <a:r>
+              <a:rPr lang="it-IT" dirty="0"/>
               <a:t>;</a:t>
             </a:r>
           </a:p>
@@ -12078,7 +11780,7 @@
                       <m:dPr>
                         <m:ctrlPr>
                           <a:rPr lang="it-IT" i="1">
-                            <a:latin typeface="Cambria Math" charset="0"/>
+                            <a:latin typeface="Cambria Math" panose="02040503050406030204" pitchFamily="18" charset="0"/>
                             <a:ea typeface="Calibri" panose="020F0502020204030204" pitchFamily="34" charset="0"/>
                             <a:cs typeface="Times New Roman" panose="02020603050405020304" pitchFamily="18" charset="0"/>
                           </a:rPr>
@@ -12107,7 +11809,7 @@
                       <m:fPr>
                         <m:ctrlPr>
                           <a:rPr lang="it-IT" i="1">
-                            <a:latin typeface="Cambria Math" charset="0"/>
+                            <a:latin typeface="Cambria Math" panose="02040503050406030204" pitchFamily="18" charset="0"/>
                             <a:ea typeface="Calibri" panose="020F0502020204030204" pitchFamily="34" charset="0"/>
                             <a:cs typeface="Times New Roman" panose="02020603050405020304" pitchFamily="18" charset="0"/>
                           </a:rPr>
@@ -12118,7 +11820,7 @@
                           <m:sSupPr>
                             <m:ctrlPr>
                               <a:rPr lang="it-IT" i="1">
-                                <a:latin typeface="Cambria Math" charset="0"/>
+                                <a:latin typeface="Cambria Math" panose="02040503050406030204" pitchFamily="18" charset="0"/>
                                 <a:ea typeface="Calibri" panose="020F0502020204030204" pitchFamily="34" charset="0"/>
                                 <a:cs typeface="Times New Roman" panose="02020603050405020304" pitchFamily="18" charset="0"/>
                               </a:rPr>
@@ -12169,7 +11871,7 @@
                       <m:sSupPr>
                         <m:ctrlPr>
                           <a:rPr lang="it-IT" i="1">
-                            <a:latin typeface="Cambria Math" charset="0"/>
+                            <a:latin typeface="Cambria Math" panose="02040503050406030204" pitchFamily="18" charset="0"/>
                             <a:ea typeface="Calibri" panose="020F0502020204030204" pitchFamily="34" charset="0"/>
                             <a:cs typeface="Times New Roman" panose="02020603050405020304" pitchFamily="18" charset="0"/>
                           </a:rPr>
@@ -12334,7 +12036,7 @@
                           <m:ctrlPr>
                             <a:rPr lang="it-IT" sz="2400" i="1">
                               <a:effectLst/>
-                              <a:latin typeface="Cambria Math" charset="0"/>
+                              <a:latin typeface="Cambria Math" panose="02040503050406030204" pitchFamily="18" charset="0"/>
                             </a:rPr>
                           </m:ctrlPr>
                         </m:dPr>
@@ -12367,7 +12069,7 @@
                           <m:ctrlPr>
                             <a:rPr lang="it-IT" sz="2400" i="1">
                               <a:effectLst/>
-                              <a:latin typeface="Cambria Math" charset="0"/>
+                              <a:latin typeface="Cambria Math" panose="02040503050406030204" pitchFamily="18" charset="0"/>
                             </a:rPr>
                           </m:ctrlPr>
                         </m:naryPr>
@@ -12417,7 +12119,7 @@
                               <m:ctrlPr>
                                 <a:rPr lang="it-IT" sz="2400" i="1">
                                   <a:effectLst/>
-                                  <a:latin typeface="Cambria Math" charset="0"/>
+                                  <a:latin typeface="Cambria Math" panose="02040503050406030204" pitchFamily="18" charset="0"/>
                                 </a:rPr>
                               </m:ctrlPr>
                             </m:fPr>
@@ -12427,7 +12129,7 @@
                                   <m:ctrlPr>
                                     <a:rPr lang="it-IT" sz="2400" i="1">
                                       <a:effectLst/>
-                                      <a:latin typeface="Cambria Math" charset="0"/>
+                                      <a:latin typeface="Cambria Math" panose="02040503050406030204" pitchFamily="18" charset="0"/>
                                     </a:rPr>
                                   </m:ctrlPr>
                                 </m:sSupPr>
@@ -12468,7 +12170,7 @@
                                   <m:ctrlPr>
                                     <a:rPr lang="it-IT" sz="2400" i="1">
                                       <a:effectLst/>
-                                      <a:latin typeface="Cambria Math" charset="0"/>
+                                      <a:latin typeface="Cambria Math" panose="02040503050406030204" pitchFamily="18" charset="0"/>
                                     </a:rPr>
                                   </m:ctrlPr>
                                 </m:sSupPr>
@@ -12587,13 +12289,6 @@
   <p:clrMapOvr>
     <a:masterClrMapping/>
   </p:clrMapOvr>
-  <p:timing>
-    <p:tnLst>
-      <p:par>
-        <p:cTn id="1" dur="indefinite" restart="never" nodeType="tmRoot"/>
-      </p:par>
-    </p:tnLst>
-  </p:timing>
 </p:sld>
 </file>
 
@@ -12685,20 +12380,8 @@
           <a:p>
             <a:pPr algn="ctr"/>
             <a:r>
-              <a:rPr lang="it-IT" sz="1100" i="1" dirty="0" smtClean="0"/>
-              <a:t>ERIK HOLLER  </a:t>
-            </a:r>
-            <a:r>
               <a:rPr lang="it-IT" sz="1100" i="1" dirty="0"/>
-              <a:t>- </a:t>
-            </a:r>
-            <a:r>
-              <a:rPr lang="it-IT" sz="1100" i="1" dirty="0" smtClean="0"/>
-              <a:t>ELIA SCARPARO- </a:t>
-            </a:r>
-            <a:r>
-              <a:rPr lang="it-IT" sz="1100" i="1" dirty="0"/>
-              <a:t>STEFANO ZAMPIERO</a:t>
+              <a:t>ERIK HOLLER  - ELIA SCARPARO- STEFANO ZAMPIERO</a:t>
             </a:r>
           </a:p>
         </p:txBody>
@@ -12726,18 +12409,9 @@
           <a:lstStyle/>
           <a:p>
             <a:r>
-              <a:rPr lang="it-IT" sz="1400" i="1" dirty="0" smtClean="0"/>
-              <a:t>LABORATORIO DI SIMULAZIONI FINANZIARIE A.A</a:t>
-            </a:r>
-            <a:r>
               <a:rPr lang="it-IT" sz="1400" i="1" dirty="0"/>
-              <a:t>. </a:t>
-            </a:r>
-            <a:r>
-              <a:rPr lang="it-IT" sz="1400" i="1" dirty="0" smtClean="0"/>
-              <a:t>2017-2018</a:t>
-            </a:r>
-            <a:endParaRPr lang="it-IT" sz="1400" i="1" dirty="0"/>
+              <a:t>LABORATORIO DI SIMULAZIONI FINANZIARIE A.A. 2017-2018</a:t>
+            </a:r>
           </a:p>
         </p:txBody>
       </p:sp>
@@ -12793,38 +12467,35 @@
               <a:buChar char="•"/>
             </a:pPr>
             <a:r>
-              <a:rPr lang="it-IT" sz="2000" dirty="0" smtClean="0">
+              <a:rPr lang="it-IT" sz="2000" dirty="0">
                 <a:effectLst/>
               </a:rPr>
               <a:t>Costruzione di un </a:t>
             </a:r>
             <a:r>
-              <a:rPr lang="it-IT" sz="2000" dirty="0" err="1" smtClean="0">
+              <a:rPr lang="it-IT" sz="2000" dirty="0" err="1">
                 <a:effectLst/>
               </a:rPr>
               <a:t>QQplot</a:t>
             </a:r>
             <a:r>
-              <a:rPr lang="it-IT" sz="2000" dirty="0" smtClean="0">
+              <a:rPr lang="it-IT" sz="2000" dirty="0">
                 <a:effectLst/>
               </a:rPr>
               <a:t> utile per verificare se la distribuzione teorica utilizzata, in questo caso una </a:t>
             </a:r>
             <a:r>
-              <a:rPr lang="it-IT" sz="2000" dirty="0" err="1" smtClean="0">
+              <a:rPr lang="it-IT" sz="2000" dirty="0" err="1">
                 <a:effectLst/>
               </a:rPr>
               <a:t>poissoniana</a:t>
             </a:r>
             <a:r>
-              <a:rPr lang="it-IT" sz="2000" dirty="0" smtClean="0">
+              <a:rPr lang="it-IT" sz="2000" dirty="0">
                 <a:effectLst/>
               </a:rPr>
               <a:t>, approssima correttamente i  valori di k</a:t>
             </a:r>
-            <a:endParaRPr lang="it-IT" sz="2000" dirty="0">
-              <a:effectLst/>
-            </a:endParaRPr>
           </a:p>
         </p:txBody>
       </p:sp>
@@ -12868,13 +12539,6 @@
   <p:clrMapOvr>
     <a:masterClrMapping/>
   </p:clrMapOvr>
-  <p:timing>
-    <p:tnLst>
-      <p:par>
-        <p:cTn id="1" dur="indefinite" restart="never" nodeType="tmRoot"/>
-      </p:par>
-    </p:tnLst>
-  </p:timing>
 </p:sld>
 </file>
 
@@ -13173,20 +12837,8 @@
           <a:p>
             <a:pPr algn="ctr"/>
             <a:r>
-              <a:rPr lang="it-IT" sz="1100" i="1" dirty="0" smtClean="0"/>
-              <a:t>ERIK HOLLER  </a:t>
-            </a:r>
-            <a:r>
               <a:rPr lang="it-IT" sz="1100" i="1" dirty="0"/>
-              <a:t>- </a:t>
-            </a:r>
-            <a:r>
-              <a:rPr lang="it-IT" sz="1100" i="1" dirty="0" smtClean="0"/>
-              <a:t>ELIA SCARPARO- </a:t>
-            </a:r>
-            <a:r>
-              <a:rPr lang="it-IT" sz="1100" i="1" dirty="0"/>
-              <a:t>STEFANO ZAMPIERO</a:t>
+              <a:t>ERIK HOLLER  - ELIA SCARPARO- STEFANO ZAMPIERO</a:t>
             </a:r>
           </a:p>
         </p:txBody>
@@ -13214,18 +12866,9 @@
           <a:lstStyle/>
           <a:p>
             <a:r>
-              <a:rPr lang="it-IT" sz="1400" i="1" dirty="0" smtClean="0"/>
-              <a:t>LABORATORIO DI SIMULAZIONI FINANZIARIE A.A</a:t>
-            </a:r>
-            <a:r>
               <a:rPr lang="it-IT" sz="1400" i="1" dirty="0"/>
-              <a:t>. </a:t>
-            </a:r>
-            <a:r>
-              <a:rPr lang="it-IT" sz="1400" i="1" dirty="0" smtClean="0"/>
-              <a:t>2017-2018</a:t>
-            </a:r>
-            <a:endParaRPr lang="it-IT" sz="1400" i="1" dirty="0"/>
+              <a:t>LABORATORIO DI SIMULAZIONI FINANZIARIE A.A. 2017-2018</a:t>
+            </a:r>
           </a:p>
         </p:txBody>
       </p:sp>
@@ -13271,13 +12914,13 @@
           </a:lstStyle>
           <a:p>
             <a:r>
-              <a:rPr lang="it-IT" sz="4000" dirty="0" smtClean="0">
+              <a:rPr lang="it-IT" sz="4000" dirty="0">
                 <a:latin typeface="+mn-lt"/>
               </a:rPr>
               <a:t>Costruzione della distribuzione di </a:t>
             </a:r>
             <a:r>
-              <a:rPr lang="it-IT" sz="4000" b="1" i="1" dirty="0" err="1" smtClean="0">
+              <a:rPr lang="it-IT" sz="4000" b="1" i="1" dirty="0" err="1">
                 <a:latin typeface="+mn-lt"/>
               </a:rPr>
               <a:t>severity</a:t>
@@ -13315,7 +12958,7 @@
               <a:buChar char="•"/>
             </a:pPr>
             <a:r>
-              <a:rPr lang="it-IT" dirty="0" smtClean="0"/>
+              <a:rPr lang="it-IT" dirty="0"/>
               <a:t>Essa rappresenta la densità di probabilità dell’impatto monetario derivante da un singolo evento operativo;</a:t>
             </a:r>
           </a:p>
@@ -13324,7 +12967,7 @@
               <a:buFont typeface="Arial" charset="0"/>
               <a:buChar char="•"/>
             </a:pPr>
-            <a:endParaRPr lang="it-IT" dirty="0" smtClean="0"/>
+            <a:endParaRPr lang="it-IT" dirty="0"/>
           </a:p>
           <a:p>
             <a:pPr marL="285750" indent="-285750" algn="just">
@@ -13332,29 +12975,28 @@
               <a:buChar char="•"/>
             </a:pPr>
             <a:r>
-              <a:rPr lang="it-IT" dirty="0" smtClean="0"/>
+              <a:rPr lang="it-IT" dirty="0"/>
               <a:t>Per rappresentare la distribuzione del fenomeno osservato abbiamo utilizzato una distribuzione continua definendo quindi le </a:t>
             </a:r>
             <a:r>
-              <a:rPr lang="it-IT" dirty="0" err="1" smtClean="0"/>
+              <a:rPr lang="it-IT" dirty="0" err="1"/>
               <a:t>severity</a:t>
             </a:r>
             <a:r>
-              <a:rPr lang="it-IT" dirty="0" smtClean="0"/>
+              <a:rPr lang="it-IT" dirty="0"/>
               <a:t> delle perdite operative effettuando estrazioni casuali da una distribuzione </a:t>
             </a:r>
             <a:r>
-              <a:rPr lang="it-IT" b="1" dirty="0" smtClean="0"/>
+              <a:rPr lang="it-IT" b="1" dirty="0"/>
               <a:t>log-normale</a:t>
             </a:r>
-            <a:endParaRPr lang="it-IT" b="1" dirty="0"/>
           </a:p>
           <a:p>
             <a:pPr marL="285750" indent="-285750">
               <a:buFont typeface="Arial" charset="0"/>
               <a:buChar char="•"/>
             </a:pPr>
-            <a:endParaRPr lang="it-IT" b="1" dirty="0" smtClean="0"/>
+            <a:endParaRPr lang="it-IT" b="1" dirty="0"/>
           </a:p>
           <a:p>
             <a:endParaRPr lang="it-IT" dirty="0"/>
@@ -13371,7 +13013,7 @@
               <p:cNvPr id="13" name="Segnaposto contenuto 2">
                 <a:extLst>
                   <a:ext uri="{FF2B5EF4-FFF2-40B4-BE49-F238E27FC236}">
-                    <a16:creationId xmlns="" xmlns:a16="http://schemas.microsoft.com/office/drawing/2014/main" id="{1080FD01-1484-43D4-A1C5-7D0508973CE6}"/>
+                    <a16:creationId xmlns:a16="http://schemas.microsoft.com/office/drawing/2014/main" id="{1080FD01-1484-43D4-A1C5-7D0508973CE6}"/>
                   </a:ext>
                 </a:extLst>
               </p:cNvPr>
@@ -13584,7 +13226,7 @@
                         <m:dPr>
                           <m:ctrlPr>
                             <a:rPr lang="it-IT" sz="4800" i="1">
-                              <a:latin typeface="Cambria Math" charset="0"/>
+                              <a:latin typeface="Cambria Math" panose="02040503050406030204" pitchFamily="18" charset="0"/>
                               <a:ea typeface="Calibri" panose="020F0502020204030204" pitchFamily="34" charset="0"/>
                               <a:cs typeface="Times New Roman" panose="02020603050405020304" pitchFamily="18" charset="0"/>
                             </a:rPr>
@@ -13613,7 +13255,7 @@
                         <m:fPr>
                           <m:ctrlPr>
                             <a:rPr lang="it-IT" sz="4800" i="1">
-                              <a:latin typeface="Cambria Math" charset="0"/>
+                              <a:latin typeface="Cambria Math" panose="02040503050406030204" pitchFamily="18" charset="0"/>
                               <a:ea typeface="Calibri" panose="020F0502020204030204" pitchFamily="34" charset="0"/>
                               <a:cs typeface="Times New Roman" panose="02020603050405020304" pitchFamily="18" charset="0"/>
                             </a:rPr>
@@ -13624,7 +13266,7 @@
                             <m:sSupPr>
                               <m:ctrlPr>
                                 <a:rPr lang="it-IT" sz="4800" i="1">
-                                  <a:latin typeface="Cambria Math" charset="0"/>
+                                  <a:latin typeface="Cambria Math" panose="02040503050406030204" pitchFamily="18" charset="0"/>
                                   <a:ea typeface="Calibri" panose="020F0502020204030204" pitchFamily="34" charset="0"/>
                                   <a:cs typeface="Times New Roman" panose="02020603050405020304" pitchFamily="18" charset="0"/>
                                 </a:rPr>
@@ -13645,7 +13287,7 @@
                                 <m:fPr>
                                   <m:ctrlPr>
                                     <a:rPr lang="it-IT" sz="4800" i="1">
-                                      <a:latin typeface="Cambria Math" charset="0"/>
+                                      <a:latin typeface="Cambria Math" panose="02040503050406030204" pitchFamily="18" charset="0"/>
                                       <a:ea typeface="Calibri" panose="020F0502020204030204" pitchFamily="34" charset="0"/>
                                       <a:cs typeface="Times New Roman" panose="02020603050405020304" pitchFamily="18" charset="0"/>
                                     </a:rPr>
@@ -13664,7 +13306,7 @@
                                     <m:sSupPr>
                                       <m:ctrlPr>
                                         <a:rPr lang="it-IT" sz="4800" i="1">
-                                          <a:latin typeface="Cambria Math" charset="0"/>
+                                          <a:latin typeface="Cambria Math" panose="02040503050406030204" pitchFamily="18" charset="0"/>
                                           <a:ea typeface="Calibri" panose="020F0502020204030204" pitchFamily="34" charset="0"/>
                                           <a:cs typeface="Times New Roman" panose="02020603050405020304" pitchFamily="18" charset="0"/>
                                         </a:rPr>
@@ -13675,7 +13317,7 @@
                                         <m:dPr>
                                           <m:ctrlPr>
                                             <a:rPr lang="it-IT" sz="4800" i="1">
-                                              <a:latin typeface="Cambria Math" charset="0"/>
+                                              <a:latin typeface="Cambria Math" panose="02040503050406030204" pitchFamily="18" charset="0"/>
                                               <a:ea typeface="Calibri" panose="020F0502020204030204" pitchFamily="34" charset="0"/>
                                               <a:cs typeface="Times New Roman" panose="02020603050405020304" pitchFamily="18" charset="0"/>
                                             </a:rPr>
@@ -13686,7 +13328,7 @@
                                             <m:funcPr>
                                               <m:ctrlPr>
                                                 <a:rPr lang="it-IT" sz="4800" i="1">
-                                                  <a:latin typeface="Cambria Math" charset="0"/>
+                                                  <a:latin typeface="Cambria Math" panose="02040503050406030204" pitchFamily="18" charset="0"/>
                                                   <a:ea typeface="Calibri" panose="020F0502020204030204" pitchFamily="34" charset="0"/>
                                                   <a:cs typeface="Times New Roman" panose="02020603050405020304" pitchFamily="18" charset="0"/>
                                                 </a:rPr>
@@ -13707,7 +13349,7 @@
                                                 <m:dPr>
                                                   <m:ctrlPr>
                                                     <a:rPr lang="it-IT" sz="4800" i="1">
-                                                      <a:latin typeface="Cambria Math" charset="0"/>
+                                                      <a:latin typeface="Cambria Math" panose="02040503050406030204" pitchFamily="18" charset="0"/>
                                                       <a:ea typeface="Calibri" panose="020F0502020204030204" pitchFamily="34" charset="0"/>
                                                       <a:cs typeface="Times New Roman" panose="02020603050405020304" pitchFamily="18" charset="0"/>
                                                     </a:rPr>
@@ -13770,7 +13412,7 @@
                                     <m:sSupPr>
                                       <m:ctrlPr>
                                         <a:rPr lang="it-IT" sz="4800" i="1">
-                                          <a:latin typeface="Cambria Math" charset="0"/>
+                                          <a:latin typeface="Cambria Math" panose="02040503050406030204" pitchFamily="18" charset="0"/>
                                           <a:ea typeface="Calibri" panose="020F0502020204030204" pitchFamily="34" charset="0"/>
                                           <a:cs typeface="Times New Roman" panose="02020603050405020304" pitchFamily="18" charset="0"/>
                                         </a:rPr>
@@ -13808,7 +13450,7 @@
                               <m:degHide m:val="on"/>
                               <m:ctrlPr>
                                 <a:rPr lang="it-IT" sz="4800" i="1">
-                                  <a:latin typeface="Cambria Math" charset="0"/>
+                                  <a:latin typeface="Cambria Math" panose="02040503050406030204" pitchFamily="18" charset="0"/>
                                   <a:ea typeface="Calibri" panose="020F0502020204030204" pitchFamily="34" charset="0"/>
                                   <a:cs typeface="Times New Roman" panose="02020603050405020304" pitchFamily="18" charset="0"/>
                                 </a:rPr>
@@ -13836,7 +13478,7 @@
                                 <m:sSupPr>
                                   <m:ctrlPr>
                                     <a:rPr lang="it-IT" sz="4800" i="1">
-                                      <a:latin typeface="Cambria Math" charset="0"/>
+                                      <a:latin typeface="Cambria Math" panose="02040503050406030204" pitchFamily="18" charset="0"/>
                                       <a:ea typeface="Calibri" panose="020F0502020204030204" pitchFamily="34" charset="0"/>
                                       <a:cs typeface="Times New Roman" panose="02020603050405020304" pitchFamily="18" charset="0"/>
                                     </a:rPr>
@@ -13956,13 +13598,6 @@
   <p:clrMapOvr>
     <a:masterClrMapping/>
   </p:clrMapOvr>
-  <p:timing>
-    <p:tnLst>
-      <p:par>
-        <p:cTn id="1" dur="indefinite" restart="never" nodeType="tmRoot"/>
-      </p:par>
-    </p:tnLst>
-  </p:timing>
 </p:sld>
 </file>
 
@@ -14261,20 +13896,8 @@
           <a:p>
             <a:pPr algn="ctr"/>
             <a:r>
-              <a:rPr lang="it-IT" sz="1100" i="1" dirty="0" smtClean="0"/>
-              <a:t>ERIK HOLLER  </a:t>
-            </a:r>
-            <a:r>
               <a:rPr lang="it-IT" sz="1100" i="1" dirty="0"/>
-              <a:t>- </a:t>
-            </a:r>
-            <a:r>
-              <a:rPr lang="it-IT" sz="1100" i="1" dirty="0" smtClean="0"/>
-              <a:t>ELIA SCARPARO- </a:t>
-            </a:r>
-            <a:r>
-              <a:rPr lang="it-IT" sz="1100" i="1" dirty="0"/>
-              <a:t>STEFANO ZAMPIERO</a:t>
+              <a:t>ERIK HOLLER  - ELIA SCARPARO- STEFANO ZAMPIERO</a:t>
             </a:r>
           </a:p>
         </p:txBody>
@@ -14302,18 +13925,9 @@
           <a:lstStyle/>
           <a:p>
             <a:r>
-              <a:rPr lang="it-IT" sz="1400" i="1" dirty="0" smtClean="0"/>
-              <a:t>LABORATORIO DI SIMULAZIONI FINANZIARIE A.A</a:t>
-            </a:r>
-            <a:r>
               <a:rPr lang="it-IT" sz="1400" i="1" dirty="0"/>
-              <a:t>. </a:t>
-            </a:r>
-            <a:r>
-              <a:rPr lang="it-IT" sz="1400" i="1" dirty="0" smtClean="0"/>
-              <a:t>2017-2018</a:t>
-            </a:r>
-            <a:endParaRPr lang="it-IT" sz="1400" i="1" dirty="0"/>
+              <a:t>LABORATORIO DI SIMULAZIONI FINANZIARIE A.A. 2017-2018</a:t>
+            </a:r>
           </a:p>
         </p:txBody>
       </p:sp>
@@ -14359,19 +13973,13 @@
           </a:lstStyle>
           <a:p>
             <a:r>
-              <a:rPr lang="it-IT" sz="4000" dirty="0" smtClean="0">
+              <a:rPr lang="it-IT" sz="4000" dirty="0">
                 <a:latin typeface="+mn-lt"/>
               </a:rPr>
-              <a:t>Vediamo alcuni valori della matrice </a:t>
-            </a:r>
-            <a:r>
-              <a:rPr lang="it-IT" sz="4000" dirty="0" smtClean="0">
-                <a:latin typeface="+mn-lt"/>
-              </a:rPr>
-              <a:t>X e </a:t>
-            </a:r>
-            <a:r>
-              <a:rPr lang="it-IT" sz="4000" smtClean="0">
+              <a:t>Vediamo alcuni valori della matrice X e </a:t>
+            </a:r>
+            <a:r>
+              <a:rPr lang="it-IT" sz="4000">
                 <a:latin typeface="+mn-lt"/>
               </a:rPr>
               <a:t>del vettore k</a:t>
@@ -14408,7 +14016,7 @@
               <a:buFont typeface="Arial" charset="0"/>
               <a:buChar char="•"/>
             </a:pPr>
-            <a:endParaRPr lang="it-IT" b="1" dirty="0" smtClean="0"/>
+            <a:endParaRPr lang="it-IT" b="1" dirty="0"/>
           </a:p>
           <a:p>
             <a:endParaRPr lang="it-IT" dirty="0"/>
@@ -14494,13 +14102,6 @@
   <p:clrMapOvr>
     <a:masterClrMapping/>
   </p:clrMapOvr>
-  <p:timing>
-    <p:tnLst>
-      <p:par>
-        <p:cTn id="1" dur="indefinite" restart="never" nodeType="tmRoot"/>
-      </p:par>
-    </p:tnLst>
-  </p:timing>
 </p:sld>
 </file>
 
@@ -14592,20 +14193,8 @@
           <a:p>
             <a:pPr algn="ctr"/>
             <a:r>
-              <a:rPr lang="it-IT" sz="1100" i="1" dirty="0" smtClean="0"/>
-              <a:t>ERIK HOLLER  </a:t>
-            </a:r>
-            <a:r>
               <a:rPr lang="it-IT" sz="1100" i="1" dirty="0"/>
-              <a:t>- </a:t>
-            </a:r>
-            <a:r>
-              <a:rPr lang="it-IT" sz="1100" i="1" dirty="0" smtClean="0"/>
-              <a:t>ELIA SCARPARO- </a:t>
-            </a:r>
-            <a:r>
-              <a:rPr lang="it-IT" sz="1100" i="1" dirty="0"/>
-              <a:t>STEFANO ZAMPIERO</a:t>
+              <a:t>ERIK HOLLER  - ELIA SCARPARO- STEFANO ZAMPIERO</a:t>
             </a:r>
           </a:p>
         </p:txBody>
@@ -14633,18 +14222,9 @@
           <a:lstStyle/>
           <a:p>
             <a:r>
-              <a:rPr lang="it-IT" sz="1400" i="1" dirty="0" smtClean="0"/>
-              <a:t>LABORATORIO DI SIMULAZIONI FINANZIARIE A.A</a:t>
-            </a:r>
-            <a:r>
               <a:rPr lang="it-IT" sz="1400" i="1" dirty="0"/>
-              <a:t>. </a:t>
-            </a:r>
-            <a:r>
-              <a:rPr lang="it-IT" sz="1400" i="1" dirty="0" smtClean="0"/>
-              <a:t>2017-2018</a:t>
-            </a:r>
-            <a:endParaRPr lang="it-IT" sz="1400" i="1" dirty="0"/>
+              <a:t>LABORATORIO DI SIMULAZIONI FINANZIARIE A.A. 2017-2018</a:t>
+            </a:r>
           </a:p>
         </p:txBody>
       </p:sp>
@@ -14690,7 +14270,7 @@
           </a:lstStyle>
           <a:p>
             <a:r>
-              <a:rPr lang="it-IT" sz="4000" dirty="0" smtClean="0">
+              <a:rPr lang="it-IT" sz="4000" dirty="0">
                 <a:latin typeface="+mn-lt"/>
               </a:rPr>
               <a:t>Vediamo alcuni valori della matrice L </a:t>
@@ -14744,13 +14324,6 @@
   <p:clrMapOvr>
     <a:masterClrMapping/>
   </p:clrMapOvr>
-  <p:timing>
-    <p:tnLst>
-      <p:par>
-        <p:cTn id="1" dur="indefinite" restart="never" nodeType="tmRoot"/>
-      </p:par>
-    </p:tnLst>
-  </p:timing>
 </p:sld>
 </file>
 
@@ -15036,11 +14609,7 @@
             </a:r>
             <a:r>
               <a:rPr lang="it-IT" dirty="0"/>
-              <a:t> (</a:t>
-            </a:r>
-            <a:r>
-              <a:rPr lang="it-IT" dirty="0" smtClean="0"/>
-              <a:t>LDA)</a:t>
+              <a:t> (LDA)</a:t>
             </a:r>
           </a:p>
           <a:p>
@@ -15129,7 +14698,7 @@
               <a:t>risk</a:t>
             </a:r>
             <a:r>
-              <a:rPr lang="it-IT" b="1" dirty="0" smtClean="0">
+              <a:rPr lang="it-IT" b="1" dirty="0">
                 <a:solidFill>
                   <a:srgbClr val="00B050"/>
                 </a:solidFill>
@@ -15147,10 +14716,10 @@
               <a:t>Applicazioni: modellizzazione della perdita e simulazione monte </a:t>
             </a:r>
             <a:r>
-              <a:rPr lang="it-IT" dirty="0" err="1" smtClean="0"/>
+              <a:rPr lang="it-IT" dirty="0" err="1"/>
               <a:t>carlo</a:t>
             </a:r>
-            <a:endParaRPr lang="it-IT" dirty="0" smtClean="0"/>
+            <a:endParaRPr lang="it-IT" dirty="0"/>
           </a:p>
           <a:p>
             <a:pPr marL="514350" indent="-514350" algn="l">
@@ -15158,12 +14727,18 @@
               <a:buAutoNum type="arabicPeriod"/>
             </a:pPr>
             <a:r>
-              <a:rPr lang="it-IT" dirty="0" smtClean="0"/>
-              <a:t>Vantaggi </a:t>
-            </a:r>
-            <a:r>
               <a:rPr lang="it-IT" dirty="0"/>
-              <a:t>e limiti del </a:t>
+              <a:t>Confronto fra distribuzioni</a:t>
+            </a:r>
+          </a:p>
+          <a:p>
+            <a:pPr marL="514350" indent="-514350" algn="l">
+              <a:buFont typeface="+mj-lt"/>
+              <a:buAutoNum type="arabicPeriod"/>
+            </a:pPr>
+            <a:r>
+              <a:rPr lang="it-IT" dirty="0"/>
+              <a:t>Vantaggi e limiti del </a:t>
             </a:r>
             <a:r>
               <a:rPr lang="it-IT" dirty="0" err="1"/>
@@ -15212,20 +14787,8 @@
           <a:p>
             <a:pPr algn="ctr"/>
             <a:r>
-              <a:rPr lang="it-IT" sz="1100" i="1" dirty="0" smtClean="0"/>
-              <a:t>ERIK HOLLER  </a:t>
-            </a:r>
-            <a:r>
               <a:rPr lang="it-IT" sz="1100" i="1" dirty="0"/>
-              <a:t>- </a:t>
-            </a:r>
-            <a:r>
-              <a:rPr lang="it-IT" sz="1100" i="1" dirty="0" smtClean="0"/>
-              <a:t>ELIA SCARPARO- </a:t>
-            </a:r>
-            <a:r>
-              <a:rPr lang="it-IT" sz="1100" i="1" dirty="0"/>
-              <a:t>STEFANO ZAMPIERO</a:t>
+              <a:t>ERIK HOLLER  - ELIA SCARPARO- STEFANO ZAMPIERO</a:t>
             </a:r>
           </a:p>
         </p:txBody>
@@ -15253,18 +14816,9 @@
           <a:lstStyle/>
           <a:p>
             <a:r>
-              <a:rPr lang="it-IT" sz="1400" i="1" dirty="0" smtClean="0"/>
-              <a:t>LABORATORIO DI SIMULAZIONI FINANZIARIE A.A</a:t>
-            </a:r>
-            <a:r>
               <a:rPr lang="it-IT" sz="1400" i="1" dirty="0"/>
-              <a:t>. </a:t>
-            </a:r>
-            <a:r>
-              <a:rPr lang="it-IT" sz="1400" i="1" dirty="0" smtClean="0"/>
-              <a:t>2017-2018</a:t>
-            </a:r>
-            <a:endParaRPr lang="it-IT" sz="1400" i="1" dirty="0"/>
+              <a:t>LABORATORIO DI SIMULAZIONI FINANZIARIE A.A. 2017-2018</a:t>
+            </a:r>
           </a:p>
         </p:txBody>
       </p:sp>
@@ -15278,13 +14832,6 @@
   <p:clrMapOvr>
     <a:masterClrMapping/>
   </p:clrMapOvr>
-  <p:timing>
-    <p:tnLst>
-      <p:par>
-        <p:cTn id="1" dur="indefinite" restart="never" nodeType="tmRoot"/>
-      </p:par>
-    </p:tnLst>
-  </p:timing>
 </p:sld>
 </file>
 
@@ -15376,20 +14923,8 @@
           <a:p>
             <a:pPr algn="ctr"/>
             <a:r>
-              <a:rPr lang="it-IT" sz="1100" i="1" dirty="0" smtClean="0"/>
-              <a:t>ERIK HOLLER  </a:t>
-            </a:r>
-            <a:r>
               <a:rPr lang="it-IT" sz="1100" i="1" dirty="0"/>
-              <a:t>- </a:t>
-            </a:r>
-            <a:r>
-              <a:rPr lang="it-IT" sz="1100" i="1" dirty="0" smtClean="0"/>
-              <a:t>ELIA SCARPARO- </a:t>
-            </a:r>
-            <a:r>
-              <a:rPr lang="it-IT" sz="1100" i="1" dirty="0"/>
-              <a:t>STEFANO ZAMPIERO</a:t>
+              <a:t>ERIK HOLLER  - ELIA SCARPARO- STEFANO ZAMPIERO</a:t>
             </a:r>
           </a:p>
         </p:txBody>
@@ -15417,18 +14952,9 @@
           <a:lstStyle/>
           <a:p>
             <a:r>
-              <a:rPr lang="it-IT" sz="1400" i="1" dirty="0" smtClean="0"/>
-              <a:t>LABORATORIO DI SIMULAZIONI FINANZIARIE A.A</a:t>
-            </a:r>
-            <a:r>
               <a:rPr lang="it-IT" sz="1400" i="1" dirty="0"/>
-              <a:t>. </a:t>
-            </a:r>
-            <a:r>
-              <a:rPr lang="it-IT" sz="1400" i="1" dirty="0" smtClean="0"/>
-              <a:t>2017-2018</a:t>
-            </a:r>
-            <a:endParaRPr lang="it-IT" sz="1400" i="1" dirty="0"/>
+              <a:t>LABORATORIO DI SIMULAZIONI FINANZIARIE A.A. 2017-2018</a:t>
+            </a:r>
           </a:p>
         </p:txBody>
       </p:sp>
@@ -15437,7 +14963,7 @@
           <p:cNvPr id="6" name="Segnaposto contenuto 2">
             <a:extLst>
               <a:ext uri="{FF2B5EF4-FFF2-40B4-BE49-F238E27FC236}">
-                <a16:creationId xmlns="" xmlns:a16="http://schemas.microsoft.com/office/drawing/2014/main" id="{3E1B8146-377A-4E32-B838-476B02B1AB2C}"/>
+                <a16:creationId xmlns:a16="http://schemas.microsoft.com/office/drawing/2014/main" id="{3E1B8146-377A-4E32-B838-476B02B1AB2C}"/>
               </a:ext>
             </a:extLst>
           </p:cNvPr>
@@ -15625,7 +15151,7 @@
           </a:lstStyle>
           <a:p>
             <a:r>
-              <a:rPr lang="it-IT" sz="2600" dirty="0" smtClean="0">
+              <a:rPr lang="it-IT" sz="2600" dirty="0">
                 <a:cs typeface="Times New Roman" panose="02020603050405020304" pitchFamily="18" charset="0"/>
               </a:rPr>
               <a:t>Misura di rischio che sintetizza il rischio di perdite operative e cioè l’incertezza della variabile casuale L;</a:t>
@@ -15633,7 +15159,7 @@
           </a:p>
           <a:p>
             <a:r>
-              <a:rPr lang="it-IT" sz="2600" dirty="0" smtClean="0">
+              <a:rPr lang="it-IT" sz="2600" dirty="0">
                 <a:cs typeface="Times New Roman" panose="02020603050405020304" pitchFamily="18" charset="0"/>
               </a:rPr>
               <a:t> </a:t>
@@ -15641,26 +15167,23 @@
           </a:p>
           <a:p>
             <a:r>
-              <a:rPr lang="it-IT" sz="2600" dirty="0" smtClean="0">
+              <a:rPr lang="it-IT" sz="2600" dirty="0">
                 <a:cs typeface="Times New Roman" panose="02020603050405020304" pitchFamily="18" charset="0"/>
               </a:rPr>
               <a:t>Il VAR si definisce come la massima perdita in un certo intervallo di tempo [</a:t>
             </a:r>
             <a:r>
-              <a:rPr lang="it-IT" sz="2600" dirty="0" err="1" smtClean="0">
+              <a:rPr lang="it-IT" sz="2600" dirty="0" err="1">
                 <a:cs typeface="Times New Roman" panose="02020603050405020304" pitchFamily="18" charset="0"/>
               </a:rPr>
               <a:t>t,T</a:t>
             </a:r>
             <a:r>
-              <a:rPr lang="it-IT" sz="2600" dirty="0" smtClean="0">
+              <a:rPr lang="it-IT" sz="2600" dirty="0">
                 <a:cs typeface="Times New Roman" panose="02020603050405020304" pitchFamily="18" charset="0"/>
               </a:rPr>
               <a:t>] con un dato livello di confidenza (1-α). </a:t>
             </a:r>
-            <a:endParaRPr lang="it-IT" sz="2600" dirty="0">
-              <a:cs typeface="Times New Roman" panose="02020603050405020304" pitchFamily="18" charset="0"/>
-            </a:endParaRPr>
           </a:p>
         </p:txBody>
       </p:sp>
@@ -15688,30 +15211,29 @@
           <a:p>
             <a:pPr algn="ctr"/>
             <a:r>
-              <a:rPr lang="it-IT" dirty="0" smtClean="0"/>
+              <a:rPr lang="it-IT" dirty="0"/>
               <a:t> </a:t>
             </a:r>
             <a:r>
-              <a:rPr lang="it-IT" sz="4000" dirty="0" smtClean="0"/>
+              <a:rPr lang="it-IT" sz="4000" dirty="0"/>
               <a:t>Value </a:t>
             </a:r>
             <a:r>
-              <a:rPr lang="it-IT" sz="4000" dirty="0" err="1" smtClean="0"/>
+              <a:rPr lang="it-IT" sz="4000" dirty="0" err="1"/>
               <a:t>at</a:t>
             </a:r>
             <a:r>
-              <a:rPr lang="it-IT" sz="4000" dirty="0" smtClean="0"/>
+              <a:rPr lang="it-IT" sz="4000" dirty="0"/>
               <a:t> </a:t>
             </a:r>
             <a:r>
-              <a:rPr lang="it-IT" sz="4000" dirty="0" err="1" smtClean="0"/>
+              <a:rPr lang="it-IT" sz="4000" dirty="0" err="1"/>
               <a:t>Risk</a:t>
             </a:r>
             <a:r>
-              <a:rPr lang="it-IT" sz="4000" dirty="0" smtClean="0"/>
+              <a:rPr lang="it-IT" sz="4000" dirty="0"/>
               <a:t> </a:t>
             </a:r>
-            <a:endParaRPr lang="it-IT" sz="4000" dirty="0"/>
           </a:p>
         </p:txBody>
       </p:sp>
@@ -15725,13 +15247,6 @@
   <p:clrMapOvr>
     <a:masterClrMapping/>
   </p:clrMapOvr>
-  <p:timing>
-    <p:tnLst>
-      <p:par>
-        <p:cTn id="1" dur="indefinite" restart="never" nodeType="tmRoot"/>
-      </p:par>
-    </p:tnLst>
-  </p:timing>
 </p:sld>
 </file>
 
@@ -15823,20 +15338,8 @@
           <a:p>
             <a:pPr algn="ctr"/>
             <a:r>
-              <a:rPr lang="it-IT" sz="1100" i="1" dirty="0" smtClean="0"/>
-              <a:t>ERIK HOLLER  </a:t>
-            </a:r>
-            <a:r>
               <a:rPr lang="it-IT" sz="1100" i="1" dirty="0"/>
-              <a:t>- </a:t>
-            </a:r>
-            <a:r>
-              <a:rPr lang="it-IT" sz="1100" i="1" dirty="0" smtClean="0"/>
-              <a:t>ELIA SCARPARO- </a:t>
-            </a:r>
-            <a:r>
-              <a:rPr lang="it-IT" sz="1100" i="1" dirty="0"/>
-              <a:t>STEFANO ZAMPIERO</a:t>
+              <a:t>ERIK HOLLER  - ELIA SCARPARO- STEFANO ZAMPIERO</a:t>
             </a:r>
           </a:p>
         </p:txBody>
@@ -15864,18 +15367,9 @@
           <a:lstStyle/>
           <a:p>
             <a:r>
-              <a:rPr lang="it-IT" sz="1400" i="1" dirty="0" smtClean="0"/>
-              <a:t>LABORATORIO DI SIMULAZIONI FINANZIARIE A.A</a:t>
-            </a:r>
-            <a:r>
               <a:rPr lang="it-IT" sz="1400" i="1" dirty="0"/>
-              <a:t>. </a:t>
-            </a:r>
-            <a:r>
-              <a:rPr lang="it-IT" sz="1400" i="1" dirty="0" smtClean="0"/>
-              <a:t>2017-2018</a:t>
-            </a:r>
-            <a:endParaRPr lang="it-IT" sz="1400" i="1" dirty="0"/>
+              <a:t>LABORATORIO DI SIMULAZIONI FINANZIARIE A.A. 2017-2018</a:t>
+            </a:r>
           </a:p>
         </p:txBody>
       </p:sp>
@@ -15903,30 +15397,29 @@
           <a:p>
             <a:pPr algn="ctr"/>
             <a:r>
-              <a:rPr lang="it-IT" dirty="0" smtClean="0"/>
+              <a:rPr lang="it-IT" dirty="0"/>
               <a:t> </a:t>
             </a:r>
             <a:r>
-              <a:rPr lang="it-IT" sz="4000" dirty="0" smtClean="0"/>
+              <a:rPr lang="it-IT" sz="4000" dirty="0"/>
               <a:t>Capital </a:t>
             </a:r>
             <a:r>
-              <a:rPr lang="it-IT" sz="4000" dirty="0" err="1" smtClean="0"/>
+              <a:rPr lang="it-IT" sz="4000" dirty="0" err="1"/>
               <a:t>at</a:t>
             </a:r>
             <a:r>
-              <a:rPr lang="it-IT" sz="4000" dirty="0" smtClean="0"/>
+              <a:rPr lang="it-IT" sz="4000" dirty="0"/>
               <a:t> </a:t>
             </a:r>
             <a:r>
-              <a:rPr lang="it-IT" sz="4000" dirty="0" err="1" smtClean="0"/>
+              <a:rPr lang="it-IT" sz="4000" dirty="0" err="1"/>
               <a:t>Risk</a:t>
             </a:r>
             <a:r>
-              <a:rPr lang="it-IT" sz="4000" dirty="0" smtClean="0"/>
+              <a:rPr lang="it-IT" sz="4000" dirty="0"/>
               <a:t> </a:t>
             </a:r>
-            <a:endParaRPr lang="it-IT" sz="4000" dirty="0"/>
           </a:p>
         </p:txBody>
       </p:sp>
@@ -15935,7 +15428,7 @@
           <p:cNvPr id="10" name="Segnaposto contenuto 2">
             <a:extLst>
               <a:ext uri="{FF2B5EF4-FFF2-40B4-BE49-F238E27FC236}">
-                <a16:creationId xmlns="" xmlns:a16="http://schemas.microsoft.com/office/drawing/2014/main" id="{3E1B8146-377A-4E32-B838-476B02B1AB2C}"/>
+                <a16:creationId xmlns:a16="http://schemas.microsoft.com/office/drawing/2014/main" id="{3E1B8146-377A-4E32-B838-476B02B1AB2C}"/>
               </a:ext>
             </a:extLst>
           </p:cNvPr>
@@ -16127,7 +15620,7 @@
               <a:buChar char="•"/>
             </a:pPr>
             <a:r>
-              <a:rPr lang="it-IT" sz="2600" dirty="0" smtClean="0">
+              <a:rPr lang="it-IT" sz="2600" dirty="0">
                 <a:cs typeface="Times New Roman" panose="02020603050405020304" pitchFamily="18" charset="0"/>
               </a:rPr>
               <a:t>Capitale necessario a coprire una perdita potenziale entro un determinato livello di confidenza ed entro un determinato orizzonte di tempo. </a:t>
@@ -16138,7 +15631,7 @@
               <a:buFont typeface="Arial" charset="0"/>
               <a:buChar char="•"/>
             </a:pPr>
-            <a:endParaRPr lang="it-IT" sz="2600" dirty="0" smtClean="0">
+            <a:endParaRPr lang="it-IT" sz="2600" dirty="0">
               <a:cs typeface="Times New Roman" panose="02020603050405020304" pitchFamily="18" charset="0"/>
             </a:endParaRPr>
           </a:p>
@@ -16148,7 +15641,7 @@
               <a:buChar char="•"/>
             </a:pPr>
             <a:r>
-              <a:rPr lang="it-IT" sz="2600" dirty="0" smtClean="0">
+              <a:rPr lang="it-IT" sz="2600" dirty="0">
                 <a:cs typeface="Times New Roman" panose="02020603050405020304" pitchFamily="18" charset="0"/>
               </a:rPr>
               <a:t>Il Capitale economico permette di allocare alle diverse linee di business della banca la giusta quantità di capitale per valutarne poi la reddittività. </a:t>
@@ -16159,7 +15652,7 @@
               <a:buFont typeface="Arial" charset="0"/>
               <a:buChar char="•"/>
             </a:pPr>
-            <a:endParaRPr lang="it-IT" sz="2600" dirty="0" smtClean="0">
+            <a:endParaRPr lang="it-IT" sz="2600" dirty="0">
               <a:cs typeface="Times New Roman" panose="02020603050405020304" pitchFamily="18" charset="0"/>
             </a:endParaRPr>
           </a:p>
@@ -16169,14 +15662,11 @@
               <a:buChar char="•"/>
             </a:pPr>
             <a:r>
-              <a:rPr lang="it-IT" sz="2600" dirty="0" smtClean="0">
+              <a:rPr lang="it-IT" sz="2600" dirty="0">
                 <a:cs typeface="Times New Roman" panose="02020603050405020304" pitchFamily="18" charset="0"/>
               </a:rPr>
               <a:t>Il capitale economico è pari alla perdita inattesa e cioè alla differenza tra la perdita corrispondente ad un determinato livello di confidenza scelto dalla banca e alla perdita attesa.</a:t>
             </a:r>
-            <a:endParaRPr lang="it-IT" sz="2600" dirty="0">
-              <a:cs typeface="Times New Roman" panose="02020603050405020304" pitchFamily="18" charset="0"/>
-            </a:endParaRPr>
           </a:p>
         </p:txBody>
       </p:sp>
@@ -16190,13 +15680,6 @@
   <p:clrMapOvr>
     <a:masterClrMapping/>
   </p:clrMapOvr>
-  <p:timing>
-    <p:tnLst>
-      <p:par>
-        <p:cTn id="1" dur="indefinite" restart="never" nodeType="tmRoot"/>
-      </p:par>
-    </p:tnLst>
-  </p:timing>
 </p:sld>
 </file>
 
@@ -16429,23 +15912,19 @@
               <a:t> e </a:t>
             </a:r>
             <a:r>
-              <a:rPr lang="it-IT" sz="2600" dirty="0" err="1" smtClean="0">
+              <a:rPr lang="it-IT" sz="2600" dirty="0" err="1">
                 <a:latin typeface="Times New Roman" panose="02020603050405020304" pitchFamily="18" charset="0"/>
                 <a:cs typeface="Times New Roman" panose="02020603050405020304" pitchFamily="18" charset="0"/>
               </a:rPr>
               <a:t>frequency</a:t>
             </a:r>
             <a:r>
-              <a:rPr lang="it-IT" sz="2600" dirty="0" smtClean="0">
+              <a:rPr lang="it-IT" sz="2600" dirty="0">
                 <a:latin typeface="Times New Roman" panose="02020603050405020304" pitchFamily="18" charset="0"/>
                 <a:cs typeface="Times New Roman" panose="02020603050405020304" pitchFamily="18" charset="0"/>
               </a:rPr>
               <a:t> ;</a:t>
             </a:r>
-            <a:endParaRPr lang="it-IT" sz="2600" dirty="0">
-              <a:latin typeface="Times New Roman" panose="02020603050405020304" pitchFamily="18" charset="0"/>
-              <a:cs typeface="Times New Roman" panose="02020603050405020304" pitchFamily="18" charset="0"/>
-            </a:endParaRPr>
           </a:p>
           <a:p>
             <a:pPr marL="514350" indent="-514350" algn="l">
@@ -16620,14 +16099,7 @@
                 <a:latin typeface="Times New Roman" panose="02020603050405020304" pitchFamily="18" charset="0"/>
                 <a:cs typeface="Times New Roman" panose="02020603050405020304" pitchFamily="18" charset="0"/>
               </a:rPr>
-              <a:t> come percentile al livello </a:t>
-            </a:r>
-            <a:r>
-              <a:rPr lang="it-IT" sz="2600" dirty="0" smtClean="0">
-                <a:latin typeface="Times New Roman" panose="02020603050405020304" pitchFamily="18" charset="0"/>
-                <a:cs typeface="Times New Roman" panose="02020603050405020304" pitchFamily="18" charset="0"/>
-              </a:rPr>
-              <a:t>desiderato</a:t>
+              <a:t> come percentile al livello desiderato</a:t>
             </a:r>
             <a:endParaRPr lang="it-IT" sz="3000" dirty="0">
               <a:latin typeface="Times New Roman" panose="02020603050405020304" pitchFamily="18" charset="0"/>
@@ -16667,20 +16139,8 @@
           <a:p>
             <a:pPr algn="ctr"/>
             <a:r>
-              <a:rPr lang="it-IT" sz="1100" i="1" dirty="0" smtClean="0"/>
-              <a:t>ERIK HOLLER  </a:t>
-            </a:r>
-            <a:r>
               <a:rPr lang="it-IT" sz="1100" i="1" dirty="0"/>
-              <a:t>- </a:t>
-            </a:r>
-            <a:r>
-              <a:rPr lang="it-IT" sz="1100" i="1" dirty="0" smtClean="0"/>
-              <a:t>ELIA SCARPARO- </a:t>
-            </a:r>
-            <a:r>
-              <a:rPr lang="it-IT" sz="1100" i="1" dirty="0"/>
-              <a:t>STEFANO ZAMPIERO</a:t>
+              <a:t>ERIK HOLLER  - ELIA SCARPARO- STEFANO ZAMPIERO</a:t>
             </a:r>
           </a:p>
         </p:txBody>
@@ -16708,18 +16168,9 @@
           <a:lstStyle/>
           <a:p>
             <a:r>
-              <a:rPr lang="it-IT" sz="1400" i="1" dirty="0" smtClean="0"/>
-              <a:t>LABORATORIO DI SIMULAZIONI FINANZIARIE A.A</a:t>
-            </a:r>
-            <a:r>
               <a:rPr lang="it-IT" sz="1400" i="1" dirty="0"/>
-              <a:t>. </a:t>
-            </a:r>
-            <a:r>
-              <a:rPr lang="it-IT" sz="1400" i="1" dirty="0" smtClean="0"/>
-              <a:t>2017-2018</a:t>
-            </a:r>
-            <a:endParaRPr lang="it-IT" sz="1400" i="1" dirty="0"/>
+              <a:t>LABORATORIO DI SIMULAZIONI FINANZIARIE A.A. 2017-2018</a:t>
+            </a:r>
           </a:p>
         </p:txBody>
       </p:sp>
@@ -16728,7 +16179,7 @@
           <p:cNvPr id="10" name="Titolo 1">
             <a:extLst>
               <a:ext uri="{FF2B5EF4-FFF2-40B4-BE49-F238E27FC236}">
-                <a16:creationId xmlns="" xmlns:a16="http://schemas.microsoft.com/office/drawing/2014/main" id="{667D2EFC-04B2-4A15-B3B1-B8C3D6F915C3}"/>
+                <a16:creationId xmlns:a16="http://schemas.microsoft.com/office/drawing/2014/main" id="{667D2EFC-04B2-4A15-B3B1-B8C3D6F915C3}"/>
               </a:ext>
             </a:extLst>
           </p:cNvPr>
@@ -16775,26 +16226,15 @@
                 <a:latin typeface="+mn-lt"/>
                 <a:cs typeface="Times New Roman" panose="02020603050405020304" pitchFamily="18" charset="0"/>
               </a:rPr>
-              <a:t>M</a:t>
-            </a:r>
-            <a:r>
-              <a:rPr lang="it-IT" sz="3600" dirty="0" smtClean="0">
-                <a:latin typeface="+mn-lt"/>
-                <a:cs typeface="Times New Roman" panose="02020603050405020304" pitchFamily="18" charset="0"/>
-              </a:rPr>
-              <a:t>odellizzazione della perdita e simulazione </a:t>
-            </a:r>
-            <a:r>
-              <a:rPr lang="it-IT" sz="3600" b="1" dirty="0" smtClean="0">
+              <a:t>Modellizzazione della perdita e simulazione </a:t>
+            </a:r>
+            <a:r>
+              <a:rPr lang="it-IT" sz="3600" b="1" dirty="0">
                 <a:latin typeface="+mn-lt"/>
                 <a:cs typeface="Times New Roman" panose="02020603050405020304" pitchFamily="18" charset="0"/>
               </a:rPr>
               <a:t>Monte Carlo</a:t>
             </a:r>
-            <a:endParaRPr lang="it-IT" sz="3600" b="1" dirty="0">
-              <a:latin typeface="+mn-lt"/>
-              <a:cs typeface="Times New Roman" panose="02020603050405020304" pitchFamily="18" charset="0"/>
-            </a:endParaRPr>
           </a:p>
         </p:txBody>
       </p:sp>
@@ -16808,13 +16248,6 @@
   <p:clrMapOvr>
     <a:masterClrMapping/>
   </p:clrMapOvr>
-  <p:timing>
-    <p:tnLst>
-      <p:par>
-        <p:cTn id="1" dur="indefinite" restart="never" nodeType="tmRoot"/>
-      </p:par>
-    </p:tnLst>
-  </p:timing>
 </p:sld>
 </file>
 
@@ -16877,14 +16310,11 @@
           </a:lstStyle>
           <a:p>
             <a:r>
-              <a:rPr lang="it-IT" sz="4000" dirty="0" smtClean="0">
+              <a:rPr lang="it-IT" sz="4000" dirty="0">
                 <a:latin typeface="+mn-lt"/>
               </a:rPr>
               <a:t>Indice</a:t>
             </a:r>
-            <a:endParaRPr lang="it-IT" sz="4000" dirty="0">
-              <a:latin typeface="+mn-lt"/>
-            </a:endParaRPr>
           </a:p>
         </p:txBody>
       </p:sp>
@@ -17079,7 +16509,7 @@
               <a:buAutoNum type="arabicPeriod"/>
             </a:pPr>
             <a:r>
-              <a:rPr lang="it-IT" dirty="0" smtClean="0"/>
+              <a:rPr lang="it-IT" dirty="0"/>
               <a:t>Il rischio operativo a livello attuariale </a:t>
             </a:r>
           </a:p>
@@ -17106,11 +16536,7 @@
             </a:r>
             <a:r>
               <a:rPr lang="it-IT" dirty="0"/>
-              <a:t> (LDA</a:t>
-            </a:r>
-            <a:r>
-              <a:rPr lang="it-IT" dirty="0" smtClean="0"/>
-              <a:t>)</a:t>
+              <a:t> (LDA)</a:t>
             </a:r>
           </a:p>
           <a:p>
@@ -17159,10 +16585,9 @@
               <a:t>risk</a:t>
             </a:r>
             <a:r>
-              <a:rPr lang="it-IT" dirty="0" smtClean="0"/>
+              <a:rPr lang="it-IT" dirty="0"/>
               <a:t>)</a:t>
             </a:r>
-            <a:endParaRPr lang="it-IT" dirty="0"/>
           </a:p>
           <a:p>
             <a:pPr marL="514350" indent="-514350" algn="l">
@@ -17185,12 +16610,18 @@
               <a:buAutoNum type="arabicPeriod"/>
             </a:pPr>
             <a:r>
-              <a:rPr lang="it-IT" dirty="0" smtClean="0"/>
-              <a:t>Vantaggi </a:t>
-            </a:r>
-            <a:r>
               <a:rPr lang="it-IT" dirty="0"/>
-              <a:t>e limiti del </a:t>
+              <a:t>Confronto fra distribuzioni</a:t>
+            </a:r>
+          </a:p>
+          <a:p>
+            <a:pPr marL="514350" indent="-514350" algn="l">
+              <a:buFont typeface="+mj-lt"/>
+              <a:buAutoNum type="arabicPeriod"/>
+            </a:pPr>
+            <a:r>
+              <a:rPr lang="it-IT" dirty="0"/>
+              <a:t>Vantaggi e limiti del </a:t>
             </a:r>
             <a:r>
               <a:rPr lang="it-IT" dirty="0" err="1"/>
@@ -17238,20 +16669,8 @@
           <a:p>
             <a:pPr algn="ctr"/>
             <a:r>
-              <a:rPr lang="it-IT" sz="1100" i="1" dirty="0" smtClean="0"/>
-              <a:t>ERIK HOLLER  </a:t>
-            </a:r>
-            <a:r>
               <a:rPr lang="it-IT" sz="1100" i="1" dirty="0"/>
-              <a:t>- </a:t>
-            </a:r>
-            <a:r>
-              <a:rPr lang="it-IT" sz="1100" i="1" dirty="0" smtClean="0"/>
-              <a:t>ELIA SCARPARO- </a:t>
-            </a:r>
-            <a:r>
-              <a:rPr lang="it-IT" sz="1100" i="1" dirty="0"/>
-              <a:t>STEFANO ZAMPIERO</a:t>
+              <a:t>ERIK HOLLER  - ELIA SCARPARO- STEFANO ZAMPIERO</a:t>
             </a:r>
           </a:p>
         </p:txBody>
@@ -17279,18 +16698,9 @@
           <a:lstStyle/>
           <a:p>
             <a:r>
-              <a:rPr lang="it-IT" sz="1400" i="1" dirty="0" smtClean="0"/>
-              <a:t>LABORATORIO DI SIMULAZIONI FINANZIARIE A.A</a:t>
-            </a:r>
-            <a:r>
               <a:rPr lang="it-IT" sz="1400" i="1" dirty="0"/>
-              <a:t>. </a:t>
-            </a:r>
-            <a:r>
-              <a:rPr lang="it-IT" sz="1400" i="1" dirty="0" smtClean="0"/>
-              <a:t>2017-2018</a:t>
-            </a:r>
-            <a:endParaRPr lang="it-IT" sz="1400" i="1" dirty="0"/>
+              <a:t>LABORATORIO DI SIMULAZIONI FINANZIARIE A.A. 2017-2018</a:t>
+            </a:r>
           </a:p>
         </p:txBody>
       </p:sp>
@@ -17304,13 +16714,6 @@
   <p:clrMapOvr>
     <a:masterClrMapping/>
   </p:clrMapOvr>
-  <p:timing>
-    <p:tnLst>
-      <p:par>
-        <p:cTn id="1" dur="indefinite" restart="never" nodeType="tmRoot"/>
-      </p:par>
-    </p:tnLst>
-  </p:timing>
 </p:sld>
 </file>
 
@@ -17402,20 +16805,8 @@
           <a:p>
             <a:pPr algn="ctr"/>
             <a:r>
-              <a:rPr lang="it-IT" sz="1100" i="1" dirty="0" smtClean="0"/>
-              <a:t>ERIK HOLLER  </a:t>
-            </a:r>
-            <a:r>
               <a:rPr lang="it-IT" sz="1100" i="1" dirty="0"/>
-              <a:t>- </a:t>
-            </a:r>
-            <a:r>
-              <a:rPr lang="it-IT" sz="1100" i="1" dirty="0" smtClean="0"/>
-              <a:t>ELIA SCARPARO- </a:t>
-            </a:r>
-            <a:r>
-              <a:rPr lang="it-IT" sz="1100" i="1" dirty="0"/>
-              <a:t>STEFANO ZAMPIERO</a:t>
+              <a:t>ERIK HOLLER  - ELIA SCARPARO- STEFANO ZAMPIERO</a:t>
             </a:r>
           </a:p>
         </p:txBody>
@@ -17443,18 +16834,9 @@
           <a:lstStyle/>
           <a:p>
             <a:r>
-              <a:rPr lang="it-IT" sz="1400" i="1" dirty="0" smtClean="0"/>
-              <a:t>LABORATORIO DI SIMULAZIONI FINANZIARIE A.A</a:t>
-            </a:r>
-            <a:r>
               <a:rPr lang="it-IT" sz="1400" i="1" dirty="0"/>
-              <a:t>. </a:t>
-            </a:r>
-            <a:r>
-              <a:rPr lang="it-IT" sz="1400" i="1" dirty="0" smtClean="0"/>
-              <a:t>2017-2018</a:t>
-            </a:r>
-            <a:endParaRPr lang="it-IT" sz="1400" i="1" dirty="0"/>
+              <a:t>LABORATORIO DI SIMULAZIONI FINANZIARIE A.A. 2017-2018</a:t>
+            </a:r>
           </a:p>
         </p:txBody>
       </p:sp>
@@ -17463,7 +16845,7 @@
           <p:cNvPr id="6" name="Segnaposto contenuto 2">
             <a:extLst>
               <a:ext uri="{FF2B5EF4-FFF2-40B4-BE49-F238E27FC236}">
-                <a16:creationId xmlns="" xmlns:a16="http://schemas.microsoft.com/office/drawing/2014/main" id="{3E1B8146-377A-4E32-B838-476B02B1AB2C}"/>
+                <a16:creationId xmlns:a16="http://schemas.microsoft.com/office/drawing/2014/main" id="{3E1B8146-377A-4E32-B838-476B02B1AB2C}"/>
               </a:ext>
             </a:extLst>
           </p:cNvPr>
@@ -17652,7 +17034,7 @@
           <a:p>
             <a:pPr algn="l"/>
             <a:r>
-              <a:rPr lang="it-IT" sz="2600" dirty="0" smtClean="0">
+              <a:rPr lang="it-IT" sz="2600" dirty="0">
                 <a:cs typeface="Times New Roman" panose="02020603050405020304" pitchFamily="18" charset="0"/>
               </a:rPr>
               <a:t>Per costruire la distribuzione aggregata è necessario partire dalle assunzioni che:</a:t>
@@ -17663,7 +17045,7 @@
               <a:buFont typeface="Arial" charset="0"/>
               <a:buChar char="•"/>
             </a:pPr>
-            <a:endParaRPr lang="it-IT" sz="2600" dirty="0" smtClean="0">
+            <a:endParaRPr lang="it-IT" sz="2600" dirty="0">
               <a:cs typeface="Times New Roman" panose="02020603050405020304" pitchFamily="18" charset="0"/>
             </a:endParaRPr>
           </a:p>
@@ -17673,7 +17055,7 @@
               <a:buChar char="•"/>
             </a:pPr>
             <a:r>
-              <a:rPr lang="it-IT" sz="2600" dirty="0" smtClean="0">
+              <a:rPr lang="it-IT" sz="2600" dirty="0">
                 <a:cs typeface="Times New Roman" panose="02020603050405020304" pitchFamily="18" charset="0"/>
               </a:rPr>
               <a:t>tutti gli eventi siano reciprocamente indipendenti;</a:t>
@@ -17685,7 +17067,7 @@
               <a:buChar char="•"/>
             </a:pPr>
             <a:r>
-              <a:rPr lang="it-IT" sz="2600" dirty="0" smtClean="0">
+              <a:rPr lang="it-IT" sz="2600" dirty="0">
                 <a:cs typeface="Times New Roman" panose="02020603050405020304" pitchFamily="18" charset="0"/>
               </a:rPr>
               <a:t>il costo di ogni “incidente” sia identicamente distribuito; </a:t>
@@ -17697,38 +17079,35 @@
               <a:buChar char="•"/>
             </a:pPr>
             <a:r>
-              <a:rPr lang="it-IT" sz="2600" dirty="0" smtClean="0">
+              <a:rPr lang="it-IT" sz="2600" dirty="0">
                 <a:cs typeface="Times New Roman" panose="02020603050405020304" pitchFamily="18" charset="0"/>
               </a:rPr>
               <a:t> la distribuzione di </a:t>
             </a:r>
             <a:r>
-              <a:rPr lang="it-IT" sz="2600" dirty="0" err="1" smtClean="0">
+              <a:rPr lang="it-IT" sz="2600" dirty="0" err="1">
                 <a:cs typeface="Times New Roman" panose="02020603050405020304" pitchFamily="18" charset="0"/>
               </a:rPr>
               <a:t>frequency</a:t>
             </a:r>
             <a:r>
-              <a:rPr lang="it-IT" sz="2600" dirty="0" smtClean="0">
+              <a:rPr lang="it-IT" sz="2600" dirty="0">
                 <a:cs typeface="Times New Roman" panose="02020603050405020304" pitchFamily="18" charset="0"/>
               </a:rPr>
               <a:t> e quella di </a:t>
             </a:r>
             <a:r>
-              <a:rPr lang="it-IT" sz="2600" dirty="0" err="1" smtClean="0">
+              <a:rPr lang="it-IT" sz="2600" dirty="0" err="1">
                 <a:cs typeface="Times New Roman" panose="02020603050405020304" pitchFamily="18" charset="0"/>
               </a:rPr>
               <a:t>severity</a:t>
             </a:r>
             <a:r>
-              <a:rPr lang="it-IT" sz="2600" dirty="0" smtClean="0">
+              <a:rPr lang="it-IT" sz="2600" dirty="0">
                 <a:cs typeface="Times New Roman" panose="02020603050405020304" pitchFamily="18" charset="0"/>
               </a:rPr>
               <a:t> siano indipendenti. </a:t>
             </a:r>
-            <a:endParaRPr lang="it-IT" sz="2600" dirty="0">
-              <a:cs typeface="Times New Roman" panose="02020603050405020304" pitchFamily="18" charset="0"/>
-            </a:endParaRPr>
           </a:p>
         </p:txBody>
       </p:sp>
@@ -17737,7 +17116,7 @@
           <p:cNvPr id="10" name="Titolo 1">
             <a:extLst>
               <a:ext uri="{FF2B5EF4-FFF2-40B4-BE49-F238E27FC236}">
-                <a16:creationId xmlns="" xmlns:a16="http://schemas.microsoft.com/office/drawing/2014/main" id="{679BE2B4-5311-41F8-91D1-B43FBD555747}"/>
+                <a16:creationId xmlns:a16="http://schemas.microsoft.com/office/drawing/2014/main" id="{679BE2B4-5311-41F8-91D1-B43FBD555747}"/>
               </a:ext>
             </a:extLst>
           </p:cNvPr>
@@ -17781,16 +17160,12 @@
           </a:lstStyle>
           <a:p>
             <a:r>
-              <a:rPr lang="it-IT" sz="4000" dirty="0" smtClean="0">
+              <a:rPr lang="it-IT" sz="4000" dirty="0">
                 <a:latin typeface="+mn-lt"/>
                 <a:cs typeface="Times New Roman" panose="02020603050405020304" pitchFamily="18" charset="0"/>
               </a:rPr>
               <a:t>Ipotesi formulate</a:t>
             </a:r>
-            <a:endParaRPr lang="it-IT" sz="4000" dirty="0">
-              <a:latin typeface="+mn-lt"/>
-              <a:cs typeface="Times New Roman" panose="02020603050405020304" pitchFamily="18" charset="0"/>
-            </a:endParaRPr>
           </a:p>
         </p:txBody>
       </p:sp>
@@ -17804,13 +17179,6 @@
   <p:clrMapOvr>
     <a:masterClrMapping/>
   </p:clrMapOvr>
-  <p:timing>
-    <p:tnLst>
-      <p:par>
-        <p:cTn id="1" dur="indefinite" restart="never" nodeType="tmRoot"/>
-      </p:par>
-    </p:tnLst>
-  </p:timing>
 </p:sld>
 </file>
 
@@ -17902,20 +17270,8 @@
           <a:p>
             <a:pPr algn="ctr"/>
             <a:r>
-              <a:rPr lang="it-IT" sz="1100" i="1" dirty="0" smtClean="0"/>
-              <a:t>ERIK HOLLER  </a:t>
-            </a:r>
-            <a:r>
               <a:rPr lang="it-IT" sz="1100" i="1" dirty="0"/>
-              <a:t>- </a:t>
-            </a:r>
-            <a:r>
-              <a:rPr lang="it-IT" sz="1100" i="1" dirty="0" smtClean="0"/>
-              <a:t>ELIA SCARPARO- </a:t>
-            </a:r>
-            <a:r>
-              <a:rPr lang="it-IT" sz="1100" i="1" dirty="0"/>
-              <a:t>STEFANO ZAMPIERO</a:t>
+              <a:t>ERIK HOLLER  - ELIA SCARPARO- STEFANO ZAMPIERO</a:t>
             </a:r>
           </a:p>
         </p:txBody>
@@ -17943,18 +17299,9 @@
           <a:lstStyle/>
           <a:p>
             <a:r>
-              <a:rPr lang="it-IT" sz="1400" i="1" dirty="0" smtClean="0"/>
-              <a:t>LABORATORIO DI SIMULAZIONI FINANZIARIE A.A</a:t>
-            </a:r>
-            <a:r>
               <a:rPr lang="it-IT" sz="1400" i="1" dirty="0"/>
-              <a:t>. </a:t>
-            </a:r>
-            <a:r>
-              <a:rPr lang="it-IT" sz="1400" i="1" dirty="0" smtClean="0"/>
-              <a:t>2017-2018</a:t>
-            </a:r>
-            <a:endParaRPr lang="it-IT" sz="1400" i="1" dirty="0"/>
+              <a:t>LABORATORIO DI SIMULAZIONI FINANZIARIE A.A. 2017-2018</a:t>
+            </a:r>
           </a:p>
         </p:txBody>
       </p:sp>
@@ -17963,7 +17310,7 @@
           <p:cNvPr id="6" name="Titolo 1">
             <a:extLst>
               <a:ext uri="{FF2B5EF4-FFF2-40B4-BE49-F238E27FC236}">
-                <a16:creationId xmlns="" xmlns:a16="http://schemas.microsoft.com/office/drawing/2014/main" id="{679BE2B4-5311-41F8-91D1-B43FBD555747}"/>
+                <a16:creationId xmlns:a16="http://schemas.microsoft.com/office/drawing/2014/main" id="{679BE2B4-5311-41F8-91D1-B43FBD555747}"/>
               </a:ext>
             </a:extLst>
           </p:cNvPr>
@@ -18007,30 +17354,26 @@
           </a:lstStyle>
           <a:p>
             <a:r>
-              <a:rPr lang="it-IT" sz="3600" smtClean="0">
+              <a:rPr lang="it-IT" sz="3600">
                 <a:latin typeface="+mn-lt"/>
                 <a:cs typeface="Times New Roman" panose="02020603050405020304" pitchFamily="18" charset="0"/>
               </a:rPr>
               <a:t>Aggregazione delle classi di rischio e </a:t>
             </a:r>
             <a:r>
-              <a:rPr lang="it-IT" sz="3600" dirty="0" err="1" smtClean="0">
+              <a:rPr lang="it-IT" sz="3600" dirty="0" err="1">
                 <a:latin typeface="+mn-lt"/>
                 <a:cs typeface="Times New Roman" panose="02020603050405020304" pitchFamily="18" charset="0"/>
               </a:rPr>
               <a:t>VaR</a:t>
             </a:r>
             <a:r>
-              <a:rPr lang="it-IT" sz="3600" dirty="0" smtClean="0">
+              <a:rPr lang="it-IT" sz="3600" dirty="0">
                 <a:latin typeface="+mn-lt"/>
                 <a:cs typeface="Times New Roman" panose="02020603050405020304" pitchFamily="18" charset="0"/>
               </a:rPr>
               <a:t> aggregato</a:t>
             </a:r>
-            <a:endParaRPr lang="it-IT" sz="3600" dirty="0">
-              <a:latin typeface="+mn-lt"/>
-              <a:cs typeface="Times New Roman" panose="02020603050405020304" pitchFamily="18" charset="0"/>
-            </a:endParaRPr>
           </a:p>
         </p:txBody>
       </p:sp>
@@ -18039,7 +17382,7 @@
           <p:cNvPr id="10" name="Segnaposto contenuto 2">
             <a:extLst>
               <a:ext uri="{FF2B5EF4-FFF2-40B4-BE49-F238E27FC236}">
-                <a16:creationId xmlns="" xmlns:a16="http://schemas.microsoft.com/office/drawing/2014/main" id="{3E1B8146-377A-4E32-B838-476B02B1AB2C}"/>
+                <a16:creationId xmlns:a16="http://schemas.microsoft.com/office/drawing/2014/main" id="{3E1B8146-377A-4E32-B838-476B02B1AB2C}"/>
               </a:ext>
             </a:extLst>
           </p:cNvPr>
@@ -18231,7 +17574,7 @@
               <a:buChar char="•"/>
             </a:pPr>
             <a:r>
-              <a:rPr lang="it-IT" sz="2600" dirty="0" smtClean="0">
+              <a:rPr lang="it-IT" sz="2600" dirty="0">
                 <a:latin typeface="Times New Roman" panose="02020603050405020304" pitchFamily="18" charset="0"/>
                 <a:cs typeface="Times New Roman" panose="02020603050405020304" pitchFamily="18" charset="0"/>
               </a:rPr>
@@ -18240,7 +17583,7 @@
           </a:p>
           <a:p>
             <a:pPr algn="l"/>
-            <a:endParaRPr lang="it-IT" sz="2600" dirty="0" smtClean="0">
+            <a:endParaRPr lang="it-IT" sz="2600" dirty="0">
               <a:latin typeface="Times New Roman" panose="02020603050405020304" pitchFamily="18" charset="0"/>
               <a:cs typeface="Times New Roman" panose="02020603050405020304" pitchFamily="18" charset="0"/>
             </a:endParaRPr>
@@ -18251,16 +17594,12 @@
               <a:buChar char="•"/>
             </a:pPr>
             <a:r>
-              <a:rPr lang="it-IT" sz="2600" dirty="0" smtClean="0">
+              <a:rPr lang="it-IT" sz="2600" dirty="0">
                 <a:latin typeface="Times New Roman" panose="02020603050405020304" pitchFamily="18" charset="0"/>
                 <a:cs typeface="Times New Roman" panose="02020603050405020304" pitchFamily="18" charset="0"/>
               </a:rPr>
               <a:t>Oppure si può tener conto delle correlazioni tra i vari rischi operativi e le diverse linee di business, con modelli di stima delle correlazioni.</a:t>
             </a:r>
-            <a:endParaRPr lang="it-IT" sz="2600" dirty="0">
-              <a:latin typeface="Times New Roman" panose="02020603050405020304" pitchFamily="18" charset="0"/>
-              <a:cs typeface="Times New Roman" panose="02020603050405020304" pitchFamily="18" charset="0"/>
-            </a:endParaRPr>
           </a:p>
         </p:txBody>
       </p:sp>
@@ -18274,13 +17613,6 @@
   <p:clrMapOvr>
     <a:masterClrMapping/>
   </p:clrMapOvr>
-  <p:timing>
-    <p:tnLst>
-      <p:par>
-        <p:cTn id="1" dur="indefinite" restart="never" nodeType="tmRoot"/>
-      </p:par>
-    </p:tnLst>
-  </p:timing>
 </p:sld>
 </file>
 
@@ -18372,20 +17704,8 @@
           <a:p>
             <a:pPr algn="ctr"/>
             <a:r>
-              <a:rPr lang="it-IT" sz="1100" i="1" dirty="0" smtClean="0"/>
-              <a:t>ERIK HOLLER  </a:t>
-            </a:r>
-            <a:r>
               <a:rPr lang="it-IT" sz="1100" i="1" dirty="0"/>
-              <a:t>- </a:t>
-            </a:r>
-            <a:r>
-              <a:rPr lang="it-IT" sz="1100" i="1" dirty="0" smtClean="0"/>
-              <a:t>ELIA SCARPARO- </a:t>
-            </a:r>
-            <a:r>
-              <a:rPr lang="it-IT" sz="1100" i="1" dirty="0"/>
-              <a:t>STEFANO ZAMPIERO</a:t>
+              <a:t>ERIK HOLLER  - ELIA SCARPARO- STEFANO ZAMPIERO</a:t>
             </a:r>
           </a:p>
         </p:txBody>
@@ -18413,18 +17733,9 @@
           <a:lstStyle/>
           <a:p>
             <a:r>
-              <a:rPr lang="it-IT" sz="1400" i="1" dirty="0" smtClean="0"/>
-              <a:t>LABORATORIO DI SIMULAZIONI FINANZIARIE A.A</a:t>
-            </a:r>
-            <a:r>
               <a:rPr lang="it-IT" sz="1400" i="1" dirty="0"/>
-              <a:t>. </a:t>
-            </a:r>
-            <a:r>
-              <a:rPr lang="it-IT" sz="1400" i="1" dirty="0" smtClean="0"/>
-              <a:t>2017-2018</a:t>
-            </a:r>
-            <a:endParaRPr lang="it-IT" sz="1400" i="1" dirty="0"/>
+              <a:t>LABORATORIO DI SIMULAZIONI FINANZIARIE A.A. 2017-2018</a:t>
+            </a:r>
           </a:p>
         </p:txBody>
       </p:sp>
@@ -18433,7 +17744,7 @@
           <p:cNvPr id="6" name="Segnaposto contenuto 2">
             <a:extLst>
               <a:ext uri="{FF2B5EF4-FFF2-40B4-BE49-F238E27FC236}">
-                <a16:creationId xmlns="" xmlns:a16="http://schemas.microsoft.com/office/drawing/2014/main" id="{3E1B8146-377A-4E32-B838-476B02B1AB2C}"/>
+                <a16:creationId xmlns:a16="http://schemas.microsoft.com/office/drawing/2014/main" id="{3E1B8146-377A-4E32-B838-476B02B1AB2C}"/>
               </a:ext>
             </a:extLst>
           </p:cNvPr>
@@ -18621,19 +17932,19 @@
           </a:lstStyle>
           <a:p>
             <a:r>
-              <a:rPr lang="it-IT" dirty="0" smtClean="0">
+              <a:rPr lang="it-IT" dirty="0">
                 <a:cs typeface="Times New Roman" panose="02020603050405020304" pitchFamily="18" charset="0"/>
               </a:rPr>
               <a:t>Schema per il calcolo del </a:t>
             </a:r>
             <a:r>
-              <a:rPr lang="it-IT" dirty="0" err="1" smtClean="0">
+              <a:rPr lang="it-IT" dirty="0" err="1">
                 <a:cs typeface="Times New Roman" panose="02020603050405020304" pitchFamily="18" charset="0"/>
               </a:rPr>
               <a:t>CaR</a:t>
             </a:r>
             <a:r>
-              <a:rPr lang="it-IT" dirty="0" smtClean="0">
+              <a:rPr lang="it-IT" dirty="0">
                 <a:cs typeface="Times New Roman" panose="02020603050405020304" pitchFamily="18" charset="0"/>
               </a:rPr>
               <a:t> aggregato:</a:t>
@@ -18644,7 +17955,7 @@
               <a:buFont typeface="+mj-lt"/>
               <a:buAutoNum type="arabicPeriod"/>
             </a:pPr>
-            <a:endParaRPr lang="it-IT" dirty="0" smtClean="0">
+            <a:endParaRPr lang="it-IT" dirty="0">
               <a:cs typeface="Times New Roman" panose="02020603050405020304" pitchFamily="18" charset="0"/>
             </a:endParaRPr>
           </a:p>
@@ -18654,55 +17965,55 @@
               <a:buAutoNum type="arabicPeriod"/>
             </a:pPr>
             <a:r>
-              <a:rPr lang="it-IT" dirty="0" smtClean="0">
+              <a:rPr lang="it-IT" dirty="0">
                 <a:cs typeface="Times New Roman" panose="02020603050405020304" pitchFamily="18" charset="0"/>
               </a:rPr>
               <a:t>Computazione del </a:t>
             </a:r>
             <a:r>
-              <a:rPr lang="it-IT" dirty="0" err="1" smtClean="0">
+              <a:rPr lang="it-IT" dirty="0" err="1">
                 <a:cs typeface="Times New Roman" panose="02020603050405020304" pitchFamily="18" charset="0"/>
               </a:rPr>
               <a:t>CaR</a:t>
             </a:r>
             <a:r>
-              <a:rPr lang="it-IT" dirty="0" smtClean="0">
+              <a:rPr lang="it-IT" dirty="0">
                 <a:cs typeface="Times New Roman" panose="02020603050405020304" pitchFamily="18" charset="0"/>
               </a:rPr>
               <a:t> per ciascuna Business Line e per </a:t>
             </a:r>
             <a:r>
-              <a:rPr lang="it-IT" dirty="0" err="1" smtClean="0">
+              <a:rPr lang="it-IT" dirty="0" err="1">
                 <a:cs typeface="Times New Roman" panose="02020603050405020304" pitchFamily="18" charset="0"/>
               </a:rPr>
               <a:t>ciacun</a:t>
             </a:r>
             <a:r>
-              <a:rPr lang="it-IT" dirty="0" smtClean="0">
+              <a:rPr lang="it-IT" dirty="0">
                 <a:cs typeface="Times New Roman" panose="02020603050405020304" pitchFamily="18" charset="0"/>
               </a:rPr>
               <a:t> </a:t>
             </a:r>
             <a:r>
-              <a:rPr lang="it-IT" dirty="0" err="1" smtClean="0">
+              <a:rPr lang="it-IT" dirty="0" err="1">
                 <a:cs typeface="Times New Roman" panose="02020603050405020304" pitchFamily="18" charset="0"/>
               </a:rPr>
               <a:t>event</a:t>
             </a:r>
             <a:r>
-              <a:rPr lang="it-IT" dirty="0" smtClean="0">
+              <a:rPr lang="it-IT" dirty="0">
                 <a:cs typeface="Times New Roman" panose="02020603050405020304" pitchFamily="18" charset="0"/>
               </a:rPr>
               <a:t> </a:t>
             </a:r>
             <a:r>
-              <a:rPr lang="it-IT" dirty="0" err="1" smtClean="0">
+              <a:rPr lang="it-IT" dirty="0" err="1">
                 <a:cs typeface="Times New Roman" panose="02020603050405020304" pitchFamily="18" charset="0"/>
               </a:rPr>
               <a:t>type</a:t>
             </a:r>
             <a:r>
-              <a:rPr lang="it-IT" dirty="0" smtClean="0">
+              <a:rPr lang="it-IT" dirty="0">
                 <a:cs typeface="Times New Roman" panose="02020603050405020304" pitchFamily="18" charset="0"/>
               </a:rPr>
               <a:t>;</a:t>
@@ -18714,7 +18025,7 @@
               <a:buAutoNum type="arabicPeriod"/>
             </a:pPr>
             <a:r>
-              <a:rPr lang="it-IT" dirty="0" smtClean="0">
+              <a:rPr lang="it-IT" dirty="0">
                 <a:cs typeface="Times New Roman" panose="02020603050405020304" pitchFamily="18" charset="0"/>
               </a:rPr>
               <a:t>Computazione del Car totale, tenendo in considerazione di eventuali effetti mitigatori della diversificazione di capitale;</a:t>
@@ -18726,43 +18037,43 @@
               <a:buAutoNum type="arabicPeriod"/>
             </a:pPr>
             <a:r>
-              <a:rPr lang="it-IT" dirty="0" smtClean="0">
+              <a:rPr lang="it-IT" dirty="0">
                 <a:cs typeface="Times New Roman" panose="02020603050405020304" pitchFamily="18" charset="0"/>
               </a:rPr>
               <a:t>Allocazione di componenti di </a:t>
             </a:r>
             <a:r>
-              <a:rPr lang="it-IT" dirty="0" err="1" smtClean="0">
+              <a:rPr lang="it-IT" dirty="0" err="1">
                 <a:cs typeface="Times New Roman" panose="02020603050405020304" pitchFamily="18" charset="0"/>
               </a:rPr>
               <a:t>CaR</a:t>
             </a:r>
             <a:r>
-              <a:rPr lang="it-IT" dirty="0" smtClean="0">
+              <a:rPr lang="it-IT" dirty="0">
                 <a:cs typeface="Times New Roman" panose="02020603050405020304" pitchFamily="18" charset="0"/>
               </a:rPr>
               <a:t> aggregato a ciascun </a:t>
             </a:r>
             <a:r>
-              <a:rPr lang="it-IT" dirty="0" err="1" smtClean="0">
+              <a:rPr lang="it-IT" dirty="0" err="1">
                 <a:cs typeface="Times New Roman" panose="02020603050405020304" pitchFamily="18" charset="0"/>
               </a:rPr>
               <a:t>event</a:t>
             </a:r>
             <a:r>
-              <a:rPr lang="it-IT" dirty="0" smtClean="0">
+              <a:rPr lang="it-IT" dirty="0">
                 <a:cs typeface="Times New Roman" panose="02020603050405020304" pitchFamily="18" charset="0"/>
               </a:rPr>
               <a:t> </a:t>
             </a:r>
             <a:r>
-              <a:rPr lang="it-IT" dirty="0" err="1" smtClean="0">
+              <a:rPr lang="it-IT" dirty="0" err="1">
                 <a:cs typeface="Times New Roman" panose="02020603050405020304" pitchFamily="18" charset="0"/>
               </a:rPr>
               <a:t>type</a:t>
             </a:r>
             <a:r>
-              <a:rPr lang="it-IT" dirty="0" smtClean="0">
+              <a:rPr lang="it-IT" dirty="0">
                 <a:cs typeface="Times New Roman" panose="02020603050405020304" pitchFamily="18" charset="0"/>
               </a:rPr>
               <a:t>;</a:t>
@@ -18774,7 +18085,7 @@
               <a:buAutoNum type="arabicPeriod"/>
             </a:pPr>
             <a:r>
-              <a:rPr lang="it-IT" dirty="0" smtClean="0">
+              <a:rPr lang="it-IT" dirty="0">
                 <a:cs typeface="Times New Roman" panose="02020603050405020304" pitchFamily="18" charset="0"/>
               </a:rPr>
               <a:t>Allocazione di componenti di ciascuna quantità di capitale definita al punto 3 a ciascuna unità di business, considerando eventuali effetti mitigatori.</a:t>
@@ -18790,7 +18101,7 @@
           <p:cNvPr id="10" name="Titolo 1">
             <a:extLst>
               <a:ext uri="{FF2B5EF4-FFF2-40B4-BE49-F238E27FC236}">
-                <a16:creationId xmlns="" xmlns:a16="http://schemas.microsoft.com/office/drawing/2014/main" id="{679BE2B4-5311-41F8-91D1-B43FBD555747}"/>
+                <a16:creationId xmlns:a16="http://schemas.microsoft.com/office/drawing/2014/main" id="{679BE2B4-5311-41F8-91D1-B43FBD555747}"/>
               </a:ext>
             </a:extLst>
           </p:cNvPr>
@@ -18834,30 +18145,26 @@
           </a:lstStyle>
           <a:p>
             <a:r>
-              <a:rPr lang="it-IT" sz="4000" dirty="0" smtClean="0">
+              <a:rPr lang="it-IT" sz="4000" dirty="0">
                 <a:latin typeface="+mn-lt"/>
                 <a:cs typeface="Times New Roman" panose="02020603050405020304" pitchFamily="18" charset="0"/>
               </a:rPr>
               <a:t>Capital At </a:t>
             </a:r>
             <a:r>
-              <a:rPr lang="it-IT" sz="4000" dirty="0" err="1" smtClean="0">
+              <a:rPr lang="it-IT" sz="4000" dirty="0" err="1">
                 <a:latin typeface="+mn-lt"/>
                 <a:cs typeface="Times New Roman" panose="02020603050405020304" pitchFamily="18" charset="0"/>
               </a:rPr>
               <a:t>Risk</a:t>
             </a:r>
             <a:r>
-              <a:rPr lang="it-IT" sz="4000" dirty="0" smtClean="0">
+              <a:rPr lang="it-IT" sz="4000" dirty="0">
                 <a:latin typeface="+mn-lt"/>
                 <a:cs typeface="Times New Roman" panose="02020603050405020304" pitchFamily="18" charset="0"/>
               </a:rPr>
               <a:t> aggregato</a:t>
             </a:r>
-            <a:endParaRPr lang="it-IT" sz="4000" dirty="0">
-              <a:latin typeface="+mn-lt"/>
-              <a:cs typeface="Times New Roman" panose="02020603050405020304" pitchFamily="18" charset="0"/>
-            </a:endParaRPr>
           </a:p>
         </p:txBody>
       </p:sp>
@@ -18871,13 +18178,6 @@
   <p:clrMapOvr>
     <a:masterClrMapping/>
   </p:clrMapOvr>
-  <p:timing>
-    <p:tnLst>
-      <p:par>
-        <p:cTn id="1" dur="indefinite" restart="never" nodeType="tmRoot"/>
-      </p:par>
-    </p:tnLst>
-  </p:timing>
 </p:sld>
 </file>
 
@@ -18985,13 +18285,6 @@
   <p:clrMapOvr>
     <a:masterClrMapping/>
   </p:clrMapOvr>
-  <p:timing>
-    <p:tnLst>
-      <p:par>
-        <p:cTn id="1" dur="indefinite" restart="never" nodeType="tmRoot"/>
-      </p:par>
-    </p:tnLst>
-  </p:timing>
 </p:sld>
 </file>
 
@@ -19397,11 +18690,7 @@
             </a:r>
             <a:r>
               <a:rPr lang="it-IT" dirty="0"/>
-              <a:t> (</a:t>
-            </a:r>
-            <a:r>
-              <a:rPr lang="it-IT" dirty="0" smtClean="0"/>
-              <a:t>LDA)</a:t>
+              <a:t> (LDA)</a:t>
             </a:r>
           </a:p>
           <a:p>
@@ -19414,10 +18703,10 @@
               <a:t>Applicazioni: modellizzazione della perdita e simulazione monte </a:t>
             </a:r>
             <a:r>
-              <a:rPr lang="it-IT" dirty="0" err="1" smtClean="0"/>
+              <a:rPr lang="it-IT" dirty="0" err="1"/>
               <a:t>carlo</a:t>
             </a:r>
-            <a:endParaRPr lang="it-IT" dirty="0" smtClean="0"/>
+            <a:endParaRPr lang="it-IT" dirty="0"/>
           </a:p>
           <a:p>
             <a:pPr marL="514350" indent="-514350" algn="l">
@@ -19465,7 +18754,7 @@
               <a:t>risk</a:t>
             </a:r>
             <a:r>
-              <a:rPr lang="it-IT" dirty="0" smtClean="0"/>
+              <a:rPr lang="it-IT" dirty="0"/>
               <a:t>)</a:t>
             </a:r>
           </a:p>
@@ -19475,18 +18764,13 @@
               <a:buAutoNum type="arabicPeriod"/>
             </a:pPr>
             <a:r>
-              <a:rPr lang="it-IT" b="1" dirty="0" smtClean="0">
+              <a:rPr lang="it-IT" b="1" dirty="0">
                 <a:solidFill>
                   <a:srgbClr val="00B050"/>
                 </a:solidFill>
               </a:rPr>
               <a:t>Confronto fra distribuzioni</a:t>
             </a:r>
-            <a:endParaRPr lang="it-IT" b="1" dirty="0">
-              <a:solidFill>
-                <a:srgbClr val="00B050"/>
-              </a:solidFill>
-            </a:endParaRPr>
           </a:p>
           <a:p>
             <a:pPr marL="514350" indent="-514350" algn="l">
@@ -19494,12 +18778,8 @@
               <a:buAutoNum type="arabicPeriod"/>
             </a:pPr>
             <a:r>
-              <a:rPr lang="it-IT" dirty="0" smtClean="0"/>
-              <a:t>Vantaggi </a:t>
-            </a:r>
-            <a:r>
               <a:rPr lang="it-IT" dirty="0"/>
-              <a:t>e limiti del </a:t>
+              <a:t>Vantaggi e limiti del </a:t>
             </a:r>
             <a:r>
               <a:rPr lang="it-IT" dirty="0" err="1"/>
@@ -19548,20 +18828,8 @@
           <a:p>
             <a:pPr algn="ctr"/>
             <a:r>
-              <a:rPr lang="it-IT" sz="1100" i="1" dirty="0" smtClean="0"/>
-              <a:t>ERIK HOLLER  </a:t>
-            </a:r>
-            <a:r>
               <a:rPr lang="it-IT" sz="1100" i="1" dirty="0"/>
-              <a:t>- </a:t>
-            </a:r>
-            <a:r>
-              <a:rPr lang="it-IT" sz="1100" i="1" dirty="0" smtClean="0"/>
-              <a:t>ELIA SCARPARO- </a:t>
-            </a:r>
-            <a:r>
-              <a:rPr lang="it-IT" sz="1100" i="1" dirty="0"/>
-              <a:t>STEFANO ZAMPIERO</a:t>
+              <a:t>ERIK HOLLER  - ELIA SCARPARO- STEFANO ZAMPIERO</a:t>
             </a:r>
           </a:p>
         </p:txBody>
@@ -19589,18 +18857,9 @@
           <a:lstStyle/>
           <a:p>
             <a:r>
-              <a:rPr lang="it-IT" sz="1400" i="1" dirty="0" smtClean="0"/>
-              <a:t>LABORATORIO DI SIMULAZIONI FINANZIARIE A.A</a:t>
-            </a:r>
-            <a:r>
               <a:rPr lang="it-IT" sz="1400" i="1" dirty="0"/>
-              <a:t>. </a:t>
-            </a:r>
-            <a:r>
-              <a:rPr lang="it-IT" sz="1400" i="1" dirty="0" smtClean="0"/>
-              <a:t>2017-2018</a:t>
-            </a:r>
-            <a:endParaRPr lang="it-IT" sz="1400" i="1" dirty="0"/>
+              <a:t>LABORATORIO DI SIMULAZIONI FINANZIARIE A.A. 2017-2018</a:t>
+            </a:r>
           </a:p>
         </p:txBody>
       </p:sp>
@@ -19614,13 +18873,6 @@
   <p:clrMapOvr>
     <a:masterClrMapping/>
   </p:clrMapOvr>
-  <p:timing>
-    <p:tnLst>
-      <p:par>
-        <p:cTn id="1" dur="indefinite" restart="never" nodeType="tmRoot"/>
-      </p:par>
-    </p:tnLst>
-  </p:timing>
 </p:sld>
 </file>
 
@@ -19728,13 +18980,6 @@
   <p:clrMapOvr>
     <a:masterClrMapping/>
   </p:clrMapOvr>
-  <p:timing>
-    <p:tnLst>
-      <p:par>
-        <p:cTn id="1" dur="indefinite" restart="never" nodeType="tmRoot"/>
-      </p:par>
-    </p:tnLst>
-  </p:timing>
 </p:sld>
 </file>
 
@@ -19842,13 +19087,6 @@
   <p:clrMapOvr>
     <a:masterClrMapping/>
   </p:clrMapOvr>
-  <p:timing>
-    <p:tnLst>
-      <p:par>
-        <p:cTn id="1" dur="indefinite" restart="never" nodeType="tmRoot"/>
-      </p:par>
-    </p:tnLst>
-  </p:timing>
 </p:sld>
 </file>
 
@@ -19956,13 +19194,6 @@
   <p:clrMapOvr>
     <a:masterClrMapping/>
   </p:clrMapOvr>
-  <p:timing>
-    <p:tnLst>
-      <p:par>
-        <p:cTn id="1" dur="indefinite" restart="never" nodeType="tmRoot"/>
-      </p:par>
-    </p:tnLst>
-  </p:timing>
 </p:sld>
 </file>
 
@@ -20252,11 +19483,7 @@
             </a:r>
             <a:r>
               <a:rPr lang="it-IT" dirty="0"/>
-              <a:t> (</a:t>
-            </a:r>
-            <a:r>
-              <a:rPr lang="it-IT" dirty="0" smtClean="0"/>
-              <a:t>LDA)</a:t>
+              <a:t> (LDA)</a:t>
             </a:r>
           </a:p>
           <a:p>
@@ -20305,7 +19532,7 @@
               <a:t>risk</a:t>
             </a:r>
             <a:r>
-              <a:rPr lang="it-IT" dirty="0" smtClean="0"/>
+              <a:rPr lang="it-IT" dirty="0"/>
               <a:t>)</a:t>
             </a:r>
           </a:p>
@@ -20319,10 +19546,10 @@
               <a:t>Applicazioni: modellizzazione della perdita e simulazione monte </a:t>
             </a:r>
             <a:r>
-              <a:rPr lang="it-IT" dirty="0" err="1" smtClean="0"/>
+              <a:rPr lang="it-IT" dirty="0" err="1"/>
               <a:t>carlo</a:t>
             </a:r>
-            <a:endParaRPr lang="it-IT" dirty="0" smtClean="0"/>
+            <a:endParaRPr lang="it-IT" dirty="0"/>
           </a:p>
           <a:p>
             <a:pPr marL="514350" indent="-514350" algn="l">
@@ -20330,12 +19557,18 @@
               <a:buAutoNum type="arabicPeriod"/>
             </a:pPr>
             <a:r>
-              <a:rPr lang="it-IT" dirty="0" smtClean="0"/>
-              <a:t>Vantaggi </a:t>
-            </a:r>
-            <a:r>
               <a:rPr lang="it-IT" dirty="0"/>
-              <a:t>e limiti del </a:t>
+              <a:t>Confronto fra distribuzioni</a:t>
+            </a:r>
+          </a:p>
+          <a:p>
+            <a:pPr marL="514350" indent="-514350" algn="l">
+              <a:buFont typeface="+mj-lt"/>
+              <a:buAutoNum type="arabicPeriod"/>
+            </a:pPr>
+            <a:r>
+              <a:rPr lang="it-IT" dirty="0"/>
+              <a:t>Vantaggi e limiti del </a:t>
             </a:r>
             <a:r>
               <a:rPr lang="it-IT" dirty="0" err="1"/>
@@ -20384,20 +19617,8 @@
           <a:p>
             <a:pPr algn="ctr"/>
             <a:r>
-              <a:rPr lang="it-IT" sz="1100" i="1" dirty="0" smtClean="0"/>
-              <a:t>ERIK HOLLER  </a:t>
-            </a:r>
-            <a:r>
               <a:rPr lang="it-IT" sz="1100" i="1" dirty="0"/>
-              <a:t>- </a:t>
-            </a:r>
-            <a:r>
-              <a:rPr lang="it-IT" sz="1100" i="1" dirty="0" smtClean="0"/>
-              <a:t>ELIA SCARPARO- </a:t>
-            </a:r>
-            <a:r>
-              <a:rPr lang="it-IT" sz="1100" i="1" dirty="0"/>
-              <a:t>STEFANO ZAMPIERO</a:t>
+              <a:t>ERIK HOLLER  - ELIA SCARPARO- STEFANO ZAMPIERO</a:t>
             </a:r>
           </a:p>
         </p:txBody>
@@ -20425,18 +19646,9 @@
           <a:lstStyle/>
           <a:p>
             <a:r>
-              <a:rPr lang="it-IT" sz="1400" i="1" dirty="0" smtClean="0"/>
-              <a:t>LABORATORIO DI SIMULAZIONI FINANZIARIE A.A</a:t>
-            </a:r>
-            <a:r>
               <a:rPr lang="it-IT" sz="1400" i="1" dirty="0"/>
-              <a:t>. </a:t>
-            </a:r>
-            <a:r>
-              <a:rPr lang="it-IT" sz="1400" i="1" dirty="0" smtClean="0"/>
-              <a:t>2017-2018</a:t>
-            </a:r>
-            <a:endParaRPr lang="it-IT" sz="1400" i="1" dirty="0"/>
+              <a:t>LABORATORIO DI SIMULAZIONI FINANZIARIE A.A. 2017-2018</a:t>
+            </a:r>
           </a:p>
         </p:txBody>
       </p:sp>
@@ -20450,13 +19662,6 @@
   <p:clrMapOvr>
     <a:masterClrMapping/>
   </p:clrMapOvr>
-  <p:timing>
-    <p:tnLst>
-      <p:par>
-        <p:cTn id="1" dur="indefinite" restart="never" nodeType="tmRoot"/>
-      </p:par>
-    </p:tnLst>
-  </p:timing>
 </p:sld>
 </file>
 
@@ -20564,13 +19769,6 @@
   <p:clrMapOvr>
     <a:masterClrMapping/>
   </p:clrMapOvr>
-  <p:timing>
-    <p:tnLst>
-      <p:par>
-        <p:cTn id="1" dur="indefinite" restart="never" nodeType="tmRoot"/>
-      </p:par>
-    </p:tnLst>
-  </p:timing>
 </p:sld>
 </file>
 
@@ -20678,13 +19876,6 @@
   <p:clrMapOvr>
     <a:masterClrMapping/>
   </p:clrMapOvr>
-  <p:timing>
-    <p:tnLst>
-      <p:par>
-        <p:cTn id="1" dur="indefinite" restart="never" nodeType="tmRoot"/>
-      </p:par>
-    </p:tnLst>
-  </p:timing>
 </p:sld>
 </file>
 
@@ -20792,13 +19983,6 @@
   <p:clrMapOvr>
     <a:masterClrMapping/>
   </p:clrMapOvr>
-  <p:timing>
-    <p:tnLst>
-      <p:par>
-        <p:cTn id="1" dur="indefinite" restart="never" nodeType="tmRoot"/>
-      </p:par>
-    </p:tnLst>
-  </p:timing>
 </p:sld>
 </file>
 
@@ -21084,11 +20268,7 @@
             </a:r>
             <a:r>
               <a:rPr lang="it-IT" dirty="0"/>
-              <a:t> (</a:t>
-            </a:r>
-            <a:r>
-              <a:rPr lang="it-IT" dirty="0" smtClean="0"/>
-              <a:t>LDA)</a:t>
+              <a:t> (LDA)</a:t>
             </a:r>
           </a:p>
           <a:p>
@@ -21101,10 +20281,10 @@
               <a:t>Applicazioni: modellizzazione della perdita e simulazione monte </a:t>
             </a:r>
             <a:r>
-              <a:rPr lang="it-IT" dirty="0" err="1" smtClean="0"/>
+              <a:rPr lang="it-IT" dirty="0" err="1"/>
               <a:t>carlo</a:t>
             </a:r>
-            <a:endParaRPr lang="it-IT" dirty="0" smtClean="0"/>
+            <a:endParaRPr lang="it-IT" dirty="0"/>
           </a:p>
           <a:p>
             <a:pPr marL="514350" indent="-514350" algn="l">
@@ -21152,7 +20332,7 @@
               <a:t>risk</a:t>
             </a:r>
             <a:r>
-              <a:rPr lang="it-IT" dirty="0" smtClean="0"/>
+              <a:rPr lang="it-IT" dirty="0"/>
               <a:t>)</a:t>
             </a:r>
           </a:p>
@@ -21162,10 +20342,9 @@
               <a:buAutoNum type="arabicPeriod"/>
             </a:pPr>
             <a:r>
-              <a:rPr lang="it-IT" dirty="0" smtClean="0"/>
+              <a:rPr lang="it-IT" dirty="0"/>
               <a:t>Confronto fra distribuzioni</a:t>
             </a:r>
-            <a:endParaRPr lang="it-IT" dirty="0"/>
           </a:p>
           <a:p>
             <a:pPr marL="514350" indent="-514350" algn="l">
@@ -21173,20 +20352,12 @@
               <a:buAutoNum type="arabicPeriod"/>
             </a:pPr>
             <a:r>
-              <a:rPr lang="it-IT" b="1" dirty="0" smtClean="0">
+              <a:rPr lang="it-IT" b="1" dirty="0">
                 <a:solidFill>
                   <a:srgbClr val="00B050"/>
                 </a:solidFill>
               </a:rPr>
-              <a:t>Vantaggi </a:t>
-            </a:r>
-            <a:r>
-              <a:rPr lang="it-IT" b="1" dirty="0">
-                <a:solidFill>
-                  <a:srgbClr val="00B050"/>
-                </a:solidFill>
-              </a:rPr>
-              <a:t>e limiti del </a:t>
+              <a:t>Vantaggi e limiti del </a:t>
             </a:r>
             <a:r>
               <a:rPr lang="it-IT" b="1" dirty="0" err="1">
@@ -21251,20 +20422,8 @@
           <a:p>
             <a:pPr algn="ctr"/>
             <a:r>
-              <a:rPr lang="it-IT" sz="1100" i="1" dirty="0" smtClean="0"/>
-              <a:t>ERIK HOLLER  </a:t>
-            </a:r>
-            <a:r>
               <a:rPr lang="it-IT" sz="1100" i="1" dirty="0"/>
-              <a:t>- </a:t>
-            </a:r>
-            <a:r>
-              <a:rPr lang="it-IT" sz="1100" i="1" dirty="0" smtClean="0"/>
-              <a:t>ELIA SCARPARO- </a:t>
-            </a:r>
-            <a:r>
-              <a:rPr lang="it-IT" sz="1100" i="1" dirty="0"/>
-              <a:t>STEFANO ZAMPIERO</a:t>
+              <a:t>ERIK HOLLER  - ELIA SCARPARO- STEFANO ZAMPIERO</a:t>
             </a:r>
           </a:p>
         </p:txBody>
@@ -21292,18 +20451,9 @@
           <a:lstStyle/>
           <a:p>
             <a:r>
-              <a:rPr lang="it-IT" sz="1400" i="1" dirty="0" smtClean="0"/>
-              <a:t>LABORATORIO DI SIMULAZIONI FINANZIARIE A.A</a:t>
-            </a:r>
-            <a:r>
               <a:rPr lang="it-IT" sz="1400" i="1" dirty="0"/>
-              <a:t>. </a:t>
-            </a:r>
-            <a:r>
-              <a:rPr lang="it-IT" sz="1400" i="1" dirty="0" smtClean="0"/>
-              <a:t>2017-2018</a:t>
-            </a:r>
-            <a:endParaRPr lang="it-IT" sz="1400" i="1" dirty="0"/>
+              <a:t>LABORATORIO DI SIMULAZIONI FINANZIARIE A.A. 2017-2018</a:t>
+            </a:r>
           </a:p>
         </p:txBody>
       </p:sp>
@@ -21317,13 +20467,6 @@
   <p:clrMapOvr>
     <a:masterClrMapping/>
   </p:clrMapOvr>
-  <p:timing>
-    <p:tnLst>
-      <p:par>
-        <p:cTn id="1" dur="indefinite" restart="never" nodeType="tmRoot"/>
-      </p:par>
-    </p:tnLst>
-  </p:timing>
 </p:sld>
 </file>
 
@@ -21386,14 +20529,11 @@
           </a:lstStyle>
           <a:p>
             <a:r>
-              <a:rPr lang="it-IT" sz="4000" dirty="0" smtClean="0">
+              <a:rPr lang="it-IT" sz="4000" dirty="0">
                 <a:latin typeface="Bodoni MT" pitchFamily="18" charset="0"/>
               </a:rPr>
               <a:t>Vantaggi</a:t>
             </a:r>
-            <a:endParaRPr lang="it-IT" sz="4000" dirty="0">
-              <a:latin typeface="Bodoni MT" pitchFamily="18" charset="0"/>
-            </a:endParaRPr>
           </a:p>
         </p:txBody>
       </p:sp>
@@ -21421,20 +20561,8 @@
           <a:p>
             <a:pPr algn="ctr"/>
             <a:r>
-              <a:rPr lang="it-IT" sz="1100" i="1" dirty="0" smtClean="0"/>
-              <a:t>ERIK HOLLER  </a:t>
-            </a:r>
-            <a:r>
               <a:rPr lang="it-IT" sz="1100" i="1" dirty="0"/>
-              <a:t>- </a:t>
-            </a:r>
-            <a:r>
-              <a:rPr lang="it-IT" sz="1100" i="1" dirty="0" smtClean="0"/>
-              <a:t>ELIA SCARPARO- </a:t>
-            </a:r>
-            <a:r>
-              <a:rPr lang="it-IT" sz="1100" i="1" dirty="0"/>
-              <a:t>STEFANO ZAMPIERO</a:t>
+              <a:t>ERIK HOLLER  - ELIA SCARPARO- STEFANO ZAMPIERO</a:t>
             </a:r>
           </a:p>
         </p:txBody>
@@ -21462,18 +20590,9 @@
           <a:lstStyle/>
           <a:p>
             <a:r>
-              <a:rPr lang="it-IT" sz="1400" i="1" dirty="0" smtClean="0"/>
-              <a:t>LABORATORIO DI SIMULAZIONI FINANZIARIE A.A</a:t>
-            </a:r>
-            <a:r>
               <a:rPr lang="it-IT" sz="1400" i="1" dirty="0"/>
-              <a:t>. </a:t>
-            </a:r>
-            <a:r>
-              <a:rPr lang="it-IT" sz="1400" i="1" dirty="0" smtClean="0"/>
-              <a:t>2017-2018</a:t>
-            </a:r>
-            <a:endParaRPr lang="it-IT" sz="1400" i="1" dirty="0"/>
+              <a:t>LABORATORIO DI SIMULAZIONI FINANZIARIE A.A. 2017-2018</a:t>
+            </a:r>
           </a:p>
         </p:txBody>
       </p:sp>
@@ -21517,42 +20636,11 @@
             </a:r>
             <a:r>
               <a:rPr lang="it-IT" dirty="0"/>
-              <a:t>o su una media di </a:t>
-            </a:r>
-            <a:r>
-              <a:rPr lang="it-IT" dirty="0" smtClean="0"/>
-              <a:t>settore</a:t>
-            </a:r>
-            <a:r>
-              <a:rPr lang="it-IT" dirty="0"/>
-              <a:t>;</a:t>
-            </a:r>
-            <a:endParaRPr lang="it-IT" dirty="0" smtClean="0">
+              <a:t>o su una media di settore;</a:t>
+            </a:r>
+            <a:endParaRPr lang="it-IT" dirty="0">
               <a:effectLst/>
             </a:endParaRPr>
-          </a:p>
-          <a:p>
-            <a:pPr marL="285750" indent="-285750">
-              <a:buFont typeface="Arial" charset="0"/>
-              <a:buChar char="•"/>
-            </a:pPr>
-            <a:endParaRPr lang="it-IT" dirty="0" smtClean="0">
-              <a:effectLst/>
-            </a:endParaRPr>
-          </a:p>
-          <a:p>
-            <a:pPr marL="285750" indent="-285750">
-              <a:buFont typeface="Arial" charset="0"/>
-              <a:buChar char="•"/>
-            </a:pPr>
-            <a:r>
-              <a:rPr lang="it-IT" dirty="0"/>
-              <a:t>I risultati si basano su principi matematici simili a quelli utilizzati per la stima del requisito patrimoniale per il rischio di mercato e per il rischio di </a:t>
-            </a:r>
-            <a:r>
-              <a:rPr lang="it-IT" dirty="0" smtClean="0"/>
-              <a:t>credito;</a:t>
-            </a:r>
           </a:p>
           <a:p>
             <a:pPr marL="285750" indent="-285750">
@@ -21570,27 +20658,7 @@
             </a:pPr>
             <a:r>
               <a:rPr lang="it-IT" dirty="0"/>
-              <a:t>La separazione tra </a:t>
-            </a:r>
-            <a:r>
-              <a:rPr lang="it-IT" dirty="0" err="1"/>
-              <a:t>frequency</a:t>
-            </a:r>
-            <a:r>
-              <a:rPr lang="it-IT" dirty="0"/>
-              <a:t> e </a:t>
-            </a:r>
-            <a:r>
-              <a:rPr lang="it-IT" dirty="0" err="1"/>
-              <a:t>severity</a:t>
-            </a:r>
-            <a:r>
-              <a:rPr lang="it-IT" dirty="0"/>
-              <a:t> favorisce la precisione nella stima e la comprensione del processo di generazione del </a:t>
-            </a:r>
-            <a:r>
-              <a:rPr lang="it-IT" dirty="0" smtClean="0"/>
-              <a:t>rischio;</a:t>
+              <a:t>I risultati si basano su principi matematici simili a quelli utilizzati per la stima del requisito patrimoniale per il rischio di mercato e per il rischio di credito;</a:t>
             </a:r>
           </a:p>
           <a:p>
@@ -21609,10 +20677,45 @@
             </a:pPr>
             <a:r>
               <a:rPr lang="it-IT" dirty="0"/>
+              <a:t>La separazione tra </a:t>
+            </a:r>
+            <a:r>
+              <a:rPr lang="it-IT" dirty="0" err="1"/>
+              <a:t>frequency</a:t>
+            </a:r>
+            <a:r>
+              <a:rPr lang="it-IT" dirty="0"/>
+              <a:t> e </a:t>
+            </a:r>
+            <a:r>
+              <a:rPr lang="it-IT" dirty="0" err="1"/>
+              <a:t>severity</a:t>
+            </a:r>
+            <a:r>
+              <a:rPr lang="it-IT" dirty="0"/>
+              <a:t> favorisce la precisione nella stima e la comprensione del processo di generazione del rischio;</a:t>
+            </a:r>
+          </a:p>
+          <a:p>
+            <a:pPr marL="285750" indent="-285750">
+              <a:buFont typeface="Arial" charset="0"/>
+              <a:buChar char="•"/>
+            </a:pPr>
+            <a:endParaRPr lang="it-IT" dirty="0">
+              <a:effectLst/>
+            </a:endParaRPr>
+          </a:p>
+          <a:p>
+            <a:pPr marL="285750" indent="-285750">
+              <a:buFont typeface="Arial" charset="0"/>
+              <a:buChar char="•"/>
+            </a:pPr>
+            <a:r>
+              <a:rPr lang="it-IT" dirty="0"/>
               <a:t>L’utilizzo di distribuzioni statistiche ben conosciute può aiutare il processo di calibrazione</a:t>
             </a:r>
             <a:r>
-              <a:rPr lang="it-IT" dirty="0" smtClean="0">
+              <a:rPr lang="it-IT" dirty="0">
                 <a:effectLst/>
               </a:rPr>
               <a:t> </a:t>
@@ -21633,13 +20736,6 @@
   <p:clrMapOvr>
     <a:masterClrMapping/>
   </p:clrMapOvr>
-  <p:timing>
-    <p:tnLst>
-      <p:par>
-        <p:cTn id="1" dur="indefinite" restart="never" nodeType="tmRoot"/>
-      </p:par>
-    </p:tnLst>
-  </p:timing>
 </p:sld>
 </file>
 
@@ -21731,20 +20827,8 @@
           <a:p>
             <a:pPr algn="ctr"/>
             <a:r>
-              <a:rPr lang="it-IT" sz="1100" i="1" dirty="0" smtClean="0"/>
-              <a:t>ERIK HOLLER  </a:t>
-            </a:r>
-            <a:r>
               <a:rPr lang="it-IT" sz="1100" i="1" dirty="0"/>
-              <a:t>- </a:t>
-            </a:r>
-            <a:r>
-              <a:rPr lang="it-IT" sz="1100" i="1" dirty="0" smtClean="0"/>
-              <a:t>ELIA SCARPARO- </a:t>
-            </a:r>
-            <a:r>
-              <a:rPr lang="it-IT" sz="1100" i="1" dirty="0"/>
-              <a:t>STEFANO ZAMPIERO</a:t>
+              <a:t>ERIK HOLLER  - ELIA SCARPARO- STEFANO ZAMPIERO</a:t>
             </a:r>
           </a:p>
         </p:txBody>
@@ -21772,18 +20856,9 @@
           <a:lstStyle/>
           <a:p>
             <a:r>
-              <a:rPr lang="it-IT" sz="1400" i="1" dirty="0" smtClean="0"/>
-              <a:t>LABORATORIO DI SIMULAZIONI FINANZIARIE A.A</a:t>
-            </a:r>
-            <a:r>
               <a:rPr lang="it-IT" sz="1400" i="1" dirty="0"/>
-              <a:t>. </a:t>
-            </a:r>
-            <a:r>
-              <a:rPr lang="it-IT" sz="1400" i="1" dirty="0" smtClean="0"/>
-              <a:t>2017-2018</a:t>
-            </a:r>
-            <a:endParaRPr lang="it-IT" sz="1400" i="1" dirty="0"/>
+              <a:t>LABORATORIO DI SIMULAZIONI FINANZIARIE A.A. 2017-2018</a:t>
+            </a:r>
           </a:p>
         </p:txBody>
       </p:sp>
@@ -21811,10 +20886,9 @@
           <a:p>
             <a:pPr algn="ctr"/>
             <a:r>
-              <a:rPr lang="it-IT" sz="4000" dirty="0" smtClean="0"/>
+              <a:rPr lang="it-IT" sz="4000" dirty="0"/>
               <a:t>Limiti</a:t>
             </a:r>
-            <a:endParaRPr lang="it-IT" sz="4000" dirty="0"/>
           </a:p>
         </p:txBody>
       </p:sp>
@@ -21844,7 +20918,7 @@
               <a:buFont typeface="Arial" charset="0"/>
               <a:buChar char="•"/>
             </a:pPr>
-            <a:endParaRPr lang="it-IT" dirty="0" smtClean="0"/>
+            <a:endParaRPr lang="it-IT" dirty="0"/>
           </a:p>
           <a:p>
             <a:pPr marL="285750" lvl="1" indent="-285750">
@@ -21852,30 +20926,9 @@
               <a:buChar char="•"/>
             </a:pPr>
             <a:r>
-              <a:rPr lang="it-IT" sz="2000" dirty="0" smtClean="0"/>
-              <a:t>E’ un modello ad alta intensità di dati.</a:t>
-            </a:r>
-            <a:r>
               <a:rPr lang="it-IT" sz="2000" dirty="0"/>
-              <a:t> Per applicare questo metodo in modo coerente in tutta l'organizzazione, è necessaria una serie di dati completa riguardante gli eventi di perdita.  +              <a:t>E’ un modello ad alta intensità di dati. Per applicare questo metodo in modo coerente in tutta l'organizzazione, è necessaria una serie di dati completa riguardante gli eventi di perdita.   </a:t>
-            </a:r>
-          </a:p>
-          <a:p>
-            <a:pPr marL="285750" indent="-285750">
-              <a:buFont typeface="Arial" charset="0"/>
-              <a:buChar char="•"/>
-            </a:pPr>
-            <a:endParaRPr lang="it-IT" sz="2000" dirty="0" smtClean="0"/>
-          </a:p>
-          <a:p>
-            <a:pPr marL="285750" indent="-285750">
-              <a:buFont typeface="Arial" charset="0"/>
-              <a:buChar char="•"/>
-            </a:pPr>
-            <a:r>
-              <a:rPr lang="it-IT" sz="2000" dirty="0" smtClean="0"/>
-              <a:t>E’ necessario un vasto campione statistico strutturato e qualitativamente adeguato</a:t>
             </a:r>
           </a:p>
           <a:p>
@@ -21892,6 +20945,23 @@
             </a:pPr>
             <a:r>
               <a:rPr lang="it-IT" sz="2000" dirty="0"/>
+              <a:t>E’ necessario un vasto campione statistico strutturato e qualitativamente adeguato</a:t>
+            </a:r>
+          </a:p>
+          <a:p>
+            <a:pPr marL="285750" indent="-285750">
+              <a:buFont typeface="Arial" charset="0"/>
+              <a:buChar char="•"/>
+            </a:pPr>
+            <a:endParaRPr lang="it-IT" sz="2000" dirty="0"/>
+          </a:p>
+          <a:p>
+            <a:pPr marL="285750" indent="-285750">
+              <a:buFont typeface="Arial" charset="0"/>
+              <a:buChar char="•"/>
+            </a:pPr>
+            <a:r>
+              <a:rPr lang="it-IT" sz="2000" dirty="0"/>
               <a:t>L’assunzione di indipendenza tra la distribuzione di </a:t>
             </a:r>
             <a:r>
@@ -21910,7 +20980,6 @@
               <a:rPr lang="it-IT" sz="2000" dirty="0"/>
               <a:t> costituisce un grosso limite. </a:t>
             </a:r>
-            <a:endParaRPr lang="it-IT" sz="2000" dirty="0" smtClean="0"/>
           </a:p>
           <a:p>
             <a:pPr marL="285750" indent="-285750">
@@ -21931,13 +21000,6 @@
   <p:clrMapOvr>
     <a:masterClrMapping/>
   </p:clrMapOvr>
-  <p:timing>
-    <p:tnLst>
-      <p:par>
-        <p:cTn id="1" dur="indefinite" restart="never" nodeType="tmRoot"/>
-      </p:par>
-    </p:tnLst>
-  </p:timing>
 </p:sld>
 </file>
 
@@ -22209,10 +21271,9 @@
               <a:defRPr/>
             </a:pPr>
             <a:r>
-              <a:rPr lang="it-IT" sz="4000" dirty="0" smtClean="0"/>
+              <a:rPr lang="it-IT" sz="4000" dirty="0"/>
               <a:t>Fonti</a:t>
             </a:r>
-            <a:endParaRPr lang="it-IT" sz="4000" dirty="0"/>
           </a:p>
         </p:txBody>
       </p:sp>
@@ -22240,20 +21301,8 @@
           <a:p>
             <a:pPr algn="ctr"/>
             <a:r>
-              <a:rPr lang="it-IT" sz="1400" i="1" dirty="0" smtClean="0"/>
-              <a:t>ERIK HOLLER  </a:t>
-            </a:r>
-            <a:r>
               <a:rPr lang="it-IT" sz="1400" i="1" dirty="0"/>
-              <a:t>- </a:t>
-            </a:r>
-            <a:r>
-              <a:rPr lang="it-IT" sz="1400" i="1" dirty="0" smtClean="0"/>
-              <a:t>ELIA SCARPARO- </a:t>
-            </a:r>
-            <a:r>
-              <a:rPr lang="it-IT" sz="1400" i="1" dirty="0"/>
-              <a:t>STEFANO ZAMPIERO</a:t>
+              <a:t>ERIK HOLLER  - ELIA SCARPARO- STEFANO ZAMPIERO</a:t>
             </a:r>
           </a:p>
         </p:txBody>
@@ -22281,18 +21330,9 @@
           <a:lstStyle/>
           <a:p>
             <a:r>
-              <a:rPr lang="it-IT" sz="1400" i="1" dirty="0" smtClean="0"/>
-              <a:t>LABORATORIO DI SIMULAZIONI FINANZIARIE A.A</a:t>
-            </a:r>
-            <a:r>
               <a:rPr lang="it-IT" sz="1400" i="1" dirty="0"/>
-              <a:t>. </a:t>
-            </a:r>
-            <a:r>
-              <a:rPr lang="it-IT" sz="1400" i="1" dirty="0" smtClean="0"/>
-              <a:t>2017-2018</a:t>
-            </a:r>
-            <a:endParaRPr lang="it-IT" sz="1400" i="1" dirty="0"/>
+              <a:t>LABORATORIO DI SIMULAZIONI FINANZIARIE A.A. 2017-2018</a:t>
+            </a:r>
           </a:p>
         </p:txBody>
       </p:sp>
@@ -22301,7 +21341,7 @@
           <p:cNvPr id="10" name="Segnaposto contenuto 2">
             <a:extLst>
               <a:ext uri="{FF2B5EF4-FFF2-40B4-BE49-F238E27FC236}">
-                <a16:creationId xmlns="" xmlns:a16="http://schemas.microsoft.com/office/drawing/2014/main" id="{3E1B8146-377A-4E32-B838-476B02B1AB2C}"/>
+                <a16:creationId xmlns:a16="http://schemas.microsoft.com/office/drawing/2014/main" id="{3E1B8146-377A-4E32-B838-476B02B1AB2C}"/>
               </a:ext>
             </a:extLst>
           </p:cNvPr>
@@ -22490,109 +21530,109 @@
           <a:p>
             <a:pPr algn="l"/>
             <a:r>
-              <a:rPr lang="it-IT" sz="1800" i="1" dirty="0" err="1" smtClean="0">
+              <a:rPr lang="it-IT" sz="1800" i="1" dirty="0" err="1">
                 <a:cs typeface="Times New Roman" panose="02020603050405020304" pitchFamily="18" charset="0"/>
               </a:rPr>
               <a:t>Loss</a:t>
             </a:r>
             <a:r>
-              <a:rPr lang="it-IT" sz="1800" i="1" dirty="0" smtClean="0">
+              <a:rPr lang="it-IT" sz="1800" i="1" dirty="0">
                 <a:cs typeface="Times New Roman" panose="02020603050405020304" pitchFamily="18" charset="0"/>
               </a:rPr>
               <a:t> Distribution </a:t>
             </a:r>
             <a:r>
-              <a:rPr lang="it-IT" sz="1800" i="1" dirty="0" err="1" smtClean="0">
+              <a:rPr lang="it-IT" sz="1800" i="1" dirty="0" err="1">
                 <a:cs typeface="Times New Roman" panose="02020603050405020304" pitchFamily="18" charset="0"/>
               </a:rPr>
               <a:t>Approach</a:t>
             </a:r>
             <a:r>
-              <a:rPr lang="it-IT" sz="1800" i="1" dirty="0" smtClean="0">
+              <a:rPr lang="it-IT" sz="1800" i="1" dirty="0">
                 <a:cs typeface="Times New Roman" panose="02020603050405020304" pitchFamily="18" charset="0"/>
               </a:rPr>
               <a:t> for </a:t>
             </a:r>
             <a:r>
-              <a:rPr lang="it-IT" sz="1800" i="1" dirty="0" err="1" smtClean="0">
+              <a:rPr lang="it-IT" sz="1800" i="1" dirty="0" err="1">
                 <a:cs typeface="Times New Roman" panose="02020603050405020304" pitchFamily="18" charset="0"/>
               </a:rPr>
               <a:t>operational</a:t>
             </a:r>
             <a:r>
-              <a:rPr lang="it-IT" sz="1800" i="1" dirty="0" smtClean="0">
+              <a:rPr lang="it-IT" sz="1800" i="1" dirty="0">
                 <a:cs typeface="Times New Roman" panose="02020603050405020304" pitchFamily="18" charset="0"/>
               </a:rPr>
               <a:t> </a:t>
             </a:r>
             <a:r>
-              <a:rPr lang="it-IT" sz="1800" i="1" dirty="0" err="1" smtClean="0">
+              <a:rPr lang="it-IT" sz="1800" i="1" dirty="0" err="1">
                 <a:cs typeface="Times New Roman" panose="02020603050405020304" pitchFamily="18" charset="0"/>
               </a:rPr>
               <a:t>risk</a:t>
             </a:r>
             <a:r>
-              <a:rPr lang="it-IT" sz="1800" i="1" dirty="0" smtClean="0">
+              <a:rPr lang="it-IT" sz="1800" i="1" dirty="0">
                 <a:cs typeface="Times New Roman" panose="02020603050405020304" pitchFamily="18" charset="0"/>
               </a:rPr>
               <a:t>, A. </a:t>
             </a:r>
             <a:r>
-              <a:rPr lang="it-IT" sz="1800" i="1" dirty="0" err="1" smtClean="0">
+              <a:rPr lang="it-IT" sz="1800" i="1" dirty="0" err="1">
                 <a:cs typeface="Times New Roman" panose="02020603050405020304" pitchFamily="18" charset="0"/>
               </a:rPr>
               <a:t>Frachot</a:t>
             </a:r>
             <a:r>
-              <a:rPr lang="it-IT" sz="1800" i="1" dirty="0" smtClean="0">
+              <a:rPr lang="it-IT" sz="1800" i="1" dirty="0">
                 <a:cs typeface="Times New Roman" panose="02020603050405020304" pitchFamily="18" charset="0"/>
               </a:rPr>
               <a:t>, P. Georges &amp; T. </a:t>
             </a:r>
             <a:r>
-              <a:rPr lang="it-IT" sz="1800" i="1" dirty="0" err="1" smtClean="0">
+              <a:rPr lang="it-IT" sz="1800" i="1" dirty="0" err="1">
                 <a:cs typeface="Times New Roman" panose="02020603050405020304" pitchFamily="18" charset="0"/>
               </a:rPr>
               <a:t>Roncalliy</a:t>
             </a:r>
             <a:r>
-              <a:rPr lang="it-IT" sz="1800" i="1" dirty="0" smtClean="0">
+              <a:rPr lang="it-IT" sz="1800" i="1" dirty="0">
                 <a:cs typeface="Times New Roman" panose="02020603050405020304" pitchFamily="18" charset="0"/>
               </a:rPr>
               <a:t>, </a:t>
             </a:r>
             <a:r>
-              <a:rPr lang="it-IT" sz="1800" i="1" dirty="0" err="1" smtClean="0">
+              <a:rPr lang="it-IT" sz="1800" i="1" dirty="0" err="1">
                 <a:cs typeface="Times New Roman" panose="02020603050405020304" pitchFamily="18" charset="0"/>
               </a:rPr>
               <a:t>Groupe</a:t>
             </a:r>
             <a:r>
-              <a:rPr lang="it-IT" sz="1800" i="1" dirty="0" smtClean="0">
+              <a:rPr lang="it-IT" sz="1800" i="1" dirty="0">
                 <a:cs typeface="Times New Roman" panose="02020603050405020304" pitchFamily="18" charset="0"/>
               </a:rPr>
               <a:t> de </a:t>
             </a:r>
             <a:r>
-              <a:rPr lang="it-IT" sz="1800" i="1" dirty="0" err="1" smtClean="0">
+              <a:rPr lang="it-IT" sz="1800" i="1" dirty="0" err="1">
                 <a:cs typeface="Times New Roman" panose="02020603050405020304" pitchFamily="18" charset="0"/>
               </a:rPr>
               <a:t>Recherche</a:t>
             </a:r>
             <a:r>
-              <a:rPr lang="it-IT" sz="1800" i="1" dirty="0" smtClean="0">
+              <a:rPr lang="it-IT" sz="1800" i="1" dirty="0">
                 <a:cs typeface="Times New Roman" panose="02020603050405020304" pitchFamily="18" charset="0"/>
               </a:rPr>
               <a:t> </a:t>
             </a:r>
             <a:r>
-              <a:rPr lang="it-IT" sz="1800" i="1" dirty="0" err="1" smtClean="0">
+              <a:rPr lang="it-IT" sz="1800" i="1" dirty="0" err="1">
                 <a:cs typeface="Times New Roman" panose="02020603050405020304" pitchFamily="18" charset="0"/>
               </a:rPr>
               <a:t>Operationnelle</a:t>
             </a:r>
             <a:r>
-              <a:rPr lang="it-IT" sz="1800" i="1" dirty="0" smtClean="0">
+              <a:rPr lang="it-IT" sz="1800" i="1" dirty="0">
                 <a:cs typeface="Times New Roman" panose="02020603050405020304" pitchFamily="18" charset="0"/>
               </a:rPr>
               <a:t>, Credit Lyonnais, France </a:t>
@@ -22601,115 +21641,115 @@
           <a:p>
             <a:pPr algn="l"/>
             <a:r>
-              <a:rPr lang="it-IT" sz="1800" i="1" dirty="0" smtClean="0">
+              <a:rPr lang="it-IT" sz="1800" i="1" dirty="0">
                 <a:cs typeface="Times New Roman" panose="02020603050405020304" pitchFamily="18" charset="0"/>
               </a:rPr>
               <a:t>[</a:t>
             </a:r>
             <a:r>
-              <a:rPr lang="it-IT" sz="1800" i="1" dirty="0" err="1" smtClean="0">
+              <a:rPr lang="it-IT" sz="1800" i="1" dirty="0" err="1">
                 <a:cs typeface="Times New Roman" panose="02020603050405020304" pitchFamily="18" charset="0"/>
               </a:rPr>
               <a:t>Wiley</a:t>
             </a:r>
             <a:r>
-              <a:rPr lang="it-IT" sz="1800" i="1" dirty="0" smtClean="0">
+              <a:rPr lang="it-IT" sz="1800" i="1" dirty="0">
                 <a:cs typeface="Times New Roman" panose="02020603050405020304" pitchFamily="18" charset="0"/>
               </a:rPr>
               <a:t> Series in </a:t>
             </a:r>
             <a:r>
-              <a:rPr lang="it-IT" sz="1800" i="1" dirty="0" err="1" smtClean="0">
+              <a:rPr lang="it-IT" sz="1800" i="1" dirty="0" err="1">
                 <a:cs typeface="Times New Roman" panose="02020603050405020304" pitchFamily="18" charset="0"/>
               </a:rPr>
               <a:t>Probability</a:t>
             </a:r>
             <a:r>
-              <a:rPr lang="it-IT" sz="1800" i="1" dirty="0" smtClean="0">
+              <a:rPr lang="it-IT" sz="1800" i="1" dirty="0">
                 <a:cs typeface="Times New Roman" panose="02020603050405020304" pitchFamily="18" charset="0"/>
               </a:rPr>
               <a:t> and </a:t>
             </a:r>
             <a:r>
-              <a:rPr lang="it-IT" sz="1800" i="1" dirty="0" err="1" smtClean="0">
+              <a:rPr lang="it-IT" sz="1800" i="1" dirty="0" err="1">
                 <a:cs typeface="Times New Roman" panose="02020603050405020304" pitchFamily="18" charset="0"/>
               </a:rPr>
               <a:t>Statistics</a:t>
             </a:r>
             <a:r>
-              <a:rPr lang="it-IT" sz="1800" i="1" dirty="0" smtClean="0">
+              <a:rPr lang="it-IT" sz="1800" i="1" dirty="0">
                 <a:cs typeface="Times New Roman" panose="02020603050405020304" pitchFamily="18" charset="0"/>
               </a:rPr>
               <a:t>] </a:t>
             </a:r>
             <a:r>
-              <a:rPr lang="it-IT" sz="1800" i="1" dirty="0" err="1" smtClean="0">
+              <a:rPr lang="it-IT" sz="1800" i="1" dirty="0" err="1">
                 <a:cs typeface="Times New Roman" panose="02020603050405020304" pitchFamily="18" charset="0"/>
               </a:rPr>
               <a:t>Klugman</a:t>
             </a:r>
             <a:r>
-              <a:rPr lang="it-IT" sz="1800" i="1" dirty="0" smtClean="0">
+              <a:rPr lang="it-IT" sz="1800" i="1" dirty="0">
                 <a:cs typeface="Times New Roman" panose="02020603050405020304" pitchFamily="18" charset="0"/>
               </a:rPr>
               <a:t>, S.A. and </a:t>
             </a:r>
             <a:r>
-              <a:rPr lang="it-IT" sz="1800" i="1" dirty="0" err="1" smtClean="0">
+              <a:rPr lang="it-IT" sz="1800" i="1" dirty="0" err="1">
                 <a:cs typeface="Times New Roman" panose="02020603050405020304" pitchFamily="18" charset="0"/>
               </a:rPr>
               <a:t>Panjer</a:t>
             </a:r>
             <a:r>
-              <a:rPr lang="it-IT" sz="1800" i="1" dirty="0" smtClean="0">
+              <a:rPr lang="it-IT" sz="1800" i="1" dirty="0">
                 <a:cs typeface="Times New Roman" panose="02020603050405020304" pitchFamily="18" charset="0"/>
               </a:rPr>
               <a:t>, H.H. and </a:t>
             </a:r>
             <a:r>
-              <a:rPr lang="it-IT" sz="1800" i="1" dirty="0" err="1" smtClean="0">
+              <a:rPr lang="it-IT" sz="1800" i="1" dirty="0" err="1">
                 <a:cs typeface="Times New Roman" panose="02020603050405020304" pitchFamily="18" charset="0"/>
               </a:rPr>
               <a:t>Wilmt</a:t>
             </a:r>
             <a:r>
-              <a:rPr lang="it-IT" sz="1800" i="1" dirty="0" smtClean="0">
+              <a:rPr lang="it-IT" sz="1800" i="1" dirty="0">
                 <a:cs typeface="Times New Roman" panose="02020603050405020304" pitchFamily="18" charset="0"/>
               </a:rPr>
               <a:t>, G.E. – </a:t>
             </a:r>
             <a:r>
-              <a:rPr lang="it-IT" sz="1800" i="1" dirty="0" err="1" smtClean="0">
+              <a:rPr lang="it-IT" sz="1800" i="1" dirty="0" err="1">
                 <a:cs typeface="Times New Roman" panose="02020603050405020304" pitchFamily="18" charset="0"/>
               </a:rPr>
               <a:t>Loss</a:t>
             </a:r>
             <a:r>
-              <a:rPr lang="it-IT" sz="1800" i="1" dirty="0" smtClean="0">
+              <a:rPr lang="it-IT" sz="1800" i="1" dirty="0">
                 <a:cs typeface="Times New Roman" panose="02020603050405020304" pitchFamily="18" charset="0"/>
               </a:rPr>
               <a:t> </a:t>
             </a:r>
             <a:r>
-              <a:rPr lang="it-IT" sz="1800" i="1" dirty="0" err="1" smtClean="0">
+              <a:rPr lang="it-IT" sz="1800" i="1" dirty="0" err="1">
                 <a:cs typeface="Times New Roman" panose="02020603050405020304" pitchFamily="18" charset="0"/>
               </a:rPr>
               <a:t>Models_From</a:t>
             </a:r>
             <a:r>
-              <a:rPr lang="it-IT" sz="1800" i="1" dirty="0" smtClean="0">
+              <a:rPr lang="it-IT" sz="1800" i="1" dirty="0">
                 <a:cs typeface="Times New Roman" panose="02020603050405020304" pitchFamily="18" charset="0"/>
               </a:rPr>
               <a:t> Data to </a:t>
             </a:r>
             <a:r>
-              <a:rPr lang="it-IT" sz="1800" i="1" dirty="0" err="1" smtClean="0">
+              <a:rPr lang="it-IT" sz="1800" i="1" dirty="0" err="1">
                 <a:cs typeface="Times New Roman" panose="02020603050405020304" pitchFamily="18" charset="0"/>
               </a:rPr>
               <a:t>Desicions</a:t>
             </a:r>
             <a:r>
-              <a:rPr lang="it-IT" sz="1800" i="1" dirty="0" smtClean="0">
+              <a:rPr lang="it-IT" sz="1800" i="1" dirty="0">
                 <a:cs typeface="Times New Roman" panose="02020603050405020304" pitchFamily="18" charset="0"/>
               </a:rPr>
               <a:t>, 2012</a:t>
@@ -22718,19 +21758,19 @@
           <a:p>
             <a:pPr algn="l"/>
             <a:r>
-              <a:rPr lang="it-IT" sz="1800" i="1" dirty="0" smtClean="0">
+              <a:rPr lang="it-IT" sz="1800" i="1" dirty="0">
                 <a:cs typeface="Times New Roman" panose="02020603050405020304" pitchFamily="18" charset="0"/>
               </a:rPr>
               <a:t>Presentazione PPT del Professor Michele </a:t>
             </a:r>
             <a:r>
-              <a:rPr lang="it-IT" sz="1800" i="1" dirty="0" err="1" smtClean="0">
+              <a:rPr lang="it-IT" sz="1800" i="1" dirty="0" err="1">
                 <a:cs typeface="Times New Roman" panose="02020603050405020304" pitchFamily="18" charset="0"/>
               </a:rPr>
               <a:t>Bonollo</a:t>
             </a:r>
             <a:r>
-              <a:rPr lang="it-IT" sz="1800" i="1" dirty="0" smtClean="0">
+              <a:rPr lang="it-IT" sz="1800" i="1" dirty="0">
                 <a:cs typeface="Times New Roman" panose="02020603050405020304" pitchFamily="18" charset="0"/>
               </a:rPr>
               <a:t> dell’Università degli Studi di Padova sul tema: Rischi Operativi e Basilea 2. Modelli, metodi e problematiche applicative. </a:t>
@@ -22739,7 +21779,7 @@
           <a:p>
             <a:pPr algn="l"/>
             <a:r>
-              <a:rPr lang="it-IT" sz="1800" i="1" dirty="0" smtClean="0">
+              <a:rPr lang="it-IT" sz="1800" i="1" dirty="0">
                 <a:cs typeface="Times New Roman" panose="02020603050405020304" pitchFamily="18" charset="0"/>
               </a:rPr>
               <a:t>Presentazione PPT della Professoressa Simona Cosma dell’Università del Salento sul tema: Il calcolo del VAR operativo mediante la metodologia stocastica parametrica. </a:t>
@@ -22748,7 +21788,7 @@
           <a:p>
             <a:pPr algn="l"/>
             <a:r>
-              <a:rPr lang="it-IT" sz="1800" i="1" dirty="0" smtClean="0">
+              <a:rPr lang="it-IT" sz="1800" i="1" dirty="0">
                 <a:cs typeface="Times New Roman" panose="02020603050405020304" pitchFamily="18" charset="0"/>
               </a:rPr>
               <a:t>Lezione n. 5. - 28/3/03. Università degli Studi di Roma Tre, sezione di Matematica. Dipartimento di Matematica e Fisica. </a:t>
@@ -22757,31 +21797,31 @@
           <a:p>
             <a:pPr algn="l"/>
             <a:r>
-              <a:rPr lang="it-IT" sz="1800" i="1" dirty="0" smtClean="0">
+              <a:rPr lang="it-IT" sz="1800" i="1" dirty="0">
                 <a:cs typeface="Times New Roman" panose="02020603050405020304" pitchFamily="18" charset="0"/>
               </a:rPr>
               <a:t>Tesi di Laurea Magistrale del Dott. Giacomo </a:t>
             </a:r>
             <a:r>
-              <a:rPr lang="it-IT" sz="1800" i="1" dirty="0" err="1" smtClean="0">
+              <a:rPr lang="it-IT" sz="1800" i="1" dirty="0" err="1">
                 <a:cs typeface="Times New Roman" panose="02020603050405020304" pitchFamily="18" charset="0"/>
               </a:rPr>
               <a:t>Fasiolo</a:t>
             </a:r>
             <a:r>
-              <a:rPr lang="it-IT" sz="1800" i="1" dirty="0" smtClean="0">
+              <a:rPr lang="it-IT" sz="1800" i="1" dirty="0">
                 <a:cs typeface="Times New Roman" panose="02020603050405020304" pitchFamily="18" charset="0"/>
               </a:rPr>
               <a:t> Tozzo. Corso di Laurea: Economia e Finanza presso l’Università Ca’ </a:t>
             </a:r>
             <a:r>
-              <a:rPr lang="it-IT" sz="1800" i="1" dirty="0" err="1" smtClean="0">
+              <a:rPr lang="it-IT" sz="1800" i="1" dirty="0" err="1">
                 <a:cs typeface="Times New Roman" panose="02020603050405020304" pitchFamily="18" charset="0"/>
               </a:rPr>
               <a:t>Foscari</a:t>
             </a:r>
             <a:r>
-              <a:rPr lang="it-IT" sz="1800" i="1" dirty="0" smtClean="0">
+              <a:rPr lang="it-IT" sz="1800" i="1" dirty="0">
                 <a:cs typeface="Times New Roman" panose="02020603050405020304" pitchFamily="18" charset="0"/>
               </a:rPr>
               <a:t> di Venezia. Relatore: prof. Andrea Giacomelli. Anno accademico 2014 – 2015. Titolo della tesi: I Rischi Operativi. </a:t>
@@ -22790,19 +21830,19 @@
           <a:p>
             <a:pPr algn="l"/>
             <a:r>
-              <a:rPr lang="it-IT" sz="1800" i="1" dirty="0" smtClean="0">
+              <a:rPr lang="it-IT" sz="1800" i="1" dirty="0">
                 <a:cs typeface="Times New Roman" panose="02020603050405020304" pitchFamily="18" charset="0"/>
               </a:rPr>
               <a:t>Presentazione PPT della </a:t>
             </a:r>
             <a:r>
-              <a:rPr lang="it-IT" sz="1800" i="1" dirty="0" err="1" smtClean="0">
+              <a:rPr lang="it-IT" sz="1800" i="1" dirty="0" err="1">
                 <a:cs typeface="Times New Roman" panose="02020603050405020304" pitchFamily="18" charset="0"/>
               </a:rPr>
               <a:t>Prof.sa</a:t>
             </a:r>
             <a:r>
-              <a:rPr lang="it-IT" sz="1800" i="1" dirty="0" smtClean="0">
+              <a:rPr lang="it-IT" sz="1800" i="1" dirty="0">
                 <a:cs typeface="Times New Roman" panose="02020603050405020304" pitchFamily="18" charset="0"/>
               </a:rPr>
               <a:t> Damiana Costanzo dell’Università degli Studi della Calabria. </a:t>
@@ -22811,26 +21851,23 @@
           <a:p>
             <a:pPr algn="l"/>
             <a:r>
-              <a:rPr lang="it-IT" sz="1800" i="1" dirty="0" smtClean="0">
+              <a:rPr lang="it-IT" sz="1800" i="1" dirty="0">
                 <a:cs typeface="Times New Roman" panose="02020603050405020304" pitchFamily="18" charset="0"/>
               </a:rPr>
               <a:t>Presentazione PPT del Docente: Dott. L. </a:t>
             </a:r>
             <a:r>
-              <a:rPr lang="it-IT" sz="1800" i="1" dirty="0" err="1" smtClean="0">
+              <a:rPr lang="it-IT" sz="1800" i="1" dirty="0" err="1">
                 <a:cs typeface="Times New Roman" panose="02020603050405020304" pitchFamily="18" charset="0"/>
               </a:rPr>
               <a:t>Corain</a:t>
             </a:r>
             <a:r>
-              <a:rPr lang="it-IT" sz="1800" i="1" dirty="0" smtClean="0">
+              <a:rPr lang="it-IT" sz="1800" i="1" dirty="0">
                 <a:cs typeface="Times New Roman" panose="02020603050405020304" pitchFamily="18" charset="0"/>
               </a:rPr>
               <a:t> insegnante del Corso di laurea in Ingegneria Civile, Università degli Studi di Padova. Modelli Probabilistici. </a:t>
             </a:r>
-            <a:endParaRPr lang="it-IT" sz="1800" i="1" dirty="0">
-              <a:cs typeface="Times New Roman" panose="02020603050405020304" pitchFamily="18" charset="0"/>
-            </a:endParaRPr>
           </a:p>
         </p:txBody>
       </p:sp>
@@ -22844,13 +21881,6 @@
   <p:clrMapOvr>
     <a:masterClrMapping/>
   </p:clrMapOvr>
-  <p:timing>
-    <p:tnLst>
-      <p:par>
-        <p:cTn id="1" dur="indefinite" restart="never" nodeType="tmRoot"/>
-      </p:par>
-    </p:tnLst>
-  </p:timing>
 </p:sld>
 </file>
 
@@ -23122,10 +22152,9 @@
               <a:defRPr/>
             </a:pPr>
             <a:r>
-              <a:rPr lang="it-IT" sz="4000" dirty="0" smtClean="0"/>
+              <a:rPr lang="it-IT" sz="4000" dirty="0"/>
               <a:t>Grazie per l’attenzione!</a:t>
             </a:r>
-            <a:endParaRPr lang="it-IT" sz="4000" dirty="0"/>
           </a:p>
         </p:txBody>
       </p:sp>
@@ -23153,20 +22182,8 @@
           <a:p>
             <a:pPr algn="ctr"/>
             <a:r>
-              <a:rPr lang="it-IT" sz="1400" i="1" dirty="0" smtClean="0"/>
-              <a:t>ERIK HOLLER  </a:t>
-            </a:r>
-            <a:r>
               <a:rPr lang="it-IT" sz="1400" i="1" dirty="0"/>
-              <a:t>- </a:t>
-            </a:r>
-            <a:r>
-              <a:rPr lang="it-IT" sz="1400" i="1" dirty="0" smtClean="0"/>
-              <a:t>ELIA SCARPARO- </a:t>
-            </a:r>
-            <a:r>
-              <a:rPr lang="it-IT" sz="1400" i="1" dirty="0"/>
-              <a:t>STEFANO ZAMPIERO</a:t>
+              <a:t>ERIK HOLLER  - ELIA SCARPARO- STEFANO ZAMPIERO</a:t>
             </a:r>
           </a:p>
         </p:txBody>
@@ -23194,18 +22211,9 @@
           <a:lstStyle/>
           <a:p>
             <a:r>
-              <a:rPr lang="it-IT" sz="1400" i="1" dirty="0" smtClean="0"/>
-              <a:t>LABORATORIO DI SIMULAZIONI FINANZIARIE A.A</a:t>
-            </a:r>
-            <a:r>
               <a:rPr lang="it-IT" sz="1400" i="1" dirty="0"/>
-              <a:t>. </a:t>
-            </a:r>
-            <a:r>
-              <a:rPr lang="it-IT" sz="1400" i="1" dirty="0" smtClean="0"/>
-              <a:t>2017-2018</a:t>
-            </a:r>
-            <a:endParaRPr lang="it-IT" sz="1400" i="1" dirty="0"/>
+              <a:t>LABORATORIO DI SIMULAZIONI FINANZIARIE A.A. 2017-2018</a:t>
+            </a:r>
           </a:p>
         </p:txBody>
       </p:sp>
@@ -23219,13 +22227,6 @@
   <p:clrMapOvr>
     <a:masterClrMapping/>
   </p:clrMapOvr>
-  <p:timing>
-    <p:tnLst>
-      <p:par>
-        <p:cTn id="1" dur="indefinite" restart="never" nodeType="tmRoot"/>
-      </p:par>
-    </p:tnLst>
-  </p:timing>
 </p:sld>
 </file>
 
@@ -23288,14 +22289,11 @@
           </a:lstStyle>
           <a:p>
             <a:r>
-              <a:rPr lang="it-IT" sz="4000" dirty="0" smtClean="0">
+              <a:rPr lang="it-IT" sz="4000" dirty="0">
                 <a:latin typeface="+mn-lt"/>
               </a:rPr>
               <a:t>Definizione di rischio operativo </a:t>
             </a:r>
-            <a:endParaRPr lang="it-IT" sz="4000" dirty="0">
-              <a:latin typeface="+mn-lt"/>
-            </a:endParaRPr>
           </a:p>
         </p:txBody>
       </p:sp>
@@ -23323,20 +22321,8 @@
           <a:p>
             <a:pPr algn="ctr"/>
             <a:r>
-              <a:rPr lang="it-IT" sz="1100" i="1" dirty="0" smtClean="0"/>
-              <a:t>ERIK HOLLER  </a:t>
-            </a:r>
-            <a:r>
               <a:rPr lang="it-IT" sz="1100" i="1" dirty="0"/>
-              <a:t>- </a:t>
-            </a:r>
-            <a:r>
-              <a:rPr lang="it-IT" sz="1100" i="1" dirty="0" smtClean="0"/>
-              <a:t>ELIA SCARPARO- </a:t>
-            </a:r>
-            <a:r>
-              <a:rPr lang="it-IT" sz="1100" i="1" dirty="0"/>
-              <a:t>STEFANO ZAMPIERO</a:t>
+              <a:t>ERIK HOLLER  - ELIA SCARPARO- STEFANO ZAMPIERO</a:t>
             </a:r>
           </a:p>
         </p:txBody>
@@ -23364,18 +22350,9 @@
           <a:lstStyle/>
           <a:p>
             <a:r>
-              <a:rPr lang="it-IT" sz="1400" i="1" dirty="0" smtClean="0"/>
-              <a:t>LABORATORIO DI SIMULAZIONI FINANZIARIE A.A</a:t>
-            </a:r>
-            <a:r>
               <a:rPr lang="it-IT" sz="1400" i="1" dirty="0"/>
-              <a:t>. </a:t>
-            </a:r>
-            <a:r>
-              <a:rPr lang="it-IT" sz="1400" i="1" dirty="0" smtClean="0"/>
-              <a:t>2017-2018</a:t>
-            </a:r>
-            <a:endParaRPr lang="it-IT" sz="1400" i="1" dirty="0"/>
+              <a:t>LABORATORIO DI SIMULAZIONI FINANZIARIE A.A. 2017-2018</a:t>
+            </a:r>
           </a:p>
         </p:txBody>
       </p:sp>
@@ -23384,7 +22361,7 @@
           <p:cNvPr id="10" name="Segnaposto contenuto 2">
             <a:extLst>
               <a:ext uri="{FF2B5EF4-FFF2-40B4-BE49-F238E27FC236}">
-                <a16:creationId xmlns="" xmlns:a16="http://schemas.microsoft.com/office/drawing/2014/main" id="{3E1B8146-377A-4E32-B838-476B02B1AB2C}"/>
+                <a16:creationId xmlns:a16="http://schemas.microsoft.com/office/drawing/2014/main" id="{3E1B8146-377A-4E32-B838-476B02B1AB2C}"/>
               </a:ext>
             </a:extLst>
           </p:cNvPr>
@@ -23572,7 +22549,7 @@
           </a:lstStyle>
           <a:p>
             <a:r>
-              <a:rPr lang="it-IT" sz="2600" i="1" dirty="0" smtClean="0">
+              <a:rPr lang="it-IT" sz="2600" i="1" dirty="0">
                 <a:latin typeface="Abadi MT Condensed Light" charset="0"/>
                 <a:ea typeface="Abadi MT Condensed Light" charset="0"/>
                 <a:cs typeface="Abadi MT Condensed Light" charset="0"/>
@@ -23580,7 +22557,7 @@
               <a:t>“ </a:t>
             </a:r>
             <a:r>
-              <a:rPr lang="it-IT" sz="2600" i="1" dirty="0" smtClean="0">
+              <a:rPr lang="it-IT" sz="2600" i="1" dirty="0">
                 <a:ea typeface="Abadi MT Condensed Light" charset="0"/>
                 <a:cs typeface="Abadi MT Condensed Light" charset="0"/>
               </a:rPr>
@@ -23588,18 +22565,18 @@
             </a:r>
           </a:p>
           <a:p>
-            <a:endParaRPr lang="it-IT" sz="2600" dirty="0" smtClean="0">
+            <a:endParaRPr lang="it-IT" sz="2600" dirty="0">
               <a:cs typeface="Times New Roman" panose="02020603050405020304" pitchFamily="18" charset="0"/>
             </a:endParaRPr>
           </a:p>
           <a:p>
-            <a:endParaRPr lang="it-IT" sz="2600" dirty="0" smtClean="0">
+            <a:endParaRPr lang="it-IT" sz="2600" dirty="0">
               <a:cs typeface="Times New Roman" panose="02020603050405020304" pitchFamily="18" charset="0"/>
             </a:endParaRPr>
           </a:p>
           <a:p>
             <a:r>
-              <a:rPr lang="it-IT" sz="2600" dirty="0" smtClean="0">
+              <a:rPr lang="it-IT" sz="2600" dirty="0">
                 <a:cs typeface="Times New Roman" panose="02020603050405020304" pitchFamily="18" charset="0"/>
               </a:rPr>
               <a:t>Ogni banca deve maturare una definizione interna di rischi operativi, classificandoli in base ai vari fattori di rischio che possono presentarsi in ogni business line</a:t>
@@ -23608,32 +22585,29 @@
           <a:p>
             <a:pPr algn="r"/>
             <a:r>
-              <a:rPr lang="it-IT" sz="1200" dirty="0" err="1" smtClean="0">
+              <a:rPr lang="it-IT" sz="1200" dirty="0" err="1">
                 <a:cs typeface="Times New Roman" panose="02020603050405020304" pitchFamily="18" charset="0"/>
               </a:rPr>
               <a:t>Working</a:t>
             </a:r>
             <a:r>
-              <a:rPr lang="it-IT" sz="1200" dirty="0" smtClean="0">
+              <a:rPr lang="it-IT" sz="1200" dirty="0">
                 <a:cs typeface="Times New Roman" panose="02020603050405020304" pitchFamily="18" charset="0"/>
               </a:rPr>
               <a:t> </a:t>
             </a:r>
             <a:r>
-              <a:rPr lang="it-IT" sz="1200" dirty="0" err="1" smtClean="0">
+              <a:rPr lang="it-IT" sz="1200" dirty="0" err="1">
                 <a:cs typeface="Times New Roman" panose="02020603050405020304" pitchFamily="18" charset="0"/>
               </a:rPr>
               <a:t>paper</a:t>
             </a:r>
             <a:r>
-              <a:rPr lang="it-IT" sz="1200" dirty="0" smtClean="0">
+              <a:rPr lang="it-IT" sz="1200" dirty="0">
                 <a:cs typeface="Times New Roman" panose="02020603050405020304" pitchFamily="18" charset="0"/>
               </a:rPr>
               <a:t> 09/2001, Comitato di Basilea</a:t>
             </a:r>
-            <a:endParaRPr lang="it-IT" sz="1200" dirty="0">
-              <a:cs typeface="Times New Roman" panose="02020603050405020304" pitchFamily="18" charset="0"/>
-            </a:endParaRPr>
           </a:p>
         </p:txBody>
       </p:sp>
@@ -23647,13 +22621,6 @@
   <p:clrMapOvr>
     <a:masterClrMapping/>
   </p:clrMapOvr>
-  <p:timing>
-    <p:tnLst>
-      <p:par>
-        <p:cTn id="1" dur="indefinite" restart="never" nodeType="tmRoot"/>
-      </p:par>
-    </p:tnLst>
-  </p:timing>
 </p:sld>
 </file>
 
@@ -23716,14 +22683,11 @@
           </a:lstStyle>
           <a:p>
             <a:r>
-              <a:rPr lang="it-IT" sz="4000" dirty="0" smtClean="0">
+              <a:rPr lang="it-IT" sz="4000" dirty="0">
                 <a:latin typeface="+mn-lt"/>
               </a:rPr>
               <a:t> Fattori di rischio operativo</a:t>
             </a:r>
-            <a:endParaRPr lang="it-IT" sz="4000" dirty="0">
-              <a:latin typeface="+mn-lt"/>
-            </a:endParaRPr>
           </a:p>
         </p:txBody>
       </p:sp>
@@ -23751,20 +22715,8 @@
           <a:p>
             <a:pPr algn="ctr"/>
             <a:r>
-              <a:rPr lang="it-IT" sz="1100" i="1" dirty="0" smtClean="0"/>
-              <a:t>ERIK HOLLER  </a:t>
-            </a:r>
-            <a:r>
               <a:rPr lang="it-IT" sz="1100" i="1" dirty="0"/>
-              <a:t>- </a:t>
-            </a:r>
-            <a:r>
-              <a:rPr lang="it-IT" sz="1100" i="1" dirty="0" smtClean="0"/>
-              <a:t>ELIA SCARPARO- </a:t>
-            </a:r>
-            <a:r>
-              <a:rPr lang="it-IT" sz="1100" i="1" dirty="0"/>
-              <a:t>STEFANO ZAMPIERO</a:t>
+              <a:t>ERIK HOLLER  - ELIA SCARPARO- STEFANO ZAMPIERO</a:t>
             </a:r>
           </a:p>
         </p:txBody>
@@ -23792,18 +22744,9 @@
           <a:lstStyle/>
           <a:p>
             <a:r>
-              <a:rPr lang="it-IT" sz="1400" i="1" dirty="0" smtClean="0"/>
-              <a:t>LABORATORIO DI SIMULAZIONI FINANZIARIE A.A</a:t>
-            </a:r>
-            <a:r>
               <a:rPr lang="it-IT" sz="1400" i="1" dirty="0"/>
-              <a:t>. </a:t>
-            </a:r>
-            <a:r>
-              <a:rPr lang="it-IT" sz="1400" i="1" dirty="0" smtClean="0"/>
-              <a:t>2017-2018</a:t>
-            </a:r>
-            <a:endParaRPr lang="it-IT" sz="1400" i="1" dirty="0"/>
+              <a:t>LABORATORIO DI SIMULAZIONI FINANZIARIE A.A. 2017-2018</a:t>
+            </a:r>
           </a:p>
         </p:txBody>
       </p:sp>
@@ -23812,7 +22755,7 @@
           <p:cNvPr id="11" name="Segnaposto contenuto 2">
             <a:extLst>
               <a:ext uri="{FF2B5EF4-FFF2-40B4-BE49-F238E27FC236}">
-                <a16:creationId xmlns="" xmlns:a16="http://schemas.microsoft.com/office/drawing/2014/main" id="{B53D7EDB-63A5-46AB-A539-BDB397EA2FF9}"/>
+                <a16:creationId xmlns:a16="http://schemas.microsoft.com/office/drawing/2014/main" id="{B53D7EDB-63A5-46AB-A539-BDB397EA2FF9}"/>
               </a:ext>
             </a:extLst>
           </p:cNvPr>
@@ -23847,13 +22790,6 @@
   <p:clrMapOvr>
     <a:masterClrMapping/>
   </p:clrMapOvr>
-  <p:timing>
-    <p:tnLst>
-      <p:par>
-        <p:cTn id="1" dur="indefinite" restart="never" nodeType="tmRoot"/>
-      </p:par>
-    </p:tnLst>
-  </p:timing>
 </p:sld>
 </file>
 
@@ -23916,14 +22852,11 @@
           </a:lstStyle>
           <a:p>
             <a:r>
-              <a:rPr lang="it-IT" sz="4000" dirty="0" smtClean="0">
+              <a:rPr lang="it-IT" sz="4000" dirty="0">
                 <a:latin typeface="+mn-lt"/>
               </a:rPr>
               <a:t> Business line</a:t>
             </a:r>
-            <a:endParaRPr lang="it-IT" sz="4000" dirty="0">
-              <a:latin typeface="+mn-lt"/>
-            </a:endParaRPr>
           </a:p>
         </p:txBody>
       </p:sp>
@@ -23951,20 +22884,8 @@
           <a:p>
             <a:pPr algn="ctr"/>
             <a:r>
-              <a:rPr lang="it-IT" sz="1100" i="1" dirty="0" smtClean="0"/>
-              <a:t>ERIK HOLLER  </a:t>
-            </a:r>
-            <a:r>
               <a:rPr lang="it-IT" sz="1100" i="1" dirty="0"/>
-              <a:t>- </a:t>
-            </a:r>
-            <a:r>
-              <a:rPr lang="it-IT" sz="1100" i="1" dirty="0" smtClean="0"/>
-              <a:t>ELIA SCARPARO- </a:t>
-            </a:r>
-            <a:r>
-              <a:rPr lang="it-IT" sz="1100" i="1" dirty="0"/>
-              <a:t>STEFANO ZAMPIERO</a:t>
+              <a:t>ERIK HOLLER  - ELIA SCARPARO- STEFANO ZAMPIERO</a:t>
             </a:r>
           </a:p>
         </p:txBody>
@@ -23992,18 +22913,9 @@
           <a:lstStyle/>
           <a:p>
             <a:r>
-              <a:rPr lang="it-IT" sz="1400" i="1" dirty="0" smtClean="0"/>
-              <a:t>LABORATORIO DI SIMULAZIONI FINANZIARIE A.A</a:t>
-            </a:r>
-            <a:r>
               <a:rPr lang="it-IT" sz="1400" i="1" dirty="0"/>
-              <a:t>. </a:t>
-            </a:r>
-            <a:r>
-              <a:rPr lang="it-IT" sz="1400" i="1" dirty="0" smtClean="0"/>
-              <a:t>2017-2018</a:t>
-            </a:r>
-            <a:endParaRPr lang="it-IT" sz="1400" i="1" dirty="0"/>
+              <a:t>LABORATORIO DI SIMULAZIONI FINANZIARIE A.A. 2017-2018</a:t>
+            </a:r>
           </a:p>
         </p:txBody>
       </p:sp>
@@ -24012,7 +22924,7 @@
           <p:cNvPr id="10" name="Segnaposto contenuto 2">
             <a:extLst>
               <a:ext uri="{FF2B5EF4-FFF2-40B4-BE49-F238E27FC236}">
-                <a16:creationId xmlns="" xmlns:a16="http://schemas.microsoft.com/office/drawing/2014/main" id="{8AA50591-FADC-4A05-AD10-FE14CFAD38DA}"/>
+                <a16:creationId xmlns:a16="http://schemas.microsoft.com/office/drawing/2014/main" id="{8AA50591-FADC-4A05-AD10-FE14CFAD38DA}"/>
               </a:ext>
             </a:extLst>
           </p:cNvPr>
@@ -24047,13 +22959,6 @@
   <p:clrMapOvr>
     <a:masterClrMapping/>
   </p:clrMapOvr>
-  <p:timing>
-    <p:tnLst>
-      <p:par>
-        <p:cTn id="1" dur="indefinite" restart="never" nodeType="tmRoot"/>
-      </p:par>
-    </p:tnLst>
-  </p:timing>
 </p:sld>
 </file>
 
@@ -24312,7 +23217,7 @@
               <a:buAutoNum type="arabicPeriod"/>
             </a:pPr>
             <a:r>
-              <a:rPr lang="it-IT" dirty="0" smtClean="0"/>
+              <a:rPr lang="it-IT" dirty="0"/>
               <a:t>Il rischio operativo a livello attuariale </a:t>
             </a:r>
           </a:p>
@@ -24322,7 +23227,7 @@
               <a:buAutoNum type="arabicPeriod"/>
             </a:pPr>
             <a:r>
-              <a:rPr lang="it-IT" b="1" dirty="0" smtClean="0">
+              <a:rPr lang="it-IT" b="1" dirty="0">
                 <a:solidFill>
                   <a:srgbClr val="00B050"/>
                 </a:solidFill>
@@ -24335,58 +23240,26 @@
                   <a:srgbClr val="00B050"/>
                 </a:solidFill>
               </a:rPr>
-              <a:t>L</a:t>
-            </a:r>
-            <a:r>
-              <a:rPr lang="it-IT" b="1" dirty="0" err="1" smtClean="0">
+              <a:t>Loss</a:t>
+            </a:r>
+            <a:r>
+              <a:rPr lang="it-IT" b="1" dirty="0">
                 <a:solidFill>
                   <a:srgbClr val="00B050"/>
                 </a:solidFill>
               </a:rPr>
-              <a:t>oss</a:t>
-            </a:r>
-            <a:r>
-              <a:rPr lang="it-IT" b="1" dirty="0" smtClean="0">
+              <a:t> Distribution </a:t>
+            </a:r>
+            <a:r>
+              <a:rPr lang="it-IT" b="1" dirty="0" err="1">
                 <a:solidFill>
                   <a:srgbClr val="00B050"/>
                 </a:solidFill>
               </a:rPr>
-              <a:t> </a:t>
+              <a:t>Approach</a:t>
             </a:r>
             <a:r>
               <a:rPr lang="it-IT" b="1" dirty="0">
-                <a:solidFill>
-                  <a:srgbClr val="00B050"/>
-                </a:solidFill>
-              </a:rPr>
-              <a:t>D</a:t>
-            </a:r>
-            <a:r>
-              <a:rPr lang="it-IT" b="1" dirty="0" smtClean="0">
-                <a:solidFill>
-                  <a:srgbClr val="00B050"/>
-                </a:solidFill>
-              </a:rPr>
-              <a:t>istribution </a:t>
-            </a:r>
-            <a:r>
-              <a:rPr lang="it-IT" b="1" dirty="0" err="1">
-                <a:solidFill>
-                  <a:srgbClr val="00B050"/>
-                </a:solidFill>
-              </a:rPr>
-              <a:t>A</a:t>
-            </a:r>
-            <a:r>
-              <a:rPr lang="it-IT" b="1" dirty="0" err="1" smtClean="0">
-                <a:solidFill>
-                  <a:srgbClr val="00B050"/>
-                </a:solidFill>
-              </a:rPr>
-              <a:t>pproach</a:t>
-            </a:r>
-            <a:r>
-              <a:rPr lang="it-IT" b="1" dirty="0" smtClean="0">
                 <a:solidFill>
                   <a:srgbClr val="00B050"/>
                 </a:solidFill>
@@ -24440,10 +23313,10 @@
               <a:t>risk</a:t>
             </a:r>
             <a:r>
-              <a:rPr lang="it-IT" dirty="0" smtClean="0"/>
+              <a:rPr lang="it-IT" dirty="0"/>
               <a:t>)</a:t>
             </a:r>
-            <a:endParaRPr lang="it-IT" b="1" dirty="0" smtClean="0">
+            <a:endParaRPr lang="it-IT" b="1" dirty="0">
               <a:solidFill>
                 <a:srgbClr val="00B050"/>
               </a:solidFill>
@@ -24470,12 +23343,18 @@
               <a:buAutoNum type="arabicPeriod"/>
             </a:pPr>
             <a:r>
-              <a:rPr lang="it-IT" dirty="0" smtClean="0"/>
-              <a:t>Vantaggi </a:t>
-            </a:r>
-            <a:r>
               <a:rPr lang="it-IT" dirty="0"/>
-              <a:t>e limiti del </a:t>
+              <a:t>Confronto fra distribuzioni</a:t>
+            </a:r>
+          </a:p>
+          <a:p>
+            <a:pPr marL="514350" indent="-514350" algn="l">
+              <a:buFont typeface="+mj-lt"/>
+              <a:buAutoNum type="arabicPeriod"/>
+            </a:pPr>
+            <a:r>
+              <a:rPr lang="it-IT" dirty="0"/>
+              <a:t>Vantaggi e limiti del </a:t>
             </a:r>
             <a:r>
               <a:rPr lang="it-IT" dirty="0" err="1"/>
@@ -24523,20 +23402,8 @@
           <a:p>
             <a:pPr algn="ctr"/>
             <a:r>
-              <a:rPr lang="it-IT" sz="1100" i="1" dirty="0" smtClean="0"/>
-              <a:t>ERIK HOLLER  </a:t>
-            </a:r>
-            <a:r>
               <a:rPr lang="it-IT" sz="1100" i="1" dirty="0"/>
-              <a:t>- </a:t>
-            </a:r>
-            <a:r>
-              <a:rPr lang="it-IT" sz="1100" i="1" dirty="0" smtClean="0"/>
-              <a:t>ELIA SCARPARO- </a:t>
-            </a:r>
-            <a:r>
-              <a:rPr lang="it-IT" sz="1100" i="1" dirty="0"/>
-              <a:t>STEFANO ZAMPIERO</a:t>
+              <a:t>ERIK HOLLER  - ELIA SCARPARO- STEFANO ZAMPIERO</a:t>
             </a:r>
           </a:p>
         </p:txBody>
@@ -24564,18 +23431,9 @@
           <a:lstStyle/>
           <a:p>
             <a:r>
-              <a:rPr lang="it-IT" sz="1400" i="1" dirty="0" smtClean="0"/>
-              <a:t>LABORATORIO DI SIMULAZIONI FINANZIARIE A.A</a:t>
-            </a:r>
-            <a:r>
               <a:rPr lang="it-IT" sz="1400" i="1" dirty="0"/>
-              <a:t>. </a:t>
-            </a:r>
-            <a:r>
-              <a:rPr lang="it-IT" sz="1400" i="1" dirty="0" smtClean="0"/>
-              <a:t>2017-2018</a:t>
-            </a:r>
-            <a:endParaRPr lang="it-IT" sz="1400" i="1" dirty="0"/>
+              <a:t>LABORATORIO DI SIMULAZIONI FINANZIARIE A.A. 2017-2018</a:t>
+            </a:r>
           </a:p>
         </p:txBody>
       </p:sp>
@@ -24589,13 +23447,6 @@
   <p:clrMapOvr>
     <a:masterClrMapping/>
   </p:clrMapOvr>
-  <p:timing>
-    <p:tnLst>
-      <p:par>
-        <p:cTn id="1" dur="indefinite" restart="never" nodeType="tmRoot"/>
-      </p:par>
-    </p:tnLst>
-  </p:timing>
 </p:sld>
 </file>
 
@@ -24858,40 +23709,24 @@
               </a:spcBef>
             </a:pPr>
             <a:r>
-              <a:rPr lang="it-IT" dirty="0" smtClean="0"/>
+              <a:rPr lang="it-IT" dirty="0"/>
               <a:t>Il </a:t>
             </a:r>
             <a:r>
-              <a:rPr lang="it-IT" dirty="0" err="1" smtClean="0"/>
+              <a:rPr lang="it-IT" dirty="0" err="1"/>
               <a:t>Loss</a:t>
             </a:r>
             <a:r>
-              <a:rPr lang="it-IT" dirty="0" smtClean="0"/>
-              <a:t> </a:t>
-            </a:r>
-            <a:r>
               <a:rPr lang="it-IT" dirty="0"/>
-              <a:t>D</a:t>
-            </a:r>
-            <a:r>
-              <a:rPr lang="it-IT" dirty="0" smtClean="0"/>
-              <a:t>istribution </a:t>
+              <a:t> Distribution </a:t>
             </a:r>
             <a:r>
               <a:rPr lang="it-IT" dirty="0" err="1"/>
-              <a:t>A</a:t>
-            </a:r>
-            <a:r>
-              <a:rPr lang="it-IT" dirty="0" err="1" smtClean="0"/>
-              <a:t>pproach</a:t>
-            </a:r>
-            <a:r>
-              <a:rPr lang="it-IT" dirty="0" smtClean="0"/>
-              <a:t> permette di stimare </a:t>
+              <a:t>Approach</a:t>
             </a:r>
             <a:r>
               <a:rPr lang="it-IT" dirty="0"/>
-              <a:t>per tutte le </a:t>
+              <a:t> permette di stimare per tutte le </a:t>
             </a:r>
             <a:r>
               <a:rPr lang="it-IT" i="1" dirty="0"/>
@@ -24915,19 +23750,7 @@
             </a:r>
             <a:r>
               <a:rPr lang="it-IT" dirty="0"/>
-              <a:t> (impatto del singolo evento) e la frequenza </a:t>
-            </a:r>
-            <a:r>
-              <a:rPr lang="it-IT" dirty="0" smtClean="0"/>
-              <a:t>dell’evento usando </a:t>
-            </a:r>
-            <a:r>
-              <a:rPr lang="it-IT" dirty="0"/>
-              <a:t>dati </a:t>
-            </a:r>
-            <a:r>
-              <a:rPr lang="it-IT" dirty="0" smtClean="0"/>
-              <a:t>interni</a:t>
+              <a:t> (impatto del singolo evento) e la frequenza dell’evento usando dati interni</a:t>
             </a:r>
           </a:p>
           <a:p>
@@ -24950,7 +23773,7 @@
                 <a:spcPts val="0"/>
               </a:spcBef>
             </a:pPr>
-            <a:endParaRPr lang="it-IT" dirty="0" smtClean="0"/>
+            <a:endParaRPr lang="it-IT" dirty="0"/>
           </a:p>
           <a:p>
             <a:pPr marL="514350" indent="-514350">
@@ -24962,18 +23785,9 @@
               </a:spcBef>
             </a:pPr>
             <a:r>
-              <a:rPr lang="it-IT" dirty="0" smtClean="0"/>
-              <a:t>Con </a:t>
-            </a:r>
-            <a:r>
               <a:rPr lang="it-IT" dirty="0"/>
-              <a:t>queste due distribuzioni è possibile computare la distribuzione di probabilità aggregata delle perdite operative</a:t>
-            </a:r>
-            <a:r>
-              <a:rPr lang="it-IT" dirty="0" smtClean="0"/>
-              <a:t>. Nella nostra analisi non avendo a disposizione dati reali su perdite operative e sulla loro frequenza le abbiamo generate simulandole casualmente</a:t>
-            </a:r>
-            <a:endParaRPr lang="it-IT" dirty="0"/>
+              <a:t>Con queste due distribuzioni è possibile computare la distribuzione di probabilità aggregata delle perdite operative. Nella nostra analisi non avendo a disposizione dati reali su perdite operative e sulla loro frequenza le abbiamo generate simulandole casualmente</a:t>
+            </a:r>
           </a:p>
           <a:p>
             <a:pPr marL="514350" lvl="0" indent="-514350" algn="l">
@@ -24985,10 +23799,9 @@
               </a:spcBef>
             </a:pPr>
             <a:r>
-              <a:rPr lang="it-IT" dirty="0" smtClean="0"/>
+              <a:rPr lang="it-IT" dirty="0"/>
               <a:t> </a:t>
             </a:r>
-            <a:endParaRPr lang="it-IT" dirty="0"/>
           </a:p>
         </p:txBody>
       </p:sp>
@@ -25016,20 +23829,8 @@
           <a:p>
             <a:pPr algn="ctr"/>
             <a:r>
-              <a:rPr lang="it-IT" sz="1100" i="1" dirty="0" smtClean="0"/>
-              <a:t>ERIK HOLLER  </a:t>
-            </a:r>
-            <a:r>
               <a:rPr lang="it-IT" sz="1100" i="1" dirty="0"/>
-              <a:t>- </a:t>
-            </a:r>
-            <a:r>
-              <a:rPr lang="it-IT" sz="1100" i="1" dirty="0" smtClean="0"/>
-              <a:t>ELIA SCARPARO- </a:t>
-            </a:r>
-            <a:r>
-              <a:rPr lang="it-IT" sz="1100" i="1" dirty="0"/>
-              <a:t>STEFANO ZAMPIERO</a:t>
+              <a:t>ERIK HOLLER  - ELIA SCARPARO- STEFANO ZAMPIERO</a:t>
             </a:r>
           </a:p>
         </p:txBody>
@@ -25057,18 +23858,9 @@
           <a:lstStyle/>
           <a:p>
             <a:r>
-              <a:rPr lang="it-IT" sz="1400" i="1" dirty="0" smtClean="0"/>
-              <a:t>LABORATORIO DI SIMULAZIONI FINANZIARIE A.A</a:t>
-            </a:r>
-            <a:r>
               <a:rPr lang="it-IT" sz="1400" i="1" dirty="0"/>
-              <a:t>. </a:t>
-            </a:r>
-            <a:r>
-              <a:rPr lang="it-IT" sz="1400" i="1" dirty="0" smtClean="0"/>
-              <a:t>2017-2018</a:t>
-            </a:r>
-            <a:endParaRPr lang="it-IT" sz="1400" i="1" dirty="0"/>
+              <a:t>LABORATORIO DI SIMULAZIONI FINANZIARIE A.A. 2017-2018</a:t>
+            </a:r>
           </a:p>
         </p:txBody>
       </p:sp>
@@ -25114,14 +23906,11 @@
           </a:lstStyle>
           <a:p>
             <a:r>
-              <a:rPr lang="it-IT" sz="4000" dirty="0" smtClean="0">
+              <a:rPr lang="it-IT" sz="4000" dirty="0">
                 <a:latin typeface="Bodoni MT" pitchFamily="18" charset="0"/>
               </a:rPr>
               <a:t>Definizione </a:t>
             </a:r>
-            <a:endParaRPr lang="it-IT" sz="4000" dirty="0">
-              <a:latin typeface="Bodoni MT" pitchFamily="18" charset="0"/>
-            </a:endParaRPr>
           </a:p>
         </p:txBody>
       </p:sp>
@@ -25135,13 +23924,6 @@
   <p:clrMapOvr>
     <a:masterClrMapping/>
   </p:clrMapOvr>
-  <p:timing>
-    <p:tnLst>
-      <p:par>
-        <p:cTn id="1" dur="indefinite" restart="never" nodeType="tmRoot"/>
-      </p:par>
-    </p:tnLst>
-  </p:timing>
 </p:sld>
 </file>
 
@@ -25251,20 +24033,8 @@
           <a:p>
             <a:pPr algn="ctr"/>
             <a:r>
-              <a:rPr lang="it-IT" sz="1100" i="1" dirty="0" smtClean="0"/>
-              <a:t>ERIK HOLLER  </a:t>
-            </a:r>
-            <a:r>
               <a:rPr lang="it-IT" sz="1100" i="1" dirty="0"/>
-              <a:t>- </a:t>
-            </a:r>
-            <a:r>
-              <a:rPr lang="it-IT" sz="1100" i="1" dirty="0" smtClean="0"/>
-              <a:t>ELIA SCARPARO- </a:t>
-            </a:r>
-            <a:r>
-              <a:rPr lang="it-IT" sz="1100" i="1" dirty="0"/>
-              <a:t>STEFANO ZAMPIERO</a:t>
+              <a:t>ERIK HOLLER  - ELIA SCARPARO- STEFANO ZAMPIERO</a:t>
             </a:r>
           </a:p>
         </p:txBody>
@@ -25292,18 +24062,9 @@
           <a:lstStyle/>
           <a:p>
             <a:r>
-              <a:rPr lang="it-IT" sz="1400" i="1" dirty="0" smtClean="0"/>
-              <a:t>LABORATORIO DI SIMULAZIONI FINANZIARIE A.A</a:t>
-            </a:r>
-            <a:r>
               <a:rPr lang="it-IT" sz="1400" i="1" dirty="0"/>
-              <a:t>. </a:t>
-            </a:r>
-            <a:r>
-              <a:rPr lang="it-IT" sz="1400" i="1" dirty="0" smtClean="0"/>
-              <a:t>2017-2018</a:t>
-            </a:r>
-            <a:endParaRPr lang="it-IT" sz="1400" i="1" dirty="0"/>
+              <a:t>LABORATORIO DI SIMULAZIONI FINANZIARIE A.A. 2017-2018</a:t>
+            </a:r>
           </a:p>
         </p:txBody>
       </p:sp>
@@ -25314,7 +24075,7 @@
               <p:cNvPr id="10" name="Segnaposto contenuto 22">
                 <a:extLst>
                   <a:ext uri="{FF2B5EF4-FFF2-40B4-BE49-F238E27FC236}">
-                    <a16:creationId xmlns="" xmlns:a16="http://schemas.microsoft.com/office/drawing/2014/main" id="{AEAF27FE-C065-4136-B1A4-EE36D0BE1816}"/>
+                    <a16:creationId xmlns:a16="http://schemas.microsoft.com/office/drawing/2014/main" id="{AEAF27FE-C065-4136-B1A4-EE36D0BE1816}"/>
                   </a:ext>
                 </a:extLst>
               </p:cNvPr>
@@ -25501,7 +24262,7 @@
                 </a:lvl9pPr>
               </a:lstStyle>
               <a:p>
-                <a:endParaRPr lang="it-IT" i="1" dirty="0" smtClean="0">
+                <a:endParaRPr lang="it-IT" i="1" dirty="0">
                   <a:latin typeface="Cambria Math" panose="02040503050406030204" pitchFamily="18" charset="0"/>
                 </a:endParaRPr>
               </a:p>
@@ -25614,7 +24375,7 @@
                       <m:sSupPr>
                         <m:ctrlPr>
                           <a:rPr lang="it-IT" i="1" dirty="0" smtClean="0">
-                            <a:latin typeface="Cambria Math" charset="0"/>
+                            <a:latin typeface="Cambria Math" panose="02040503050406030204" pitchFamily="18" charset="0"/>
                           </a:rPr>
                         </m:ctrlPr>
                       </m:sSupPr>
@@ -25645,23 +24406,19 @@
                   <a:t>) (i=1, …, </a:t>
                 </a:r>
                 <a:r>
-                  <a:rPr lang="it-IT" dirty="0" err="1" smtClean="0">
+                  <a:rPr lang="it-IT" dirty="0" err="1">
                     <a:latin typeface="Times New Roman" panose="02020603050405020304" pitchFamily="18" charset="0"/>
                     <a:cs typeface="Times New Roman" panose="02020603050405020304" pitchFamily="18" charset="0"/>
                   </a:rPr>
                   <a:t>N</a:t>
                 </a:r>
                 <a:r>
-                  <a:rPr lang="it-IT" dirty="0" smtClean="0">
+                  <a:rPr lang="it-IT" dirty="0">
                     <a:latin typeface="Times New Roman" panose="02020603050405020304" pitchFamily="18" charset="0"/>
                     <a:cs typeface="Times New Roman" panose="02020603050405020304" pitchFamily="18" charset="0"/>
                   </a:rPr>
                   <a:t>)</a:t>
                 </a:r>
-                <a:endParaRPr lang="it-IT" dirty="0">
-                  <a:latin typeface="Times New Roman" panose="02020603050405020304" pitchFamily="18" charset="0"/>
-                  <a:cs typeface="Times New Roman" panose="02020603050405020304" pitchFamily="18" charset="0"/>
-                </a:endParaRPr>
               </a:p>
             </p:txBody>
           </p:sp>
@@ -25718,7 +24475,7 @@
               <p:cNvPr id="11" name="CasellaDiTesto 10">
                 <a:extLst>
                   <a:ext uri="{FF2B5EF4-FFF2-40B4-BE49-F238E27FC236}">
-                    <a16:creationId xmlns="" xmlns:a16="http://schemas.microsoft.com/office/drawing/2014/main" id="{21FAE880-EF37-4E5A-87FB-C604F263EFF0}"/>
+                    <a16:creationId xmlns:a16="http://schemas.microsoft.com/office/drawing/2014/main" id="{21FAE880-EF37-4E5A-87FB-C604F263EFF0}"/>
                   </a:ext>
                 </a:extLst>
               </p:cNvPr>
@@ -25767,7 +24524,7 @@
                           <m:grow m:val="on"/>
                           <m:ctrlPr>
                             <a:rPr lang="it-IT" sz="3600" i="1">
-                              <a:latin typeface="Cambria Math" charset="0"/>
+                              <a:latin typeface="Cambria Math" panose="02040503050406030204" pitchFamily="18" charset="0"/>
                             </a:rPr>
                           </m:ctrlPr>
                         </m:naryPr>
@@ -25798,7 +24555,7 @@
                             <m:sSubPr>
                               <m:ctrlPr>
                                 <a:rPr lang="it-IT" sz="3600" i="1">
-                                  <a:latin typeface="Cambria Math" charset="0"/>
+                                  <a:latin typeface="Cambria Math" panose="02040503050406030204" pitchFamily="18" charset="0"/>
                                 </a:rPr>
                               </m:ctrlPr>
                             </m:sSubPr>
@@ -25886,13 +24643,6 @@
   <p:clrMapOvr>
     <a:masterClrMapping/>
   </p:clrMapOvr>
-  <p:timing>
-    <p:tnLst>
-      <p:par>
-        <p:cTn id="1" dur="indefinite" restart="never" nodeType="tmRoot"/>
-      </p:par>
-    </p:tnLst>
-  </p:timing>
 </p:sld>
 </file>
 

--- a/Presentazione ppt/Presentazione_finale.pptx
+++ b/Presentazione ppt/Presentazione_finale.pptx
@@ -5,7 +5,7 @@
     <p:sldMasterId id="2147483672" r:id="rId1"/>
   </p:sldMasterIdLst>
   <p:notesMasterIdLst>
-    <p:notesMasterId r:id="rId39"/>
+    <p:notesMasterId r:id="rId42"/>
   </p:notesMasterIdLst>
   <p:sldIdLst>
     <p:sldId id="259" r:id="rId2"/>
@@ -34,17 +34,20 @@
     <p:sldId id="319" r:id="rId25"/>
     <p:sldId id="320" r:id="rId26"/>
     <p:sldId id="296" r:id="rId27"/>
-    <p:sldId id="322" r:id="rId28"/>
-    <p:sldId id="323" r:id="rId29"/>
-    <p:sldId id="324" r:id="rId30"/>
-    <p:sldId id="325" r:id="rId31"/>
-    <p:sldId id="327" r:id="rId32"/>
-    <p:sldId id="328" r:id="rId33"/>
-    <p:sldId id="321" r:id="rId34"/>
-    <p:sldId id="304" r:id="rId35"/>
-    <p:sldId id="316" r:id="rId36"/>
-    <p:sldId id="314" r:id="rId37"/>
-    <p:sldId id="307" r:id="rId38"/>
+    <p:sldId id="330" r:id="rId28"/>
+    <p:sldId id="322" r:id="rId29"/>
+    <p:sldId id="323" r:id="rId30"/>
+    <p:sldId id="324" r:id="rId31"/>
+    <p:sldId id="325" r:id="rId32"/>
+    <p:sldId id="327" r:id="rId33"/>
+    <p:sldId id="328" r:id="rId34"/>
+    <p:sldId id="321" r:id="rId35"/>
+    <p:sldId id="304" r:id="rId36"/>
+    <p:sldId id="316" r:id="rId37"/>
+    <p:sldId id="331" r:id="rId38"/>
+    <p:sldId id="332" r:id="rId39"/>
+    <p:sldId id="314" r:id="rId40"/>
+    <p:sldId id="307" r:id="rId41"/>
   </p:sldIdLst>
   <p:sldSz cx="12192000" cy="6858000"/>
   <p:notesSz cx="6858000" cy="9144000"/>
@@ -1934,7 +1937,7 @@
         <a:bodyPr/>
         <a:lstStyle/>
         <a:p>
-          <a:pPr algn="ctr"/>
+          <a:pPr algn="l"/>
           <a:r>
             <a:rPr lang="en-US" sz="2600" dirty="0" err="1"/>
             <a:t>Sistemi</a:t>
@@ -2067,20 +2070,20 @@
         </a:p>
         <a:p>
           <a:r>
-            <a:rPr lang="en-US" sz="1600"/>
+            <a:rPr lang="en-US" sz="1600" dirty="0"/>
             <a:t>-</a:t>
           </a:r>
           <a:r>
-            <a:rPr lang="en-US" sz="2600"/>
+            <a:rPr lang="en-US" sz="2600" dirty="0"/>
             <a:t> </a:t>
           </a:r>
           <a:r>
-            <a:rPr lang="en-US" sz="1600"/>
-            <a:t>mancanza </a:t>
+            <a:rPr lang="en-US" sz="1600" dirty="0" err="1"/>
+            <a:t>mancanza</a:t>
           </a:r>
           <a:r>
             <a:rPr lang="en-US" sz="1600" dirty="0"/>
-            <a:t>di </a:t>
+            <a:t> di </a:t>
           </a:r>
           <a:r>
             <a:rPr lang="en-US" sz="1600" dirty="0" err="1"/>
@@ -3541,7 +3544,7 @@
         </a:bodyPr>
         <a:lstStyle/>
         <a:p>
-          <a:pPr marL="0" lvl="0" indent="0" algn="ctr" defTabSz="1155700">
+          <a:pPr marL="0" lvl="0" indent="0" algn="l" defTabSz="1155700">
             <a:lnSpc>
               <a:spcPct val="90000"/>
             </a:lnSpc>
@@ -3898,20 +3901,20 @@
             <a:buNone/>
           </a:pPr>
           <a:r>
-            <a:rPr lang="en-US" sz="1600" kern="1200"/>
+            <a:rPr lang="en-US" sz="1600" kern="1200" dirty="0"/>
             <a:t>-</a:t>
           </a:r>
           <a:r>
-            <a:rPr lang="en-US" sz="2600" kern="1200"/>
+            <a:rPr lang="en-US" sz="2600" kern="1200" dirty="0"/>
             <a:t> </a:t>
           </a:r>
           <a:r>
-            <a:rPr lang="en-US" sz="1600" kern="1200"/>
-            <a:t>mancanza </a:t>
+            <a:rPr lang="en-US" sz="1600" kern="1200" dirty="0" err="1"/>
+            <a:t>mancanza</a:t>
           </a:r>
           <a:r>
             <a:rPr lang="en-US" sz="1600" kern="1200" dirty="0"/>
-            <a:t>di </a:t>
+            <a:t> di </a:t>
           </a:r>
           <a:r>
             <a:rPr lang="en-US" sz="1600" kern="1200" dirty="0" err="1"/>
@@ -7719,7 +7722,7 @@
           <a:p>
             <a:fld id="{AF89CFBA-E078-4C41-A575-83366E02218D}" type="datetimeFigureOut">
               <a:rPr lang="it-IT" smtClean="0"/>
-              <a:t>17/05/2018</a:t>
+              <a:t>25/05/2018</a:t>
             </a:fld>
             <a:endParaRPr lang="it-IT"/>
           </a:p>
@@ -8115,7 +8118,7 @@
           <a:p>
             <a:fld id="{D775947D-044B-614B-8E36-7404D1B77440}" type="datetimeFigureOut">
               <a:rPr lang="it-IT" smtClean="0"/>
-              <a:t>17/05/2018</a:t>
+              <a:t>25/05/2018</a:t>
             </a:fld>
             <a:endParaRPr lang="it-IT"/>
           </a:p>
@@ -8278,7 +8281,7 @@
           <a:p>
             <a:fld id="{D775947D-044B-614B-8E36-7404D1B77440}" type="datetimeFigureOut">
               <a:rPr lang="it-IT" smtClean="0"/>
-              <a:t>17/05/2018</a:t>
+              <a:t>25/05/2018</a:t>
             </a:fld>
             <a:endParaRPr lang="it-IT"/>
           </a:p>
@@ -8451,7 +8454,7 @@
           <a:p>
             <a:fld id="{D775947D-044B-614B-8E36-7404D1B77440}" type="datetimeFigureOut">
               <a:rPr lang="it-IT" smtClean="0"/>
-              <a:t>17/05/2018</a:t>
+              <a:t>25/05/2018</a:t>
             </a:fld>
             <a:endParaRPr lang="it-IT"/>
           </a:p>
@@ -8614,7 +8617,7 @@
           <a:p>
             <a:fld id="{D775947D-044B-614B-8E36-7404D1B77440}" type="datetimeFigureOut">
               <a:rPr lang="it-IT" smtClean="0"/>
-              <a:t>17/05/2018</a:t>
+              <a:t>25/05/2018</a:t>
             </a:fld>
             <a:endParaRPr lang="it-IT"/>
           </a:p>
@@ -8854,7 +8857,7 @@
           <a:p>
             <a:fld id="{D775947D-044B-614B-8E36-7404D1B77440}" type="datetimeFigureOut">
               <a:rPr lang="it-IT" smtClean="0"/>
-              <a:t>17/05/2018</a:t>
+              <a:t>25/05/2018</a:t>
             </a:fld>
             <a:endParaRPr lang="it-IT"/>
           </a:p>
@@ -9078,7 +9081,7 @@
           <a:p>
             <a:fld id="{D775947D-044B-614B-8E36-7404D1B77440}" type="datetimeFigureOut">
               <a:rPr lang="it-IT" smtClean="0"/>
-              <a:t>17/05/2018</a:t>
+              <a:t>25/05/2018</a:t>
             </a:fld>
             <a:endParaRPr lang="it-IT"/>
           </a:p>
@@ -9437,7 +9440,7 @@
           <a:p>
             <a:fld id="{D775947D-044B-614B-8E36-7404D1B77440}" type="datetimeFigureOut">
               <a:rPr lang="it-IT" smtClean="0"/>
-              <a:t>17/05/2018</a:t>
+              <a:t>25/05/2018</a:t>
             </a:fld>
             <a:endParaRPr lang="it-IT"/>
           </a:p>
@@ -9549,7 +9552,7 @@
           <a:p>
             <a:fld id="{D775947D-044B-614B-8E36-7404D1B77440}" type="datetimeFigureOut">
               <a:rPr lang="it-IT" smtClean="0"/>
-              <a:t>17/05/2018</a:t>
+              <a:t>25/05/2018</a:t>
             </a:fld>
             <a:endParaRPr lang="it-IT"/>
           </a:p>
@@ -9639,7 +9642,7 @@
           <a:p>
             <a:fld id="{D775947D-044B-614B-8E36-7404D1B77440}" type="datetimeFigureOut">
               <a:rPr lang="it-IT" smtClean="0"/>
-              <a:t>17/05/2018</a:t>
+              <a:t>25/05/2018</a:t>
             </a:fld>
             <a:endParaRPr lang="it-IT"/>
           </a:p>
@@ -9909,7 +9912,7 @@
           <a:p>
             <a:fld id="{D775947D-044B-614B-8E36-7404D1B77440}" type="datetimeFigureOut">
               <a:rPr lang="it-IT" smtClean="0"/>
-              <a:t>17/05/2018</a:t>
+              <a:t>25/05/2018</a:t>
             </a:fld>
             <a:endParaRPr lang="it-IT"/>
           </a:p>
@@ -10156,7 +10159,7 @@
           <a:p>
             <a:fld id="{D775947D-044B-614B-8E36-7404D1B77440}" type="datetimeFigureOut">
               <a:rPr lang="it-IT" smtClean="0"/>
-              <a:t>17/05/2018</a:t>
+              <a:t>25/05/2018</a:t>
             </a:fld>
             <a:endParaRPr lang="it-IT"/>
           </a:p>
@@ -10362,7 +10365,7 @@
           <a:p>
             <a:fld id="{D775947D-044B-614B-8E36-7404D1B77440}" type="datetimeFigureOut">
               <a:rPr lang="it-IT" smtClean="0"/>
-              <a:t>17/05/2018</a:t>
+              <a:t>25/05/2018</a:t>
             </a:fld>
             <a:endParaRPr lang="it-IT"/>
           </a:p>
@@ -11406,8 +11409,8 @@
         </p:blipFill>
         <p:spPr>
           <a:xfrm>
-            <a:off x="1991358" y="2062479"/>
-            <a:ext cx="8209280" cy="4659565"/>
+            <a:off x="2660354" y="2062478"/>
+            <a:ext cx="6871288" cy="3900124"/>
           </a:xfrm>
           <a:prstGeom prst="rect">
             <a:avLst/>
@@ -15151,7 +15154,7 @@
           </a:lstStyle>
           <a:p>
             <a:r>
-              <a:rPr lang="it-IT" sz="2600" dirty="0">
+              <a:rPr lang="it-IT" dirty="0">
                 <a:cs typeface="Times New Roman" panose="02020603050405020304" pitchFamily="18" charset="0"/>
               </a:rPr>
               <a:t>Misura di rischio che sintetizza il rischio di perdite operative e cioè l’incertezza della variabile casuale L;</a:t>
@@ -15159,7 +15162,7 @@
           </a:p>
           <a:p>
             <a:r>
-              <a:rPr lang="it-IT" sz="2600" dirty="0">
+              <a:rPr lang="it-IT" dirty="0">
                 <a:cs typeface="Times New Roman" panose="02020603050405020304" pitchFamily="18" charset="0"/>
               </a:rPr>
               <a:t> </a:t>
@@ -15167,19 +15170,19 @@
           </a:p>
           <a:p>
             <a:r>
-              <a:rPr lang="it-IT" sz="2600" dirty="0">
+              <a:rPr lang="it-IT" dirty="0">
                 <a:cs typeface="Times New Roman" panose="02020603050405020304" pitchFamily="18" charset="0"/>
               </a:rPr>
               <a:t>Il VAR si definisce come la massima perdita in un certo intervallo di tempo [</a:t>
             </a:r>
             <a:r>
-              <a:rPr lang="it-IT" sz="2600" dirty="0" err="1">
+              <a:rPr lang="it-IT" dirty="0" err="1">
                 <a:cs typeface="Times New Roman" panose="02020603050405020304" pitchFamily="18" charset="0"/>
               </a:rPr>
               <a:t>t,T</a:t>
             </a:r>
             <a:r>
-              <a:rPr lang="it-IT" sz="2600" dirty="0">
+              <a:rPr lang="it-IT" dirty="0">
                 <a:cs typeface="Times New Roman" panose="02020603050405020304" pitchFamily="18" charset="0"/>
               </a:rPr>
               <a:t>] con un dato livello di confidenza (1-α). </a:t>
@@ -15195,7 +15198,7 @@
         </p:nvSpPr>
         <p:spPr>
           <a:xfrm>
-            <a:off x="1206724" y="994791"/>
+            <a:off x="1189768" y="498154"/>
             <a:ext cx="9812458" cy="707886"/>
           </a:xfrm>
           <a:prstGeom prst="rect">
@@ -15381,7 +15384,7 @@
         </p:nvSpPr>
         <p:spPr>
           <a:xfrm>
-            <a:off x="1206724" y="994791"/>
+            <a:off x="1358100" y="564597"/>
             <a:ext cx="9812458" cy="707886"/>
           </a:xfrm>
           <a:prstGeom prst="rect">
@@ -15620,7 +15623,7 @@
               <a:buChar char="•"/>
             </a:pPr>
             <a:r>
-              <a:rPr lang="it-IT" sz="2600" dirty="0">
+              <a:rPr lang="it-IT" dirty="0">
                 <a:cs typeface="Times New Roman" panose="02020603050405020304" pitchFamily="18" charset="0"/>
               </a:rPr>
               <a:t>Capitale necessario a coprire una perdita potenziale entro un determinato livello di confidenza ed entro un determinato orizzonte di tempo. </a:t>
@@ -15631,7 +15634,7 @@
               <a:buFont typeface="Arial" charset="0"/>
               <a:buChar char="•"/>
             </a:pPr>
-            <a:endParaRPr lang="it-IT" sz="2600" dirty="0">
+            <a:endParaRPr lang="it-IT" dirty="0">
               <a:cs typeface="Times New Roman" panose="02020603050405020304" pitchFamily="18" charset="0"/>
             </a:endParaRPr>
           </a:p>
@@ -15641,7 +15644,7 @@
               <a:buChar char="•"/>
             </a:pPr>
             <a:r>
-              <a:rPr lang="it-IT" sz="2600" dirty="0">
+              <a:rPr lang="it-IT" dirty="0">
                 <a:cs typeface="Times New Roman" panose="02020603050405020304" pitchFamily="18" charset="0"/>
               </a:rPr>
               <a:t>Il Capitale economico permette di allocare alle diverse linee di business della banca la giusta quantità di capitale per valutarne poi la reddittività. </a:t>
@@ -15652,7 +15655,7 @@
               <a:buFont typeface="Arial" charset="0"/>
               <a:buChar char="•"/>
             </a:pPr>
-            <a:endParaRPr lang="it-IT" sz="2600" dirty="0">
+            <a:endParaRPr lang="it-IT" dirty="0">
               <a:cs typeface="Times New Roman" panose="02020603050405020304" pitchFamily="18" charset="0"/>
             </a:endParaRPr>
           </a:p>
@@ -15662,7 +15665,7 @@
               <a:buChar char="•"/>
             </a:pPr>
             <a:r>
-              <a:rPr lang="it-IT" sz="2600" dirty="0">
+              <a:rPr lang="it-IT" dirty="0">
                 <a:cs typeface="Times New Roman" panose="02020603050405020304" pitchFamily="18" charset="0"/>
               </a:rPr>
               <a:t>Il capitale economico è pari alla perdita inattesa e cioè alla differenza tra la perdita corrispondente ad un determinato livello di confidenza scelto dalla banca e alla perdita attesa.</a:t>
@@ -15891,36 +15894,31 @@
               <a:buAutoNum type="arabicPeriod"/>
             </a:pPr>
             <a:r>
-              <a:rPr lang="it-IT" sz="2600" dirty="0">
-                <a:latin typeface="Times New Roman" panose="02020603050405020304" pitchFamily="18" charset="0"/>
+              <a:rPr lang="it-IT" dirty="0">
                 <a:cs typeface="Times New Roman" panose="02020603050405020304" pitchFamily="18" charset="0"/>
               </a:rPr>
               <a:t>Definizione delle distribuzioni di </a:t>
             </a:r>
             <a:r>
-              <a:rPr lang="it-IT" sz="2600" dirty="0" err="1">
-                <a:latin typeface="Times New Roman" panose="02020603050405020304" pitchFamily="18" charset="0"/>
+              <a:rPr lang="it-IT" dirty="0" err="1">
                 <a:cs typeface="Times New Roman" panose="02020603050405020304" pitchFamily="18" charset="0"/>
               </a:rPr>
               <a:t>severity</a:t>
             </a:r>
             <a:r>
-              <a:rPr lang="it-IT" sz="2600" dirty="0">
-                <a:latin typeface="Times New Roman" panose="02020603050405020304" pitchFamily="18" charset="0"/>
+              <a:rPr lang="it-IT" dirty="0">
                 <a:cs typeface="Times New Roman" panose="02020603050405020304" pitchFamily="18" charset="0"/>
               </a:rPr>
               <a:t> e </a:t>
             </a:r>
             <a:r>
-              <a:rPr lang="it-IT" sz="2600" dirty="0" err="1">
-                <a:latin typeface="Times New Roman" panose="02020603050405020304" pitchFamily="18" charset="0"/>
+              <a:rPr lang="it-IT" dirty="0" err="1">
                 <a:cs typeface="Times New Roman" panose="02020603050405020304" pitchFamily="18" charset="0"/>
               </a:rPr>
               <a:t>frequency</a:t>
             </a:r>
             <a:r>
-              <a:rPr lang="it-IT" sz="2600" dirty="0">
-                <a:latin typeface="Times New Roman" panose="02020603050405020304" pitchFamily="18" charset="0"/>
+              <a:rPr lang="it-IT" dirty="0">
                 <a:cs typeface="Times New Roman" panose="02020603050405020304" pitchFamily="18" charset="0"/>
               </a:rPr>
               <a:t> ;</a:t>
@@ -15932,36 +15930,31 @@
               <a:buAutoNum type="arabicPeriod"/>
             </a:pPr>
             <a:r>
-              <a:rPr lang="it-IT" sz="2600" dirty="0">
-                <a:latin typeface="Times New Roman" panose="02020603050405020304" pitchFamily="18" charset="0"/>
+              <a:rPr lang="it-IT" dirty="0">
                 <a:cs typeface="Times New Roman" panose="02020603050405020304" pitchFamily="18" charset="0"/>
               </a:rPr>
               <a:t>Generazione di un numero sufficiente di scenari di </a:t>
             </a:r>
             <a:r>
-              <a:rPr lang="it-IT" sz="2600" dirty="0" err="1">
-                <a:latin typeface="Times New Roman" panose="02020603050405020304" pitchFamily="18" charset="0"/>
+              <a:rPr lang="it-IT" dirty="0" err="1">
                 <a:cs typeface="Times New Roman" panose="02020603050405020304" pitchFamily="18" charset="0"/>
               </a:rPr>
               <a:t>frequency</a:t>
             </a:r>
             <a:r>
-              <a:rPr lang="it-IT" sz="2600" dirty="0">
-                <a:latin typeface="Times New Roman" panose="02020603050405020304" pitchFamily="18" charset="0"/>
+              <a:rPr lang="it-IT" dirty="0">
                 <a:cs typeface="Times New Roman" panose="02020603050405020304" pitchFamily="18" charset="0"/>
               </a:rPr>
               <a:t> e </a:t>
             </a:r>
             <a:r>
-              <a:rPr lang="it-IT" sz="2600" dirty="0" err="1">
-                <a:latin typeface="Times New Roman" panose="02020603050405020304" pitchFamily="18" charset="0"/>
+              <a:rPr lang="it-IT" dirty="0" err="1">
                 <a:cs typeface="Times New Roman" panose="02020603050405020304" pitchFamily="18" charset="0"/>
               </a:rPr>
               <a:t>severity</a:t>
             </a:r>
             <a:r>
-              <a:rPr lang="it-IT" sz="2600" dirty="0">
-                <a:latin typeface="Times New Roman" panose="02020603050405020304" pitchFamily="18" charset="0"/>
+              <a:rPr lang="it-IT" dirty="0">
                 <a:cs typeface="Times New Roman" panose="02020603050405020304" pitchFamily="18" charset="0"/>
               </a:rPr>
               <a:t>:</a:t>
@@ -15973,36 +15966,31 @@
               <a:buChar char="•"/>
             </a:pPr>
             <a:r>
-              <a:rPr lang="it-IT" sz="2200" dirty="0">
-                <a:latin typeface="Times New Roman" panose="02020603050405020304" pitchFamily="18" charset="0"/>
+              <a:rPr lang="it-IT" sz="2400" dirty="0">
                 <a:cs typeface="Times New Roman" panose="02020603050405020304" pitchFamily="18" charset="0"/>
               </a:rPr>
               <a:t>si genera un certo numero casuale </a:t>
             </a:r>
             <a:r>
-              <a:rPr lang="it-IT" sz="2200" dirty="0" err="1">
-                <a:latin typeface="Times New Roman" panose="02020603050405020304" pitchFamily="18" charset="0"/>
+              <a:rPr lang="it-IT" sz="2400" dirty="0" err="1">
                 <a:cs typeface="Times New Roman" panose="02020603050405020304" pitchFamily="18" charset="0"/>
               </a:rPr>
               <a:t>n</a:t>
             </a:r>
             <a:r>
-              <a:rPr lang="it-IT" sz="2200" dirty="0">
-                <a:latin typeface="Times New Roman" panose="02020603050405020304" pitchFamily="18" charset="0"/>
+              <a:rPr lang="it-IT" sz="2400" dirty="0">
                 <a:cs typeface="Times New Roman" panose="02020603050405020304" pitchFamily="18" charset="0"/>
               </a:rPr>
               <a:t> estraendolo dalla distribuzione di </a:t>
             </a:r>
             <a:r>
-              <a:rPr lang="it-IT" sz="2200" dirty="0" err="1">
-                <a:latin typeface="Times New Roman" panose="02020603050405020304" pitchFamily="18" charset="0"/>
+              <a:rPr lang="it-IT" sz="2400" dirty="0" err="1">
                 <a:cs typeface="Times New Roman" panose="02020603050405020304" pitchFamily="18" charset="0"/>
               </a:rPr>
               <a:t>frequency</a:t>
             </a:r>
             <a:r>
-              <a:rPr lang="it-IT" sz="2200" dirty="0">
-                <a:latin typeface="Times New Roman" panose="02020603050405020304" pitchFamily="18" charset="0"/>
+              <a:rPr lang="it-IT" sz="2400" dirty="0">
                 <a:cs typeface="Times New Roman" panose="02020603050405020304" pitchFamily="18" charset="0"/>
               </a:rPr>
               <a:t>;</a:t>
@@ -16014,36 +16002,31 @@
               <a:buChar char="•"/>
             </a:pPr>
             <a:r>
-              <a:rPr lang="it-IT" sz="2200" dirty="0">
-                <a:latin typeface="Times New Roman" panose="02020603050405020304" pitchFamily="18" charset="0"/>
+              <a:rPr lang="it-IT" sz="2400" dirty="0">
                 <a:cs typeface="Times New Roman" panose="02020603050405020304" pitchFamily="18" charset="0"/>
               </a:rPr>
               <a:t>si generano k variabili x</a:t>
             </a:r>
             <a:r>
-              <a:rPr lang="it-IT" sz="2200" baseline="-25000" dirty="0">
-                <a:latin typeface="Times New Roman" panose="02020603050405020304" pitchFamily="18" charset="0"/>
+              <a:rPr lang="it-IT" sz="2400" baseline="-25000" dirty="0">
                 <a:cs typeface="Times New Roman" panose="02020603050405020304" pitchFamily="18" charset="0"/>
               </a:rPr>
               <a:t>i </a:t>
             </a:r>
             <a:r>
-              <a:rPr lang="it-IT" sz="2200" dirty="0">
-                <a:latin typeface="Times New Roman" panose="02020603050405020304" pitchFamily="18" charset="0"/>
+              <a:rPr lang="it-IT" sz="2400" dirty="0">
                 <a:cs typeface="Times New Roman" panose="02020603050405020304" pitchFamily="18" charset="0"/>
               </a:rPr>
               <a:t>campionate dalla distribuzione di </a:t>
             </a:r>
             <a:r>
-              <a:rPr lang="it-IT" sz="2200" dirty="0" err="1">
-                <a:latin typeface="Times New Roman" panose="02020603050405020304" pitchFamily="18" charset="0"/>
+              <a:rPr lang="it-IT" sz="2400" dirty="0" err="1">
                 <a:cs typeface="Times New Roman" panose="02020603050405020304" pitchFamily="18" charset="0"/>
               </a:rPr>
               <a:t>severity</a:t>
             </a:r>
             <a:r>
-              <a:rPr lang="it-IT" sz="2200" dirty="0">
-                <a:latin typeface="Times New Roman" panose="02020603050405020304" pitchFamily="18" charset="0"/>
+              <a:rPr lang="it-IT" sz="2400" dirty="0">
                 <a:cs typeface="Times New Roman" panose="02020603050405020304" pitchFamily="18" charset="0"/>
               </a:rPr>
               <a:t>;</a:t>
@@ -16055,8 +16038,7 @@
               <a:buAutoNum type="arabicPeriod"/>
             </a:pPr>
             <a:r>
-              <a:rPr lang="it-IT" sz="2600" dirty="0">
-                <a:latin typeface="Times New Roman" panose="02020603050405020304" pitchFamily="18" charset="0"/>
+              <a:rPr lang="it-IT" dirty="0">
                 <a:cs typeface="Times New Roman" panose="02020603050405020304" pitchFamily="18" charset="0"/>
               </a:rPr>
               <a:t>Si sommano le k variabili xi individuate e si trova L (perdita operativa);</a:t>
@@ -16068,8 +16050,7 @@
               <a:buAutoNum type="arabicPeriod"/>
             </a:pPr>
             <a:r>
-              <a:rPr lang="it-IT" sz="2600" dirty="0">
-                <a:latin typeface="Times New Roman" panose="02020603050405020304" pitchFamily="18" charset="0"/>
+              <a:rPr lang="it-IT" dirty="0">
                 <a:cs typeface="Times New Roman" panose="02020603050405020304" pitchFamily="18" charset="0"/>
               </a:rPr>
               <a:t>Si ripete il processo per un numero sufficientemente grande di scenari e si studia la distribuzione delle perdite operative così ottenuta;</a:t>
@@ -16081,30 +16062,23 @@
               <a:buAutoNum type="arabicPeriod"/>
             </a:pPr>
             <a:r>
-              <a:rPr lang="it-IT" sz="2600" dirty="0">
-                <a:latin typeface="Times New Roman" panose="02020603050405020304" pitchFamily="18" charset="0"/>
+              <a:rPr lang="it-IT" dirty="0">
                 <a:cs typeface="Times New Roman" panose="02020603050405020304" pitchFamily="18" charset="0"/>
               </a:rPr>
               <a:t>Dalla distribuzione cumulativa empirica di L si individua il </a:t>
             </a:r>
             <a:r>
-              <a:rPr lang="it-IT" sz="2600" dirty="0" err="1">
-                <a:latin typeface="Times New Roman" panose="02020603050405020304" pitchFamily="18" charset="0"/>
+              <a:rPr lang="it-IT" dirty="0" err="1">
                 <a:cs typeface="Times New Roman" panose="02020603050405020304" pitchFamily="18" charset="0"/>
               </a:rPr>
               <a:t>VaR</a:t>
             </a:r>
             <a:r>
-              <a:rPr lang="it-IT" sz="2600" dirty="0">
-                <a:latin typeface="Times New Roman" panose="02020603050405020304" pitchFamily="18" charset="0"/>
+              <a:rPr lang="it-IT" dirty="0">
                 <a:cs typeface="Times New Roman" panose="02020603050405020304" pitchFamily="18" charset="0"/>
               </a:rPr>
               <a:t> come percentile al livello desiderato</a:t>
             </a:r>
-            <a:endParaRPr lang="it-IT" sz="3000" dirty="0">
-              <a:latin typeface="Times New Roman" panose="02020603050405020304" pitchFamily="18" charset="0"/>
-              <a:cs typeface="Times New Roman" panose="02020603050405020304" pitchFamily="18" charset="0"/>
-            </a:endParaRPr>
           </a:p>
           <a:p>
             <a:pPr marL="514350" indent="-514350" algn="l">
@@ -16190,7 +16164,7 @@
         </p:nvSpPr>
         <p:spPr>
           <a:xfrm>
-            <a:off x="952499" y="48316"/>
+            <a:off x="842961" y="419791"/>
             <a:ext cx="10734675" cy="1325563"/>
           </a:xfrm>
           <a:prstGeom prst="rect">
@@ -16222,14 +16196,14 @@
           </a:lstStyle>
           <a:p>
             <a:r>
-              <a:rPr lang="it-IT" sz="3600" dirty="0">
+              <a:rPr lang="it-IT" sz="4000" dirty="0">
                 <a:latin typeface="+mn-lt"/>
                 <a:cs typeface="Times New Roman" panose="02020603050405020304" pitchFamily="18" charset="0"/>
               </a:rPr>
               <a:t>Modellizzazione della perdita e simulazione </a:t>
             </a:r>
             <a:r>
-              <a:rPr lang="it-IT" sz="3600" b="1" dirty="0">
+              <a:rPr lang="it-IT" sz="4000" b="1" dirty="0">
                 <a:latin typeface="+mn-lt"/>
                 <a:cs typeface="Times New Roman" panose="02020603050405020304" pitchFamily="18" charset="0"/>
               </a:rPr>
@@ -17034,10 +17008,10 @@
           <a:p>
             <a:pPr algn="l"/>
             <a:r>
-              <a:rPr lang="it-IT" sz="2600" dirty="0">
+              <a:rPr lang="it-IT" dirty="0">
                 <a:cs typeface="Times New Roman" panose="02020603050405020304" pitchFamily="18" charset="0"/>
               </a:rPr>
-              <a:t>Per costruire la distribuzione aggregata è necessario partire dalle assunzioni che:</a:t>
+              <a:t>Quanto fatto fin qui poggia sulle seguenti assunzioni:</a:t>
             </a:r>
           </a:p>
           <a:p>
@@ -17045,7 +17019,7 @@
               <a:buFont typeface="Arial" charset="0"/>
               <a:buChar char="•"/>
             </a:pPr>
-            <a:endParaRPr lang="it-IT" sz="2600" dirty="0">
+            <a:endParaRPr lang="it-IT" dirty="0">
               <a:cs typeface="Times New Roman" panose="02020603050405020304" pitchFamily="18" charset="0"/>
             </a:endParaRPr>
           </a:p>
@@ -17055,10 +17029,22 @@
               <a:buChar char="•"/>
             </a:pPr>
             <a:r>
-              <a:rPr lang="it-IT" sz="2600" dirty="0">
+              <a:rPr lang="it-IT" dirty="0">
                 <a:cs typeface="Times New Roman" panose="02020603050405020304" pitchFamily="18" charset="0"/>
               </a:rPr>
-              <a:t>tutti gli eventi siano reciprocamente indipendenti;</a:t>
+              <a:t>eventi di perdita sono reciprocamente indipendenti tra i diversi </a:t>
+            </a:r>
+            <a:r>
+              <a:rPr lang="it-IT" dirty="0" err="1">
+                <a:cs typeface="Times New Roman" panose="02020603050405020304" pitchFamily="18" charset="0"/>
+              </a:rPr>
+              <a:t>sottointervalli</a:t>
+            </a:r>
+            <a:r>
+              <a:rPr lang="it-IT" dirty="0">
+                <a:cs typeface="Times New Roman" panose="02020603050405020304" pitchFamily="18" charset="0"/>
+              </a:rPr>
+              <a:t> temporali;</a:t>
             </a:r>
           </a:p>
           <a:p>
@@ -17067,10 +17053,10 @@
               <a:buChar char="•"/>
             </a:pPr>
             <a:r>
-              <a:rPr lang="it-IT" sz="2600" dirty="0">
+              <a:rPr lang="it-IT" dirty="0">
                 <a:cs typeface="Times New Roman" panose="02020603050405020304" pitchFamily="18" charset="0"/>
               </a:rPr>
-              <a:t>il costo di ogni “incidente” sia identicamente distribuito; </a:t>
+              <a:t>il costo di ogni “incidente” sia identicamente distribuito;</a:t>
             </a:r>
           </a:p>
           <a:p>
@@ -17079,31 +17065,31 @@
               <a:buChar char="•"/>
             </a:pPr>
             <a:r>
-              <a:rPr lang="it-IT" sz="2600" dirty="0">
+              <a:rPr lang="it-IT" dirty="0">
                 <a:cs typeface="Times New Roman" panose="02020603050405020304" pitchFamily="18" charset="0"/>
               </a:rPr>
-              <a:t> la distribuzione di </a:t>
-            </a:r>
-            <a:r>
-              <a:rPr lang="it-IT" sz="2600" dirty="0" err="1">
+              <a:t>la distribuzione di </a:t>
+            </a:r>
+            <a:r>
+              <a:rPr lang="it-IT" dirty="0" err="1">
                 <a:cs typeface="Times New Roman" panose="02020603050405020304" pitchFamily="18" charset="0"/>
               </a:rPr>
               <a:t>frequency</a:t>
             </a:r>
             <a:r>
-              <a:rPr lang="it-IT" sz="2600" dirty="0">
+              <a:rPr lang="it-IT" dirty="0">
                 <a:cs typeface="Times New Roman" panose="02020603050405020304" pitchFamily="18" charset="0"/>
               </a:rPr>
               <a:t> e quella di </a:t>
             </a:r>
             <a:r>
-              <a:rPr lang="it-IT" sz="2600" dirty="0" err="1">
+              <a:rPr lang="it-IT" dirty="0" err="1">
                 <a:cs typeface="Times New Roman" panose="02020603050405020304" pitchFamily="18" charset="0"/>
               </a:rPr>
               <a:t>severity</a:t>
             </a:r>
             <a:r>
-              <a:rPr lang="it-IT" sz="2600" dirty="0">
+              <a:rPr lang="it-IT" dirty="0">
                 <a:cs typeface="Times New Roman" panose="02020603050405020304" pitchFamily="18" charset="0"/>
               </a:rPr>
               <a:t> siano indipendenti. </a:t>
@@ -17127,7 +17113,7 @@
         </p:nvSpPr>
         <p:spPr>
           <a:xfrm>
-            <a:off x="2044921" y="657755"/>
+            <a:off x="2215374" y="167258"/>
             <a:ext cx="7761248" cy="1188720"/>
           </a:xfrm>
           <a:prstGeom prst="rect">
@@ -17321,7 +17307,7 @@
         </p:nvSpPr>
         <p:spPr>
           <a:xfrm>
-            <a:off x="0" y="223947"/>
+            <a:off x="0" y="319548"/>
             <a:ext cx="12192000" cy="1188720"/>
           </a:xfrm>
           <a:prstGeom prst="rect">
@@ -17354,21 +17340,21 @@
           </a:lstStyle>
           <a:p>
             <a:r>
-              <a:rPr lang="it-IT" sz="3600">
+              <a:rPr lang="it-IT" sz="4000" dirty="0">
                 <a:latin typeface="+mn-lt"/>
                 <a:cs typeface="Times New Roman" panose="02020603050405020304" pitchFamily="18" charset="0"/>
               </a:rPr>
               <a:t>Aggregazione delle classi di rischio e </a:t>
             </a:r>
             <a:r>
-              <a:rPr lang="it-IT" sz="3600" dirty="0" err="1">
+              <a:rPr lang="it-IT" sz="4000" dirty="0" err="1">
                 <a:latin typeface="+mn-lt"/>
                 <a:cs typeface="Times New Roman" panose="02020603050405020304" pitchFamily="18" charset="0"/>
               </a:rPr>
               <a:t>VaR</a:t>
             </a:r>
             <a:r>
-              <a:rPr lang="it-IT" sz="3600" dirty="0">
+              <a:rPr lang="it-IT" sz="4000" dirty="0">
                 <a:latin typeface="+mn-lt"/>
                 <a:cs typeface="Times New Roman" panose="02020603050405020304" pitchFamily="18" charset="0"/>
               </a:rPr>
@@ -17574,8 +17560,7 @@
               <a:buChar char="•"/>
             </a:pPr>
             <a:r>
-              <a:rPr lang="it-IT" sz="2600" dirty="0">
-                <a:latin typeface="Times New Roman" panose="02020603050405020304" pitchFamily="18" charset="0"/>
+              <a:rPr lang="it-IT" dirty="0">
                 <a:cs typeface="Times New Roman" panose="02020603050405020304" pitchFamily="18" charset="0"/>
               </a:rPr>
               <a:t>Il calcolo del requisito patrimoniale complessivo a fronte del rischio operativo può essere effettuato sommando i requisiti di capitale determinati per ciascuna Business Line e tipologia di evento. </a:t>
@@ -17583,8 +17568,7 @@
           </a:p>
           <a:p>
             <a:pPr algn="l"/>
-            <a:endParaRPr lang="it-IT" sz="2600" dirty="0">
-              <a:latin typeface="Times New Roman" panose="02020603050405020304" pitchFamily="18" charset="0"/>
+            <a:endParaRPr lang="it-IT" dirty="0">
               <a:cs typeface="Times New Roman" panose="02020603050405020304" pitchFamily="18" charset="0"/>
             </a:endParaRPr>
           </a:p>
@@ -17594,8 +17578,7 @@
               <a:buChar char="•"/>
             </a:pPr>
             <a:r>
-              <a:rPr lang="it-IT" sz="2600" dirty="0">
-                <a:latin typeface="Times New Roman" panose="02020603050405020304" pitchFamily="18" charset="0"/>
+              <a:rPr lang="it-IT" dirty="0">
                 <a:cs typeface="Times New Roman" panose="02020603050405020304" pitchFamily="18" charset="0"/>
               </a:rPr>
               <a:t>Oppure si può tener conto delle correlazioni tra i vari rischi operativi e le diverse linee di business, con modelli di stima delle correlazioni.</a:t>
@@ -18112,7 +18095,7 @@
         </p:nvSpPr>
         <p:spPr>
           <a:xfrm>
-            <a:off x="-2" y="265902"/>
+            <a:off x="-2" y="419686"/>
             <a:ext cx="12192000" cy="1188720"/>
           </a:xfrm>
           <a:prstGeom prst="rect">
@@ -18700,13 +18683,40 @@
             </a:pPr>
             <a:r>
               <a:rPr lang="it-IT" dirty="0"/>
-              <a:t>Applicazioni: modellizzazione della perdita e simulazione monte </a:t>
-            </a:r>
-            <a:r>
-              <a:rPr lang="it-IT" dirty="0" err="1"/>
-              <a:t>carlo</a:t>
-            </a:r>
-            <a:endParaRPr lang="it-IT" dirty="0"/>
+              <a:t>Indicatori di rischio: VAR (</a:t>
+            </a:r>
+            <a:r>
+              <a:rPr lang="it-IT" i="1" dirty="0"/>
+              <a:t>Value </a:t>
+            </a:r>
+            <a:r>
+              <a:rPr lang="it-IT" i="1" dirty="0" err="1"/>
+              <a:t>at</a:t>
+            </a:r>
+            <a:r>
+              <a:rPr lang="it-IT" i="1" dirty="0"/>
+              <a:t> risk</a:t>
+            </a:r>
+            <a:r>
+              <a:rPr lang="it-IT" dirty="0"/>
+              <a:t>) &amp; CAR (</a:t>
+            </a:r>
+            <a:r>
+              <a:rPr lang="it-IT" i="1" dirty="0"/>
+              <a:t>Capital </a:t>
+            </a:r>
+            <a:r>
+              <a:rPr lang="it-IT" i="1" dirty="0" err="1"/>
+              <a:t>at</a:t>
+            </a:r>
+            <a:r>
+              <a:rPr lang="it-IT" i="1" dirty="0"/>
+              <a:t> risk</a:t>
+            </a:r>
+            <a:r>
+              <a:rPr lang="it-IT" dirty="0"/>
+              <a:t>)</a:t>
+            </a:r>
           </a:p>
           <a:p>
             <a:pPr marL="514350" indent="-514350" algn="l">
@@ -18715,48 +18725,13 @@
             </a:pPr>
             <a:r>
               <a:rPr lang="it-IT" dirty="0"/>
-              <a:t>Indicatori di rischio: VAR (</a:t>
-            </a:r>
-            <a:r>
-              <a:rPr lang="it-IT" i="1" dirty="0"/>
-              <a:t>Value </a:t>
-            </a:r>
-            <a:r>
-              <a:rPr lang="it-IT" i="1" dirty="0" err="1"/>
-              <a:t>at</a:t>
-            </a:r>
-            <a:r>
-              <a:rPr lang="it-IT" i="1" dirty="0"/>
-              <a:t> </a:t>
-            </a:r>
-            <a:r>
-              <a:rPr lang="it-IT" i="1" dirty="0" err="1"/>
-              <a:t>risk</a:t>
-            </a:r>
-            <a:r>
-              <a:rPr lang="it-IT" dirty="0"/>
-              <a:t>) &amp; CAR (</a:t>
-            </a:r>
-            <a:r>
-              <a:rPr lang="it-IT" i="1" dirty="0"/>
-              <a:t>Capital </a:t>
-            </a:r>
-            <a:r>
-              <a:rPr lang="it-IT" i="1" dirty="0" err="1"/>
-              <a:t>at</a:t>
-            </a:r>
-            <a:r>
-              <a:rPr lang="it-IT" i="1" dirty="0"/>
-              <a:t> </a:t>
-            </a:r>
-            <a:r>
-              <a:rPr lang="it-IT" i="1" dirty="0" err="1"/>
-              <a:t>risk</a:t>
-            </a:r>
-            <a:r>
-              <a:rPr lang="it-IT" dirty="0"/>
-              <a:t>)</a:t>
-            </a:r>
+              <a:t>Applicazioni: modellizzazione della perdita e simulazione monte </a:t>
+            </a:r>
+            <a:r>
+              <a:rPr lang="it-IT" dirty="0" err="1"/>
+              <a:t>carlo</a:t>
+            </a:r>
+            <a:endParaRPr lang="it-IT" dirty="0"/>
           </a:p>
           <a:p>
             <a:pPr marL="514350" indent="-514350" algn="l">
@@ -18895,75 +18870,99 @@
       </p:grpSpPr>
       <p:sp>
         <p:nvSpPr>
-          <p:cNvPr id="4" name="Titolo 1"/>
-          <p:cNvSpPr txBox="1">
-            <a:spLocks/>
-          </p:cNvSpPr>
+          <p:cNvPr id="6" name="CasellaDiTesto 5">
+            <a:extLst>
+              <a:ext uri="{FF2B5EF4-FFF2-40B4-BE49-F238E27FC236}">
+                <a16:creationId xmlns:a16="http://schemas.microsoft.com/office/drawing/2014/main" id="{6FDE832F-F371-41AB-B1CC-2AC9B9FAB3B7}"/>
+              </a:ext>
+            </a:extLst>
+          </p:cNvPr>
+          <p:cNvSpPr txBox="1"/>
           <p:nvPr/>
         </p:nvSpPr>
         <p:spPr>
           <a:xfrm>
-            <a:off x="838198" y="91726"/>
-            <a:ext cx="10515600" cy="1325563"/>
+            <a:off x="1172814" y="6308035"/>
+            <a:ext cx="9846368" cy="261610"/>
           </a:xfrm>
           <a:prstGeom prst="rect">
             <a:avLst/>
           </a:prstGeom>
+          <a:noFill/>
         </p:spPr>
         <p:txBody>
-          <a:bodyPr vert="horz" lIns="91440" tIns="45720" rIns="91440" bIns="45720" rtlCol="0" anchor="b">
-            <a:normAutofit/>
+          <a:bodyPr wrap="square" rtlCol="0">
+            <a:spAutoFit/>
           </a:bodyPr>
-          <a:lstStyle>
-            <a:lvl1pPr algn="ctr" defTabSz="914400" rtl="0" eaLnBrk="1" latinLnBrk="0" hangingPunct="1">
-              <a:lnSpc>
-                <a:spcPct val="90000"/>
-              </a:lnSpc>
-              <a:spcBef>
-                <a:spcPct val="0"/>
-              </a:spcBef>
-              <a:buNone/>
-              <a:defRPr sz="6000" kern="1200">
-                <a:solidFill>
-                  <a:schemeClr val="tx1"/>
-                </a:solidFill>
-                <a:latin typeface="+mj-lt"/>
-                <a:ea typeface="+mj-ea"/>
-                <a:cs typeface="+mj-cs"/>
-              </a:defRPr>
-            </a:lvl1pPr>
-          </a:lstStyle>
-          <a:p>
-            <a:endParaRPr lang="it-IT" sz="4000" dirty="0">
-              <a:latin typeface="Bodoni MT" pitchFamily="18" charset="0"/>
-            </a:endParaRPr>
+          <a:lstStyle/>
+          <a:p>
+            <a:pPr algn="ctr"/>
+            <a:r>
+              <a:rPr lang="it-IT" sz="1100" i="1" dirty="0"/>
+              <a:t>ERIK HOLLER  - ELIA SCARPARO- STEFANO ZAMPIERO</a:t>
+            </a:r>
+          </a:p>
+        </p:txBody>
+      </p:sp>
+      <p:sp>
+        <p:nvSpPr>
+          <p:cNvPr id="7" name="CasellaDiTesto 6">
+            <a:extLst>
+              <a:ext uri="{FF2B5EF4-FFF2-40B4-BE49-F238E27FC236}">
+                <a16:creationId xmlns:a16="http://schemas.microsoft.com/office/drawing/2014/main" id="{A8190D3D-8F34-4903-BC36-3F1924FD2C0E}"/>
+              </a:ext>
+            </a:extLst>
+          </p:cNvPr>
+          <p:cNvSpPr txBox="1"/>
+          <p:nvPr/>
+        </p:nvSpPr>
+        <p:spPr>
+          <a:xfrm>
+            <a:off x="7281376" y="112014"/>
+            <a:ext cx="4532908" cy="307777"/>
+          </a:xfrm>
+          <a:prstGeom prst="rect">
+            <a:avLst/>
+          </a:prstGeom>
+          <a:noFill/>
+        </p:spPr>
+        <p:txBody>
+          <a:bodyPr wrap="none" rtlCol="0">
+            <a:spAutoFit/>
+          </a:bodyPr>
+          <a:lstStyle/>
+          <a:p>
+            <a:r>
+              <a:rPr lang="it-IT" sz="1400" i="1" dirty="0"/>
+              <a:t>LABORATORIO DI SIMULAZIONI FINANZIARIE A.A. 2017-2018</a:t>
+            </a:r>
           </a:p>
         </p:txBody>
       </p:sp>
       <p:pic>
         <p:nvPicPr>
-          <p:cNvPr id="2" name="Immagine 1"/>
+          <p:cNvPr id="8" name="Immagine 7">
+            <a:extLst>
+              <a:ext uri="{FF2B5EF4-FFF2-40B4-BE49-F238E27FC236}">
+                <a16:creationId xmlns:a16="http://schemas.microsoft.com/office/drawing/2014/main" id="{5F4C4FA5-D239-410A-802A-E395AFB39B48}"/>
+              </a:ext>
+            </a:extLst>
+          </p:cNvPr>
           <p:cNvPicPr>
             <a:picLocks noChangeAspect="1"/>
           </p:cNvPicPr>
           <p:nvPr/>
         </p:nvPicPr>
         <p:blipFill>
-          <a:blip r:embed="rId2">
-            <a:extLst>
-              <a:ext uri="{28A0092B-C50C-407E-A947-70E740481C1C}">
-                <a14:useLocalDpi xmlns:a14="http://schemas.microsoft.com/office/drawing/2010/main" val="0"/>
-              </a:ext>
-            </a:extLst>
-          </a:blip>
+          <a:blip r:embed="rId2"/>
           <a:stretch>
             <a:fillRect/>
           </a:stretch>
         </p:blipFill>
         <p:spPr>
           <a:xfrm>
-            <a:off x="2540000" y="762000"/>
-            <a:ext cx="7112000" cy="5334000"/>
+            <a:off x="346221" y="1877740"/>
+            <a:ext cx="11499557" cy="3102520"/>
           </a:xfrm>
           <a:prstGeom prst="rect">
             <a:avLst/>
@@ -18973,7 +18972,7 @@
     </p:spTree>
     <p:extLst>
       <p:ext uri="{BB962C8B-B14F-4D97-AF65-F5344CB8AC3E}">
-        <p14:creationId xmlns:p14="http://schemas.microsoft.com/office/powerpoint/2010/main" val="1263849502"/>
+        <p14:creationId xmlns:p14="http://schemas.microsoft.com/office/powerpoint/2010/main" val="1170329898"/>
       </p:ext>
     </p:extLst>
   </p:cSld>
@@ -19080,7 +19079,7 @@
     </p:spTree>
     <p:extLst>
       <p:ext uri="{BB962C8B-B14F-4D97-AF65-F5344CB8AC3E}">
-        <p14:creationId xmlns:p14="http://schemas.microsoft.com/office/powerpoint/2010/main" val="757827637"/>
+        <p14:creationId xmlns:p14="http://schemas.microsoft.com/office/powerpoint/2010/main" val="1263849502"/>
       </p:ext>
     </p:extLst>
   </p:cSld>
@@ -19187,7 +19186,7 @@
     </p:spTree>
     <p:extLst>
       <p:ext uri="{BB962C8B-B14F-4D97-AF65-F5344CB8AC3E}">
-        <p14:creationId xmlns:p14="http://schemas.microsoft.com/office/powerpoint/2010/main" val="83584702"/>
+        <p14:creationId xmlns:p14="http://schemas.microsoft.com/office/powerpoint/2010/main" val="757827637"/>
       </p:ext>
     </p:extLst>
   </p:cSld>
@@ -19731,7 +19730,7 @@
       </p:sp>
       <p:pic>
         <p:nvPicPr>
-          <p:cNvPr id="3" name="Immagine 2"/>
+          <p:cNvPr id="2" name="Immagine 1"/>
           <p:cNvPicPr>
             <a:picLocks noChangeAspect="1"/>
           </p:cNvPicPr>
@@ -19762,7 +19761,7 @@
     </p:spTree>
     <p:extLst>
       <p:ext uri="{BB962C8B-B14F-4D97-AF65-F5344CB8AC3E}">
-        <p14:creationId xmlns:p14="http://schemas.microsoft.com/office/powerpoint/2010/main" val="1083155914"/>
+        <p14:creationId xmlns:p14="http://schemas.microsoft.com/office/powerpoint/2010/main" val="83584702"/>
       </p:ext>
     </p:extLst>
   </p:cSld>
@@ -19869,7 +19868,7 @@
     </p:spTree>
     <p:extLst>
       <p:ext uri="{BB962C8B-B14F-4D97-AF65-F5344CB8AC3E}">
-        <p14:creationId xmlns:p14="http://schemas.microsoft.com/office/powerpoint/2010/main" val="304404935"/>
+        <p14:creationId xmlns:p14="http://schemas.microsoft.com/office/powerpoint/2010/main" val="1083155914"/>
       </p:ext>
     </p:extLst>
   </p:cSld>
@@ -19945,7 +19944,7 @@
       </p:sp>
       <p:pic>
         <p:nvPicPr>
-          <p:cNvPr id="2" name="Immagine 1"/>
+          <p:cNvPr id="3" name="Immagine 2"/>
           <p:cNvPicPr>
             <a:picLocks noChangeAspect="1"/>
           </p:cNvPicPr>
@@ -19976,7 +19975,7 @@
     </p:spTree>
     <p:extLst>
       <p:ext uri="{BB962C8B-B14F-4D97-AF65-F5344CB8AC3E}">
-        <p14:creationId xmlns:p14="http://schemas.microsoft.com/office/powerpoint/2010/main" val="732014029"/>
+        <p14:creationId xmlns:p14="http://schemas.microsoft.com/office/powerpoint/2010/main" val="304404935"/>
       </p:ext>
     </p:extLst>
   </p:cSld>
@@ -20050,417 +20049,40 @@
           </a:p>
         </p:txBody>
       </p:sp>
-      <p:sp>
-        <p:nvSpPr>
-          <p:cNvPr id="5" name="Segnaposto contenuto 2"/>
-          <p:cNvSpPr txBox="1">
-            <a:spLocks/>
-          </p:cNvSpPr>
+      <p:pic>
+        <p:nvPicPr>
+          <p:cNvPr id="2" name="Immagine 1"/>
+          <p:cNvPicPr>
+            <a:picLocks noChangeAspect="1"/>
+          </p:cNvPicPr>
           <p:nvPr/>
-        </p:nvSpPr>
+        </p:nvPicPr>
+        <p:blipFill>
+          <a:blip r:embed="rId2">
+            <a:extLst>
+              <a:ext uri="{28A0092B-C50C-407E-A947-70E740481C1C}">
+                <a14:useLocalDpi xmlns:a14="http://schemas.microsoft.com/office/drawing/2010/main" val="0"/>
+              </a:ext>
+            </a:extLst>
+          </a:blip>
+          <a:stretch>
+            <a:fillRect/>
+          </a:stretch>
+        </p:blipFill>
         <p:spPr>
           <a:xfrm>
-            <a:off x="838200" y="2285999"/>
-            <a:ext cx="10515600" cy="3849903"/>
+            <a:off x="2540000" y="762000"/>
+            <a:ext cx="7112000" cy="5334000"/>
           </a:xfrm>
           <a:prstGeom prst="rect">
             <a:avLst/>
           </a:prstGeom>
         </p:spPr>
-        <p:txBody>
-          <a:bodyPr vert="horz" lIns="91440" tIns="45720" rIns="91440" bIns="45720" rtlCol="0">
-            <a:normAutofit/>
-          </a:bodyPr>
-          <a:lstStyle>
-            <a:lvl1pPr marL="0" indent="0" algn="ctr" defTabSz="914400" rtl="0" eaLnBrk="1" latinLnBrk="0" hangingPunct="1">
-              <a:lnSpc>
-                <a:spcPct val="90000"/>
-              </a:lnSpc>
-              <a:spcBef>
-                <a:spcPts val="1000"/>
-              </a:spcBef>
-              <a:buFont typeface="Arial" panose="020B0604020202020204" pitchFamily="34" charset="0"/>
-              <a:buNone/>
-              <a:defRPr sz="2400" kern="1200">
-                <a:solidFill>
-                  <a:schemeClr val="tx1"/>
-                </a:solidFill>
-                <a:latin typeface="+mn-lt"/>
-                <a:ea typeface="+mn-ea"/>
-                <a:cs typeface="+mn-cs"/>
-              </a:defRPr>
-            </a:lvl1pPr>
-            <a:lvl2pPr marL="457200" indent="0" algn="ctr" defTabSz="914400" rtl="0" eaLnBrk="1" latinLnBrk="0" hangingPunct="1">
-              <a:lnSpc>
-                <a:spcPct val="90000"/>
-              </a:lnSpc>
-              <a:spcBef>
-                <a:spcPts val="500"/>
-              </a:spcBef>
-              <a:buFont typeface="Arial" panose="020B0604020202020204" pitchFamily="34" charset="0"/>
-              <a:buNone/>
-              <a:defRPr sz="2000" kern="1200">
-                <a:solidFill>
-                  <a:schemeClr val="tx1"/>
-                </a:solidFill>
-                <a:latin typeface="+mn-lt"/>
-                <a:ea typeface="+mn-ea"/>
-                <a:cs typeface="+mn-cs"/>
-              </a:defRPr>
-            </a:lvl2pPr>
-            <a:lvl3pPr marL="914400" indent="0" algn="ctr" defTabSz="914400" rtl="0" eaLnBrk="1" latinLnBrk="0" hangingPunct="1">
-              <a:lnSpc>
-                <a:spcPct val="90000"/>
-              </a:lnSpc>
-              <a:spcBef>
-                <a:spcPts val="500"/>
-              </a:spcBef>
-              <a:buFont typeface="Arial" panose="020B0604020202020204" pitchFamily="34" charset="0"/>
-              <a:buNone/>
-              <a:defRPr sz="1800" kern="1200">
-                <a:solidFill>
-                  <a:schemeClr val="tx1"/>
-                </a:solidFill>
-                <a:latin typeface="+mn-lt"/>
-                <a:ea typeface="+mn-ea"/>
-                <a:cs typeface="+mn-cs"/>
-              </a:defRPr>
-            </a:lvl3pPr>
-            <a:lvl4pPr marL="1371600" indent="0" algn="ctr" defTabSz="914400" rtl="0" eaLnBrk="1" latinLnBrk="0" hangingPunct="1">
-              <a:lnSpc>
-                <a:spcPct val="90000"/>
-              </a:lnSpc>
-              <a:spcBef>
-                <a:spcPts val="500"/>
-              </a:spcBef>
-              <a:buFont typeface="Arial" panose="020B0604020202020204" pitchFamily="34" charset="0"/>
-              <a:buNone/>
-              <a:defRPr sz="1600" kern="1200">
-                <a:solidFill>
-                  <a:schemeClr val="tx1"/>
-                </a:solidFill>
-                <a:latin typeface="+mn-lt"/>
-                <a:ea typeface="+mn-ea"/>
-                <a:cs typeface="+mn-cs"/>
-              </a:defRPr>
-            </a:lvl4pPr>
-            <a:lvl5pPr marL="1828800" indent="0" algn="ctr" defTabSz="914400" rtl="0" eaLnBrk="1" latinLnBrk="0" hangingPunct="1">
-              <a:lnSpc>
-                <a:spcPct val="90000"/>
-              </a:lnSpc>
-              <a:spcBef>
-                <a:spcPts val="500"/>
-              </a:spcBef>
-              <a:buFont typeface="Arial" panose="020B0604020202020204" pitchFamily="34" charset="0"/>
-              <a:buNone/>
-              <a:defRPr sz="1600" kern="1200">
-                <a:solidFill>
-                  <a:schemeClr val="tx1"/>
-                </a:solidFill>
-                <a:latin typeface="+mn-lt"/>
-                <a:ea typeface="+mn-ea"/>
-                <a:cs typeface="+mn-cs"/>
-              </a:defRPr>
-            </a:lvl5pPr>
-            <a:lvl6pPr marL="2286000" indent="0" algn="ctr" defTabSz="914400" rtl="0" eaLnBrk="1" latinLnBrk="0" hangingPunct="1">
-              <a:lnSpc>
-                <a:spcPct val="90000"/>
-              </a:lnSpc>
-              <a:spcBef>
-                <a:spcPts val="500"/>
-              </a:spcBef>
-              <a:buFont typeface="Arial" panose="020B0604020202020204" pitchFamily="34" charset="0"/>
-              <a:buNone/>
-              <a:defRPr sz="1600" kern="1200">
-                <a:solidFill>
-                  <a:schemeClr val="tx1"/>
-                </a:solidFill>
-                <a:latin typeface="+mn-lt"/>
-                <a:ea typeface="+mn-ea"/>
-                <a:cs typeface="+mn-cs"/>
-              </a:defRPr>
-            </a:lvl6pPr>
-            <a:lvl7pPr marL="2743200" indent="0" algn="ctr" defTabSz="914400" rtl="0" eaLnBrk="1" latinLnBrk="0" hangingPunct="1">
-              <a:lnSpc>
-                <a:spcPct val="90000"/>
-              </a:lnSpc>
-              <a:spcBef>
-                <a:spcPts val="500"/>
-              </a:spcBef>
-              <a:buFont typeface="Arial" panose="020B0604020202020204" pitchFamily="34" charset="0"/>
-              <a:buNone/>
-              <a:defRPr sz="1600" kern="1200">
-                <a:solidFill>
-                  <a:schemeClr val="tx1"/>
-                </a:solidFill>
-                <a:latin typeface="+mn-lt"/>
-                <a:ea typeface="+mn-ea"/>
-                <a:cs typeface="+mn-cs"/>
-              </a:defRPr>
-            </a:lvl7pPr>
-            <a:lvl8pPr marL="3200400" indent="0" algn="ctr" defTabSz="914400" rtl="0" eaLnBrk="1" latinLnBrk="0" hangingPunct="1">
-              <a:lnSpc>
-                <a:spcPct val="90000"/>
-              </a:lnSpc>
-              <a:spcBef>
-                <a:spcPts val="500"/>
-              </a:spcBef>
-              <a:buFont typeface="Arial" panose="020B0604020202020204" pitchFamily="34" charset="0"/>
-              <a:buNone/>
-              <a:defRPr sz="1600" kern="1200">
-                <a:solidFill>
-                  <a:schemeClr val="tx1"/>
-                </a:solidFill>
-                <a:latin typeface="+mn-lt"/>
-                <a:ea typeface="+mn-ea"/>
-                <a:cs typeface="+mn-cs"/>
-              </a:defRPr>
-            </a:lvl8pPr>
-            <a:lvl9pPr marL="3657600" indent="0" algn="ctr" defTabSz="914400" rtl="0" eaLnBrk="1" latinLnBrk="0" hangingPunct="1">
-              <a:lnSpc>
-                <a:spcPct val="90000"/>
-              </a:lnSpc>
-              <a:spcBef>
-                <a:spcPts val="500"/>
-              </a:spcBef>
-              <a:buFont typeface="Arial" panose="020B0604020202020204" pitchFamily="34" charset="0"/>
-              <a:buNone/>
-              <a:defRPr sz="1600" kern="1200">
-                <a:solidFill>
-                  <a:schemeClr val="tx1"/>
-                </a:solidFill>
-                <a:latin typeface="+mn-lt"/>
-                <a:ea typeface="+mn-ea"/>
-                <a:cs typeface="+mn-cs"/>
-              </a:defRPr>
-            </a:lvl9pPr>
-          </a:lstStyle>
-          <a:p>
-            <a:pPr marL="514350" indent="-514350" algn="l">
-              <a:buFont typeface="+mj-lt"/>
-              <a:buAutoNum type="arabicPeriod"/>
-            </a:pPr>
-            <a:r>
-              <a:rPr lang="it-IT" dirty="0"/>
-              <a:t>Il rischio operativo a livello attuariale </a:t>
-            </a:r>
-          </a:p>
-          <a:p>
-            <a:pPr marL="514350" indent="-514350" algn="l">
-              <a:buFont typeface="+mj-lt"/>
-              <a:buAutoNum type="arabicPeriod"/>
-            </a:pPr>
-            <a:r>
-              <a:rPr lang="it-IT" dirty="0"/>
-              <a:t>Il </a:t>
-            </a:r>
-            <a:r>
-              <a:rPr lang="it-IT" dirty="0" err="1"/>
-              <a:t>Loss</a:t>
-            </a:r>
-            <a:r>
-              <a:rPr lang="it-IT" dirty="0"/>
-              <a:t> Distribution </a:t>
-            </a:r>
-            <a:r>
-              <a:rPr lang="it-IT" dirty="0" err="1"/>
-              <a:t>Approach</a:t>
-            </a:r>
-            <a:r>
-              <a:rPr lang="it-IT" dirty="0"/>
-              <a:t> (LDA)</a:t>
-            </a:r>
-          </a:p>
-          <a:p>
-            <a:pPr marL="514350" indent="-514350" algn="l">
-              <a:buFont typeface="+mj-lt"/>
-              <a:buAutoNum type="arabicPeriod"/>
-            </a:pPr>
-            <a:r>
-              <a:rPr lang="it-IT" dirty="0"/>
-              <a:t>Applicazioni: modellizzazione della perdita e simulazione monte </a:t>
-            </a:r>
-            <a:r>
-              <a:rPr lang="it-IT" dirty="0" err="1"/>
-              <a:t>carlo</a:t>
-            </a:r>
-            <a:endParaRPr lang="it-IT" dirty="0"/>
-          </a:p>
-          <a:p>
-            <a:pPr marL="514350" indent="-514350" algn="l">
-              <a:buFont typeface="+mj-lt"/>
-              <a:buAutoNum type="arabicPeriod"/>
-            </a:pPr>
-            <a:r>
-              <a:rPr lang="it-IT" dirty="0"/>
-              <a:t>Indicatori di rischio: VAR (</a:t>
-            </a:r>
-            <a:r>
-              <a:rPr lang="it-IT" i="1" dirty="0"/>
-              <a:t>Value </a:t>
-            </a:r>
-            <a:r>
-              <a:rPr lang="it-IT" i="1" dirty="0" err="1"/>
-              <a:t>at</a:t>
-            </a:r>
-            <a:r>
-              <a:rPr lang="it-IT" i="1" dirty="0"/>
-              <a:t> </a:t>
-            </a:r>
-            <a:r>
-              <a:rPr lang="it-IT" i="1" dirty="0" err="1"/>
-              <a:t>risk</a:t>
-            </a:r>
-            <a:r>
-              <a:rPr lang="it-IT" dirty="0"/>
-              <a:t>) &amp; CAR (</a:t>
-            </a:r>
-            <a:r>
-              <a:rPr lang="it-IT" i="1" dirty="0"/>
-              <a:t>Capital </a:t>
-            </a:r>
-            <a:r>
-              <a:rPr lang="it-IT" i="1" dirty="0" err="1"/>
-              <a:t>at</a:t>
-            </a:r>
-            <a:r>
-              <a:rPr lang="it-IT" i="1" dirty="0"/>
-              <a:t> </a:t>
-            </a:r>
-            <a:r>
-              <a:rPr lang="it-IT" i="1" dirty="0" err="1"/>
-              <a:t>risk</a:t>
-            </a:r>
-            <a:r>
-              <a:rPr lang="it-IT" dirty="0"/>
-              <a:t>)</a:t>
-            </a:r>
-          </a:p>
-          <a:p>
-            <a:pPr marL="514350" indent="-514350" algn="l">
-              <a:buFont typeface="+mj-lt"/>
-              <a:buAutoNum type="arabicPeriod"/>
-            </a:pPr>
-            <a:r>
-              <a:rPr lang="it-IT" dirty="0"/>
-              <a:t>Confronto fra distribuzioni</a:t>
-            </a:r>
-          </a:p>
-          <a:p>
-            <a:pPr marL="514350" indent="-514350" algn="l">
-              <a:buFont typeface="+mj-lt"/>
-              <a:buAutoNum type="arabicPeriod"/>
-            </a:pPr>
-            <a:r>
-              <a:rPr lang="it-IT" b="1" dirty="0">
-                <a:solidFill>
-                  <a:srgbClr val="00B050"/>
-                </a:solidFill>
-              </a:rPr>
-              <a:t>Vantaggi e limiti del </a:t>
-            </a:r>
-            <a:r>
-              <a:rPr lang="it-IT" b="1" dirty="0" err="1">
-                <a:solidFill>
-                  <a:srgbClr val="00B050"/>
-                </a:solidFill>
-              </a:rPr>
-              <a:t>Loss</a:t>
-            </a:r>
-            <a:r>
-              <a:rPr lang="it-IT" b="1" dirty="0">
-                <a:solidFill>
-                  <a:srgbClr val="00B050"/>
-                </a:solidFill>
-              </a:rPr>
-              <a:t> Distribution </a:t>
-            </a:r>
-            <a:r>
-              <a:rPr lang="it-IT" b="1" dirty="0" err="1">
-                <a:solidFill>
-                  <a:srgbClr val="00B050"/>
-                </a:solidFill>
-              </a:rPr>
-              <a:t>Approach</a:t>
-            </a:r>
-            <a:endParaRPr lang="it-IT" b="1" dirty="0">
-              <a:solidFill>
-                <a:srgbClr val="00B050"/>
-              </a:solidFill>
-            </a:endParaRPr>
-          </a:p>
-          <a:p>
-            <a:pPr marL="514350" indent="-514350" algn="l">
-              <a:buFont typeface="+mj-lt"/>
-              <a:buAutoNum type="arabicPeriod"/>
-            </a:pPr>
-            <a:endParaRPr lang="it-IT" dirty="0"/>
-          </a:p>
-        </p:txBody>
-      </p:sp>
-      <p:sp>
-        <p:nvSpPr>
-          <p:cNvPr id="7" name="CasellaDiTesto 6"/>
-          <p:cNvSpPr txBox="1"/>
-          <p:nvPr/>
-        </p:nvSpPr>
-        <p:spPr>
-          <a:xfrm>
-            <a:off x="1172814" y="6308035"/>
-            <a:ext cx="9846368" cy="261610"/>
-          </a:xfrm>
-          <a:prstGeom prst="rect">
-            <a:avLst/>
-          </a:prstGeom>
-          <a:noFill/>
-        </p:spPr>
-        <p:txBody>
-          <a:bodyPr wrap="square" rtlCol="0">
-            <a:spAutoFit/>
-          </a:bodyPr>
-          <a:lstStyle/>
-          <a:p>
-            <a:pPr algn="ctr"/>
-            <a:r>
-              <a:rPr lang="it-IT" sz="1100" i="1" dirty="0"/>
-              <a:t>ERIK HOLLER  - ELIA SCARPARO- STEFANO ZAMPIERO</a:t>
-            </a:r>
-          </a:p>
-        </p:txBody>
-      </p:sp>
-      <p:sp>
-        <p:nvSpPr>
-          <p:cNvPr id="9" name="CasellaDiTesto 8"/>
-          <p:cNvSpPr txBox="1"/>
-          <p:nvPr/>
-        </p:nvSpPr>
-        <p:spPr>
-          <a:xfrm>
-            <a:off x="7281376" y="112014"/>
-            <a:ext cx="4532908" cy="307777"/>
-          </a:xfrm>
-          <a:prstGeom prst="rect">
-            <a:avLst/>
-          </a:prstGeom>
-          <a:noFill/>
-        </p:spPr>
-        <p:txBody>
-          <a:bodyPr wrap="none" rtlCol="0">
-            <a:spAutoFit/>
-          </a:bodyPr>
-          <a:lstStyle/>
-          <a:p>
-            <a:r>
-              <a:rPr lang="it-IT" sz="1400" i="1" dirty="0"/>
-              <a:t>LABORATORIO DI SIMULAZIONI FINANZIARIE A.A. 2017-2018</a:t>
-            </a:r>
-          </a:p>
-        </p:txBody>
-      </p:sp>
+      </p:pic>
     </p:spTree>
     <p:extLst>
       <p:ext uri="{BB962C8B-B14F-4D97-AF65-F5344CB8AC3E}">
-        <p14:creationId xmlns:p14="http://schemas.microsoft.com/office/powerpoint/2010/main" val="721099189"/>
+        <p14:creationId xmlns:p14="http://schemas.microsoft.com/office/powerpoint/2010/main" val="732014029"/>
       </p:ext>
     </p:extLst>
   </p:cSld>
@@ -20528,12 +20150,349 @@
             </a:lvl1pPr>
           </a:lstStyle>
           <a:p>
-            <a:r>
-              <a:rPr lang="it-IT" sz="4000" dirty="0">
-                <a:latin typeface="Bodoni MT" pitchFamily="18" charset="0"/>
+            <a:endParaRPr lang="it-IT" sz="4000" dirty="0">
+              <a:latin typeface="Bodoni MT" pitchFamily="18" charset="0"/>
+            </a:endParaRPr>
+          </a:p>
+        </p:txBody>
+      </p:sp>
+      <p:sp>
+        <p:nvSpPr>
+          <p:cNvPr id="5" name="Segnaposto contenuto 2"/>
+          <p:cNvSpPr txBox="1">
+            <a:spLocks/>
+          </p:cNvSpPr>
+          <p:nvPr/>
+        </p:nvSpPr>
+        <p:spPr>
+          <a:xfrm>
+            <a:off x="838200" y="2285999"/>
+            <a:ext cx="10515600" cy="3849903"/>
+          </a:xfrm>
+          <a:prstGeom prst="rect">
+            <a:avLst/>
+          </a:prstGeom>
+        </p:spPr>
+        <p:txBody>
+          <a:bodyPr vert="horz" lIns="91440" tIns="45720" rIns="91440" bIns="45720" rtlCol="0">
+            <a:normAutofit/>
+          </a:bodyPr>
+          <a:lstStyle>
+            <a:lvl1pPr marL="0" indent="0" algn="ctr" defTabSz="914400" rtl="0" eaLnBrk="1" latinLnBrk="0" hangingPunct="1">
+              <a:lnSpc>
+                <a:spcPct val="90000"/>
+              </a:lnSpc>
+              <a:spcBef>
+                <a:spcPts val="1000"/>
+              </a:spcBef>
+              <a:buFont typeface="Arial" panose="020B0604020202020204" pitchFamily="34" charset="0"/>
+              <a:buNone/>
+              <a:defRPr sz="2400" kern="1200">
+                <a:solidFill>
+                  <a:schemeClr val="tx1"/>
+                </a:solidFill>
+                <a:latin typeface="+mn-lt"/>
+                <a:ea typeface="+mn-ea"/>
+                <a:cs typeface="+mn-cs"/>
+              </a:defRPr>
+            </a:lvl1pPr>
+            <a:lvl2pPr marL="457200" indent="0" algn="ctr" defTabSz="914400" rtl="0" eaLnBrk="1" latinLnBrk="0" hangingPunct="1">
+              <a:lnSpc>
+                <a:spcPct val="90000"/>
+              </a:lnSpc>
+              <a:spcBef>
+                <a:spcPts val="500"/>
+              </a:spcBef>
+              <a:buFont typeface="Arial" panose="020B0604020202020204" pitchFamily="34" charset="0"/>
+              <a:buNone/>
+              <a:defRPr sz="2000" kern="1200">
+                <a:solidFill>
+                  <a:schemeClr val="tx1"/>
+                </a:solidFill>
+                <a:latin typeface="+mn-lt"/>
+                <a:ea typeface="+mn-ea"/>
+                <a:cs typeface="+mn-cs"/>
+              </a:defRPr>
+            </a:lvl2pPr>
+            <a:lvl3pPr marL="914400" indent="0" algn="ctr" defTabSz="914400" rtl="0" eaLnBrk="1" latinLnBrk="0" hangingPunct="1">
+              <a:lnSpc>
+                <a:spcPct val="90000"/>
+              </a:lnSpc>
+              <a:spcBef>
+                <a:spcPts val="500"/>
+              </a:spcBef>
+              <a:buFont typeface="Arial" panose="020B0604020202020204" pitchFamily="34" charset="0"/>
+              <a:buNone/>
+              <a:defRPr sz="1800" kern="1200">
+                <a:solidFill>
+                  <a:schemeClr val="tx1"/>
+                </a:solidFill>
+                <a:latin typeface="+mn-lt"/>
+                <a:ea typeface="+mn-ea"/>
+                <a:cs typeface="+mn-cs"/>
+              </a:defRPr>
+            </a:lvl3pPr>
+            <a:lvl4pPr marL="1371600" indent="0" algn="ctr" defTabSz="914400" rtl="0" eaLnBrk="1" latinLnBrk="0" hangingPunct="1">
+              <a:lnSpc>
+                <a:spcPct val="90000"/>
+              </a:lnSpc>
+              <a:spcBef>
+                <a:spcPts val="500"/>
+              </a:spcBef>
+              <a:buFont typeface="Arial" panose="020B0604020202020204" pitchFamily="34" charset="0"/>
+              <a:buNone/>
+              <a:defRPr sz="1600" kern="1200">
+                <a:solidFill>
+                  <a:schemeClr val="tx1"/>
+                </a:solidFill>
+                <a:latin typeface="+mn-lt"/>
+                <a:ea typeface="+mn-ea"/>
+                <a:cs typeface="+mn-cs"/>
+              </a:defRPr>
+            </a:lvl4pPr>
+            <a:lvl5pPr marL="1828800" indent="0" algn="ctr" defTabSz="914400" rtl="0" eaLnBrk="1" latinLnBrk="0" hangingPunct="1">
+              <a:lnSpc>
+                <a:spcPct val="90000"/>
+              </a:lnSpc>
+              <a:spcBef>
+                <a:spcPts val="500"/>
+              </a:spcBef>
+              <a:buFont typeface="Arial" panose="020B0604020202020204" pitchFamily="34" charset="0"/>
+              <a:buNone/>
+              <a:defRPr sz="1600" kern="1200">
+                <a:solidFill>
+                  <a:schemeClr val="tx1"/>
+                </a:solidFill>
+                <a:latin typeface="+mn-lt"/>
+                <a:ea typeface="+mn-ea"/>
+                <a:cs typeface="+mn-cs"/>
+              </a:defRPr>
+            </a:lvl5pPr>
+            <a:lvl6pPr marL="2286000" indent="0" algn="ctr" defTabSz="914400" rtl="0" eaLnBrk="1" latinLnBrk="0" hangingPunct="1">
+              <a:lnSpc>
+                <a:spcPct val="90000"/>
+              </a:lnSpc>
+              <a:spcBef>
+                <a:spcPts val="500"/>
+              </a:spcBef>
+              <a:buFont typeface="Arial" panose="020B0604020202020204" pitchFamily="34" charset="0"/>
+              <a:buNone/>
+              <a:defRPr sz="1600" kern="1200">
+                <a:solidFill>
+                  <a:schemeClr val="tx1"/>
+                </a:solidFill>
+                <a:latin typeface="+mn-lt"/>
+                <a:ea typeface="+mn-ea"/>
+                <a:cs typeface="+mn-cs"/>
+              </a:defRPr>
+            </a:lvl6pPr>
+            <a:lvl7pPr marL="2743200" indent="0" algn="ctr" defTabSz="914400" rtl="0" eaLnBrk="1" latinLnBrk="0" hangingPunct="1">
+              <a:lnSpc>
+                <a:spcPct val="90000"/>
+              </a:lnSpc>
+              <a:spcBef>
+                <a:spcPts val="500"/>
+              </a:spcBef>
+              <a:buFont typeface="Arial" panose="020B0604020202020204" pitchFamily="34" charset="0"/>
+              <a:buNone/>
+              <a:defRPr sz="1600" kern="1200">
+                <a:solidFill>
+                  <a:schemeClr val="tx1"/>
+                </a:solidFill>
+                <a:latin typeface="+mn-lt"/>
+                <a:ea typeface="+mn-ea"/>
+                <a:cs typeface="+mn-cs"/>
+              </a:defRPr>
+            </a:lvl7pPr>
+            <a:lvl8pPr marL="3200400" indent="0" algn="ctr" defTabSz="914400" rtl="0" eaLnBrk="1" latinLnBrk="0" hangingPunct="1">
+              <a:lnSpc>
+                <a:spcPct val="90000"/>
+              </a:lnSpc>
+              <a:spcBef>
+                <a:spcPts val="500"/>
+              </a:spcBef>
+              <a:buFont typeface="Arial" panose="020B0604020202020204" pitchFamily="34" charset="0"/>
+              <a:buNone/>
+              <a:defRPr sz="1600" kern="1200">
+                <a:solidFill>
+                  <a:schemeClr val="tx1"/>
+                </a:solidFill>
+                <a:latin typeface="+mn-lt"/>
+                <a:ea typeface="+mn-ea"/>
+                <a:cs typeface="+mn-cs"/>
+              </a:defRPr>
+            </a:lvl8pPr>
+            <a:lvl9pPr marL="3657600" indent="0" algn="ctr" defTabSz="914400" rtl="0" eaLnBrk="1" latinLnBrk="0" hangingPunct="1">
+              <a:lnSpc>
+                <a:spcPct val="90000"/>
+              </a:lnSpc>
+              <a:spcBef>
+                <a:spcPts val="500"/>
+              </a:spcBef>
+              <a:buFont typeface="Arial" panose="020B0604020202020204" pitchFamily="34" charset="0"/>
+              <a:buNone/>
+              <a:defRPr sz="1600" kern="1200">
+                <a:solidFill>
+                  <a:schemeClr val="tx1"/>
+                </a:solidFill>
+                <a:latin typeface="+mn-lt"/>
+                <a:ea typeface="+mn-ea"/>
+                <a:cs typeface="+mn-cs"/>
+              </a:defRPr>
+            </a:lvl9pPr>
+          </a:lstStyle>
+          <a:p>
+            <a:pPr marL="514350" indent="-514350" algn="l">
+              <a:buFont typeface="+mj-lt"/>
+              <a:buAutoNum type="arabicPeriod"/>
+            </a:pPr>
+            <a:r>
+              <a:rPr lang="it-IT" dirty="0"/>
+              <a:t>Il rischio operativo a livello attuariale </a:t>
+            </a:r>
+          </a:p>
+          <a:p>
+            <a:pPr marL="514350" indent="-514350" algn="l">
+              <a:buFont typeface="+mj-lt"/>
+              <a:buAutoNum type="arabicPeriod"/>
+            </a:pPr>
+            <a:r>
+              <a:rPr lang="it-IT" dirty="0"/>
+              <a:t>Il </a:t>
+            </a:r>
+            <a:r>
+              <a:rPr lang="it-IT" dirty="0" err="1"/>
+              <a:t>Loss</a:t>
+            </a:r>
+            <a:r>
+              <a:rPr lang="it-IT" dirty="0"/>
+              <a:t> Distribution </a:t>
+            </a:r>
+            <a:r>
+              <a:rPr lang="it-IT" dirty="0" err="1"/>
+              <a:t>Approach</a:t>
+            </a:r>
+            <a:r>
+              <a:rPr lang="it-IT" dirty="0"/>
+              <a:t> (LDA)</a:t>
+            </a:r>
+          </a:p>
+          <a:p>
+            <a:pPr marL="514350" indent="-514350" algn="l">
+              <a:buFont typeface="+mj-lt"/>
+              <a:buAutoNum type="arabicPeriod"/>
+            </a:pPr>
+            <a:r>
+              <a:rPr lang="it-IT" dirty="0"/>
+              <a:t>Indicatori di rischio: VAR (</a:t>
+            </a:r>
+            <a:r>
+              <a:rPr lang="it-IT" i="1" dirty="0"/>
+              <a:t>Value </a:t>
+            </a:r>
+            <a:r>
+              <a:rPr lang="it-IT" i="1" dirty="0" err="1"/>
+              <a:t>at</a:t>
+            </a:r>
+            <a:r>
+              <a:rPr lang="it-IT" i="1" dirty="0"/>
+              <a:t> risk</a:t>
+            </a:r>
+            <a:r>
+              <a:rPr lang="it-IT" dirty="0"/>
+              <a:t>) &amp; CAR (</a:t>
+            </a:r>
+            <a:r>
+              <a:rPr lang="it-IT" i="1" dirty="0"/>
+              <a:t>Capital </a:t>
+            </a:r>
+            <a:r>
+              <a:rPr lang="it-IT" i="1" dirty="0" err="1"/>
+              <a:t>at</a:t>
+            </a:r>
+            <a:r>
+              <a:rPr lang="it-IT" i="1" dirty="0"/>
+              <a:t> risk</a:t>
+            </a:r>
+            <a:r>
+              <a:rPr lang="it-IT" dirty="0"/>
+              <a:t>)</a:t>
+            </a:r>
+          </a:p>
+          <a:p>
+            <a:pPr marL="514350" indent="-514350" algn="l">
+              <a:buFont typeface="+mj-lt"/>
+              <a:buAutoNum type="arabicPeriod"/>
+            </a:pPr>
+            <a:r>
+              <a:rPr lang="it-IT" dirty="0"/>
+              <a:t>Applicazioni: modellizzazione della perdita e simulazione monte </a:t>
+            </a:r>
+            <a:r>
+              <a:rPr lang="it-IT" dirty="0" err="1"/>
+              <a:t>carlo</a:t>
+            </a:r>
+            <a:endParaRPr lang="it-IT" dirty="0"/>
+          </a:p>
+          <a:p>
+            <a:pPr marL="514350" indent="-514350" algn="l">
+              <a:buFont typeface="+mj-lt"/>
+              <a:buAutoNum type="arabicPeriod"/>
+            </a:pPr>
+            <a:r>
+              <a:rPr lang="it-IT" dirty="0"/>
+              <a:t>Confronto fra distribuzioni</a:t>
+            </a:r>
+          </a:p>
+          <a:p>
+            <a:pPr marL="514350" indent="-514350" algn="l">
+              <a:buFont typeface="+mj-lt"/>
+              <a:buAutoNum type="arabicPeriod"/>
+            </a:pPr>
+            <a:r>
+              <a:rPr lang="it-IT" b="1" dirty="0">
+                <a:solidFill>
+                  <a:srgbClr val="00B050"/>
+                </a:solidFill>
               </a:rPr>
-              <a:t>Vantaggi</a:t>
-            </a:r>
+              <a:t>Vantaggi e limiti del </a:t>
+            </a:r>
+            <a:r>
+              <a:rPr lang="it-IT" b="1" dirty="0" err="1">
+                <a:solidFill>
+                  <a:srgbClr val="00B050"/>
+                </a:solidFill>
+              </a:rPr>
+              <a:t>Loss</a:t>
+            </a:r>
+            <a:r>
+              <a:rPr lang="it-IT" b="1" dirty="0">
+                <a:solidFill>
+                  <a:srgbClr val="00B050"/>
+                </a:solidFill>
+              </a:rPr>
+              <a:t> Distribution </a:t>
+            </a:r>
+            <a:r>
+              <a:rPr lang="it-IT" b="1" dirty="0" err="1">
+                <a:solidFill>
+                  <a:srgbClr val="00B050"/>
+                </a:solidFill>
+              </a:rPr>
+              <a:t>Approach</a:t>
+            </a:r>
+            <a:endParaRPr lang="it-IT" b="1" dirty="0">
+              <a:solidFill>
+                <a:srgbClr val="00B050"/>
+              </a:solidFill>
+            </a:endParaRPr>
+          </a:p>
+          <a:p>
+            <a:pPr marL="514350" indent="-514350" algn="l">
+              <a:buFont typeface="+mj-lt"/>
+              <a:buAutoNum type="arabicPeriod"/>
+            </a:pPr>
+            <a:endParaRPr lang="it-IT" dirty="0"/>
           </a:p>
         </p:txBody>
       </p:sp>
@@ -20596,140 +20555,10 @@
           </a:p>
         </p:txBody>
       </p:sp>
-      <p:sp>
-        <p:nvSpPr>
-          <p:cNvPr id="3" name="CasellaDiTesto 2"/>
-          <p:cNvSpPr txBox="1"/>
-          <p:nvPr/>
-        </p:nvSpPr>
-        <p:spPr>
-          <a:xfrm>
-            <a:off x="1414463" y="2200275"/>
-            <a:ext cx="9939335" cy="3139321"/>
-          </a:xfrm>
-          <a:prstGeom prst="rect">
-            <a:avLst/>
-          </a:prstGeom>
-          <a:noFill/>
-        </p:spPr>
-        <p:txBody>
-          <a:bodyPr wrap="square" rtlCol="0">
-            <a:spAutoFit/>
-          </a:bodyPr>
-          <a:lstStyle/>
-          <a:p>
-            <a:pPr marL="285750" indent="-285750">
-              <a:buFont typeface="Arial" charset="0"/>
-              <a:buChar char="•"/>
-            </a:pPr>
-            <a:r>
-              <a:rPr lang="it-IT" dirty="0"/>
-              <a:t>I risultati si basano sulle caratteristiche specifiche di ogni singola istituzione, invece di basarsi su una </a:t>
-            </a:r>
-            <a:r>
-              <a:rPr lang="it-IT" i="1" dirty="0" err="1"/>
-              <a:t>proxy</a:t>
-            </a:r>
-            <a:r>
-              <a:rPr lang="it-IT" i="1" dirty="0"/>
-              <a:t> </a:t>
-            </a:r>
-            <a:r>
-              <a:rPr lang="it-IT" dirty="0"/>
-              <a:t>o su una media di settore;</a:t>
-            </a:r>
-            <a:endParaRPr lang="it-IT" dirty="0">
-              <a:effectLst/>
-            </a:endParaRPr>
-          </a:p>
-          <a:p>
-            <a:pPr marL="285750" indent="-285750">
-              <a:buFont typeface="Arial" charset="0"/>
-              <a:buChar char="•"/>
-            </a:pPr>
-            <a:endParaRPr lang="it-IT" dirty="0">
-              <a:effectLst/>
-            </a:endParaRPr>
-          </a:p>
-          <a:p>
-            <a:pPr marL="285750" indent="-285750">
-              <a:buFont typeface="Arial" charset="0"/>
-              <a:buChar char="•"/>
-            </a:pPr>
-            <a:r>
-              <a:rPr lang="it-IT" dirty="0"/>
-              <a:t>I risultati si basano su principi matematici simili a quelli utilizzati per la stima del requisito patrimoniale per il rischio di mercato e per il rischio di credito;</a:t>
-            </a:r>
-          </a:p>
-          <a:p>
-            <a:pPr marL="285750" indent="-285750">
-              <a:buFont typeface="Arial" charset="0"/>
-              <a:buChar char="•"/>
-            </a:pPr>
-            <a:endParaRPr lang="it-IT" dirty="0">
-              <a:effectLst/>
-            </a:endParaRPr>
-          </a:p>
-          <a:p>
-            <a:pPr marL="285750" indent="-285750">
-              <a:buFont typeface="Arial" charset="0"/>
-              <a:buChar char="•"/>
-            </a:pPr>
-            <a:r>
-              <a:rPr lang="it-IT" dirty="0"/>
-              <a:t>La separazione tra </a:t>
-            </a:r>
-            <a:r>
-              <a:rPr lang="it-IT" dirty="0" err="1"/>
-              <a:t>frequency</a:t>
-            </a:r>
-            <a:r>
-              <a:rPr lang="it-IT" dirty="0"/>
-              <a:t> e </a:t>
-            </a:r>
-            <a:r>
-              <a:rPr lang="it-IT" dirty="0" err="1"/>
-              <a:t>severity</a:t>
-            </a:r>
-            <a:r>
-              <a:rPr lang="it-IT" dirty="0"/>
-              <a:t> favorisce la precisione nella stima e la comprensione del processo di generazione del rischio;</a:t>
-            </a:r>
-          </a:p>
-          <a:p>
-            <a:pPr marL="285750" indent="-285750">
-              <a:buFont typeface="Arial" charset="0"/>
-              <a:buChar char="•"/>
-            </a:pPr>
-            <a:endParaRPr lang="it-IT" dirty="0">
-              <a:effectLst/>
-            </a:endParaRPr>
-          </a:p>
-          <a:p>
-            <a:pPr marL="285750" indent="-285750">
-              <a:buFont typeface="Arial" charset="0"/>
-              <a:buChar char="•"/>
-            </a:pPr>
-            <a:r>
-              <a:rPr lang="it-IT" dirty="0"/>
-              <a:t>L’utilizzo di distribuzioni statistiche ben conosciute può aiutare il processo di calibrazione</a:t>
-            </a:r>
-            <a:r>
-              <a:rPr lang="it-IT" dirty="0">
-                <a:effectLst/>
-              </a:rPr>
-              <a:t> </a:t>
-            </a:r>
-          </a:p>
-          <a:p>
-            <a:endParaRPr lang="it-IT" dirty="0"/>
-          </a:p>
-        </p:txBody>
-      </p:sp>
     </p:spTree>
     <p:extLst>
       <p:ext uri="{BB962C8B-B14F-4D97-AF65-F5344CB8AC3E}">
-        <p14:creationId xmlns:p14="http://schemas.microsoft.com/office/powerpoint/2010/main" val="1462942905"/>
+        <p14:creationId xmlns:p14="http://schemas.microsoft.com/office/powerpoint/2010/main" val="721099189"/>
       </p:ext>
     </p:extLst>
   </p:cSld>
@@ -20766,7 +20595,7 @@
         </p:nvSpPr>
         <p:spPr>
           <a:xfrm>
-            <a:off x="838198" y="91726"/>
+            <a:off x="838198" y="241229"/>
             <a:ext cx="10515600" cy="1325563"/>
           </a:xfrm>
           <a:prstGeom prst="rect">
@@ -20797,9 +20626,12 @@
             </a:lvl1pPr>
           </a:lstStyle>
           <a:p>
-            <a:endParaRPr lang="it-IT" sz="4000" dirty="0">
-              <a:latin typeface="Bodoni MT" pitchFamily="18" charset="0"/>
-            </a:endParaRPr>
+            <a:r>
+              <a:rPr lang="it-IT" sz="4000" dirty="0">
+                <a:latin typeface="+mn-lt"/>
+              </a:rPr>
+              <a:t>Vantaggi</a:t>
+            </a:r>
           </a:p>
         </p:txBody>
       </p:sp>
@@ -20864,14 +20696,14 @@
       </p:sp>
       <p:sp>
         <p:nvSpPr>
-          <p:cNvPr id="2" name="CasellaDiTesto 1"/>
+          <p:cNvPr id="3" name="CasellaDiTesto 2"/>
           <p:cNvSpPr txBox="1"/>
           <p:nvPr/>
         </p:nvSpPr>
         <p:spPr>
           <a:xfrm>
-            <a:off x="2044921" y="754507"/>
-            <a:ext cx="6757987" cy="707886"/>
+            <a:off x="1414463" y="2200275"/>
+            <a:ext cx="9939335" cy="3139321"/>
           </a:xfrm>
           <a:prstGeom prst="rect">
             <a:avLst/>
@@ -20884,108 +20716,110 @@
           </a:bodyPr>
           <a:lstStyle/>
           <a:p>
-            <a:pPr algn="ctr"/>
-            <a:r>
-              <a:rPr lang="it-IT" sz="4000" dirty="0"/>
-              <a:t>Limiti</a:t>
-            </a:r>
-          </a:p>
-        </p:txBody>
-      </p:sp>
-      <p:sp>
-        <p:nvSpPr>
-          <p:cNvPr id="3" name="CasellaDiTesto 2"/>
-          <p:cNvSpPr txBox="1"/>
-          <p:nvPr/>
-        </p:nvSpPr>
-        <p:spPr>
-          <a:xfrm>
-            <a:off x="838198" y="1560584"/>
-            <a:ext cx="9520240" cy="3108543"/>
-          </a:xfrm>
-          <a:prstGeom prst="rect">
-            <a:avLst/>
-          </a:prstGeom>
-          <a:noFill/>
-        </p:spPr>
-        <p:txBody>
-          <a:bodyPr wrap="square" rtlCol="0">
-            <a:spAutoFit/>
-          </a:bodyPr>
-          <a:lstStyle/>
-          <a:p>
-            <a:pPr marL="285750" lvl="1" indent="-285750">
-              <a:buFont typeface="Arial" charset="0"/>
-              <a:buChar char="•"/>
-            </a:pPr>
-            <a:endParaRPr lang="it-IT" dirty="0"/>
-          </a:p>
-          <a:p>
-            <a:pPr marL="285750" lvl="1" indent="-285750">
-              <a:buFont typeface="Arial" charset="0"/>
-              <a:buChar char="•"/>
-            </a:pPr>
-            <a:r>
-              <a:rPr lang="it-IT" sz="2000" dirty="0"/>
-              <a:t>E’ un modello ad alta intensità di dati. Per applicare questo metodo in modo coerente in tutta l'organizzazione, è necessaria una serie di dati completa riguardante gli eventi di perdita.  -</a:t>
-            </a:r>
-          </a:p>
-          <a:p>
             <a:pPr marL="285750" indent="-285750">
               <a:buFont typeface="Arial" charset="0"/>
               <a:buChar char="•"/>
             </a:pPr>
-            <a:endParaRPr lang="it-IT" sz="2000" dirty="0"/>
+            <a:r>
+              <a:rPr lang="it-IT" dirty="0"/>
+              <a:t>I risultati si basano sulle caratteristiche specifiche di ogni singola istituzione, invece di basarsi su una </a:t>
+            </a:r>
+            <a:r>
+              <a:rPr lang="it-IT" i="1" dirty="0" err="1"/>
+              <a:t>proxy</a:t>
+            </a:r>
+            <a:r>
+              <a:rPr lang="it-IT" i="1" dirty="0"/>
+              <a:t> </a:t>
+            </a:r>
+            <a:r>
+              <a:rPr lang="it-IT" dirty="0"/>
+              <a:t>o su una media di settore;</a:t>
+            </a:r>
+            <a:endParaRPr lang="it-IT" dirty="0">
+              <a:effectLst/>
+            </a:endParaRPr>
           </a:p>
           <a:p>
             <a:pPr marL="285750" indent="-285750">
               <a:buFont typeface="Arial" charset="0"/>
               <a:buChar char="•"/>
             </a:pPr>
-            <a:r>
-              <a:rPr lang="it-IT" sz="2000" dirty="0"/>
-              <a:t>E’ necessario un vasto campione statistico strutturato e qualitativamente adeguato</a:t>
-            </a:r>
+            <a:endParaRPr lang="it-IT" dirty="0">
+              <a:effectLst/>
+            </a:endParaRPr>
           </a:p>
           <a:p>
             <a:pPr marL="285750" indent="-285750">
               <a:buFont typeface="Arial" charset="0"/>
               <a:buChar char="•"/>
             </a:pPr>
-            <a:endParaRPr lang="it-IT" sz="2000" dirty="0"/>
+            <a:r>
+              <a:rPr lang="it-IT" dirty="0"/>
+              <a:t>I risultati si basano su principi matematici simili a quelli utilizzati per la stima del requisito patrimoniale per il rischio di mercato e per il rischio di credito;</a:t>
+            </a:r>
           </a:p>
           <a:p>
             <a:pPr marL="285750" indent="-285750">
               <a:buFont typeface="Arial" charset="0"/>
               <a:buChar char="•"/>
             </a:pPr>
-            <a:r>
-              <a:rPr lang="it-IT" sz="2000" dirty="0"/>
-              <a:t>L’assunzione di indipendenza tra la distribuzione di </a:t>
-            </a:r>
-            <a:r>
-              <a:rPr lang="it-IT" sz="2000" dirty="0" err="1"/>
-              <a:t>frequency</a:t>
-            </a:r>
-            <a:r>
-              <a:rPr lang="it-IT" sz="2000" dirty="0"/>
-              <a:t> e quella di </a:t>
-            </a:r>
-            <a:r>
-              <a:rPr lang="it-IT" sz="2000" dirty="0" err="1"/>
-              <a:t>severity</a:t>
-            </a:r>
-            <a:r>
-              <a:rPr lang="it-IT" sz="2000" dirty="0"/>
-              <a:t> costituisce un grosso limite. </a:t>
-            </a:r>
+            <a:endParaRPr lang="it-IT" dirty="0">
+              <a:effectLst/>
+            </a:endParaRPr>
           </a:p>
           <a:p>
             <a:pPr marL="285750" indent="-285750">
               <a:buFont typeface="Arial" charset="0"/>
               <a:buChar char="•"/>
             </a:pPr>
+            <a:r>
+              <a:rPr lang="it-IT" dirty="0"/>
+              <a:t>La separazione tra </a:t>
+            </a:r>
+            <a:r>
+              <a:rPr lang="it-IT" dirty="0" err="1"/>
+              <a:t>frequency</a:t>
+            </a:r>
+            <a:r>
+              <a:rPr lang="it-IT" dirty="0"/>
+              <a:t> e </a:t>
+            </a:r>
+            <a:r>
+              <a:rPr lang="it-IT" dirty="0" err="1"/>
+              <a:t>severity</a:t>
+            </a:r>
+            <a:r>
+              <a:rPr lang="it-IT" dirty="0"/>
+              <a:t> favorisce la precisione nella stima e la comprensione del processo di generazione del rischio;</a:t>
+            </a:r>
+          </a:p>
+          <a:p>
+            <a:pPr marL="285750" indent="-285750">
+              <a:buFont typeface="Arial" charset="0"/>
+              <a:buChar char="•"/>
+            </a:pPr>
+            <a:endParaRPr lang="it-IT" dirty="0">
+              <a:effectLst/>
+            </a:endParaRPr>
+          </a:p>
+          <a:p>
+            <a:pPr marL="285750" indent="-285750">
+              <a:buFont typeface="Arial" charset="0"/>
+              <a:buChar char="•"/>
+            </a:pPr>
+            <a:r>
+              <a:rPr lang="it-IT" dirty="0"/>
+              <a:t>L’utilizzo di distribuzioni statistiche ben conosciute può aiutare il processo di calibrazione</a:t>
+            </a:r>
+            <a:r>
+              <a:rPr lang="it-IT" dirty="0">
+                <a:effectLst/>
+              </a:rPr>
+              <a:t> </a:t>
+            </a:r>
+          </a:p>
+          <a:p>
             <a:endParaRPr lang="it-IT" dirty="0"/>
           </a:p>
         </p:txBody>
@@ -20993,7 +20827,7 @@
     </p:spTree>
     <p:extLst>
       <p:ext uri="{BB962C8B-B14F-4D97-AF65-F5344CB8AC3E}">
-        <p14:creationId xmlns:p14="http://schemas.microsoft.com/office/powerpoint/2010/main" val="1413883340"/>
+        <p14:creationId xmlns:p14="http://schemas.microsoft.com/office/powerpoint/2010/main" val="1462942905"/>
       </p:ext>
     </p:extLst>
   </p:cSld>
@@ -21069,216 +20903,6 @@
       </p:sp>
       <p:sp>
         <p:nvSpPr>
-          <p:cNvPr id="5" name="Segnaposto contenuto 2"/>
-          <p:cNvSpPr txBox="1">
-            <a:spLocks/>
-          </p:cNvSpPr>
-          <p:nvPr/>
-        </p:nvSpPr>
-        <p:spPr>
-          <a:xfrm>
-            <a:off x="838198" y="460057"/>
-            <a:ext cx="10515600" cy="1457326"/>
-          </a:xfrm>
-          <a:prstGeom prst="rect">
-            <a:avLst/>
-          </a:prstGeom>
-        </p:spPr>
-        <p:txBody>
-          <a:bodyPr vert="horz" lIns="91440" tIns="45720" rIns="91440" bIns="45720" rtlCol="0">
-            <a:normAutofit/>
-          </a:bodyPr>
-          <a:lstStyle>
-            <a:lvl1pPr marL="0" indent="0" algn="ctr" defTabSz="914400" rtl="0" eaLnBrk="1" latinLnBrk="0" hangingPunct="1">
-              <a:lnSpc>
-                <a:spcPct val="90000"/>
-              </a:lnSpc>
-              <a:spcBef>
-                <a:spcPts val="1000"/>
-              </a:spcBef>
-              <a:buFont typeface="Arial" panose="020B0604020202020204" pitchFamily="34" charset="0"/>
-              <a:buNone/>
-              <a:defRPr sz="2400" kern="1200">
-                <a:solidFill>
-                  <a:schemeClr val="tx1"/>
-                </a:solidFill>
-                <a:latin typeface="+mn-lt"/>
-                <a:ea typeface="+mn-ea"/>
-                <a:cs typeface="+mn-cs"/>
-              </a:defRPr>
-            </a:lvl1pPr>
-            <a:lvl2pPr marL="457200" indent="0" algn="ctr" defTabSz="914400" rtl="0" eaLnBrk="1" latinLnBrk="0" hangingPunct="1">
-              <a:lnSpc>
-                <a:spcPct val="90000"/>
-              </a:lnSpc>
-              <a:spcBef>
-                <a:spcPts val="500"/>
-              </a:spcBef>
-              <a:buFont typeface="Arial" panose="020B0604020202020204" pitchFamily="34" charset="0"/>
-              <a:buNone/>
-              <a:defRPr sz="2000" kern="1200">
-                <a:solidFill>
-                  <a:schemeClr val="tx1"/>
-                </a:solidFill>
-                <a:latin typeface="+mn-lt"/>
-                <a:ea typeface="+mn-ea"/>
-                <a:cs typeface="+mn-cs"/>
-              </a:defRPr>
-            </a:lvl2pPr>
-            <a:lvl3pPr marL="914400" indent="0" algn="ctr" defTabSz="914400" rtl="0" eaLnBrk="1" latinLnBrk="0" hangingPunct="1">
-              <a:lnSpc>
-                <a:spcPct val="90000"/>
-              </a:lnSpc>
-              <a:spcBef>
-                <a:spcPts val="500"/>
-              </a:spcBef>
-              <a:buFont typeface="Arial" panose="020B0604020202020204" pitchFamily="34" charset="0"/>
-              <a:buNone/>
-              <a:defRPr sz="1800" kern="1200">
-                <a:solidFill>
-                  <a:schemeClr val="tx1"/>
-                </a:solidFill>
-                <a:latin typeface="+mn-lt"/>
-                <a:ea typeface="+mn-ea"/>
-                <a:cs typeface="+mn-cs"/>
-              </a:defRPr>
-            </a:lvl3pPr>
-            <a:lvl4pPr marL="1371600" indent="0" algn="ctr" defTabSz="914400" rtl="0" eaLnBrk="1" latinLnBrk="0" hangingPunct="1">
-              <a:lnSpc>
-                <a:spcPct val="90000"/>
-              </a:lnSpc>
-              <a:spcBef>
-                <a:spcPts val="500"/>
-              </a:spcBef>
-              <a:buFont typeface="Arial" panose="020B0604020202020204" pitchFamily="34" charset="0"/>
-              <a:buNone/>
-              <a:defRPr sz="1600" kern="1200">
-                <a:solidFill>
-                  <a:schemeClr val="tx1"/>
-                </a:solidFill>
-                <a:latin typeface="+mn-lt"/>
-                <a:ea typeface="+mn-ea"/>
-                <a:cs typeface="+mn-cs"/>
-              </a:defRPr>
-            </a:lvl4pPr>
-            <a:lvl5pPr marL="1828800" indent="0" algn="ctr" defTabSz="914400" rtl="0" eaLnBrk="1" latinLnBrk="0" hangingPunct="1">
-              <a:lnSpc>
-                <a:spcPct val="90000"/>
-              </a:lnSpc>
-              <a:spcBef>
-                <a:spcPts val="500"/>
-              </a:spcBef>
-              <a:buFont typeface="Arial" panose="020B0604020202020204" pitchFamily="34" charset="0"/>
-              <a:buNone/>
-              <a:defRPr sz="1600" kern="1200">
-                <a:solidFill>
-                  <a:schemeClr val="tx1"/>
-                </a:solidFill>
-                <a:latin typeface="+mn-lt"/>
-                <a:ea typeface="+mn-ea"/>
-                <a:cs typeface="+mn-cs"/>
-              </a:defRPr>
-            </a:lvl5pPr>
-            <a:lvl6pPr marL="2286000" indent="0" algn="ctr" defTabSz="914400" rtl="0" eaLnBrk="1" latinLnBrk="0" hangingPunct="1">
-              <a:lnSpc>
-                <a:spcPct val="90000"/>
-              </a:lnSpc>
-              <a:spcBef>
-                <a:spcPts val="500"/>
-              </a:spcBef>
-              <a:buFont typeface="Arial" panose="020B0604020202020204" pitchFamily="34" charset="0"/>
-              <a:buNone/>
-              <a:defRPr sz="1600" kern="1200">
-                <a:solidFill>
-                  <a:schemeClr val="tx1"/>
-                </a:solidFill>
-                <a:latin typeface="+mn-lt"/>
-                <a:ea typeface="+mn-ea"/>
-                <a:cs typeface="+mn-cs"/>
-              </a:defRPr>
-            </a:lvl6pPr>
-            <a:lvl7pPr marL="2743200" indent="0" algn="ctr" defTabSz="914400" rtl="0" eaLnBrk="1" latinLnBrk="0" hangingPunct="1">
-              <a:lnSpc>
-                <a:spcPct val="90000"/>
-              </a:lnSpc>
-              <a:spcBef>
-                <a:spcPts val="500"/>
-              </a:spcBef>
-              <a:buFont typeface="Arial" panose="020B0604020202020204" pitchFamily="34" charset="0"/>
-              <a:buNone/>
-              <a:defRPr sz="1600" kern="1200">
-                <a:solidFill>
-                  <a:schemeClr val="tx1"/>
-                </a:solidFill>
-                <a:latin typeface="+mn-lt"/>
-                <a:ea typeface="+mn-ea"/>
-                <a:cs typeface="+mn-cs"/>
-              </a:defRPr>
-            </a:lvl7pPr>
-            <a:lvl8pPr marL="3200400" indent="0" algn="ctr" defTabSz="914400" rtl="0" eaLnBrk="1" latinLnBrk="0" hangingPunct="1">
-              <a:lnSpc>
-                <a:spcPct val="90000"/>
-              </a:lnSpc>
-              <a:spcBef>
-                <a:spcPts val="500"/>
-              </a:spcBef>
-              <a:buFont typeface="Arial" panose="020B0604020202020204" pitchFamily="34" charset="0"/>
-              <a:buNone/>
-              <a:defRPr sz="1600" kern="1200">
-                <a:solidFill>
-                  <a:schemeClr val="tx1"/>
-                </a:solidFill>
-                <a:latin typeface="+mn-lt"/>
-                <a:ea typeface="+mn-ea"/>
-                <a:cs typeface="+mn-cs"/>
-              </a:defRPr>
-            </a:lvl8pPr>
-            <a:lvl9pPr marL="3657600" indent="0" algn="ctr" defTabSz="914400" rtl="0" eaLnBrk="1" latinLnBrk="0" hangingPunct="1">
-              <a:lnSpc>
-                <a:spcPct val="90000"/>
-              </a:lnSpc>
-              <a:spcBef>
-                <a:spcPts val="500"/>
-              </a:spcBef>
-              <a:buFont typeface="Arial" panose="020B0604020202020204" pitchFamily="34" charset="0"/>
-              <a:buNone/>
-              <a:defRPr sz="1600" kern="1200">
-                <a:solidFill>
-                  <a:schemeClr val="tx1"/>
-                </a:solidFill>
-                <a:latin typeface="+mn-lt"/>
-                <a:ea typeface="+mn-ea"/>
-                <a:cs typeface="+mn-cs"/>
-              </a:defRPr>
-            </a:lvl9pPr>
-          </a:lstStyle>
-          <a:p>
-            <a:pPr marL="514350" marR="0" lvl="0" indent="-514350" defTabSz="914400" eaLnBrk="1" fontAlgn="auto" latinLnBrk="0" hangingPunct="1">
-              <a:lnSpc>
-                <a:spcPct val="100000"/>
-              </a:lnSpc>
-              <a:spcBef>
-                <a:spcPts val="0"/>
-              </a:spcBef>
-              <a:spcAft>
-                <a:spcPts val="0"/>
-              </a:spcAft>
-              <a:buClrTx/>
-              <a:buSzTx/>
-              <a:buFont typeface="+mj-lt"/>
-              <a:buNone/>
-              <a:tabLst/>
-              <a:defRPr/>
-            </a:pPr>
-            <a:r>
-              <a:rPr lang="it-IT" sz="4000" dirty="0"/>
-              <a:t>Fonti</a:t>
-            </a:r>
-          </a:p>
-        </p:txBody>
-      </p:sp>
-      <p:sp>
-        <p:nvSpPr>
           <p:cNvPr id="7" name="CasellaDiTesto 6"/>
           <p:cNvSpPr txBox="1"/>
           <p:nvPr/>
@@ -21286,7 +20910,7 @@
         <p:spPr>
           <a:xfrm>
             <a:off x="1172814" y="6308035"/>
-            <a:ext cx="9846368" cy="307777"/>
+            <a:ext cx="9846368" cy="261610"/>
           </a:xfrm>
           <a:prstGeom prst="rect">
             <a:avLst/>
@@ -21301,7 +20925,7 @@
           <a:p>
             <a:pPr algn="ctr"/>
             <a:r>
-              <a:rPr lang="it-IT" sz="1400" i="1" dirty="0"/>
+              <a:rPr lang="it-IT" sz="1100" i="1" dirty="0"/>
               <a:t>ERIK HOLLER  - ELIA SCARPARO- STEFANO ZAMPIERO</a:t>
             </a:r>
           </a:p>
@@ -21338,543 +20962,160 @@
       </p:sp>
       <p:sp>
         <p:nvSpPr>
-          <p:cNvPr id="10" name="Segnaposto contenuto 2">
-            <a:extLst>
-              <a:ext uri="{FF2B5EF4-FFF2-40B4-BE49-F238E27FC236}">
-                <a16:creationId xmlns:a16="http://schemas.microsoft.com/office/drawing/2014/main" id="{3E1B8146-377A-4E32-B838-476B02B1AB2C}"/>
-              </a:ext>
-            </a:extLst>
-          </p:cNvPr>
-          <p:cNvSpPr txBox="1">
-            <a:spLocks/>
-          </p:cNvSpPr>
+          <p:cNvPr id="2" name="CasellaDiTesto 1"/>
+          <p:cNvSpPr txBox="1"/>
           <p:nvPr/>
         </p:nvSpPr>
         <p:spPr>
           <a:xfrm>
-            <a:off x="400050" y="946532"/>
-            <a:ext cx="11658600" cy="5669280"/>
+            <a:off x="2219324" y="754507"/>
+            <a:ext cx="6757987" cy="707886"/>
           </a:xfrm>
           <a:prstGeom prst="rect">
             <a:avLst/>
           </a:prstGeom>
+          <a:noFill/>
         </p:spPr>
         <p:txBody>
-          <a:bodyPr vert="horz" lIns="91440" tIns="45720" rIns="91440" bIns="45720" rtlCol="0" anchor="ctr">
-            <a:normAutofit/>
+          <a:bodyPr wrap="square" rtlCol="0">
+            <a:spAutoFit/>
           </a:bodyPr>
-          <a:lstStyle>
-            <a:lvl1pPr marL="0" indent="0" algn="ctr" defTabSz="914400" rtl="0" eaLnBrk="1" latinLnBrk="0" hangingPunct="1">
-              <a:lnSpc>
-                <a:spcPct val="90000"/>
-              </a:lnSpc>
-              <a:spcBef>
-                <a:spcPts val="1000"/>
-              </a:spcBef>
-              <a:buFont typeface="Arial"/>
-              <a:buNone/>
-              <a:defRPr sz="2400" kern="1200">
-                <a:solidFill>
-                  <a:schemeClr val="tx1"/>
-                </a:solidFill>
-                <a:latin typeface="+mn-lt"/>
-                <a:ea typeface="+mn-ea"/>
-                <a:cs typeface="+mn-cs"/>
-              </a:defRPr>
-            </a:lvl1pPr>
-            <a:lvl2pPr marL="457200" indent="0" algn="ctr" defTabSz="914400" rtl="0" eaLnBrk="1" latinLnBrk="0" hangingPunct="1">
-              <a:lnSpc>
-                <a:spcPct val="90000"/>
-              </a:lnSpc>
-              <a:spcBef>
-                <a:spcPts val="500"/>
-              </a:spcBef>
-              <a:buFont typeface="Arial"/>
-              <a:buNone/>
-              <a:defRPr sz="2000" kern="1200">
-                <a:solidFill>
-                  <a:schemeClr val="tx1"/>
-                </a:solidFill>
-                <a:latin typeface="+mn-lt"/>
-                <a:ea typeface="+mn-ea"/>
-                <a:cs typeface="+mn-cs"/>
-              </a:defRPr>
-            </a:lvl2pPr>
-            <a:lvl3pPr marL="914400" indent="0" algn="ctr" defTabSz="914400" rtl="0" eaLnBrk="1" latinLnBrk="0" hangingPunct="1">
-              <a:lnSpc>
-                <a:spcPct val="90000"/>
-              </a:lnSpc>
-              <a:spcBef>
-                <a:spcPts val="500"/>
-              </a:spcBef>
-              <a:buFont typeface="Arial"/>
-              <a:buNone/>
-              <a:defRPr sz="1800" kern="1200">
-                <a:solidFill>
-                  <a:schemeClr val="tx1"/>
-                </a:solidFill>
-                <a:latin typeface="+mn-lt"/>
-                <a:ea typeface="+mn-ea"/>
-                <a:cs typeface="+mn-cs"/>
-              </a:defRPr>
-            </a:lvl3pPr>
-            <a:lvl4pPr marL="1371600" indent="0" algn="ctr" defTabSz="914400" rtl="0" eaLnBrk="1" latinLnBrk="0" hangingPunct="1">
-              <a:lnSpc>
-                <a:spcPct val="90000"/>
-              </a:lnSpc>
-              <a:spcBef>
-                <a:spcPts val="500"/>
-              </a:spcBef>
-              <a:buFont typeface="Arial"/>
-              <a:buNone/>
-              <a:defRPr sz="1600" kern="1200">
-                <a:solidFill>
-                  <a:schemeClr val="tx1"/>
-                </a:solidFill>
-                <a:latin typeface="+mn-lt"/>
-                <a:ea typeface="+mn-ea"/>
-                <a:cs typeface="+mn-cs"/>
-              </a:defRPr>
-            </a:lvl4pPr>
-            <a:lvl5pPr marL="1828800" indent="0" algn="ctr" defTabSz="914400" rtl="0" eaLnBrk="1" latinLnBrk="0" hangingPunct="1">
-              <a:lnSpc>
-                <a:spcPct val="90000"/>
-              </a:lnSpc>
-              <a:spcBef>
-                <a:spcPts val="500"/>
-              </a:spcBef>
-              <a:buFont typeface="Arial"/>
-              <a:buNone/>
-              <a:defRPr sz="1600" kern="1200">
-                <a:solidFill>
-                  <a:schemeClr val="tx1"/>
-                </a:solidFill>
-                <a:latin typeface="+mn-lt"/>
-                <a:ea typeface="+mn-ea"/>
-                <a:cs typeface="+mn-cs"/>
-              </a:defRPr>
-            </a:lvl5pPr>
-            <a:lvl6pPr marL="2286000" indent="0" algn="ctr" defTabSz="914400" rtl="0" eaLnBrk="1" latinLnBrk="0" hangingPunct="1">
-              <a:lnSpc>
-                <a:spcPct val="90000"/>
-              </a:lnSpc>
-              <a:spcBef>
-                <a:spcPts val="500"/>
-              </a:spcBef>
-              <a:buFont typeface="Arial"/>
-              <a:buNone/>
-              <a:defRPr sz="1600" kern="1200">
-                <a:solidFill>
-                  <a:schemeClr val="tx1"/>
-                </a:solidFill>
-                <a:latin typeface="+mn-lt"/>
-                <a:ea typeface="+mn-ea"/>
-                <a:cs typeface="+mn-cs"/>
-              </a:defRPr>
-            </a:lvl6pPr>
-            <a:lvl7pPr marL="2743200" indent="0" algn="ctr" defTabSz="914400" rtl="0" eaLnBrk="1" latinLnBrk="0" hangingPunct="1">
-              <a:lnSpc>
-                <a:spcPct val="90000"/>
-              </a:lnSpc>
-              <a:spcBef>
-                <a:spcPts val="500"/>
-              </a:spcBef>
-              <a:buFont typeface="Arial"/>
-              <a:buNone/>
-              <a:defRPr sz="1600" kern="1200">
-                <a:solidFill>
-                  <a:schemeClr val="tx1"/>
-                </a:solidFill>
-                <a:latin typeface="+mn-lt"/>
-                <a:ea typeface="+mn-ea"/>
-                <a:cs typeface="+mn-cs"/>
-              </a:defRPr>
-            </a:lvl7pPr>
-            <a:lvl8pPr marL="3200400" indent="0" algn="ctr" defTabSz="914400" rtl="0" eaLnBrk="1" latinLnBrk="0" hangingPunct="1">
-              <a:lnSpc>
-                <a:spcPct val="90000"/>
-              </a:lnSpc>
-              <a:spcBef>
-                <a:spcPts val="500"/>
-              </a:spcBef>
-              <a:buFont typeface="Arial"/>
-              <a:buNone/>
-              <a:defRPr sz="1600" kern="1200">
-                <a:solidFill>
-                  <a:schemeClr val="tx1"/>
-                </a:solidFill>
-                <a:latin typeface="+mn-lt"/>
-                <a:ea typeface="+mn-ea"/>
-                <a:cs typeface="+mn-cs"/>
-              </a:defRPr>
-            </a:lvl8pPr>
-            <a:lvl9pPr marL="3657600" indent="0" algn="ctr" defTabSz="914400" rtl="0" eaLnBrk="1" latinLnBrk="0" hangingPunct="1">
-              <a:lnSpc>
-                <a:spcPct val="90000"/>
-              </a:lnSpc>
-              <a:spcBef>
-                <a:spcPts val="500"/>
-              </a:spcBef>
-              <a:buFont typeface="Arial"/>
-              <a:buNone/>
-              <a:defRPr sz="1600" kern="1200">
-                <a:solidFill>
-                  <a:schemeClr val="tx1"/>
-                </a:solidFill>
-                <a:latin typeface="+mn-lt"/>
-                <a:ea typeface="+mn-ea"/>
-                <a:cs typeface="+mn-cs"/>
-              </a:defRPr>
-            </a:lvl9pPr>
-          </a:lstStyle>
-          <a:p>
-            <a:pPr algn="l"/>
-            <a:r>
-              <a:rPr lang="it-IT" sz="1800" i="1" dirty="0" err="1">
-                <a:cs typeface="Times New Roman" panose="02020603050405020304" pitchFamily="18" charset="0"/>
-              </a:rPr>
-              <a:t>Loss</a:t>
-            </a:r>
-            <a:r>
-              <a:rPr lang="it-IT" sz="1800" i="1" dirty="0">
-                <a:cs typeface="Times New Roman" panose="02020603050405020304" pitchFamily="18" charset="0"/>
-              </a:rPr>
-              <a:t> Distribution </a:t>
-            </a:r>
-            <a:r>
-              <a:rPr lang="it-IT" sz="1800" i="1" dirty="0" err="1">
-                <a:cs typeface="Times New Roman" panose="02020603050405020304" pitchFamily="18" charset="0"/>
-              </a:rPr>
-              <a:t>Approach</a:t>
-            </a:r>
-            <a:r>
-              <a:rPr lang="it-IT" sz="1800" i="1" dirty="0">
-                <a:cs typeface="Times New Roman" panose="02020603050405020304" pitchFamily="18" charset="0"/>
-              </a:rPr>
-              <a:t> for </a:t>
-            </a:r>
-            <a:r>
-              <a:rPr lang="it-IT" sz="1800" i="1" dirty="0" err="1">
-                <a:cs typeface="Times New Roman" panose="02020603050405020304" pitchFamily="18" charset="0"/>
-              </a:rPr>
-              <a:t>operational</a:t>
-            </a:r>
-            <a:r>
-              <a:rPr lang="it-IT" sz="1800" i="1" dirty="0">
-                <a:cs typeface="Times New Roman" panose="02020603050405020304" pitchFamily="18" charset="0"/>
-              </a:rPr>
-              <a:t> </a:t>
-            </a:r>
-            <a:r>
-              <a:rPr lang="it-IT" sz="1800" i="1" dirty="0" err="1">
-                <a:cs typeface="Times New Roman" panose="02020603050405020304" pitchFamily="18" charset="0"/>
-              </a:rPr>
-              <a:t>risk</a:t>
-            </a:r>
-            <a:r>
-              <a:rPr lang="it-IT" sz="1800" i="1" dirty="0">
-                <a:cs typeface="Times New Roman" panose="02020603050405020304" pitchFamily="18" charset="0"/>
-              </a:rPr>
-              <a:t>, A. </a:t>
-            </a:r>
-            <a:r>
-              <a:rPr lang="it-IT" sz="1800" i="1" dirty="0" err="1">
-                <a:cs typeface="Times New Roman" panose="02020603050405020304" pitchFamily="18" charset="0"/>
-              </a:rPr>
-              <a:t>Frachot</a:t>
-            </a:r>
-            <a:r>
-              <a:rPr lang="it-IT" sz="1800" i="1" dirty="0">
-                <a:cs typeface="Times New Roman" panose="02020603050405020304" pitchFamily="18" charset="0"/>
-              </a:rPr>
-              <a:t>, P. Georges &amp; T. </a:t>
-            </a:r>
-            <a:r>
-              <a:rPr lang="it-IT" sz="1800" i="1" dirty="0" err="1">
-                <a:cs typeface="Times New Roman" panose="02020603050405020304" pitchFamily="18" charset="0"/>
-              </a:rPr>
-              <a:t>Roncalliy</a:t>
-            </a:r>
-            <a:r>
-              <a:rPr lang="it-IT" sz="1800" i="1" dirty="0">
-                <a:cs typeface="Times New Roman" panose="02020603050405020304" pitchFamily="18" charset="0"/>
-              </a:rPr>
-              <a:t>, </a:t>
-            </a:r>
-            <a:r>
-              <a:rPr lang="it-IT" sz="1800" i="1" dirty="0" err="1">
-                <a:cs typeface="Times New Roman" panose="02020603050405020304" pitchFamily="18" charset="0"/>
-              </a:rPr>
-              <a:t>Groupe</a:t>
-            </a:r>
-            <a:r>
-              <a:rPr lang="it-IT" sz="1800" i="1" dirty="0">
-                <a:cs typeface="Times New Roman" panose="02020603050405020304" pitchFamily="18" charset="0"/>
-              </a:rPr>
-              <a:t> de </a:t>
-            </a:r>
-            <a:r>
-              <a:rPr lang="it-IT" sz="1800" i="1" dirty="0" err="1">
-                <a:cs typeface="Times New Roman" panose="02020603050405020304" pitchFamily="18" charset="0"/>
-              </a:rPr>
-              <a:t>Recherche</a:t>
-            </a:r>
-            <a:r>
-              <a:rPr lang="it-IT" sz="1800" i="1" dirty="0">
-                <a:cs typeface="Times New Roman" panose="02020603050405020304" pitchFamily="18" charset="0"/>
-              </a:rPr>
-              <a:t> </a:t>
-            </a:r>
-            <a:r>
-              <a:rPr lang="it-IT" sz="1800" i="1" dirty="0" err="1">
-                <a:cs typeface="Times New Roman" panose="02020603050405020304" pitchFamily="18" charset="0"/>
-              </a:rPr>
-              <a:t>Operationnelle</a:t>
-            </a:r>
-            <a:r>
-              <a:rPr lang="it-IT" sz="1800" i="1" dirty="0">
-                <a:cs typeface="Times New Roman" panose="02020603050405020304" pitchFamily="18" charset="0"/>
-              </a:rPr>
-              <a:t>, Credit Lyonnais, France </a:t>
-            </a:r>
-          </a:p>
-          <a:p>
-            <a:pPr algn="l"/>
-            <a:r>
-              <a:rPr lang="it-IT" sz="1800" i="1" dirty="0">
-                <a:cs typeface="Times New Roman" panose="02020603050405020304" pitchFamily="18" charset="0"/>
-              </a:rPr>
-              <a:t>[</a:t>
-            </a:r>
-            <a:r>
-              <a:rPr lang="it-IT" sz="1800" i="1" dirty="0" err="1">
-                <a:cs typeface="Times New Roman" panose="02020603050405020304" pitchFamily="18" charset="0"/>
-              </a:rPr>
-              <a:t>Wiley</a:t>
-            </a:r>
-            <a:r>
-              <a:rPr lang="it-IT" sz="1800" i="1" dirty="0">
-                <a:cs typeface="Times New Roman" panose="02020603050405020304" pitchFamily="18" charset="0"/>
-              </a:rPr>
-              <a:t> Series in </a:t>
-            </a:r>
-            <a:r>
-              <a:rPr lang="it-IT" sz="1800" i="1" dirty="0" err="1">
-                <a:cs typeface="Times New Roman" panose="02020603050405020304" pitchFamily="18" charset="0"/>
-              </a:rPr>
-              <a:t>Probability</a:t>
-            </a:r>
-            <a:r>
-              <a:rPr lang="it-IT" sz="1800" i="1" dirty="0">
-                <a:cs typeface="Times New Roman" panose="02020603050405020304" pitchFamily="18" charset="0"/>
-              </a:rPr>
-              <a:t> and </a:t>
-            </a:r>
-            <a:r>
-              <a:rPr lang="it-IT" sz="1800" i="1" dirty="0" err="1">
-                <a:cs typeface="Times New Roman" panose="02020603050405020304" pitchFamily="18" charset="0"/>
-              </a:rPr>
-              <a:t>Statistics</a:t>
-            </a:r>
-            <a:r>
-              <a:rPr lang="it-IT" sz="1800" i="1" dirty="0">
-                <a:cs typeface="Times New Roman" panose="02020603050405020304" pitchFamily="18" charset="0"/>
-              </a:rPr>
-              <a:t>] </a:t>
-            </a:r>
-            <a:r>
-              <a:rPr lang="it-IT" sz="1800" i="1" dirty="0" err="1">
-                <a:cs typeface="Times New Roman" panose="02020603050405020304" pitchFamily="18" charset="0"/>
-              </a:rPr>
-              <a:t>Klugman</a:t>
-            </a:r>
-            <a:r>
-              <a:rPr lang="it-IT" sz="1800" i="1" dirty="0">
-                <a:cs typeface="Times New Roman" panose="02020603050405020304" pitchFamily="18" charset="0"/>
-              </a:rPr>
-              <a:t>, S.A. and </a:t>
-            </a:r>
-            <a:r>
-              <a:rPr lang="it-IT" sz="1800" i="1" dirty="0" err="1">
-                <a:cs typeface="Times New Roman" panose="02020603050405020304" pitchFamily="18" charset="0"/>
-              </a:rPr>
-              <a:t>Panjer</a:t>
-            </a:r>
-            <a:r>
-              <a:rPr lang="it-IT" sz="1800" i="1" dirty="0">
-                <a:cs typeface="Times New Roman" panose="02020603050405020304" pitchFamily="18" charset="0"/>
-              </a:rPr>
-              <a:t>, H.H. and </a:t>
-            </a:r>
-            <a:r>
-              <a:rPr lang="it-IT" sz="1800" i="1" dirty="0" err="1">
-                <a:cs typeface="Times New Roman" panose="02020603050405020304" pitchFamily="18" charset="0"/>
-              </a:rPr>
-              <a:t>Wilmt</a:t>
-            </a:r>
-            <a:r>
-              <a:rPr lang="it-IT" sz="1800" i="1" dirty="0">
-                <a:cs typeface="Times New Roman" panose="02020603050405020304" pitchFamily="18" charset="0"/>
-              </a:rPr>
-              <a:t>, G.E. – </a:t>
-            </a:r>
-            <a:r>
-              <a:rPr lang="it-IT" sz="1800" i="1" dirty="0" err="1">
-                <a:cs typeface="Times New Roman" panose="02020603050405020304" pitchFamily="18" charset="0"/>
-              </a:rPr>
-              <a:t>Loss</a:t>
-            </a:r>
-            <a:r>
-              <a:rPr lang="it-IT" sz="1800" i="1" dirty="0">
-                <a:cs typeface="Times New Roman" panose="02020603050405020304" pitchFamily="18" charset="0"/>
-              </a:rPr>
-              <a:t> </a:t>
-            </a:r>
-            <a:r>
-              <a:rPr lang="it-IT" sz="1800" i="1" dirty="0" err="1">
-                <a:cs typeface="Times New Roman" panose="02020603050405020304" pitchFamily="18" charset="0"/>
-              </a:rPr>
-              <a:t>Models_From</a:t>
-            </a:r>
-            <a:r>
-              <a:rPr lang="it-IT" sz="1800" i="1" dirty="0">
-                <a:cs typeface="Times New Roman" panose="02020603050405020304" pitchFamily="18" charset="0"/>
-              </a:rPr>
-              <a:t> Data to </a:t>
-            </a:r>
-            <a:r>
-              <a:rPr lang="it-IT" sz="1800" i="1" dirty="0" err="1">
-                <a:cs typeface="Times New Roman" panose="02020603050405020304" pitchFamily="18" charset="0"/>
-              </a:rPr>
-              <a:t>Desicions</a:t>
-            </a:r>
-            <a:r>
-              <a:rPr lang="it-IT" sz="1800" i="1" dirty="0">
-                <a:cs typeface="Times New Roman" panose="02020603050405020304" pitchFamily="18" charset="0"/>
-              </a:rPr>
-              <a:t>, 2012</a:t>
-            </a:r>
-          </a:p>
-          <a:p>
-            <a:pPr algn="l"/>
-            <a:r>
-              <a:rPr lang="it-IT" sz="1800" i="1" dirty="0">
-                <a:cs typeface="Times New Roman" panose="02020603050405020304" pitchFamily="18" charset="0"/>
-              </a:rPr>
-              <a:t>Presentazione PPT del Professor Michele </a:t>
-            </a:r>
-            <a:r>
-              <a:rPr lang="it-IT" sz="1800" i="1" dirty="0" err="1">
-                <a:cs typeface="Times New Roman" panose="02020603050405020304" pitchFamily="18" charset="0"/>
-              </a:rPr>
-              <a:t>Bonollo</a:t>
-            </a:r>
-            <a:r>
-              <a:rPr lang="it-IT" sz="1800" i="1" dirty="0">
-                <a:cs typeface="Times New Roman" panose="02020603050405020304" pitchFamily="18" charset="0"/>
-              </a:rPr>
-              <a:t> dell’Università degli Studi di Padova sul tema: Rischi Operativi e Basilea 2. Modelli, metodi e problematiche applicative. </a:t>
-            </a:r>
-          </a:p>
-          <a:p>
-            <a:pPr algn="l"/>
-            <a:r>
-              <a:rPr lang="it-IT" sz="1800" i="1" dirty="0">
-                <a:cs typeface="Times New Roman" panose="02020603050405020304" pitchFamily="18" charset="0"/>
-              </a:rPr>
-              <a:t>Presentazione PPT della Professoressa Simona Cosma dell’Università del Salento sul tema: Il calcolo del VAR operativo mediante la metodologia stocastica parametrica. </a:t>
-            </a:r>
-          </a:p>
-          <a:p>
-            <a:pPr algn="l"/>
-            <a:r>
-              <a:rPr lang="it-IT" sz="1800" i="1" dirty="0">
-                <a:cs typeface="Times New Roman" panose="02020603050405020304" pitchFamily="18" charset="0"/>
-              </a:rPr>
-              <a:t>Lezione n. 5. - 28/3/03. Università degli Studi di Roma Tre, sezione di Matematica. Dipartimento di Matematica e Fisica. </a:t>
-            </a:r>
-          </a:p>
-          <a:p>
-            <a:pPr algn="l"/>
-            <a:r>
-              <a:rPr lang="it-IT" sz="1800" i="1" dirty="0">
-                <a:cs typeface="Times New Roman" panose="02020603050405020304" pitchFamily="18" charset="0"/>
-              </a:rPr>
-              <a:t>Tesi di Laurea Magistrale del Dott. Giacomo </a:t>
-            </a:r>
-            <a:r>
-              <a:rPr lang="it-IT" sz="1800" i="1" dirty="0" err="1">
-                <a:cs typeface="Times New Roman" panose="02020603050405020304" pitchFamily="18" charset="0"/>
-              </a:rPr>
-              <a:t>Fasiolo</a:t>
-            </a:r>
-            <a:r>
-              <a:rPr lang="it-IT" sz="1800" i="1" dirty="0">
-                <a:cs typeface="Times New Roman" panose="02020603050405020304" pitchFamily="18" charset="0"/>
-              </a:rPr>
-              <a:t> Tozzo. Corso di Laurea: Economia e Finanza presso l’Università Ca’ </a:t>
-            </a:r>
-            <a:r>
-              <a:rPr lang="it-IT" sz="1800" i="1" dirty="0" err="1">
-                <a:cs typeface="Times New Roman" panose="02020603050405020304" pitchFamily="18" charset="0"/>
-              </a:rPr>
-              <a:t>Foscari</a:t>
-            </a:r>
-            <a:r>
-              <a:rPr lang="it-IT" sz="1800" i="1" dirty="0">
-                <a:cs typeface="Times New Roman" panose="02020603050405020304" pitchFamily="18" charset="0"/>
-              </a:rPr>
-              <a:t> di Venezia. Relatore: prof. Andrea Giacomelli. Anno accademico 2014 – 2015. Titolo della tesi: I Rischi Operativi. </a:t>
-            </a:r>
-          </a:p>
-          <a:p>
-            <a:pPr algn="l"/>
-            <a:r>
-              <a:rPr lang="it-IT" sz="1800" i="1" dirty="0">
-                <a:cs typeface="Times New Roman" panose="02020603050405020304" pitchFamily="18" charset="0"/>
-              </a:rPr>
-              <a:t>Presentazione PPT della </a:t>
-            </a:r>
-            <a:r>
-              <a:rPr lang="it-IT" sz="1800" i="1" dirty="0" err="1">
-                <a:cs typeface="Times New Roman" panose="02020603050405020304" pitchFamily="18" charset="0"/>
-              </a:rPr>
-              <a:t>Prof.sa</a:t>
-            </a:r>
-            <a:r>
-              <a:rPr lang="it-IT" sz="1800" i="1" dirty="0">
-                <a:cs typeface="Times New Roman" panose="02020603050405020304" pitchFamily="18" charset="0"/>
-              </a:rPr>
-              <a:t> Damiana Costanzo dell’Università degli Studi della Calabria. </a:t>
-            </a:r>
-          </a:p>
-          <a:p>
-            <a:pPr algn="l"/>
-            <a:r>
-              <a:rPr lang="it-IT" sz="1800" i="1" dirty="0">
-                <a:cs typeface="Times New Roman" panose="02020603050405020304" pitchFamily="18" charset="0"/>
-              </a:rPr>
-              <a:t>Presentazione PPT del Docente: Dott. L. </a:t>
-            </a:r>
-            <a:r>
-              <a:rPr lang="it-IT" sz="1800" i="1" dirty="0" err="1">
-                <a:cs typeface="Times New Roman" panose="02020603050405020304" pitchFamily="18" charset="0"/>
-              </a:rPr>
-              <a:t>Corain</a:t>
-            </a:r>
-            <a:r>
-              <a:rPr lang="it-IT" sz="1800" i="1" dirty="0">
-                <a:cs typeface="Times New Roman" panose="02020603050405020304" pitchFamily="18" charset="0"/>
-              </a:rPr>
-              <a:t> insegnante del Corso di laurea in Ingegneria Civile, Università degli Studi di Padova. Modelli Probabilistici. </a:t>
-            </a:r>
+          <a:lstStyle/>
+          <a:p>
+            <a:pPr algn="ctr"/>
+            <a:r>
+              <a:rPr lang="it-IT" sz="4000" dirty="0"/>
+              <a:t>Limiti</a:t>
+            </a:r>
+          </a:p>
+        </p:txBody>
+      </p:sp>
+      <p:sp>
+        <p:nvSpPr>
+          <p:cNvPr id="3" name="CasellaDiTesto 2"/>
+          <p:cNvSpPr txBox="1"/>
+          <p:nvPr/>
+        </p:nvSpPr>
+        <p:spPr>
+          <a:xfrm>
+            <a:off x="838198" y="1560584"/>
+            <a:ext cx="9520240" cy="3724096"/>
+          </a:xfrm>
+          <a:prstGeom prst="rect">
+            <a:avLst/>
+          </a:prstGeom>
+          <a:noFill/>
+        </p:spPr>
+        <p:txBody>
+          <a:bodyPr wrap="square" rtlCol="0">
+            <a:spAutoFit/>
+          </a:bodyPr>
+          <a:lstStyle/>
+          <a:p>
+            <a:pPr marL="285750" lvl="1" indent="-285750">
+              <a:buFont typeface="Arial" charset="0"/>
+              <a:buChar char="•"/>
+            </a:pPr>
+            <a:endParaRPr lang="it-IT" dirty="0"/>
+          </a:p>
+          <a:p>
+            <a:pPr marL="285750" lvl="1" indent="-285750">
+              <a:buFont typeface="Arial" charset="0"/>
+              <a:buChar char="•"/>
+            </a:pPr>
+            <a:r>
+              <a:rPr lang="it-IT" sz="2000" dirty="0"/>
+              <a:t>E’ un modello ad alta intensità di dati. Per applicare questo metodo in modo coerente in tutta l'organizzazione, è necessaria una serie di dati completa riguardante gli eventi di perdita.</a:t>
+            </a:r>
+          </a:p>
+          <a:p>
+            <a:pPr marL="285750" indent="-285750">
+              <a:buFont typeface="Arial" charset="0"/>
+              <a:buChar char="•"/>
+            </a:pPr>
+            <a:endParaRPr lang="it-IT" sz="2000" dirty="0"/>
+          </a:p>
+          <a:p>
+            <a:pPr marL="285750" indent="-285750">
+              <a:buFont typeface="Arial" charset="0"/>
+              <a:buChar char="•"/>
+            </a:pPr>
+            <a:r>
+              <a:rPr lang="it-IT" sz="2000" dirty="0"/>
+              <a:t>E’ necessario un vasto campione statistico strutturato e qualitativamente adeguato</a:t>
+            </a:r>
+          </a:p>
+          <a:p>
+            <a:pPr marL="285750" indent="-285750">
+              <a:buFont typeface="Arial" charset="0"/>
+              <a:buChar char="•"/>
+            </a:pPr>
+            <a:endParaRPr lang="it-IT" sz="2000" dirty="0"/>
+          </a:p>
+          <a:p>
+            <a:pPr marL="285750" indent="-285750">
+              <a:buFont typeface="Arial" charset="0"/>
+              <a:buChar char="•"/>
+            </a:pPr>
+            <a:r>
+              <a:rPr lang="it-IT" sz="2000" dirty="0"/>
+              <a:t>L’assunzione di indipendenza tra la distribuzione di </a:t>
+            </a:r>
+            <a:r>
+              <a:rPr lang="it-IT" sz="2000" dirty="0" err="1"/>
+              <a:t>frequency</a:t>
+            </a:r>
+            <a:r>
+              <a:rPr lang="it-IT" sz="2000" dirty="0"/>
+              <a:t> e quella di </a:t>
+            </a:r>
+            <a:r>
+              <a:rPr lang="it-IT" sz="2000" dirty="0" err="1"/>
+              <a:t>severity</a:t>
+            </a:r>
+            <a:r>
+              <a:rPr lang="it-IT" sz="2000" dirty="0"/>
+              <a:t> costituisce un grosso limite</a:t>
+            </a:r>
+          </a:p>
+          <a:p>
+            <a:pPr marL="285750" indent="-285750">
+              <a:buFont typeface="Arial" charset="0"/>
+              <a:buChar char="•"/>
+            </a:pPr>
+            <a:endParaRPr lang="it-IT" sz="2000" dirty="0"/>
+          </a:p>
+          <a:p>
+            <a:pPr marL="285750" indent="-285750">
+              <a:buFont typeface="Arial" charset="0"/>
+              <a:buChar char="•"/>
+            </a:pPr>
+            <a:r>
+              <a:rPr lang="it-IT" sz="2000" dirty="0"/>
+              <a:t>Il </a:t>
+            </a:r>
+            <a:r>
+              <a:rPr lang="it-IT" sz="2000" dirty="0" err="1"/>
+              <a:t>VaR</a:t>
+            </a:r>
+            <a:r>
+              <a:rPr lang="it-IT" sz="2000" dirty="0"/>
+              <a:t> non fornisce informazioni sulle perdite oltre l’intervallo di confidenza</a:t>
+            </a:r>
+          </a:p>
+          <a:p>
+            <a:pPr marL="285750" indent="-285750">
+              <a:buFont typeface="Arial" charset="0"/>
+              <a:buChar char="•"/>
+            </a:pPr>
+            <a:endParaRPr lang="it-IT" dirty="0"/>
           </a:p>
         </p:txBody>
       </p:sp>
     </p:spTree>
     <p:extLst>
       <p:ext uri="{BB962C8B-B14F-4D97-AF65-F5344CB8AC3E}">
-        <p14:creationId xmlns:p14="http://schemas.microsoft.com/office/powerpoint/2010/main" val="1106072144"/>
+        <p14:creationId xmlns:p14="http://schemas.microsoft.com/office/powerpoint/2010/main" val="1413883340"/>
       </p:ext>
     </p:extLst>
   </p:cSld>
@@ -21885,6 +21126,790 @@
 </file>
 
 <file path=ppt/slides/slide37.xml><?xml version="1.0" encoding="utf-8"?>
+<p:sld xmlns:a="http://schemas.openxmlformats.org/drawingml/2006/main" xmlns:r="http://schemas.openxmlformats.org/officeDocument/2006/relationships" xmlns:p="http://schemas.openxmlformats.org/presentationml/2006/main">
+  <p:cSld>
+    <p:spTree>
+      <p:nvGrpSpPr>
+        <p:cNvPr id="1" name=""/>
+        <p:cNvGrpSpPr/>
+        <p:nvPr/>
+      </p:nvGrpSpPr>
+      <p:grpSpPr>
+        <a:xfrm>
+          <a:off x="0" y="0"/>
+          <a:ext cx="0" cy="0"/>
+          <a:chOff x="0" y="0"/>
+          <a:chExt cx="0" cy="0"/>
+        </a:xfrm>
+      </p:grpSpPr>
+      <p:sp>
+        <p:nvSpPr>
+          <p:cNvPr id="2" name="Titolo 1">
+            <a:extLst>
+              <a:ext uri="{FF2B5EF4-FFF2-40B4-BE49-F238E27FC236}">
+                <a16:creationId xmlns:a16="http://schemas.microsoft.com/office/drawing/2014/main" id="{CF7DA07E-2836-4BAC-BA34-C27C3C3E8269}"/>
+              </a:ext>
+            </a:extLst>
+          </p:cNvPr>
+          <p:cNvSpPr>
+            <a:spLocks noGrp="1"/>
+          </p:cNvSpPr>
+          <p:nvPr>
+            <p:ph type="title"/>
+          </p:nvPr>
+        </p:nvSpPr>
+        <p:spPr>
+          <a:xfrm>
+            <a:off x="838198" y="633901"/>
+            <a:ext cx="10515600" cy="1325563"/>
+          </a:xfrm>
+        </p:spPr>
+        <p:txBody>
+          <a:bodyPr>
+            <a:normAutofit/>
+          </a:bodyPr>
+          <a:lstStyle/>
+          <a:p>
+            <a:pPr algn="ctr"/>
+            <a:r>
+              <a:rPr lang="it-IT" sz="4000" dirty="0" err="1">
+                <a:latin typeface="+mn-lt"/>
+              </a:rPr>
+              <a:t>Expected</a:t>
+            </a:r>
+            <a:r>
+              <a:rPr lang="it-IT" sz="4000" dirty="0">
+                <a:latin typeface="+mn-lt"/>
+              </a:rPr>
+              <a:t> </a:t>
+            </a:r>
+            <a:r>
+              <a:rPr lang="it-IT" sz="4000" dirty="0" err="1">
+                <a:latin typeface="+mn-lt"/>
+              </a:rPr>
+              <a:t>Shortfall</a:t>
+            </a:r>
+            <a:endParaRPr lang="it-IT" sz="4000" dirty="0">
+              <a:latin typeface="+mn-lt"/>
+            </a:endParaRPr>
+          </a:p>
+        </p:txBody>
+      </p:sp>
+      <p:sp>
+        <p:nvSpPr>
+          <p:cNvPr id="7" name="CasellaDiTesto 6">
+            <a:extLst>
+              <a:ext uri="{FF2B5EF4-FFF2-40B4-BE49-F238E27FC236}">
+                <a16:creationId xmlns:a16="http://schemas.microsoft.com/office/drawing/2014/main" id="{5B9FD2E0-A1CA-47E2-8D12-5C0F6668D2C8}"/>
+              </a:ext>
+            </a:extLst>
+          </p:cNvPr>
+          <p:cNvSpPr txBox="1"/>
+          <p:nvPr/>
+        </p:nvSpPr>
+        <p:spPr>
+          <a:xfrm>
+            <a:off x="7281376" y="112014"/>
+            <a:ext cx="4532908" cy="307777"/>
+          </a:xfrm>
+          <a:prstGeom prst="rect">
+            <a:avLst/>
+          </a:prstGeom>
+          <a:noFill/>
+        </p:spPr>
+        <p:txBody>
+          <a:bodyPr wrap="none" rtlCol="0">
+            <a:spAutoFit/>
+          </a:bodyPr>
+          <a:lstStyle/>
+          <a:p>
+            <a:r>
+              <a:rPr lang="it-IT" sz="1400" i="1" dirty="0"/>
+              <a:t>LABORATORIO DI SIMULAZIONI FINANZIARIE A.A. 2017-2018</a:t>
+            </a:r>
+          </a:p>
+        </p:txBody>
+      </p:sp>
+      <p:sp>
+        <p:nvSpPr>
+          <p:cNvPr id="8" name="CasellaDiTesto 7">
+            <a:extLst>
+              <a:ext uri="{FF2B5EF4-FFF2-40B4-BE49-F238E27FC236}">
+                <a16:creationId xmlns:a16="http://schemas.microsoft.com/office/drawing/2014/main" id="{9996E7DA-EAF3-404C-AB6E-37B55C1BA662}"/>
+              </a:ext>
+            </a:extLst>
+          </p:cNvPr>
+          <p:cNvSpPr txBox="1"/>
+          <p:nvPr/>
+        </p:nvSpPr>
+        <p:spPr>
+          <a:xfrm>
+            <a:off x="1172814" y="6308035"/>
+            <a:ext cx="9846368" cy="261610"/>
+          </a:xfrm>
+          <a:prstGeom prst="rect">
+            <a:avLst/>
+          </a:prstGeom>
+          <a:noFill/>
+        </p:spPr>
+        <p:txBody>
+          <a:bodyPr wrap="square" rtlCol="0">
+            <a:spAutoFit/>
+          </a:bodyPr>
+          <a:lstStyle/>
+          <a:p>
+            <a:pPr algn="ctr"/>
+            <a:r>
+              <a:rPr lang="it-IT" sz="1100" i="1" dirty="0"/>
+              <a:t>ERIK HOLLER  - ELIA SCARPARO- STEFANO ZAMPIERO</a:t>
+            </a:r>
+          </a:p>
+        </p:txBody>
+      </p:sp>
+      <mc:AlternateContent xmlns:mc="http://schemas.openxmlformats.org/markup-compatibility/2006">
+        <mc:Choice xmlns:a14="http://schemas.microsoft.com/office/drawing/2010/main" Requires="a14">
+          <p:sp>
+            <p:nvSpPr>
+              <p:cNvPr id="9" name="CasellaDiTesto 8">
+                <a:extLst>
+                  <a:ext uri="{FF2B5EF4-FFF2-40B4-BE49-F238E27FC236}">
+                    <a16:creationId xmlns:a16="http://schemas.microsoft.com/office/drawing/2014/main" id="{F4F246AF-0E78-402B-AEAE-49FD20A0B226}"/>
+                  </a:ext>
+                </a:extLst>
+              </p:cNvPr>
+              <p:cNvSpPr txBox="1"/>
+              <p:nvPr/>
+            </p:nvSpPr>
+            <p:spPr>
+              <a:xfrm>
+                <a:off x="4700455" y="2785241"/>
+                <a:ext cx="2804614" cy="369332"/>
+              </a:xfrm>
+              <a:prstGeom prst="rect">
+                <a:avLst/>
+              </a:prstGeom>
+              <a:noFill/>
+            </p:spPr>
+            <p:txBody>
+              <a:bodyPr wrap="none" rtlCol="0">
+                <a:spAutoFit/>
+              </a:bodyPr>
+              <a:lstStyle/>
+              <a:p>
+                <a14:m>
+                  <m:oMathPara xmlns:m="http://schemas.openxmlformats.org/officeDocument/2006/math">
+                    <m:oMathParaPr>
+                      <m:jc m:val="centerGroup"/>
+                    </m:oMathParaPr>
+                    <m:oMath xmlns:m="http://schemas.openxmlformats.org/officeDocument/2006/math">
+                      <m:r>
+                        <a:rPr lang="it-IT" b="0" i="1" smtClean="0">
+                          <a:latin typeface="Cambria Math" panose="02040503050406030204" pitchFamily="18" charset="0"/>
+                        </a:rPr>
+                        <m:t>𝐸𝑆</m:t>
+                      </m:r>
+                      <m:d>
+                        <m:dPr>
+                          <m:ctrlPr>
+                            <a:rPr lang="it-IT" b="0" i="1" smtClean="0">
+                              <a:latin typeface="Cambria Math" panose="02040503050406030204" pitchFamily="18" charset="0"/>
+                            </a:rPr>
+                          </m:ctrlPr>
+                        </m:dPr>
+                        <m:e>
+                          <m:r>
+                            <a:rPr lang="it-IT" b="0" i="1" smtClean="0">
+                              <a:latin typeface="Cambria Math" panose="02040503050406030204" pitchFamily="18" charset="0"/>
+                              <a:ea typeface="Cambria Math" panose="02040503050406030204" pitchFamily="18" charset="0"/>
+                            </a:rPr>
+                            <m:t>𝛼</m:t>
+                          </m:r>
+                        </m:e>
+                      </m:d>
+                      <m:r>
+                        <a:rPr lang="it-IT" b="0" i="1" smtClean="0">
+                          <a:latin typeface="Cambria Math" panose="02040503050406030204" pitchFamily="18" charset="0"/>
+                          <a:ea typeface="Cambria Math" panose="02040503050406030204" pitchFamily="18" charset="0"/>
+                        </a:rPr>
+                        <m:t>=</m:t>
+                      </m:r>
+                      <m:r>
+                        <a:rPr lang="it-IT" b="0" i="1" smtClean="0">
+                          <a:latin typeface="Cambria Math" panose="02040503050406030204" pitchFamily="18" charset="0"/>
+                          <a:ea typeface="Cambria Math" panose="02040503050406030204" pitchFamily="18" charset="0"/>
+                        </a:rPr>
+                        <m:t>𝐸</m:t>
+                      </m:r>
+                      <m:d>
+                        <m:dPr>
+                          <m:endChr m:val="|"/>
+                          <m:ctrlPr>
+                            <a:rPr lang="it-IT" b="0" i="1" smtClean="0">
+                              <a:latin typeface="Cambria Math" panose="02040503050406030204" pitchFamily="18" charset="0"/>
+                              <a:ea typeface="Cambria Math" panose="02040503050406030204" pitchFamily="18" charset="0"/>
+                            </a:rPr>
+                          </m:ctrlPr>
+                        </m:dPr>
+                        <m:e>
+                          <m:sSub>
+                            <m:sSubPr>
+                              <m:ctrlPr>
+                                <a:rPr lang="it-IT" b="0" i="1" smtClean="0">
+                                  <a:latin typeface="Cambria Math" panose="02040503050406030204" pitchFamily="18" charset="0"/>
+                                  <a:ea typeface="Cambria Math" panose="02040503050406030204" pitchFamily="18" charset="0"/>
+                                </a:rPr>
+                              </m:ctrlPr>
+                            </m:sSubPr>
+                            <m:e>
+                              <m:r>
+                                <a:rPr lang="it-IT" b="0" i="1" smtClean="0">
+                                  <a:latin typeface="Cambria Math" panose="02040503050406030204" pitchFamily="18" charset="0"/>
+                                  <a:ea typeface="Cambria Math" panose="02040503050406030204" pitchFamily="18" charset="0"/>
+                                </a:rPr>
+                                <m:t>𝐿</m:t>
+                              </m:r>
+                            </m:e>
+                            <m:sub>
+                              <m:r>
+                                <a:rPr lang="it-IT" b="0" i="1" smtClean="0">
+                                  <a:latin typeface="Cambria Math" panose="02040503050406030204" pitchFamily="18" charset="0"/>
+                                  <a:ea typeface="Cambria Math" panose="02040503050406030204" pitchFamily="18" charset="0"/>
+                                </a:rPr>
+                                <m:t>𝑖</m:t>
+                              </m:r>
+                            </m:sub>
+                          </m:sSub>
+                        </m:e>
+                      </m:d>
+                      <m:sSub>
+                        <m:sSubPr>
+                          <m:ctrlPr>
+                            <a:rPr lang="it-IT" b="0" i="1" smtClean="0">
+                              <a:latin typeface="Cambria Math" panose="02040503050406030204" pitchFamily="18" charset="0"/>
+                              <a:ea typeface="Cambria Math" panose="02040503050406030204" pitchFamily="18" charset="0"/>
+                            </a:rPr>
+                          </m:ctrlPr>
+                        </m:sSubPr>
+                        <m:e>
+                          <m:r>
+                            <a:rPr lang="it-IT" b="0" i="1" smtClean="0">
+                              <a:latin typeface="Cambria Math" panose="02040503050406030204" pitchFamily="18" charset="0"/>
+                              <a:ea typeface="Cambria Math" panose="02040503050406030204" pitchFamily="18" charset="0"/>
+                            </a:rPr>
+                            <m:t>𝐿</m:t>
+                          </m:r>
+                        </m:e>
+                        <m:sub>
+                          <m:r>
+                            <a:rPr lang="it-IT" b="0" i="1" smtClean="0">
+                              <a:latin typeface="Cambria Math" panose="02040503050406030204" pitchFamily="18" charset="0"/>
+                              <a:ea typeface="Cambria Math" panose="02040503050406030204" pitchFamily="18" charset="0"/>
+                            </a:rPr>
+                            <m:t>𝑖</m:t>
+                          </m:r>
+                        </m:sub>
+                      </m:sSub>
+                      <m:r>
+                        <a:rPr lang="it-IT" b="0" i="1" smtClean="0">
+                          <a:latin typeface="Cambria Math" panose="02040503050406030204" pitchFamily="18" charset="0"/>
+                          <a:ea typeface="Cambria Math" panose="02040503050406030204" pitchFamily="18" charset="0"/>
+                        </a:rPr>
+                        <m:t>&gt;</m:t>
+                      </m:r>
+                      <m:sSub>
+                        <m:sSubPr>
+                          <m:ctrlPr>
+                            <a:rPr lang="it-IT" b="0" i="1" smtClean="0">
+                              <a:latin typeface="Cambria Math" panose="02040503050406030204" pitchFamily="18" charset="0"/>
+                              <a:ea typeface="Cambria Math" panose="02040503050406030204" pitchFamily="18" charset="0"/>
+                            </a:rPr>
+                          </m:ctrlPr>
+                        </m:sSubPr>
+                        <m:e>
+                          <m:r>
+                            <a:rPr lang="it-IT" b="0" i="1" smtClean="0">
+                              <a:latin typeface="Cambria Math" panose="02040503050406030204" pitchFamily="18" charset="0"/>
+                              <a:ea typeface="Cambria Math" panose="02040503050406030204" pitchFamily="18" charset="0"/>
+                            </a:rPr>
+                            <m:t>𝑉𝑎𝑅</m:t>
+                          </m:r>
+                        </m:e>
+                        <m:sub>
+                          <m:r>
+                            <a:rPr lang="it-IT" b="0" i="1" smtClean="0">
+                              <a:latin typeface="Cambria Math" panose="02040503050406030204" pitchFamily="18" charset="0"/>
+                              <a:ea typeface="Cambria Math" panose="02040503050406030204" pitchFamily="18" charset="0"/>
+                            </a:rPr>
+                            <m:t>𝛼</m:t>
+                          </m:r>
+                        </m:sub>
+                      </m:sSub>
+                      <m:r>
+                        <a:rPr lang="it-IT" b="0" i="1" smtClean="0">
+                          <a:latin typeface="Cambria Math" panose="02040503050406030204" pitchFamily="18" charset="0"/>
+                          <a:ea typeface="Cambria Math" panose="02040503050406030204" pitchFamily="18" charset="0"/>
+                        </a:rPr>
+                        <m:t>)</m:t>
+                      </m:r>
+                    </m:oMath>
+                  </m:oMathPara>
+                </a14:m>
+                <a:endParaRPr lang="it-IT" dirty="0"/>
+              </a:p>
+            </p:txBody>
+          </p:sp>
+        </mc:Choice>
+        <mc:Fallback>
+          <p:sp>
+            <p:nvSpPr>
+              <p:cNvPr id="9" name="CasellaDiTesto 8">
+                <a:extLst>
+                  <a:ext uri="{FF2B5EF4-FFF2-40B4-BE49-F238E27FC236}">
+                    <a16:creationId xmlns:a16="http://schemas.microsoft.com/office/drawing/2014/main" id="{F4F246AF-0E78-402B-AEAE-49FD20A0B226}"/>
+                  </a:ext>
+                </a:extLst>
+              </p:cNvPr>
+              <p:cNvSpPr txBox="1">
+                <a:spLocks noRot="1" noChangeAspect="1" noMove="1" noResize="1" noEditPoints="1" noAdjustHandles="1" noChangeArrowheads="1" noChangeShapeType="1" noTextEdit="1"/>
+              </p:cNvSpPr>
+              <p:nvPr/>
+            </p:nvSpPr>
+            <p:spPr>
+              <a:xfrm>
+                <a:off x="4700455" y="2785241"/>
+                <a:ext cx="2804614" cy="369332"/>
+              </a:xfrm>
+              <a:prstGeom prst="rect">
+                <a:avLst/>
+              </a:prstGeom>
+              <a:blipFill>
+                <a:blip r:embed="rId2"/>
+                <a:stretch>
+                  <a:fillRect b="-13333"/>
+                </a:stretch>
+              </a:blipFill>
+            </p:spPr>
+            <p:txBody>
+              <a:bodyPr/>
+              <a:lstStyle/>
+              <a:p>
+                <a:r>
+                  <a:rPr lang="it-IT">
+                    <a:noFill/>
+                  </a:rPr>
+                  <a:t> </a:t>
+                </a:r>
+              </a:p>
+            </p:txBody>
+          </p:sp>
+        </mc:Fallback>
+      </mc:AlternateContent>
+      <mc:AlternateContent xmlns:mc="http://schemas.openxmlformats.org/markup-compatibility/2006">
+        <mc:Choice xmlns:a14="http://schemas.microsoft.com/office/drawing/2010/main" Requires="a14">
+          <p:sp>
+            <p:nvSpPr>
+              <p:cNvPr id="10" name="CasellaDiTesto 9">
+                <a:extLst>
+                  <a:ext uri="{FF2B5EF4-FFF2-40B4-BE49-F238E27FC236}">
+                    <a16:creationId xmlns:a16="http://schemas.microsoft.com/office/drawing/2014/main" id="{FD999C1C-59B9-48EC-B172-39C0CA5E5DD0}"/>
+                  </a:ext>
+                </a:extLst>
+              </p:cNvPr>
+              <p:cNvSpPr txBox="1"/>
+              <p:nvPr/>
+            </p:nvSpPr>
+            <p:spPr>
+              <a:xfrm>
+                <a:off x="4501362" y="4240804"/>
+                <a:ext cx="3202800" cy="800732"/>
+              </a:xfrm>
+              <a:prstGeom prst="rect">
+                <a:avLst/>
+              </a:prstGeom>
+              <a:noFill/>
+            </p:spPr>
+            <p:txBody>
+              <a:bodyPr wrap="none" rtlCol="0">
+                <a:spAutoFit/>
+              </a:bodyPr>
+              <a:lstStyle/>
+              <a:p>
+                <a14:m>
+                  <m:oMathPara xmlns:m="http://schemas.openxmlformats.org/officeDocument/2006/math">
+                    <m:oMathParaPr>
+                      <m:jc m:val="centerGroup"/>
+                    </m:oMathParaPr>
+                    <m:oMath xmlns:m="http://schemas.openxmlformats.org/officeDocument/2006/math">
+                      <m:sSubSup>
+                        <m:sSubSupPr>
+                          <m:ctrlPr>
+                            <a:rPr lang="it-IT" b="0" i="1" smtClean="0">
+                              <a:latin typeface="Cambria Math" panose="02040503050406030204" pitchFamily="18" charset="0"/>
+                              <a:ea typeface="Cambria Math" panose="02040503050406030204" pitchFamily="18" charset="0"/>
+                            </a:rPr>
+                          </m:ctrlPr>
+                        </m:sSubSupPr>
+                        <m:e>
+                          <m:r>
+                            <a:rPr lang="it-IT" b="0" i="1" smtClean="0">
+                              <a:latin typeface="Cambria Math" panose="02040503050406030204" pitchFamily="18" charset="0"/>
+                              <a:ea typeface="Cambria Math" panose="02040503050406030204" pitchFamily="18" charset="0"/>
+                            </a:rPr>
+                            <m:t>𝐸𝑆</m:t>
+                          </m:r>
+                        </m:e>
+                        <m:sub>
+                          <m:r>
+                            <a:rPr lang="it-IT" b="0" i="1" smtClean="0">
+                              <a:latin typeface="Cambria Math" panose="02040503050406030204" pitchFamily="18" charset="0"/>
+                              <a:ea typeface="Cambria Math" panose="02040503050406030204" pitchFamily="18" charset="0"/>
+                            </a:rPr>
+                            <m:t>𝛼</m:t>
+                          </m:r>
+                        </m:sub>
+                        <m:sup>
+                          <m:r>
+                            <a:rPr lang="it-IT" b="0" i="1" smtClean="0">
+                              <a:latin typeface="Cambria Math" panose="02040503050406030204" pitchFamily="18" charset="0"/>
+                              <a:ea typeface="Cambria Math" panose="02040503050406030204" pitchFamily="18" charset="0"/>
+                            </a:rPr>
+                            <m:t>𝑀𝐶</m:t>
+                          </m:r>
+                        </m:sup>
+                      </m:sSubSup>
+                      <m:r>
+                        <a:rPr lang="it-IT" b="0" i="1" smtClean="0">
+                          <a:latin typeface="Cambria Math" panose="02040503050406030204" pitchFamily="18" charset="0"/>
+                          <a:ea typeface="Cambria Math" panose="02040503050406030204" pitchFamily="18" charset="0"/>
+                        </a:rPr>
+                        <m:t>=</m:t>
+                      </m:r>
+                      <m:nary>
+                        <m:naryPr>
+                          <m:chr m:val="∑"/>
+                          <m:supHide m:val="on"/>
+                          <m:ctrlPr>
+                            <a:rPr lang="it-IT" b="0" i="1" smtClean="0">
+                              <a:latin typeface="Cambria Math" panose="02040503050406030204" pitchFamily="18" charset="0"/>
+                              <a:ea typeface="Cambria Math" panose="02040503050406030204" pitchFamily="18" charset="0"/>
+                            </a:rPr>
+                          </m:ctrlPr>
+                        </m:naryPr>
+                        <m:sub>
+                          <m:sSub>
+                            <m:sSubPr>
+                              <m:ctrlPr>
+                                <a:rPr lang="it-IT" i="1">
+                                  <a:latin typeface="Cambria Math" panose="02040503050406030204" pitchFamily="18" charset="0"/>
+                                  <a:ea typeface="Cambria Math" panose="02040503050406030204" pitchFamily="18" charset="0"/>
+                                </a:rPr>
+                              </m:ctrlPr>
+                            </m:sSubPr>
+                            <m:e>
+                              <m:r>
+                                <a:rPr lang="it-IT" i="1">
+                                  <a:latin typeface="Cambria Math" panose="02040503050406030204" pitchFamily="18" charset="0"/>
+                                  <a:ea typeface="Cambria Math" panose="02040503050406030204" pitchFamily="18" charset="0"/>
+                                </a:rPr>
+                                <m:t>𝐿</m:t>
+                              </m:r>
+                            </m:e>
+                            <m:sub>
+                              <m:r>
+                                <a:rPr lang="it-IT" i="1">
+                                  <a:latin typeface="Cambria Math" panose="02040503050406030204" pitchFamily="18" charset="0"/>
+                                  <a:ea typeface="Cambria Math" panose="02040503050406030204" pitchFamily="18" charset="0"/>
+                                </a:rPr>
+                                <m:t>𝑖</m:t>
+                              </m:r>
+                            </m:sub>
+                          </m:sSub>
+                          <m:r>
+                            <a:rPr lang="it-IT" i="1">
+                              <a:latin typeface="Cambria Math" panose="02040503050406030204" pitchFamily="18" charset="0"/>
+                              <a:ea typeface="Cambria Math" panose="02040503050406030204" pitchFamily="18" charset="0"/>
+                            </a:rPr>
+                            <m:t>&gt;</m:t>
+                          </m:r>
+                          <m:sSub>
+                            <m:sSubPr>
+                              <m:ctrlPr>
+                                <a:rPr lang="it-IT" i="1">
+                                  <a:latin typeface="Cambria Math" panose="02040503050406030204" pitchFamily="18" charset="0"/>
+                                  <a:ea typeface="Cambria Math" panose="02040503050406030204" pitchFamily="18" charset="0"/>
+                                </a:rPr>
+                              </m:ctrlPr>
+                            </m:sSubPr>
+                            <m:e>
+                              <m:r>
+                                <a:rPr lang="it-IT" i="1">
+                                  <a:latin typeface="Cambria Math" panose="02040503050406030204" pitchFamily="18" charset="0"/>
+                                  <a:ea typeface="Cambria Math" panose="02040503050406030204" pitchFamily="18" charset="0"/>
+                                </a:rPr>
+                                <m:t>𝑉𝑎𝑅</m:t>
+                              </m:r>
+                            </m:e>
+                            <m:sub>
+                              <m:r>
+                                <a:rPr lang="it-IT" i="1">
+                                  <a:latin typeface="Cambria Math" panose="02040503050406030204" pitchFamily="18" charset="0"/>
+                                  <a:ea typeface="Cambria Math" panose="02040503050406030204" pitchFamily="18" charset="0"/>
+                                </a:rPr>
+                                <m:t>𝛼</m:t>
+                              </m:r>
+                            </m:sub>
+                          </m:sSub>
+                        </m:sub>
+                        <m:sup/>
+                        <m:e>
+                          <m:f>
+                            <m:fPr>
+                              <m:ctrlPr>
+                                <a:rPr lang="it-IT" i="1" smtClean="0">
+                                  <a:latin typeface="Cambria Math" panose="02040503050406030204" pitchFamily="18" charset="0"/>
+                                  <a:ea typeface="Cambria Math" panose="02040503050406030204" pitchFamily="18" charset="0"/>
+                                </a:rPr>
+                              </m:ctrlPr>
+                            </m:fPr>
+                            <m:num>
+                              <m:sSub>
+                                <m:sSubPr>
+                                  <m:ctrlPr>
+                                    <a:rPr lang="it-IT" i="1">
+                                      <a:latin typeface="Cambria Math" panose="02040503050406030204" pitchFamily="18" charset="0"/>
+                                      <a:ea typeface="Cambria Math" panose="02040503050406030204" pitchFamily="18" charset="0"/>
+                                    </a:rPr>
+                                  </m:ctrlPr>
+                                </m:sSubPr>
+                                <m:e>
+                                  <m:r>
+                                    <a:rPr lang="it-IT" i="1">
+                                      <a:latin typeface="Cambria Math" panose="02040503050406030204" pitchFamily="18" charset="0"/>
+                                      <a:ea typeface="Cambria Math" panose="02040503050406030204" pitchFamily="18" charset="0"/>
+                                    </a:rPr>
+                                    <m:t>𝐿</m:t>
+                                  </m:r>
+                                </m:e>
+                                <m:sub>
+                                  <m:r>
+                                    <a:rPr lang="it-IT" i="1">
+                                      <a:latin typeface="Cambria Math" panose="02040503050406030204" pitchFamily="18" charset="0"/>
+                                      <a:ea typeface="Cambria Math" panose="02040503050406030204" pitchFamily="18" charset="0"/>
+                                    </a:rPr>
+                                    <m:t>𝑖</m:t>
+                                  </m:r>
+                                </m:sub>
+                              </m:sSub>
+                            </m:num>
+                            <m:den>
+                              <m:r>
+                                <a:rPr lang="it-IT" b="0" i="1" smtClean="0">
+                                  <a:latin typeface="Cambria Math" panose="02040503050406030204" pitchFamily="18" charset="0"/>
+                                  <a:ea typeface="Cambria Math" panose="02040503050406030204" pitchFamily="18" charset="0"/>
+                                </a:rPr>
+                                <m:t>#(</m:t>
+                              </m:r>
+                              <m:sSub>
+                                <m:sSubPr>
+                                  <m:ctrlPr>
+                                    <a:rPr lang="it-IT" i="1">
+                                      <a:latin typeface="Cambria Math" panose="02040503050406030204" pitchFamily="18" charset="0"/>
+                                      <a:ea typeface="Cambria Math" panose="02040503050406030204" pitchFamily="18" charset="0"/>
+                                    </a:rPr>
+                                  </m:ctrlPr>
+                                </m:sSubPr>
+                                <m:e>
+                                  <m:r>
+                                    <a:rPr lang="it-IT" i="1">
+                                      <a:latin typeface="Cambria Math" panose="02040503050406030204" pitchFamily="18" charset="0"/>
+                                      <a:ea typeface="Cambria Math" panose="02040503050406030204" pitchFamily="18" charset="0"/>
+                                    </a:rPr>
+                                    <m:t>𝐿</m:t>
+                                  </m:r>
+                                </m:e>
+                                <m:sub>
+                                  <m:r>
+                                    <a:rPr lang="it-IT" i="1">
+                                      <a:latin typeface="Cambria Math" panose="02040503050406030204" pitchFamily="18" charset="0"/>
+                                      <a:ea typeface="Cambria Math" panose="02040503050406030204" pitchFamily="18" charset="0"/>
+                                    </a:rPr>
+                                    <m:t>𝑖</m:t>
+                                  </m:r>
+                                </m:sub>
+                              </m:sSub>
+                              <m:r>
+                                <a:rPr lang="it-IT" i="1">
+                                  <a:latin typeface="Cambria Math" panose="02040503050406030204" pitchFamily="18" charset="0"/>
+                                  <a:ea typeface="Cambria Math" panose="02040503050406030204" pitchFamily="18" charset="0"/>
+                                </a:rPr>
+                                <m:t>&gt;</m:t>
+                              </m:r>
+                              <m:sSub>
+                                <m:sSubPr>
+                                  <m:ctrlPr>
+                                    <a:rPr lang="it-IT" i="1">
+                                      <a:latin typeface="Cambria Math" panose="02040503050406030204" pitchFamily="18" charset="0"/>
+                                      <a:ea typeface="Cambria Math" panose="02040503050406030204" pitchFamily="18" charset="0"/>
+                                    </a:rPr>
+                                  </m:ctrlPr>
+                                </m:sSubPr>
+                                <m:e>
+                                  <m:r>
+                                    <a:rPr lang="it-IT" i="1">
+                                      <a:latin typeface="Cambria Math" panose="02040503050406030204" pitchFamily="18" charset="0"/>
+                                      <a:ea typeface="Cambria Math" panose="02040503050406030204" pitchFamily="18" charset="0"/>
+                                    </a:rPr>
+                                    <m:t>𝑉𝑎𝑅</m:t>
+                                  </m:r>
+                                </m:e>
+                                <m:sub>
+                                  <m:r>
+                                    <a:rPr lang="it-IT" i="1">
+                                      <a:latin typeface="Cambria Math" panose="02040503050406030204" pitchFamily="18" charset="0"/>
+                                      <a:ea typeface="Cambria Math" panose="02040503050406030204" pitchFamily="18" charset="0"/>
+                                    </a:rPr>
+                                    <m:t>𝛼</m:t>
+                                  </m:r>
+                                </m:sub>
+                              </m:sSub>
+                              <m:r>
+                                <a:rPr lang="it-IT" b="0" i="1" smtClean="0">
+                                  <a:latin typeface="Cambria Math" panose="02040503050406030204" pitchFamily="18" charset="0"/>
+                                  <a:ea typeface="Cambria Math" panose="02040503050406030204" pitchFamily="18" charset="0"/>
+                                </a:rPr>
+                                <m:t>)</m:t>
+                              </m:r>
+                            </m:den>
+                          </m:f>
+                        </m:e>
+                      </m:nary>
+                    </m:oMath>
+                  </m:oMathPara>
+                </a14:m>
+                <a:endParaRPr lang="it-IT" dirty="0"/>
+              </a:p>
+            </p:txBody>
+          </p:sp>
+        </mc:Choice>
+        <mc:Fallback>
+          <p:sp>
+            <p:nvSpPr>
+              <p:cNvPr id="10" name="CasellaDiTesto 9">
+                <a:extLst>
+                  <a:ext uri="{FF2B5EF4-FFF2-40B4-BE49-F238E27FC236}">
+                    <a16:creationId xmlns:a16="http://schemas.microsoft.com/office/drawing/2014/main" id="{FD999C1C-59B9-48EC-B172-39C0CA5E5DD0}"/>
+                  </a:ext>
+                </a:extLst>
+              </p:cNvPr>
+              <p:cNvSpPr txBox="1">
+                <a:spLocks noRot="1" noChangeAspect="1" noMove="1" noResize="1" noEditPoints="1" noAdjustHandles="1" noChangeArrowheads="1" noChangeShapeType="1" noTextEdit="1"/>
+              </p:cNvSpPr>
+              <p:nvPr/>
+            </p:nvSpPr>
+            <p:spPr>
+              <a:xfrm>
+                <a:off x="4501362" y="4240804"/>
+                <a:ext cx="3202800" cy="800732"/>
+              </a:xfrm>
+              <a:prstGeom prst="rect">
+                <a:avLst/>
+              </a:prstGeom>
+              <a:blipFill>
+                <a:blip r:embed="rId3"/>
+                <a:stretch>
+                  <a:fillRect/>
+                </a:stretch>
+              </a:blipFill>
+            </p:spPr>
+            <p:txBody>
+              <a:bodyPr/>
+              <a:lstStyle/>
+              <a:p>
+                <a:r>
+                  <a:rPr lang="it-IT">
+                    <a:noFill/>
+                  </a:rPr>
+                  <a:t> </a:t>
+                </a:r>
+              </a:p>
+            </p:txBody>
+          </p:sp>
+        </mc:Fallback>
+      </mc:AlternateContent>
+    </p:spTree>
+    <p:extLst>
+      <p:ext uri="{BB962C8B-B14F-4D97-AF65-F5344CB8AC3E}">
+        <p14:creationId xmlns:p14="http://schemas.microsoft.com/office/powerpoint/2010/main" val="739931986"/>
+      </p:ext>
+    </p:extLst>
+  </p:cSld>
+  <p:clrMapOvr>
+    <a:masterClrMapping/>
+  </p:clrMapOvr>
+</p:sld>
+</file>
+
+<file path=ppt/slides/slide38.xml><?xml version="1.0" encoding="utf-8"?>
+<p:sld xmlns:a="http://schemas.openxmlformats.org/drawingml/2006/main" xmlns:r="http://schemas.openxmlformats.org/officeDocument/2006/relationships" xmlns:p="http://schemas.openxmlformats.org/presentationml/2006/main">
+  <p:cSld>
+    <p:spTree>
+      <p:nvGrpSpPr>
+        <p:cNvPr id="1" name=""/>
+        <p:cNvGrpSpPr/>
+        <p:nvPr/>
+      </p:nvGrpSpPr>
+      <p:grpSpPr>
+        <a:xfrm>
+          <a:off x="0" y="0"/>
+          <a:ext cx="0" cy="0"/>
+          <a:chOff x="0" y="0"/>
+          <a:chExt cx="0" cy="0"/>
+        </a:xfrm>
+      </p:grpSpPr>
+      <p:pic>
+        <p:nvPicPr>
+          <p:cNvPr id="4" name="Immagine 3">
+            <a:extLst>
+              <a:ext uri="{FF2B5EF4-FFF2-40B4-BE49-F238E27FC236}">
+                <a16:creationId xmlns:a16="http://schemas.microsoft.com/office/drawing/2014/main" id="{8C6786E0-529B-4F2A-A7AE-33B1D159A945}"/>
+              </a:ext>
+            </a:extLst>
+          </p:cNvPr>
+          <p:cNvPicPr>
+            <a:picLocks noChangeAspect="1"/>
+          </p:cNvPicPr>
+          <p:nvPr/>
+        </p:nvPicPr>
+        <p:blipFill>
+          <a:blip r:embed="rId2"/>
+          <a:stretch>
+            <a:fillRect/>
+          </a:stretch>
+        </p:blipFill>
+        <p:spPr>
+          <a:xfrm>
+            <a:off x="2539198" y="761400"/>
+            <a:ext cx="7113600" cy="5335200"/>
+          </a:xfrm>
+          <a:prstGeom prst="rect">
+            <a:avLst/>
+          </a:prstGeom>
+        </p:spPr>
+      </p:pic>
+    </p:spTree>
+    <p:extLst>
+      <p:ext uri="{BB962C8B-B14F-4D97-AF65-F5344CB8AC3E}">
+        <p14:creationId xmlns:p14="http://schemas.microsoft.com/office/powerpoint/2010/main" val="1057851886"/>
+      </p:ext>
+    </p:extLst>
+  </p:cSld>
+  <p:clrMapOvr>
+    <a:masterClrMapping/>
+  </p:clrMapOvr>
+</p:sld>
+</file>
+
+<file path=ppt/slides/slide39.xml><?xml version="1.0" encoding="utf-8"?>
 <p:sld xmlns:a="http://schemas.openxmlformats.org/drawingml/2006/main" xmlns:r="http://schemas.openxmlformats.org/officeDocument/2006/relationships" xmlns:p="http://schemas.openxmlformats.org/presentationml/2006/main">
   <p:cSld>
     <p:spTree>
@@ -21958,7 +21983,7 @@
         </p:nvSpPr>
         <p:spPr>
           <a:xfrm>
-            <a:off x="838198" y="2714625"/>
+            <a:off x="838198" y="460057"/>
             <a:ext cx="10515600" cy="1457326"/>
           </a:xfrm>
           <a:prstGeom prst="rect">
@@ -22153,7 +22178,7 @@
             </a:pPr>
             <a:r>
               <a:rPr lang="it-IT" sz="4000" dirty="0"/>
-              <a:t>Grazie per l’attenzione!</a:t>
+              <a:t>Fonti</a:t>
             </a:r>
           </a:p>
         </p:txBody>
@@ -22217,10 +22242,545 @@
           </a:p>
         </p:txBody>
       </p:sp>
+      <p:sp>
+        <p:nvSpPr>
+          <p:cNvPr id="10" name="Segnaposto contenuto 2">
+            <a:extLst>
+              <a:ext uri="{FF2B5EF4-FFF2-40B4-BE49-F238E27FC236}">
+                <a16:creationId xmlns:a16="http://schemas.microsoft.com/office/drawing/2014/main" id="{3E1B8146-377A-4E32-B838-476B02B1AB2C}"/>
+              </a:ext>
+            </a:extLst>
+          </p:cNvPr>
+          <p:cNvSpPr txBox="1">
+            <a:spLocks/>
+          </p:cNvSpPr>
+          <p:nvPr/>
+        </p:nvSpPr>
+        <p:spPr>
+          <a:xfrm>
+            <a:off x="400050" y="946532"/>
+            <a:ext cx="11658600" cy="5669280"/>
+          </a:xfrm>
+          <a:prstGeom prst="rect">
+            <a:avLst/>
+          </a:prstGeom>
+        </p:spPr>
+        <p:txBody>
+          <a:bodyPr vert="horz" lIns="91440" tIns="45720" rIns="91440" bIns="45720" rtlCol="0" anchor="ctr">
+            <a:normAutofit/>
+          </a:bodyPr>
+          <a:lstStyle>
+            <a:lvl1pPr marL="0" indent="0" algn="ctr" defTabSz="914400" rtl="0" eaLnBrk="1" latinLnBrk="0" hangingPunct="1">
+              <a:lnSpc>
+                <a:spcPct val="90000"/>
+              </a:lnSpc>
+              <a:spcBef>
+                <a:spcPts val="1000"/>
+              </a:spcBef>
+              <a:buFont typeface="Arial"/>
+              <a:buNone/>
+              <a:defRPr sz="2400" kern="1200">
+                <a:solidFill>
+                  <a:schemeClr val="tx1"/>
+                </a:solidFill>
+                <a:latin typeface="+mn-lt"/>
+                <a:ea typeface="+mn-ea"/>
+                <a:cs typeface="+mn-cs"/>
+              </a:defRPr>
+            </a:lvl1pPr>
+            <a:lvl2pPr marL="457200" indent="0" algn="ctr" defTabSz="914400" rtl="0" eaLnBrk="1" latinLnBrk="0" hangingPunct="1">
+              <a:lnSpc>
+                <a:spcPct val="90000"/>
+              </a:lnSpc>
+              <a:spcBef>
+                <a:spcPts val="500"/>
+              </a:spcBef>
+              <a:buFont typeface="Arial"/>
+              <a:buNone/>
+              <a:defRPr sz="2000" kern="1200">
+                <a:solidFill>
+                  <a:schemeClr val="tx1"/>
+                </a:solidFill>
+                <a:latin typeface="+mn-lt"/>
+                <a:ea typeface="+mn-ea"/>
+                <a:cs typeface="+mn-cs"/>
+              </a:defRPr>
+            </a:lvl2pPr>
+            <a:lvl3pPr marL="914400" indent="0" algn="ctr" defTabSz="914400" rtl="0" eaLnBrk="1" latinLnBrk="0" hangingPunct="1">
+              <a:lnSpc>
+                <a:spcPct val="90000"/>
+              </a:lnSpc>
+              <a:spcBef>
+                <a:spcPts val="500"/>
+              </a:spcBef>
+              <a:buFont typeface="Arial"/>
+              <a:buNone/>
+              <a:defRPr sz="1800" kern="1200">
+                <a:solidFill>
+                  <a:schemeClr val="tx1"/>
+                </a:solidFill>
+                <a:latin typeface="+mn-lt"/>
+                <a:ea typeface="+mn-ea"/>
+                <a:cs typeface="+mn-cs"/>
+              </a:defRPr>
+            </a:lvl3pPr>
+            <a:lvl4pPr marL="1371600" indent="0" algn="ctr" defTabSz="914400" rtl="0" eaLnBrk="1" latinLnBrk="0" hangingPunct="1">
+              <a:lnSpc>
+                <a:spcPct val="90000"/>
+              </a:lnSpc>
+              <a:spcBef>
+                <a:spcPts val="500"/>
+              </a:spcBef>
+              <a:buFont typeface="Arial"/>
+              <a:buNone/>
+              <a:defRPr sz="1600" kern="1200">
+                <a:solidFill>
+                  <a:schemeClr val="tx1"/>
+                </a:solidFill>
+                <a:latin typeface="+mn-lt"/>
+                <a:ea typeface="+mn-ea"/>
+                <a:cs typeface="+mn-cs"/>
+              </a:defRPr>
+            </a:lvl4pPr>
+            <a:lvl5pPr marL="1828800" indent="0" algn="ctr" defTabSz="914400" rtl="0" eaLnBrk="1" latinLnBrk="0" hangingPunct="1">
+              <a:lnSpc>
+                <a:spcPct val="90000"/>
+              </a:lnSpc>
+              <a:spcBef>
+                <a:spcPts val="500"/>
+              </a:spcBef>
+              <a:buFont typeface="Arial"/>
+              <a:buNone/>
+              <a:defRPr sz="1600" kern="1200">
+                <a:solidFill>
+                  <a:schemeClr val="tx1"/>
+                </a:solidFill>
+                <a:latin typeface="+mn-lt"/>
+                <a:ea typeface="+mn-ea"/>
+                <a:cs typeface="+mn-cs"/>
+              </a:defRPr>
+            </a:lvl5pPr>
+            <a:lvl6pPr marL="2286000" indent="0" algn="ctr" defTabSz="914400" rtl="0" eaLnBrk="1" latinLnBrk="0" hangingPunct="1">
+              <a:lnSpc>
+                <a:spcPct val="90000"/>
+              </a:lnSpc>
+              <a:spcBef>
+                <a:spcPts val="500"/>
+              </a:spcBef>
+              <a:buFont typeface="Arial"/>
+              <a:buNone/>
+              <a:defRPr sz="1600" kern="1200">
+                <a:solidFill>
+                  <a:schemeClr val="tx1"/>
+                </a:solidFill>
+                <a:latin typeface="+mn-lt"/>
+                <a:ea typeface="+mn-ea"/>
+                <a:cs typeface="+mn-cs"/>
+              </a:defRPr>
+            </a:lvl6pPr>
+            <a:lvl7pPr marL="2743200" indent="0" algn="ctr" defTabSz="914400" rtl="0" eaLnBrk="1" latinLnBrk="0" hangingPunct="1">
+              <a:lnSpc>
+                <a:spcPct val="90000"/>
+              </a:lnSpc>
+              <a:spcBef>
+                <a:spcPts val="500"/>
+              </a:spcBef>
+              <a:buFont typeface="Arial"/>
+              <a:buNone/>
+              <a:defRPr sz="1600" kern="1200">
+                <a:solidFill>
+                  <a:schemeClr val="tx1"/>
+                </a:solidFill>
+                <a:latin typeface="+mn-lt"/>
+                <a:ea typeface="+mn-ea"/>
+                <a:cs typeface="+mn-cs"/>
+              </a:defRPr>
+            </a:lvl7pPr>
+            <a:lvl8pPr marL="3200400" indent="0" algn="ctr" defTabSz="914400" rtl="0" eaLnBrk="1" latinLnBrk="0" hangingPunct="1">
+              <a:lnSpc>
+                <a:spcPct val="90000"/>
+              </a:lnSpc>
+              <a:spcBef>
+                <a:spcPts val="500"/>
+              </a:spcBef>
+              <a:buFont typeface="Arial"/>
+              <a:buNone/>
+              <a:defRPr sz="1600" kern="1200">
+                <a:solidFill>
+                  <a:schemeClr val="tx1"/>
+                </a:solidFill>
+                <a:latin typeface="+mn-lt"/>
+                <a:ea typeface="+mn-ea"/>
+                <a:cs typeface="+mn-cs"/>
+              </a:defRPr>
+            </a:lvl8pPr>
+            <a:lvl9pPr marL="3657600" indent="0" algn="ctr" defTabSz="914400" rtl="0" eaLnBrk="1" latinLnBrk="0" hangingPunct="1">
+              <a:lnSpc>
+                <a:spcPct val="90000"/>
+              </a:lnSpc>
+              <a:spcBef>
+                <a:spcPts val="500"/>
+              </a:spcBef>
+              <a:buFont typeface="Arial"/>
+              <a:buNone/>
+              <a:defRPr sz="1600" kern="1200">
+                <a:solidFill>
+                  <a:schemeClr val="tx1"/>
+                </a:solidFill>
+                <a:latin typeface="+mn-lt"/>
+                <a:ea typeface="+mn-ea"/>
+                <a:cs typeface="+mn-cs"/>
+              </a:defRPr>
+            </a:lvl9pPr>
+          </a:lstStyle>
+          <a:p>
+            <a:pPr algn="l"/>
+            <a:r>
+              <a:rPr lang="it-IT" sz="1800" i="1" dirty="0" err="1">
+                <a:cs typeface="Times New Roman" panose="02020603050405020304" pitchFamily="18" charset="0"/>
+              </a:rPr>
+              <a:t>Loss</a:t>
+            </a:r>
+            <a:r>
+              <a:rPr lang="it-IT" sz="1800" i="1" dirty="0">
+                <a:cs typeface="Times New Roman" panose="02020603050405020304" pitchFamily="18" charset="0"/>
+              </a:rPr>
+              <a:t> Distribution </a:t>
+            </a:r>
+            <a:r>
+              <a:rPr lang="it-IT" sz="1800" i="1" dirty="0" err="1">
+                <a:cs typeface="Times New Roman" panose="02020603050405020304" pitchFamily="18" charset="0"/>
+              </a:rPr>
+              <a:t>Approach</a:t>
+            </a:r>
+            <a:r>
+              <a:rPr lang="it-IT" sz="1800" i="1" dirty="0">
+                <a:cs typeface="Times New Roman" panose="02020603050405020304" pitchFamily="18" charset="0"/>
+              </a:rPr>
+              <a:t> for </a:t>
+            </a:r>
+            <a:r>
+              <a:rPr lang="it-IT" sz="1800" i="1" dirty="0" err="1">
+                <a:cs typeface="Times New Roman" panose="02020603050405020304" pitchFamily="18" charset="0"/>
+              </a:rPr>
+              <a:t>operational</a:t>
+            </a:r>
+            <a:r>
+              <a:rPr lang="it-IT" sz="1800" i="1" dirty="0">
+                <a:cs typeface="Times New Roman" panose="02020603050405020304" pitchFamily="18" charset="0"/>
+              </a:rPr>
+              <a:t> </a:t>
+            </a:r>
+            <a:r>
+              <a:rPr lang="it-IT" sz="1800" i="1" dirty="0" err="1">
+                <a:cs typeface="Times New Roman" panose="02020603050405020304" pitchFamily="18" charset="0"/>
+              </a:rPr>
+              <a:t>risk</a:t>
+            </a:r>
+            <a:r>
+              <a:rPr lang="it-IT" sz="1800" i="1" dirty="0">
+                <a:cs typeface="Times New Roman" panose="02020603050405020304" pitchFamily="18" charset="0"/>
+              </a:rPr>
+              <a:t>, A. </a:t>
+            </a:r>
+            <a:r>
+              <a:rPr lang="it-IT" sz="1800" i="1" dirty="0" err="1">
+                <a:cs typeface="Times New Roman" panose="02020603050405020304" pitchFamily="18" charset="0"/>
+              </a:rPr>
+              <a:t>Frachot</a:t>
+            </a:r>
+            <a:r>
+              <a:rPr lang="it-IT" sz="1800" i="1" dirty="0">
+                <a:cs typeface="Times New Roman" panose="02020603050405020304" pitchFamily="18" charset="0"/>
+              </a:rPr>
+              <a:t>, P. Georges &amp; T. </a:t>
+            </a:r>
+            <a:r>
+              <a:rPr lang="it-IT" sz="1800" i="1" dirty="0" err="1">
+                <a:cs typeface="Times New Roman" panose="02020603050405020304" pitchFamily="18" charset="0"/>
+              </a:rPr>
+              <a:t>Roncalliy</a:t>
+            </a:r>
+            <a:r>
+              <a:rPr lang="it-IT" sz="1800" i="1" dirty="0">
+                <a:cs typeface="Times New Roman" panose="02020603050405020304" pitchFamily="18" charset="0"/>
+              </a:rPr>
+              <a:t>, </a:t>
+            </a:r>
+            <a:r>
+              <a:rPr lang="it-IT" sz="1800" i="1" dirty="0" err="1">
+                <a:cs typeface="Times New Roman" panose="02020603050405020304" pitchFamily="18" charset="0"/>
+              </a:rPr>
+              <a:t>Groupe</a:t>
+            </a:r>
+            <a:r>
+              <a:rPr lang="it-IT" sz="1800" i="1" dirty="0">
+                <a:cs typeface="Times New Roman" panose="02020603050405020304" pitchFamily="18" charset="0"/>
+              </a:rPr>
+              <a:t> de </a:t>
+            </a:r>
+            <a:r>
+              <a:rPr lang="it-IT" sz="1800" i="1" dirty="0" err="1">
+                <a:cs typeface="Times New Roman" panose="02020603050405020304" pitchFamily="18" charset="0"/>
+              </a:rPr>
+              <a:t>Recherche</a:t>
+            </a:r>
+            <a:r>
+              <a:rPr lang="it-IT" sz="1800" i="1" dirty="0">
+                <a:cs typeface="Times New Roman" panose="02020603050405020304" pitchFamily="18" charset="0"/>
+              </a:rPr>
+              <a:t> </a:t>
+            </a:r>
+            <a:r>
+              <a:rPr lang="it-IT" sz="1800" i="1" dirty="0" err="1">
+                <a:cs typeface="Times New Roman" panose="02020603050405020304" pitchFamily="18" charset="0"/>
+              </a:rPr>
+              <a:t>Operationnelle</a:t>
+            </a:r>
+            <a:r>
+              <a:rPr lang="it-IT" sz="1800" i="1" dirty="0">
+                <a:cs typeface="Times New Roman" panose="02020603050405020304" pitchFamily="18" charset="0"/>
+              </a:rPr>
+              <a:t>, Credit Lyonnais, France </a:t>
+            </a:r>
+          </a:p>
+          <a:p>
+            <a:pPr algn="l"/>
+            <a:r>
+              <a:rPr lang="it-IT" sz="1800" i="1" dirty="0">
+                <a:cs typeface="Times New Roman" panose="02020603050405020304" pitchFamily="18" charset="0"/>
+              </a:rPr>
+              <a:t>[</a:t>
+            </a:r>
+            <a:r>
+              <a:rPr lang="it-IT" sz="1800" i="1" dirty="0" err="1">
+                <a:cs typeface="Times New Roman" panose="02020603050405020304" pitchFamily="18" charset="0"/>
+              </a:rPr>
+              <a:t>Wiley</a:t>
+            </a:r>
+            <a:r>
+              <a:rPr lang="it-IT" sz="1800" i="1" dirty="0">
+                <a:cs typeface="Times New Roman" panose="02020603050405020304" pitchFamily="18" charset="0"/>
+              </a:rPr>
+              <a:t> Series in </a:t>
+            </a:r>
+            <a:r>
+              <a:rPr lang="it-IT" sz="1800" i="1" dirty="0" err="1">
+                <a:cs typeface="Times New Roman" panose="02020603050405020304" pitchFamily="18" charset="0"/>
+              </a:rPr>
+              <a:t>Probability</a:t>
+            </a:r>
+            <a:r>
+              <a:rPr lang="it-IT" sz="1800" i="1" dirty="0">
+                <a:cs typeface="Times New Roman" panose="02020603050405020304" pitchFamily="18" charset="0"/>
+              </a:rPr>
+              <a:t> and </a:t>
+            </a:r>
+            <a:r>
+              <a:rPr lang="it-IT" sz="1800" i="1" dirty="0" err="1">
+                <a:cs typeface="Times New Roman" panose="02020603050405020304" pitchFamily="18" charset="0"/>
+              </a:rPr>
+              <a:t>Statistics</a:t>
+            </a:r>
+            <a:r>
+              <a:rPr lang="it-IT" sz="1800" i="1" dirty="0">
+                <a:cs typeface="Times New Roman" panose="02020603050405020304" pitchFamily="18" charset="0"/>
+              </a:rPr>
+              <a:t>] </a:t>
+            </a:r>
+            <a:r>
+              <a:rPr lang="it-IT" sz="1800" i="1" dirty="0" err="1">
+                <a:cs typeface="Times New Roman" panose="02020603050405020304" pitchFamily="18" charset="0"/>
+              </a:rPr>
+              <a:t>Klugman</a:t>
+            </a:r>
+            <a:r>
+              <a:rPr lang="it-IT" sz="1800" i="1" dirty="0">
+                <a:cs typeface="Times New Roman" panose="02020603050405020304" pitchFamily="18" charset="0"/>
+              </a:rPr>
+              <a:t>, S.A. and </a:t>
+            </a:r>
+            <a:r>
+              <a:rPr lang="it-IT" sz="1800" i="1" dirty="0" err="1">
+                <a:cs typeface="Times New Roman" panose="02020603050405020304" pitchFamily="18" charset="0"/>
+              </a:rPr>
+              <a:t>Panjer</a:t>
+            </a:r>
+            <a:r>
+              <a:rPr lang="it-IT" sz="1800" i="1" dirty="0">
+                <a:cs typeface="Times New Roman" panose="02020603050405020304" pitchFamily="18" charset="0"/>
+              </a:rPr>
+              <a:t>, H.H. and </a:t>
+            </a:r>
+            <a:r>
+              <a:rPr lang="it-IT" sz="1800" i="1" dirty="0" err="1">
+                <a:cs typeface="Times New Roman" panose="02020603050405020304" pitchFamily="18" charset="0"/>
+              </a:rPr>
+              <a:t>Wilmt</a:t>
+            </a:r>
+            <a:r>
+              <a:rPr lang="it-IT" sz="1800" i="1" dirty="0">
+                <a:cs typeface="Times New Roman" panose="02020603050405020304" pitchFamily="18" charset="0"/>
+              </a:rPr>
+              <a:t>, G.E. – </a:t>
+            </a:r>
+            <a:r>
+              <a:rPr lang="it-IT" sz="1800" i="1" dirty="0" err="1">
+                <a:cs typeface="Times New Roman" panose="02020603050405020304" pitchFamily="18" charset="0"/>
+              </a:rPr>
+              <a:t>Loss</a:t>
+            </a:r>
+            <a:r>
+              <a:rPr lang="it-IT" sz="1800" i="1" dirty="0">
+                <a:cs typeface="Times New Roman" panose="02020603050405020304" pitchFamily="18" charset="0"/>
+              </a:rPr>
+              <a:t> </a:t>
+            </a:r>
+            <a:r>
+              <a:rPr lang="it-IT" sz="1800" i="1" dirty="0" err="1">
+                <a:cs typeface="Times New Roman" panose="02020603050405020304" pitchFamily="18" charset="0"/>
+              </a:rPr>
+              <a:t>Models_From</a:t>
+            </a:r>
+            <a:r>
+              <a:rPr lang="it-IT" sz="1800" i="1" dirty="0">
+                <a:cs typeface="Times New Roman" panose="02020603050405020304" pitchFamily="18" charset="0"/>
+              </a:rPr>
+              <a:t> Data to </a:t>
+            </a:r>
+            <a:r>
+              <a:rPr lang="it-IT" sz="1800" i="1" dirty="0" err="1">
+                <a:cs typeface="Times New Roman" panose="02020603050405020304" pitchFamily="18" charset="0"/>
+              </a:rPr>
+              <a:t>Desicions</a:t>
+            </a:r>
+            <a:r>
+              <a:rPr lang="it-IT" sz="1800" i="1" dirty="0">
+                <a:cs typeface="Times New Roman" panose="02020603050405020304" pitchFamily="18" charset="0"/>
+              </a:rPr>
+              <a:t>, 2012</a:t>
+            </a:r>
+          </a:p>
+          <a:p>
+            <a:pPr algn="l"/>
+            <a:r>
+              <a:rPr lang="it-IT" sz="1800" i="1" dirty="0">
+                <a:cs typeface="Times New Roman" panose="02020603050405020304" pitchFamily="18" charset="0"/>
+              </a:rPr>
+              <a:t>Presentazione PPT del Professor Michele </a:t>
+            </a:r>
+            <a:r>
+              <a:rPr lang="it-IT" sz="1800" i="1" dirty="0" err="1">
+                <a:cs typeface="Times New Roman" panose="02020603050405020304" pitchFamily="18" charset="0"/>
+              </a:rPr>
+              <a:t>Bonollo</a:t>
+            </a:r>
+            <a:r>
+              <a:rPr lang="it-IT" sz="1800" i="1" dirty="0">
+                <a:cs typeface="Times New Roman" panose="02020603050405020304" pitchFamily="18" charset="0"/>
+              </a:rPr>
+              <a:t> dell’Università degli Studi di Padova sul tema: Rischi Operativi e Basilea 2. Modelli, metodi e problematiche applicative. </a:t>
+            </a:r>
+          </a:p>
+          <a:p>
+            <a:pPr algn="l"/>
+            <a:r>
+              <a:rPr lang="it-IT" sz="1800" i="1" dirty="0">
+                <a:cs typeface="Times New Roman" panose="02020603050405020304" pitchFamily="18" charset="0"/>
+              </a:rPr>
+              <a:t>Presentazione PPT della Professoressa Simona Cosma dell’Università del Salento sul tema: Il calcolo del VAR operativo mediante la metodologia stocastica parametrica. </a:t>
+            </a:r>
+          </a:p>
+          <a:p>
+            <a:pPr algn="l"/>
+            <a:r>
+              <a:rPr lang="it-IT" sz="1800" i="1" dirty="0">
+                <a:cs typeface="Times New Roman" panose="02020603050405020304" pitchFamily="18" charset="0"/>
+              </a:rPr>
+              <a:t>Lezione n. 5. - 28/3/03. Università degli Studi di Roma Tre, sezione di Matematica. Dipartimento di Matematica e Fisica. </a:t>
+            </a:r>
+          </a:p>
+          <a:p>
+            <a:pPr algn="l"/>
+            <a:r>
+              <a:rPr lang="it-IT" sz="1800" i="1" dirty="0">
+                <a:cs typeface="Times New Roman" panose="02020603050405020304" pitchFamily="18" charset="0"/>
+              </a:rPr>
+              <a:t>Tesi di Laurea Magistrale del Dott. Giacomo </a:t>
+            </a:r>
+            <a:r>
+              <a:rPr lang="it-IT" sz="1800" i="1" dirty="0" err="1">
+                <a:cs typeface="Times New Roman" panose="02020603050405020304" pitchFamily="18" charset="0"/>
+              </a:rPr>
+              <a:t>Fasiolo</a:t>
+            </a:r>
+            <a:r>
+              <a:rPr lang="it-IT" sz="1800" i="1" dirty="0">
+                <a:cs typeface="Times New Roman" panose="02020603050405020304" pitchFamily="18" charset="0"/>
+              </a:rPr>
+              <a:t> Tozzo. Corso di Laurea: Economia e Finanza presso l’Università Ca’ </a:t>
+            </a:r>
+            <a:r>
+              <a:rPr lang="it-IT" sz="1800" i="1" dirty="0" err="1">
+                <a:cs typeface="Times New Roman" panose="02020603050405020304" pitchFamily="18" charset="0"/>
+              </a:rPr>
+              <a:t>Foscari</a:t>
+            </a:r>
+            <a:r>
+              <a:rPr lang="it-IT" sz="1800" i="1" dirty="0">
+                <a:cs typeface="Times New Roman" panose="02020603050405020304" pitchFamily="18" charset="0"/>
+              </a:rPr>
+              <a:t> di Venezia. Relatore: prof. Andrea Giacomelli. Anno accademico 2014 – 2015. Titolo della tesi: I Rischi Operativi. </a:t>
+            </a:r>
+          </a:p>
+          <a:p>
+            <a:pPr algn="l"/>
+            <a:r>
+              <a:rPr lang="it-IT" sz="1800" i="1" dirty="0">
+                <a:cs typeface="Times New Roman" panose="02020603050405020304" pitchFamily="18" charset="0"/>
+              </a:rPr>
+              <a:t>Presentazione PPT della </a:t>
+            </a:r>
+            <a:r>
+              <a:rPr lang="it-IT" sz="1800" i="1" dirty="0" err="1">
+                <a:cs typeface="Times New Roman" panose="02020603050405020304" pitchFamily="18" charset="0"/>
+              </a:rPr>
+              <a:t>Prof.sa</a:t>
+            </a:r>
+            <a:r>
+              <a:rPr lang="it-IT" sz="1800" i="1" dirty="0">
+                <a:cs typeface="Times New Roman" panose="02020603050405020304" pitchFamily="18" charset="0"/>
+              </a:rPr>
+              <a:t> Damiana Costanzo dell’Università degli Studi della Calabria. </a:t>
+            </a:r>
+          </a:p>
+          <a:p>
+            <a:pPr algn="l"/>
+            <a:r>
+              <a:rPr lang="it-IT" sz="1800" i="1" dirty="0">
+                <a:cs typeface="Times New Roman" panose="02020603050405020304" pitchFamily="18" charset="0"/>
+              </a:rPr>
+              <a:t>Presentazione PPT del Docente: Dott. L. </a:t>
+            </a:r>
+            <a:r>
+              <a:rPr lang="it-IT" sz="1800" i="1" dirty="0" err="1">
+                <a:cs typeface="Times New Roman" panose="02020603050405020304" pitchFamily="18" charset="0"/>
+              </a:rPr>
+              <a:t>Corain</a:t>
+            </a:r>
+            <a:r>
+              <a:rPr lang="it-IT" sz="1800" i="1" dirty="0">
+                <a:cs typeface="Times New Roman" panose="02020603050405020304" pitchFamily="18" charset="0"/>
+              </a:rPr>
+              <a:t> insegnante del Corso di laurea in Ingegneria Civile, Università degli Studi di Padova. Modelli Probabilistici. </a:t>
+            </a:r>
+          </a:p>
+        </p:txBody>
+      </p:sp>
     </p:spTree>
     <p:extLst>
       <p:ext uri="{BB962C8B-B14F-4D97-AF65-F5344CB8AC3E}">
-        <p14:creationId xmlns:p14="http://schemas.microsoft.com/office/powerpoint/2010/main" val="183530150"/>
+        <p14:creationId xmlns:p14="http://schemas.microsoft.com/office/powerpoint/2010/main" val="1106072144"/>
       </p:ext>
     </p:extLst>
   </p:cSld>
@@ -22624,6 +23184,352 @@
 </p:sld>
 </file>
 
+<file path=ppt/slides/slide40.xml><?xml version="1.0" encoding="utf-8"?>
+<p:sld xmlns:a="http://schemas.openxmlformats.org/drawingml/2006/main" xmlns:r="http://schemas.openxmlformats.org/officeDocument/2006/relationships" xmlns:p="http://schemas.openxmlformats.org/presentationml/2006/main">
+  <p:cSld>
+    <p:spTree>
+      <p:nvGrpSpPr>
+        <p:cNvPr id="1" name=""/>
+        <p:cNvGrpSpPr/>
+        <p:nvPr/>
+      </p:nvGrpSpPr>
+      <p:grpSpPr>
+        <a:xfrm>
+          <a:off x="0" y="0"/>
+          <a:ext cx="0" cy="0"/>
+          <a:chOff x="0" y="0"/>
+          <a:chExt cx="0" cy="0"/>
+        </a:xfrm>
+      </p:grpSpPr>
+      <p:sp>
+        <p:nvSpPr>
+          <p:cNvPr id="4" name="Titolo 1"/>
+          <p:cNvSpPr txBox="1">
+            <a:spLocks/>
+          </p:cNvSpPr>
+          <p:nvPr/>
+        </p:nvSpPr>
+        <p:spPr>
+          <a:xfrm>
+            <a:off x="838198" y="91726"/>
+            <a:ext cx="10515600" cy="1325563"/>
+          </a:xfrm>
+          <a:prstGeom prst="rect">
+            <a:avLst/>
+          </a:prstGeom>
+        </p:spPr>
+        <p:txBody>
+          <a:bodyPr vert="horz" lIns="91440" tIns="45720" rIns="91440" bIns="45720" rtlCol="0" anchor="b">
+            <a:normAutofit/>
+          </a:bodyPr>
+          <a:lstStyle>
+            <a:lvl1pPr algn="ctr" defTabSz="914400" rtl="0" eaLnBrk="1" latinLnBrk="0" hangingPunct="1">
+              <a:lnSpc>
+                <a:spcPct val="90000"/>
+              </a:lnSpc>
+              <a:spcBef>
+                <a:spcPct val="0"/>
+              </a:spcBef>
+              <a:buNone/>
+              <a:defRPr sz="6000" kern="1200">
+                <a:solidFill>
+                  <a:schemeClr val="tx1"/>
+                </a:solidFill>
+                <a:latin typeface="+mj-lt"/>
+                <a:ea typeface="+mj-ea"/>
+                <a:cs typeface="+mj-cs"/>
+              </a:defRPr>
+            </a:lvl1pPr>
+          </a:lstStyle>
+          <a:p>
+            <a:endParaRPr lang="it-IT" sz="4000" dirty="0">
+              <a:latin typeface="Bodoni MT" pitchFamily="18" charset="0"/>
+            </a:endParaRPr>
+          </a:p>
+        </p:txBody>
+      </p:sp>
+      <p:sp>
+        <p:nvSpPr>
+          <p:cNvPr id="5" name="Segnaposto contenuto 2"/>
+          <p:cNvSpPr txBox="1">
+            <a:spLocks/>
+          </p:cNvSpPr>
+          <p:nvPr/>
+        </p:nvSpPr>
+        <p:spPr>
+          <a:xfrm>
+            <a:off x="838198" y="2714625"/>
+            <a:ext cx="10515600" cy="1457326"/>
+          </a:xfrm>
+          <a:prstGeom prst="rect">
+            <a:avLst/>
+          </a:prstGeom>
+        </p:spPr>
+        <p:txBody>
+          <a:bodyPr vert="horz" lIns="91440" tIns="45720" rIns="91440" bIns="45720" rtlCol="0">
+            <a:normAutofit/>
+          </a:bodyPr>
+          <a:lstStyle>
+            <a:lvl1pPr marL="0" indent="0" algn="ctr" defTabSz="914400" rtl="0" eaLnBrk="1" latinLnBrk="0" hangingPunct="1">
+              <a:lnSpc>
+                <a:spcPct val="90000"/>
+              </a:lnSpc>
+              <a:spcBef>
+                <a:spcPts val="1000"/>
+              </a:spcBef>
+              <a:buFont typeface="Arial" panose="020B0604020202020204" pitchFamily="34" charset="0"/>
+              <a:buNone/>
+              <a:defRPr sz="2400" kern="1200">
+                <a:solidFill>
+                  <a:schemeClr val="tx1"/>
+                </a:solidFill>
+                <a:latin typeface="+mn-lt"/>
+                <a:ea typeface="+mn-ea"/>
+                <a:cs typeface="+mn-cs"/>
+              </a:defRPr>
+            </a:lvl1pPr>
+            <a:lvl2pPr marL="457200" indent="0" algn="ctr" defTabSz="914400" rtl="0" eaLnBrk="1" latinLnBrk="0" hangingPunct="1">
+              <a:lnSpc>
+                <a:spcPct val="90000"/>
+              </a:lnSpc>
+              <a:spcBef>
+                <a:spcPts val="500"/>
+              </a:spcBef>
+              <a:buFont typeface="Arial" panose="020B0604020202020204" pitchFamily="34" charset="0"/>
+              <a:buNone/>
+              <a:defRPr sz="2000" kern="1200">
+                <a:solidFill>
+                  <a:schemeClr val="tx1"/>
+                </a:solidFill>
+                <a:latin typeface="+mn-lt"/>
+                <a:ea typeface="+mn-ea"/>
+                <a:cs typeface="+mn-cs"/>
+              </a:defRPr>
+            </a:lvl2pPr>
+            <a:lvl3pPr marL="914400" indent="0" algn="ctr" defTabSz="914400" rtl="0" eaLnBrk="1" latinLnBrk="0" hangingPunct="1">
+              <a:lnSpc>
+                <a:spcPct val="90000"/>
+              </a:lnSpc>
+              <a:spcBef>
+                <a:spcPts val="500"/>
+              </a:spcBef>
+              <a:buFont typeface="Arial" panose="020B0604020202020204" pitchFamily="34" charset="0"/>
+              <a:buNone/>
+              <a:defRPr sz="1800" kern="1200">
+                <a:solidFill>
+                  <a:schemeClr val="tx1"/>
+                </a:solidFill>
+                <a:latin typeface="+mn-lt"/>
+                <a:ea typeface="+mn-ea"/>
+                <a:cs typeface="+mn-cs"/>
+              </a:defRPr>
+            </a:lvl3pPr>
+            <a:lvl4pPr marL="1371600" indent="0" algn="ctr" defTabSz="914400" rtl="0" eaLnBrk="1" latinLnBrk="0" hangingPunct="1">
+              <a:lnSpc>
+                <a:spcPct val="90000"/>
+              </a:lnSpc>
+              <a:spcBef>
+                <a:spcPts val="500"/>
+              </a:spcBef>
+              <a:buFont typeface="Arial" panose="020B0604020202020204" pitchFamily="34" charset="0"/>
+              <a:buNone/>
+              <a:defRPr sz="1600" kern="1200">
+                <a:solidFill>
+                  <a:schemeClr val="tx1"/>
+                </a:solidFill>
+                <a:latin typeface="+mn-lt"/>
+                <a:ea typeface="+mn-ea"/>
+                <a:cs typeface="+mn-cs"/>
+              </a:defRPr>
+            </a:lvl4pPr>
+            <a:lvl5pPr marL="1828800" indent="0" algn="ctr" defTabSz="914400" rtl="0" eaLnBrk="1" latinLnBrk="0" hangingPunct="1">
+              <a:lnSpc>
+                <a:spcPct val="90000"/>
+              </a:lnSpc>
+              <a:spcBef>
+                <a:spcPts val="500"/>
+              </a:spcBef>
+              <a:buFont typeface="Arial" panose="020B0604020202020204" pitchFamily="34" charset="0"/>
+              <a:buNone/>
+              <a:defRPr sz="1600" kern="1200">
+                <a:solidFill>
+                  <a:schemeClr val="tx1"/>
+                </a:solidFill>
+                <a:latin typeface="+mn-lt"/>
+                <a:ea typeface="+mn-ea"/>
+                <a:cs typeface="+mn-cs"/>
+              </a:defRPr>
+            </a:lvl5pPr>
+            <a:lvl6pPr marL="2286000" indent="0" algn="ctr" defTabSz="914400" rtl="0" eaLnBrk="1" latinLnBrk="0" hangingPunct="1">
+              <a:lnSpc>
+                <a:spcPct val="90000"/>
+              </a:lnSpc>
+              <a:spcBef>
+                <a:spcPts val="500"/>
+              </a:spcBef>
+              <a:buFont typeface="Arial" panose="020B0604020202020204" pitchFamily="34" charset="0"/>
+              <a:buNone/>
+              <a:defRPr sz="1600" kern="1200">
+                <a:solidFill>
+                  <a:schemeClr val="tx1"/>
+                </a:solidFill>
+                <a:latin typeface="+mn-lt"/>
+                <a:ea typeface="+mn-ea"/>
+                <a:cs typeface="+mn-cs"/>
+              </a:defRPr>
+            </a:lvl6pPr>
+            <a:lvl7pPr marL="2743200" indent="0" algn="ctr" defTabSz="914400" rtl="0" eaLnBrk="1" latinLnBrk="0" hangingPunct="1">
+              <a:lnSpc>
+                <a:spcPct val="90000"/>
+              </a:lnSpc>
+              <a:spcBef>
+                <a:spcPts val="500"/>
+              </a:spcBef>
+              <a:buFont typeface="Arial" panose="020B0604020202020204" pitchFamily="34" charset="0"/>
+              <a:buNone/>
+              <a:defRPr sz="1600" kern="1200">
+                <a:solidFill>
+                  <a:schemeClr val="tx1"/>
+                </a:solidFill>
+                <a:latin typeface="+mn-lt"/>
+                <a:ea typeface="+mn-ea"/>
+                <a:cs typeface="+mn-cs"/>
+              </a:defRPr>
+            </a:lvl7pPr>
+            <a:lvl8pPr marL="3200400" indent="0" algn="ctr" defTabSz="914400" rtl="0" eaLnBrk="1" latinLnBrk="0" hangingPunct="1">
+              <a:lnSpc>
+                <a:spcPct val="90000"/>
+              </a:lnSpc>
+              <a:spcBef>
+                <a:spcPts val="500"/>
+              </a:spcBef>
+              <a:buFont typeface="Arial" panose="020B0604020202020204" pitchFamily="34" charset="0"/>
+              <a:buNone/>
+              <a:defRPr sz="1600" kern="1200">
+                <a:solidFill>
+                  <a:schemeClr val="tx1"/>
+                </a:solidFill>
+                <a:latin typeface="+mn-lt"/>
+                <a:ea typeface="+mn-ea"/>
+                <a:cs typeface="+mn-cs"/>
+              </a:defRPr>
+            </a:lvl8pPr>
+            <a:lvl9pPr marL="3657600" indent="0" algn="ctr" defTabSz="914400" rtl="0" eaLnBrk="1" latinLnBrk="0" hangingPunct="1">
+              <a:lnSpc>
+                <a:spcPct val="90000"/>
+              </a:lnSpc>
+              <a:spcBef>
+                <a:spcPts val="500"/>
+              </a:spcBef>
+              <a:buFont typeface="Arial" panose="020B0604020202020204" pitchFamily="34" charset="0"/>
+              <a:buNone/>
+              <a:defRPr sz="1600" kern="1200">
+                <a:solidFill>
+                  <a:schemeClr val="tx1"/>
+                </a:solidFill>
+                <a:latin typeface="+mn-lt"/>
+                <a:ea typeface="+mn-ea"/>
+                <a:cs typeface="+mn-cs"/>
+              </a:defRPr>
+            </a:lvl9pPr>
+          </a:lstStyle>
+          <a:p>
+            <a:pPr marL="514350" marR="0" lvl="0" indent="-514350" defTabSz="914400" eaLnBrk="1" fontAlgn="auto" latinLnBrk="0" hangingPunct="1">
+              <a:lnSpc>
+                <a:spcPct val="100000"/>
+              </a:lnSpc>
+              <a:spcBef>
+                <a:spcPts val="0"/>
+              </a:spcBef>
+              <a:spcAft>
+                <a:spcPts val="0"/>
+              </a:spcAft>
+              <a:buClrTx/>
+              <a:buSzTx/>
+              <a:buFont typeface="+mj-lt"/>
+              <a:buNone/>
+              <a:tabLst/>
+              <a:defRPr/>
+            </a:pPr>
+            <a:r>
+              <a:rPr lang="it-IT" sz="4000" dirty="0"/>
+              <a:t>Grazie per l’attenzione!</a:t>
+            </a:r>
+          </a:p>
+        </p:txBody>
+      </p:sp>
+      <p:sp>
+        <p:nvSpPr>
+          <p:cNvPr id="7" name="CasellaDiTesto 6"/>
+          <p:cNvSpPr txBox="1"/>
+          <p:nvPr/>
+        </p:nvSpPr>
+        <p:spPr>
+          <a:xfrm>
+            <a:off x="1172814" y="6308035"/>
+            <a:ext cx="9846368" cy="307777"/>
+          </a:xfrm>
+          <a:prstGeom prst="rect">
+            <a:avLst/>
+          </a:prstGeom>
+          <a:noFill/>
+        </p:spPr>
+        <p:txBody>
+          <a:bodyPr wrap="square" rtlCol="0">
+            <a:spAutoFit/>
+          </a:bodyPr>
+          <a:lstStyle/>
+          <a:p>
+            <a:pPr algn="ctr"/>
+            <a:r>
+              <a:rPr lang="it-IT" sz="1400" i="1" dirty="0"/>
+              <a:t>ERIK HOLLER  - ELIA SCARPARO- STEFANO ZAMPIERO</a:t>
+            </a:r>
+          </a:p>
+        </p:txBody>
+      </p:sp>
+      <p:sp>
+        <p:nvSpPr>
+          <p:cNvPr id="9" name="CasellaDiTesto 8"/>
+          <p:cNvSpPr txBox="1"/>
+          <p:nvPr/>
+        </p:nvSpPr>
+        <p:spPr>
+          <a:xfrm>
+            <a:off x="7281376" y="112014"/>
+            <a:ext cx="4532908" cy="307777"/>
+          </a:xfrm>
+          <a:prstGeom prst="rect">
+            <a:avLst/>
+          </a:prstGeom>
+          <a:noFill/>
+        </p:spPr>
+        <p:txBody>
+          <a:bodyPr wrap="none" rtlCol="0">
+            <a:spAutoFit/>
+          </a:bodyPr>
+          <a:lstStyle/>
+          <a:p>
+            <a:r>
+              <a:rPr lang="it-IT" sz="1400" i="1" dirty="0"/>
+              <a:t>LABORATORIO DI SIMULAZIONI FINANZIARIE A.A. 2017-2018</a:t>
+            </a:r>
+          </a:p>
+        </p:txBody>
+      </p:sp>
+    </p:spTree>
+    <p:extLst>
+      <p:ext uri="{BB962C8B-B14F-4D97-AF65-F5344CB8AC3E}">
+        <p14:creationId xmlns:p14="http://schemas.microsoft.com/office/powerpoint/2010/main" val="183530150"/>
+      </p:ext>
+    </p:extLst>
+  </p:cSld>
+  <p:clrMapOvr>
+    <a:masterClrMapping/>
+  </p:clrMapOvr>
+</p:sld>
+</file>
+
 <file path=ppt/slides/slide5.xml><?xml version="1.0" encoding="utf-8"?>
 <p:sld xmlns:a="http://schemas.openxmlformats.org/drawingml/2006/main" xmlns:r="http://schemas.openxmlformats.org/officeDocument/2006/relationships" xmlns:p="http://schemas.openxmlformats.org/presentationml/2006/main">
   <p:cSld>
@@ -22765,7 +23671,7 @@
           <p:nvPr>
             <p:extLst>
               <p:ext uri="{D42A27DB-BD31-4B8C-83A1-F6EECF244321}">
-                <p14:modId xmlns:p14="http://schemas.microsoft.com/office/powerpoint/2010/main" val="1532059076"/>
+                <p14:modId xmlns:p14="http://schemas.microsoft.com/office/powerpoint/2010/main" val="451568176"/>
               </p:ext>
             </p:extLst>
           </p:nvPr>
@@ -23987,24 +24893,24 @@
           <a:p>
             <a:r>
               <a:rPr lang="it-IT" sz="4000" dirty="0" err="1">
-                <a:latin typeface="Bodoni MT" pitchFamily="18" charset="0"/>
+                <a:latin typeface="Calibri "/>
               </a:rPr>
               <a:t>Loss</a:t>
             </a:r>
             <a:r>
               <a:rPr lang="it-IT" sz="4000" dirty="0">
-                <a:latin typeface="Bodoni MT" pitchFamily="18" charset="0"/>
+                <a:latin typeface="Calibri "/>
               </a:rPr>
               <a:t> Distribution </a:t>
             </a:r>
             <a:r>
               <a:rPr lang="it-IT" sz="4000" dirty="0" err="1">
-                <a:latin typeface="Bodoni MT" pitchFamily="18" charset="0"/>
+                <a:latin typeface="Calibri "/>
               </a:rPr>
               <a:t>Approach</a:t>
             </a:r>
             <a:endParaRPr lang="it-IT" sz="4000" dirty="0">
-              <a:latin typeface="Bodoni MT" pitchFamily="18" charset="0"/>
+              <a:latin typeface="Calibri "/>
             </a:endParaRPr>
           </a:p>
         </p:txBody>
@@ -24068,8 +24974,8 @@
           </a:p>
         </p:txBody>
       </p:sp>
-      <mc:AlternateContent xmlns:mc="http://schemas.openxmlformats.org/markup-compatibility/2006" xmlns:a14="http://schemas.microsoft.com/office/drawing/2010/main">
-        <mc:Choice Requires="a14">
+      <mc:AlternateContent xmlns:mc="http://schemas.openxmlformats.org/markup-compatibility/2006">
+        <mc:Choice xmlns:a14="http://schemas.microsoft.com/office/drawing/2010/main" Requires="a14">
           <p:sp>
             <p:nvSpPr>
               <p:cNvPr id="10" name="Segnaposto contenuto 22">
@@ -24295,28 +25201,21 @@
                 <a14:m>
                   <m:oMath xmlns:m="http://schemas.openxmlformats.org/officeDocument/2006/math">
                     <m:r>
-                      <a:rPr lang="it-IT" i="1" smtClean="0">
-                        <a:latin typeface="Cambria Math" panose="02040503050406030204" pitchFamily="18" charset="0"/>
-                      </a:rPr>
+                      <a:rPr lang="it-IT" i="1" smtClean="0"/>
                       <m:t>𝑑𝑜𝑣𝑒</m:t>
                     </m:r>
                     <m:r>
-                      <a:rPr lang="it-IT" i="1" smtClean="0">
-                        <a:latin typeface="Cambria Math" panose="02040503050406030204" pitchFamily="18" charset="0"/>
-                      </a:rPr>
+                      <a:rPr lang="it-IT" i="1" smtClean="0"/>
                       <m:t> </m:t>
                     </m:r>
                     <m:r>
-                      <a:rPr lang="it-IT" i="1" smtClean="0">
-                        <a:latin typeface="Cambria Math" panose="02040503050406030204" pitchFamily="18" charset="0"/>
-                      </a:rPr>
+                      <a:rPr lang="it-IT" i="1" smtClean="0"/>
                       <m:t>𝑘</m:t>
                     </m:r>
                   </m:oMath>
                 </a14:m>
                 <a:r>
                   <a:rPr lang="it-IT" dirty="0">
-                    <a:latin typeface="Times New Roman" panose="02020603050405020304" pitchFamily="18" charset="0"/>
                     <a:cs typeface="Times New Roman" panose="02020603050405020304" pitchFamily="18" charset="0"/>
                   </a:rPr>
                   <a:t>~Poisson(</a:t>
@@ -24324,30 +25223,33 @@
                 <a14:m>
                   <m:oMath xmlns:m="http://schemas.openxmlformats.org/officeDocument/2006/math">
                     <m:r>
-                      <a:rPr lang="it-IT" i="1" dirty="0" smtClean="0">
-                        <a:latin typeface="Cambria Math" panose="02040503050406030204" pitchFamily="18" charset="0"/>
-                      </a:rPr>
+                      <a:rPr lang="it-IT" i="1" dirty="0" smtClean="0"/>
                       <m:t>𝜆</m:t>
                     </m:r>
                   </m:oMath>
                 </a14:m>
                 <a:r>
                   <a:rPr lang="it-IT" dirty="0">
-                    <a:latin typeface="Times New Roman" panose="02020603050405020304" pitchFamily="18" charset="0"/>
                     <a:cs typeface="Times New Roman" panose="02020603050405020304" pitchFamily="18" charset="0"/>
                   </a:rPr>
-                  <a:t>) e </a:t>
+                  <a:t>)</a:t>
+                </a:r>
+              </a:p>
+              <a:p>
+                <a:r>
+                  <a:rPr lang="it-IT" dirty="0">
+                    <a:cs typeface="Times New Roman" panose="02020603050405020304" pitchFamily="18" charset="0"/>
+                  </a:rPr>
+                  <a:t> </a:t>
                 </a:r>
                 <a:r>
                   <a:rPr lang="it-IT" dirty="0" err="1">
-                    <a:latin typeface="Times New Roman" panose="02020603050405020304" pitchFamily="18" charset="0"/>
                     <a:cs typeface="Times New Roman" panose="02020603050405020304" pitchFamily="18" charset="0"/>
                   </a:rPr>
                   <a:t>Xi~Logn</a:t>
                 </a:r>
                 <a:r>
                   <a:rPr lang="it-IT" dirty="0">
-                    <a:latin typeface="Times New Roman" panose="02020603050405020304" pitchFamily="18" charset="0"/>
                     <a:cs typeface="Times New Roman" panose="02020603050405020304" pitchFamily="18" charset="0"/>
                   </a:rPr>
                   <a:t>(</a:t>
@@ -24355,16 +25257,13 @@
                 <a14:m>
                   <m:oMath xmlns:m="http://schemas.openxmlformats.org/officeDocument/2006/math">
                     <m:r>
-                      <a:rPr lang="it-IT" i="1" dirty="0" smtClean="0">
-                        <a:latin typeface="Cambria Math" panose="02040503050406030204" pitchFamily="18" charset="0"/>
-                      </a:rPr>
+                      <a:rPr lang="it-IT" i="1" dirty="0" smtClean="0"/>
                       <m:t>𝜇</m:t>
                     </m:r>
                   </m:oMath>
                 </a14:m>
                 <a:r>
                   <a:rPr lang="it-IT" dirty="0">
-                    <a:latin typeface="Times New Roman" panose="02020603050405020304" pitchFamily="18" charset="0"/>
                     <a:cs typeface="Times New Roman" panose="02020603050405020304" pitchFamily="18" charset="0"/>
                   </a:rPr>
                   <a:t>,</a:t>
@@ -24374,24 +25273,18 @@
                     <m:sSup>
                       <m:sSupPr>
                         <m:ctrlPr>
-                          <a:rPr lang="it-IT" i="1" dirty="0" smtClean="0">
-                            <a:latin typeface="Cambria Math" panose="02040503050406030204" pitchFamily="18" charset="0"/>
-                          </a:rPr>
+                          <a:rPr lang="it-IT" i="1" dirty="0" smtClean="0"/>
                         </m:ctrlPr>
                       </m:sSupPr>
                       <m:e>
                         <m:r>
-                          <a:rPr lang="it-IT" i="1" dirty="0">
-                            <a:latin typeface="Cambria Math" panose="02040503050406030204" pitchFamily="18" charset="0"/>
-                          </a:rPr>
+                          <a:rPr lang="it-IT" i="1" dirty="0"/>
                           <m:t>𝜎</m:t>
                         </m:r>
                       </m:e>
                       <m:sup>
                         <m:r>
-                          <a:rPr lang="it-IT" dirty="0">
-                            <a:latin typeface="Cambria Math" panose="02040503050406030204" pitchFamily="18" charset="0"/>
-                          </a:rPr>
+                          <a:rPr lang="it-IT" dirty="0"/>
                           <m:t>2</m:t>
                         </m:r>
                       </m:sup>
@@ -24400,36 +25293,21 @@
                 </a14:m>
                 <a:r>
                   <a:rPr lang="it-IT" dirty="0">
-                    <a:latin typeface="Times New Roman" panose="02020603050405020304" pitchFamily="18" charset="0"/>
                     <a:cs typeface="Times New Roman" panose="02020603050405020304" pitchFamily="18" charset="0"/>
                   </a:rPr>
-                  <a:t>) (i=1, …, </a:t>
-                </a:r>
-                <a:r>
-                  <a:rPr lang="it-IT" dirty="0" err="1">
-                    <a:latin typeface="Times New Roman" panose="02020603050405020304" pitchFamily="18" charset="0"/>
-                    <a:cs typeface="Times New Roman" panose="02020603050405020304" pitchFamily="18" charset="0"/>
-                  </a:rPr>
-                  <a:t>N</a:t>
-                </a:r>
-                <a:r>
-                  <a:rPr lang="it-IT" dirty="0">
-                    <a:latin typeface="Times New Roman" panose="02020603050405020304" pitchFamily="18" charset="0"/>
-                    <a:cs typeface="Times New Roman" panose="02020603050405020304" pitchFamily="18" charset="0"/>
-                  </a:rPr>
-                  <a:t>)</a:t>
+                  <a:t>) (i=1, …, K)</a:t>
                 </a:r>
               </a:p>
             </p:txBody>
           </p:sp>
         </mc:Choice>
-        <mc:Fallback xmlns="">
+        <mc:Fallback>
           <p:sp>
             <p:nvSpPr>
               <p:cNvPr id="10" name="Segnaposto contenuto 22">
                 <a:extLst>
                   <a:ext uri="{FF2B5EF4-FFF2-40B4-BE49-F238E27FC236}">
-                    <a16:creationId xmlns:a16="http://schemas.microsoft.com/office/drawing/2014/main" xmlns:a14="http://schemas.microsoft.com/office/drawing/2010/main" xmlns="" id="{AEAF27FE-C065-4136-B1A4-EE36D0BE1816}"/>
+                    <a16:creationId xmlns:a16="http://schemas.microsoft.com/office/drawing/2014/main" id="{AEAF27FE-C065-4136-B1A4-EE36D0BE1816}"/>
                   </a:ext>
                 </a:extLst>
               </p:cNvPr>
@@ -24446,8 +25324,8 @@
               <a:prstGeom prst="rect">
                 <a:avLst/>
               </a:prstGeom>
-              <a:blipFill rotWithShape="0">
-                <a:blip r:embed="rId3"/>
+              <a:blipFill>
+                <a:blip r:embed="rId2"/>
                 <a:stretch>
                   <a:fillRect/>
                 </a:stretch>

--- a/Presentazione ppt/Presentazione_finale.pptx
+++ b/Presentazione ppt/Presentazione_finale.pptx
@@ -29,7 +29,7 @@
     <p:sldId id="298" r:id="rId20"/>
     <p:sldId id="308" r:id="rId21"/>
     <p:sldId id="312" r:id="rId22"/>
-    <p:sldId id="311" r:id="rId23"/>
+    <p:sldId id="333" r:id="rId23"/>
     <p:sldId id="300" r:id="rId24"/>
     <p:sldId id="319" r:id="rId25"/>
     <p:sldId id="320" r:id="rId26"/>
@@ -15969,19 +15969,7 @@
               <a:rPr lang="it-IT" sz="2400" dirty="0">
                 <a:cs typeface="Times New Roman" panose="02020603050405020304" pitchFamily="18" charset="0"/>
               </a:rPr>
-              <a:t>si genera un certo numero casuale </a:t>
-            </a:r>
-            <a:r>
-              <a:rPr lang="it-IT" sz="2400" dirty="0" err="1">
-                <a:cs typeface="Times New Roman" panose="02020603050405020304" pitchFamily="18" charset="0"/>
-              </a:rPr>
-              <a:t>n</a:t>
-            </a:r>
-            <a:r>
-              <a:rPr lang="it-IT" sz="2400" dirty="0">
-                <a:cs typeface="Times New Roman" panose="02020603050405020304" pitchFamily="18" charset="0"/>
-              </a:rPr>
-              <a:t> estraendolo dalla distribuzione di </a:t>
+              <a:t>si genera un certo numero casuale k estraendolo dalla distribuzione di </a:t>
             </a:r>
             <a:r>
               <a:rPr lang="it-IT" sz="2400" dirty="0" err="1">
@@ -17307,7 +17295,7 @@
         </p:nvSpPr>
         <p:spPr>
           <a:xfrm>
-            <a:off x="0" y="319548"/>
+            <a:off x="0" y="492582"/>
             <a:ext cx="12192000" cy="1188720"/>
           </a:xfrm>
           <a:prstGeom prst="rect">
@@ -17344,7 +17332,30 @@
                 <a:latin typeface="+mn-lt"/>
                 <a:cs typeface="Times New Roman" panose="02020603050405020304" pitchFamily="18" charset="0"/>
               </a:rPr>
-              <a:t>Aggregazione delle classi di rischio e </a:t>
+              <a:t>Aggregazione delle classi di rischio</a:t>
+            </a:r>
+          </a:p>
+          <a:p>
+            <a:r>
+              <a:rPr lang="it-IT" sz="4000" dirty="0">
+                <a:latin typeface="+mn-lt"/>
+                <a:cs typeface="Times New Roman" panose="02020603050405020304" pitchFamily="18" charset="0"/>
+              </a:rPr>
+              <a:t> </a:t>
+            </a:r>
+            <a:r>
+              <a:rPr lang="it-IT" sz="4000" dirty="0" err="1">
+                <a:latin typeface="+mn-lt"/>
+                <a:cs typeface="Times New Roman" panose="02020603050405020304" pitchFamily="18" charset="0"/>
+              </a:rPr>
+              <a:t>CaR</a:t>
+            </a:r>
+            <a:r>
+              <a:rPr lang="it-IT" sz="4000" dirty="0">
+                <a:latin typeface="+mn-lt"/>
+                <a:cs typeface="Times New Roman" panose="02020603050405020304" pitchFamily="18" charset="0"/>
+              </a:rPr>
+              <a:t> e </a:t>
             </a:r>
             <a:r>
               <a:rPr lang="it-IT" sz="4000" dirty="0" err="1">
@@ -17379,8 +17390,8 @@
         </p:nvSpPr>
         <p:spPr>
           <a:xfrm>
-            <a:off x="838198" y="2084440"/>
-            <a:ext cx="10976086" cy="4454012"/>
+            <a:off x="838198" y="2777167"/>
+            <a:ext cx="10976086" cy="2542978"/>
           </a:xfrm>
           <a:prstGeom prst="rect">
             <a:avLst/>
@@ -17563,7 +17574,7 @@
               <a:rPr lang="it-IT" dirty="0">
                 <a:cs typeface="Times New Roman" panose="02020603050405020304" pitchFamily="18" charset="0"/>
               </a:rPr>
-              <a:t>Il calcolo del requisito patrimoniale complessivo a fronte del rischio operativo può essere effettuato sommando i requisiti di capitale determinati per ciascuna Business Line e tipologia di evento. </a:t>
+              <a:t>Il calcolo del requisito patrimoniale complessivo a fronte del rischio operativo può essere effettuato sommando i requisiti patrimoniali determinati per ciascuna Business Line e tipologia di evento ipotizzando tra loro indipendenza.</a:t>
             </a:r>
           </a:p>
           <a:p>
@@ -17573,16 +17584,10 @@
             </a:endParaRPr>
           </a:p>
           <a:p>
-            <a:pPr marL="457200" indent="-457200" algn="l">
-              <a:buFont typeface="Arial" charset="0"/>
-              <a:buChar char="•"/>
-            </a:pPr>
-            <a:r>
-              <a:rPr lang="it-IT" dirty="0">
-                <a:cs typeface="Times New Roman" panose="02020603050405020304" pitchFamily="18" charset="0"/>
-              </a:rPr>
-              <a:t>Oppure si può tener conto delle correlazioni tra i vari rischi operativi e le diverse linee di business, con modelli di stima delle correlazioni.</a:t>
-            </a:r>
+            <a:pPr algn="l"/>
+            <a:endParaRPr lang="it-IT" dirty="0">
+              <a:cs typeface="Times New Roman" panose="02020603050405020304" pitchFamily="18" charset="0"/>
+            </a:endParaRPr>
           </a:p>
         </p:txBody>
       </p:sp>
@@ -17618,61 +17623,20 @@
       </p:grpSpPr>
       <p:sp>
         <p:nvSpPr>
-          <p:cNvPr id="4" name="Titolo 1"/>
-          <p:cNvSpPr txBox="1">
-            <a:spLocks/>
-          </p:cNvSpPr>
-          <p:nvPr/>
-        </p:nvSpPr>
-        <p:spPr>
-          <a:xfrm>
-            <a:off x="838198" y="91726"/>
-            <a:ext cx="10515600" cy="1325563"/>
-          </a:xfrm>
-          <a:prstGeom prst="rect">
-            <a:avLst/>
-          </a:prstGeom>
-        </p:spPr>
-        <p:txBody>
-          <a:bodyPr vert="horz" lIns="91440" tIns="45720" rIns="91440" bIns="45720" rtlCol="0" anchor="b">
-            <a:normAutofit/>
-          </a:bodyPr>
-          <a:lstStyle>
-            <a:lvl1pPr algn="ctr" defTabSz="914400" rtl="0" eaLnBrk="1" latinLnBrk="0" hangingPunct="1">
-              <a:lnSpc>
-                <a:spcPct val="90000"/>
-              </a:lnSpc>
-              <a:spcBef>
-                <a:spcPct val="0"/>
-              </a:spcBef>
-              <a:buNone/>
-              <a:defRPr sz="6000" kern="1200">
-                <a:solidFill>
-                  <a:schemeClr val="tx1"/>
-                </a:solidFill>
-                <a:latin typeface="+mj-lt"/>
-                <a:ea typeface="+mj-ea"/>
-                <a:cs typeface="+mj-cs"/>
-              </a:defRPr>
-            </a:lvl1pPr>
-          </a:lstStyle>
-          <a:p>
-            <a:endParaRPr lang="it-IT" sz="4000" dirty="0">
-              <a:latin typeface="Bodoni MT" pitchFamily="18" charset="0"/>
-            </a:endParaRPr>
-          </a:p>
-        </p:txBody>
-      </p:sp>
-      <p:sp>
-        <p:nvSpPr>
-          <p:cNvPr id="7" name="CasellaDiTesto 6"/>
+          <p:cNvPr id="4" name="CasellaDiTesto 3">
+            <a:extLst>
+              <a:ext uri="{FF2B5EF4-FFF2-40B4-BE49-F238E27FC236}">
+                <a16:creationId xmlns:a16="http://schemas.microsoft.com/office/drawing/2014/main" id="{504D0935-8309-405C-8523-348F8982E850}"/>
+              </a:ext>
+            </a:extLst>
+          </p:cNvPr>
           <p:cNvSpPr txBox="1"/>
           <p:nvPr/>
         </p:nvSpPr>
         <p:spPr>
           <a:xfrm>
-            <a:off x="1172814" y="6308035"/>
-            <a:ext cx="9846368" cy="261610"/>
+            <a:off x="2133600" y="1536174"/>
+            <a:ext cx="7924800" cy="3785652"/>
           </a:xfrm>
           <a:prstGeom prst="rect">
             <a:avLst/>
@@ -17685,468 +17649,87 @@
           </a:bodyPr>
           <a:lstStyle/>
           <a:p>
-            <a:pPr algn="ctr"/>
-            <a:r>
-              <a:rPr lang="it-IT" sz="1100" i="1" dirty="0"/>
-              <a:t>ERIK HOLLER  - ELIA SCARPARO- STEFANO ZAMPIERO</a:t>
-            </a:r>
-          </a:p>
-        </p:txBody>
-      </p:sp>
-      <p:sp>
-        <p:nvSpPr>
-          <p:cNvPr id="9" name="CasellaDiTesto 8"/>
-          <p:cNvSpPr txBox="1"/>
-          <p:nvPr/>
-        </p:nvSpPr>
-        <p:spPr>
-          <a:xfrm>
-            <a:off x="7281376" y="112014"/>
-            <a:ext cx="4532908" cy="307777"/>
-          </a:xfrm>
-          <a:prstGeom prst="rect">
-            <a:avLst/>
-          </a:prstGeom>
-          <a:noFill/>
-        </p:spPr>
-        <p:txBody>
-          <a:bodyPr wrap="none" rtlCol="0">
-            <a:spAutoFit/>
-          </a:bodyPr>
-          <a:lstStyle/>
-          <a:p>
-            <a:r>
-              <a:rPr lang="it-IT" sz="1400" i="1" dirty="0"/>
-              <a:t>LABORATORIO DI SIMULAZIONI FINANZIARIE A.A. 2017-2018</a:t>
-            </a:r>
-          </a:p>
-        </p:txBody>
-      </p:sp>
-      <p:sp>
-        <p:nvSpPr>
-          <p:cNvPr id="6" name="Segnaposto contenuto 2">
-            <a:extLst>
-              <a:ext uri="{FF2B5EF4-FFF2-40B4-BE49-F238E27FC236}">
-                <a16:creationId xmlns:a16="http://schemas.microsoft.com/office/drawing/2014/main" id="{3E1B8146-377A-4E32-B838-476B02B1AB2C}"/>
-              </a:ext>
-            </a:extLst>
-          </p:cNvPr>
-          <p:cNvSpPr txBox="1">
-            <a:spLocks/>
-          </p:cNvSpPr>
-          <p:nvPr/>
-        </p:nvSpPr>
-        <p:spPr>
-          <a:xfrm>
-            <a:off x="571500" y="2084440"/>
-            <a:ext cx="11242784" cy="4454012"/>
-          </a:xfrm>
-          <a:prstGeom prst="rect">
-            <a:avLst/>
-          </a:prstGeom>
-        </p:spPr>
-        <p:txBody>
-          <a:bodyPr vert="horz" lIns="91440" tIns="45720" rIns="91440" bIns="45720" rtlCol="0">
-            <a:normAutofit/>
-          </a:bodyPr>
-          <a:lstStyle>
-            <a:lvl1pPr marL="0" indent="0" algn="ctr" defTabSz="914400" rtl="0" eaLnBrk="1" latinLnBrk="0" hangingPunct="1">
-              <a:lnSpc>
-                <a:spcPct val="90000"/>
-              </a:lnSpc>
-              <a:spcBef>
-                <a:spcPts val="1000"/>
-              </a:spcBef>
-              <a:buFont typeface="Arial"/>
-              <a:buNone/>
-              <a:defRPr sz="2400" kern="1200">
-                <a:solidFill>
-                  <a:schemeClr val="tx1"/>
-                </a:solidFill>
-                <a:latin typeface="+mn-lt"/>
-                <a:ea typeface="+mn-ea"/>
-                <a:cs typeface="+mn-cs"/>
-              </a:defRPr>
-            </a:lvl1pPr>
-            <a:lvl2pPr marL="457200" indent="0" algn="ctr" defTabSz="914400" rtl="0" eaLnBrk="1" latinLnBrk="0" hangingPunct="1">
-              <a:lnSpc>
-                <a:spcPct val="90000"/>
-              </a:lnSpc>
-              <a:spcBef>
-                <a:spcPts val="500"/>
-              </a:spcBef>
-              <a:buFont typeface="Arial"/>
-              <a:buNone/>
-              <a:defRPr sz="2000" kern="1200">
-                <a:solidFill>
-                  <a:schemeClr val="tx1"/>
-                </a:solidFill>
-                <a:latin typeface="+mn-lt"/>
-                <a:ea typeface="+mn-ea"/>
-                <a:cs typeface="+mn-cs"/>
-              </a:defRPr>
-            </a:lvl2pPr>
-            <a:lvl3pPr marL="914400" indent="0" algn="ctr" defTabSz="914400" rtl="0" eaLnBrk="1" latinLnBrk="0" hangingPunct="1">
-              <a:lnSpc>
-                <a:spcPct val="90000"/>
-              </a:lnSpc>
-              <a:spcBef>
-                <a:spcPts val="500"/>
-              </a:spcBef>
-              <a:buFont typeface="Arial"/>
-              <a:buNone/>
-              <a:defRPr sz="1800" kern="1200">
-                <a:solidFill>
-                  <a:schemeClr val="tx1"/>
-                </a:solidFill>
-                <a:latin typeface="+mn-lt"/>
-                <a:ea typeface="+mn-ea"/>
-                <a:cs typeface="+mn-cs"/>
-              </a:defRPr>
-            </a:lvl3pPr>
-            <a:lvl4pPr marL="1371600" indent="0" algn="ctr" defTabSz="914400" rtl="0" eaLnBrk="1" latinLnBrk="0" hangingPunct="1">
-              <a:lnSpc>
-                <a:spcPct val="90000"/>
-              </a:lnSpc>
-              <a:spcBef>
-                <a:spcPts val="500"/>
-              </a:spcBef>
-              <a:buFont typeface="Arial"/>
-              <a:buNone/>
-              <a:defRPr sz="1600" kern="1200">
-                <a:solidFill>
-                  <a:schemeClr val="tx1"/>
-                </a:solidFill>
-                <a:latin typeface="+mn-lt"/>
-                <a:ea typeface="+mn-ea"/>
-                <a:cs typeface="+mn-cs"/>
-              </a:defRPr>
-            </a:lvl4pPr>
-            <a:lvl5pPr marL="1828800" indent="0" algn="ctr" defTabSz="914400" rtl="0" eaLnBrk="1" latinLnBrk="0" hangingPunct="1">
-              <a:lnSpc>
-                <a:spcPct val="90000"/>
-              </a:lnSpc>
-              <a:spcBef>
-                <a:spcPts val="500"/>
-              </a:spcBef>
-              <a:buFont typeface="Arial"/>
-              <a:buNone/>
-              <a:defRPr sz="1600" kern="1200">
-                <a:solidFill>
-                  <a:schemeClr val="tx1"/>
-                </a:solidFill>
-                <a:latin typeface="+mn-lt"/>
-                <a:ea typeface="+mn-ea"/>
-                <a:cs typeface="+mn-cs"/>
-              </a:defRPr>
-            </a:lvl5pPr>
-            <a:lvl6pPr marL="2286000" indent="0" algn="ctr" defTabSz="914400" rtl="0" eaLnBrk="1" latinLnBrk="0" hangingPunct="1">
-              <a:lnSpc>
-                <a:spcPct val="90000"/>
-              </a:lnSpc>
-              <a:spcBef>
-                <a:spcPts val="500"/>
-              </a:spcBef>
-              <a:buFont typeface="Arial"/>
-              <a:buNone/>
-              <a:defRPr sz="1600" kern="1200">
-                <a:solidFill>
-                  <a:schemeClr val="tx1"/>
-                </a:solidFill>
-                <a:latin typeface="+mn-lt"/>
-                <a:ea typeface="+mn-ea"/>
-                <a:cs typeface="+mn-cs"/>
-              </a:defRPr>
-            </a:lvl6pPr>
-            <a:lvl7pPr marL="2743200" indent="0" algn="ctr" defTabSz="914400" rtl="0" eaLnBrk="1" latinLnBrk="0" hangingPunct="1">
-              <a:lnSpc>
-                <a:spcPct val="90000"/>
-              </a:lnSpc>
-              <a:spcBef>
-                <a:spcPts val="500"/>
-              </a:spcBef>
-              <a:buFont typeface="Arial"/>
-              <a:buNone/>
-              <a:defRPr sz="1600" kern="1200">
-                <a:solidFill>
-                  <a:schemeClr val="tx1"/>
-                </a:solidFill>
-                <a:latin typeface="+mn-lt"/>
-                <a:ea typeface="+mn-ea"/>
-                <a:cs typeface="+mn-cs"/>
-              </a:defRPr>
-            </a:lvl7pPr>
-            <a:lvl8pPr marL="3200400" indent="0" algn="ctr" defTabSz="914400" rtl="0" eaLnBrk="1" latinLnBrk="0" hangingPunct="1">
-              <a:lnSpc>
-                <a:spcPct val="90000"/>
-              </a:lnSpc>
-              <a:spcBef>
-                <a:spcPts val="500"/>
-              </a:spcBef>
-              <a:buFont typeface="Arial"/>
-              <a:buNone/>
-              <a:defRPr sz="1600" kern="1200">
-                <a:solidFill>
-                  <a:schemeClr val="tx1"/>
-                </a:solidFill>
-                <a:latin typeface="+mn-lt"/>
-                <a:ea typeface="+mn-ea"/>
-                <a:cs typeface="+mn-cs"/>
-              </a:defRPr>
-            </a:lvl8pPr>
-            <a:lvl9pPr marL="3657600" indent="0" algn="ctr" defTabSz="914400" rtl="0" eaLnBrk="1" latinLnBrk="0" hangingPunct="1">
-              <a:lnSpc>
-                <a:spcPct val="90000"/>
-              </a:lnSpc>
-              <a:spcBef>
-                <a:spcPts val="500"/>
-              </a:spcBef>
-              <a:buFont typeface="Arial"/>
-              <a:buNone/>
-              <a:defRPr sz="1600" kern="1200">
-                <a:solidFill>
-                  <a:schemeClr val="tx1"/>
-                </a:solidFill>
-                <a:latin typeface="+mn-lt"/>
-                <a:ea typeface="+mn-ea"/>
-                <a:cs typeface="+mn-cs"/>
-              </a:defRPr>
-            </a:lvl9pPr>
-          </a:lstStyle>
-          <a:p>
-            <a:r>
-              <a:rPr lang="it-IT" dirty="0">
-                <a:cs typeface="Times New Roman" panose="02020603050405020304" pitchFamily="18" charset="0"/>
-              </a:rPr>
-              <a:t>Schema per il calcolo del </a:t>
-            </a:r>
-            <a:r>
-              <a:rPr lang="it-IT" dirty="0" err="1">
-                <a:cs typeface="Times New Roman" panose="02020603050405020304" pitchFamily="18" charset="0"/>
-              </a:rPr>
-              <a:t>CaR</a:t>
-            </a:r>
-            <a:r>
-              <a:rPr lang="it-IT" dirty="0">
-                <a:cs typeface="Times New Roman" panose="02020603050405020304" pitchFamily="18" charset="0"/>
-              </a:rPr>
-              <a:t> aggregato:</a:t>
-            </a:r>
-          </a:p>
-          <a:p>
-            <a:pPr marL="457200" indent="-457200" algn="l">
-              <a:buFont typeface="+mj-lt"/>
-              <a:buAutoNum type="arabicPeriod"/>
-            </a:pPr>
-            <a:endParaRPr lang="it-IT" dirty="0">
-              <a:cs typeface="Times New Roman" panose="02020603050405020304" pitchFamily="18" charset="0"/>
-            </a:endParaRPr>
-          </a:p>
-          <a:p>
-            <a:pPr marL="457200" indent="-457200" algn="l">
-              <a:buFont typeface="+mj-lt"/>
-              <a:buAutoNum type="arabicPeriod"/>
-            </a:pPr>
-            <a:r>
-              <a:rPr lang="it-IT" dirty="0">
-                <a:cs typeface="Times New Roman" panose="02020603050405020304" pitchFamily="18" charset="0"/>
-              </a:rPr>
-              <a:t>Computazione del </a:t>
-            </a:r>
-            <a:r>
-              <a:rPr lang="it-IT" dirty="0" err="1">
-                <a:cs typeface="Times New Roman" panose="02020603050405020304" pitchFamily="18" charset="0"/>
-              </a:rPr>
-              <a:t>CaR</a:t>
-            </a:r>
-            <a:r>
-              <a:rPr lang="it-IT" dirty="0">
-                <a:cs typeface="Times New Roman" panose="02020603050405020304" pitchFamily="18" charset="0"/>
-              </a:rPr>
-              <a:t> per ciascuna Business Line e per </a:t>
-            </a:r>
-            <a:r>
-              <a:rPr lang="it-IT" dirty="0" err="1">
-                <a:cs typeface="Times New Roman" panose="02020603050405020304" pitchFamily="18" charset="0"/>
-              </a:rPr>
-              <a:t>ciacun</a:t>
-            </a:r>
-            <a:r>
-              <a:rPr lang="it-IT" dirty="0">
-                <a:cs typeface="Times New Roman" panose="02020603050405020304" pitchFamily="18" charset="0"/>
-              </a:rPr>
+            <a:r>
+              <a:rPr lang="it-IT" sz="2400" dirty="0"/>
+              <a:t>Segue il confronto grafico delle distribuzioni di perdita relative ad una business line e ad un </a:t>
+            </a:r>
+            <a:r>
+              <a:rPr lang="it-IT" sz="2400" dirty="0" err="1"/>
+              <a:t>event</a:t>
+            </a:r>
+            <a:r>
+              <a:rPr lang="it-IT" sz="2400" dirty="0"/>
               <a:t> </a:t>
             </a:r>
             <a:r>
-              <a:rPr lang="it-IT" dirty="0" err="1">
-                <a:cs typeface="Times New Roman" panose="02020603050405020304" pitchFamily="18" charset="0"/>
-              </a:rPr>
-              <a:t>event</a:t>
-            </a:r>
-            <a:r>
-              <a:rPr lang="it-IT" dirty="0">
-                <a:cs typeface="Times New Roman" panose="02020603050405020304" pitchFamily="18" charset="0"/>
-              </a:rPr>
-              <a:t> </a:t>
-            </a:r>
-            <a:r>
-              <a:rPr lang="it-IT" dirty="0" err="1">
-                <a:cs typeface="Times New Roman" panose="02020603050405020304" pitchFamily="18" charset="0"/>
-              </a:rPr>
+              <a:rPr lang="it-IT" sz="2400" dirty="0" err="1"/>
               <a:t>type</a:t>
             </a:r>
             <a:r>
-              <a:rPr lang="it-IT" dirty="0">
-                <a:cs typeface="Times New Roman" panose="02020603050405020304" pitchFamily="18" charset="0"/>
-              </a:rPr>
-              <a:t>;</a:t>
-            </a:r>
-          </a:p>
-          <a:p>
-            <a:pPr marL="457200" indent="-457200" algn="l">
-              <a:buFont typeface="+mj-lt"/>
-              <a:buAutoNum type="arabicPeriod"/>
-            </a:pPr>
-            <a:r>
-              <a:rPr lang="it-IT" dirty="0">
-                <a:cs typeface="Times New Roman" panose="02020603050405020304" pitchFamily="18" charset="0"/>
-              </a:rPr>
-              <a:t>Computazione del Car totale, tenendo in considerazione di eventuali effetti mitigatori della diversificazione di capitale;</a:t>
-            </a:r>
-          </a:p>
-          <a:p>
-            <a:pPr marL="457200" indent="-457200" algn="l">
-              <a:buFont typeface="+mj-lt"/>
-              <a:buAutoNum type="arabicPeriod"/>
-            </a:pPr>
-            <a:r>
-              <a:rPr lang="it-IT" dirty="0">
-                <a:cs typeface="Times New Roman" panose="02020603050405020304" pitchFamily="18" charset="0"/>
-              </a:rPr>
-              <a:t>Allocazione di componenti di </a:t>
-            </a:r>
-            <a:r>
-              <a:rPr lang="it-IT" dirty="0" err="1">
-                <a:cs typeface="Times New Roman" panose="02020603050405020304" pitchFamily="18" charset="0"/>
-              </a:rPr>
-              <a:t>CaR</a:t>
-            </a:r>
-            <a:r>
-              <a:rPr lang="it-IT" dirty="0">
-                <a:cs typeface="Times New Roman" panose="02020603050405020304" pitchFamily="18" charset="0"/>
-              </a:rPr>
-              <a:t> aggregato a ciascun </a:t>
-            </a:r>
-            <a:r>
-              <a:rPr lang="it-IT" dirty="0" err="1">
-                <a:cs typeface="Times New Roman" panose="02020603050405020304" pitchFamily="18" charset="0"/>
-              </a:rPr>
-              <a:t>event</a:t>
-            </a:r>
-            <a:r>
-              <a:rPr lang="it-IT" dirty="0">
-                <a:cs typeface="Times New Roman" panose="02020603050405020304" pitchFamily="18" charset="0"/>
-              </a:rPr>
-              <a:t> </a:t>
-            </a:r>
-            <a:r>
-              <a:rPr lang="it-IT" dirty="0" err="1">
-                <a:cs typeface="Times New Roman" panose="02020603050405020304" pitchFamily="18" charset="0"/>
-              </a:rPr>
-              <a:t>type</a:t>
-            </a:r>
-            <a:r>
-              <a:rPr lang="it-IT" dirty="0">
-                <a:cs typeface="Times New Roman" panose="02020603050405020304" pitchFamily="18" charset="0"/>
-              </a:rPr>
-              <a:t>;</a:t>
-            </a:r>
-          </a:p>
-          <a:p>
-            <a:pPr marL="457200" indent="-457200" algn="l">
-              <a:buFont typeface="+mj-lt"/>
-              <a:buAutoNum type="arabicPeriod"/>
-            </a:pPr>
-            <a:r>
-              <a:rPr lang="it-IT" dirty="0">
-                <a:cs typeface="Times New Roman" panose="02020603050405020304" pitchFamily="18" charset="0"/>
-              </a:rPr>
-              <a:t>Allocazione di componenti di ciascuna quantità di capitale definita al punto 3 a ciascuna unità di business, considerando eventuali effetti mitigatori.</a:t>
-            </a:r>
-          </a:p>
-          <a:p>
-            <a:endParaRPr lang="it-IT" dirty="0"/>
-          </a:p>
-        </p:txBody>
-      </p:sp>
-      <p:sp>
-        <p:nvSpPr>
-          <p:cNvPr id="10" name="Titolo 1">
-            <a:extLst>
-              <a:ext uri="{FF2B5EF4-FFF2-40B4-BE49-F238E27FC236}">
-                <a16:creationId xmlns:a16="http://schemas.microsoft.com/office/drawing/2014/main" id="{679BE2B4-5311-41F8-91D1-B43FBD555747}"/>
-              </a:ext>
-            </a:extLst>
-          </p:cNvPr>
-          <p:cNvSpPr txBox="1">
-            <a:spLocks/>
-          </p:cNvSpPr>
-          <p:nvPr/>
-        </p:nvSpPr>
-        <p:spPr>
-          <a:xfrm>
-            <a:off x="-2" y="419686"/>
-            <a:ext cx="12192000" cy="1188720"/>
-          </a:xfrm>
-          <a:prstGeom prst="rect">
-            <a:avLst/>
-          </a:prstGeom>
-          <a:noFill/>
-        </p:spPr>
-        <p:txBody>
-          <a:bodyPr vert="horz" lIns="91440" tIns="45720" rIns="91440" bIns="45720" rtlCol="0" anchor="b">
-            <a:normAutofit/>
-          </a:bodyPr>
-          <a:lstStyle>
-            <a:lvl1pPr algn="ctr" defTabSz="914400" rtl="0" eaLnBrk="1" latinLnBrk="0" hangingPunct="1">
-              <a:lnSpc>
-                <a:spcPct val="90000"/>
-              </a:lnSpc>
-              <a:spcBef>
-                <a:spcPct val="0"/>
-              </a:spcBef>
-              <a:buNone/>
-              <a:defRPr sz="6000" kern="1200">
-                <a:solidFill>
-                  <a:schemeClr val="tx1"/>
-                </a:solidFill>
-                <a:latin typeface="+mj-lt"/>
-                <a:ea typeface="+mj-ea"/>
-                <a:cs typeface="+mj-cs"/>
-              </a:defRPr>
-            </a:lvl1pPr>
-          </a:lstStyle>
-          <a:p>
-            <a:r>
-              <a:rPr lang="it-IT" sz="4000" dirty="0">
-                <a:latin typeface="+mn-lt"/>
-                <a:cs typeface="Times New Roman" panose="02020603050405020304" pitchFamily="18" charset="0"/>
-              </a:rPr>
-              <a:t>Capital At </a:t>
-            </a:r>
-            <a:r>
-              <a:rPr lang="it-IT" sz="4000" dirty="0" err="1">
-                <a:latin typeface="+mn-lt"/>
-                <a:cs typeface="Times New Roman" panose="02020603050405020304" pitchFamily="18" charset="0"/>
-              </a:rPr>
-              <a:t>Risk</a:t>
-            </a:r>
-            <a:r>
-              <a:rPr lang="it-IT" sz="4000" dirty="0">
-                <a:latin typeface="+mn-lt"/>
-                <a:cs typeface="Times New Roman" panose="02020603050405020304" pitchFamily="18" charset="0"/>
-              </a:rPr>
-              <a:t> aggregato</a:t>
+              <a:rPr lang="it-IT" sz="2400" dirty="0"/>
+              <a:t> per i 3 casi:</a:t>
+            </a:r>
+          </a:p>
+          <a:p>
+            <a:endParaRPr lang="it-IT" sz="2400" dirty="0"/>
+          </a:p>
+          <a:p>
+            <a:endParaRPr lang="it-IT" sz="2400" dirty="0"/>
+          </a:p>
+          <a:p>
+            <a:endParaRPr lang="it-IT" sz="2400" dirty="0"/>
+          </a:p>
+          <a:p>
+            <a:pPr lvl="0" algn="ctr"/>
+            <a:r>
+              <a:rPr lang="it-IT" sz="2400" dirty="0"/>
+              <a:t>CASO 1		μ = 1.5		σ</a:t>
+            </a:r>
+            <a:r>
+              <a:rPr lang="it-IT" sz="2400" baseline="30000" dirty="0"/>
+              <a:t>2 </a:t>
+            </a:r>
+            <a:r>
+              <a:rPr lang="it-IT" sz="2400" dirty="0"/>
+              <a:t>= 1</a:t>
+            </a:r>
+          </a:p>
+          <a:p>
+            <a:pPr lvl="0" algn="ctr"/>
+            <a:endParaRPr lang="it-IT" sz="2400" dirty="0"/>
+          </a:p>
+          <a:p>
+            <a:pPr lvl="0" algn="ctr"/>
+            <a:r>
+              <a:rPr lang="it-IT" sz="2400" dirty="0"/>
+              <a:t>CASO 2		μ = 1.5		σ</a:t>
+            </a:r>
+            <a:r>
+              <a:rPr lang="it-IT" sz="2400" baseline="30000" dirty="0"/>
+              <a:t>2 </a:t>
+            </a:r>
+            <a:r>
+              <a:rPr lang="it-IT" sz="2400" dirty="0"/>
+              <a:t>= 2</a:t>
+            </a:r>
+          </a:p>
+          <a:p>
+            <a:pPr lvl="0" algn="ctr"/>
+            <a:endParaRPr lang="it-IT" sz="2400" dirty="0"/>
+          </a:p>
+          <a:p>
+            <a:pPr lvl="0" algn="ctr"/>
+            <a:r>
+              <a:rPr lang="it-IT" sz="2400" dirty="0"/>
+              <a:t>CASO 3 	μ = 3		σ</a:t>
+            </a:r>
+            <a:r>
+              <a:rPr lang="it-IT" sz="2400" baseline="30000" dirty="0"/>
+              <a:t>2 </a:t>
+            </a:r>
+            <a:r>
+              <a:rPr lang="it-IT" sz="2400" dirty="0"/>
+              <a:t>= 1</a:t>
             </a:r>
           </a:p>
         </p:txBody>
@@ -18154,7 +17737,7 @@
     </p:spTree>
     <p:extLst>
       <p:ext uri="{BB962C8B-B14F-4D97-AF65-F5344CB8AC3E}">
-        <p14:creationId xmlns:p14="http://schemas.microsoft.com/office/powerpoint/2010/main" val="1403233988"/>
+        <p14:creationId xmlns:p14="http://schemas.microsoft.com/office/powerpoint/2010/main" val="4175345453"/>
       </p:ext>
     </p:extLst>
   </p:cSld>
@@ -20702,8 +20285,8 @@
         </p:nvSpPr>
         <p:spPr>
           <a:xfrm>
-            <a:off x="1414463" y="2200275"/>
-            <a:ext cx="9939335" cy="3139321"/>
+            <a:off x="1126330" y="1696007"/>
+            <a:ext cx="9939335" cy="4431983"/>
           </a:xfrm>
           <a:prstGeom prst="rect">
             <a:avLst/>
@@ -20721,22 +20304,22 @@
               <a:buChar char="•"/>
             </a:pPr>
             <a:r>
-              <a:rPr lang="it-IT" dirty="0"/>
+              <a:rPr lang="it-IT" sz="2400" dirty="0"/>
               <a:t>I risultati si basano sulle caratteristiche specifiche di ogni singola istituzione, invece di basarsi su una </a:t>
             </a:r>
             <a:r>
-              <a:rPr lang="it-IT" i="1" dirty="0" err="1"/>
+              <a:rPr lang="it-IT" sz="2400" i="1" dirty="0" err="1"/>
               <a:t>proxy</a:t>
             </a:r>
             <a:r>
-              <a:rPr lang="it-IT" i="1" dirty="0"/>
+              <a:rPr lang="it-IT" sz="2400" i="1" dirty="0"/>
               <a:t> </a:t>
             </a:r>
             <a:r>
-              <a:rPr lang="it-IT" dirty="0"/>
+              <a:rPr lang="it-IT" sz="2400" dirty="0"/>
               <a:t>o su una media di settore;</a:t>
             </a:r>
-            <a:endParaRPr lang="it-IT" dirty="0">
+            <a:endParaRPr lang="it-IT" sz="2400" dirty="0">
               <a:effectLst/>
             </a:endParaRPr>
           </a:p>
@@ -20745,7 +20328,7 @@
               <a:buFont typeface="Arial" charset="0"/>
               <a:buChar char="•"/>
             </a:pPr>
-            <a:endParaRPr lang="it-IT" dirty="0">
+            <a:endParaRPr lang="it-IT" sz="2400" dirty="0">
               <a:effectLst/>
             </a:endParaRPr>
           </a:p>
@@ -20755,7 +20338,7 @@
               <a:buChar char="•"/>
             </a:pPr>
             <a:r>
-              <a:rPr lang="it-IT" dirty="0"/>
+              <a:rPr lang="it-IT" sz="2400" dirty="0"/>
               <a:t>I risultati si basano su principi matematici simili a quelli utilizzati per la stima del requisito patrimoniale per il rischio di mercato e per il rischio di credito;</a:t>
             </a:r>
           </a:p>
@@ -20764,7 +20347,7 @@
               <a:buFont typeface="Arial" charset="0"/>
               <a:buChar char="•"/>
             </a:pPr>
-            <a:endParaRPr lang="it-IT" dirty="0">
+            <a:endParaRPr lang="it-IT" sz="2400" dirty="0">
               <a:effectLst/>
             </a:endParaRPr>
           </a:p>
@@ -20774,23 +20357,23 @@
               <a:buChar char="•"/>
             </a:pPr>
             <a:r>
-              <a:rPr lang="it-IT" dirty="0"/>
+              <a:rPr lang="it-IT" sz="2400" dirty="0"/>
               <a:t>La separazione tra </a:t>
             </a:r>
             <a:r>
-              <a:rPr lang="it-IT" dirty="0" err="1"/>
+              <a:rPr lang="it-IT" sz="2400" dirty="0" err="1"/>
               <a:t>frequency</a:t>
             </a:r>
             <a:r>
-              <a:rPr lang="it-IT" dirty="0"/>
+              <a:rPr lang="it-IT" sz="2400" dirty="0"/>
               <a:t> e </a:t>
             </a:r>
             <a:r>
-              <a:rPr lang="it-IT" dirty="0" err="1"/>
+              <a:rPr lang="it-IT" sz="2400" dirty="0" err="1"/>
               <a:t>severity</a:t>
             </a:r>
             <a:r>
-              <a:rPr lang="it-IT" dirty="0"/>
+              <a:rPr lang="it-IT" sz="2400" dirty="0"/>
               <a:t> favorisce la precisione nella stima e la comprensione del processo di generazione del rischio;</a:t>
             </a:r>
           </a:p>
@@ -20799,7 +20382,7 @@
               <a:buFont typeface="Arial" charset="0"/>
               <a:buChar char="•"/>
             </a:pPr>
-            <a:endParaRPr lang="it-IT" dirty="0">
+            <a:endParaRPr lang="it-IT" sz="2400" dirty="0">
               <a:effectLst/>
             </a:endParaRPr>
           </a:p>
@@ -20809,11 +20392,11 @@
               <a:buChar char="•"/>
             </a:pPr>
             <a:r>
-              <a:rPr lang="it-IT" dirty="0"/>
+              <a:rPr lang="it-IT" sz="2400" dirty="0"/>
               <a:t>L’utilizzo di distribuzioni statistiche ben conosciute può aiutare il processo di calibrazione</a:t>
             </a:r>
             <a:r>
-              <a:rPr lang="it-IT" dirty="0">
+              <a:rPr lang="it-IT" sz="2400" dirty="0">
                 <a:effectLst/>
               </a:rPr>
               <a:t> </a:t>
@@ -20998,8 +20581,8 @@
         </p:nvSpPr>
         <p:spPr>
           <a:xfrm>
-            <a:off x="838198" y="1560584"/>
-            <a:ext cx="9520240" cy="3724096"/>
+            <a:off x="1172814" y="1193493"/>
+            <a:ext cx="9520240" cy="5078313"/>
           </a:xfrm>
           <a:prstGeom prst="rect">
             <a:avLst/>
@@ -21024,7 +20607,7 @@
               <a:buChar char="•"/>
             </a:pPr>
             <a:r>
-              <a:rPr lang="it-IT" sz="2000" dirty="0"/>
+              <a:rPr lang="it-IT" sz="2400" dirty="0"/>
               <a:t>E’ un modello ad alta intensità di dati. Per applicare questo metodo in modo coerente in tutta l'organizzazione, è necessaria una serie di dati completa riguardante gli eventi di perdita.</a:t>
             </a:r>
           </a:p>
@@ -21033,7 +20616,7 @@
               <a:buFont typeface="Arial" charset="0"/>
               <a:buChar char="•"/>
             </a:pPr>
-            <a:endParaRPr lang="it-IT" sz="2000" dirty="0"/>
+            <a:endParaRPr lang="it-IT" sz="2400" dirty="0"/>
           </a:p>
           <a:p>
             <a:pPr marL="285750" indent="-285750">
@@ -21041,7 +20624,7 @@
               <a:buChar char="•"/>
             </a:pPr>
             <a:r>
-              <a:rPr lang="it-IT" sz="2000" dirty="0"/>
+              <a:rPr lang="it-IT" sz="2400" dirty="0"/>
               <a:t>E’ necessario un vasto campione statistico strutturato e qualitativamente adeguato</a:t>
             </a:r>
           </a:p>
@@ -21050,7 +20633,7 @@
               <a:buFont typeface="Arial" charset="0"/>
               <a:buChar char="•"/>
             </a:pPr>
-            <a:endParaRPr lang="it-IT" sz="2000" dirty="0"/>
+            <a:endParaRPr lang="it-IT" sz="2400" dirty="0"/>
           </a:p>
           <a:p>
             <a:pPr marL="285750" indent="-285750">
@@ -21058,23 +20641,23 @@
               <a:buChar char="•"/>
             </a:pPr>
             <a:r>
-              <a:rPr lang="it-IT" sz="2000" dirty="0"/>
+              <a:rPr lang="it-IT" sz="2400" dirty="0"/>
               <a:t>L’assunzione di indipendenza tra la distribuzione di </a:t>
             </a:r>
             <a:r>
-              <a:rPr lang="it-IT" sz="2000" dirty="0" err="1"/>
+              <a:rPr lang="it-IT" sz="2400" dirty="0" err="1"/>
               <a:t>frequency</a:t>
             </a:r>
             <a:r>
-              <a:rPr lang="it-IT" sz="2000" dirty="0"/>
+              <a:rPr lang="it-IT" sz="2400" dirty="0"/>
               <a:t> e quella di </a:t>
             </a:r>
             <a:r>
-              <a:rPr lang="it-IT" sz="2000" dirty="0" err="1"/>
+              <a:rPr lang="it-IT" sz="2400" dirty="0" err="1"/>
               <a:t>severity</a:t>
             </a:r>
             <a:r>
-              <a:rPr lang="it-IT" sz="2000" dirty="0"/>
+              <a:rPr lang="it-IT" sz="2400" dirty="0"/>
               <a:t> costituisce un grosso limite</a:t>
             </a:r>
           </a:p>
@@ -21083,7 +20666,7 @@
               <a:buFont typeface="Arial" charset="0"/>
               <a:buChar char="•"/>
             </a:pPr>
-            <a:endParaRPr lang="it-IT" sz="2000" dirty="0"/>
+            <a:endParaRPr lang="it-IT" sz="2400" dirty="0"/>
           </a:p>
           <a:p>
             <a:pPr marL="285750" indent="-285750">
@@ -21091,15 +20674,15 @@
               <a:buChar char="•"/>
             </a:pPr>
             <a:r>
-              <a:rPr lang="it-IT" sz="2000" dirty="0"/>
+              <a:rPr lang="it-IT" sz="2400" dirty="0"/>
               <a:t>Il </a:t>
             </a:r>
             <a:r>
-              <a:rPr lang="it-IT" sz="2000" dirty="0" err="1"/>
+              <a:rPr lang="it-IT" sz="2400" dirty="0" err="1"/>
               <a:t>VaR</a:t>
             </a:r>
             <a:r>
-              <a:rPr lang="it-IT" sz="2000" dirty="0"/>
+              <a:rPr lang="it-IT" sz="2400" dirty="0"/>
               <a:t> non fornisce informazioni sulle perdite oltre l’intervallo di confidenza</a:t>
             </a:r>
           </a:p>
@@ -21282,8 +20865,8 @@
             </p:nvSpPr>
             <p:spPr>
               <a:xfrm>
-                <a:off x="4700455" y="2785241"/>
-                <a:ext cx="2804614" cy="369332"/>
+                <a:off x="4259918" y="2701131"/>
+                <a:ext cx="3672159" cy="461665"/>
               </a:xfrm>
               <a:prstGeom prst="rect">
                 <a:avLst/>
@@ -21296,6 +20879,7 @@
               </a:bodyPr>
               <a:lstStyle/>
               <a:p>
+                <a:pPr/>
                 <a14:m>
                   <m:oMathPara xmlns:m="http://schemas.openxmlformats.org/officeDocument/2006/math">
                     <m:oMathParaPr>
@@ -21303,7 +20887,7 @@
                     </m:oMathParaPr>
                     <m:oMath xmlns:m="http://schemas.openxmlformats.org/officeDocument/2006/math">
                       <m:r>
-                        <a:rPr lang="it-IT" b="0" i="1" smtClean="0">
+                        <a:rPr lang="it-IT" sz="2400" b="0" i="1" smtClean="0">
                           <a:latin typeface="Cambria Math" panose="02040503050406030204" pitchFamily="18" charset="0"/>
                         </a:rPr>
                         <m:t>𝐸𝑆</m:t>
@@ -21311,14 +20895,14 @@
                       <m:d>
                         <m:dPr>
                           <m:ctrlPr>
-                            <a:rPr lang="it-IT" b="0" i="1" smtClean="0">
+                            <a:rPr lang="it-IT" sz="2400" b="0" i="1" smtClean="0">
                               <a:latin typeface="Cambria Math" panose="02040503050406030204" pitchFamily="18" charset="0"/>
                             </a:rPr>
                           </m:ctrlPr>
                         </m:dPr>
                         <m:e>
                           <m:r>
-                            <a:rPr lang="it-IT" b="0" i="1" smtClean="0">
+                            <a:rPr lang="it-IT" sz="2400" b="0" i="1" smtClean="0">
                               <a:latin typeface="Cambria Math" panose="02040503050406030204" pitchFamily="18" charset="0"/>
                               <a:ea typeface="Cambria Math" panose="02040503050406030204" pitchFamily="18" charset="0"/>
                             </a:rPr>
@@ -21327,14 +20911,14 @@
                         </m:e>
                       </m:d>
                       <m:r>
-                        <a:rPr lang="it-IT" b="0" i="1" smtClean="0">
+                        <a:rPr lang="it-IT" sz="2400" b="0" i="1" smtClean="0">
                           <a:latin typeface="Cambria Math" panose="02040503050406030204" pitchFamily="18" charset="0"/>
                           <a:ea typeface="Cambria Math" panose="02040503050406030204" pitchFamily="18" charset="0"/>
                         </a:rPr>
                         <m:t>=</m:t>
                       </m:r>
                       <m:r>
-                        <a:rPr lang="it-IT" b="0" i="1" smtClean="0">
+                        <a:rPr lang="it-IT" sz="2400" b="0" i="1" smtClean="0">
                           <a:latin typeface="Cambria Math" panose="02040503050406030204" pitchFamily="18" charset="0"/>
                           <a:ea typeface="Cambria Math" panose="02040503050406030204" pitchFamily="18" charset="0"/>
                         </a:rPr>
@@ -21344,7 +20928,7 @@
                         <m:dPr>
                           <m:endChr m:val="|"/>
                           <m:ctrlPr>
-                            <a:rPr lang="it-IT" b="0" i="1" smtClean="0">
+                            <a:rPr lang="it-IT" sz="2400" b="0" i="1" smtClean="0">
                               <a:latin typeface="Cambria Math" panose="02040503050406030204" pitchFamily="18" charset="0"/>
                               <a:ea typeface="Cambria Math" panose="02040503050406030204" pitchFamily="18" charset="0"/>
                             </a:rPr>
@@ -21354,7 +20938,7 @@
                           <m:sSub>
                             <m:sSubPr>
                               <m:ctrlPr>
-                                <a:rPr lang="it-IT" b="0" i="1" smtClean="0">
+                                <a:rPr lang="it-IT" sz="2400" b="0" i="1" smtClean="0">
                                   <a:latin typeface="Cambria Math" panose="02040503050406030204" pitchFamily="18" charset="0"/>
                                   <a:ea typeface="Cambria Math" panose="02040503050406030204" pitchFamily="18" charset="0"/>
                                 </a:rPr>
@@ -21362,7 +20946,7 @@
                             </m:sSubPr>
                             <m:e>
                               <m:r>
-                                <a:rPr lang="it-IT" b="0" i="1" smtClean="0">
+                                <a:rPr lang="it-IT" sz="2400" b="0" i="1" smtClean="0">
                                   <a:latin typeface="Cambria Math" panose="02040503050406030204" pitchFamily="18" charset="0"/>
                                   <a:ea typeface="Cambria Math" panose="02040503050406030204" pitchFamily="18" charset="0"/>
                                 </a:rPr>
@@ -21371,7 +20955,7 @@
                             </m:e>
                             <m:sub>
                               <m:r>
-                                <a:rPr lang="it-IT" b="0" i="1" smtClean="0">
+                                <a:rPr lang="it-IT" sz="2400" b="0" i="1" smtClean="0">
                                   <a:latin typeface="Cambria Math" panose="02040503050406030204" pitchFamily="18" charset="0"/>
                                   <a:ea typeface="Cambria Math" panose="02040503050406030204" pitchFamily="18" charset="0"/>
                                 </a:rPr>
@@ -21384,7 +20968,7 @@
                       <m:sSub>
                         <m:sSubPr>
                           <m:ctrlPr>
-                            <a:rPr lang="it-IT" b="0" i="1" smtClean="0">
+                            <a:rPr lang="it-IT" sz="2400" b="0" i="1" smtClean="0">
                               <a:latin typeface="Cambria Math" panose="02040503050406030204" pitchFamily="18" charset="0"/>
                               <a:ea typeface="Cambria Math" panose="02040503050406030204" pitchFamily="18" charset="0"/>
                             </a:rPr>
@@ -21392,7 +20976,7 @@
                         </m:sSubPr>
                         <m:e>
                           <m:r>
-                            <a:rPr lang="it-IT" b="0" i="1" smtClean="0">
+                            <a:rPr lang="it-IT" sz="2400" b="0" i="1" smtClean="0">
                               <a:latin typeface="Cambria Math" panose="02040503050406030204" pitchFamily="18" charset="0"/>
                               <a:ea typeface="Cambria Math" panose="02040503050406030204" pitchFamily="18" charset="0"/>
                             </a:rPr>
@@ -21401,7 +20985,7 @@
                         </m:e>
                         <m:sub>
                           <m:r>
-                            <a:rPr lang="it-IT" b="0" i="1" smtClean="0">
+                            <a:rPr lang="it-IT" sz="2400" b="0" i="1" smtClean="0">
                               <a:latin typeface="Cambria Math" panose="02040503050406030204" pitchFamily="18" charset="0"/>
                               <a:ea typeface="Cambria Math" panose="02040503050406030204" pitchFamily="18" charset="0"/>
                             </a:rPr>
@@ -21410,7 +20994,7 @@
                         </m:sub>
                       </m:sSub>
                       <m:r>
-                        <a:rPr lang="it-IT" b="0" i="1" smtClean="0">
+                        <a:rPr lang="it-IT" sz="2400" b="0" i="1" smtClean="0">
                           <a:latin typeface="Cambria Math" panose="02040503050406030204" pitchFamily="18" charset="0"/>
                           <a:ea typeface="Cambria Math" panose="02040503050406030204" pitchFamily="18" charset="0"/>
                         </a:rPr>
@@ -21419,7 +21003,7 @@
                       <m:sSub>
                         <m:sSubPr>
                           <m:ctrlPr>
-                            <a:rPr lang="it-IT" b="0" i="1" smtClean="0">
+                            <a:rPr lang="it-IT" sz="2400" b="0" i="1" smtClean="0">
                               <a:latin typeface="Cambria Math" panose="02040503050406030204" pitchFamily="18" charset="0"/>
                               <a:ea typeface="Cambria Math" panose="02040503050406030204" pitchFamily="18" charset="0"/>
                             </a:rPr>
@@ -21427,7 +21011,7 @@
                         </m:sSubPr>
                         <m:e>
                           <m:r>
-                            <a:rPr lang="it-IT" b="0" i="1" smtClean="0">
+                            <a:rPr lang="it-IT" sz="2400" b="0" i="1" smtClean="0">
                               <a:latin typeface="Cambria Math" panose="02040503050406030204" pitchFamily="18" charset="0"/>
                               <a:ea typeface="Cambria Math" panose="02040503050406030204" pitchFamily="18" charset="0"/>
                             </a:rPr>
@@ -21436,7 +21020,7 @@
                         </m:e>
                         <m:sub>
                           <m:r>
-                            <a:rPr lang="it-IT" b="0" i="1" smtClean="0">
+                            <a:rPr lang="it-IT" sz="2400" b="0" i="1" smtClean="0">
                               <a:latin typeface="Cambria Math" panose="02040503050406030204" pitchFamily="18" charset="0"/>
                               <a:ea typeface="Cambria Math" panose="02040503050406030204" pitchFamily="18" charset="0"/>
                             </a:rPr>
@@ -21445,7 +21029,7 @@
                         </m:sub>
                       </m:sSub>
                       <m:r>
-                        <a:rPr lang="it-IT" b="0" i="1" smtClean="0">
+                        <a:rPr lang="it-IT" sz="2400" b="0" i="1" smtClean="0">
                           <a:latin typeface="Cambria Math" panose="02040503050406030204" pitchFamily="18" charset="0"/>
                           <a:ea typeface="Cambria Math" panose="02040503050406030204" pitchFamily="18" charset="0"/>
                         </a:rPr>
@@ -21454,7 +21038,7 @@
                     </m:oMath>
                   </m:oMathPara>
                 </a14:m>
-                <a:endParaRPr lang="it-IT" dirty="0"/>
+                <a:endParaRPr lang="it-IT" sz="2400" dirty="0"/>
               </a:p>
             </p:txBody>
           </p:sp>
@@ -21476,8 +21060,8 @@
             </p:nvSpPr>
             <p:spPr>
               <a:xfrm>
-                <a:off x="4700455" y="2785241"/>
-                <a:ext cx="2804614" cy="369332"/>
+                <a:off x="4259918" y="2701131"/>
+                <a:ext cx="3672159" cy="461665"/>
               </a:xfrm>
               <a:prstGeom prst="rect">
                 <a:avLst/>
@@ -21485,7 +21069,7 @@
               <a:blipFill>
                 <a:blip r:embed="rId2"/>
                 <a:stretch>
-                  <a:fillRect b="-13333"/>
+                  <a:fillRect b="-17105"/>
                 </a:stretch>
               </a:blipFill>
             </p:spPr>
@@ -21520,8 +21104,8 @@
             </p:nvSpPr>
             <p:spPr>
               <a:xfrm>
-                <a:off x="4501362" y="4240804"/>
-                <a:ext cx="3202800" cy="800732"/>
+                <a:off x="3993658" y="4217100"/>
+                <a:ext cx="4204677" cy="1036630"/>
               </a:xfrm>
               <a:prstGeom prst="rect">
                 <a:avLst/>
@@ -21534,6 +21118,7 @@
               </a:bodyPr>
               <a:lstStyle/>
               <a:p>
+                <a:pPr/>
                 <a14:m>
                   <m:oMathPara xmlns:m="http://schemas.openxmlformats.org/officeDocument/2006/math">
                     <m:oMathParaPr>
@@ -21543,7 +21128,7 @@
                       <m:sSubSup>
                         <m:sSubSupPr>
                           <m:ctrlPr>
-                            <a:rPr lang="it-IT" b="0" i="1" smtClean="0">
+                            <a:rPr lang="it-IT" sz="2400" b="0" i="1" smtClean="0">
                               <a:latin typeface="Cambria Math" panose="02040503050406030204" pitchFamily="18" charset="0"/>
                               <a:ea typeface="Cambria Math" panose="02040503050406030204" pitchFamily="18" charset="0"/>
                             </a:rPr>
@@ -21551,7 +21136,7 @@
                         </m:sSubSupPr>
                         <m:e>
                           <m:r>
-                            <a:rPr lang="it-IT" b="0" i="1" smtClean="0">
+                            <a:rPr lang="it-IT" sz="2400" b="0" i="1" smtClean="0">
                               <a:latin typeface="Cambria Math" panose="02040503050406030204" pitchFamily="18" charset="0"/>
                               <a:ea typeface="Cambria Math" panose="02040503050406030204" pitchFamily="18" charset="0"/>
                             </a:rPr>
@@ -21560,7 +21145,7 @@
                         </m:e>
                         <m:sub>
                           <m:r>
-                            <a:rPr lang="it-IT" b="0" i="1" smtClean="0">
+                            <a:rPr lang="it-IT" sz="2400" b="0" i="1" smtClean="0">
                               <a:latin typeface="Cambria Math" panose="02040503050406030204" pitchFamily="18" charset="0"/>
                               <a:ea typeface="Cambria Math" panose="02040503050406030204" pitchFamily="18" charset="0"/>
                             </a:rPr>
@@ -21569,7 +21154,7 @@
                         </m:sub>
                         <m:sup>
                           <m:r>
-                            <a:rPr lang="it-IT" b="0" i="1" smtClean="0">
+                            <a:rPr lang="it-IT" sz="2400" b="0" i="1" smtClean="0">
                               <a:latin typeface="Cambria Math" panose="02040503050406030204" pitchFamily="18" charset="0"/>
                               <a:ea typeface="Cambria Math" panose="02040503050406030204" pitchFamily="18" charset="0"/>
                             </a:rPr>
@@ -21578,7 +21163,7 @@
                         </m:sup>
                       </m:sSubSup>
                       <m:r>
-                        <a:rPr lang="it-IT" b="0" i="1" smtClean="0">
+                        <a:rPr lang="it-IT" sz="2400" b="0" i="1" smtClean="0">
                           <a:latin typeface="Cambria Math" panose="02040503050406030204" pitchFamily="18" charset="0"/>
                           <a:ea typeface="Cambria Math" panose="02040503050406030204" pitchFamily="18" charset="0"/>
                         </a:rPr>
@@ -21589,7 +21174,7 @@
                           <m:chr m:val="∑"/>
                           <m:supHide m:val="on"/>
                           <m:ctrlPr>
-                            <a:rPr lang="it-IT" b="0" i="1" smtClean="0">
+                            <a:rPr lang="it-IT" sz="2400" b="0" i="1" smtClean="0">
                               <a:latin typeface="Cambria Math" panose="02040503050406030204" pitchFamily="18" charset="0"/>
                               <a:ea typeface="Cambria Math" panose="02040503050406030204" pitchFamily="18" charset="0"/>
                             </a:rPr>
@@ -21599,7 +21184,7 @@
                           <m:sSub>
                             <m:sSubPr>
                               <m:ctrlPr>
-                                <a:rPr lang="it-IT" i="1">
+                                <a:rPr lang="it-IT" sz="2400" i="1">
                                   <a:latin typeface="Cambria Math" panose="02040503050406030204" pitchFamily="18" charset="0"/>
                                   <a:ea typeface="Cambria Math" panose="02040503050406030204" pitchFamily="18" charset="0"/>
                                 </a:rPr>
@@ -21607,7 +21192,7 @@
                             </m:sSubPr>
                             <m:e>
                               <m:r>
-                                <a:rPr lang="it-IT" i="1">
+                                <a:rPr lang="it-IT" sz="2400" i="1">
                                   <a:latin typeface="Cambria Math" panose="02040503050406030204" pitchFamily="18" charset="0"/>
                                   <a:ea typeface="Cambria Math" panose="02040503050406030204" pitchFamily="18" charset="0"/>
                                 </a:rPr>
@@ -21616,7 +21201,7 @@
                             </m:e>
                             <m:sub>
                               <m:r>
-                                <a:rPr lang="it-IT" i="1">
+                                <a:rPr lang="it-IT" sz="2400" i="1">
                                   <a:latin typeface="Cambria Math" panose="02040503050406030204" pitchFamily="18" charset="0"/>
                                   <a:ea typeface="Cambria Math" panose="02040503050406030204" pitchFamily="18" charset="0"/>
                                 </a:rPr>
@@ -21625,7 +21210,7 @@
                             </m:sub>
                           </m:sSub>
                           <m:r>
-                            <a:rPr lang="it-IT" i="1">
+                            <a:rPr lang="it-IT" sz="2400" i="1">
                               <a:latin typeface="Cambria Math" panose="02040503050406030204" pitchFamily="18" charset="0"/>
                               <a:ea typeface="Cambria Math" panose="02040503050406030204" pitchFamily="18" charset="0"/>
                             </a:rPr>
@@ -21634,7 +21219,7 @@
                           <m:sSub>
                             <m:sSubPr>
                               <m:ctrlPr>
-                                <a:rPr lang="it-IT" i="1">
+                                <a:rPr lang="it-IT" sz="2400" i="1">
                                   <a:latin typeface="Cambria Math" panose="02040503050406030204" pitchFamily="18" charset="0"/>
                                   <a:ea typeface="Cambria Math" panose="02040503050406030204" pitchFamily="18" charset="0"/>
                                 </a:rPr>
@@ -21642,7 +21227,7 @@
                             </m:sSubPr>
                             <m:e>
                               <m:r>
-                                <a:rPr lang="it-IT" i="1">
+                                <a:rPr lang="it-IT" sz="2400" i="1">
                                   <a:latin typeface="Cambria Math" panose="02040503050406030204" pitchFamily="18" charset="0"/>
                                   <a:ea typeface="Cambria Math" panose="02040503050406030204" pitchFamily="18" charset="0"/>
                                 </a:rPr>
@@ -21651,7 +21236,7 @@
                             </m:e>
                             <m:sub>
                               <m:r>
-                                <a:rPr lang="it-IT" i="1">
+                                <a:rPr lang="it-IT" sz="2400" i="1">
                                   <a:latin typeface="Cambria Math" panose="02040503050406030204" pitchFamily="18" charset="0"/>
                                   <a:ea typeface="Cambria Math" panose="02040503050406030204" pitchFamily="18" charset="0"/>
                                 </a:rPr>
@@ -21665,7 +21250,7 @@
                           <m:f>
                             <m:fPr>
                               <m:ctrlPr>
-                                <a:rPr lang="it-IT" i="1" smtClean="0">
+                                <a:rPr lang="it-IT" sz="2400" i="1" smtClean="0">
                                   <a:latin typeface="Cambria Math" panose="02040503050406030204" pitchFamily="18" charset="0"/>
                                   <a:ea typeface="Cambria Math" panose="02040503050406030204" pitchFamily="18" charset="0"/>
                                 </a:rPr>
@@ -21675,7 +21260,7 @@
                               <m:sSub>
                                 <m:sSubPr>
                                   <m:ctrlPr>
-                                    <a:rPr lang="it-IT" i="1">
+                                    <a:rPr lang="it-IT" sz="2400" i="1">
                                       <a:latin typeface="Cambria Math" panose="02040503050406030204" pitchFamily="18" charset="0"/>
                                       <a:ea typeface="Cambria Math" panose="02040503050406030204" pitchFamily="18" charset="0"/>
                                     </a:rPr>
@@ -21683,7 +21268,7 @@
                                 </m:sSubPr>
                                 <m:e>
                                   <m:r>
-                                    <a:rPr lang="it-IT" i="1">
+                                    <a:rPr lang="it-IT" sz="2400" i="1">
                                       <a:latin typeface="Cambria Math" panose="02040503050406030204" pitchFamily="18" charset="0"/>
                                       <a:ea typeface="Cambria Math" panose="02040503050406030204" pitchFamily="18" charset="0"/>
                                     </a:rPr>
@@ -21692,7 +21277,7 @@
                                 </m:e>
                                 <m:sub>
                                   <m:r>
-                                    <a:rPr lang="it-IT" i="1">
+                                    <a:rPr lang="it-IT" sz="2400" i="1">
                                       <a:latin typeface="Cambria Math" panose="02040503050406030204" pitchFamily="18" charset="0"/>
                                       <a:ea typeface="Cambria Math" panose="02040503050406030204" pitchFamily="18" charset="0"/>
                                     </a:rPr>
@@ -21703,7 +21288,7 @@
                             </m:num>
                             <m:den>
                               <m:r>
-                                <a:rPr lang="it-IT" b="0" i="1" smtClean="0">
+                                <a:rPr lang="it-IT" sz="2400" b="0" i="1" smtClean="0">
                                   <a:latin typeface="Cambria Math" panose="02040503050406030204" pitchFamily="18" charset="0"/>
                                   <a:ea typeface="Cambria Math" panose="02040503050406030204" pitchFamily="18" charset="0"/>
                                 </a:rPr>
@@ -21712,7 +21297,7 @@
                               <m:sSub>
                                 <m:sSubPr>
                                   <m:ctrlPr>
-                                    <a:rPr lang="it-IT" i="1">
+                                    <a:rPr lang="it-IT" sz="2400" i="1">
                                       <a:latin typeface="Cambria Math" panose="02040503050406030204" pitchFamily="18" charset="0"/>
                                       <a:ea typeface="Cambria Math" panose="02040503050406030204" pitchFamily="18" charset="0"/>
                                     </a:rPr>
@@ -21720,7 +21305,7 @@
                                 </m:sSubPr>
                                 <m:e>
                                   <m:r>
-                                    <a:rPr lang="it-IT" i="1">
+                                    <a:rPr lang="it-IT" sz="2400" i="1">
                                       <a:latin typeface="Cambria Math" panose="02040503050406030204" pitchFamily="18" charset="0"/>
                                       <a:ea typeface="Cambria Math" panose="02040503050406030204" pitchFamily="18" charset="0"/>
                                     </a:rPr>
@@ -21729,7 +21314,7 @@
                                 </m:e>
                                 <m:sub>
                                   <m:r>
-                                    <a:rPr lang="it-IT" i="1">
+                                    <a:rPr lang="it-IT" sz="2400" i="1">
                                       <a:latin typeface="Cambria Math" panose="02040503050406030204" pitchFamily="18" charset="0"/>
                                       <a:ea typeface="Cambria Math" panose="02040503050406030204" pitchFamily="18" charset="0"/>
                                     </a:rPr>
@@ -21738,7 +21323,7 @@
                                 </m:sub>
                               </m:sSub>
                               <m:r>
-                                <a:rPr lang="it-IT" i="1">
+                                <a:rPr lang="it-IT" sz="2400" i="1">
                                   <a:latin typeface="Cambria Math" panose="02040503050406030204" pitchFamily="18" charset="0"/>
                                   <a:ea typeface="Cambria Math" panose="02040503050406030204" pitchFamily="18" charset="0"/>
                                 </a:rPr>
@@ -21747,7 +21332,7 @@
                               <m:sSub>
                                 <m:sSubPr>
                                   <m:ctrlPr>
-                                    <a:rPr lang="it-IT" i="1">
+                                    <a:rPr lang="it-IT" sz="2400" i="1">
                                       <a:latin typeface="Cambria Math" panose="02040503050406030204" pitchFamily="18" charset="0"/>
                                       <a:ea typeface="Cambria Math" panose="02040503050406030204" pitchFamily="18" charset="0"/>
                                     </a:rPr>
@@ -21755,7 +21340,7 @@
                                 </m:sSubPr>
                                 <m:e>
                                   <m:r>
-                                    <a:rPr lang="it-IT" i="1">
+                                    <a:rPr lang="it-IT" sz="2400" i="1">
                                       <a:latin typeface="Cambria Math" panose="02040503050406030204" pitchFamily="18" charset="0"/>
                                       <a:ea typeface="Cambria Math" panose="02040503050406030204" pitchFamily="18" charset="0"/>
                                     </a:rPr>
@@ -21764,7 +21349,7 @@
                                 </m:e>
                                 <m:sub>
                                   <m:r>
-                                    <a:rPr lang="it-IT" i="1">
+                                    <a:rPr lang="it-IT" sz="2400" i="1">
                                       <a:latin typeface="Cambria Math" panose="02040503050406030204" pitchFamily="18" charset="0"/>
                                       <a:ea typeface="Cambria Math" panose="02040503050406030204" pitchFamily="18" charset="0"/>
                                     </a:rPr>
@@ -21773,7 +21358,7 @@
                                 </m:sub>
                               </m:sSub>
                               <m:r>
-                                <a:rPr lang="it-IT" b="0" i="1" smtClean="0">
+                                <a:rPr lang="it-IT" sz="2400" b="0" i="1" smtClean="0">
                                   <a:latin typeface="Cambria Math" panose="02040503050406030204" pitchFamily="18" charset="0"/>
                                   <a:ea typeface="Cambria Math" panose="02040503050406030204" pitchFamily="18" charset="0"/>
                                 </a:rPr>
@@ -21786,7 +21371,7 @@
                     </m:oMath>
                   </m:oMathPara>
                 </a14:m>
-                <a:endParaRPr lang="it-IT" dirty="0"/>
+                <a:endParaRPr lang="it-IT" sz="2400" dirty="0"/>
               </a:p>
             </p:txBody>
           </p:sp>
@@ -21808,8 +21393,8 @@
             </p:nvSpPr>
             <p:spPr>
               <a:xfrm>
-                <a:off x="4501362" y="4240804"/>
-                <a:ext cx="3202800" cy="800732"/>
+                <a:off x="3993658" y="4217100"/>
+                <a:ext cx="4204677" cy="1036630"/>
               </a:xfrm>
               <a:prstGeom prst="rect">
                 <a:avLst/>
@@ -25201,15 +24786,21 @@
                 <a14:m>
                   <m:oMath xmlns:m="http://schemas.openxmlformats.org/officeDocument/2006/math">
                     <m:r>
-                      <a:rPr lang="it-IT" i="1" smtClean="0"/>
+                      <a:rPr lang="it-IT" i="1" smtClean="0">
+                        <a:latin typeface="Cambria Math" panose="02040503050406030204" pitchFamily="18" charset="0"/>
+                      </a:rPr>
                       <m:t>𝑑𝑜𝑣𝑒</m:t>
                     </m:r>
                     <m:r>
-                      <a:rPr lang="it-IT" i="1" smtClean="0"/>
+                      <a:rPr lang="it-IT" i="1" smtClean="0">
+                        <a:latin typeface="Cambria Math" panose="02040503050406030204" pitchFamily="18" charset="0"/>
+                      </a:rPr>
                       <m:t> </m:t>
                     </m:r>
                     <m:r>
-                      <a:rPr lang="it-IT" i="1" smtClean="0"/>
+                      <a:rPr lang="it-IT" i="1" smtClean="0">
+                        <a:latin typeface="Cambria Math" panose="02040503050406030204" pitchFamily="18" charset="0"/>
+                      </a:rPr>
                       <m:t>𝑘</m:t>
                     </m:r>
                   </m:oMath>
@@ -25218,12 +24809,14 @@
                   <a:rPr lang="it-IT" dirty="0">
                     <a:cs typeface="Times New Roman" panose="02020603050405020304" pitchFamily="18" charset="0"/>
                   </a:rPr>
-                  <a:t>~Poisson(</a:t>
+                  <a:t> ~ Poisson(</a:t>
                 </a:r>
                 <a14:m>
                   <m:oMath xmlns:m="http://schemas.openxmlformats.org/officeDocument/2006/math">
                     <m:r>
-                      <a:rPr lang="it-IT" i="1" dirty="0" smtClean="0"/>
+                      <a:rPr lang="it-IT" i="1" dirty="0" smtClean="0">
+                        <a:latin typeface="Cambria Math" panose="02040503050406030204" pitchFamily="18" charset="0"/>
+                      </a:rPr>
                       <m:t>𝜆</m:t>
                     </m:r>
                   </m:oMath>
@@ -25246,7 +24839,19 @@
                   <a:rPr lang="it-IT" dirty="0" err="1">
                     <a:cs typeface="Times New Roman" panose="02020603050405020304" pitchFamily="18" charset="0"/>
                   </a:rPr>
-                  <a:t>Xi~Logn</a:t>
+                  <a:t>Xi</a:t>
+                </a:r>
+                <a:r>
+                  <a:rPr lang="it-IT" dirty="0">
+                    <a:cs typeface="Times New Roman" panose="02020603050405020304" pitchFamily="18" charset="0"/>
+                  </a:rPr>
+                  <a:t> ~ </a:t>
+                </a:r>
+                <a:r>
+                  <a:rPr lang="it-IT" dirty="0" err="1">
+                    <a:cs typeface="Times New Roman" panose="02020603050405020304" pitchFamily="18" charset="0"/>
+                  </a:rPr>
+                  <a:t>Logn</a:t>
                 </a:r>
                 <a:r>
                   <a:rPr lang="it-IT" dirty="0">
@@ -25257,7 +24862,9 @@
                 <a14:m>
                   <m:oMath xmlns:m="http://schemas.openxmlformats.org/officeDocument/2006/math">
                     <m:r>
-                      <a:rPr lang="it-IT" i="1" dirty="0" smtClean="0"/>
+                      <a:rPr lang="it-IT" i="1" dirty="0" smtClean="0">
+                        <a:latin typeface="Cambria Math" panose="02040503050406030204" pitchFamily="18" charset="0"/>
+                      </a:rPr>
                       <m:t>𝜇</m:t>
                     </m:r>
                   </m:oMath>
@@ -25273,18 +24880,24 @@
                     <m:sSup>
                       <m:sSupPr>
                         <m:ctrlPr>
-                          <a:rPr lang="it-IT" i="1" dirty="0" smtClean="0"/>
+                          <a:rPr lang="it-IT" i="1" dirty="0" smtClean="0">
+                            <a:latin typeface="Cambria Math" panose="02040503050406030204" pitchFamily="18" charset="0"/>
+                          </a:rPr>
                         </m:ctrlPr>
                       </m:sSupPr>
                       <m:e>
                         <m:r>
-                          <a:rPr lang="it-IT" i="1" dirty="0"/>
+                          <a:rPr lang="it-IT" i="1" dirty="0">
+                            <a:latin typeface="Cambria Math" panose="02040503050406030204" pitchFamily="18" charset="0"/>
+                          </a:rPr>
                           <m:t>𝜎</m:t>
                         </m:r>
                       </m:e>
                       <m:sup>
                         <m:r>
-                          <a:rPr lang="it-IT" dirty="0"/>
+                          <a:rPr lang="it-IT" dirty="0">
+                            <a:latin typeface="Cambria Math" panose="02040503050406030204" pitchFamily="18" charset="0"/>
+                          </a:rPr>
                           <m:t>2</m:t>
                         </m:r>
                       </m:sup>

--- a/Presentazione ppt/Presentazione_finale.pptx
+++ b/Presentazione ppt/Presentazione_finale.pptx
@@ -17567,6 +17567,9 @@
           </a:lstStyle>
           <a:p>
             <a:pPr marL="457200" indent="-457200" algn="l">
+              <a:lnSpc>
+                <a:spcPct val="100000"/>
+              </a:lnSpc>
               <a:buFont typeface="Arial" charset="0"/>
               <a:buChar char="•"/>
             </a:pPr>
@@ -17635,8 +17638,8 @@
         </p:nvSpPr>
         <p:spPr>
           <a:xfrm>
-            <a:off x="2133600" y="1536174"/>
-            <a:ext cx="7924800" cy="3785652"/>
+            <a:off x="1172814" y="2131920"/>
+            <a:ext cx="9841549" cy="3046988"/>
           </a:xfrm>
           <a:prstGeom prst="rect">
             <a:avLst/>
@@ -17649,6 +17652,10 @@
           </a:bodyPr>
           <a:lstStyle/>
           <a:p>
+            <a:pPr marL="342900" indent="-342900">
+              <a:buFont typeface="Arial" panose="020B0604020202020204" pitchFamily="34" charset="0"/>
+              <a:buChar char="•"/>
+            </a:pPr>
             <a:r>
               <a:rPr lang="it-IT" sz="2400" dirty="0"/>
               <a:t>Segue il confronto grafico delle distribuzioni di perdita relative ad una business line e ad un </a:t>
@@ -17674,12 +17681,6 @@
             <a:endParaRPr lang="it-IT" sz="2400" dirty="0"/>
           </a:p>
           <a:p>
-            <a:endParaRPr lang="it-IT" sz="2400" dirty="0"/>
-          </a:p>
-          <a:p>
-            <a:endParaRPr lang="it-IT" sz="2400" dirty="0"/>
-          </a:p>
-          <a:p>
             <a:pPr lvl="0" algn="ctr"/>
             <a:r>
               <a:rPr lang="it-IT" sz="2400" dirty="0"/>
@@ -17730,6 +17731,126 @@
             <a:r>
               <a:rPr lang="it-IT" sz="2400" dirty="0"/>
               <a:t>= 1</a:t>
+            </a:r>
+          </a:p>
+        </p:txBody>
+      </p:sp>
+      <p:sp>
+        <p:nvSpPr>
+          <p:cNvPr id="2" name="CasellaDiTesto 1">
+            <a:extLst>
+              <a:ext uri="{FF2B5EF4-FFF2-40B4-BE49-F238E27FC236}">
+                <a16:creationId xmlns:a16="http://schemas.microsoft.com/office/drawing/2014/main" id="{F198FE20-DB05-4E34-A078-F69B0D355089}"/>
+              </a:ext>
+            </a:extLst>
+          </p:cNvPr>
+          <p:cNvSpPr txBox="1"/>
+          <p:nvPr/>
+        </p:nvSpPr>
+        <p:spPr>
+          <a:xfrm>
+            <a:off x="1655618" y="586485"/>
+            <a:ext cx="8880764" cy="707886"/>
+          </a:xfrm>
+          <a:prstGeom prst="rect">
+            <a:avLst/>
+          </a:prstGeom>
+          <a:noFill/>
+        </p:spPr>
+        <p:txBody>
+          <a:bodyPr wrap="square" rtlCol="0">
+            <a:spAutoFit/>
+          </a:bodyPr>
+          <a:lstStyle/>
+          <a:p>
+            <a:pPr algn="ctr"/>
+            <a:r>
+              <a:rPr lang="it-IT" sz="4000" dirty="0"/>
+              <a:t>Per una business line e un </a:t>
+            </a:r>
+            <a:r>
+              <a:rPr lang="it-IT" sz="4000" dirty="0" err="1"/>
+              <a:t>event</a:t>
+            </a:r>
+            <a:r>
+              <a:rPr lang="it-IT" sz="4000" dirty="0"/>
+              <a:t> </a:t>
+            </a:r>
+            <a:r>
+              <a:rPr lang="it-IT" sz="4000" dirty="0" err="1"/>
+              <a:t>type</a:t>
+            </a:r>
+            <a:endParaRPr lang="it-IT" sz="4000" dirty="0"/>
+          </a:p>
+        </p:txBody>
+      </p:sp>
+      <p:sp>
+        <p:nvSpPr>
+          <p:cNvPr id="5" name="CasellaDiTesto 4">
+            <a:extLst>
+              <a:ext uri="{FF2B5EF4-FFF2-40B4-BE49-F238E27FC236}">
+                <a16:creationId xmlns:a16="http://schemas.microsoft.com/office/drawing/2014/main" id="{016D2AC4-AA99-484A-BA0D-F585B0715DD2}"/>
+              </a:ext>
+            </a:extLst>
+          </p:cNvPr>
+          <p:cNvSpPr txBox="1"/>
+          <p:nvPr/>
+        </p:nvSpPr>
+        <p:spPr>
+          <a:xfrm>
+            <a:off x="7281376" y="112014"/>
+            <a:ext cx="4532908" cy="307777"/>
+          </a:xfrm>
+          <a:prstGeom prst="rect">
+            <a:avLst/>
+          </a:prstGeom>
+          <a:noFill/>
+        </p:spPr>
+        <p:txBody>
+          <a:bodyPr wrap="none" rtlCol="0">
+            <a:spAutoFit/>
+          </a:bodyPr>
+          <a:lstStyle/>
+          <a:p>
+            <a:r>
+              <a:rPr lang="it-IT" sz="1400" i="1" dirty="0"/>
+              <a:t>LABORATORIO DI SIMULAZIONI FINANZIARIE A.A. 2017-2018</a:t>
+            </a:r>
+          </a:p>
+        </p:txBody>
+      </p:sp>
+      <p:sp>
+        <p:nvSpPr>
+          <p:cNvPr id="6" name="CasellaDiTesto 5">
+            <a:extLst>
+              <a:ext uri="{FF2B5EF4-FFF2-40B4-BE49-F238E27FC236}">
+                <a16:creationId xmlns:a16="http://schemas.microsoft.com/office/drawing/2014/main" id="{ABAA36FB-FBBC-4740-9ED7-14A75614782B}"/>
+              </a:ext>
+            </a:extLst>
+          </p:cNvPr>
+          <p:cNvSpPr txBox="1"/>
+          <p:nvPr/>
+        </p:nvSpPr>
+        <p:spPr>
+          <a:xfrm>
+            <a:off x="1172814" y="6308035"/>
+            <a:ext cx="9846368" cy="261610"/>
+          </a:xfrm>
+          <a:prstGeom prst="rect">
+            <a:avLst/>
+          </a:prstGeom>
+          <a:noFill/>
+        </p:spPr>
+        <p:txBody>
+          <a:bodyPr wrap="square" rtlCol="0">
+            <a:spAutoFit/>
+          </a:bodyPr>
+          <a:lstStyle/>
+          <a:p>
+            <a:pPr algn="ctr"/>
+            <a:r>
+              <a:rPr lang="it-IT" sz="1100" i="1" dirty="0"/>
+              <a:t>ERIK HOLLER  - ELIA SCARPARO- STEFANO ZAMPIERO</a:t>
             </a:r>
           </a:p>
         </p:txBody>
@@ -20608,7 +20729,7 @@
             </a:pPr>
             <a:r>
               <a:rPr lang="it-IT" sz="2400" dirty="0"/>
-              <a:t>E’ un modello ad alta intensità di dati. Per applicare questo metodo in modo coerente in tutta l'organizzazione, è necessaria una serie di dati completa riguardante gli eventi di perdita.</a:t>
+              <a:t>È un modello ad alta intensità di dati. Per applicare questo metodo in modo coerente in tutta l'organizzazione, è necessaria una serie di dati completa riguardante gli eventi di perdita.</a:t>
             </a:r>
           </a:p>
           <a:p>
@@ -20625,7 +20746,7 @@
             </a:pPr>
             <a:r>
               <a:rPr lang="it-IT" sz="2400" dirty="0"/>
-              <a:t>E’ necessario un vasto campione statistico strutturato e qualitativamente adeguato</a:t>
+              <a:t>È necessario un vasto campione statistico strutturato e qualitativamente adeguato</a:t>
             </a:r>
           </a:p>
           <a:p>
@@ -20849,8 +20970,8 @@
           </a:p>
         </p:txBody>
       </p:sp>
-      <mc:AlternateContent xmlns:mc="http://schemas.openxmlformats.org/markup-compatibility/2006">
-        <mc:Choice xmlns:a14="http://schemas.microsoft.com/office/drawing/2010/main" Requires="a14">
+      <mc:AlternateContent xmlns:mc="http://schemas.openxmlformats.org/markup-compatibility/2006" xmlns:a14="http://schemas.microsoft.com/office/drawing/2010/main">
+        <mc:Choice Requires="a14">
           <p:sp>
             <p:nvSpPr>
               <p:cNvPr id="9" name="CasellaDiTesto 8">
@@ -21043,7 +21164,7 @@
             </p:txBody>
           </p:sp>
         </mc:Choice>
-        <mc:Fallback>
+        <mc:Fallback xmlns="">
           <p:sp>
             <p:nvSpPr>
               <p:cNvPr id="9" name="CasellaDiTesto 8">
@@ -21088,8 +21209,8 @@
           </p:sp>
         </mc:Fallback>
       </mc:AlternateContent>
-      <mc:AlternateContent xmlns:mc="http://schemas.openxmlformats.org/markup-compatibility/2006">
-        <mc:Choice xmlns:a14="http://schemas.microsoft.com/office/drawing/2010/main" Requires="a14">
+      <mc:AlternateContent xmlns:mc="http://schemas.openxmlformats.org/markup-compatibility/2006" xmlns:a14="http://schemas.microsoft.com/office/drawing/2010/main">
+        <mc:Choice Requires="a14">
           <p:sp>
             <p:nvSpPr>
               <p:cNvPr id="10" name="CasellaDiTesto 9">
@@ -21376,7 +21497,7 @@
             </p:txBody>
           </p:sp>
         </mc:Choice>
-        <mc:Fallback>
+        <mc:Fallback xmlns="">
           <p:sp>
             <p:nvSpPr>
               <p:cNvPr id="10" name="CasellaDiTesto 9">
@@ -24559,8 +24680,8 @@
           </a:p>
         </p:txBody>
       </p:sp>
-      <mc:AlternateContent xmlns:mc="http://schemas.openxmlformats.org/markup-compatibility/2006">
-        <mc:Choice xmlns:a14="http://schemas.microsoft.com/office/drawing/2010/main" Requires="a14">
+      <mc:AlternateContent xmlns:mc="http://schemas.openxmlformats.org/markup-compatibility/2006" xmlns:a14="http://schemas.microsoft.com/office/drawing/2010/main">
+        <mc:Choice Requires="a14">
           <p:sp>
             <p:nvSpPr>
               <p:cNvPr id="10" name="Segnaposto contenuto 22">
@@ -24914,7 +25035,7 @@
             </p:txBody>
           </p:sp>
         </mc:Choice>
-        <mc:Fallback>
+        <mc:Fallback xmlns="">
           <p:sp>
             <p:nvSpPr>
               <p:cNvPr id="10" name="Segnaposto contenuto 22">

--- a/Presentazione ppt/Presentazione_finale.pptx
+++ b/Presentazione ppt/Presentazione_finale.pptx
@@ -5,7 +5,7 @@
     <p:sldMasterId id="2147483672" r:id="rId1"/>
   </p:sldMasterIdLst>
   <p:notesMasterIdLst>
-    <p:notesMasterId r:id="rId42"/>
+    <p:notesMasterId r:id="rId43"/>
   </p:notesMasterIdLst>
   <p:sldIdLst>
     <p:sldId id="259" r:id="rId2"/>
@@ -26,28 +26,29 @@
     <p:sldId id="297" r:id="rId17"/>
     <p:sldId id="310" r:id="rId18"/>
     <p:sldId id="309" r:id="rId19"/>
-    <p:sldId id="298" r:id="rId20"/>
-    <p:sldId id="308" r:id="rId21"/>
-    <p:sldId id="312" r:id="rId22"/>
-    <p:sldId id="333" r:id="rId23"/>
-    <p:sldId id="300" r:id="rId24"/>
-    <p:sldId id="319" r:id="rId25"/>
-    <p:sldId id="320" r:id="rId26"/>
-    <p:sldId id="296" r:id="rId27"/>
-    <p:sldId id="330" r:id="rId28"/>
-    <p:sldId id="322" r:id="rId29"/>
-    <p:sldId id="323" r:id="rId30"/>
-    <p:sldId id="324" r:id="rId31"/>
-    <p:sldId id="325" r:id="rId32"/>
-    <p:sldId id="327" r:id="rId33"/>
-    <p:sldId id="328" r:id="rId34"/>
-    <p:sldId id="321" r:id="rId35"/>
-    <p:sldId id="304" r:id="rId36"/>
-    <p:sldId id="316" r:id="rId37"/>
-    <p:sldId id="331" r:id="rId38"/>
-    <p:sldId id="332" r:id="rId39"/>
-    <p:sldId id="314" r:id="rId40"/>
-    <p:sldId id="307" r:id="rId41"/>
+    <p:sldId id="334" r:id="rId20"/>
+    <p:sldId id="298" r:id="rId21"/>
+    <p:sldId id="308" r:id="rId22"/>
+    <p:sldId id="312" r:id="rId23"/>
+    <p:sldId id="333" r:id="rId24"/>
+    <p:sldId id="300" r:id="rId25"/>
+    <p:sldId id="319" r:id="rId26"/>
+    <p:sldId id="320" r:id="rId27"/>
+    <p:sldId id="296" r:id="rId28"/>
+    <p:sldId id="330" r:id="rId29"/>
+    <p:sldId id="322" r:id="rId30"/>
+    <p:sldId id="323" r:id="rId31"/>
+    <p:sldId id="324" r:id="rId32"/>
+    <p:sldId id="325" r:id="rId33"/>
+    <p:sldId id="327" r:id="rId34"/>
+    <p:sldId id="328" r:id="rId35"/>
+    <p:sldId id="321" r:id="rId36"/>
+    <p:sldId id="304" r:id="rId37"/>
+    <p:sldId id="316" r:id="rId38"/>
+    <p:sldId id="331" r:id="rId39"/>
+    <p:sldId id="332" r:id="rId40"/>
+    <p:sldId id="314" r:id="rId41"/>
+    <p:sldId id="307" r:id="rId42"/>
   </p:sldIdLst>
   <p:sldSz cx="12192000" cy="6858000"/>
   <p:notesSz cx="6858000" cy="9144000"/>
@@ -7722,7 +7723,7 @@
           <a:p>
             <a:fld id="{AF89CFBA-E078-4C41-A575-83366E02218D}" type="datetimeFigureOut">
               <a:rPr lang="it-IT" smtClean="0"/>
-              <a:t>25/05/2018</a:t>
+              <a:t>28/05/2018</a:t>
             </a:fld>
             <a:endParaRPr lang="it-IT"/>
           </a:p>
@@ -8118,7 +8119,7 @@
           <a:p>
             <a:fld id="{D775947D-044B-614B-8E36-7404D1B77440}" type="datetimeFigureOut">
               <a:rPr lang="it-IT" smtClean="0"/>
-              <a:t>25/05/2018</a:t>
+              <a:t>28/05/2018</a:t>
             </a:fld>
             <a:endParaRPr lang="it-IT"/>
           </a:p>
@@ -8281,7 +8282,7 @@
           <a:p>
             <a:fld id="{D775947D-044B-614B-8E36-7404D1B77440}" type="datetimeFigureOut">
               <a:rPr lang="it-IT" smtClean="0"/>
-              <a:t>25/05/2018</a:t>
+              <a:t>28/05/2018</a:t>
             </a:fld>
             <a:endParaRPr lang="it-IT"/>
           </a:p>
@@ -8454,7 +8455,7 @@
           <a:p>
             <a:fld id="{D775947D-044B-614B-8E36-7404D1B77440}" type="datetimeFigureOut">
               <a:rPr lang="it-IT" smtClean="0"/>
-              <a:t>25/05/2018</a:t>
+              <a:t>28/05/2018</a:t>
             </a:fld>
             <a:endParaRPr lang="it-IT"/>
           </a:p>
@@ -8617,7 +8618,7 @@
           <a:p>
             <a:fld id="{D775947D-044B-614B-8E36-7404D1B77440}" type="datetimeFigureOut">
               <a:rPr lang="it-IT" smtClean="0"/>
-              <a:t>25/05/2018</a:t>
+              <a:t>28/05/2018</a:t>
             </a:fld>
             <a:endParaRPr lang="it-IT"/>
           </a:p>
@@ -8857,7 +8858,7 @@
           <a:p>
             <a:fld id="{D775947D-044B-614B-8E36-7404D1B77440}" type="datetimeFigureOut">
               <a:rPr lang="it-IT" smtClean="0"/>
-              <a:t>25/05/2018</a:t>
+              <a:t>28/05/2018</a:t>
             </a:fld>
             <a:endParaRPr lang="it-IT"/>
           </a:p>
@@ -9081,7 +9082,7 @@
           <a:p>
             <a:fld id="{D775947D-044B-614B-8E36-7404D1B77440}" type="datetimeFigureOut">
               <a:rPr lang="it-IT" smtClean="0"/>
-              <a:t>25/05/2018</a:t>
+              <a:t>28/05/2018</a:t>
             </a:fld>
             <a:endParaRPr lang="it-IT"/>
           </a:p>
@@ -9440,7 +9441,7 @@
           <a:p>
             <a:fld id="{D775947D-044B-614B-8E36-7404D1B77440}" type="datetimeFigureOut">
               <a:rPr lang="it-IT" smtClean="0"/>
-              <a:t>25/05/2018</a:t>
+              <a:t>28/05/2018</a:t>
             </a:fld>
             <a:endParaRPr lang="it-IT"/>
           </a:p>
@@ -9552,7 +9553,7 @@
           <a:p>
             <a:fld id="{D775947D-044B-614B-8E36-7404D1B77440}" type="datetimeFigureOut">
               <a:rPr lang="it-IT" smtClean="0"/>
-              <a:t>25/05/2018</a:t>
+              <a:t>28/05/2018</a:t>
             </a:fld>
             <a:endParaRPr lang="it-IT"/>
           </a:p>
@@ -9642,7 +9643,7 @@
           <a:p>
             <a:fld id="{D775947D-044B-614B-8E36-7404D1B77440}" type="datetimeFigureOut">
               <a:rPr lang="it-IT" smtClean="0"/>
-              <a:t>25/05/2018</a:t>
+              <a:t>28/05/2018</a:t>
             </a:fld>
             <a:endParaRPr lang="it-IT"/>
           </a:p>
@@ -9912,7 +9913,7 @@
           <a:p>
             <a:fld id="{D775947D-044B-614B-8E36-7404D1B77440}" type="datetimeFigureOut">
               <a:rPr lang="it-IT" smtClean="0"/>
-              <a:t>25/05/2018</a:t>
+              <a:t>28/05/2018</a:t>
             </a:fld>
             <a:endParaRPr lang="it-IT"/>
           </a:p>
@@ -10159,7 +10160,7 @@
           <a:p>
             <a:fld id="{D775947D-044B-614B-8E36-7404D1B77440}" type="datetimeFigureOut">
               <a:rPr lang="it-IT" smtClean="0"/>
-              <a:t>25/05/2018</a:t>
+              <a:t>28/05/2018</a:t>
             </a:fld>
             <a:endParaRPr lang="it-IT"/>
           </a:p>
@@ -10365,7 +10366,7 @@
           <a:p>
             <a:fld id="{D775947D-044B-614B-8E36-7404D1B77440}" type="datetimeFigureOut">
               <a:rPr lang="it-IT" smtClean="0"/>
-              <a:t>25/05/2018</a:t>
+              <a:t>28/05/2018</a:t>
             </a:fld>
             <a:endParaRPr lang="it-IT"/>
           </a:p>
@@ -15705,6 +15706,81 @@
       </p:grpSpPr>
       <p:sp>
         <p:nvSpPr>
+          <p:cNvPr id="4" name="Titolo 1"/>
+          <p:cNvSpPr txBox="1">
+            <a:spLocks/>
+          </p:cNvSpPr>
+          <p:nvPr/>
+        </p:nvSpPr>
+        <p:spPr>
+          <a:xfrm>
+            <a:off x="838198" y="91726"/>
+            <a:ext cx="10515600" cy="1325563"/>
+          </a:xfrm>
+          <a:prstGeom prst="rect">
+            <a:avLst/>
+          </a:prstGeom>
+        </p:spPr>
+        <p:txBody>
+          <a:bodyPr vert="horz" lIns="91440" tIns="45720" rIns="91440" bIns="45720" rtlCol="0" anchor="b">
+            <a:normAutofit/>
+          </a:bodyPr>
+          <a:lstStyle>
+            <a:lvl1pPr algn="ctr" defTabSz="914400" rtl="0" eaLnBrk="1" latinLnBrk="0" hangingPunct="1">
+              <a:lnSpc>
+                <a:spcPct val="90000"/>
+              </a:lnSpc>
+              <a:spcBef>
+                <a:spcPct val="0"/>
+              </a:spcBef>
+              <a:buNone/>
+              <a:defRPr sz="6000" kern="1200">
+                <a:solidFill>
+                  <a:schemeClr val="tx1"/>
+                </a:solidFill>
+                <a:latin typeface="+mj-lt"/>
+                <a:ea typeface="+mj-ea"/>
+                <a:cs typeface="+mj-cs"/>
+              </a:defRPr>
+            </a:lvl1pPr>
+          </a:lstStyle>
+          <a:p>
+            <a:pPr marL="0" marR="0" lvl="0" indent="0" algn="ctr" defTabSz="914400" rtl="0" eaLnBrk="1" fontAlgn="auto" latinLnBrk="0" hangingPunct="1">
+              <a:lnSpc>
+                <a:spcPct val="90000"/>
+              </a:lnSpc>
+              <a:spcBef>
+                <a:spcPct val="0"/>
+              </a:spcBef>
+              <a:spcAft>
+                <a:spcPts val="0"/>
+              </a:spcAft>
+              <a:buClrTx/>
+              <a:buSzTx/>
+              <a:buFontTx/>
+              <a:buNone/>
+              <a:tabLst/>
+              <a:defRPr/>
+            </a:pPr>
+            <a:endParaRPr kumimoji="0" lang="it-IT" sz="4000" b="0" i="0" u="none" strike="noStrike" kern="1200" cap="none" spc="0" normalizeH="0" baseline="0" noProof="0" dirty="0">
+              <a:ln>
+                <a:noFill/>
+              </a:ln>
+              <a:solidFill>
+                <a:prstClr val="black"/>
+              </a:solidFill>
+              <a:effectLst/>
+              <a:uLnTx/>
+              <a:uFillTx/>
+              <a:latin typeface="Bodoni MT" pitchFamily="18" charset="0"/>
+              <a:ea typeface="+mj-ea"/>
+              <a:cs typeface="+mj-cs"/>
+            </a:endParaRPr>
+          </a:p>
+        </p:txBody>
+      </p:sp>
+      <p:sp>
+        <p:nvSpPr>
           <p:cNvPr id="5" name="Segnaposto contenuto 2"/>
           <p:cNvSpPr txBox="1">
             <a:spLocks/>
@@ -15713,8 +15789,8 @@
         </p:nvSpPr>
         <p:spPr>
           <a:xfrm>
-            <a:off x="952499" y="1829483"/>
-            <a:ext cx="10515600" cy="4478552"/>
+            <a:off x="838200" y="2285999"/>
+            <a:ext cx="10515600" cy="3849903"/>
           </a:xfrm>
           <a:prstGeom prst="rect">
             <a:avLst/>
@@ -15889,191 +15965,554 @@
             </a:lvl9pPr>
           </a:lstStyle>
           <a:p>
-            <a:pPr marL="514350" indent="-514350" algn="l">
+            <a:pPr marL="514350" marR="0" lvl="0" indent="-514350" algn="l" defTabSz="914400" rtl="0" eaLnBrk="1" fontAlgn="auto" latinLnBrk="0" hangingPunct="1">
+              <a:lnSpc>
+                <a:spcPct val="90000"/>
+              </a:lnSpc>
+              <a:spcBef>
+                <a:spcPts val="1000"/>
+              </a:spcBef>
+              <a:spcAft>
+                <a:spcPts val="0"/>
+              </a:spcAft>
+              <a:buClrTx/>
+              <a:buSzTx/>
               <a:buFont typeface="+mj-lt"/>
               <a:buAutoNum type="arabicPeriod"/>
+              <a:tabLst/>
+              <a:defRPr/>
             </a:pPr>
             <a:r>
-              <a:rPr lang="it-IT" dirty="0">
-                <a:cs typeface="Times New Roman" panose="02020603050405020304" pitchFamily="18" charset="0"/>
+              <a:rPr kumimoji="0" lang="it-IT" sz="2400" b="0" i="0" u="none" strike="noStrike" kern="1200" cap="none" spc="0" normalizeH="0" baseline="0" noProof="0" dirty="0">
+                <a:ln>
+                  <a:noFill/>
+                </a:ln>
+                <a:solidFill>
+                  <a:prstClr val="black"/>
+                </a:solidFill>
+                <a:effectLst/>
+                <a:uLnTx/>
+                <a:uFillTx/>
+                <a:latin typeface="Calibri" panose="020F0502020204030204"/>
+                <a:ea typeface="+mn-ea"/>
+                <a:cs typeface="+mn-cs"/>
               </a:rPr>
-              <a:t>Definizione delle distribuzioni di </a:t>
-            </a:r>
-            <a:r>
-              <a:rPr lang="it-IT" dirty="0" err="1">
-                <a:cs typeface="Times New Roman" panose="02020603050405020304" pitchFamily="18" charset="0"/>
-              </a:rPr>
-              <a:t>severity</a:t>
-            </a:r>
-            <a:r>
-              <a:rPr lang="it-IT" dirty="0">
-                <a:cs typeface="Times New Roman" panose="02020603050405020304" pitchFamily="18" charset="0"/>
-              </a:rPr>
-              <a:t> e </a:t>
-            </a:r>
-            <a:r>
-              <a:rPr lang="it-IT" dirty="0" err="1">
-                <a:cs typeface="Times New Roman" panose="02020603050405020304" pitchFamily="18" charset="0"/>
-              </a:rPr>
-              <a:t>frequency</a:t>
-            </a:r>
-            <a:r>
-              <a:rPr lang="it-IT" dirty="0">
-                <a:cs typeface="Times New Roman" panose="02020603050405020304" pitchFamily="18" charset="0"/>
-              </a:rPr>
-              <a:t> ;</a:t>
-            </a:r>
-          </a:p>
-          <a:p>
-            <a:pPr marL="514350" indent="-514350" algn="l">
+              <a:t>Il rischio operativo a livello attuariale </a:t>
+            </a:r>
+          </a:p>
+          <a:p>
+            <a:pPr marL="514350" marR="0" lvl="0" indent="-514350" algn="l" defTabSz="914400" rtl="0" eaLnBrk="1" fontAlgn="auto" latinLnBrk="0" hangingPunct="1">
+              <a:lnSpc>
+                <a:spcPct val="90000"/>
+              </a:lnSpc>
+              <a:spcBef>
+                <a:spcPts val="1000"/>
+              </a:spcBef>
+              <a:spcAft>
+                <a:spcPts val="0"/>
+              </a:spcAft>
+              <a:buClrTx/>
+              <a:buSzTx/>
               <a:buFont typeface="+mj-lt"/>
               <a:buAutoNum type="arabicPeriod"/>
+              <a:tabLst/>
+              <a:defRPr/>
             </a:pPr>
             <a:r>
-              <a:rPr lang="it-IT" dirty="0">
-                <a:cs typeface="Times New Roman" panose="02020603050405020304" pitchFamily="18" charset="0"/>
+              <a:rPr kumimoji="0" lang="it-IT" sz="2400" b="0" i="0" u="none" strike="noStrike" kern="1200" cap="none" spc="0" normalizeH="0" baseline="0" noProof="0" dirty="0">
+                <a:ln>
+                  <a:noFill/>
+                </a:ln>
+                <a:solidFill>
+                  <a:prstClr val="black"/>
+                </a:solidFill>
+                <a:effectLst/>
+                <a:uLnTx/>
+                <a:uFillTx/>
+                <a:latin typeface="Calibri" panose="020F0502020204030204"/>
+                <a:ea typeface="+mn-ea"/>
+                <a:cs typeface="+mn-cs"/>
               </a:rPr>
-              <a:t>Generazione di un numero sufficiente di scenari di </a:t>
-            </a:r>
-            <a:r>
-              <a:rPr lang="it-IT" dirty="0" err="1">
-                <a:cs typeface="Times New Roman" panose="02020603050405020304" pitchFamily="18" charset="0"/>
+              <a:t>Il </a:t>
+            </a:r>
+            <a:r>
+              <a:rPr kumimoji="0" lang="it-IT" sz="2400" b="0" i="0" u="none" strike="noStrike" kern="1200" cap="none" spc="0" normalizeH="0" baseline="0" noProof="0" dirty="0" err="1">
+                <a:ln>
+                  <a:noFill/>
+                </a:ln>
+                <a:solidFill>
+                  <a:prstClr val="black"/>
+                </a:solidFill>
+                <a:effectLst/>
+                <a:uLnTx/>
+                <a:uFillTx/>
+                <a:latin typeface="Calibri" panose="020F0502020204030204"/>
+                <a:ea typeface="+mn-ea"/>
+                <a:cs typeface="+mn-cs"/>
               </a:rPr>
-              <a:t>frequency</a:t>
-            </a:r>
-            <a:r>
-              <a:rPr lang="it-IT" dirty="0">
-                <a:cs typeface="Times New Roman" panose="02020603050405020304" pitchFamily="18" charset="0"/>
+              <a:t>Loss</a:t>
+            </a:r>
+            <a:r>
+              <a:rPr kumimoji="0" lang="it-IT" sz="2400" b="0" i="0" u="none" strike="noStrike" kern="1200" cap="none" spc="0" normalizeH="0" baseline="0" noProof="0" dirty="0">
+                <a:ln>
+                  <a:noFill/>
+                </a:ln>
+                <a:solidFill>
+                  <a:prstClr val="black"/>
+                </a:solidFill>
+                <a:effectLst/>
+                <a:uLnTx/>
+                <a:uFillTx/>
+                <a:latin typeface="Calibri" panose="020F0502020204030204"/>
+                <a:ea typeface="+mn-ea"/>
+                <a:cs typeface="+mn-cs"/>
               </a:rPr>
-              <a:t> e </a:t>
-            </a:r>
-            <a:r>
-              <a:rPr lang="it-IT" dirty="0" err="1">
-                <a:cs typeface="Times New Roman" panose="02020603050405020304" pitchFamily="18" charset="0"/>
+              <a:t> Distribution </a:t>
+            </a:r>
+            <a:r>
+              <a:rPr kumimoji="0" lang="it-IT" sz="2400" b="0" i="0" u="none" strike="noStrike" kern="1200" cap="none" spc="0" normalizeH="0" baseline="0" noProof="0" dirty="0" err="1">
+                <a:ln>
+                  <a:noFill/>
+                </a:ln>
+                <a:solidFill>
+                  <a:prstClr val="black"/>
+                </a:solidFill>
+                <a:effectLst/>
+                <a:uLnTx/>
+                <a:uFillTx/>
+                <a:latin typeface="Calibri" panose="020F0502020204030204"/>
+                <a:ea typeface="+mn-ea"/>
+                <a:cs typeface="+mn-cs"/>
               </a:rPr>
-              <a:t>severity</a:t>
-            </a:r>
-            <a:r>
-              <a:rPr lang="it-IT" dirty="0">
-                <a:cs typeface="Times New Roman" panose="02020603050405020304" pitchFamily="18" charset="0"/>
+              <a:t>Approach</a:t>
+            </a:r>
+            <a:r>
+              <a:rPr kumimoji="0" lang="it-IT" sz="2400" b="0" i="0" u="none" strike="noStrike" kern="1200" cap="none" spc="0" normalizeH="0" baseline="0" noProof="0" dirty="0">
+                <a:ln>
+                  <a:noFill/>
+                </a:ln>
+                <a:solidFill>
+                  <a:prstClr val="black"/>
+                </a:solidFill>
+                <a:effectLst/>
+                <a:uLnTx/>
+                <a:uFillTx/>
+                <a:latin typeface="Calibri" panose="020F0502020204030204"/>
+                <a:ea typeface="+mn-ea"/>
+                <a:cs typeface="+mn-cs"/>
               </a:rPr>
-              <a:t>:</a:t>
-            </a:r>
-          </a:p>
-          <a:p>
-            <a:pPr marL="800100" lvl="1" indent="-342900" algn="l">
-              <a:buFont typeface="Arial" charset="0"/>
-              <a:buChar char="•"/>
-            </a:pPr>
-            <a:r>
-              <a:rPr lang="it-IT" sz="2400" dirty="0">
-                <a:cs typeface="Times New Roman" panose="02020603050405020304" pitchFamily="18" charset="0"/>
-              </a:rPr>
-              <a:t>si genera un certo numero casuale k estraendolo dalla distribuzione di </a:t>
-            </a:r>
-            <a:r>
-              <a:rPr lang="it-IT" sz="2400" dirty="0" err="1">
-                <a:cs typeface="Times New Roman" panose="02020603050405020304" pitchFamily="18" charset="0"/>
-              </a:rPr>
-              <a:t>frequency</a:t>
-            </a:r>
-            <a:r>
-              <a:rPr lang="it-IT" sz="2400" dirty="0">
-                <a:cs typeface="Times New Roman" panose="02020603050405020304" pitchFamily="18" charset="0"/>
-              </a:rPr>
-              <a:t>;</a:t>
-            </a:r>
-          </a:p>
-          <a:p>
-            <a:pPr marL="800100" lvl="1" indent="-342900" algn="l">
-              <a:buFont typeface="Arial" charset="0"/>
-              <a:buChar char="•"/>
-            </a:pPr>
-            <a:r>
-              <a:rPr lang="it-IT" sz="2400" dirty="0">
-                <a:cs typeface="Times New Roman" panose="02020603050405020304" pitchFamily="18" charset="0"/>
-              </a:rPr>
-              <a:t>si generano k variabili x</a:t>
-            </a:r>
-            <a:r>
-              <a:rPr lang="it-IT" sz="2400" baseline="-25000" dirty="0">
-                <a:cs typeface="Times New Roman" panose="02020603050405020304" pitchFamily="18" charset="0"/>
-              </a:rPr>
-              <a:t>i </a:t>
-            </a:r>
-            <a:r>
-              <a:rPr lang="it-IT" sz="2400" dirty="0">
-                <a:cs typeface="Times New Roman" panose="02020603050405020304" pitchFamily="18" charset="0"/>
-              </a:rPr>
-              <a:t>campionate dalla distribuzione di </a:t>
-            </a:r>
-            <a:r>
-              <a:rPr lang="it-IT" sz="2400" dirty="0" err="1">
-                <a:cs typeface="Times New Roman" panose="02020603050405020304" pitchFamily="18" charset="0"/>
-              </a:rPr>
-              <a:t>severity</a:t>
-            </a:r>
-            <a:r>
-              <a:rPr lang="it-IT" sz="2400" dirty="0">
-                <a:cs typeface="Times New Roman" panose="02020603050405020304" pitchFamily="18" charset="0"/>
-              </a:rPr>
-              <a:t>;</a:t>
-            </a:r>
-          </a:p>
-          <a:p>
-            <a:pPr marL="514350" indent="-514350" algn="l">
+              <a:t> (LDA)</a:t>
+            </a:r>
+          </a:p>
+          <a:p>
+            <a:pPr marL="514350" marR="0" lvl="0" indent="-514350" algn="l" defTabSz="914400" rtl="0" eaLnBrk="1" fontAlgn="auto" latinLnBrk="0" hangingPunct="1">
+              <a:lnSpc>
+                <a:spcPct val="90000"/>
+              </a:lnSpc>
+              <a:spcBef>
+                <a:spcPts val="1000"/>
+              </a:spcBef>
+              <a:spcAft>
+                <a:spcPts val="0"/>
+              </a:spcAft>
+              <a:buClrTx/>
+              <a:buSzTx/>
               <a:buFont typeface="+mj-lt"/>
               <a:buAutoNum type="arabicPeriod"/>
+              <a:tabLst/>
+              <a:defRPr/>
             </a:pPr>
             <a:r>
-              <a:rPr lang="it-IT" dirty="0">
-                <a:cs typeface="Times New Roman" panose="02020603050405020304" pitchFamily="18" charset="0"/>
+              <a:rPr kumimoji="0" lang="it-IT" sz="2400" i="0" u="none" strike="noStrike" kern="1200" cap="none" spc="0" normalizeH="0" baseline="0" noProof="0" dirty="0">
+                <a:ln>
+                  <a:noFill/>
+                </a:ln>
+                <a:effectLst/>
+                <a:uLnTx/>
+                <a:uFillTx/>
+                <a:latin typeface="Calibri" panose="020F0502020204030204"/>
+                <a:ea typeface="+mn-ea"/>
+                <a:cs typeface="+mn-cs"/>
               </a:rPr>
-              <a:t>Si sommano le k variabili xi individuate e si trova L (perdita operativa);</a:t>
-            </a:r>
-          </a:p>
-          <a:p>
-            <a:pPr marL="514350" indent="-514350" algn="l">
+              <a:t>Indicatori di rischio: VAR (</a:t>
+            </a:r>
+            <a:r>
+              <a:rPr kumimoji="0" lang="it-IT" sz="2400" i="1" u="none" strike="noStrike" kern="1200" cap="none" spc="0" normalizeH="0" baseline="0" noProof="0" dirty="0">
+                <a:ln>
+                  <a:noFill/>
+                </a:ln>
+                <a:effectLst/>
+                <a:uLnTx/>
+                <a:uFillTx/>
+                <a:latin typeface="Calibri" panose="020F0502020204030204"/>
+                <a:ea typeface="+mn-ea"/>
+                <a:cs typeface="+mn-cs"/>
+              </a:rPr>
+              <a:t>Value </a:t>
+            </a:r>
+            <a:r>
+              <a:rPr kumimoji="0" lang="it-IT" sz="2400" i="1" u="none" strike="noStrike" kern="1200" cap="none" spc="0" normalizeH="0" baseline="0" noProof="0" dirty="0" err="1">
+                <a:ln>
+                  <a:noFill/>
+                </a:ln>
+                <a:effectLst/>
+                <a:uLnTx/>
+                <a:uFillTx/>
+                <a:latin typeface="Calibri" panose="020F0502020204030204"/>
+                <a:ea typeface="+mn-ea"/>
+                <a:cs typeface="+mn-cs"/>
+              </a:rPr>
+              <a:t>at</a:t>
+            </a:r>
+            <a:r>
+              <a:rPr kumimoji="0" lang="it-IT" sz="2400" i="1" u="none" strike="noStrike" kern="1200" cap="none" spc="0" normalizeH="0" baseline="0" noProof="0" dirty="0">
+                <a:ln>
+                  <a:noFill/>
+                </a:ln>
+                <a:effectLst/>
+                <a:uLnTx/>
+                <a:uFillTx/>
+                <a:latin typeface="Calibri" panose="020F0502020204030204"/>
+                <a:ea typeface="+mn-ea"/>
+                <a:cs typeface="+mn-cs"/>
+              </a:rPr>
+              <a:t> </a:t>
+            </a:r>
+            <a:r>
+              <a:rPr kumimoji="0" lang="it-IT" sz="2400" i="1" u="none" strike="noStrike" kern="1200" cap="none" spc="0" normalizeH="0" baseline="0" noProof="0" dirty="0" err="1">
+                <a:ln>
+                  <a:noFill/>
+                </a:ln>
+                <a:effectLst/>
+                <a:uLnTx/>
+                <a:uFillTx/>
+                <a:latin typeface="Calibri" panose="020F0502020204030204"/>
+                <a:ea typeface="+mn-ea"/>
+                <a:cs typeface="+mn-cs"/>
+              </a:rPr>
+              <a:t>risk</a:t>
+            </a:r>
+            <a:r>
+              <a:rPr kumimoji="0" lang="it-IT" sz="2400" i="0" u="none" strike="noStrike" kern="1200" cap="none" spc="0" normalizeH="0" baseline="0" noProof="0" dirty="0">
+                <a:ln>
+                  <a:noFill/>
+                </a:ln>
+                <a:effectLst/>
+                <a:uLnTx/>
+                <a:uFillTx/>
+                <a:latin typeface="Calibri" panose="020F0502020204030204"/>
+                <a:ea typeface="+mn-ea"/>
+                <a:cs typeface="+mn-cs"/>
+              </a:rPr>
+              <a:t>) &amp; CAR (</a:t>
+            </a:r>
+            <a:r>
+              <a:rPr kumimoji="0" lang="it-IT" sz="2400" i="1" u="none" strike="noStrike" kern="1200" cap="none" spc="0" normalizeH="0" baseline="0" noProof="0" dirty="0">
+                <a:ln>
+                  <a:noFill/>
+                </a:ln>
+                <a:effectLst/>
+                <a:uLnTx/>
+                <a:uFillTx/>
+                <a:latin typeface="Calibri" panose="020F0502020204030204"/>
+                <a:ea typeface="+mn-ea"/>
+                <a:cs typeface="+mn-cs"/>
+              </a:rPr>
+              <a:t>Capital </a:t>
+            </a:r>
+            <a:r>
+              <a:rPr kumimoji="0" lang="it-IT" sz="2400" i="1" u="none" strike="noStrike" kern="1200" cap="none" spc="0" normalizeH="0" baseline="0" noProof="0" dirty="0" err="1">
+                <a:ln>
+                  <a:noFill/>
+                </a:ln>
+                <a:effectLst/>
+                <a:uLnTx/>
+                <a:uFillTx/>
+                <a:latin typeface="Calibri" panose="020F0502020204030204"/>
+                <a:ea typeface="+mn-ea"/>
+                <a:cs typeface="+mn-cs"/>
+              </a:rPr>
+              <a:t>at</a:t>
+            </a:r>
+            <a:r>
+              <a:rPr kumimoji="0" lang="it-IT" sz="2400" i="1" u="none" strike="noStrike" kern="1200" cap="none" spc="0" normalizeH="0" baseline="0" noProof="0" dirty="0">
+                <a:ln>
+                  <a:noFill/>
+                </a:ln>
+                <a:effectLst/>
+                <a:uLnTx/>
+                <a:uFillTx/>
+                <a:latin typeface="Calibri" panose="020F0502020204030204"/>
+                <a:ea typeface="+mn-ea"/>
+                <a:cs typeface="+mn-cs"/>
+              </a:rPr>
+              <a:t> </a:t>
+            </a:r>
+            <a:r>
+              <a:rPr kumimoji="0" lang="it-IT" sz="2400" i="1" u="none" strike="noStrike" kern="1200" cap="none" spc="0" normalizeH="0" baseline="0" noProof="0" dirty="0" err="1">
+                <a:ln>
+                  <a:noFill/>
+                </a:ln>
+                <a:effectLst/>
+                <a:uLnTx/>
+                <a:uFillTx/>
+                <a:latin typeface="Calibri" panose="020F0502020204030204"/>
+                <a:ea typeface="+mn-ea"/>
+                <a:cs typeface="+mn-cs"/>
+              </a:rPr>
+              <a:t>risk</a:t>
+            </a:r>
+            <a:r>
+              <a:rPr kumimoji="0" lang="it-IT" sz="2400" i="0" u="none" strike="noStrike" kern="1200" cap="none" spc="0" normalizeH="0" baseline="0" noProof="0" dirty="0">
+                <a:ln>
+                  <a:noFill/>
+                </a:ln>
+                <a:effectLst/>
+                <a:uLnTx/>
+                <a:uFillTx/>
+                <a:latin typeface="Calibri" panose="020F0502020204030204"/>
+                <a:ea typeface="+mn-ea"/>
+                <a:cs typeface="+mn-cs"/>
+              </a:rPr>
+              <a:t>)</a:t>
+            </a:r>
+          </a:p>
+          <a:p>
+            <a:pPr marL="514350" marR="0" lvl="0" indent="-514350" algn="l" defTabSz="914400" rtl="0" eaLnBrk="1" fontAlgn="auto" latinLnBrk="0" hangingPunct="1">
+              <a:lnSpc>
+                <a:spcPct val="90000"/>
+              </a:lnSpc>
+              <a:spcBef>
+                <a:spcPts val="1000"/>
+              </a:spcBef>
+              <a:spcAft>
+                <a:spcPts val="0"/>
+              </a:spcAft>
+              <a:buClrTx/>
+              <a:buSzTx/>
               <a:buFont typeface="+mj-lt"/>
               <a:buAutoNum type="arabicPeriod"/>
+              <a:tabLst/>
+              <a:defRPr/>
             </a:pPr>
             <a:r>
-              <a:rPr lang="it-IT" dirty="0">
-                <a:cs typeface="Times New Roman" panose="02020603050405020304" pitchFamily="18" charset="0"/>
+              <a:rPr kumimoji="0" lang="it-IT" sz="2400" b="1" i="0" u="none" strike="noStrike" kern="1200" cap="none" spc="0" normalizeH="0" baseline="0" noProof="0" dirty="0">
+                <a:ln>
+                  <a:noFill/>
+                </a:ln>
+                <a:solidFill>
+                  <a:srgbClr val="00B050"/>
+                </a:solidFill>
+                <a:effectLst/>
+                <a:uLnTx/>
+                <a:uFillTx/>
+                <a:latin typeface="Calibri" panose="020F0502020204030204"/>
+                <a:ea typeface="+mn-ea"/>
+                <a:cs typeface="+mn-cs"/>
               </a:rPr>
-              <a:t>Si ripete il processo per un numero sufficientemente grande di scenari e si studia la distribuzione delle perdite operative così ottenuta;</a:t>
-            </a:r>
-          </a:p>
-          <a:p>
-            <a:pPr marL="514350" indent="-514350" algn="l">
+              <a:t>Applicazioni: modellizzazione della perdita e simulazione monte </a:t>
+            </a:r>
+            <a:r>
+              <a:rPr kumimoji="0" lang="it-IT" sz="2400" b="1" i="0" u="none" strike="noStrike" kern="1200" cap="none" spc="0" normalizeH="0" baseline="0" noProof="0" dirty="0" err="1">
+                <a:ln>
+                  <a:noFill/>
+                </a:ln>
+                <a:solidFill>
+                  <a:srgbClr val="00B050"/>
+                </a:solidFill>
+                <a:effectLst/>
+                <a:uLnTx/>
+                <a:uFillTx/>
+                <a:latin typeface="Calibri" panose="020F0502020204030204"/>
+                <a:ea typeface="+mn-ea"/>
+                <a:cs typeface="+mn-cs"/>
+              </a:rPr>
+              <a:t>carlo</a:t>
+            </a:r>
+            <a:endParaRPr kumimoji="0" lang="it-IT" sz="2400" b="1" i="0" u="none" strike="noStrike" kern="1200" cap="none" spc="0" normalizeH="0" baseline="0" noProof="0" dirty="0">
+              <a:ln>
+                <a:noFill/>
+              </a:ln>
+              <a:solidFill>
+                <a:srgbClr val="00B050"/>
+              </a:solidFill>
+              <a:effectLst/>
+              <a:uLnTx/>
+              <a:uFillTx/>
+              <a:latin typeface="Calibri" panose="020F0502020204030204"/>
+              <a:ea typeface="+mn-ea"/>
+              <a:cs typeface="+mn-cs"/>
+            </a:endParaRPr>
+          </a:p>
+          <a:p>
+            <a:pPr marL="514350" marR="0" lvl="0" indent="-514350" algn="l" defTabSz="914400" rtl="0" eaLnBrk="1" fontAlgn="auto" latinLnBrk="0" hangingPunct="1">
+              <a:lnSpc>
+                <a:spcPct val="90000"/>
+              </a:lnSpc>
+              <a:spcBef>
+                <a:spcPts val="1000"/>
+              </a:spcBef>
+              <a:spcAft>
+                <a:spcPts val="0"/>
+              </a:spcAft>
+              <a:buClrTx/>
+              <a:buSzTx/>
               <a:buFont typeface="+mj-lt"/>
               <a:buAutoNum type="arabicPeriod"/>
+              <a:tabLst/>
+              <a:defRPr/>
             </a:pPr>
             <a:r>
-              <a:rPr lang="it-IT" dirty="0">
-                <a:cs typeface="Times New Roman" panose="02020603050405020304" pitchFamily="18" charset="0"/>
+              <a:rPr kumimoji="0" lang="it-IT" sz="2400" b="0" i="0" u="none" strike="noStrike" kern="1200" cap="none" spc="0" normalizeH="0" baseline="0" noProof="0" dirty="0">
+                <a:ln>
+                  <a:noFill/>
+                </a:ln>
+                <a:solidFill>
+                  <a:prstClr val="black"/>
+                </a:solidFill>
+                <a:effectLst/>
+                <a:uLnTx/>
+                <a:uFillTx/>
+                <a:latin typeface="Calibri" panose="020F0502020204030204"/>
+                <a:ea typeface="+mn-ea"/>
+                <a:cs typeface="+mn-cs"/>
               </a:rPr>
-              <a:t>Dalla distribuzione cumulativa empirica di L si individua il </a:t>
-            </a:r>
-            <a:r>
-              <a:rPr lang="it-IT" dirty="0" err="1">
-                <a:cs typeface="Times New Roman" panose="02020603050405020304" pitchFamily="18" charset="0"/>
-              </a:rPr>
-              <a:t>VaR</a:t>
-            </a:r>
-            <a:r>
-              <a:rPr lang="it-IT" dirty="0">
-                <a:cs typeface="Times New Roman" panose="02020603050405020304" pitchFamily="18" charset="0"/>
-              </a:rPr>
-              <a:t> come percentile al livello desiderato</a:t>
-            </a:r>
-          </a:p>
-          <a:p>
-            <a:pPr marL="514350" indent="-514350" algn="l">
+              <a:t>Confronto fra distribuzioni</a:t>
+            </a:r>
+          </a:p>
+          <a:p>
+            <a:pPr marL="514350" marR="0" lvl="0" indent="-514350" algn="l" defTabSz="914400" rtl="0" eaLnBrk="1" fontAlgn="auto" latinLnBrk="0" hangingPunct="1">
+              <a:lnSpc>
+                <a:spcPct val="90000"/>
+              </a:lnSpc>
+              <a:spcBef>
+                <a:spcPts val="1000"/>
+              </a:spcBef>
+              <a:spcAft>
+                <a:spcPts val="0"/>
+              </a:spcAft>
+              <a:buClrTx/>
+              <a:buSzTx/>
               <a:buFont typeface="+mj-lt"/>
               <a:buAutoNum type="arabicPeriod"/>
+              <a:tabLst/>
+              <a:defRPr/>
             </a:pPr>
-            <a:endParaRPr lang="it-IT" dirty="0"/>
+            <a:r>
+              <a:rPr kumimoji="0" lang="it-IT" sz="2400" b="0" i="0" u="none" strike="noStrike" kern="1200" cap="none" spc="0" normalizeH="0" baseline="0" noProof="0" dirty="0">
+                <a:ln>
+                  <a:noFill/>
+                </a:ln>
+                <a:solidFill>
+                  <a:prstClr val="black"/>
+                </a:solidFill>
+                <a:effectLst/>
+                <a:uLnTx/>
+                <a:uFillTx/>
+                <a:latin typeface="Calibri" panose="020F0502020204030204"/>
+                <a:ea typeface="+mn-ea"/>
+                <a:cs typeface="+mn-cs"/>
+              </a:rPr>
+              <a:t>Vantaggi e limiti del </a:t>
+            </a:r>
+            <a:r>
+              <a:rPr kumimoji="0" lang="it-IT" sz="2400" b="0" i="0" u="none" strike="noStrike" kern="1200" cap="none" spc="0" normalizeH="0" baseline="0" noProof="0" dirty="0" err="1">
+                <a:ln>
+                  <a:noFill/>
+                </a:ln>
+                <a:solidFill>
+                  <a:prstClr val="black"/>
+                </a:solidFill>
+                <a:effectLst/>
+                <a:uLnTx/>
+                <a:uFillTx/>
+                <a:latin typeface="Calibri" panose="020F0502020204030204"/>
+                <a:ea typeface="+mn-ea"/>
+                <a:cs typeface="+mn-cs"/>
+              </a:rPr>
+              <a:t>Loss</a:t>
+            </a:r>
+            <a:r>
+              <a:rPr kumimoji="0" lang="it-IT" sz="2400" b="0" i="0" u="none" strike="noStrike" kern="1200" cap="none" spc="0" normalizeH="0" baseline="0" noProof="0" dirty="0">
+                <a:ln>
+                  <a:noFill/>
+                </a:ln>
+                <a:solidFill>
+                  <a:prstClr val="black"/>
+                </a:solidFill>
+                <a:effectLst/>
+                <a:uLnTx/>
+                <a:uFillTx/>
+                <a:latin typeface="Calibri" panose="020F0502020204030204"/>
+                <a:ea typeface="+mn-ea"/>
+                <a:cs typeface="+mn-cs"/>
+              </a:rPr>
+              <a:t> Distribution </a:t>
+            </a:r>
+            <a:r>
+              <a:rPr kumimoji="0" lang="it-IT" sz="2400" b="0" i="0" u="none" strike="noStrike" kern="1200" cap="none" spc="0" normalizeH="0" baseline="0" noProof="0" dirty="0" err="1">
+                <a:ln>
+                  <a:noFill/>
+                </a:ln>
+                <a:solidFill>
+                  <a:prstClr val="black"/>
+                </a:solidFill>
+                <a:effectLst/>
+                <a:uLnTx/>
+                <a:uFillTx/>
+                <a:latin typeface="Calibri" panose="020F0502020204030204"/>
+                <a:ea typeface="+mn-ea"/>
+                <a:cs typeface="+mn-cs"/>
+              </a:rPr>
+              <a:t>Approach</a:t>
+            </a:r>
+            <a:endParaRPr kumimoji="0" lang="it-IT" sz="2400" b="0" i="0" u="none" strike="noStrike" kern="1200" cap="none" spc="0" normalizeH="0" baseline="0" noProof="0" dirty="0">
+              <a:ln>
+                <a:noFill/>
+              </a:ln>
+              <a:solidFill>
+                <a:prstClr val="black"/>
+              </a:solidFill>
+              <a:effectLst/>
+              <a:uLnTx/>
+              <a:uFillTx/>
+              <a:latin typeface="Calibri" panose="020F0502020204030204"/>
+              <a:ea typeface="+mn-ea"/>
+              <a:cs typeface="+mn-cs"/>
+            </a:endParaRPr>
+          </a:p>
+          <a:p>
+            <a:pPr marL="514350" marR="0" lvl="0" indent="-514350" algn="l" defTabSz="914400" rtl="0" eaLnBrk="1" fontAlgn="auto" latinLnBrk="0" hangingPunct="1">
+              <a:lnSpc>
+                <a:spcPct val="90000"/>
+              </a:lnSpc>
+              <a:spcBef>
+                <a:spcPts val="1000"/>
+              </a:spcBef>
+              <a:spcAft>
+                <a:spcPts val="0"/>
+              </a:spcAft>
+              <a:buClrTx/>
+              <a:buSzTx/>
+              <a:buFont typeface="+mj-lt"/>
+              <a:buAutoNum type="arabicPeriod"/>
+              <a:tabLst/>
+              <a:defRPr/>
+            </a:pPr>
+            <a:endParaRPr kumimoji="0" lang="it-IT" sz="2400" b="0" i="0" u="none" strike="noStrike" kern="1200" cap="none" spc="0" normalizeH="0" baseline="0" noProof="0" dirty="0">
+              <a:ln>
+                <a:noFill/>
+              </a:ln>
+              <a:solidFill>
+                <a:prstClr val="black"/>
+              </a:solidFill>
+              <a:effectLst/>
+              <a:uLnTx/>
+              <a:uFillTx/>
+              <a:latin typeface="Calibri" panose="020F0502020204030204"/>
+              <a:ea typeface="+mn-ea"/>
+              <a:cs typeface="+mn-cs"/>
+            </a:endParaRPr>
           </a:p>
         </p:txBody>
       </p:sp>
@@ -16099,9 +16538,38 @@
           </a:bodyPr>
           <a:lstStyle/>
           <a:p>
-            <a:pPr algn="ctr"/>
-            <a:r>
-              <a:rPr lang="it-IT" sz="1100" i="1" dirty="0"/>
+            <a:pPr marL="0" marR="0" lvl="0" indent="0" algn="ctr" defTabSz="914400" rtl="0" eaLnBrk="1" fontAlgn="auto" latinLnBrk="0" hangingPunct="1">
+              <a:lnSpc>
+                <a:spcPct val="100000"/>
+              </a:lnSpc>
+              <a:spcBef>
+                <a:spcPts val="0"/>
+              </a:spcBef>
+              <a:spcAft>
+                <a:spcPts val="0"/>
+              </a:spcAft>
+              <a:buClrTx/>
+              <a:buSzTx/>
+              <a:buFontTx/>
+              <a:buNone/>
+              <a:tabLst/>
+              <a:defRPr/>
+            </a:pPr>
+            <a:r>
+              <a:rPr kumimoji="0" lang="it-IT" sz="1100" b="0" i="1" u="none" strike="noStrike" kern="1200" cap="none" spc="0" normalizeH="0" baseline="0" noProof="0" dirty="0">
+                <a:ln>
+                  <a:noFill/>
+                </a:ln>
+                <a:solidFill>
+                  <a:prstClr val="black"/>
+                </a:solidFill>
+                <a:effectLst/>
+                <a:uLnTx/>
+                <a:uFillTx/>
+                <a:latin typeface="Calibri" panose="020F0502020204030204"/>
+                <a:ea typeface="+mn-ea"/>
+                <a:cs typeface="+mn-cs"/>
+              </a:rPr>
               <a:t>ERIK HOLLER  - ELIA SCARPARO- STEFANO ZAMPIERO</a:t>
             </a:r>
           </a:p>
@@ -16129,73 +16597,39 @@
           </a:bodyPr>
           <a:lstStyle/>
           <a:p>
-            <a:r>
-              <a:rPr lang="it-IT" sz="1400" i="1" dirty="0"/>
-              <a:t>LABORATORIO DI SIMULAZIONI FINANZIARIE A.A. 2017-2018</a:t>
-            </a:r>
-          </a:p>
-        </p:txBody>
-      </p:sp>
-      <p:sp>
-        <p:nvSpPr>
-          <p:cNvPr id="10" name="Titolo 1">
-            <a:extLst>
-              <a:ext uri="{FF2B5EF4-FFF2-40B4-BE49-F238E27FC236}">
-                <a16:creationId xmlns:a16="http://schemas.microsoft.com/office/drawing/2014/main" id="{667D2EFC-04B2-4A15-B3B1-B8C3D6F915C3}"/>
-              </a:ext>
-            </a:extLst>
-          </p:cNvPr>
-          <p:cNvSpPr txBox="1">
-            <a:spLocks/>
-          </p:cNvSpPr>
-          <p:nvPr/>
-        </p:nvSpPr>
-        <p:spPr>
-          <a:xfrm>
-            <a:off x="842961" y="419791"/>
-            <a:ext cx="10734675" cy="1325563"/>
-          </a:xfrm>
-          <a:prstGeom prst="rect">
-            <a:avLst/>
-          </a:prstGeom>
-        </p:spPr>
-        <p:txBody>
-          <a:bodyPr vert="horz" lIns="91440" tIns="45720" rIns="91440" bIns="45720" rtlCol="0" anchor="b">
-            <a:normAutofit fontScale="97500"/>
-          </a:bodyPr>
-          <a:lstStyle>
-            <a:lvl1pPr algn="ctr" defTabSz="914400" rtl="0" eaLnBrk="1" latinLnBrk="0" hangingPunct="1">
+            <a:pPr marL="0" marR="0" lvl="0" indent="0" algn="l" defTabSz="914400" rtl="0" eaLnBrk="1" fontAlgn="auto" latinLnBrk="0" hangingPunct="1">
               <a:lnSpc>
-                <a:spcPct val="90000"/>
+                <a:spcPct val="100000"/>
               </a:lnSpc>
               <a:spcBef>
-                <a:spcPct val="0"/>
+                <a:spcPts val="0"/>
               </a:spcBef>
-              <a:buNone/>
-              <a:defRPr sz="6000" kern="1200">
-                <a:solidFill>
-                  <a:schemeClr val="tx1"/>
-                </a:solidFill>
-                <a:latin typeface="+mj-lt"/>
-                <a:ea typeface="+mj-ea"/>
-                <a:cs typeface="+mj-cs"/>
-              </a:defRPr>
-            </a:lvl1pPr>
-          </a:lstStyle>
-          <a:p>
-            <a:r>
-              <a:rPr lang="it-IT" sz="4000" dirty="0">
-                <a:latin typeface="+mn-lt"/>
-                <a:cs typeface="Times New Roman" panose="02020603050405020304" pitchFamily="18" charset="0"/>
+              <a:spcAft>
+                <a:spcPts val="0"/>
+              </a:spcAft>
+              <a:buClrTx/>
+              <a:buSzTx/>
+              <a:buFontTx/>
+              <a:buNone/>
+              <a:tabLst/>
+              <a:defRPr/>
+            </a:pPr>
+            <a:r>
+              <a:rPr kumimoji="0" lang="it-IT" sz="1400" b="0" i="1" u="none" strike="noStrike" kern="1200" cap="none" spc="0" normalizeH="0" baseline="0" noProof="0" dirty="0">
+                <a:ln>
+                  <a:noFill/>
+                </a:ln>
+                <a:solidFill>
+                  <a:prstClr val="black"/>
+                </a:solidFill>
+                <a:effectLst/>
+                <a:uLnTx/>
+                <a:uFillTx/>
+                <a:latin typeface="Calibri" panose="020F0502020204030204"/>
+                <a:ea typeface="+mn-ea"/>
+                <a:cs typeface="+mn-cs"/>
               </a:rPr>
-              <a:t>Modellizzazione della perdita e simulazione </a:t>
-            </a:r>
-            <a:r>
-              <a:rPr lang="it-IT" sz="4000" b="1" dirty="0">
-                <a:latin typeface="+mn-lt"/>
-                <a:cs typeface="Times New Roman" panose="02020603050405020304" pitchFamily="18" charset="0"/>
-              </a:rPr>
-              <a:t>Monte Carlo</a:t>
+              <a:t>LABORATORIO DI SIMULAZIONI FINANZIARIE A.A. 2017-2018</a:t>
             </a:r>
           </a:p>
         </p:txBody>
@@ -16203,7 +16637,7 @@
     </p:spTree>
     <p:extLst>
       <p:ext uri="{BB962C8B-B14F-4D97-AF65-F5344CB8AC3E}">
-        <p14:creationId xmlns:p14="http://schemas.microsoft.com/office/powerpoint/2010/main" val="882985552"/>
+        <p14:creationId xmlns:p14="http://schemas.microsoft.com/office/powerpoint/2010/main" val="2844244389"/>
       </p:ext>
     </p:extLst>
   </p:cSld>
@@ -16698,7 +17132,7 @@
       </p:grpSpPr>
       <p:sp>
         <p:nvSpPr>
-          <p:cNvPr id="4" name="Titolo 1"/>
+          <p:cNvPr id="5" name="Segnaposto contenuto 2"/>
           <p:cNvSpPr txBox="1">
             <a:spLocks/>
           </p:cNvSpPr>
@@ -16706,40 +17140,367 @@
         </p:nvSpPr>
         <p:spPr>
           <a:xfrm>
-            <a:off x="838198" y="91726"/>
-            <a:ext cx="10515600" cy="1325563"/>
+            <a:off x="952499" y="1829483"/>
+            <a:ext cx="10515600" cy="4478552"/>
           </a:xfrm>
           <a:prstGeom prst="rect">
             <a:avLst/>
           </a:prstGeom>
         </p:spPr>
         <p:txBody>
-          <a:bodyPr vert="horz" lIns="91440" tIns="45720" rIns="91440" bIns="45720" rtlCol="0" anchor="b">
+          <a:bodyPr vert="horz" lIns="91440" tIns="45720" rIns="91440" bIns="45720" rtlCol="0">
             <a:normAutofit/>
           </a:bodyPr>
           <a:lstStyle>
-            <a:lvl1pPr algn="ctr" defTabSz="914400" rtl="0" eaLnBrk="1" latinLnBrk="0" hangingPunct="1">
+            <a:lvl1pPr marL="0" indent="0" algn="ctr" defTabSz="914400" rtl="0" eaLnBrk="1" latinLnBrk="0" hangingPunct="1">
               <a:lnSpc>
                 <a:spcPct val="90000"/>
               </a:lnSpc>
               <a:spcBef>
-                <a:spcPct val="0"/>
+                <a:spcPts val="1000"/>
               </a:spcBef>
-              <a:buNone/>
-              <a:defRPr sz="6000" kern="1200">
+              <a:buFont typeface="Arial" panose="020B0604020202020204" pitchFamily="34" charset="0"/>
+              <a:buNone/>
+              <a:defRPr sz="2400" kern="1200">
                 <a:solidFill>
                   <a:schemeClr val="tx1"/>
                 </a:solidFill>
-                <a:latin typeface="+mj-lt"/>
-                <a:ea typeface="+mj-ea"/>
-                <a:cs typeface="+mj-cs"/>
+                <a:latin typeface="+mn-lt"/>
+                <a:ea typeface="+mn-ea"/>
+                <a:cs typeface="+mn-cs"/>
               </a:defRPr>
             </a:lvl1pPr>
+            <a:lvl2pPr marL="457200" indent="0" algn="ctr" defTabSz="914400" rtl="0" eaLnBrk="1" latinLnBrk="0" hangingPunct="1">
+              <a:lnSpc>
+                <a:spcPct val="90000"/>
+              </a:lnSpc>
+              <a:spcBef>
+                <a:spcPts val="500"/>
+              </a:spcBef>
+              <a:buFont typeface="Arial" panose="020B0604020202020204" pitchFamily="34" charset="0"/>
+              <a:buNone/>
+              <a:defRPr sz="2000" kern="1200">
+                <a:solidFill>
+                  <a:schemeClr val="tx1"/>
+                </a:solidFill>
+                <a:latin typeface="+mn-lt"/>
+                <a:ea typeface="+mn-ea"/>
+                <a:cs typeface="+mn-cs"/>
+              </a:defRPr>
+            </a:lvl2pPr>
+            <a:lvl3pPr marL="914400" indent="0" algn="ctr" defTabSz="914400" rtl="0" eaLnBrk="1" latinLnBrk="0" hangingPunct="1">
+              <a:lnSpc>
+                <a:spcPct val="90000"/>
+              </a:lnSpc>
+              <a:spcBef>
+                <a:spcPts val="500"/>
+              </a:spcBef>
+              <a:buFont typeface="Arial" panose="020B0604020202020204" pitchFamily="34" charset="0"/>
+              <a:buNone/>
+              <a:defRPr sz="1800" kern="1200">
+                <a:solidFill>
+                  <a:schemeClr val="tx1"/>
+                </a:solidFill>
+                <a:latin typeface="+mn-lt"/>
+                <a:ea typeface="+mn-ea"/>
+                <a:cs typeface="+mn-cs"/>
+              </a:defRPr>
+            </a:lvl3pPr>
+            <a:lvl4pPr marL="1371600" indent="0" algn="ctr" defTabSz="914400" rtl="0" eaLnBrk="1" latinLnBrk="0" hangingPunct="1">
+              <a:lnSpc>
+                <a:spcPct val="90000"/>
+              </a:lnSpc>
+              <a:spcBef>
+                <a:spcPts val="500"/>
+              </a:spcBef>
+              <a:buFont typeface="Arial" panose="020B0604020202020204" pitchFamily="34" charset="0"/>
+              <a:buNone/>
+              <a:defRPr sz="1600" kern="1200">
+                <a:solidFill>
+                  <a:schemeClr val="tx1"/>
+                </a:solidFill>
+                <a:latin typeface="+mn-lt"/>
+                <a:ea typeface="+mn-ea"/>
+                <a:cs typeface="+mn-cs"/>
+              </a:defRPr>
+            </a:lvl4pPr>
+            <a:lvl5pPr marL="1828800" indent="0" algn="ctr" defTabSz="914400" rtl="0" eaLnBrk="1" latinLnBrk="0" hangingPunct="1">
+              <a:lnSpc>
+                <a:spcPct val="90000"/>
+              </a:lnSpc>
+              <a:spcBef>
+                <a:spcPts val="500"/>
+              </a:spcBef>
+              <a:buFont typeface="Arial" panose="020B0604020202020204" pitchFamily="34" charset="0"/>
+              <a:buNone/>
+              <a:defRPr sz="1600" kern="1200">
+                <a:solidFill>
+                  <a:schemeClr val="tx1"/>
+                </a:solidFill>
+                <a:latin typeface="+mn-lt"/>
+                <a:ea typeface="+mn-ea"/>
+                <a:cs typeface="+mn-cs"/>
+              </a:defRPr>
+            </a:lvl5pPr>
+            <a:lvl6pPr marL="2286000" indent="0" algn="ctr" defTabSz="914400" rtl="0" eaLnBrk="1" latinLnBrk="0" hangingPunct="1">
+              <a:lnSpc>
+                <a:spcPct val="90000"/>
+              </a:lnSpc>
+              <a:spcBef>
+                <a:spcPts val="500"/>
+              </a:spcBef>
+              <a:buFont typeface="Arial" panose="020B0604020202020204" pitchFamily="34" charset="0"/>
+              <a:buNone/>
+              <a:defRPr sz="1600" kern="1200">
+                <a:solidFill>
+                  <a:schemeClr val="tx1"/>
+                </a:solidFill>
+                <a:latin typeface="+mn-lt"/>
+                <a:ea typeface="+mn-ea"/>
+                <a:cs typeface="+mn-cs"/>
+              </a:defRPr>
+            </a:lvl6pPr>
+            <a:lvl7pPr marL="2743200" indent="0" algn="ctr" defTabSz="914400" rtl="0" eaLnBrk="1" latinLnBrk="0" hangingPunct="1">
+              <a:lnSpc>
+                <a:spcPct val="90000"/>
+              </a:lnSpc>
+              <a:spcBef>
+                <a:spcPts val="500"/>
+              </a:spcBef>
+              <a:buFont typeface="Arial" panose="020B0604020202020204" pitchFamily="34" charset="0"/>
+              <a:buNone/>
+              <a:defRPr sz="1600" kern="1200">
+                <a:solidFill>
+                  <a:schemeClr val="tx1"/>
+                </a:solidFill>
+                <a:latin typeface="+mn-lt"/>
+                <a:ea typeface="+mn-ea"/>
+                <a:cs typeface="+mn-cs"/>
+              </a:defRPr>
+            </a:lvl7pPr>
+            <a:lvl8pPr marL="3200400" indent="0" algn="ctr" defTabSz="914400" rtl="0" eaLnBrk="1" latinLnBrk="0" hangingPunct="1">
+              <a:lnSpc>
+                <a:spcPct val="90000"/>
+              </a:lnSpc>
+              <a:spcBef>
+                <a:spcPts val="500"/>
+              </a:spcBef>
+              <a:buFont typeface="Arial" panose="020B0604020202020204" pitchFamily="34" charset="0"/>
+              <a:buNone/>
+              <a:defRPr sz="1600" kern="1200">
+                <a:solidFill>
+                  <a:schemeClr val="tx1"/>
+                </a:solidFill>
+                <a:latin typeface="+mn-lt"/>
+                <a:ea typeface="+mn-ea"/>
+                <a:cs typeface="+mn-cs"/>
+              </a:defRPr>
+            </a:lvl8pPr>
+            <a:lvl9pPr marL="3657600" indent="0" algn="ctr" defTabSz="914400" rtl="0" eaLnBrk="1" latinLnBrk="0" hangingPunct="1">
+              <a:lnSpc>
+                <a:spcPct val="90000"/>
+              </a:lnSpc>
+              <a:spcBef>
+                <a:spcPts val="500"/>
+              </a:spcBef>
+              <a:buFont typeface="Arial" panose="020B0604020202020204" pitchFamily="34" charset="0"/>
+              <a:buNone/>
+              <a:defRPr sz="1600" kern="1200">
+                <a:solidFill>
+                  <a:schemeClr val="tx1"/>
+                </a:solidFill>
+                <a:latin typeface="+mn-lt"/>
+                <a:ea typeface="+mn-ea"/>
+                <a:cs typeface="+mn-cs"/>
+              </a:defRPr>
+            </a:lvl9pPr>
           </a:lstStyle>
           <a:p>
-            <a:endParaRPr lang="it-IT" sz="4000" dirty="0">
-              <a:latin typeface="Bodoni MT" pitchFamily="18" charset="0"/>
-            </a:endParaRPr>
+            <a:pPr marL="514350" indent="-514350" algn="l">
+              <a:buFont typeface="+mj-lt"/>
+              <a:buAutoNum type="arabicPeriod"/>
+            </a:pPr>
+            <a:r>
+              <a:rPr lang="it-IT" dirty="0">
+                <a:cs typeface="Times New Roman" panose="02020603050405020304" pitchFamily="18" charset="0"/>
+              </a:rPr>
+              <a:t>Definizione delle distribuzioni di </a:t>
+            </a:r>
+            <a:r>
+              <a:rPr lang="it-IT" dirty="0" err="1">
+                <a:cs typeface="Times New Roman" panose="02020603050405020304" pitchFamily="18" charset="0"/>
+              </a:rPr>
+              <a:t>severity</a:t>
+            </a:r>
+            <a:r>
+              <a:rPr lang="it-IT" dirty="0">
+                <a:cs typeface="Times New Roman" panose="02020603050405020304" pitchFamily="18" charset="0"/>
+              </a:rPr>
+              <a:t> e </a:t>
+            </a:r>
+            <a:r>
+              <a:rPr lang="it-IT" dirty="0" err="1">
+                <a:cs typeface="Times New Roman" panose="02020603050405020304" pitchFamily="18" charset="0"/>
+              </a:rPr>
+              <a:t>frequency</a:t>
+            </a:r>
+            <a:r>
+              <a:rPr lang="it-IT" dirty="0">
+                <a:cs typeface="Times New Roman" panose="02020603050405020304" pitchFamily="18" charset="0"/>
+              </a:rPr>
+              <a:t> ;</a:t>
+            </a:r>
+          </a:p>
+          <a:p>
+            <a:pPr marL="514350" indent="-514350" algn="l">
+              <a:buFont typeface="+mj-lt"/>
+              <a:buAutoNum type="arabicPeriod"/>
+            </a:pPr>
+            <a:r>
+              <a:rPr lang="it-IT" dirty="0">
+                <a:cs typeface="Times New Roman" panose="02020603050405020304" pitchFamily="18" charset="0"/>
+              </a:rPr>
+              <a:t>Generazione di un numero sufficiente di scenari di </a:t>
+            </a:r>
+            <a:r>
+              <a:rPr lang="it-IT" dirty="0" err="1">
+                <a:cs typeface="Times New Roman" panose="02020603050405020304" pitchFamily="18" charset="0"/>
+              </a:rPr>
+              <a:t>frequency</a:t>
+            </a:r>
+            <a:r>
+              <a:rPr lang="it-IT" dirty="0">
+                <a:cs typeface="Times New Roman" panose="02020603050405020304" pitchFamily="18" charset="0"/>
+              </a:rPr>
+              <a:t> e </a:t>
+            </a:r>
+            <a:r>
+              <a:rPr lang="it-IT" dirty="0" err="1">
+                <a:cs typeface="Times New Roman" panose="02020603050405020304" pitchFamily="18" charset="0"/>
+              </a:rPr>
+              <a:t>severity</a:t>
+            </a:r>
+            <a:r>
+              <a:rPr lang="it-IT" dirty="0">
+                <a:cs typeface="Times New Roman" panose="02020603050405020304" pitchFamily="18" charset="0"/>
+              </a:rPr>
+              <a:t>:</a:t>
+            </a:r>
+          </a:p>
+          <a:p>
+            <a:pPr marL="800100" lvl="1" indent="-342900" algn="l">
+              <a:buFont typeface="Arial" charset="0"/>
+              <a:buChar char="•"/>
+            </a:pPr>
+            <a:r>
+              <a:rPr lang="it-IT" sz="2400" dirty="0">
+                <a:cs typeface="Times New Roman" panose="02020603050405020304" pitchFamily="18" charset="0"/>
+              </a:rPr>
+              <a:t>si genera un certo numero casuale k estraendolo dalla distribuzione di </a:t>
+            </a:r>
+            <a:r>
+              <a:rPr lang="it-IT" sz="2400" dirty="0" err="1">
+                <a:cs typeface="Times New Roman" panose="02020603050405020304" pitchFamily="18" charset="0"/>
+              </a:rPr>
+              <a:t>frequency</a:t>
+            </a:r>
+            <a:r>
+              <a:rPr lang="it-IT" sz="2400" dirty="0">
+                <a:cs typeface="Times New Roman" panose="02020603050405020304" pitchFamily="18" charset="0"/>
+              </a:rPr>
+              <a:t>;</a:t>
+            </a:r>
+          </a:p>
+          <a:p>
+            <a:pPr marL="800100" lvl="1" indent="-342900" algn="l">
+              <a:buFont typeface="Arial" charset="0"/>
+              <a:buChar char="•"/>
+            </a:pPr>
+            <a:r>
+              <a:rPr lang="it-IT" sz="2400" dirty="0">
+                <a:cs typeface="Times New Roman" panose="02020603050405020304" pitchFamily="18" charset="0"/>
+              </a:rPr>
+              <a:t>si generano k variabili x</a:t>
+            </a:r>
+            <a:r>
+              <a:rPr lang="it-IT" sz="2400" baseline="-25000" dirty="0">
+                <a:cs typeface="Times New Roman" panose="02020603050405020304" pitchFamily="18" charset="0"/>
+              </a:rPr>
+              <a:t>i </a:t>
+            </a:r>
+            <a:r>
+              <a:rPr lang="it-IT" sz="2400" dirty="0">
+                <a:cs typeface="Times New Roman" panose="02020603050405020304" pitchFamily="18" charset="0"/>
+              </a:rPr>
+              <a:t>campionate dalla distribuzione di </a:t>
+            </a:r>
+            <a:r>
+              <a:rPr lang="it-IT" sz="2400" dirty="0" err="1">
+                <a:cs typeface="Times New Roman" panose="02020603050405020304" pitchFamily="18" charset="0"/>
+              </a:rPr>
+              <a:t>severity</a:t>
+            </a:r>
+            <a:r>
+              <a:rPr lang="it-IT" sz="2400" dirty="0">
+                <a:cs typeface="Times New Roman" panose="02020603050405020304" pitchFamily="18" charset="0"/>
+              </a:rPr>
+              <a:t>;</a:t>
+            </a:r>
+          </a:p>
+          <a:p>
+            <a:pPr marL="514350" indent="-514350" algn="l">
+              <a:buFont typeface="+mj-lt"/>
+              <a:buAutoNum type="arabicPeriod"/>
+            </a:pPr>
+            <a:r>
+              <a:rPr lang="it-IT" dirty="0">
+                <a:cs typeface="Times New Roman" panose="02020603050405020304" pitchFamily="18" charset="0"/>
+              </a:rPr>
+              <a:t>Si sommano le k variabili xi individuate e si trova L (perdita operativa);</a:t>
+            </a:r>
+          </a:p>
+          <a:p>
+            <a:pPr marL="514350" indent="-514350" algn="l">
+              <a:buFont typeface="+mj-lt"/>
+              <a:buAutoNum type="arabicPeriod"/>
+            </a:pPr>
+            <a:r>
+              <a:rPr lang="it-IT" dirty="0">
+                <a:cs typeface="Times New Roman" panose="02020603050405020304" pitchFamily="18" charset="0"/>
+              </a:rPr>
+              <a:t>Si ripete il processo per un numero sufficientemente grande di scenari e si studia la distribuzione delle perdite operative così ottenuta;</a:t>
+            </a:r>
+          </a:p>
+          <a:p>
+            <a:pPr marL="514350" indent="-514350" algn="l">
+              <a:buFont typeface="+mj-lt"/>
+              <a:buAutoNum type="arabicPeriod"/>
+            </a:pPr>
+            <a:r>
+              <a:rPr lang="it-IT" dirty="0">
+                <a:cs typeface="Times New Roman" panose="02020603050405020304" pitchFamily="18" charset="0"/>
+              </a:rPr>
+              <a:t>Dalla distribuzione cumulativa empirica di L si individua il </a:t>
+            </a:r>
+            <a:r>
+              <a:rPr lang="it-IT" dirty="0" err="1">
+                <a:cs typeface="Times New Roman" panose="02020603050405020304" pitchFamily="18" charset="0"/>
+              </a:rPr>
+              <a:t>VaR</a:t>
+            </a:r>
+            <a:r>
+              <a:rPr lang="it-IT" dirty="0">
+                <a:cs typeface="Times New Roman" panose="02020603050405020304" pitchFamily="18" charset="0"/>
+              </a:rPr>
+              <a:t> come percentile al livello desiderato</a:t>
+            </a:r>
+          </a:p>
+          <a:p>
+            <a:pPr marL="514350" indent="-514350" algn="l">
+              <a:buFont typeface="+mj-lt"/>
+              <a:buAutoNum type="arabicPeriod"/>
+            </a:pPr>
+            <a:endParaRPr lang="it-IT" dirty="0"/>
           </a:p>
         </p:txBody>
       </p:sp>
@@ -16804,10 +17565,10 @@
       </p:sp>
       <p:sp>
         <p:nvSpPr>
-          <p:cNvPr id="6" name="Segnaposto contenuto 2">
+          <p:cNvPr id="10" name="Titolo 1">
             <a:extLst>
               <a:ext uri="{FF2B5EF4-FFF2-40B4-BE49-F238E27FC236}">
-                <a16:creationId xmlns:a16="http://schemas.microsoft.com/office/drawing/2014/main" id="{3E1B8146-377A-4E32-B838-476B02B1AB2C}"/>
+                <a16:creationId xmlns:a16="http://schemas.microsoft.com/office/drawing/2014/main" id="{667D2EFC-04B2-4A15-B3B1-B8C3D6F915C3}"/>
               </a:ext>
             </a:extLst>
           </p:cNvPr>
@@ -16818,300 +17579,16 @@
         </p:nvSpPr>
         <p:spPr>
           <a:xfrm>
-            <a:off x="685800" y="2084440"/>
-            <a:ext cx="11128484" cy="4454012"/>
+            <a:off x="842961" y="419791"/>
+            <a:ext cx="10734675" cy="1325563"/>
           </a:xfrm>
           <a:prstGeom prst="rect">
             <a:avLst/>
           </a:prstGeom>
         </p:spPr>
         <p:txBody>
-          <a:bodyPr vert="horz" lIns="91440" tIns="45720" rIns="91440" bIns="45720" rtlCol="0">
-            <a:normAutofit/>
-          </a:bodyPr>
-          <a:lstStyle>
-            <a:lvl1pPr marL="0" indent="0" algn="ctr" defTabSz="914400" rtl="0" eaLnBrk="1" latinLnBrk="0" hangingPunct="1">
-              <a:lnSpc>
-                <a:spcPct val="90000"/>
-              </a:lnSpc>
-              <a:spcBef>
-                <a:spcPts val="1000"/>
-              </a:spcBef>
-              <a:buFont typeface="Arial"/>
-              <a:buNone/>
-              <a:defRPr sz="2400" kern="1200">
-                <a:solidFill>
-                  <a:schemeClr val="tx1"/>
-                </a:solidFill>
-                <a:latin typeface="+mn-lt"/>
-                <a:ea typeface="+mn-ea"/>
-                <a:cs typeface="+mn-cs"/>
-              </a:defRPr>
-            </a:lvl1pPr>
-            <a:lvl2pPr marL="457200" indent="0" algn="ctr" defTabSz="914400" rtl="0" eaLnBrk="1" latinLnBrk="0" hangingPunct="1">
-              <a:lnSpc>
-                <a:spcPct val="90000"/>
-              </a:lnSpc>
-              <a:spcBef>
-                <a:spcPts val="500"/>
-              </a:spcBef>
-              <a:buFont typeface="Arial"/>
-              <a:buNone/>
-              <a:defRPr sz="2000" kern="1200">
-                <a:solidFill>
-                  <a:schemeClr val="tx1"/>
-                </a:solidFill>
-                <a:latin typeface="+mn-lt"/>
-                <a:ea typeface="+mn-ea"/>
-                <a:cs typeface="+mn-cs"/>
-              </a:defRPr>
-            </a:lvl2pPr>
-            <a:lvl3pPr marL="914400" indent="0" algn="ctr" defTabSz="914400" rtl="0" eaLnBrk="1" latinLnBrk="0" hangingPunct="1">
-              <a:lnSpc>
-                <a:spcPct val="90000"/>
-              </a:lnSpc>
-              <a:spcBef>
-                <a:spcPts val="500"/>
-              </a:spcBef>
-              <a:buFont typeface="Arial"/>
-              <a:buNone/>
-              <a:defRPr sz="1800" kern="1200">
-                <a:solidFill>
-                  <a:schemeClr val="tx1"/>
-                </a:solidFill>
-                <a:latin typeface="+mn-lt"/>
-                <a:ea typeface="+mn-ea"/>
-                <a:cs typeface="+mn-cs"/>
-              </a:defRPr>
-            </a:lvl3pPr>
-            <a:lvl4pPr marL="1371600" indent="0" algn="ctr" defTabSz="914400" rtl="0" eaLnBrk="1" latinLnBrk="0" hangingPunct="1">
-              <a:lnSpc>
-                <a:spcPct val="90000"/>
-              </a:lnSpc>
-              <a:spcBef>
-                <a:spcPts val="500"/>
-              </a:spcBef>
-              <a:buFont typeface="Arial"/>
-              <a:buNone/>
-              <a:defRPr sz="1600" kern="1200">
-                <a:solidFill>
-                  <a:schemeClr val="tx1"/>
-                </a:solidFill>
-                <a:latin typeface="+mn-lt"/>
-                <a:ea typeface="+mn-ea"/>
-                <a:cs typeface="+mn-cs"/>
-              </a:defRPr>
-            </a:lvl4pPr>
-            <a:lvl5pPr marL="1828800" indent="0" algn="ctr" defTabSz="914400" rtl="0" eaLnBrk="1" latinLnBrk="0" hangingPunct="1">
-              <a:lnSpc>
-                <a:spcPct val="90000"/>
-              </a:lnSpc>
-              <a:spcBef>
-                <a:spcPts val="500"/>
-              </a:spcBef>
-              <a:buFont typeface="Arial"/>
-              <a:buNone/>
-              <a:defRPr sz="1600" kern="1200">
-                <a:solidFill>
-                  <a:schemeClr val="tx1"/>
-                </a:solidFill>
-                <a:latin typeface="+mn-lt"/>
-                <a:ea typeface="+mn-ea"/>
-                <a:cs typeface="+mn-cs"/>
-              </a:defRPr>
-            </a:lvl5pPr>
-            <a:lvl6pPr marL="2286000" indent="0" algn="ctr" defTabSz="914400" rtl="0" eaLnBrk="1" latinLnBrk="0" hangingPunct="1">
-              <a:lnSpc>
-                <a:spcPct val="90000"/>
-              </a:lnSpc>
-              <a:spcBef>
-                <a:spcPts val="500"/>
-              </a:spcBef>
-              <a:buFont typeface="Arial"/>
-              <a:buNone/>
-              <a:defRPr sz="1600" kern="1200">
-                <a:solidFill>
-                  <a:schemeClr val="tx1"/>
-                </a:solidFill>
-                <a:latin typeface="+mn-lt"/>
-                <a:ea typeface="+mn-ea"/>
-                <a:cs typeface="+mn-cs"/>
-              </a:defRPr>
-            </a:lvl6pPr>
-            <a:lvl7pPr marL="2743200" indent="0" algn="ctr" defTabSz="914400" rtl="0" eaLnBrk="1" latinLnBrk="0" hangingPunct="1">
-              <a:lnSpc>
-                <a:spcPct val="90000"/>
-              </a:lnSpc>
-              <a:spcBef>
-                <a:spcPts val="500"/>
-              </a:spcBef>
-              <a:buFont typeface="Arial"/>
-              <a:buNone/>
-              <a:defRPr sz="1600" kern="1200">
-                <a:solidFill>
-                  <a:schemeClr val="tx1"/>
-                </a:solidFill>
-                <a:latin typeface="+mn-lt"/>
-                <a:ea typeface="+mn-ea"/>
-                <a:cs typeface="+mn-cs"/>
-              </a:defRPr>
-            </a:lvl7pPr>
-            <a:lvl8pPr marL="3200400" indent="0" algn="ctr" defTabSz="914400" rtl="0" eaLnBrk="1" latinLnBrk="0" hangingPunct="1">
-              <a:lnSpc>
-                <a:spcPct val="90000"/>
-              </a:lnSpc>
-              <a:spcBef>
-                <a:spcPts val="500"/>
-              </a:spcBef>
-              <a:buFont typeface="Arial"/>
-              <a:buNone/>
-              <a:defRPr sz="1600" kern="1200">
-                <a:solidFill>
-                  <a:schemeClr val="tx1"/>
-                </a:solidFill>
-                <a:latin typeface="+mn-lt"/>
-                <a:ea typeface="+mn-ea"/>
-                <a:cs typeface="+mn-cs"/>
-              </a:defRPr>
-            </a:lvl8pPr>
-            <a:lvl9pPr marL="3657600" indent="0" algn="ctr" defTabSz="914400" rtl="0" eaLnBrk="1" latinLnBrk="0" hangingPunct="1">
-              <a:lnSpc>
-                <a:spcPct val="90000"/>
-              </a:lnSpc>
-              <a:spcBef>
-                <a:spcPts val="500"/>
-              </a:spcBef>
-              <a:buFont typeface="Arial"/>
-              <a:buNone/>
-              <a:defRPr sz="1600" kern="1200">
-                <a:solidFill>
-                  <a:schemeClr val="tx1"/>
-                </a:solidFill>
-                <a:latin typeface="+mn-lt"/>
-                <a:ea typeface="+mn-ea"/>
-                <a:cs typeface="+mn-cs"/>
-              </a:defRPr>
-            </a:lvl9pPr>
-          </a:lstStyle>
-          <a:p>
-            <a:pPr algn="l"/>
-            <a:r>
-              <a:rPr lang="it-IT" dirty="0">
-                <a:cs typeface="Times New Roman" panose="02020603050405020304" pitchFamily="18" charset="0"/>
-              </a:rPr>
-              <a:t>Quanto fatto fin qui poggia sulle seguenti assunzioni:</a:t>
-            </a:r>
-          </a:p>
-          <a:p>
-            <a:pPr marL="457200" indent="-457200" algn="l">
-              <a:buFont typeface="Arial" charset="0"/>
-              <a:buChar char="•"/>
-            </a:pPr>
-            <a:endParaRPr lang="it-IT" dirty="0">
-              <a:cs typeface="Times New Roman" panose="02020603050405020304" pitchFamily="18" charset="0"/>
-            </a:endParaRPr>
-          </a:p>
-          <a:p>
-            <a:pPr marL="457200" indent="-457200" algn="l">
-              <a:buFont typeface="Arial" charset="0"/>
-              <a:buChar char="•"/>
-            </a:pPr>
-            <a:r>
-              <a:rPr lang="it-IT" dirty="0">
-                <a:cs typeface="Times New Roman" panose="02020603050405020304" pitchFamily="18" charset="0"/>
-              </a:rPr>
-              <a:t>eventi di perdita sono reciprocamente indipendenti tra i diversi </a:t>
-            </a:r>
-            <a:r>
-              <a:rPr lang="it-IT" dirty="0" err="1">
-                <a:cs typeface="Times New Roman" panose="02020603050405020304" pitchFamily="18" charset="0"/>
-              </a:rPr>
-              <a:t>sottointervalli</a:t>
-            </a:r>
-            <a:r>
-              <a:rPr lang="it-IT" dirty="0">
-                <a:cs typeface="Times New Roman" panose="02020603050405020304" pitchFamily="18" charset="0"/>
-              </a:rPr>
-              <a:t> temporali;</a:t>
-            </a:r>
-          </a:p>
-          <a:p>
-            <a:pPr marL="457200" indent="-457200" algn="l">
-              <a:buFont typeface="Arial" charset="0"/>
-              <a:buChar char="•"/>
-            </a:pPr>
-            <a:r>
-              <a:rPr lang="it-IT" dirty="0">
-                <a:cs typeface="Times New Roman" panose="02020603050405020304" pitchFamily="18" charset="0"/>
-              </a:rPr>
-              <a:t>il costo di ogni “incidente” sia identicamente distribuito;</a:t>
-            </a:r>
-          </a:p>
-          <a:p>
-            <a:pPr marL="457200" indent="-457200" algn="l">
-              <a:buFont typeface="Arial" charset="0"/>
-              <a:buChar char="•"/>
-            </a:pPr>
-            <a:r>
-              <a:rPr lang="it-IT" dirty="0">
-                <a:cs typeface="Times New Roman" panose="02020603050405020304" pitchFamily="18" charset="0"/>
-              </a:rPr>
-              <a:t>la distribuzione di </a:t>
-            </a:r>
-            <a:r>
-              <a:rPr lang="it-IT" dirty="0" err="1">
-                <a:cs typeface="Times New Roman" panose="02020603050405020304" pitchFamily="18" charset="0"/>
-              </a:rPr>
-              <a:t>frequency</a:t>
-            </a:r>
-            <a:r>
-              <a:rPr lang="it-IT" dirty="0">
-                <a:cs typeface="Times New Roman" panose="02020603050405020304" pitchFamily="18" charset="0"/>
-              </a:rPr>
-              <a:t> e quella di </a:t>
-            </a:r>
-            <a:r>
-              <a:rPr lang="it-IT" dirty="0" err="1">
-                <a:cs typeface="Times New Roman" panose="02020603050405020304" pitchFamily="18" charset="0"/>
-              </a:rPr>
-              <a:t>severity</a:t>
-            </a:r>
-            <a:r>
-              <a:rPr lang="it-IT" dirty="0">
-                <a:cs typeface="Times New Roman" panose="02020603050405020304" pitchFamily="18" charset="0"/>
-              </a:rPr>
-              <a:t> siano indipendenti. </a:t>
-            </a:r>
-          </a:p>
-        </p:txBody>
-      </p:sp>
-      <p:sp>
-        <p:nvSpPr>
-          <p:cNvPr id="10" name="Titolo 1">
-            <a:extLst>
-              <a:ext uri="{FF2B5EF4-FFF2-40B4-BE49-F238E27FC236}">
-                <a16:creationId xmlns:a16="http://schemas.microsoft.com/office/drawing/2014/main" id="{679BE2B4-5311-41F8-91D1-B43FBD555747}"/>
-              </a:ext>
-            </a:extLst>
-          </p:cNvPr>
-          <p:cNvSpPr txBox="1">
-            <a:spLocks/>
-          </p:cNvSpPr>
-          <p:nvPr/>
-        </p:nvSpPr>
-        <p:spPr>
-          <a:xfrm>
-            <a:off x="2215374" y="167258"/>
-            <a:ext cx="7761248" cy="1188720"/>
-          </a:xfrm>
-          <a:prstGeom prst="rect">
-            <a:avLst/>
-          </a:prstGeom>
-          <a:noFill/>
-        </p:spPr>
-        <p:txBody>
           <a:bodyPr vert="horz" lIns="91440" tIns="45720" rIns="91440" bIns="45720" rtlCol="0" anchor="b">
-            <a:normAutofit/>
+            <a:normAutofit fontScale="97500"/>
           </a:bodyPr>
           <a:lstStyle>
             <a:lvl1pPr algn="ctr" defTabSz="914400" rtl="0" eaLnBrk="1" latinLnBrk="0" hangingPunct="1">
@@ -17138,7 +17615,14 @@
                 <a:latin typeface="+mn-lt"/>
                 <a:cs typeface="Times New Roman" panose="02020603050405020304" pitchFamily="18" charset="0"/>
               </a:rPr>
-              <a:t>Ipotesi formulate</a:t>
+              <a:t>Modellizzazione della perdita e simulazione </a:t>
+            </a:r>
+            <a:r>
+              <a:rPr lang="it-IT" sz="4000" b="1" dirty="0">
+                <a:latin typeface="+mn-lt"/>
+                <a:cs typeface="Times New Roman" panose="02020603050405020304" pitchFamily="18" charset="0"/>
+              </a:rPr>
+              <a:t>Monte Carlo</a:t>
             </a:r>
           </a:p>
         </p:txBody>
@@ -17146,7 +17630,7 @@
     </p:spTree>
     <p:extLst>
       <p:ext uri="{BB962C8B-B14F-4D97-AF65-F5344CB8AC3E}">
-        <p14:creationId xmlns:p14="http://schemas.microsoft.com/office/powerpoint/2010/main" val="558745453"/>
+        <p14:creationId xmlns:p14="http://schemas.microsoft.com/office/powerpoint/2010/main" val="882985552"/>
       </p:ext>
     </p:extLst>
   </p:cSld>
@@ -17281,7 +17765,290 @@
       </p:sp>
       <p:sp>
         <p:nvSpPr>
-          <p:cNvPr id="6" name="Titolo 1">
+          <p:cNvPr id="6" name="Segnaposto contenuto 2">
+            <a:extLst>
+              <a:ext uri="{FF2B5EF4-FFF2-40B4-BE49-F238E27FC236}">
+                <a16:creationId xmlns:a16="http://schemas.microsoft.com/office/drawing/2014/main" id="{3E1B8146-377A-4E32-B838-476B02B1AB2C}"/>
+              </a:ext>
+            </a:extLst>
+          </p:cNvPr>
+          <p:cNvSpPr txBox="1">
+            <a:spLocks/>
+          </p:cNvSpPr>
+          <p:nvPr/>
+        </p:nvSpPr>
+        <p:spPr>
+          <a:xfrm>
+            <a:off x="685800" y="2084440"/>
+            <a:ext cx="11128484" cy="4454012"/>
+          </a:xfrm>
+          <a:prstGeom prst="rect">
+            <a:avLst/>
+          </a:prstGeom>
+        </p:spPr>
+        <p:txBody>
+          <a:bodyPr vert="horz" lIns="91440" tIns="45720" rIns="91440" bIns="45720" rtlCol="0">
+            <a:normAutofit/>
+          </a:bodyPr>
+          <a:lstStyle>
+            <a:lvl1pPr marL="0" indent="0" algn="ctr" defTabSz="914400" rtl="0" eaLnBrk="1" latinLnBrk="0" hangingPunct="1">
+              <a:lnSpc>
+                <a:spcPct val="90000"/>
+              </a:lnSpc>
+              <a:spcBef>
+                <a:spcPts val="1000"/>
+              </a:spcBef>
+              <a:buFont typeface="Arial"/>
+              <a:buNone/>
+              <a:defRPr sz="2400" kern="1200">
+                <a:solidFill>
+                  <a:schemeClr val="tx1"/>
+                </a:solidFill>
+                <a:latin typeface="+mn-lt"/>
+                <a:ea typeface="+mn-ea"/>
+                <a:cs typeface="+mn-cs"/>
+              </a:defRPr>
+            </a:lvl1pPr>
+            <a:lvl2pPr marL="457200" indent="0" algn="ctr" defTabSz="914400" rtl="0" eaLnBrk="1" latinLnBrk="0" hangingPunct="1">
+              <a:lnSpc>
+                <a:spcPct val="90000"/>
+              </a:lnSpc>
+              <a:spcBef>
+                <a:spcPts val="500"/>
+              </a:spcBef>
+              <a:buFont typeface="Arial"/>
+              <a:buNone/>
+              <a:defRPr sz="2000" kern="1200">
+                <a:solidFill>
+                  <a:schemeClr val="tx1"/>
+                </a:solidFill>
+                <a:latin typeface="+mn-lt"/>
+                <a:ea typeface="+mn-ea"/>
+                <a:cs typeface="+mn-cs"/>
+              </a:defRPr>
+            </a:lvl2pPr>
+            <a:lvl3pPr marL="914400" indent="0" algn="ctr" defTabSz="914400" rtl="0" eaLnBrk="1" latinLnBrk="0" hangingPunct="1">
+              <a:lnSpc>
+                <a:spcPct val="90000"/>
+              </a:lnSpc>
+              <a:spcBef>
+                <a:spcPts val="500"/>
+              </a:spcBef>
+              <a:buFont typeface="Arial"/>
+              <a:buNone/>
+              <a:defRPr sz="1800" kern="1200">
+                <a:solidFill>
+                  <a:schemeClr val="tx1"/>
+                </a:solidFill>
+                <a:latin typeface="+mn-lt"/>
+                <a:ea typeface="+mn-ea"/>
+                <a:cs typeface="+mn-cs"/>
+              </a:defRPr>
+            </a:lvl3pPr>
+            <a:lvl4pPr marL="1371600" indent="0" algn="ctr" defTabSz="914400" rtl="0" eaLnBrk="1" latinLnBrk="0" hangingPunct="1">
+              <a:lnSpc>
+                <a:spcPct val="90000"/>
+              </a:lnSpc>
+              <a:spcBef>
+                <a:spcPts val="500"/>
+              </a:spcBef>
+              <a:buFont typeface="Arial"/>
+              <a:buNone/>
+              <a:defRPr sz="1600" kern="1200">
+                <a:solidFill>
+                  <a:schemeClr val="tx1"/>
+                </a:solidFill>
+                <a:latin typeface="+mn-lt"/>
+                <a:ea typeface="+mn-ea"/>
+                <a:cs typeface="+mn-cs"/>
+              </a:defRPr>
+            </a:lvl4pPr>
+            <a:lvl5pPr marL="1828800" indent="0" algn="ctr" defTabSz="914400" rtl="0" eaLnBrk="1" latinLnBrk="0" hangingPunct="1">
+              <a:lnSpc>
+                <a:spcPct val="90000"/>
+              </a:lnSpc>
+              <a:spcBef>
+                <a:spcPts val="500"/>
+              </a:spcBef>
+              <a:buFont typeface="Arial"/>
+              <a:buNone/>
+              <a:defRPr sz="1600" kern="1200">
+                <a:solidFill>
+                  <a:schemeClr val="tx1"/>
+                </a:solidFill>
+                <a:latin typeface="+mn-lt"/>
+                <a:ea typeface="+mn-ea"/>
+                <a:cs typeface="+mn-cs"/>
+              </a:defRPr>
+            </a:lvl5pPr>
+            <a:lvl6pPr marL="2286000" indent="0" algn="ctr" defTabSz="914400" rtl="0" eaLnBrk="1" latinLnBrk="0" hangingPunct="1">
+              <a:lnSpc>
+                <a:spcPct val="90000"/>
+              </a:lnSpc>
+              <a:spcBef>
+                <a:spcPts val="500"/>
+              </a:spcBef>
+              <a:buFont typeface="Arial"/>
+              <a:buNone/>
+              <a:defRPr sz="1600" kern="1200">
+                <a:solidFill>
+                  <a:schemeClr val="tx1"/>
+                </a:solidFill>
+                <a:latin typeface="+mn-lt"/>
+                <a:ea typeface="+mn-ea"/>
+                <a:cs typeface="+mn-cs"/>
+              </a:defRPr>
+            </a:lvl6pPr>
+            <a:lvl7pPr marL="2743200" indent="0" algn="ctr" defTabSz="914400" rtl="0" eaLnBrk="1" latinLnBrk="0" hangingPunct="1">
+              <a:lnSpc>
+                <a:spcPct val="90000"/>
+              </a:lnSpc>
+              <a:spcBef>
+                <a:spcPts val="500"/>
+              </a:spcBef>
+              <a:buFont typeface="Arial"/>
+              <a:buNone/>
+              <a:defRPr sz="1600" kern="1200">
+                <a:solidFill>
+                  <a:schemeClr val="tx1"/>
+                </a:solidFill>
+                <a:latin typeface="+mn-lt"/>
+                <a:ea typeface="+mn-ea"/>
+                <a:cs typeface="+mn-cs"/>
+              </a:defRPr>
+            </a:lvl7pPr>
+            <a:lvl8pPr marL="3200400" indent="0" algn="ctr" defTabSz="914400" rtl="0" eaLnBrk="1" latinLnBrk="0" hangingPunct="1">
+              <a:lnSpc>
+                <a:spcPct val="90000"/>
+              </a:lnSpc>
+              <a:spcBef>
+                <a:spcPts val="500"/>
+              </a:spcBef>
+              <a:buFont typeface="Arial"/>
+              <a:buNone/>
+              <a:defRPr sz="1600" kern="1200">
+                <a:solidFill>
+                  <a:schemeClr val="tx1"/>
+                </a:solidFill>
+                <a:latin typeface="+mn-lt"/>
+                <a:ea typeface="+mn-ea"/>
+                <a:cs typeface="+mn-cs"/>
+              </a:defRPr>
+            </a:lvl8pPr>
+            <a:lvl9pPr marL="3657600" indent="0" algn="ctr" defTabSz="914400" rtl="0" eaLnBrk="1" latinLnBrk="0" hangingPunct="1">
+              <a:lnSpc>
+                <a:spcPct val="90000"/>
+              </a:lnSpc>
+              <a:spcBef>
+                <a:spcPts val="500"/>
+              </a:spcBef>
+              <a:buFont typeface="Arial"/>
+              <a:buNone/>
+              <a:defRPr sz="1600" kern="1200">
+                <a:solidFill>
+                  <a:schemeClr val="tx1"/>
+                </a:solidFill>
+                <a:latin typeface="+mn-lt"/>
+                <a:ea typeface="+mn-ea"/>
+                <a:cs typeface="+mn-cs"/>
+              </a:defRPr>
+            </a:lvl9pPr>
+          </a:lstStyle>
+          <a:p>
+            <a:pPr algn="l"/>
+            <a:r>
+              <a:rPr lang="it-IT" dirty="0">
+                <a:cs typeface="Times New Roman" panose="02020603050405020304" pitchFamily="18" charset="0"/>
+              </a:rPr>
+              <a:t>Quanto fatto fin qui poggia sulle seguenti assunzioni:</a:t>
+            </a:r>
+          </a:p>
+          <a:p>
+            <a:pPr marL="457200" indent="-457200" algn="l">
+              <a:buFont typeface="Arial" charset="0"/>
+              <a:buChar char="•"/>
+            </a:pPr>
+            <a:endParaRPr lang="it-IT" dirty="0">
+              <a:cs typeface="Times New Roman" panose="02020603050405020304" pitchFamily="18" charset="0"/>
+            </a:endParaRPr>
+          </a:p>
+          <a:p>
+            <a:pPr marL="457200" indent="-457200" algn="l">
+              <a:buFont typeface="Arial" charset="0"/>
+              <a:buChar char="•"/>
+            </a:pPr>
+            <a:r>
+              <a:rPr lang="it-IT" dirty="0">
+                <a:cs typeface="Times New Roman" panose="02020603050405020304" pitchFamily="18" charset="0"/>
+              </a:rPr>
+              <a:t>eventi di perdita sono reciprocamente indipendenti tra i diversi </a:t>
+            </a:r>
+            <a:r>
+              <a:rPr lang="it-IT" dirty="0" err="1">
+                <a:cs typeface="Times New Roman" panose="02020603050405020304" pitchFamily="18" charset="0"/>
+              </a:rPr>
+              <a:t>sottointervalli</a:t>
+            </a:r>
+            <a:r>
+              <a:rPr lang="it-IT" dirty="0">
+                <a:cs typeface="Times New Roman" panose="02020603050405020304" pitchFamily="18" charset="0"/>
+              </a:rPr>
+              <a:t> temporali;</a:t>
+            </a:r>
+          </a:p>
+          <a:p>
+            <a:pPr marL="457200" indent="-457200" algn="l">
+              <a:buFont typeface="Arial" charset="0"/>
+              <a:buChar char="•"/>
+            </a:pPr>
+            <a:r>
+              <a:rPr lang="it-IT" dirty="0">
+                <a:cs typeface="Times New Roman" panose="02020603050405020304" pitchFamily="18" charset="0"/>
+              </a:rPr>
+              <a:t>il costo di ogni “incidente” sia identicamente distribuito;</a:t>
+            </a:r>
+          </a:p>
+          <a:p>
+            <a:pPr marL="457200" indent="-457200" algn="l">
+              <a:buFont typeface="Arial" charset="0"/>
+              <a:buChar char="•"/>
+            </a:pPr>
+            <a:r>
+              <a:rPr lang="it-IT" dirty="0">
+                <a:cs typeface="Times New Roman" panose="02020603050405020304" pitchFamily="18" charset="0"/>
+              </a:rPr>
+              <a:t>la distribuzione di </a:t>
+            </a:r>
+            <a:r>
+              <a:rPr lang="it-IT" dirty="0" err="1">
+                <a:cs typeface="Times New Roman" panose="02020603050405020304" pitchFamily="18" charset="0"/>
+              </a:rPr>
+              <a:t>frequency</a:t>
+            </a:r>
+            <a:r>
+              <a:rPr lang="it-IT" dirty="0">
+                <a:cs typeface="Times New Roman" panose="02020603050405020304" pitchFamily="18" charset="0"/>
+              </a:rPr>
+              <a:t> e quella di </a:t>
+            </a:r>
+            <a:r>
+              <a:rPr lang="it-IT" dirty="0" err="1">
+                <a:cs typeface="Times New Roman" panose="02020603050405020304" pitchFamily="18" charset="0"/>
+              </a:rPr>
+              <a:t>severity</a:t>
+            </a:r>
+            <a:r>
+              <a:rPr lang="it-IT" dirty="0">
+                <a:cs typeface="Times New Roman" panose="02020603050405020304" pitchFamily="18" charset="0"/>
+              </a:rPr>
+              <a:t> siano indipendenti. </a:t>
+            </a:r>
+          </a:p>
+        </p:txBody>
+      </p:sp>
+      <p:sp>
+        <p:nvSpPr>
+          <p:cNvPr id="10" name="Titolo 1">
             <a:extLst>
               <a:ext uri="{FF2B5EF4-FFF2-40B4-BE49-F238E27FC236}">
                 <a16:creationId xmlns:a16="http://schemas.microsoft.com/office/drawing/2014/main" id="{679BE2B4-5311-41F8-91D1-B43FBD555747}"/>
@@ -17295,8 +18062,8 @@
         </p:nvSpPr>
         <p:spPr>
           <a:xfrm>
-            <a:off x="0" y="492582"/>
-            <a:ext cx="12192000" cy="1188720"/>
+            <a:off x="2215374" y="167258"/>
+            <a:ext cx="7761248" cy="1188720"/>
           </a:xfrm>
           <a:prstGeom prst="rect">
             <a:avLst/>
@@ -17332,272 +18099,15 @@
                 <a:latin typeface="+mn-lt"/>
                 <a:cs typeface="Times New Roman" panose="02020603050405020304" pitchFamily="18" charset="0"/>
               </a:rPr>
-              <a:t>Aggregazione delle classi di rischio</a:t>
-            </a:r>
-          </a:p>
-          <a:p>
-            <a:r>
-              <a:rPr lang="it-IT" sz="4000" dirty="0">
-                <a:latin typeface="+mn-lt"/>
-                <a:cs typeface="Times New Roman" panose="02020603050405020304" pitchFamily="18" charset="0"/>
-              </a:rPr>
-              <a:t> </a:t>
-            </a:r>
-            <a:r>
-              <a:rPr lang="it-IT" sz="4000" dirty="0" err="1">
-                <a:latin typeface="+mn-lt"/>
-                <a:cs typeface="Times New Roman" panose="02020603050405020304" pitchFamily="18" charset="0"/>
-              </a:rPr>
-              <a:t>CaR</a:t>
-            </a:r>
-            <a:r>
-              <a:rPr lang="it-IT" sz="4000" dirty="0">
-                <a:latin typeface="+mn-lt"/>
-                <a:cs typeface="Times New Roman" panose="02020603050405020304" pitchFamily="18" charset="0"/>
-              </a:rPr>
-              <a:t> e </a:t>
-            </a:r>
-            <a:r>
-              <a:rPr lang="it-IT" sz="4000" dirty="0" err="1">
-                <a:latin typeface="+mn-lt"/>
-                <a:cs typeface="Times New Roman" panose="02020603050405020304" pitchFamily="18" charset="0"/>
-              </a:rPr>
-              <a:t>VaR</a:t>
-            </a:r>
-            <a:r>
-              <a:rPr lang="it-IT" sz="4000" dirty="0">
-                <a:latin typeface="+mn-lt"/>
-                <a:cs typeface="Times New Roman" panose="02020603050405020304" pitchFamily="18" charset="0"/>
-              </a:rPr>
-              <a:t> aggregato</a:t>
-            </a:r>
-          </a:p>
-        </p:txBody>
-      </p:sp>
-      <p:sp>
-        <p:nvSpPr>
-          <p:cNvPr id="10" name="Segnaposto contenuto 2">
-            <a:extLst>
-              <a:ext uri="{FF2B5EF4-FFF2-40B4-BE49-F238E27FC236}">
-                <a16:creationId xmlns:a16="http://schemas.microsoft.com/office/drawing/2014/main" id="{3E1B8146-377A-4E32-B838-476B02B1AB2C}"/>
-              </a:ext>
-            </a:extLst>
-          </p:cNvPr>
-          <p:cNvSpPr txBox="1">
-            <a:spLocks/>
-          </p:cNvSpPr>
-          <p:nvPr/>
-        </p:nvSpPr>
-        <p:spPr>
-          <a:xfrm>
-            <a:off x="838198" y="2777167"/>
-            <a:ext cx="10976086" cy="2542978"/>
-          </a:xfrm>
-          <a:prstGeom prst="rect">
-            <a:avLst/>
-          </a:prstGeom>
-        </p:spPr>
-        <p:txBody>
-          <a:bodyPr vert="horz" lIns="91440" tIns="45720" rIns="91440" bIns="45720" rtlCol="0">
-            <a:normAutofit/>
-          </a:bodyPr>
-          <a:lstStyle>
-            <a:lvl1pPr marL="0" indent="0" algn="ctr" defTabSz="914400" rtl="0" eaLnBrk="1" latinLnBrk="0" hangingPunct="1">
-              <a:lnSpc>
-                <a:spcPct val="90000"/>
-              </a:lnSpc>
-              <a:spcBef>
-                <a:spcPts val="1000"/>
-              </a:spcBef>
-              <a:buFont typeface="Arial"/>
-              <a:buNone/>
-              <a:defRPr sz="2400" kern="1200">
-                <a:solidFill>
-                  <a:schemeClr val="tx1"/>
-                </a:solidFill>
-                <a:latin typeface="+mn-lt"/>
-                <a:ea typeface="+mn-ea"/>
-                <a:cs typeface="+mn-cs"/>
-              </a:defRPr>
-            </a:lvl1pPr>
-            <a:lvl2pPr marL="457200" indent="0" algn="ctr" defTabSz="914400" rtl="0" eaLnBrk="1" latinLnBrk="0" hangingPunct="1">
-              <a:lnSpc>
-                <a:spcPct val="90000"/>
-              </a:lnSpc>
-              <a:spcBef>
-                <a:spcPts val="500"/>
-              </a:spcBef>
-              <a:buFont typeface="Arial"/>
-              <a:buNone/>
-              <a:defRPr sz="2000" kern="1200">
-                <a:solidFill>
-                  <a:schemeClr val="tx1"/>
-                </a:solidFill>
-                <a:latin typeface="+mn-lt"/>
-                <a:ea typeface="+mn-ea"/>
-                <a:cs typeface="+mn-cs"/>
-              </a:defRPr>
-            </a:lvl2pPr>
-            <a:lvl3pPr marL="914400" indent="0" algn="ctr" defTabSz="914400" rtl="0" eaLnBrk="1" latinLnBrk="0" hangingPunct="1">
-              <a:lnSpc>
-                <a:spcPct val="90000"/>
-              </a:lnSpc>
-              <a:spcBef>
-                <a:spcPts val="500"/>
-              </a:spcBef>
-              <a:buFont typeface="Arial"/>
-              <a:buNone/>
-              <a:defRPr sz="1800" kern="1200">
-                <a:solidFill>
-                  <a:schemeClr val="tx1"/>
-                </a:solidFill>
-                <a:latin typeface="+mn-lt"/>
-                <a:ea typeface="+mn-ea"/>
-                <a:cs typeface="+mn-cs"/>
-              </a:defRPr>
-            </a:lvl3pPr>
-            <a:lvl4pPr marL="1371600" indent="0" algn="ctr" defTabSz="914400" rtl="0" eaLnBrk="1" latinLnBrk="0" hangingPunct="1">
-              <a:lnSpc>
-                <a:spcPct val="90000"/>
-              </a:lnSpc>
-              <a:spcBef>
-                <a:spcPts val="500"/>
-              </a:spcBef>
-              <a:buFont typeface="Arial"/>
-              <a:buNone/>
-              <a:defRPr sz="1600" kern="1200">
-                <a:solidFill>
-                  <a:schemeClr val="tx1"/>
-                </a:solidFill>
-                <a:latin typeface="+mn-lt"/>
-                <a:ea typeface="+mn-ea"/>
-                <a:cs typeface="+mn-cs"/>
-              </a:defRPr>
-            </a:lvl4pPr>
-            <a:lvl5pPr marL="1828800" indent="0" algn="ctr" defTabSz="914400" rtl="0" eaLnBrk="1" latinLnBrk="0" hangingPunct="1">
-              <a:lnSpc>
-                <a:spcPct val="90000"/>
-              </a:lnSpc>
-              <a:spcBef>
-                <a:spcPts val="500"/>
-              </a:spcBef>
-              <a:buFont typeface="Arial"/>
-              <a:buNone/>
-              <a:defRPr sz="1600" kern="1200">
-                <a:solidFill>
-                  <a:schemeClr val="tx1"/>
-                </a:solidFill>
-                <a:latin typeface="+mn-lt"/>
-                <a:ea typeface="+mn-ea"/>
-                <a:cs typeface="+mn-cs"/>
-              </a:defRPr>
-            </a:lvl5pPr>
-            <a:lvl6pPr marL="2286000" indent="0" algn="ctr" defTabSz="914400" rtl="0" eaLnBrk="1" latinLnBrk="0" hangingPunct="1">
-              <a:lnSpc>
-                <a:spcPct val="90000"/>
-              </a:lnSpc>
-              <a:spcBef>
-                <a:spcPts val="500"/>
-              </a:spcBef>
-              <a:buFont typeface="Arial"/>
-              <a:buNone/>
-              <a:defRPr sz="1600" kern="1200">
-                <a:solidFill>
-                  <a:schemeClr val="tx1"/>
-                </a:solidFill>
-                <a:latin typeface="+mn-lt"/>
-                <a:ea typeface="+mn-ea"/>
-                <a:cs typeface="+mn-cs"/>
-              </a:defRPr>
-            </a:lvl6pPr>
-            <a:lvl7pPr marL="2743200" indent="0" algn="ctr" defTabSz="914400" rtl="0" eaLnBrk="1" latinLnBrk="0" hangingPunct="1">
-              <a:lnSpc>
-                <a:spcPct val="90000"/>
-              </a:lnSpc>
-              <a:spcBef>
-                <a:spcPts val="500"/>
-              </a:spcBef>
-              <a:buFont typeface="Arial"/>
-              <a:buNone/>
-              <a:defRPr sz="1600" kern="1200">
-                <a:solidFill>
-                  <a:schemeClr val="tx1"/>
-                </a:solidFill>
-                <a:latin typeface="+mn-lt"/>
-                <a:ea typeface="+mn-ea"/>
-                <a:cs typeface="+mn-cs"/>
-              </a:defRPr>
-            </a:lvl7pPr>
-            <a:lvl8pPr marL="3200400" indent="0" algn="ctr" defTabSz="914400" rtl="0" eaLnBrk="1" latinLnBrk="0" hangingPunct="1">
-              <a:lnSpc>
-                <a:spcPct val="90000"/>
-              </a:lnSpc>
-              <a:spcBef>
-                <a:spcPts val="500"/>
-              </a:spcBef>
-              <a:buFont typeface="Arial"/>
-              <a:buNone/>
-              <a:defRPr sz="1600" kern="1200">
-                <a:solidFill>
-                  <a:schemeClr val="tx1"/>
-                </a:solidFill>
-                <a:latin typeface="+mn-lt"/>
-                <a:ea typeface="+mn-ea"/>
-                <a:cs typeface="+mn-cs"/>
-              </a:defRPr>
-            </a:lvl8pPr>
-            <a:lvl9pPr marL="3657600" indent="0" algn="ctr" defTabSz="914400" rtl="0" eaLnBrk="1" latinLnBrk="0" hangingPunct="1">
-              <a:lnSpc>
-                <a:spcPct val="90000"/>
-              </a:lnSpc>
-              <a:spcBef>
-                <a:spcPts val="500"/>
-              </a:spcBef>
-              <a:buFont typeface="Arial"/>
-              <a:buNone/>
-              <a:defRPr sz="1600" kern="1200">
-                <a:solidFill>
-                  <a:schemeClr val="tx1"/>
-                </a:solidFill>
-                <a:latin typeface="+mn-lt"/>
-                <a:ea typeface="+mn-ea"/>
-                <a:cs typeface="+mn-cs"/>
-              </a:defRPr>
-            </a:lvl9pPr>
-          </a:lstStyle>
-          <a:p>
-            <a:pPr marL="457200" indent="-457200" algn="l">
-              <a:lnSpc>
-                <a:spcPct val="100000"/>
-              </a:lnSpc>
-              <a:buFont typeface="Arial" charset="0"/>
-              <a:buChar char="•"/>
-            </a:pPr>
-            <a:r>
-              <a:rPr lang="it-IT" dirty="0">
-                <a:cs typeface="Times New Roman" panose="02020603050405020304" pitchFamily="18" charset="0"/>
-              </a:rPr>
-              <a:t>Il calcolo del requisito patrimoniale complessivo a fronte del rischio operativo può essere effettuato sommando i requisiti patrimoniali determinati per ciascuna Business Line e tipologia di evento ipotizzando tra loro indipendenza.</a:t>
-            </a:r>
-          </a:p>
-          <a:p>
-            <a:pPr algn="l"/>
-            <a:endParaRPr lang="it-IT" dirty="0">
-              <a:cs typeface="Times New Roman" panose="02020603050405020304" pitchFamily="18" charset="0"/>
-            </a:endParaRPr>
-          </a:p>
-          <a:p>
-            <a:pPr algn="l"/>
-            <a:endParaRPr lang="it-IT" dirty="0">
-              <a:cs typeface="Times New Roman" panose="02020603050405020304" pitchFamily="18" charset="0"/>
-            </a:endParaRPr>
+              <a:t>Ipotesi formulate</a:t>
+            </a:r>
           </a:p>
         </p:txBody>
       </p:sp>
     </p:spTree>
     <p:extLst>
       <p:ext uri="{BB962C8B-B14F-4D97-AF65-F5344CB8AC3E}">
-        <p14:creationId xmlns:p14="http://schemas.microsoft.com/office/powerpoint/2010/main" val="488224962"/>
+        <p14:creationId xmlns:p14="http://schemas.microsoft.com/office/powerpoint/2010/main" val="558745453"/>
       </p:ext>
     </p:extLst>
   </p:cSld>
@@ -17608,267 +18118,6 @@
 </file>
 
 <file path=ppt/slides/slide22.xml><?xml version="1.0" encoding="utf-8"?>
-<p:sld xmlns:a="http://schemas.openxmlformats.org/drawingml/2006/main" xmlns:r="http://schemas.openxmlformats.org/officeDocument/2006/relationships" xmlns:p="http://schemas.openxmlformats.org/presentationml/2006/main">
-  <p:cSld>
-    <p:spTree>
-      <p:nvGrpSpPr>
-        <p:cNvPr id="1" name=""/>
-        <p:cNvGrpSpPr/>
-        <p:nvPr/>
-      </p:nvGrpSpPr>
-      <p:grpSpPr>
-        <a:xfrm>
-          <a:off x="0" y="0"/>
-          <a:ext cx="0" cy="0"/>
-          <a:chOff x="0" y="0"/>
-          <a:chExt cx="0" cy="0"/>
-        </a:xfrm>
-      </p:grpSpPr>
-      <p:sp>
-        <p:nvSpPr>
-          <p:cNvPr id="4" name="CasellaDiTesto 3">
-            <a:extLst>
-              <a:ext uri="{FF2B5EF4-FFF2-40B4-BE49-F238E27FC236}">
-                <a16:creationId xmlns:a16="http://schemas.microsoft.com/office/drawing/2014/main" id="{504D0935-8309-405C-8523-348F8982E850}"/>
-              </a:ext>
-            </a:extLst>
-          </p:cNvPr>
-          <p:cNvSpPr txBox="1"/>
-          <p:nvPr/>
-        </p:nvSpPr>
-        <p:spPr>
-          <a:xfrm>
-            <a:off x="1172814" y="2131920"/>
-            <a:ext cx="9841549" cy="3046988"/>
-          </a:xfrm>
-          <a:prstGeom prst="rect">
-            <a:avLst/>
-          </a:prstGeom>
-          <a:noFill/>
-        </p:spPr>
-        <p:txBody>
-          <a:bodyPr wrap="square" rtlCol="0">
-            <a:spAutoFit/>
-          </a:bodyPr>
-          <a:lstStyle/>
-          <a:p>
-            <a:pPr marL="342900" indent="-342900">
-              <a:buFont typeface="Arial" panose="020B0604020202020204" pitchFamily="34" charset="0"/>
-              <a:buChar char="•"/>
-            </a:pPr>
-            <a:r>
-              <a:rPr lang="it-IT" sz="2400" dirty="0"/>
-              <a:t>Segue il confronto grafico delle distribuzioni di perdita relative ad una business line e ad un </a:t>
-            </a:r>
-            <a:r>
-              <a:rPr lang="it-IT" sz="2400" dirty="0" err="1"/>
-              <a:t>event</a:t>
-            </a:r>
-            <a:r>
-              <a:rPr lang="it-IT" sz="2400" dirty="0"/>
-              <a:t> </a:t>
-            </a:r>
-            <a:r>
-              <a:rPr lang="it-IT" sz="2400" dirty="0" err="1"/>
-              <a:t>type</a:t>
-            </a:r>
-            <a:r>
-              <a:rPr lang="it-IT" sz="2400" dirty="0"/>
-              <a:t> per i 3 casi:</a:t>
-            </a:r>
-          </a:p>
-          <a:p>
-            <a:endParaRPr lang="it-IT" sz="2400" dirty="0"/>
-          </a:p>
-          <a:p>
-            <a:pPr lvl="0" algn="ctr"/>
-            <a:r>
-              <a:rPr lang="it-IT" sz="2400" dirty="0"/>
-              <a:t>CASO 1		μ = 1.5		σ</a:t>
-            </a:r>
-            <a:r>
-              <a:rPr lang="it-IT" sz="2400" baseline="30000" dirty="0"/>
-              <a:t>2 </a:t>
-            </a:r>
-            <a:r>
-              <a:rPr lang="it-IT" sz="2400" dirty="0"/>
-              <a:t>= 1</a:t>
-            </a:r>
-          </a:p>
-          <a:p>
-            <a:pPr lvl="0" algn="ctr"/>
-            <a:endParaRPr lang="it-IT" sz="2400" dirty="0"/>
-          </a:p>
-          <a:p>
-            <a:pPr lvl="0" algn="ctr"/>
-            <a:r>
-              <a:rPr lang="it-IT" sz="2400" dirty="0"/>
-              <a:t>CASO 2		μ = 1.5		σ</a:t>
-            </a:r>
-            <a:r>
-              <a:rPr lang="it-IT" sz="2400" baseline="30000" dirty="0"/>
-              <a:t>2 </a:t>
-            </a:r>
-            <a:r>
-              <a:rPr lang="it-IT" sz="2400" dirty="0"/>
-              <a:t>= 2</a:t>
-            </a:r>
-          </a:p>
-          <a:p>
-            <a:pPr lvl="0" algn="ctr"/>
-            <a:endParaRPr lang="it-IT" sz="2400" dirty="0"/>
-          </a:p>
-          <a:p>
-            <a:pPr lvl="0" algn="ctr"/>
-            <a:r>
-              <a:rPr lang="it-IT" sz="2400" dirty="0"/>
-              <a:t>CASO 3 	μ = 3		σ</a:t>
-            </a:r>
-            <a:r>
-              <a:rPr lang="it-IT" sz="2400" baseline="30000" dirty="0"/>
-              <a:t>2 </a:t>
-            </a:r>
-            <a:r>
-              <a:rPr lang="it-IT" sz="2400" dirty="0"/>
-              <a:t>= 1</a:t>
-            </a:r>
-          </a:p>
-        </p:txBody>
-      </p:sp>
-      <p:sp>
-        <p:nvSpPr>
-          <p:cNvPr id="2" name="CasellaDiTesto 1">
-            <a:extLst>
-              <a:ext uri="{FF2B5EF4-FFF2-40B4-BE49-F238E27FC236}">
-                <a16:creationId xmlns:a16="http://schemas.microsoft.com/office/drawing/2014/main" id="{F198FE20-DB05-4E34-A078-F69B0D355089}"/>
-              </a:ext>
-            </a:extLst>
-          </p:cNvPr>
-          <p:cNvSpPr txBox="1"/>
-          <p:nvPr/>
-        </p:nvSpPr>
-        <p:spPr>
-          <a:xfrm>
-            <a:off x="1655618" y="586485"/>
-            <a:ext cx="8880764" cy="707886"/>
-          </a:xfrm>
-          <a:prstGeom prst="rect">
-            <a:avLst/>
-          </a:prstGeom>
-          <a:noFill/>
-        </p:spPr>
-        <p:txBody>
-          <a:bodyPr wrap="square" rtlCol="0">
-            <a:spAutoFit/>
-          </a:bodyPr>
-          <a:lstStyle/>
-          <a:p>
-            <a:pPr algn="ctr"/>
-            <a:r>
-              <a:rPr lang="it-IT" sz="4000" dirty="0"/>
-              <a:t>Per una business line e un </a:t>
-            </a:r>
-            <a:r>
-              <a:rPr lang="it-IT" sz="4000" dirty="0" err="1"/>
-              <a:t>event</a:t>
-            </a:r>
-            <a:r>
-              <a:rPr lang="it-IT" sz="4000" dirty="0"/>
-              <a:t> </a:t>
-            </a:r>
-            <a:r>
-              <a:rPr lang="it-IT" sz="4000" dirty="0" err="1"/>
-              <a:t>type</a:t>
-            </a:r>
-            <a:endParaRPr lang="it-IT" sz="4000" dirty="0"/>
-          </a:p>
-        </p:txBody>
-      </p:sp>
-      <p:sp>
-        <p:nvSpPr>
-          <p:cNvPr id="5" name="CasellaDiTesto 4">
-            <a:extLst>
-              <a:ext uri="{FF2B5EF4-FFF2-40B4-BE49-F238E27FC236}">
-                <a16:creationId xmlns:a16="http://schemas.microsoft.com/office/drawing/2014/main" id="{016D2AC4-AA99-484A-BA0D-F585B0715DD2}"/>
-              </a:ext>
-            </a:extLst>
-          </p:cNvPr>
-          <p:cNvSpPr txBox="1"/>
-          <p:nvPr/>
-        </p:nvSpPr>
-        <p:spPr>
-          <a:xfrm>
-            <a:off x="7281376" y="112014"/>
-            <a:ext cx="4532908" cy="307777"/>
-          </a:xfrm>
-          <a:prstGeom prst="rect">
-            <a:avLst/>
-          </a:prstGeom>
-          <a:noFill/>
-        </p:spPr>
-        <p:txBody>
-          <a:bodyPr wrap="none" rtlCol="0">
-            <a:spAutoFit/>
-          </a:bodyPr>
-          <a:lstStyle/>
-          <a:p>
-            <a:r>
-              <a:rPr lang="it-IT" sz="1400" i="1" dirty="0"/>
-              <a:t>LABORATORIO DI SIMULAZIONI FINANZIARIE A.A. 2017-2018</a:t>
-            </a:r>
-          </a:p>
-        </p:txBody>
-      </p:sp>
-      <p:sp>
-        <p:nvSpPr>
-          <p:cNvPr id="6" name="CasellaDiTesto 5">
-            <a:extLst>
-              <a:ext uri="{FF2B5EF4-FFF2-40B4-BE49-F238E27FC236}">
-                <a16:creationId xmlns:a16="http://schemas.microsoft.com/office/drawing/2014/main" id="{ABAA36FB-FBBC-4740-9ED7-14A75614782B}"/>
-              </a:ext>
-            </a:extLst>
-          </p:cNvPr>
-          <p:cNvSpPr txBox="1"/>
-          <p:nvPr/>
-        </p:nvSpPr>
-        <p:spPr>
-          <a:xfrm>
-            <a:off x="1172814" y="6308035"/>
-            <a:ext cx="9846368" cy="261610"/>
-          </a:xfrm>
-          <a:prstGeom prst="rect">
-            <a:avLst/>
-          </a:prstGeom>
-          <a:noFill/>
-        </p:spPr>
-        <p:txBody>
-          <a:bodyPr wrap="square" rtlCol="0">
-            <a:spAutoFit/>
-          </a:bodyPr>
-          <a:lstStyle/>
-          <a:p>
-            <a:pPr algn="ctr"/>
-            <a:r>
-              <a:rPr lang="it-IT" sz="1100" i="1" dirty="0"/>
-              <a:t>ERIK HOLLER  - ELIA SCARPARO- STEFANO ZAMPIERO</a:t>
-            </a:r>
-          </a:p>
-        </p:txBody>
-      </p:sp>
-    </p:spTree>
-    <p:extLst>
-      <p:ext uri="{BB962C8B-B14F-4D97-AF65-F5344CB8AC3E}">
-        <p14:creationId xmlns:p14="http://schemas.microsoft.com/office/powerpoint/2010/main" val="4175345453"/>
-      </p:ext>
-    </p:extLst>
-  </p:cSld>
-  <p:clrMapOvr>
-    <a:masterClrMapping/>
-  </p:clrMapOvr>
-</p:sld>
-</file>
-
-<file path=ppt/slides/slide23.xml><?xml version="1.0" encoding="utf-8"?>
 <p:sld xmlns:a="http://schemas.openxmlformats.org/drawingml/2006/main" xmlns:r="http://schemas.openxmlformats.org/officeDocument/2006/relationships" xmlns:p="http://schemas.openxmlformats.org/presentationml/2006/main">
   <p:cSld>
     <p:spTree>
@@ -17932,6 +18181,718 @@
           </a:p>
         </p:txBody>
       </p:sp>
+      <p:sp>
+        <p:nvSpPr>
+          <p:cNvPr id="7" name="CasellaDiTesto 6"/>
+          <p:cNvSpPr txBox="1"/>
+          <p:nvPr/>
+        </p:nvSpPr>
+        <p:spPr>
+          <a:xfrm>
+            <a:off x="1172814" y="6308035"/>
+            <a:ext cx="9846368" cy="261610"/>
+          </a:xfrm>
+          <a:prstGeom prst="rect">
+            <a:avLst/>
+          </a:prstGeom>
+          <a:noFill/>
+        </p:spPr>
+        <p:txBody>
+          <a:bodyPr wrap="square" rtlCol="0">
+            <a:spAutoFit/>
+          </a:bodyPr>
+          <a:lstStyle/>
+          <a:p>
+            <a:pPr algn="ctr"/>
+            <a:r>
+              <a:rPr lang="it-IT" sz="1100" i="1" dirty="0"/>
+              <a:t>ERIK HOLLER  - ELIA SCARPARO- STEFANO ZAMPIERO</a:t>
+            </a:r>
+          </a:p>
+        </p:txBody>
+      </p:sp>
+      <p:sp>
+        <p:nvSpPr>
+          <p:cNvPr id="9" name="CasellaDiTesto 8"/>
+          <p:cNvSpPr txBox="1"/>
+          <p:nvPr/>
+        </p:nvSpPr>
+        <p:spPr>
+          <a:xfrm>
+            <a:off x="7281376" y="112014"/>
+            <a:ext cx="4532908" cy="307777"/>
+          </a:xfrm>
+          <a:prstGeom prst="rect">
+            <a:avLst/>
+          </a:prstGeom>
+          <a:noFill/>
+        </p:spPr>
+        <p:txBody>
+          <a:bodyPr wrap="none" rtlCol="0">
+            <a:spAutoFit/>
+          </a:bodyPr>
+          <a:lstStyle/>
+          <a:p>
+            <a:r>
+              <a:rPr lang="it-IT" sz="1400" i="1" dirty="0"/>
+              <a:t>LABORATORIO DI SIMULAZIONI FINANZIARIE A.A. 2017-2018</a:t>
+            </a:r>
+          </a:p>
+        </p:txBody>
+      </p:sp>
+      <p:sp>
+        <p:nvSpPr>
+          <p:cNvPr id="6" name="Titolo 1">
+            <a:extLst>
+              <a:ext uri="{FF2B5EF4-FFF2-40B4-BE49-F238E27FC236}">
+                <a16:creationId xmlns:a16="http://schemas.microsoft.com/office/drawing/2014/main" id="{679BE2B4-5311-41F8-91D1-B43FBD555747}"/>
+              </a:ext>
+            </a:extLst>
+          </p:cNvPr>
+          <p:cNvSpPr txBox="1">
+            <a:spLocks/>
+          </p:cNvSpPr>
+          <p:nvPr/>
+        </p:nvSpPr>
+        <p:spPr>
+          <a:xfrm>
+            <a:off x="0" y="492582"/>
+            <a:ext cx="12192000" cy="1188720"/>
+          </a:xfrm>
+          <a:prstGeom prst="rect">
+            <a:avLst/>
+          </a:prstGeom>
+          <a:noFill/>
+        </p:spPr>
+        <p:txBody>
+          <a:bodyPr vert="horz" lIns="91440" tIns="45720" rIns="91440" bIns="45720" rtlCol="0" anchor="b">
+            <a:normAutofit/>
+          </a:bodyPr>
+          <a:lstStyle>
+            <a:lvl1pPr algn="ctr" defTabSz="914400" rtl="0" eaLnBrk="1" latinLnBrk="0" hangingPunct="1">
+              <a:lnSpc>
+                <a:spcPct val="90000"/>
+              </a:lnSpc>
+              <a:spcBef>
+                <a:spcPct val="0"/>
+              </a:spcBef>
+              <a:buNone/>
+              <a:defRPr sz="6000" kern="1200">
+                <a:solidFill>
+                  <a:schemeClr val="tx1"/>
+                </a:solidFill>
+                <a:latin typeface="+mj-lt"/>
+                <a:ea typeface="+mj-ea"/>
+                <a:cs typeface="+mj-cs"/>
+              </a:defRPr>
+            </a:lvl1pPr>
+          </a:lstStyle>
+          <a:p>
+            <a:r>
+              <a:rPr lang="it-IT" sz="4000" dirty="0">
+                <a:latin typeface="+mn-lt"/>
+                <a:cs typeface="Times New Roman" panose="02020603050405020304" pitchFamily="18" charset="0"/>
+              </a:rPr>
+              <a:t>Aggregazione delle classi di rischio</a:t>
+            </a:r>
+          </a:p>
+          <a:p>
+            <a:r>
+              <a:rPr lang="it-IT" sz="4000" dirty="0">
+                <a:latin typeface="+mn-lt"/>
+                <a:cs typeface="Times New Roman" panose="02020603050405020304" pitchFamily="18" charset="0"/>
+              </a:rPr>
+              <a:t> </a:t>
+            </a:r>
+            <a:r>
+              <a:rPr lang="it-IT" sz="4000" dirty="0" err="1">
+                <a:latin typeface="+mn-lt"/>
+                <a:cs typeface="Times New Roman" panose="02020603050405020304" pitchFamily="18" charset="0"/>
+              </a:rPr>
+              <a:t>CaR</a:t>
+            </a:r>
+            <a:r>
+              <a:rPr lang="it-IT" sz="4000" dirty="0">
+                <a:latin typeface="+mn-lt"/>
+                <a:cs typeface="Times New Roman" panose="02020603050405020304" pitchFamily="18" charset="0"/>
+              </a:rPr>
+              <a:t> e </a:t>
+            </a:r>
+            <a:r>
+              <a:rPr lang="it-IT" sz="4000" dirty="0" err="1">
+                <a:latin typeface="+mn-lt"/>
+                <a:cs typeface="Times New Roman" panose="02020603050405020304" pitchFamily="18" charset="0"/>
+              </a:rPr>
+              <a:t>VaR</a:t>
+            </a:r>
+            <a:r>
+              <a:rPr lang="it-IT" sz="4000" dirty="0">
+                <a:latin typeface="+mn-lt"/>
+                <a:cs typeface="Times New Roman" panose="02020603050405020304" pitchFamily="18" charset="0"/>
+              </a:rPr>
+              <a:t> aggregato</a:t>
+            </a:r>
+          </a:p>
+        </p:txBody>
+      </p:sp>
+      <p:sp>
+        <p:nvSpPr>
+          <p:cNvPr id="10" name="Segnaposto contenuto 2">
+            <a:extLst>
+              <a:ext uri="{FF2B5EF4-FFF2-40B4-BE49-F238E27FC236}">
+                <a16:creationId xmlns:a16="http://schemas.microsoft.com/office/drawing/2014/main" id="{3E1B8146-377A-4E32-B838-476B02B1AB2C}"/>
+              </a:ext>
+            </a:extLst>
+          </p:cNvPr>
+          <p:cNvSpPr txBox="1">
+            <a:spLocks/>
+          </p:cNvSpPr>
+          <p:nvPr/>
+        </p:nvSpPr>
+        <p:spPr>
+          <a:xfrm>
+            <a:off x="838198" y="2777167"/>
+            <a:ext cx="10976086" cy="2542978"/>
+          </a:xfrm>
+          <a:prstGeom prst="rect">
+            <a:avLst/>
+          </a:prstGeom>
+        </p:spPr>
+        <p:txBody>
+          <a:bodyPr vert="horz" lIns="91440" tIns="45720" rIns="91440" bIns="45720" rtlCol="0">
+            <a:normAutofit/>
+          </a:bodyPr>
+          <a:lstStyle>
+            <a:lvl1pPr marL="0" indent="0" algn="ctr" defTabSz="914400" rtl="0" eaLnBrk="1" latinLnBrk="0" hangingPunct="1">
+              <a:lnSpc>
+                <a:spcPct val="90000"/>
+              </a:lnSpc>
+              <a:spcBef>
+                <a:spcPts val="1000"/>
+              </a:spcBef>
+              <a:buFont typeface="Arial"/>
+              <a:buNone/>
+              <a:defRPr sz="2400" kern="1200">
+                <a:solidFill>
+                  <a:schemeClr val="tx1"/>
+                </a:solidFill>
+                <a:latin typeface="+mn-lt"/>
+                <a:ea typeface="+mn-ea"/>
+                <a:cs typeface="+mn-cs"/>
+              </a:defRPr>
+            </a:lvl1pPr>
+            <a:lvl2pPr marL="457200" indent="0" algn="ctr" defTabSz="914400" rtl="0" eaLnBrk="1" latinLnBrk="0" hangingPunct="1">
+              <a:lnSpc>
+                <a:spcPct val="90000"/>
+              </a:lnSpc>
+              <a:spcBef>
+                <a:spcPts val="500"/>
+              </a:spcBef>
+              <a:buFont typeface="Arial"/>
+              <a:buNone/>
+              <a:defRPr sz="2000" kern="1200">
+                <a:solidFill>
+                  <a:schemeClr val="tx1"/>
+                </a:solidFill>
+                <a:latin typeface="+mn-lt"/>
+                <a:ea typeface="+mn-ea"/>
+                <a:cs typeface="+mn-cs"/>
+              </a:defRPr>
+            </a:lvl2pPr>
+            <a:lvl3pPr marL="914400" indent="0" algn="ctr" defTabSz="914400" rtl="0" eaLnBrk="1" latinLnBrk="0" hangingPunct="1">
+              <a:lnSpc>
+                <a:spcPct val="90000"/>
+              </a:lnSpc>
+              <a:spcBef>
+                <a:spcPts val="500"/>
+              </a:spcBef>
+              <a:buFont typeface="Arial"/>
+              <a:buNone/>
+              <a:defRPr sz="1800" kern="1200">
+                <a:solidFill>
+                  <a:schemeClr val="tx1"/>
+                </a:solidFill>
+                <a:latin typeface="+mn-lt"/>
+                <a:ea typeface="+mn-ea"/>
+                <a:cs typeface="+mn-cs"/>
+              </a:defRPr>
+            </a:lvl3pPr>
+            <a:lvl4pPr marL="1371600" indent="0" algn="ctr" defTabSz="914400" rtl="0" eaLnBrk="1" latinLnBrk="0" hangingPunct="1">
+              <a:lnSpc>
+                <a:spcPct val="90000"/>
+              </a:lnSpc>
+              <a:spcBef>
+                <a:spcPts val="500"/>
+              </a:spcBef>
+              <a:buFont typeface="Arial"/>
+              <a:buNone/>
+              <a:defRPr sz="1600" kern="1200">
+                <a:solidFill>
+                  <a:schemeClr val="tx1"/>
+                </a:solidFill>
+                <a:latin typeface="+mn-lt"/>
+                <a:ea typeface="+mn-ea"/>
+                <a:cs typeface="+mn-cs"/>
+              </a:defRPr>
+            </a:lvl4pPr>
+            <a:lvl5pPr marL="1828800" indent="0" algn="ctr" defTabSz="914400" rtl="0" eaLnBrk="1" latinLnBrk="0" hangingPunct="1">
+              <a:lnSpc>
+                <a:spcPct val="90000"/>
+              </a:lnSpc>
+              <a:spcBef>
+                <a:spcPts val="500"/>
+              </a:spcBef>
+              <a:buFont typeface="Arial"/>
+              <a:buNone/>
+              <a:defRPr sz="1600" kern="1200">
+                <a:solidFill>
+                  <a:schemeClr val="tx1"/>
+                </a:solidFill>
+                <a:latin typeface="+mn-lt"/>
+                <a:ea typeface="+mn-ea"/>
+                <a:cs typeface="+mn-cs"/>
+              </a:defRPr>
+            </a:lvl5pPr>
+            <a:lvl6pPr marL="2286000" indent="0" algn="ctr" defTabSz="914400" rtl="0" eaLnBrk="1" latinLnBrk="0" hangingPunct="1">
+              <a:lnSpc>
+                <a:spcPct val="90000"/>
+              </a:lnSpc>
+              <a:spcBef>
+                <a:spcPts val="500"/>
+              </a:spcBef>
+              <a:buFont typeface="Arial"/>
+              <a:buNone/>
+              <a:defRPr sz="1600" kern="1200">
+                <a:solidFill>
+                  <a:schemeClr val="tx1"/>
+                </a:solidFill>
+                <a:latin typeface="+mn-lt"/>
+                <a:ea typeface="+mn-ea"/>
+                <a:cs typeface="+mn-cs"/>
+              </a:defRPr>
+            </a:lvl6pPr>
+            <a:lvl7pPr marL="2743200" indent="0" algn="ctr" defTabSz="914400" rtl="0" eaLnBrk="1" latinLnBrk="0" hangingPunct="1">
+              <a:lnSpc>
+                <a:spcPct val="90000"/>
+              </a:lnSpc>
+              <a:spcBef>
+                <a:spcPts val="500"/>
+              </a:spcBef>
+              <a:buFont typeface="Arial"/>
+              <a:buNone/>
+              <a:defRPr sz="1600" kern="1200">
+                <a:solidFill>
+                  <a:schemeClr val="tx1"/>
+                </a:solidFill>
+                <a:latin typeface="+mn-lt"/>
+                <a:ea typeface="+mn-ea"/>
+                <a:cs typeface="+mn-cs"/>
+              </a:defRPr>
+            </a:lvl7pPr>
+            <a:lvl8pPr marL="3200400" indent="0" algn="ctr" defTabSz="914400" rtl="0" eaLnBrk="1" latinLnBrk="0" hangingPunct="1">
+              <a:lnSpc>
+                <a:spcPct val="90000"/>
+              </a:lnSpc>
+              <a:spcBef>
+                <a:spcPts val="500"/>
+              </a:spcBef>
+              <a:buFont typeface="Arial"/>
+              <a:buNone/>
+              <a:defRPr sz="1600" kern="1200">
+                <a:solidFill>
+                  <a:schemeClr val="tx1"/>
+                </a:solidFill>
+                <a:latin typeface="+mn-lt"/>
+                <a:ea typeface="+mn-ea"/>
+                <a:cs typeface="+mn-cs"/>
+              </a:defRPr>
+            </a:lvl8pPr>
+            <a:lvl9pPr marL="3657600" indent="0" algn="ctr" defTabSz="914400" rtl="0" eaLnBrk="1" latinLnBrk="0" hangingPunct="1">
+              <a:lnSpc>
+                <a:spcPct val="90000"/>
+              </a:lnSpc>
+              <a:spcBef>
+                <a:spcPts val="500"/>
+              </a:spcBef>
+              <a:buFont typeface="Arial"/>
+              <a:buNone/>
+              <a:defRPr sz="1600" kern="1200">
+                <a:solidFill>
+                  <a:schemeClr val="tx1"/>
+                </a:solidFill>
+                <a:latin typeface="+mn-lt"/>
+                <a:ea typeface="+mn-ea"/>
+                <a:cs typeface="+mn-cs"/>
+              </a:defRPr>
+            </a:lvl9pPr>
+          </a:lstStyle>
+          <a:p>
+            <a:pPr marL="457200" indent="-457200" algn="l">
+              <a:lnSpc>
+                <a:spcPct val="100000"/>
+              </a:lnSpc>
+              <a:buFont typeface="Arial" charset="0"/>
+              <a:buChar char="•"/>
+            </a:pPr>
+            <a:r>
+              <a:rPr lang="it-IT" dirty="0">
+                <a:cs typeface="Times New Roman" panose="02020603050405020304" pitchFamily="18" charset="0"/>
+              </a:rPr>
+              <a:t>Il calcolo del requisito patrimoniale complessivo a fronte del rischio operativo può essere effettuato sommando i requisiti patrimoniali determinati per ciascuna Business Line e tipologia di evento ipotizzando tra loro indipendenza.</a:t>
+            </a:r>
+          </a:p>
+          <a:p>
+            <a:pPr algn="l"/>
+            <a:endParaRPr lang="it-IT" dirty="0">
+              <a:cs typeface="Times New Roman" panose="02020603050405020304" pitchFamily="18" charset="0"/>
+            </a:endParaRPr>
+          </a:p>
+          <a:p>
+            <a:pPr algn="l"/>
+            <a:endParaRPr lang="it-IT" dirty="0">
+              <a:cs typeface="Times New Roman" panose="02020603050405020304" pitchFamily="18" charset="0"/>
+            </a:endParaRPr>
+          </a:p>
+        </p:txBody>
+      </p:sp>
+    </p:spTree>
+    <p:extLst>
+      <p:ext uri="{BB962C8B-B14F-4D97-AF65-F5344CB8AC3E}">
+        <p14:creationId xmlns:p14="http://schemas.microsoft.com/office/powerpoint/2010/main" val="488224962"/>
+      </p:ext>
+    </p:extLst>
+  </p:cSld>
+  <p:clrMapOvr>
+    <a:masterClrMapping/>
+  </p:clrMapOvr>
+</p:sld>
+</file>
+
+<file path=ppt/slides/slide23.xml><?xml version="1.0" encoding="utf-8"?>
+<p:sld xmlns:a="http://schemas.openxmlformats.org/drawingml/2006/main" xmlns:r="http://schemas.openxmlformats.org/officeDocument/2006/relationships" xmlns:p="http://schemas.openxmlformats.org/presentationml/2006/main">
+  <p:cSld>
+    <p:spTree>
+      <p:nvGrpSpPr>
+        <p:cNvPr id="1" name=""/>
+        <p:cNvGrpSpPr/>
+        <p:nvPr/>
+      </p:nvGrpSpPr>
+      <p:grpSpPr>
+        <a:xfrm>
+          <a:off x="0" y="0"/>
+          <a:ext cx="0" cy="0"/>
+          <a:chOff x="0" y="0"/>
+          <a:chExt cx="0" cy="0"/>
+        </a:xfrm>
+      </p:grpSpPr>
+      <p:sp>
+        <p:nvSpPr>
+          <p:cNvPr id="4" name="CasellaDiTesto 3">
+            <a:extLst>
+              <a:ext uri="{FF2B5EF4-FFF2-40B4-BE49-F238E27FC236}">
+                <a16:creationId xmlns:a16="http://schemas.microsoft.com/office/drawing/2014/main" id="{504D0935-8309-405C-8523-348F8982E850}"/>
+              </a:ext>
+            </a:extLst>
+          </p:cNvPr>
+          <p:cNvSpPr txBox="1"/>
+          <p:nvPr/>
+        </p:nvSpPr>
+        <p:spPr>
+          <a:xfrm>
+            <a:off x="1172814" y="2131920"/>
+            <a:ext cx="9841549" cy="3046988"/>
+          </a:xfrm>
+          <a:prstGeom prst="rect">
+            <a:avLst/>
+          </a:prstGeom>
+          <a:noFill/>
+        </p:spPr>
+        <p:txBody>
+          <a:bodyPr wrap="square" rtlCol="0">
+            <a:spAutoFit/>
+          </a:bodyPr>
+          <a:lstStyle/>
+          <a:p>
+            <a:pPr marL="342900" indent="-342900">
+              <a:buFont typeface="Arial" panose="020B0604020202020204" pitchFamily="34" charset="0"/>
+              <a:buChar char="•"/>
+            </a:pPr>
+            <a:r>
+              <a:rPr lang="it-IT" sz="2400" dirty="0"/>
+              <a:t>Segue il confronto grafico delle distribuzioni di perdita relative ad una business line e ad un </a:t>
+            </a:r>
+            <a:r>
+              <a:rPr lang="it-IT" sz="2400" dirty="0" err="1"/>
+              <a:t>event</a:t>
+            </a:r>
+            <a:r>
+              <a:rPr lang="it-IT" sz="2400" dirty="0"/>
+              <a:t> </a:t>
+            </a:r>
+            <a:r>
+              <a:rPr lang="it-IT" sz="2400" dirty="0" err="1"/>
+              <a:t>type</a:t>
+            </a:r>
+            <a:r>
+              <a:rPr lang="it-IT" sz="2400" dirty="0"/>
+              <a:t> per i 3 casi:</a:t>
+            </a:r>
+          </a:p>
+          <a:p>
+            <a:endParaRPr lang="it-IT" sz="2400" dirty="0"/>
+          </a:p>
+          <a:p>
+            <a:pPr lvl="0" algn="ctr"/>
+            <a:r>
+              <a:rPr lang="it-IT" sz="2400" dirty="0"/>
+              <a:t>CASO 1		μ = 1.5		σ</a:t>
+            </a:r>
+            <a:r>
+              <a:rPr lang="it-IT" sz="2400" baseline="30000" dirty="0"/>
+              <a:t>2 </a:t>
+            </a:r>
+            <a:r>
+              <a:rPr lang="it-IT" sz="2400" dirty="0"/>
+              <a:t>= 1</a:t>
+            </a:r>
+          </a:p>
+          <a:p>
+            <a:pPr lvl="0" algn="ctr"/>
+            <a:endParaRPr lang="it-IT" sz="2400" dirty="0"/>
+          </a:p>
+          <a:p>
+            <a:pPr lvl="0" algn="ctr"/>
+            <a:r>
+              <a:rPr lang="it-IT" sz="2400" dirty="0"/>
+              <a:t>CASO 2		μ = 1.5		σ</a:t>
+            </a:r>
+            <a:r>
+              <a:rPr lang="it-IT" sz="2400" baseline="30000" dirty="0"/>
+              <a:t>2 </a:t>
+            </a:r>
+            <a:r>
+              <a:rPr lang="it-IT" sz="2400" dirty="0"/>
+              <a:t>= 2</a:t>
+            </a:r>
+          </a:p>
+          <a:p>
+            <a:pPr lvl="0" algn="ctr"/>
+            <a:endParaRPr lang="it-IT" sz="2400" dirty="0"/>
+          </a:p>
+          <a:p>
+            <a:pPr lvl="0" algn="ctr"/>
+            <a:r>
+              <a:rPr lang="it-IT" sz="2400" dirty="0"/>
+              <a:t>CASO 3 	μ = 3		σ</a:t>
+            </a:r>
+            <a:r>
+              <a:rPr lang="it-IT" sz="2400" baseline="30000" dirty="0"/>
+              <a:t>2 </a:t>
+            </a:r>
+            <a:r>
+              <a:rPr lang="it-IT" sz="2400" dirty="0"/>
+              <a:t>= 1</a:t>
+            </a:r>
+          </a:p>
+        </p:txBody>
+      </p:sp>
+      <p:sp>
+        <p:nvSpPr>
+          <p:cNvPr id="2" name="CasellaDiTesto 1">
+            <a:extLst>
+              <a:ext uri="{FF2B5EF4-FFF2-40B4-BE49-F238E27FC236}">
+                <a16:creationId xmlns:a16="http://schemas.microsoft.com/office/drawing/2014/main" id="{F198FE20-DB05-4E34-A078-F69B0D355089}"/>
+              </a:ext>
+            </a:extLst>
+          </p:cNvPr>
+          <p:cNvSpPr txBox="1"/>
+          <p:nvPr/>
+        </p:nvSpPr>
+        <p:spPr>
+          <a:xfrm>
+            <a:off x="1655618" y="586485"/>
+            <a:ext cx="8880764" cy="707886"/>
+          </a:xfrm>
+          <a:prstGeom prst="rect">
+            <a:avLst/>
+          </a:prstGeom>
+          <a:noFill/>
+        </p:spPr>
+        <p:txBody>
+          <a:bodyPr wrap="square" rtlCol="0">
+            <a:spAutoFit/>
+          </a:bodyPr>
+          <a:lstStyle/>
+          <a:p>
+            <a:pPr algn="ctr"/>
+            <a:r>
+              <a:rPr lang="it-IT" sz="4000" dirty="0"/>
+              <a:t>Per una business line e un </a:t>
+            </a:r>
+            <a:r>
+              <a:rPr lang="it-IT" sz="4000" dirty="0" err="1"/>
+              <a:t>event</a:t>
+            </a:r>
+            <a:r>
+              <a:rPr lang="it-IT" sz="4000" dirty="0"/>
+              <a:t> </a:t>
+            </a:r>
+            <a:r>
+              <a:rPr lang="it-IT" sz="4000" dirty="0" err="1"/>
+              <a:t>type</a:t>
+            </a:r>
+            <a:endParaRPr lang="it-IT" sz="4000" dirty="0"/>
+          </a:p>
+        </p:txBody>
+      </p:sp>
+      <p:sp>
+        <p:nvSpPr>
+          <p:cNvPr id="5" name="CasellaDiTesto 4">
+            <a:extLst>
+              <a:ext uri="{FF2B5EF4-FFF2-40B4-BE49-F238E27FC236}">
+                <a16:creationId xmlns:a16="http://schemas.microsoft.com/office/drawing/2014/main" id="{016D2AC4-AA99-484A-BA0D-F585B0715DD2}"/>
+              </a:ext>
+            </a:extLst>
+          </p:cNvPr>
+          <p:cNvSpPr txBox="1"/>
+          <p:nvPr/>
+        </p:nvSpPr>
+        <p:spPr>
+          <a:xfrm>
+            <a:off x="7281376" y="112014"/>
+            <a:ext cx="4532908" cy="307777"/>
+          </a:xfrm>
+          <a:prstGeom prst="rect">
+            <a:avLst/>
+          </a:prstGeom>
+          <a:noFill/>
+        </p:spPr>
+        <p:txBody>
+          <a:bodyPr wrap="none" rtlCol="0">
+            <a:spAutoFit/>
+          </a:bodyPr>
+          <a:lstStyle/>
+          <a:p>
+            <a:r>
+              <a:rPr lang="it-IT" sz="1400" i="1" dirty="0"/>
+              <a:t>LABORATORIO DI SIMULAZIONI FINANZIARIE A.A. 2017-2018</a:t>
+            </a:r>
+          </a:p>
+        </p:txBody>
+      </p:sp>
+      <p:sp>
+        <p:nvSpPr>
+          <p:cNvPr id="6" name="CasellaDiTesto 5">
+            <a:extLst>
+              <a:ext uri="{FF2B5EF4-FFF2-40B4-BE49-F238E27FC236}">
+                <a16:creationId xmlns:a16="http://schemas.microsoft.com/office/drawing/2014/main" id="{ABAA36FB-FBBC-4740-9ED7-14A75614782B}"/>
+              </a:ext>
+            </a:extLst>
+          </p:cNvPr>
+          <p:cNvSpPr txBox="1"/>
+          <p:nvPr/>
+        </p:nvSpPr>
+        <p:spPr>
+          <a:xfrm>
+            <a:off x="1172814" y="6308035"/>
+            <a:ext cx="9846368" cy="261610"/>
+          </a:xfrm>
+          <a:prstGeom prst="rect">
+            <a:avLst/>
+          </a:prstGeom>
+          <a:noFill/>
+        </p:spPr>
+        <p:txBody>
+          <a:bodyPr wrap="square" rtlCol="0">
+            <a:spAutoFit/>
+          </a:bodyPr>
+          <a:lstStyle/>
+          <a:p>
+            <a:pPr algn="ctr"/>
+            <a:r>
+              <a:rPr lang="it-IT" sz="1100" i="1" dirty="0"/>
+              <a:t>ERIK HOLLER  - ELIA SCARPARO- STEFANO ZAMPIERO</a:t>
+            </a:r>
+          </a:p>
+        </p:txBody>
+      </p:sp>
+    </p:spTree>
+    <p:extLst>
+      <p:ext uri="{BB962C8B-B14F-4D97-AF65-F5344CB8AC3E}">
+        <p14:creationId xmlns:p14="http://schemas.microsoft.com/office/powerpoint/2010/main" val="4175345453"/>
+      </p:ext>
+    </p:extLst>
+  </p:cSld>
+  <p:clrMapOvr>
+    <a:masterClrMapping/>
+  </p:clrMapOvr>
+</p:sld>
+</file>
+
+<file path=ppt/slides/slide24.xml><?xml version="1.0" encoding="utf-8"?>
+<p:sld xmlns:a="http://schemas.openxmlformats.org/drawingml/2006/main" xmlns:r="http://schemas.openxmlformats.org/officeDocument/2006/relationships" xmlns:p="http://schemas.openxmlformats.org/presentationml/2006/main">
+  <p:cSld>
+    <p:spTree>
+      <p:nvGrpSpPr>
+        <p:cNvPr id="1" name=""/>
+        <p:cNvGrpSpPr/>
+        <p:nvPr/>
+      </p:nvGrpSpPr>
+      <p:grpSpPr>
+        <a:xfrm>
+          <a:off x="0" y="0"/>
+          <a:ext cx="0" cy="0"/>
+          <a:chOff x="0" y="0"/>
+          <a:chExt cx="0" cy="0"/>
+        </a:xfrm>
+      </p:grpSpPr>
+      <p:sp>
+        <p:nvSpPr>
+          <p:cNvPr id="4" name="Titolo 1"/>
+          <p:cNvSpPr txBox="1">
+            <a:spLocks/>
+          </p:cNvSpPr>
+          <p:nvPr/>
+        </p:nvSpPr>
+        <p:spPr>
+          <a:xfrm>
+            <a:off x="838198" y="91726"/>
+            <a:ext cx="10515600" cy="1325563"/>
+          </a:xfrm>
+          <a:prstGeom prst="rect">
+            <a:avLst/>
+          </a:prstGeom>
+        </p:spPr>
+        <p:txBody>
+          <a:bodyPr vert="horz" lIns="91440" tIns="45720" rIns="91440" bIns="45720" rtlCol="0" anchor="b">
+            <a:normAutofit/>
+          </a:bodyPr>
+          <a:lstStyle>
+            <a:lvl1pPr algn="ctr" defTabSz="914400" rtl="0" eaLnBrk="1" latinLnBrk="0" hangingPunct="1">
+              <a:lnSpc>
+                <a:spcPct val="90000"/>
+              </a:lnSpc>
+              <a:spcBef>
+                <a:spcPct val="0"/>
+              </a:spcBef>
+              <a:buNone/>
+              <a:defRPr sz="6000" kern="1200">
+                <a:solidFill>
+                  <a:schemeClr val="tx1"/>
+                </a:solidFill>
+                <a:latin typeface="+mj-lt"/>
+                <a:ea typeface="+mj-ea"/>
+                <a:cs typeface="+mj-cs"/>
+              </a:defRPr>
+            </a:lvl1pPr>
+          </a:lstStyle>
+          <a:p>
+            <a:endParaRPr lang="it-IT" sz="4000" dirty="0">
+              <a:latin typeface="Bodoni MT" pitchFamily="18" charset="0"/>
+            </a:endParaRPr>
+          </a:p>
+        </p:txBody>
+      </p:sp>
       <p:pic>
         <p:nvPicPr>
           <p:cNvPr id="2" name="Immagine 1"/>
@@ -17975,7 +18936,7 @@
 </p:sld>
 </file>
 
-<file path=ppt/slides/slide24.xml><?xml version="1.0" encoding="utf-8"?>
+<file path=ppt/slides/slide25.xml><?xml version="1.0" encoding="utf-8"?>
 <p:sld xmlns:a="http://schemas.openxmlformats.org/drawingml/2006/main" xmlns:r="http://schemas.openxmlformats.org/officeDocument/2006/relationships" xmlns:p="http://schemas.openxmlformats.org/presentationml/2006/main">
   <p:cSld>
     <p:spTree>
@@ -18035,7 +18996,7 @@
 </p:sld>
 </file>
 
-<file path=ppt/slides/slide25.xml><?xml version="1.0" encoding="utf-8"?>
+<file path=ppt/slides/slide26.xml><?xml version="1.0" encoding="utf-8"?>
 <p:sld xmlns:a="http://schemas.openxmlformats.org/drawingml/2006/main" xmlns:r="http://schemas.openxmlformats.org/officeDocument/2006/relationships" xmlns:p="http://schemas.openxmlformats.org/presentationml/2006/main">
   <p:cSld>
     <p:spTree>
@@ -18095,7 +19056,7 @@
 </p:sld>
 </file>
 
-<file path=ppt/slides/slide26.xml><?xml version="1.0" encoding="utf-8"?>
+<file path=ppt/slides/slide27.xml><?xml version="1.0" encoding="utf-8"?>
 <p:sld xmlns:a="http://schemas.openxmlformats.org/drawingml/2006/main" xmlns:r="http://schemas.openxmlformats.org/officeDocument/2006/relationships" xmlns:p="http://schemas.openxmlformats.org/presentationml/2006/main">
   <p:cSld>
     <p:spTree>
@@ -18555,7 +19516,7 @@
 </p:sld>
 </file>
 
-<file path=ppt/slides/slide27.xml><?xml version="1.0" encoding="utf-8"?>
+<file path=ppt/slides/slide28.xml><?xml version="1.0" encoding="utf-8"?>
 <p:sld xmlns:a="http://schemas.openxmlformats.org/drawingml/2006/main" xmlns:r="http://schemas.openxmlformats.org/officeDocument/2006/relationships" xmlns:p="http://schemas.openxmlformats.org/presentationml/2006/main">
   <p:cSld>
     <p:spTree>
@@ -18677,113 +19638,6 @@
     <p:extLst>
       <p:ext uri="{BB962C8B-B14F-4D97-AF65-F5344CB8AC3E}">
         <p14:creationId xmlns:p14="http://schemas.microsoft.com/office/powerpoint/2010/main" val="1170329898"/>
-      </p:ext>
-    </p:extLst>
-  </p:cSld>
-  <p:clrMapOvr>
-    <a:masterClrMapping/>
-  </p:clrMapOvr>
-</p:sld>
-</file>
-
-<file path=ppt/slides/slide28.xml><?xml version="1.0" encoding="utf-8"?>
-<p:sld xmlns:a="http://schemas.openxmlformats.org/drawingml/2006/main" xmlns:r="http://schemas.openxmlformats.org/officeDocument/2006/relationships" xmlns:p="http://schemas.openxmlformats.org/presentationml/2006/main">
-  <p:cSld>
-    <p:spTree>
-      <p:nvGrpSpPr>
-        <p:cNvPr id="1" name=""/>
-        <p:cNvGrpSpPr/>
-        <p:nvPr/>
-      </p:nvGrpSpPr>
-      <p:grpSpPr>
-        <a:xfrm>
-          <a:off x="0" y="0"/>
-          <a:ext cx="0" cy="0"/>
-          <a:chOff x="0" y="0"/>
-          <a:chExt cx="0" cy="0"/>
-        </a:xfrm>
-      </p:grpSpPr>
-      <p:sp>
-        <p:nvSpPr>
-          <p:cNvPr id="4" name="Titolo 1"/>
-          <p:cNvSpPr txBox="1">
-            <a:spLocks/>
-          </p:cNvSpPr>
-          <p:nvPr/>
-        </p:nvSpPr>
-        <p:spPr>
-          <a:xfrm>
-            <a:off x="838198" y="91726"/>
-            <a:ext cx="10515600" cy="1325563"/>
-          </a:xfrm>
-          <a:prstGeom prst="rect">
-            <a:avLst/>
-          </a:prstGeom>
-        </p:spPr>
-        <p:txBody>
-          <a:bodyPr vert="horz" lIns="91440" tIns="45720" rIns="91440" bIns="45720" rtlCol="0" anchor="b">
-            <a:normAutofit/>
-          </a:bodyPr>
-          <a:lstStyle>
-            <a:lvl1pPr algn="ctr" defTabSz="914400" rtl="0" eaLnBrk="1" latinLnBrk="0" hangingPunct="1">
-              <a:lnSpc>
-                <a:spcPct val="90000"/>
-              </a:lnSpc>
-              <a:spcBef>
-                <a:spcPct val="0"/>
-              </a:spcBef>
-              <a:buNone/>
-              <a:defRPr sz="6000" kern="1200">
-                <a:solidFill>
-                  <a:schemeClr val="tx1"/>
-                </a:solidFill>
-                <a:latin typeface="+mj-lt"/>
-                <a:ea typeface="+mj-ea"/>
-                <a:cs typeface="+mj-cs"/>
-              </a:defRPr>
-            </a:lvl1pPr>
-          </a:lstStyle>
-          <a:p>
-            <a:endParaRPr lang="it-IT" sz="4000" dirty="0">
-              <a:latin typeface="Bodoni MT" pitchFamily="18" charset="0"/>
-            </a:endParaRPr>
-          </a:p>
-        </p:txBody>
-      </p:sp>
-      <p:pic>
-        <p:nvPicPr>
-          <p:cNvPr id="2" name="Immagine 1"/>
-          <p:cNvPicPr>
-            <a:picLocks noChangeAspect="1"/>
-          </p:cNvPicPr>
-          <p:nvPr/>
-        </p:nvPicPr>
-        <p:blipFill>
-          <a:blip r:embed="rId2">
-            <a:extLst>
-              <a:ext uri="{28A0092B-C50C-407E-A947-70E740481C1C}">
-                <a14:useLocalDpi xmlns:a14="http://schemas.microsoft.com/office/drawing/2010/main" val="0"/>
-              </a:ext>
-            </a:extLst>
-          </a:blip>
-          <a:stretch>
-            <a:fillRect/>
-          </a:stretch>
-        </p:blipFill>
-        <p:spPr>
-          <a:xfrm>
-            <a:off x="2540000" y="762000"/>
-            <a:ext cx="7112000" cy="5334000"/>
-          </a:xfrm>
-          <a:prstGeom prst="rect">
-            <a:avLst/>
-          </a:prstGeom>
-        </p:spPr>
-      </p:pic>
-    </p:spTree>
-    <p:extLst>
-      <p:ext uri="{BB962C8B-B14F-4D97-AF65-F5344CB8AC3E}">
-        <p14:creationId xmlns:p14="http://schemas.microsoft.com/office/powerpoint/2010/main" val="1263849502"/>
       </p:ext>
     </p:extLst>
   </p:cSld>
@@ -18890,7 +19744,7 @@
     </p:spTree>
     <p:extLst>
       <p:ext uri="{BB962C8B-B14F-4D97-AF65-F5344CB8AC3E}">
-        <p14:creationId xmlns:p14="http://schemas.microsoft.com/office/powerpoint/2010/main" val="757827637"/>
+        <p14:creationId xmlns:p14="http://schemas.microsoft.com/office/powerpoint/2010/main" val="1263849502"/>
       </p:ext>
     </p:extLst>
   </p:cSld>
@@ -19465,7 +20319,7 @@
     </p:spTree>
     <p:extLst>
       <p:ext uri="{BB962C8B-B14F-4D97-AF65-F5344CB8AC3E}">
-        <p14:creationId xmlns:p14="http://schemas.microsoft.com/office/powerpoint/2010/main" val="83584702"/>
+        <p14:creationId xmlns:p14="http://schemas.microsoft.com/office/powerpoint/2010/main" val="757827637"/>
       </p:ext>
     </p:extLst>
   </p:cSld>
@@ -19541,7 +20395,7 @@
       </p:sp>
       <p:pic>
         <p:nvPicPr>
-          <p:cNvPr id="3" name="Immagine 2"/>
+          <p:cNvPr id="2" name="Immagine 1"/>
           <p:cNvPicPr>
             <a:picLocks noChangeAspect="1"/>
           </p:cNvPicPr>
@@ -19572,7 +20426,7 @@
     </p:spTree>
     <p:extLst>
       <p:ext uri="{BB962C8B-B14F-4D97-AF65-F5344CB8AC3E}">
-        <p14:creationId xmlns:p14="http://schemas.microsoft.com/office/powerpoint/2010/main" val="1083155914"/>
+        <p14:creationId xmlns:p14="http://schemas.microsoft.com/office/powerpoint/2010/main" val="83584702"/>
       </p:ext>
     </p:extLst>
   </p:cSld>
@@ -19679,7 +20533,7 @@
     </p:spTree>
     <p:extLst>
       <p:ext uri="{BB962C8B-B14F-4D97-AF65-F5344CB8AC3E}">
-        <p14:creationId xmlns:p14="http://schemas.microsoft.com/office/powerpoint/2010/main" val="304404935"/>
+        <p14:creationId xmlns:p14="http://schemas.microsoft.com/office/powerpoint/2010/main" val="1083155914"/>
       </p:ext>
     </p:extLst>
   </p:cSld>
@@ -19755,7 +20609,7 @@
       </p:sp>
       <p:pic>
         <p:nvPicPr>
-          <p:cNvPr id="2" name="Immagine 1"/>
+          <p:cNvPr id="3" name="Immagine 2"/>
           <p:cNvPicPr>
             <a:picLocks noChangeAspect="1"/>
           </p:cNvPicPr>
@@ -19786,7 +20640,7 @@
     </p:spTree>
     <p:extLst>
       <p:ext uri="{BB962C8B-B14F-4D97-AF65-F5344CB8AC3E}">
-        <p14:creationId xmlns:p14="http://schemas.microsoft.com/office/powerpoint/2010/main" val="732014029"/>
+        <p14:creationId xmlns:p14="http://schemas.microsoft.com/office/powerpoint/2010/main" val="304404935"/>
       </p:ext>
     </p:extLst>
   </p:cSld>
@@ -19860,6 +20714,113 @@
           </a:p>
         </p:txBody>
       </p:sp>
+      <p:pic>
+        <p:nvPicPr>
+          <p:cNvPr id="2" name="Immagine 1"/>
+          <p:cNvPicPr>
+            <a:picLocks noChangeAspect="1"/>
+          </p:cNvPicPr>
+          <p:nvPr/>
+        </p:nvPicPr>
+        <p:blipFill>
+          <a:blip r:embed="rId2">
+            <a:extLst>
+              <a:ext uri="{28A0092B-C50C-407E-A947-70E740481C1C}">
+                <a14:useLocalDpi xmlns:a14="http://schemas.microsoft.com/office/drawing/2010/main" val="0"/>
+              </a:ext>
+            </a:extLst>
+          </a:blip>
+          <a:stretch>
+            <a:fillRect/>
+          </a:stretch>
+        </p:blipFill>
+        <p:spPr>
+          <a:xfrm>
+            <a:off x="2540000" y="762000"/>
+            <a:ext cx="7112000" cy="5334000"/>
+          </a:xfrm>
+          <a:prstGeom prst="rect">
+            <a:avLst/>
+          </a:prstGeom>
+        </p:spPr>
+      </p:pic>
+    </p:spTree>
+    <p:extLst>
+      <p:ext uri="{BB962C8B-B14F-4D97-AF65-F5344CB8AC3E}">
+        <p14:creationId xmlns:p14="http://schemas.microsoft.com/office/powerpoint/2010/main" val="732014029"/>
+      </p:ext>
+    </p:extLst>
+  </p:cSld>
+  <p:clrMapOvr>
+    <a:masterClrMapping/>
+  </p:clrMapOvr>
+</p:sld>
+</file>
+
+<file path=ppt/slides/slide35.xml><?xml version="1.0" encoding="utf-8"?>
+<p:sld xmlns:a="http://schemas.openxmlformats.org/drawingml/2006/main" xmlns:r="http://schemas.openxmlformats.org/officeDocument/2006/relationships" xmlns:p="http://schemas.openxmlformats.org/presentationml/2006/main">
+  <p:cSld>
+    <p:spTree>
+      <p:nvGrpSpPr>
+        <p:cNvPr id="1" name=""/>
+        <p:cNvGrpSpPr/>
+        <p:nvPr/>
+      </p:nvGrpSpPr>
+      <p:grpSpPr>
+        <a:xfrm>
+          <a:off x="0" y="0"/>
+          <a:ext cx="0" cy="0"/>
+          <a:chOff x="0" y="0"/>
+          <a:chExt cx="0" cy="0"/>
+        </a:xfrm>
+      </p:grpSpPr>
+      <p:sp>
+        <p:nvSpPr>
+          <p:cNvPr id="4" name="Titolo 1"/>
+          <p:cNvSpPr txBox="1">
+            <a:spLocks/>
+          </p:cNvSpPr>
+          <p:nvPr/>
+        </p:nvSpPr>
+        <p:spPr>
+          <a:xfrm>
+            <a:off x="838198" y="91726"/>
+            <a:ext cx="10515600" cy="1325563"/>
+          </a:xfrm>
+          <a:prstGeom prst="rect">
+            <a:avLst/>
+          </a:prstGeom>
+        </p:spPr>
+        <p:txBody>
+          <a:bodyPr vert="horz" lIns="91440" tIns="45720" rIns="91440" bIns="45720" rtlCol="0" anchor="b">
+            <a:normAutofit/>
+          </a:bodyPr>
+          <a:lstStyle>
+            <a:lvl1pPr algn="ctr" defTabSz="914400" rtl="0" eaLnBrk="1" latinLnBrk="0" hangingPunct="1">
+              <a:lnSpc>
+                <a:spcPct val="90000"/>
+              </a:lnSpc>
+              <a:spcBef>
+                <a:spcPct val="0"/>
+              </a:spcBef>
+              <a:buNone/>
+              <a:defRPr sz="6000" kern="1200">
+                <a:solidFill>
+                  <a:schemeClr val="tx1"/>
+                </a:solidFill>
+                <a:latin typeface="+mj-lt"/>
+                <a:ea typeface="+mj-ea"/>
+                <a:cs typeface="+mj-cs"/>
+              </a:defRPr>
+            </a:lvl1pPr>
+          </a:lstStyle>
+          <a:p>
+            <a:endParaRPr lang="it-IT" sz="4000" dirty="0">
+              <a:latin typeface="Bodoni MT" pitchFamily="18" charset="0"/>
+            </a:endParaRPr>
+          </a:p>
+        </p:txBody>
+      </p:sp>
       <p:sp>
         <p:nvSpPr>
           <p:cNvPr id="5" name="Segnaposto contenuto 2"/>
@@ -20272,7 +21233,7 @@
 </p:sld>
 </file>
 
-<file path=ppt/slides/slide35.xml><?xml version="1.0" encoding="utf-8"?>
+<file path=ppt/slides/slide36.xml><?xml version="1.0" encoding="utf-8"?>
 <p:sld xmlns:a="http://schemas.openxmlformats.org/drawingml/2006/main" xmlns:r="http://schemas.openxmlformats.org/officeDocument/2006/relationships" xmlns:p="http://schemas.openxmlformats.org/presentationml/2006/main">
   <p:cSld>
     <p:spTree>
@@ -20541,7 +21502,7 @@
 </p:sld>
 </file>
 
-<file path=ppt/slides/slide36.xml><?xml version="1.0" encoding="utf-8"?>
+<file path=ppt/slides/slide37.xml><?xml version="1.0" encoding="utf-8"?>
 <p:sld xmlns:a="http://schemas.openxmlformats.org/drawingml/2006/main" xmlns:r="http://schemas.openxmlformats.org/officeDocument/2006/relationships" xmlns:p="http://schemas.openxmlformats.org/presentationml/2006/main">
   <p:cSld>
     <p:spTree>
@@ -20829,7 +21790,7 @@
 </p:sld>
 </file>
 
-<file path=ppt/slides/slide37.xml><?xml version="1.0" encoding="utf-8"?>
+<file path=ppt/slides/slide38.xml><?xml version="1.0" encoding="utf-8"?>
 <p:sld xmlns:a="http://schemas.openxmlformats.org/drawingml/2006/main" xmlns:r="http://schemas.openxmlformats.org/officeDocument/2006/relationships" xmlns:p="http://schemas.openxmlformats.org/presentationml/2006/main">
   <p:cSld>
     <p:spTree>
@@ -21555,7 +22516,7 @@
 </p:sld>
 </file>
 
-<file path=ppt/slides/slide38.xml><?xml version="1.0" encoding="utf-8"?>
+<file path=ppt/slides/slide39.xml><?xml version="1.0" encoding="utf-8"?>
 <p:sld xmlns:a="http://schemas.openxmlformats.org/drawingml/2006/main" xmlns:r="http://schemas.openxmlformats.org/officeDocument/2006/relationships" xmlns:p="http://schemas.openxmlformats.org/presentationml/2006/main">
   <p:cSld>
     <p:spTree>
@@ -21615,887 +22576,6 @@
 </p:sld>
 </file>
 
-<file path=ppt/slides/slide39.xml><?xml version="1.0" encoding="utf-8"?>
-<p:sld xmlns:a="http://schemas.openxmlformats.org/drawingml/2006/main" xmlns:r="http://schemas.openxmlformats.org/officeDocument/2006/relationships" xmlns:p="http://schemas.openxmlformats.org/presentationml/2006/main">
-  <p:cSld>
-    <p:spTree>
-      <p:nvGrpSpPr>
-        <p:cNvPr id="1" name=""/>
-        <p:cNvGrpSpPr/>
-        <p:nvPr/>
-      </p:nvGrpSpPr>
-      <p:grpSpPr>
-        <a:xfrm>
-          <a:off x="0" y="0"/>
-          <a:ext cx="0" cy="0"/>
-          <a:chOff x="0" y="0"/>
-          <a:chExt cx="0" cy="0"/>
-        </a:xfrm>
-      </p:grpSpPr>
-      <p:sp>
-        <p:nvSpPr>
-          <p:cNvPr id="4" name="Titolo 1"/>
-          <p:cNvSpPr txBox="1">
-            <a:spLocks/>
-          </p:cNvSpPr>
-          <p:nvPr/>
-        </p:nvSpPr>
-        <p:spPr>
-          <a:xfrm>
-            <a:off x="838198" y="91726"/>
-            <a:ext cx="10515600" cy="1325563"/>
-          </a:xfrm>
-          <a:prstGeom prst="rect">
-            <a:avLst/>
-          </a:prstGeom>
-        </p:spPr>
-        <p:txBody>
-          <a:bodyPr vert="horz" lIns="91440" tIns="45720" rIns="91440" bIns="45720" rtlCol="0" anchor="b">
-            <a:normAutofit/>
-          </a:bodyPr>
-          <a:lstStyle>
-            <a:lvl1pPr algn="ctr" defTabSz="914400" rtl="0" eaLnBrk="1" latinLnBrk="0" hangingPunct="1">
-              <a:lnSpc>
-                <a:spcPct val="90000"/>
-              </a:lnSpc>
-              <a:spcBef>
-                <a:spcPct val="0"/>
-              </a:spcBef>
-              <a:buNone/>
-              <a:defRPr sz="6000" kern="1200">
-                <a:solidFill>
-                  <a:schemeClr val="tx1"/>
-                </a:solidFill>
-                <a:latin typeface="+mj-lt"/>
-                <a:ea typeface="+mj-ea"/>
-                <a:cs typeface="+mj-cs"/>
-              </a:defRPr>
-            </a:lvl1pPr>
-          </a:lstStyle>
-          <a:p>
-            <a:endParaRPr lang="it-IT" sz="4000" dirty="0">
-              <a:latin typeface="Bodoni MT" pitchFamily="18" charset="0"/>
-            </a:endParaRPr>
-          </a:p>
-        </p:txBody>
-      </p:sp>
-      <p:sp>
-        <p:nvSpPr>
-          <p:cNvPr id="5" name="Segnaposto contenuto 2"/>
-          <p:cNvSpPr txBox="1">
-            <a:spLocks/>
-          </p:cNvSpPr>
-          <p:nvPr/>
-        </p:nvSpPr>
-        <p:spPr>
-          <a:xfrm>
-            <a:off x="838198" y="460057"/>
-            <a:ext cx="10515600" cy="1457326"/>
-          </a:xfrm>
-          <a:prstGeom prst="rect">
-            <a:avLst/>
-          </a:prstGeom>
-        </p:spPr>
-        <p:txBody>
-          <a:bodyPr vert="horz" lIns="91440" tIns="45720" rIns="91440" bIns="45720" rtlCol="0">
-            <a:normAutofit/>
-          </a:bodyPr>
-          <a:lstStyle>
-            <a:lvl1pPr marL="0" indent="0" algn="ctr" defTabSz="914400" rtl="0" eaLnBrk="1" latinLnBrk="0" hangingPunct="1">
-              <a:lnSpc>
-                <a:spcPct val="90000"/>
-              </a:lnSpc>
-              <a:spcBef>
-                <a:spcPts val="1000"/>
-              </a:spcBef>
-              <a:buFont typeface="Arial" panose="020B0604020202020204" pitchFamily="34" charset="0"/>
-              <a:buNone/>
-              <a:defRPr sz="2400" kern="1200">
-                <a:solidFill>
-                  <a:schemeClr val="tx1"/>
-                </a:solidFill>
-                <a:latin typeface="+mn-lt"/>
-                <a:ea typeface="+mn-ea"/>
-                <a:cs typeface="+mn-cs"/>
-              </a:defRPr>
-            </a:lvl1pPr>
-            <a:lvl2pPr marL="457200" indent="0" algn="ctr" defTabSz="914400" rtl="0" eaLnBrk="1" latinLnBrk="0" hangingPunct="1">
-              <a:lnSpc>
-                <a:spcPct val="90000"/>
-              </a:lnSpc>
-              <a:spcBef>
-                <a:spcPts val="500"/>
-              </a:spcBef>
-              <a:buFont typeface="Arial" panose="020B0604020202020204" pitchFamily="34" charset="0"/>
-              <a:buNone/>
-              <a:defRPr sz="2000" kern="1200">
-                <a:solidFill>
-                  <a:schemeClr val="tx1"/>
-                </a:solidFill>
-                <a:latin typeface="+mn-lt"/>
-                <a:ea typeface="+mn-ea"/>
-                <a:cs typeface="+mn-cs"/>
-              </a:defRPr>
-            </a:lvl2pPr>
-            <a:lvl3pPr marL="914400" indent="0" algn="ctr" defTabSz="914400" rtl="0" eaLnBrk="1" latinLnBrk="0" hangingPunct="1">
-              <a:lnSpc>
-                <a:spcPct val="90000"/>
-              </a:lnSpc>
-              <a:spcBef>
-                <a:spcPts val="500"/>
-              </a:spcBef>
-              <a:buFont typeface="Arial" panose="020B0604020202020204" pitchFamily="34" charset="0"/>
-              <a:buNone/>
-              <a:defRPr sz="1800" kern="1200">
-                <a:solidFill>
-                  <a:schemeClr val="tx1"/>
-                </a:solidFill>
-                <a:latin typeface="+mn-lt"/>
-                <a:ea typeface="+mn-ea"/>
-                <a:cs typeface="+mn-cs"/>
-              </a:defRPr>
-            </a:lvl3pPr>
-            <a:lvl4pPr marL="1371600" indent="0" algn="ctr" defTabSz="914400" rtl="0" eaLnBrk="1" latinLnBrk="0" hangingPunct="1">
-              <a:lnSpc>
-                <a:spcPct val="90000"/>
-              </a:lnSpc>
-              <a:spcBef>
-                <a:spcPts val="500"/>
-              </a:spcBef>
-              <a:buFont typeface="Arial" panose="020B0604020202020204" pitchFamily="34" charset="0"/>
-              <a:buNone/>
-              <a:defRPr sz="1600" kern="1200">
-                <a:solidFill>
-                  <a:schemeClr val="tx1"/>
-                </a:solidFill>
-                <a:latin typeface="+mn-lt"/>
-                <a:ea typeface="+mn-ea"/>
-                <a:cs typeface="+mn-cs"/>
-              </a:defRPr>
-            </a:lvl4pPr>
-            <a:lvl5pPr marL="1828800" indent="0" algn="ctr" defTabSz="914400" rtl="0" eaLnBrk="1" latinLnBrk="0" hangingPunct="1">
-              <a:lnSpc>
-                <a:spcPct val="90000"/>
-              </a:lnSpc>
-              <a:spcBef>
-                <a:spcPts val="500"/>
-              </a:spcBef>
-              <a:buFont typeface="Arial" panose="020B0604020202020204" pitchFamily="34" charset="0"/>
-              <a:buNone/>
-              <a:defRPr sz="1600" kern="1200">
-                <a:solidFill>
-                  <a:schemeClr val="tx1"/>
-                </a:solidFill>
-                <a:latin typeface="+mn-lt"/>
-                <a:ea typeface="+mn-ea"/>
-                <a:cs typeface="+mn-cs"/>
-              </a:defRPr>
-            </a:lvl5pPr>
-            <a:lvl6pPr marL="2286000" indent="0" algn="ctr" defTabSz="914400" rtl="0" eaLnBrk="1" latinLnBrk="0" hangingPunct="1">
-              <a:lnSpc>
-                <a:spcPct val="90000"/>
-              </a:lnSpc>
-              <a:spcBef>
-                <a:spcPts val="500"/>
-              </a:spcBef>
-              <a:buFont typeface="Arial" panose="020B0604020202020204" pitchFamily="34" charset="0"/>
-              <a:buNone/>
-              <a:defRPr sz="1600" kern="1200">
-                <a:solidFill>
-                  <a:schemeClr val="tx1"/>
-                </a:solidFill>
-                <a:latin typeface="+mn-lt"/>
-                <a:ea typeface="+mn-ea"/>
-                <a:cs typeface="+mn-cs"/>
-              </a:defRPr>
-            </a:lvl6pPr>
-            <a:lvl7pPr marL="2743200" indent="0" algn="ctr" defTabSz="914400" rtl="0" eaLnBrk="1" latinLnBrk="0" hangingPunct="1">
-              <a:lnSpc>
-                <a:spcPct val="90000"/>
-              </a:lnSpc>
-              <a:spcBef>
-                <a:spcPts val="500"/>
-              </a:spcBef>
-              <a:buFont typeface="Arial" panose="020B0604020202020204" pitchFamily="34" charset="0"/>
-              <a:buNone/>
-              <a:defRPr sz="1600" kern="1200">
-                <a:solidFill>
-                  <a:schemeClr val="tx1"/>
-                </a:solidFill>
-                <a:latin typeface="+mn-lt"/>
-                <a:ea typeface="+mn-ea"/>
-                <a:cs typeface="+mn-cs"/>
-              </a:defRPr>
-            </a:lvl7pPr>
-            <a:lvl8pPr marL="3200400" indent="0" algn="ctr" defTabSz="914400" rtl="0" eaLnBrk="1" latinLnBrk="0" hangingPunct="1">
-              <a:lnSpc>
-                <a:spcPct val="90000"/>
-              </a:lnSpc>
-              <a:spcBef>
-                <a:spcPts val="500"/>
-              </a:spcBef>
-              <a:buFont typeface="Arial" panose="020B0604020202020204" pitchFamily="34" charset="0"/>
-              <a:buNone/>
-              <a:defRPr sz="1600" kern="1200">
-                <a:solidFill>
-                  <a:schemeClr val="tx1"/>
-                </a:solidFill>
-                <a:latin typeface="+mn-lt"/>
-                <a:ea typeface="+mn-ea"/>
-                <a:cs typeface="+mn-cs"/>
-              </a:defRPr>
-            </a:lvl8pPr>
-            <a:lvl9pPr marL="3657600" indent="0" algn="ctr" defTabSz="914400" rtl="0" eaLnBrk="1" latinLnBrk="0" hangingPunct="1">
-              <a:lnSpc>
-                <a:spcPct val="90000"/>
-              </a:lnSpc>
-              <a:spcBef>
-                <a:spcPts val="500"/>
-              </a:spcBef>
-              <a:buFont typeface="Arial" panose="020B0604020202020204" pitchFamily="34" charset="0"/>
-              <a:buNone/>
-              <a:defRPr sz="1600" kern="1200">
-                <a:solidFill>
-                  <a:schemeClr val="tx1"/>
-                </a:solidFill>
-                <a:latin typeface="+mn-lt"/>
-                <a:ea typeface="+mn-ea"/>
-                <a:cs typeface="+mn-cs"/>
-              </a:defRPr>
-            </a:lvl9pPr>
-          </a:lstStyle>
-          <a:p>
-            <a:pPr marL="514350" marR="0" lvl="0" indent="-514350" defTabSz="914400" eaLnBrk="1" fontAlgn="auto" latinLnBrk="0" hangingPunct="1">
-              <a:lnSpc>
-                <a:spcPct val="100000"/>
-              </a:lnSpc>
-              <a:spcBef>
-                <a:spcPts val="0"/>
-              </a:spcBef>
-              <a:spcAft>
-                <a:spcPts val="0"/>
-              </a:spcAft>
-              <a:buClrTx/>
-              <a:buSzTx/>
-              <a:buFont typeface="+mj-lt"/>
-              <a:buNone/>
-              <a:tabLst/>
-              <a:defRPr/>
-            </a:pPr>
-            <a:r>
-              <a:rPr lang="it-IT" sz="4000" dirty="0"/>
-              <a:t>Fonti</a:t>
-            </a:r>
-          </a:p>
-        </p:txBody>
-      </p:sp>
-      <p:sp>
-        <p:nvSpPr>
-          <p:cNvPr id="7" name="CasellaDiTesto 6"/>
-          <p:cNvSpPr txBox="1"/>
-          <p:nvPr/>
-        </p:nvSpPr>
-        <p:spPr>
-          <a:xfrm>
-            <a:off x="1172814" y="6308035"/>
-            <a:ext cx="9846368" cy="307777"/>
-          </a:xfrm>
-          <a:prstGeom prst="rect">
-            <a:avLst/>
-          </a:prstGeom>
-          <a:noFill/>
-        </p:spPr>
-        <p:txBody>
-          <a:bodyPr wrap="square" rtlCol="0">
-            <a:spAutoFit/>
-          </a:bodyPr>
-          <a:lstStyle/>
-          <a:p>
-            <a:pPr algn="ctr"/>
-            <a:r>
-              <a:rPr lang="it-IT" sz="1400" i="1" dirty="0"/>
-              <a:t>ERIK HOLLER  - ELIA SCARPARO- STEFANO ZAMPIERO</a:t>
-            </a:r>
-          </a:p>
-        </p:txBody>
-      </p:sp>
-      <p:sp>
-        <p:nvSpPr>
-          <p:cNvPr id="9" name="CasellaDiTesto 8"/>
-          <p:cNvSpPr txBox="1"/>
-          <p:nvPr/>
-        </p:nvSpPr>
-        <p:spPr>
-          <a:xfrm>
-            <a:off x="7281376" y="112014"/>
-            <a:ext cx="4532908" cy="307777"/>
-          </a:xfrm>
-          <a:prstGeom prst="rect">
-            <a:avLst/>
-          </a:prstGeom>
-          <a:noFill/>
-        </p:spPr>
-        <p:txBody>
-          <a:bodyPr wrap="none" rtlCol="0">
-            <a:spAutoFit/>
-          </a:bodyPr>
-          <a:lstStyle/>
-          <a:p>
-            <a:r>
-              <a:rPr lang="it-IT" sz="1400" i="1" dirty="0"/>
-              <a:t>LABORATORIO DI SIMULAZIONI FINANZIARIE A.A. 2017-2018</a:t>
-            </a:r>
-          </a:p>
-        </p:txBody>
-      </p:sp>
-      <p:sp>
-        <p:nvSpPr>
-          <p:cNvPr id="10" name="Segnaposto contenuto 2">
-            <a:extLst>
-              <a:ext uri="{FF2B5EF4-FFF2-40B4-BE49-F238E27FC236}">
-                <a16:creationId xmlns:a16="http://schemas.microsoft.com/office/drawing/2014/main" id="{3E1B8146-377A-4E32-B838-476B02B1AB2C}"/>
-              </a:ext>
-            </a:extLst>
-          </p:cNvPr>
-          <p:cNvSpPr txBox="1">
-            <a:spLocks/>
-          </p:cNvSpPr>
-          <p:nvPr/>
-        </p:nvSpPr>
-        <p:spPr>
-          <a:xfrm>
-            <a:off x="400050" y="946532"/>
-            <a:ext cx="11658600" cy="5669280"/>
-          </a:xfrm>
-          <a:prstGeom prst="rect">
-            <a:avLst/>
-          </a:prstGeom>
-        </p:spPr>
-        <p:txBody>
-          <a:bodyPr vert="horz" lIns="91440" tIns="45720" rIns="91440" bIns="45720" rtlCol="0" anchor="ctr">
-            <a:normAutofit/>
-          </a:bodyPr>
-          <a:lstStyle>
-            <a:lvl1pPr marL="0" indent="0" algn="ctr" defTabSz="914400" rtl="0" eaLnBrk="1" latinLnBrk="0" hangingPunct="1">
-              <a:lnSpc>
-                <a:spcPct val="90000"/>
-              </a:lnSpc>
-              <a:spcBef>
-                <a:spcPts val="1000"/>
-              </a:spcBef>
-              <a:buFont typeface="Arial"/>
-              <a:buNone/>
-              <a:defRPr sz="2400" kern="1200">
-                <a:solidFill>
-                  <a:schemeClr val="tx1"/>
-                </a:solidFill>
-                <a:latin typeface="+mn-lt"/>
-                <a:ea typeface="+mn-ea"/>
-                <a:cs typeface="+mn-cs"/>
-              </a:defRPr>
-            </a:lvl1pPr>
-            <a:lvl2pPr marL="457200" indent="0" algn="ctr" defTabSz="914400" rtl="0" eaLnBrk="1" latinLnBrk="0" hangingPunct="1">
-              <a:lnSpc>
-                <a:spcPct val="90000"/>
-              </a:lnSpc>
-              <a:spcBef>
-                <a:spcPts val="500"/>
-              </a:spcBef>
-              <a:buFont typeface="Arial"/>
-              <a:buNone/>
-              <a:defRPr sz="2000" kern="1200">
-                <a:solidFill>
-                  <a:schemeClr val="tx1"/>
-                </a:solidFill>
-                <a:latin typeface="+mn-lt"/>
-                <a:ea typeface="+mn-ea"/>
-                <a:cs typeface="+mn-cs"/>
-              </a:defRPr>
-            </a:lvl2pPr>
-            <a:lvl3pPr marL="914400" indent="0" algn="ctr" defTabSz="914400" rtl="0" eaLnBrk="1" latinLnBrk="0" hangingPunct="1">
-              <a:lnSpc>
-                <a:spcPct val="90000"/>
-              </a:lnSpc>
-              <a:spcBef>
-                <a:spcPts val="500"/>
-              </a:spcBef>
-              <a:buFont typeface="Arial"/>
-              <a:buNone/>
-              <a:defRPr sz="1800" kern="1200">
-                <a:solidFill>
-                  <a:schemeClr val="tx1"/>
-                </a:solidFill>
-                <a:latin typeface="+mn-lt"/>
-                <a:ea typeface="+mn-ea"/>
-                <a:cs typeface="+mn-cs"/>
-              </a:defRPr>
-            </a:lvl3pPr>
-            <a:lvl4pPr marL="1371600" indent="0" algn="ctr" defTabSz="914400" rtl="0" eaLnBrk="1" latinLnBrk="0" hangingPunct="1">
-              <a:lnSpc>
-                <a:spcPct val="90000"/>
-              </a:lnSpc>
-              <a:spcBef>
-                <a:spcPts val="500"/>
-              </a:spcBef>
-              <a:buFont typeface="Arial"/>
-              <a:buNone/>
-              <a:defRPr sz="1600" kern="1200">
-                <a:solidFill>
-                  <a:schemeClr val="tx1"/>
-                </a:solidFill>
-                <a:latin typeface="+mn-lt"/>
-                <a:ea typeface="+mn-ea"/>
-                <a:cs typeface="+mn-cs"/>
-              </a:defRPr>
-            </a:lvl4pPr>
-            <a:lvl5pPr marL="1828800" indent="0" algn="ctr" defTabSz="914400" rtl="0" eaLnBrk="1" latinLnBrk="0" hangingPunct="1">
-              <a:lnSpc>
-                <a:spcPct val="90000"/>
-              </a:lnSpc>
-              <a:spcBef>
-                <a:spcPts val="500"/>
-              </a:spcBef>
-              <a:buFont typeface="Arial"/>
-              <a:buNone/>
-              <a:defRPr sz="1600" kern="1200">
-                <a:solidFill>
-                  <a:schemeClr val="tx1"/>
-                </a:solidFill>
-                <a:latin typeface="+mn-lt"/>
-                <a:ea typeface="+mn-ea"/>
-                <a:cs typeface="+mn-cs"/>
-              </a:defRPr>
-            </a:lvl5pPr>
-            <a:lvl6pPr marL="2286000" indent="0" algn="ctr" defTabSz="914400" rtl="0" eaLnBrk="1" latinLnBrk="0" hangingPunct="1">
-              <a:lnSpc>
-                <a:spcPct val="90000"/>
-              </a:lnSpc>
-              <a:spcBef>
-                <a:spcPts val="500"/>
-              </a:spcBef>
-              <a:buFont typeface="Arial"/>
-              <a:buNone/>
-              <a:defRPr sz="1600" kern="1200">
-                <a:solidFill>
-                  <a:schemeClr val="tx1"/>
-                </a:solidFill>
-                <a:latin typeface="+mn-lt"/>
-                <a:ea typeface="+mn-ea"/>
-                <a:cs typeface="+mn-cs"/>
-              </a:defRPr>
-            </a:lvl6pPr>
-            <a:lvl7pPr marL="2743200" indent="0" algn="ctr" defTabSz="914400" rtl="0" eaLnBrk="1" latinLnBrk="0" hangingPunct="1">
-              <a:lnSpc>
-                <a:spcPct val="90000"/>
-              </a:lnSpc>
-              <a:spcBef>
-                <a:spcPts val="500"/>
-              </a:spcBef>
-              <a:buFont typeface="Arial"/>
-              <a:buNone/>
-              <a:defRPr sz="1600" kern="1200">
-                <a:solidFill>
-                  <a:schemeClr val="tx1"/>
-                </a:solidFill>
-                <a:latin typeface="+mn-lt"/>
-                <a:ea typeface="+mn-ea"/>
-                <a:cs typeface="+mn-cs"/>
-              </a:defRPr>
-            </a:lvl7pPr>
-            <a:lvl8pPr marL="3200400" indent="0" algn="ctr" defTabSz="914400" rtl="0" eaLnBrk="1" latinLnBrk="0" hangingPunct="1">
-              <a:lnSpc>
-                <a:spcPct val="90000"/>
-              </a:lnSpc>
-              <a:spcBef>
-                <a:spcPts val="500"/>
-              </a:spcBef>
-              <a:buFont typeface="Arial"/>
-              <a:buNone/>
-              <a:defRPr sz="1600" kern="1200">
-                <a:solidFill>
-                  <a:schemeClr val="tx1"/>
-                </a:solidFill>
-                <a:latin typeface="+mn-lt"/>
-                <a:ea typeface="+mn-ea"/>
-                <a:cs typeface="+mn-cs"/>
-              </a:defRPr>
-            </a:lvl8pPr>
-            <a:lvl9pPr marL="3657600" indent="0" algn="ctr" defTabSz="914400" rtl="0" eaLnBrk="1" latinLnBrk="0" hangingPunct="1">
-              <a:lnSpc>
-                <a:spcPct val="90000"/>
-              </a:lnSpc>
-              <a:spcBef>
-                <a:spcPts val="500"/>
-              </a:spcBef>
-              <a:buFont typeface="Arial"/>
-              <a:buNone/>
-              <a:defRPr sz="1600" kern="1200">
-                <a:solidFill>
-                  <a:schemeClr val="tx1"/>
-                </a:solidFill>
-                <a:latin typeface="+mn-lt"/>
-                <a:ea typeface="+mn-ea"/>
-                <a:cs typeface="+mn-cs"/>
-              </a:defRPr>
-            </a:lvl9pPr>
-          </a:lstStyle>
-          <a:p>
-            <a:pPr algn="l"/>
-            <a:r>
-              <a:rPr lang="it-IT" sz="1800" i="1" dirty="0" err="1">
-                <a:cs typeface="Times New Roman" panose="02020603050405020304" pitchFamily="18" charset="0"/>
-              </a:rPr>
-              <a:t>Loss</a:t>
-            </a:r>
-            <a:r>
-              <a:rPr lang="it-IT" sz="1800" i="1" dirty="0">
-                <a:cs typeface="Times New Roman" panose="02020603050405020304" pitchFamily="18" charset="0"/>
-              </a:rPr>
-              <a:t> Distribution </a:t>
-            </a:r>
-            <a:r>
-              <a:rPr lang="it-IT" sz="1800" i="1" dirty="0" err="1">
-                <a:cs typeface="Times New Roman" panose="02020603050405020304" pitchFamily="18" charset="0"/>
-              </a:rPr>
-              <a:t>Approach</a:t>
-            </a:r>
-            <a:r>
-              <a:rPr lang="it-IT" sz="1800" i="1" dirty="0">
-                <a:cs typeface="Times New Roman" panose="02020603050405020304" pitchFamily="18" charset="0"/>
-              </a:rPr>
-              <a:t> for </a:t>
-            </a:r>
-            <a:r>
-              <a:rPr lang="it-IT" sz="1800" i="1" dirty="0" err="1">
-                <a:cs typeface="Times New Roman" panose="02020603050405020304" pitchFamily="18" charset="0"/>
-              </a:rPr>
-              <a:t>operational</a:t>
-            </a:r>
-            <a:r>
-              <a:rPr lang="it-IT" sz="1800" i="1" dirty="0">
-                <a:cs typeface="Times New Roman" panose="02020603050405020304" pitchFamily="18" charset="0"/>
-              </a:rPr>
-              <a:t> </a:t>
-            </a:r>
-            <a:r>
-              <a:rPr lang="it-IT" sz="1800" i="1" dirty="0" err="1">
-                <a:cs typeface="Times New Roman" panose="02020603050405020304" pitchFamily="18" charset="0"/>
-              </a:rPr>
-              <a:t>risk</a:t>
-            </a:r>
-            <a:r>
-              <a:rPr lang="it-IT" sz="1800" i="1" dirty="0">
-                <a:cs typeface="Times New Roman" panose="02020603050405020304" pitchFamily="18" charset="0"/>
-              </a:rPr>
-              <a:t>, A. </a:t>
-            </a:r>
-            <a:r>
-              <a:rPr lang="it-IT" sz="1800" i="1" dirty="0" err="1">
-                <a:cs typeface="Times New Roman" panose="02020603050405020304" pitchFamily="18" charset="0"/>
-              </a:rPr>
-              <a:t>Frachot</a:t>
-            </a:r>
-            <a:r>
-              <a:rPr lang="it-IT" sz="1800" i="1" dirty="0">
-                <a:cs typeface="Times New Roman" panose="02020603050405020304" pitchFamily="18" charset="0"/>
-              </a:rPr>
-              <a:t>, P. Georges &amp; T. </a:t>
-            </a:r>
-            <a:r>
-              <a:rPr lang="it-IT" sz="1800" i="1" dirty="0" err="1">
-                <a:cs typeface="Times New Roman" panose="02020603050405020304" pitchFamily="18" charset="0"/>
-              </a:rPr>
-              <a:t>Roncalliy</a:t>
-            </a:r>
-            <a:r>
-              <a:rPr lang="it-IT" sz="1800" i="1" dirty="0">
-                <a:cs typeface="Times New Roman" panose="02020603050405020304" pitchFamily="18" charset="0"/>
-              </a:rPr>
-              <a:t>, </a:t>
-            </a:r>
-            <a:r>
-              <a:rPr lang="it-IT" sz="1800" i="1" dirty="0" err="1">
-                <a:cs typeface="Times New Roman" panose="02020603050405020304" pitchFamily="18" charset="0"/>
-              </a:rPr>
-              <a:t>Groupe</a:t>
-            </a:r>
-            <a:r>
-              <a:rPr lang="it-IT" sz="1800" i="1" dirty="0">
-                <a:cs typeface="Times New Roman" panose="02020603050405020304" pitchFamily="18" charset="0"/>
-              </a:rPr>
-              <a:t> de </a:t>
-            </a:r>
-            <a:r>
-              <a:rPr lang="it-IT" sz="1800" i="1" dirty="0" err="1">
-                <a:cs typeface="Times New Roman" panose="02020603050405020304" pitchFamily="18" charset="0"/>
-              </a:rPr>
-              <a:t>Recherche</a:t>
-            </a:r>
-            <a:r>
-              <a:rPr lang="it-IT" sz="1800" i="1" dirty="0">
-                <a:cs typeface="Times New Roman" panose="02020603050405020304" pitchFamily="18" charset="0"/>
-              </a:rPr>
-              <a:t> </a:t>
-            </a:r>
-            <a:r>
-              <a:rPr lang="it-IT" sz="1800" i="1" dirty="0" err="1">
-                <a:cs typeface="Times New Roman" panose="02020603050405020304" pitchFamily="18" charset="0"/>
-              </a:rPr>
-              <a:t>Operationnelle</a:t>
-            </a:r>
-            <a:r>
-              <a:rPr lang="it-IT" sz="1800" i="1" dirty="0">
-                <a:cs typeface="Times New Roman" panose="02020603050405020304" pitchFamily="18" charset="0"/>
-              </a:rPr>
-              <a:t>, Credit Lyonnais, France </a:t>
-            </a:r>
-          </a:p>
-          <a:p>
-            <a:pPr algn="l"/>
-            <a:r>
-              <a:rPr lang="it-IT" sz="1800" i="1" dirty="0">
-                <a:cs typeface="Times New Roman" panose="02020603050405020304" pitchFamily="18" charset="0"/>
-              </a:rPr>
-              <a:t>[</a:t>
-            </a:r>
-            <a:r>
-              <a:rPr lang="it-IT" sz="1800" i="1" dirty="0" err="1">
-                <a:cs typeface="Times New Roman" panose="02020603050405020304" pitchFamily="18" charset="0"/>
-              </a:rPr>
-              <a:t>Wiley</a:t>
-            </a:r>
-            <a:r>
-              <a:rPr lang="it-IT" sz="1800" i="1" dirty="0">
-                <a:cs typeface="Times New Roman" panose="02020603050405020304" pitchFamily="18" charset="0"/>
-              </a:rPr>
-              <a:t> Series in </a:t>
-            </a:r>
-            <a:r>
-              <a:rPr lang="it-IT" sz="1800" i="1" dirty="0" err="1">
-                <a:cs typeface="Times New Roman" panose="02020603050405020304" pitchFamily="18" charset="0"/>
-              </a:rPr>
-              <a:t>Probability</a:t>
-            </a:r>
-            <a:r>
-              <a:rPr lang="it-IT" sz="1800" i="1" dirty="0">
-                <a:cs typeface="Times New Roman" panose="02020603050405020304" pitchFamily="18" charset="0"/>
-              </a:rPr>
-              <a:t> and </a:t>
-            </a:r>
-            <a:r>
-              <a:rPr lang="it-IT" sz="1800" i="1" dirty="0" err="1">
-                <a:cs typeface="Times New Roman" panose="02020603050405020304" pitchFamily="18" charset="0"/>
-              </a:rPr>
-              <a:t>Statistics</a:t>
-            </a:r>
-            <a:r>
-              <a:rPr lang="it-IT" sz="1800" i="1" dirty="0">
-                <a:cs typeface="Times New Roman" panose="02020603050405020304" pitchFamily="18" charset="0"/>
-              </a:rPr>
-              <a:t>] </a:t>
-            </a:r>
-            <a:r>
-              <a:rPr lang="it-IT" sz="1800" i="1" dirty="0" err="1">
-                <a:cs typeface="Times New Roman" panose="02020603050405020304" pitchFamily="18" charset="0"/>
-              </a:rPr>
-              <a:t>Klugman</a:t>
-            </a:r>
-            <a:r>
-              <a:rPr lang="it-IT" sz="1800" i="1" dirty="0">
-                <a:cs typeface="Times New Roman" panose="02020603050405020304" pitchFamily="18" charset="0"/>
-              </a:rPr>
-              <a:t>, S.A. and </a:t>
-            </a:r>
-            <a:r>
-              <a:rPr lang="it-IT" sz="1800" i="1" dirty="0" err="1">
-                <a:cs typeface="Times New Roman" panose="02020603050405020304" pitchFamily="18" charset="0"/>
-              </a:rPr>
-              <a:t>Panjer</a:t>
-            </a:r>
-            <a:r>
-              <a:rPr lang="it-IT" sz="1800" i="1" dirty="0">
-                <a:cs typeface="Times New Roman" panose="02020603050405020304" pitchFamily="18" charset="0"/>
-              </a:rPr>
-              <a:t>, H.H. and </a:t>
-            </a:r>
-            <a:r>
-              <a:rPr lang="it-IT" sz="1800" i="1" dirty="0" err="1">
-                <a:cs typeface="Times New Roman" panose="02020603050405020304" pitchFamily="18" charset="0"/>
-              </a:rPr>
-              <a:t>Wilmt</a:t>
-            </a:r>
-            <a:r>
-              <a:rPr lang="it-IT" sz="1800" i="1" dirty="0">
-                <a:cs typeface="Times New Roman" panose="02020603050405020304" pitchFamily="18" charset="0"/>
-              </a:rPr>
-              <a:t>, G.E. – </a:t>
-            </a:r>
-            <a:r>
-              <a:rPr lang="it-IT" sz="1800" i="1" dirty="0" err="1">
-                <a:cs typeface="Times New Roman" panose="02020603050405020304" pitchFamily="18" charset="0"/>
-              </a:rPr>
-              <a:t>Loss</a:t>
-            </a:r>
-            <a:r>
-              <a:rPr lang="it-IT" sz="1800" i="1" dirty="0">
-                <a:cs typeface="Times New Roman" panose="02020603050405020304" pitchFamily="18" charset="0"/>
-              </a:rPr>
-              <a:t> </a:t>
-            </a:r>
-            <a:r>
-              <a:rPr lang="it-IT" sz="1800" i="1" dirty="0" err="1">
-                <a:cs typeface="Times New Roman" panose="02020603050405020304" pitchFamily="18" charset="0"/>
-              </a:rPr>
-              <a:t>Models_From</a:t>
-            </a:r>
-            <a:r>
-              <a:rPr lang="it-IT" sz="1800" i="1" dirty="0">
-                <a:cs typeface="Times New Roman" panose="02020603050405020304" pitchFamily="18" charset="0"/>
-              </a:rPr>
-              <a:t> Data to </a:t>
-            </a:r>
-            <a:r>
-              <a:rPr lang="it-IT" sz="1800" i="1" dirty="0" err="1">
-                <a:cs typeface="Times New Roman" panose="02020603050405020304" pitchFamily="18" charset="0"/>
-              </a:rPr>
-              <a:t>Desicions</a:t>
-            </a:r>
-            <a:r>
-              <a:rPr lang="it-IT" sz="1800" i="1" dirty="0">
-                <a:cs typeface="Times New Roman" panose="02020603050405020304" pitchFamily="18" charset="0"/>
-              </a:rPr>
-              <a:t>, 2012</a:t>
-            </a:r>
-          </a:p>
-          <a:p>
-            <a:pPr algn="l"/>
-            <a:r>
-              <a:rPr lang="it-IT" sz="1800" i="1" dirty="0">
-                <a:cs typeface="Times New Roman" panose="02020603050405020304" pitchFamily="18" charset="0"/>
-              </a:rPr>
-              <a:t>Presentazione PPT del Professor Michele </a:t>
-            </a:r>
-            <a:r>
-              <a:rPr lang="it-IT" sz="1800" i="1" dirty="0" err="1">
-                <a:cs typeface="Times New Roman" panose="02020603050405020304" pitchFamily="18" charset="0"/>
-              </a:rPr>
-              <a:t>Bonollo</a:t>
-            </a:r>
-            <a:r>
-              <a:rPr lang="it-IT" sz="1800" i="1" dirty="0">
-                <a:cs typeface="Times New Roman" panose="02020603050405020304" pitchFamily="18" charset="0"/>
-              </a:rPr>
-              <a:t> dell’Università degli Studi di Padova sul tema: Rischi Operativi e Basilea 2. Modelli, metodi e problematiche applicative. </a:t>
-            </a:r>
-          </a:p>
-          <a:p>
-            <a:pPr algn="l"/>
-            <a:r>
-              <a:rPr lang="it-IT" sz="1800" i="1" dirty="0">
-                <a:cs typeface="Times New Roman" panose="02020603050405020304" pitchFamily="18" charset="0"/>
-              </a:rPr>
-              <a:t>Presentazione PPT della Professoressa Simona Cosma dell’Università del Salento sul tema: Il calcolo del VAR operativo mediante la metodologia stocastica parametrica. </a:t>
-            </a:r>
-          </a:p>
-          <a:p>
-            <a:pPr algn="l"/>
-            <a:r>
-              <a:rPr lang="it-IT" sz="1800" i="1" dirty="0">
-                <a:cs typeface="Times New Roman" panose="02020603050405020304" pitchFamily="18" charset="0"/>
-              </a:rPr>
-              <a:t>Lezione n. 5. - 28/3/03. Università degli Studi di Roma Tre, sezione di Matematica. Dipartimento di Matematica e Fisica. </a:t>
-            </a:r>
-          </a:p>
-          <a:p>
-            <a:pPr algn="l"/>
-            <a:r>
-              <a:rPr lang="it-IT" sz="1800" i="1" dirty="0">
-                <a:cs typeface="Times New Roman" panose="02020603050405020304" pitchFamily="18" charset="0"/>
-              </a:rPr>
-              <a:t>Tesi di Laurea Magistrale del Dott. Giacomo </a:t>
-            </a:r>
-            <a:r>
-              <a:rPr lang="it-IT" sz="1800" i="1" dirty="0" err="1">
-                <a:cs typeface="Times New Roman" panose="02020603050405020304" pitchFamily="18" charset="0"/>
-              </a:rPr>
-              <a:t>Fasiolo</a:t>
-            </a:r>
-            <a:r>
-              <a:rPr lang="it-IT" sz="1800" i="1" dirty="0">
-                <a:cs typeface="Times New Roman" panose="02020603050405020304" pitchFamily="18" charset="0"/>
-              </a:rPr>
-              <a:t> Tozzo. Corso di Laurea: Economia e Finanza presso l’Università Ca’ </a:t>
-            </a:r>
-            <a:r>
-              <a:rPr lang="it-IT" sz="1800" i="1" dirty="0" err="1">
-                <a:cs typeface="Times New Roman" panose="02020603050405020304" pitchFamily="18" charset="0"/>
-              </a:rPr>
-              <a:t>Foscari</a:t>
-            </a:r>
-            <a:r>
-              <a:rPr lang="it-IT" sz="1800" i="1" dirty="0">
-                <a:cs typeface="Times New Roman" panose="02020603050405020304" pitchFamily="18" charset="0"/>
-              </a:rPr>
-              <a:t> di Venezia. Relatore: prof. Andrea Giacomelli. Anno accademico 2014 – 2015. Titolo della tesi: I Rischi Operativi. </a:t>
-            </a:r>
-          </a:p>
-          <a:p>
-            <a:pPr algn="l"/>
-            <a:r>
-              <a:rPr lang="it-IT" sz="1800" i="1" dirty="0">
-                <a:cs typeface="Times New Roman" panose="02020603050405020304" pitchFamily="18" charset="0"/>
-              </a:rPr>
-              <a:t>Presentazione PPT della </a:t>
-            </a:r>
-            <a:r>
-              <a:rPr lang="it-IT" sz="1800" i="1" dirty="0" err="1">
-                <a:cs typeface="Times New Roman" panose="02020603050405020304" pitchFamily="18" charset="0"/>
-              </a:rPr>
-              <a:t>Prof.sa</a:t>
-            </a:r>
-            <a:r>
-              <a:rPr lang="it-IT" sz="1800" i="1" dirty="0">
-                <a:cs typeface="Times New Roman" panose="02020603050405020304" pitchFamily="18" charset="0"/>
-              </a:rPr>
-              <a:t> Damiana Costanzo dell’Università degli Studi della Calabria. </a:t>
-            </a:r>
-          </a:p>
-          <a:p>
-            <a:pPr algn="l"/>
-            <a:r>
-              <a:rPr lang="it-IT" sz="1800" i="1" dirty="0">
-                <a:cs typeface="Times New Roman" panose="02020603050405020304" pitchFamily="18" charset="0"/>
-              </a:rPr>
-              <a:t>Presentazione PPT del Docente: Dott. L. </a:t>
-            </a:r>
-            <a:r>
-              <a:rPr lang="it-IT" sz="1800" i="1" dirty="0" err="1">
-                <a:cs typeface="Times New Roman" panose="02020603050405020304" pitchFamily="18" charset="0"/>
-              </a:rPr>
-              <a:t>Corain</a:t>
-            </a:r>
-            <a:r>
-              <a:rPr lang="it-IT" sz="1800" i="1" dirty="0">
-                <a:cs typeface="Times New Roman" panose="02020603050405020304" pitchFamily="18" charset="0"/>
-              </a:rPr>
-              <a:t> insegnante del Corso di laurea in Ingegneria Civile, Università degli Studi di Padova. Modelli Probabilistici. </a:t>
-            </a:r>
-          </a:p>
-        </p:txBody>
-      </p:sp>
-    </p:spTree>
-    <p:extLst>
-      <p:ext uri="{BB962C8B-B14F-4D97-AF65-F5344CB8AC3E}">
-        <p14:creationId xmlns:p14="http://schemas.microsoft.com/office/powerpoint/2010/main" val="1106072144"/>
-      </p:ext>
-    </p:extLst>
-  </p:cSld>
-  <p:clrMapOvr>
-    <a:masterClrMapping/>
-  </p:clrMapOvr>
-</p:sld>
-</file>
-
 <file path=ppt/slides/slide4.xml><?xml version="1.0" encoding="utf-8"?>
 <p:sld xmlns:a="http://schemas.openxmlformats.org/drawingml/2006/main" xmlns:r="http://schemas.openxmlformats.org/officeDocument/2006/relationships" xmlns:p="http://schemas.openxmlformats.org/presentationml/2006/main">
   <p:cSld>
@@ -22891,6 +22971,887 @@
 </file>
 
 <file path=ppt/slides/slide40.xml><?xml version="1.0" encoding="utf-8"?>
+<p:sld xmlns:a="http://schemas.openxmlformats.org/drawingml/2006/main" xmlns:r="http://schemas.openxmlformats.org/officeDocument/2006/relationships" xmlns:p="http://schemas.openxmlformats.org/presentationml/2006/main">
+  <p:cSld>
+    <p:spTree>
+      <p:nvGrpSpPr>
+        <p:cNvPr id="1" name=""/>
+        <p:cNvGrpSpPr/>
+        <p:nvPr/>
+      </p:nvGrpSpPr>
+      <p:grpSpPr>
+        <a:xfrm>
+          <a:off x="0" y="0"/>
+          <a:ext cx="0" cy="0"/>
+          <a:chOff x="0" y="0"/>
+          <a:chExt cx="0" cy="0"/>
+        </a:xfrm>
+      </p:grpSpPr>
+      <p:sp>
+        <p:nvSpPr>
+          <p:cNvPr id="4" name="Titolo 1"/>
+          <p:cNvSpPr txBox="1">
+            <a:spLocks/>
+          </p:cNvSpPr>
+          <p:nvPr/>
+        </p:nvSpPr>
+        <p:spPr>
+          <a:xfrm>
+            <a:off x="838198" y="91726"/>
+            <a:ext cx="10515600" cy="1325563"/>
+          </a:xfrm>
+          <a:prstGeom prst="rect">
+            <a:avLst/>
+          </a:prstGeom>
+        </p:spPr>
+        <p:txBody>
+          <a:bodyPr vert="horz" lIns="91440" tIns="45720" rIns="91440" bIns="45720" rtlCol="0" anchor="b">
+            <a:normAutofit/>
+          </a:bodyPr>
+          <a:lstStyle>
+            <a:lvl1pPr algn="ctr" defTabSz="914400" rtl="0" eaLnBrk="1" latinLnBrk="0" hangingPunct="1">
+              <a:lnSpc>
+                <a:spcPct val="90000"/>
+              </a:lnSpc>
+              <a:spcBef>
+                <a:spcPct val="0"/>
+              </a:spcBef>
+              <a:buNone/>
+              <a:defRPr sz="6000" kern="1200">
+                <a:solidFill>
+                  <a:schemeClr val="tx1"/>
+                </a:solidFill>
+                <a:latin typeface="+mj-lt"/>
+                <a:ea typeface="+mj-ea"/>
+                <a:cs typeface="+mj-cs"/>
+              </a:defRPr>
+            </a:lvl1pPr>
+          </a:lstStyle>
+          <a:p>
+            <a:endParaRPr lang="it-IT" sz="4000" dirty="0">
+              <a:latin typeface="Bodoni MT" pitchFamily="18" charset="0"/>
+            </a:endParaRPr>
+          </a:p>
+        </p:txBody>
+      </p:sp>
+      <p:sp>
+        <p:nvSpPr>
+          <p:cNvPr id="5" name="Segnaposto contenuto 2"/>
+          <p:cNvSpPr txBox="1">
+            <a:spLocks/>
+          </p:cNvSpPr>
+          <p:nvPr/>
+        </p:nvSpPr>
+        <p:spPr>
+          <a:xfrm>
+            <a:off x="838198" y="460057"/>
+            <a:ext cx="10515600" cy="1457326"/>
+          </a:xfrm>
+          <a:prstGeom prst="rect">
+            <a:avLst/>
+          </a:prstGeom>
+        </p:spPr>
+        <p:txBody>
+          <a:bodyPr vert="horz" lIns="91440" tIns="45720" rIns="91440" bIns="45720" rtlCol="0">
+            <a:normAutofit/>
+          </a:bodyPr>
+          <a:lstStyle>
+            <a:lvl1pPr marL="0" indent="0" algn="ctr" defTabSz="914400" rtl="0" eaLnBrk="1" latinLnBrk="0" hangingPunct="1">
+              <a:lnSpc>
+                <a:spcPct val="90000"/>
+              </a:lnSpc>
+              <a:spcBef>
+                <a:spcPts val="1000"/>
+              </a:spcBef>
+              <a:buFont typeface="Arial" panose="020B0604020202020204" pitchFamily="34" charset="0"/>
+              <a:buNone/>
+              <a:defRPr sz="2400" kern="1200">
+                <a:solidFill>
+                  <a:schemeClr val="tx1"/>
+                </a:solidFill>
+                <a:latin typeface="+mn-lt"/>
+                <a:ea typeface="+mn-ea"/>
+                <a:cs typeface="+mn-cs"/>
+              </a:defRPr>
+            </a:lvl1pPr>
+            <a:lvl2pPr marL="457200" indent="0" algn="ctr" defTabSz="914400" rtl="0" eaLnBrk="1" latinLnBrk="0" hangingPunct="1">
+              <a:lnSpc>
+                <a:spcPct val="90000"/>
+              </a:lnSpc>
+              <a:spcBef>
+                <a:spcPts val="500"/>
+              </a:spcBef>
+              <a:buFont typeface="Arial" panose="020B0604020202020204" pitchFamily="34" charset="0"/>
+              <a:buNone/>
+              <a:defRPr sz="2000" kern="1200">
+                <a:solidFill>
+                  <a:schemeClr val="tx1"/>
+                </a:solidFill>
+                <a:latin typeface="+mn-lt"/>
+                <a:ea typeface="+mn-ea"/>
+                <a:cs typeface="+mn-cs"/>
+              </a:defRPr>
+            </a:lvl2pPr>
+            <a:lvl3pPr marL="914400" indent="0" algn="ctr" defTabSz="914400" rtl="0" eaLnBrk="1" latinLnBrk="0" hangingPunct="1">
+              <a:lnSpc>
+                <a:spcPct val="90000"/>
+              </a:lnSpc>
+              <a:spcBef>
+                <a:spcPts val="500"/>
+              </a:spcBef>
+              <a:buFont typeface="Arial" panose="020B0604020202020204" pitchFamily="34" charset="0"/>
+              <a:buNone/>
+              <a:defRPr sz="1800" kern="1200">
+                <a:solidFill>
+                  <a:schemeClr val="tx1"/>
+                </a:solidFill>
+                <a:latin typeface="+mn-lt"/>
+                <a:ea typeface="+mn-ea"/>
+                <a:cs typeface="+mn-cs"/>
+              </a:defRPr>
+            </a:lvl3pPr>
+            <a:lvl4pPr marL="1371600" indent="0" algn="ctr" defTabSz="914400" rtl="0" eaLnBrk="1" latinLnBrk="0" hangingPunct="1">
+              <a:lnSpc>
+                <a:spcPct val="90000"/>
+              </a:lnSpc>
+              <a:spcBef>
+                <a:spcPts val="500"/>
+              </a:spcBef>
+              <a:buFont typeface="Arial" panose="020B0604020202020204" pitchFamily="34" charset="0"/>
+              <a:buNone/>
+              <a:defRPr sz="1600" kern="1200">
+                <a:solidFill>
+                  <a:schemeClr val="tx1"/>
+                </a:solidFill>
+                <a:latin typeface="+mn-lt"/>
+                <a:ea typeface="+mn-ea"/>
+                <a:cs typeface="+mn-cs"/>
+              </a:defRPr>
+            </a:lvl4pPr>
+            <a:lvl5pPr marL="1828800" indent="0" algn="ctr" defTabSz="914400" rtl="0" eaLnBrk="1" latinLnBrk="0" hangingPunct="1">
+              <a:lnSpc>
+                <a:spcPct val="90000"/>
+              </a:lnSpc>
+              <a:spcBef>
+                <a:spcPts val="500"/>
+              </a:spcBef>
+              <a:buFont typeface="Arial" panose="020B0604020202020204" pitchFamily="34" charset="0"/>
+              <a:buNone/>
+              <a:defRPr sz="1600" kern="1200">
+                <a:solidFill>
+                  <a:schemeClr val="tx1"/>
+                </a:solidFill>
+                <a:latin typeface="+mn-lt"/>
+                <a:ea typeface="+mn-ea"/>
+                <a:cs typeface="+mn-cs"/>
+              </a:defRPr>
+            </a:lvl5pPr>
+            <a:lvl6pPr marL="2286000" indent="0" algn="ctr" defTabSz="914400" rtl="0" eaLnBrk="1" latinLnBrk="0" hangingPunct="1">
+              <a:lnSpc>
+                <a:spcPct val="90000"/>
+              </a:lnSpc>
+              <a:spcBef>
+                <a:spcPts val="500"/>
+              </a:spcBef>
+              <a:buFont typeface="Arial" panose="020B0604020202020204" pitchFamily="34" charset="0"/>
+              <a:buNone/>
+              <a:defRPr sz="1600" kern="1200">
+                <a:solidFill>
+                  <a:schemeClr val="tx1"/>
+                </a:solidFill>
+                <a:latin typeface="+mn-lt"/>
+                <a:ea typeface="+mn-ea"/>
+                <a:cs typeface="+mn-cs"/>
+              </a:defRPr>
+            </a:lvl6pPr>
+            <a:lvl7pPr marL="2743200" indent="0" algn="ctr" defTabSz="914400" rtl="0" eaLnBrk="1" latinLnBrk="0" hangingPunct="1">
+              <a:lnSpc>
+                <a:spcPct val="90000"/>
+              </a:lnSpc>
+              <a:spcBef>
+                <a:spcPts val="500"/>
+              </a:spcBef>
+              <a:buFont typeface="Arial" panose="020B0604020202020204" pitchFamily="34" charset="0"/>
+              <a:buNone/>
+              <a:defRPr sz="1600" kern="1200">
+                <a:solidFill>
+                  <a:schemeClr val="tx1"/>
+                </a:solidFill>
+                <a:latin typeface="+mn-lt"/>
+                <a:ea typeface="+mn-ea"/>
+                <a:cs typeface="+mn-cs"/>
+              </a:defRPr>
+            </a:lvl7pPr>
+            <a:lvl8pPr marL="3200400" indent="0" algn="ctr" defTabSz="914400" rtl="0" eaLnBrk="1" latinLnBrk="0" hangingPunct="1">
+              <a:lnSpc>
+                <a:spcPct val="90000"/>
+              </a:lnSpc>
+              <a:spcBef>
+                <a:spcPts val="500"/>
+              </a:spcBef>
+              <a:buFont typeface="Arial" panose="020B0604020202020204" pitchFamily="34" charset="0"/>
+              <a:buNone/>
+              <a:defRPr sz="1600" kern="1200">
+                <a:solidFill>
+                  <a:schemeClr val="tx1"/>
+                </a:solidFill>
+                <a:latin typeface="+mn-lt"/>
+                <a:ea typeface="+mn-ea"/>
+                <a:cs typeface="+mn-cs"/>
+              </a:defRPr>
+            </a:lvl8pPr>
+            <a:lvl9pPr marL="3657600" indent="0" algn="ctr" defTabSz="914400" rtl="0" eaLnBrk="1" latinLnBrk="0" hangingPunct="1">
+              <a:lnSpc>
+                <a:spcPct val="90000"/>
+              </a:lnSpc>
+              <a:spcBef>
+                <a:spcPts val="500"/>
+              </a:spcBef>
+              <a:buFont typeface="Arial" panose="020B0604020202020204" pitchFamily="34" charset="0"/>
+              <a:buNone/>
+              <a:defRPr sz="1600" kern="1200">
+                <a:solidFill>
+                  <a:schemeClr val="tx1"/>
+                </a:solidFill>
+                <a:latin typeface="+mn-lt"/>
+                <a:ea typeface="+mn-ea"/>
+                <a:cs typeface="+mn-cs"/>
+              </a:defRPr>
+            </a:lvl9pPr>
+          </a:lstStyle>
+          <a:p>
+            <a:pPr marL="514350" marR="0" lvl="0" indent="-514350" defTabSz="914400" eaLnBrk="1" fontAlgn="auto" latinLnBrk="0" hangingPunct="1">
+              <a:lnSpc>
+                <a:spcPct val="100000"/>
+              </a:lnSpc>
+              <a:spcBef>
+                <a:spcPts val="0"/>
+              </a:spcBef>
+              <a:spcAft>
+                <a:spcPts val="0"/>
+              </a:spcAft>
+              <a:buClrTx/>
+              <a:buSzTx/>
+              <a:buFont typeface="+mj-lt"/>
+              <a:buNone/>
+              <a:tabLst/>
+              <a:defRPr/>
+            </a:pPr>
+            <a:r>
+              <a:rPr lang="it-IT" sz="4000" dirty="0"/>
+              <a:t>Fonti</a:t>
+            </a:r>
+          </a:p>
+        </p:txBody>
+      </p:sp>
+      <p:sp>
+        <p:nvSpPr>
+          <p:cNvPr id="7" name="CasellaDiTesto 6"/>
+          <p:cNvSpPr txBox="1"/>
+          <p:nvPr/>
+        </p:nvSpPr>
+        <p:spPr>
+          <a:xfrm>
+            <a:off x="1172814" y="6308035"/>
+            <a:ext cx="9846368" cy="307777"/>
+          </a:xfrm>
+          <a:prstGeom prst="rect">
+            <a:avLst/>
+          </a:prstGeom>
+          <a:noFill/>
+        </p:spPr>
+        <p:txBody>
+          <a:bodyPr wrap="square" rtlCol="0">
+            <a:spAutoFit/>
+          </a:bodyPr>
+          <a:lstStyle/>
+          <a:p>
+            <a:pPr algn="ctr"/>
+            <a:r>
+              <a:rPr lang="it-IT" sz="1400" i="1" dirty="0"/>
+              <a:t>ERIK HOLLER  - ELIA SCARPARO- STEFANO ZAMPIERO</a:t>
+            </a:r>
+          </a:p>
+        </p:txBody>
+      </p:sp>
+      <p:sp>
+        <p:nvSpPr>
+          <p:cNvPr id="9" name="CasellaDiTesto 8"/>
+          <p:cNvSpPr txBox="1"/>
+          <p:nvPr/>
+        </p:nvSpPr>
+        <p:spPr>
+          <a:xfrm>
+            <a:off x="7281376" y="112014"/>
+            <a:ext cx="4532908" cy="307777"/>
+          </a:xfrm>
+          <a:prstGeom prst="rect">
+            <a:avLst/>
+          </a:prstGeom>
+          <a:noFill/>
+        </p:spPr>
+        <p:txBody>
+          <a:bodyPr wrap="none" rtlCol="0">
+            <a:spAutoFit/>
+          </a:bodyPr>
+          <a:lstStyle/>
+          <a:p>
+            <a:r>
+              <a:rPr lang="it-IT" sz="1400" i="1" dirty="0"/>
+              <a:t>LABORATORIO DI SIMULAZIONI FINANZIARIE A.A. 2017-2018</a:t>
+            </a:r>
+          </a:p>
+        </p:txBody>
+      </p:sp>
+      <p:sp>
+        <p:nvSpPr>
+          <p:cNvPr id="10" name="Segnaposto contenuto 2">
+            <a:extLst>
+              <a:ext uri="{FF2B5EF4-FFF2-40B4-BE49-F238E27FC236}">
+                <a16:creationId xmlns:a16="http://schemas.microsoft.com/office/drawing/2014/main" id="{3E1B8146-377A-4E32-B838-476B02B1AB2C}"/>
+              </a:ext>
+            </a:extLst>
+          </p:cNvPr>
+          <p:cNvSpPr txBox="1">
+            <a:spLocks/>
+          </p:cNvSpPr>
+          <p:nvPr/>
+        </p:nvSpPr>
+        <p:spPr>
+          <a:xfrm>
+            <a:off x="400050" y="946532"/>
+            <a:ext cx="11658600" cy="5669280"/>
+          </a:xfrm>
+          <a:prstGeom prst="rect">
+            <a:avLst/>
+          </a:prstGeom>
+        </p:spPr>
+        <p:txBody>
+          <a:bodyPr vert="horz" lIns="91440" tIns="45720" rIns="91440" bIns="45720" rtlCol="0" anchor="ctr">
+            <a:normAutofit/>
+          </a:bodyPr>
+          <a:lstStyle>
+            <a:lvl1pPr marL="0" indent="0" algn="ctr" defTabSz="914400" rtl="0" eaLnBrk="1" latinLnBrk="0" hangingPunct="1">
+              <a:lnSpc>
+                <a:spcPct val="90000"/>
+              </a:lnSpc>
+              <a:spcBef>
+                <a:spcPts val="1000"/>
+              </a:spcBef>
+              <a:buFont typeface="Arial"/>
+              <a:buNone/>
+              <a:defRPr sz="2400" kern="1200">
+                <a:solidFill>
+                  <a:schemeClr val="tx1"/>
+                </a:solidFill>
+                <a:latin typeface="+mn-lt"/>
+                <a:ea typeface="+mn-ea"/>
+                <a:cs typeface="+mn-cs"/>
+              </a:defRPr>
+            </a:lvl1pPr>
+            <a:lvl2pPr marL="457200" indent="0" algn="ctr" defTabSz="914400" rtl="0" eaLnBrk="1" latinLnBrk="0" hangingPunct="1">
+              <a:lnSpc>
+                <a:spcPct val="90000"/>
+              </a:lnSpc>
+              <a:spcBef>
+                <a:spcPts val="500"/>
+              </a:spcBef>
+              <a:buFont typeface="Arial"/>
+              <a:buNone/>
+              <a:defRPr sz="2000" kern="1200">
+                <a:solidFill>
+                  <a:schemeClr val="tx1"/>
+                </a:solidFill>
+                <a:latin typeface="+mn-lt"/>
+                <a:ea typeface="+mn-ea"/>
+                <a:cs typeface="+mn-cs"/>
+              </a:defRPr>
+            </a:lvl2pPr>
+            <a:lvl3pPr marL="914400" indent="0" algn="ctr" defTabSz="914400" rtl="0" eaLnBrk="1" latinLnBrk="0" hangingPunct="1">
+              <a:lnSpc>
+                <a:spcPct val="90000"/>
+              </a:lnSpc>
+              <a:spcBef>
+                <a:spcPts val="500"/>
+              </a:spcBef>
+              <a:buFont typeface="Arial"/>
+              <a:buNone/>
+              <a:defRPr sz="1800" kern="1200">
+                <a:solidFill>
+                  <a:schemeClr val="tx1"/>
+                </a:solidFill>
+                <a:latin typeface="+mn-lt"/>
+                <a:ea typeface="+mn-ea"/>
+                <a:cs typeface="+mn-cs"/>
+              </a:defRPr>
+            </a:lvl3pPr>
+            <a:lvl4pPr marL="1371600" indent="0" algn="ctr" defTabSz="914400" rtl="0" eaLnBrk="1" latinLnBrk="0" hangingPunct="1">
+              <a:lnSpc>
+                <a:spcPct val="90000"/>
+              </a:lnSpc>
+              <a:spcBef>
+                <a:spcPts val="500"/>
+              </a:spcBef>
+              <a:buFont typeface="Arial"/>
+              <a:buNone/>
+              <a:defRPr sz="1600" kern="1200">
+                <a:solidFill>
+                  <a:schemeClr val="tx1"/>
+                </a:solidFill>
+                <a:latin typeface="+mn-lt"/>
+                <a:ea typeface="+mn-ea"/>
+                <a:cs typeface="+mn-cs"/>
+              </a:defRPr>
+            </a:lvl4pPr>
+            <a:lvl5pPr marL="1828800" indent="0" algn="ctr" defTabSz="914400" rtl="0" eaLnBrk="1" latinLnBrk="0" hangingPunct="1">
+              <a:lnSpc>
+                <a:spcPct val="90000"/>
+              </a:lnSpc>
+              <a:spcBef>
+                <a:spcPts val="500"/>
+              </a:spcBef>
+              <a:buFont typeface="Arial"/>
+              <a:buNone/>
+              <a:defRPr sz="1600" kern="1200">
+                <a:solidFill>
+                  <a:schemeClr val="tx1"/>
+                </a:solidFill>
+                <a:latin typeface="+mn-lt"/>
+                <a:ea typeface="+mn-ea"/>
+                <a:cs typeface="+mn-cs"/>
+              </a:defRPr>
+            </a:lvl5pPr>
+            <a:lvl6pPr marL="2286000" indent="0" algn="ctr" defTabSz="914400" rtl="0" eaLnBrk="1" latinLnBrk="0" hangingPunct="1">
+              <a:lnSpc>
+                <a:spcPct val="90000"/>
+              </a:lnSpc>
+              <a:spcBef>
+                <a:spcPts val="500"/>
+              </a:spcBef>
+              <a:buFont typeface="Arial"/>
+              <a:buNone/>
+              <a:defRPr sz="1600" kern="1200">
+                <a:solidFill>
+                  <a:schemeClr val="tx1"/>
+                </a:solidFill>
+                <a:latin typeface="+mn-lt"/>
+                <a:ea typeface="+mn-ea"/>
+                <a:cs typeface="+mn-cs"/>
+              </a:defRPr>
+            </a:lvl6pPr>
+            <a:lvl7pPr marL="2743200" indent="0" algn="ctr" defTabSz="914400" rtl="0" eaLnBrk="1" latinLnBrk="0" hangingPunct="1">
+              <a:lnSpc>
+                <a:spcPct val="90000"/>
+              </a:lnSpc>
+              <a:spcBef>
+                <a:spcPts val="500"/>
+              </a:spcBef>
+              <a:buFont typeface="Arial"/>
+              <a:buNone/>
+              <a:defRPr sz="1600" kern="1200">
+                <a:solidFill>
+                  <a:schemeClr val="tx1"/>
+                </a:solidFill>
+                <a:latin typeface="+mn-lt"/>
+                <a:ea typeface="+mn-ea"/>
+                <a:cs typeface="+mn-cs"/>
+              </a:defRPr>
+            </a:lvl7pPr>
+            <a:lvl8pPr marL="3200400" indent="0" algn="ctr" defTabSz="914400" rtl="0" eaLnBrk="1" latinLnBrk="0" hangingPunct="1">
+              <a:lnSpc>
+                <a:spcPct val="90000"/>
+              </a:lnSpc>
+              <a:spcBef>
+                <a:spcPts val="500"/>
+              </a:spcBef>
+              <a:buFont typeface="Arial"/>
+              <a:buNone/>
+              <a:defRPr sz="1600" kern="1200">
+                <a:solidFill>
+                  <a:schemeClr val="tx1"/>
+                </a:solidFill>
+                <a:latin typeface="+mn-lt"/>
+                <a:ea typeface="+mn-ea"/>
+                <a:cs typeface="+mn-cs"/>
+              </a:defRPr>
+            </a:lvl8pPr>
+            <a:lvl9pPr marL="3657600" indent="0" algn="ctr" defTabSz="914400" rtl="0" eaLnBrk="1" latinLnBrk="0" hangingPunct="1">
+              <a:lnSpc>
+                <a:spcPct val="90000"/>
+              </a:lnSpc>
+              <a:spcBef>
+                <a:spcPts val="500"/>
+              </a:spcBef>
+              <a:buFont typeface="Arial"/>
+              <a:buNone/>
+              <a:defRPr sz="1600" kern="1200">
+                <a:solidFill>
+                  <a:schemeClr val="tx1"/>
+                </a:solidFill>
+                <a:latin typeface="+mn-lt"/>
+                <a:ea typeface="+mn-ea"/>
+                <a:cs typeface="+mn-cs"/>
+              </a:defRPr>
+            </a:lvl9pPr>
+          </a:lstStyle>
+          <a:p>
+            <a:pPr algn="l"/>
+            <a:r>
+              <a:rPr lang="it-IT" sz="1800" i="1" dirty="0" err="1">
+                <a:cs typeface="Times New Roman" panose="02020603050405020304" pitchFamily="18" charset="0"/>
+              </a:rPr>
+              <a:t>Loss</a:t>
+            </a:r>
+            <a:r>
+              <a:rPr lang="it-IT" sz="1800" i="1" dirty="0">
+                <a:cs typeface="Times New Roman" panose="02020603050405020304" pitchFamily="18" charset="0"/>
+              </a:rPr>
+              <a:t> Distribution </a:t>
+            </a:r>
+            <a:r>
+              <a:rPr lang="it-IT" sz="1800" i="1" dirty="0" err="1">
+                <a:cs typeface="Times New Roman" panose="02020603050405020304" pitchFamily="18" charset="0"/>
+              </a:rPr>
+              <a:t>Approach</a:t>
+            </a:r>
+            <a:r>
+              <a:rPr lang="it-IT" sz="1800" i="1" dirty="0">
+                <a:cs typeface="Times New Roman" panose="02020603050405020304" pitchFamily="18" charset="0"/>
+              </a:rPr>
+              <a:t> for </a:t>
+            </a:r>
+            <a:r>
+              <a:rPr lang="it-IT" sz="1800" i="1" dirty="0" err="1">
+                <a:cs typeface="Times New Roman" panose="02020603050405020304" pitchFamily="18" charset="0"/>
+              </a:rPr>
+              <a:t>operational</a:t>
+            </a:r>
+            <a:r>
+              <a:rPr lang="it-IT" sz="1800" i="1" dirty="0">
+                <a:cs typeface="Times New Roman" panose="02020603050405020304" pitchFamily="18" charset="0"/>
+              </a:rPr>
+              <a:t> </a:t>
+            </a:r>
+            <a:r>
+              <a:rPr lang="it-IT" sz="1800" i="1" dirty="0" err="1">
+                <a:cs typeface="Times New Roman" panose="02020603050405020304" pitchFamily="18" charset="0"/>
+              </a:rPr>
+              <a:t>risk</a:t>
+            </a:r>
+            <a:r>
+              <a:rPr lang="it-IT" sz="1800" i="1" dirty="0">
+                <a:cs typeface="Times New Roman" panose="02020603050405020304" pitchFamily="18" charset="0"/>
+              </a:rPr>
+              <a:t>, A. </a:t>
+            </a:r>
+            <a:r>
+              <a:rPr lang="it-IT" sz="1800" i="1" dirty="0" err="1">
+                <a:cs typeface="Times New Roman" panose="02020603050405020304" pitchFamily="18" charset="0"/>
+              </a:rPr>
+              <a:t>Frachot</a:t>
+            </a:r>
+            <a:r>
+              <a:rPr lang="it-IT" sz="1800" i="1" dirty="0">
+                <a:cs typeface="Times New Roman" panose="02020603050405020304" pitchFamily="18" charset="0"/>
+              </a:rPr>
+              <a:t>, P. Georges &amp; T. </a:t>
+            </a:r>
+            <a:r>
+              <a:rPr lang="it-IT" sz="1800" i="1" dirty="0" err="1">
+                <a:cs typeface="Times New Roman" panose="02020603050405020304" pitchFamily="18" charset="0"/>
+              </a:rPr>
+              <a:t>Roncalliy</a:t>
+            </a:r>
+            <a:r>
+              <a:rPr lang="it-IT" sz="1800" i="1" dirty="0">
+                <a:cs typeface="Times New Roman" panose="02020603050405020304" pitchFamily="18" charset="0"/>
+              </a:rPr>
+              <a:t>, </a:t>
+            </a:r>
+            <a:r>
+              <a:rPr lang="it-IT" sz="1800" i="1" dirty="0" err="1">
+                <a:cs typeface="Times New Roman" panose="02020603050405020304" pitchFamily="18" charset="0"/>
+              </a:rPr>
+              <a:t>Groupe</a:t>
+            </a:r>
+            <a:r>
+              <a:rPr lang="it-IT" sz="1800" i="1" dirty="0">
+                <a:cs typeface="Times New Roman" panose="02020603050405020304" pitchFamily="18" charset="0"/>
+              </a:rPr>
+              <a:t> de </a:t>
+            </a:r>
+            <a:r>
+              <a:rPr lang="it-IT" sz="1800" i="1" dirty="0" err="1">
+                <a:cs typeface="Times New Roman" panose="02020603050405020304" pitchFamily="18" charset="0"/>
+              </a:rPr>
+              <a:t>Recherche</a:t>
+            </a:r>
+            <a:r>
+              <a:rPr lang="it-IT" sz="1800" i="1" dirty="0">
+                <a:cs typeface="Times New Roman" panose="02020603050405020304" pitchFamily="18" charset="0"/>
+              </a:rPr>
+              <a:t> </a:t>
+            </a:r>
+            <a:r>
+              <a:rPr lang="it-IT" sz="1800" i="1" dirty="0" err="1">
+                <a:cs typeface="Times New Roman" panose="02020603050405020304" pitchFamily="18" charset="0"/>
+              </a:rPr>
+              <a:t>Operationnelle</a:t>
+            </a:r>
+            <a:r>
+              <a:rPr lang="it-IT" sz="1800" i="1" dirty="0">
+                <a:cs typeface="Times New Roman" panose="02020603050405020304" pitchFamily="18" charset="0"/>
+              </a:rPr>
+              <a:t>, Credit Lyonnais, France </a:t>
+            </a:r>
+          </a:p>
+          <a:p>
+            <a:pPr algn="l"/>
+            <a:r>
+              <a:rPr lang="it-IT" sz="1800" i="1" dirty="0">
+                <a:cs typeface="Times New Roman" panose="02020603050405020304" pitchFamily="18" charset="0"/>
+              </a:rPr>
+              <a:t>[</a:t>
+            </a:r>
+            <a:r>
+              <a:rPr lang="it-IT" sz="1800" i="1" dirty="0" err="1">
+                <a:cs typeface="Times New Roman" panose="02020603050405020304" pitchFamily="18" charset="0"/>
+              </a:rPr>
+              <a:t>Wiley</a:t>
+            </a:r>
+            <a:r>
+              <a:rPr lang="it-IT" sz="1800" i="1" dirty="0">
+                <a:cs typeface="Times New Roman" panose="02020603050405020304" pitchFamily="18" charset="0"/>
+              </a:rPr>
+              <a:t> Series in </a:t>
+            </a:r>
+            <a:r>
+              <a:rPr lang="it-IT" sz="1800" i="1" dirty="0" err="1">
+                <a:cs typeface="Times New Roman" panose="02020603050405020304" pitchFamily="18" charset="0"/>
+              </a:rPr>
+              <a:t>Probability</a:t>
+            </a:r>
+            <a:r>
+              <a:rPr lang="it-IT" sz="1800" i="1" dirty="0">
+                <a:cs typeface="Times New Roman" panose="02020603050405020304" pitchFamily="18" charset="0"/>
+              </a:rPr>
+              <a:t> and </a:t>
+            </a:r>
+            <a:r>
+              <a:rPr lang="it-IT" sz="1800" i="1" dirty="0" err="1">
+                <a:cs typeface="Times New Roman" panose="02020603050405020304" pitchFamily="18" charset="0"/>
+              </a:rPr>
+              <a:t>Statistics</a:t>
+            </a:r>
+            <a:r>
+              <a:rPr lang="it-IT" sz="1800" i="1" dirty="0">
+                <a:cs typeface="Times New Roman" panose="02020603050405020304" pitchFamily="18" charset="0"/>
+              </a:rPr>
+              <a:t>] </a:t>
+            </a:r>
+            <a:r>
+              <a:rPr lang="it-IT" sz="1800" i="1" dirty="0" err="1">
+                <a:cs typeface="Times New Roman" panose="02020603050405020304" pitchFamily="18" charset="0"/>
+              </a:rPr>
+              <a:t>Klugman</a:t>
+            </a:r>
+            <a:r>
+              <a:rPr lang="it-IT" sz="1800" i="1" dirty="0">
+                <a:cs typeface="Times New Roman" panose="02020603050405020304" pitchFamily="18" charset="0"/>
+              </a:rPr>
+              <a:t>, S.A. and </a:t>
+            </a:r>
+            <a:r>
+              <a:rPr lang="it-IT" sz="1800" i="1" dirty="0" err="1">
+                <a:cs typeface="Times New Roman" panose="02020603050405020304" pitchFamily="18" charset="0"/>
+              </a:rPr>
+              <a:t>Panjer</a:t>
+            </a:r>
+            <a:r>
+              <a:rPr lang="it-IT" sz="1800" i="1" dirty="0">
+                <a:cs typeface="Times New Roman" panose="02020603050405020304" pitchFamily="18" charset="0"/>
+              </a:rPr>
+              <a:t>, H.H. and </a:t>
+            </a:r>
+            <a:r>
+              <a:rPr lang="it-IT" sz="1800" i="1" dirty="0" err="1">
+                <a:cs typeface="Times New Roman" panose="02020603050405020304" pitchFamily="18" charset="0"/>
+              </a:rPr>
+              <a:t>Wilmt</a:t>
+            </a:r>
+            <a:r>
+              <a:rPr lang="it-IT" sz="1800" i="1" dirty="0">
+                <a:cs typeface="Times New Roman" panose="02020603050405020304" pitchFamily="18" charset="0"/>
+              </a:rPr>
+              <a:t>, G.E. – </a:t>
+            </a:r>
+            <a:r>
+              <a:rPr lang="it-IT" sz="1800" i="1" dirty="0" err="1">
+                <a:cs typeface="Times New Roman" panose="02020603050405020304" pitchFamily="18" charset="0"/>
+              </a:rPr>
+              <a:t>Loss</a:t>
+            </a:r>
+            <a:r>
+              <a:rPr lang="it-IT" sz="1800" i="1" dirty="0">
+                <a:cs typeface="Times New Roman" panose="02020603050405020304" pitchFamily="18" charset="0"/>
+              </a:rPr>
+              <a:t> </a:t>
+            </a:r>
+            <a:r>
+              <a:rPr lang="it-IT" sz="1800" i="1" dirty="0" err="1">
+                <a:cs typeface="Times New Roman" panose="02020603050405020304" pitchFamily="18" charset="0"/>
+              </a:rPr>
+              <a:t>Models_From</a:t>
+            </a:r>
+            <a:r>
+              <a:rPr lang="it-IT" sz="1800" i="1" dirty="0">
+                <a:cs typeface="Times New Roman" panose="02020603050405020304" pitchFamily="18" charset="0"/>
+              </a:rPr>
+              <a:t> Data to </a:t>
+            </a:r>
+            <a:r>
+              <a:rPr lang="it-IT" sz="1800" i="1" dirty="0" err="1">
+                <a:cs typeface="Times New Roman" panose="02020603050405020304" pitchFamily="18" charset="0"/>
+              </a:rPr>
+              <a:t>Desicions</a:t>
+            </a:r>
+            <a:r>
+              <a:rPr lang="it-IT" sz="1800" i="1" dirty="0">
+                <a:cs typeface="Times New Roman" panose="02020603050405020304" pitchFamily="18" charset="0"/>
+              </a:rPr>
+              <a:t>, 2012</a:t>
+            </a:r>
+          </a:p>
+          <a:p>
+            <a:pPr algn="l"/>
+            <a:r>
+              <a:rPr lang="it-IT" sz="1800" i="1" dirty="0">
+                <a:cs typeface="Times New Roman" panose="02020603050405020304" pitchFamily="18" charset="0"/>
+              </a:rPr>
+              <a:t>Presentazione PPT del Professor Michele </a:t>
+            </a:r>
+            <a:r>
+              <a:rPr lang="it-IT" sz="1800" i="1" dirty="0" err="1">
+                <a:cs typeface="Times New Roman" panose="02020603050405020304" pitchFamily="18" charset="0"/>
+              </a:rPr>
+              <a:t>Bonollo</a:t>
+            </a:r>
+            <a:r>
+              <a:rPr lang="it-IT" sz="1800" i="1" dirty="0">
+                <a:cs typeface="Times New Roman" panose="02020603050405020304" pitchFamily="18" charset="0"/>
+              </a:rPr>
+              <a:t> dell’Università degli Studi di Padova sul tema: Rischi Operativi e Basilea 2. Modelli, metodi e problematiche applicative. </a:t>
+            </a:r>
+          </a:p>
+          <a:p>
+            <a:pPr algn="l"/>
+            <a:r>
+              <a:rPr lang="it-IT" sz="1800" i="1" dirty="0">
+                <a:cs typeface="Times New Roman" panose="02020603050405020304" pitchFamily="18" charset="0"/>
+              </a:rPr>
+              <a:t>Presentazione PPT della Professoressa Simona Cosma dell’Università del Salento sul tema: Il calcolo del VAR operativo mediante la metodologia stocastica parametrica. </a:t>
+            </a:r>
+          </a:p>
+          <a:p>
+            <a:pPr algn="l"/>
+            <a:r>
+              <a:rPr lang="it-IT" sz="1800" i="1" dirty="0">
+                <a:cs typeface="Times New Roman" panose="02020603050405020304" pitchFamily="18" charset="0"/>
+              </a:rPr>
+              <a:t>Lezione n. 5. - 28/3/03. Università degli Studi di Roma Tre, sezione di Matematica. Dipartimento di Matematica e Fisica. </a:t>
+            </a:r>
+          </a:p>
+          <a:p>
+            <a:pPr algn="l"/>
+            <a:r>
+              <a:rPr lang="it-IT" sz="1800" i="1" dirty="0">
+                <a:cs typeface="Times New Roman" panose="02020603050405020304" pitchFamily="18" charset="0"/>
+              </a:rPr>
+              <a:t>Tesi di Laurea Magistrale del Dott. Giacomo </a:t>
+            </a:r>
+            <a:r>
+              <a:rPr lang="it-IT" sz="1800" i="1" dirty="0" err="1">
+                <a:cs typeface="Times New Roman" panose="02020603050405020304" pitchFamily="18" charset="0"/>
+              </a:rPr>
+              <a:t>Fasiolo</a:t>
+            </a:r>
+            <a:r>
+              <a:rPr lang="it-IT" sz="1800" i="1" dirty="0">
+                <a:cs typeface="Times New Roman" panose="02020603050405020304" pitchFamily="18" charset="0"/>
+              </a:rPr>
+              <a:t> Tozzo. Corso di Laurea: Economia e Finanza presso l’Università Ca’ </a:t>
+            </a:r>
+            <a:r>
+              <a:rPr lang="it-IT" sz="1800" i="1" dirty="0" err="1">
+                <a:cs typeface="Times New Roman" panose="02020603050405020304" pitchFamily="18" charset="0"/>
+              </a:rPr>
+              <a:t>Foscari</a:t>
+            </a:r>
+            <a:r>
+              <a:rPr lang="it-IT" sz="1800" i="1" dirty="0">
+                <a:cs typeface="Times New Roman" panose="02020603050405020304" pitchFamily="18" charset="0"/>
+              </a:rPr>
+              <a:t> di Venezia. Relatore: prof. Andrea Giacomelli. Anno accademico 2014 – 2015. Titolo della tesi: I Rischi Operativi. </a:t>
+            </a:r>
+          </a:p>
+          <a:p>
+            <a:pPr algn="l"/>
+            <a:r>
+              <a:rPr lang="it-IT" sz="1800" i="1" dirty="0">
+                <a:cs typeface="Times New Roman" panose="02020603050405020304" pitchFamily="18" charset="0"/>
+              </a:rPr>
+              <a:t>Presentazione PPT della </a:t>
+            </a:r>
+            <a:r>
+              <a:rPr lang="it-IT" sz="1800" i="1" dirty="0" err="1">
+                <a:cs typeface="Times New Roman" panose="02020603050405020304" pitchFamily="18" charset="0"/>
+              </a:rPr>
+              <a:t>Prof.sa</a:t>
+            </a:r>
+            <a:r>
+              <a:rPr lang="it-IT" sz="1800" i="1" dirty="0">
+                <a:cs typeface="Times New Roman" panose="02020603050405020304" pitchFamily="18" charset="0"/>
+              </a:rPr>
+              <a:t> Damiana Costanzo dell’Università degli Studi della Calabria. </a:t>
+            </a:r>
+          </a:p>
+          <a:p>
+            <a:pPr algn="l"/>
+            <a:r>
+              <a:rPr lang="it-IT" sz="1800" i="1" dirty="0">
+                <a:cs typeface="Times New Roman" panose="02020603050405020304" pitchFamily="18" charset="0"/>
+              </a:rPr>
+              <a:t>Presentazione PPT del Docente: Dott. L. </a:t>
+            </a:r>
+            <a:r>
+              <a:rPr lang="it-IT" sz="1800" i="1" dirty="0" err="1">
+                <a:cs typeface="Times New Roman" panose="02020603050405020304" pitchFamily="18" charset="0"/>
+              </a:rPr>
+              <a:t>Corain</a:t>
+            </a:r>
+            <a:r>
+              <a:rPr lang="it-IT" sz="1800" i="1" dirty="0">
+                <a:cs typeface="Times New Roman" panose="02020603050405020304" pitchFamily="18" charset="0"/>
+              </a:rPr>
+              <a:t> insegnante del Corso di laurea in Ingegneria Civile, Università degli Studi di Padova. Modelli Probabilistici. </a:t>
+            </a:r>
+          </a:p>
+        </p:txBody>
+      </p:sp>
+    </p:spTree>
+    <p:extLst>
+      <p:ext uri="{BB962C8B-B14F-4D97-AF65-F5344CB8AC3E}">
+        <p14:creationId xmlns:p14="http://schemas.microsoft.com/office/powerpoint/2010/main" val="1106072144"/>
+      </p:ext>
+    </p:extLst>
+  </p:cSld>
+  <p:clrMapOvr>
+    <a:masterClrMapping/>
+  </p:clrMapOvr>
+</p:sld>
+</file>
+
+<file path=ppt/slides/slide41.xml><?xml version="1.0" encoding="utf-8"?>
 <p:sld xmlns:a="http://schemas.openxmlformats.org/drawingml/2006/main" xmlns:r="http://schemas.openxmlformats.org/officeDocument/2006/relationships" xmlns:p="http://schemas.openxmlformats.org/presentationml/2006/main">
   <p:cSld>
     <p:spTree>

--- a/Presentazione ppt/Presentazione_finale.pptx
+++ b/Presentazione ppt/Presentazione_finale.pptx
@@ -21,13 +21,13 @@
     <p:sldId id="290" r:id="rId12"/>
     <p:sldId id="315" r:id="rId13"/>
     <p:sldId id="275" r:id="rId14"/>
-    <p:sldId id="317" r:id="rId15"/>
-    <p:sldId id="318" r:id="rId16"/>
-    <p:sldId id="297" r:id="rId17"/>
-    <p:sldId id="310" r:id="rId18"/>
-    <p:sldId id="309" r:id="rId19"/>
-    <p:sldId id="334" r:id="rId20"/>
-    <p:sldId id="298" r:id="rId21"/>
+    <p:sldId id="297" r:id="rId15"/>
+    <p:sldId id="310" r:id="rId16"/>
+    <p:sldId id="309" r:id="rId17"/>
+    <p:sldId id="335" r:id="rId18"/>
+    <p:sldId id="298" r:id="rId19"/>
+    <p:sldId id="317" r:id="rId20"/>
+    <p:sldId id="318" r:id="rId21"/>
     <p:sldId id="308" r:id="rId22"/>
     <p:sldId id="312" r:id="rId23"/>
     <p:sldId id="333" r:id="rId24"/>
@@ -35,13 +35,13 @@
     <p:sldId id="319" r:id="rId26"/>
     <p:sldId id="320" r:id="rId27"/>
     <p:sldId id="296" r:id="rId28"/>
-    <p:sldId id="330" r:id="rId29"/>
-    <p:sldId id="322" r:id="rId30"/>
+    <p:sldId id="322" r:id="rId29"/>
+    <p:sldId id="325" r:id="rId30"/>
     <p:sldId id="323" r:id="rId31"/>
-    <p:sldId id="324" r:id="rId32"/>
-    <p:sldId id="325" r:id="rId33"/>
-    <p:sldId id="327" r:id="rId34"/>
-    <p:sldId id="328" r:id="rId35"/>
+    <p:sldId id="327" r:id="rId32"/>
+    <p:sldId id="324" r:id="rId33"/>
+    <p:sldId id="328" r:id="rId34"/>
+    <p:sldId id="334" r:id="rId35"/>
     <p:sldId id="321" r:id="rId36"/>
     <p:sldId id="304" r:id="rId37"/>
     <p:sldId id="316" r:id="rId38"/>
@@ -2293,6 +2293,13 @@
         </dgm:presLayoutVars>
       </dgm:prSet>
       <dgm:spPr/>
+      <dgm:t>
+        <a:bodyPr/>
+        <a:lstStyle/>
+        <a:p>
+          <a:endParaRPr lang="it-IT"/>
+        </a:p>
+      </dgm:t>
     </dgm:pt>
     <dgm:pt modelId="{DF13AF8B-7744-4589-BEE8-8D137E2B3F84}" type="pres">
       <dgm:prSet presAssocID="{9B872567-EFDF-4C1B-8AFB-BC96F3FFEBFA}" presName="compositeNode" presStyleCnt="0">
@@ -2305,6 +2312,13 @@
     <dgm:pt modelId="{6110B588-C671-416F-89BF-E26F13F8955B}" type="pres">
       <dgm:prSet presAssocID="{9B872567-EFDF-4C1B-8AFB-BC96F3FFEBFA}" presName="bgRect" presStyleLbl="alignNode1" presStyleIdx="0" presStyleCnt="4" custScaleX="99030" custScaleY="120730" custLinFactNeighborX="-8" custLinFactNeighborY="-1174"/>
       <dgm:spPr/>
+      <dgm:t>
+        <a:bodyPr/>
+        <a:lstStyle/>
+        <a:p>
+          <a:endParaRPr lang="it-IT"/>
+        </a:p>
+      </dgm:t>
     </dgm:pt>
     <dgm:pt modelId="{AC1DAF9E-D9B9-41BE-8EC2-F8DE89D3885F}" type="pres">
       <dgm:prSet presAssocID="{FACD17B6-2F4D-48E5-8D87-4BDB4BF8BBCA}" presName="sibTransNodeRect" presStyleLbl="alignNode1" presStyleIdx="0" presStyleCnt="4" custFlipVert="1" custScaleY="4800" custLinFactNeighborX="-8" custLinFactNeighborY="-48043">
@@ -2314,6 +2328,13 @@
         </dgm:presLayoutVars>
       </dgm:prSet>
       <dgm:spPr/>
+      <dgm:t>
+        <a:bodyPr/>
+        <a:lstStyle/>
+        <a:p>
+          <a:endParaRPr lang="it-IT"/>
+        </a:p>
+      </dgm:t>
     </dgm:pt>
     <dgm:pt modelId="{8ECF17BF-C584-46A0-9C82-D0A8DD07CACF}" type="pres">
       <dgm:prSet presAssocID="{9B872567-EFDF-4C1B-8AFB-BC96F3FFEBFA}" presName="nodeRect" presStyleLbl="alignNode1" presStyleIdx="0" presStyleCnt="4">
@@ -2322,6 +2343,13 @@
         </dgm:presLayoutVars>
       </dgm:prSet>
       <dgm:spPr/>
+      <dgm:t>
+        <a:bodyPr/>
+        <a:lstStyle/>
+        <a:p>
+          <a:endParaRPr lang="it-IT"/>
+        </a:p>
+      </dgm:t>
     </dgm:pt>
     <dgm:pt modelId="{3C9131C4-C9DD-4C11-AB8E-63001FC2481B}" type="pres">
       <dgm:prSet presAssocID="{FACD17B6-2F4D-48E5-8D87-4BDB4BF8BBCA}" presName="sibTrans" presStyleCnt="0"/>
@@ -2338,6 +2366,13 @@
     <dgm:pt modelId="{A74A78AE-5941-4D66-84EF-38B1D9F8FA7E}" type="pres">
       <dgm:prSet presAssocID="{A789788D-2BC7-42BE-99DA-4C675B5F87DB}" presName="bgRect" presStyleLbl="alignNode1" presStyleIdx="1" presStyleCnt="4" custScaleX="98577" custScaleY="120855" custLinFactNeighborX="-181" custLinFactNeighborY="13634"/>
       <dgm:spPr/>
+      <dgm:t>
+        <a:bodyPr/>
+        <a:lstStyle/>
+        <a:p>
+          <a:endParaRPr lang="it-IT"/>
+        </a:p>
+      </dgm:t>
     </dgm:pt>
     <dgm:pt modelId="{5E7B9680-9FC6-4DC8-9B13-653326B1FEFE}" type="pres">
       <dgm:prSet presAssocID="{4F4F8776-F9C4-4919-9907-F0EA7B5E8299}" presName="sibTransNodeRect" presStyleLbl="alignNode1" presStyleIdx="1" presStyleCnt="4" custLinFactNeighborX="-181" custLinFactNeighborY="-53563">
@@ -2347,6 +2382,13 @@
         </dgm:presLayoutVars>
       </dgm:prSet>
       <dgm:spPr/>
+      <dgm:t>
+        <a:bodyPr/>
+        <a:lstStyle/>
+        <a:p>
+          <a:endParaRPr lang="it-IT"/>
+        </a:p>
+      </dgm:t>
     </dgm:pt>
     <dgm:pt modelId="{5EE1BECF-F457-49B4-9844-C1E148E40E0D}" type="pres">
       <dgm:prSet presAssocID="{A789788D-2BC7-42BE-99DA-4C675B5F87DB}" presName="nodeRect" presStyleLbl="alignNode1" presStyleIdx="1" presStyleCnt="4">
@@ -2355,6 +2397,13 @@
         </dgm:presLayoutVars>
       </dgm:prSet>
       <dgm:spPr/>
+      <dgm:t>
+        <a:bodyPr/>
+        <a:lstStyle/>
+        <a:p>
+          <a:endParaRPr lang="it-IT"/>
+        </a:p>
+      </dgm:t>
     </dgm:pt>
     <dgm:pt modelId="{3F6E6066-6BEA-46CE-9F6B-87DC70CDCF69}" type="pres">
       <dgm:prSet presAssocID="{4F4F8776-F9C4-4919-9907-F0EA7B5E8299}" presName="sibTrans" presStyleCnt="0"/>
@@ -2371,6 +2420,13 @@
     <dgm:pt modelId="{FAE33C77-3AA2-465C-A7FC-A45C00119CA3}" type="pres">
       <dgm:prSet presAssocID="{69128290-2081-4E68-9847-58EDCBA92F91}" presName="bgRect" presStyleLbl="alignNode1" presStyleIdx="2" presStyleCnt="4" custScaleX="100318" custScaleY="120730" custLinFactNeighborY="11037"/>
       <dgm:spPr/>
+      <dgm:t>
+        <a:bodyPr/>
+        <a:lstStyle/>
+        <a:p>
+          <a:endParaRPr lang="it-IT"/>
+        </a:p>
+      </dgm:t>
     </dgm:pt>
     <dgm:pt modelId="{7849BBA6-D266-42A9-B6C6-AD9C6F999483}" type="pres">
       <dgm:prSet presAssocID="{74213363-BB68-426E-A0CC-21F1F889B241}" presName="sibTransNodeRect" presStyleLbl="alignNode1" presStyleIdx="2" presStyleCnt="4" custLinFactNeighborX="-1558" custLinFactNeighborY="-53563">
@@ -2380,6 +2436,13 @@
         </dgm:presLayoutVars>
       </dgm:prSet>
       <dgm:spPr/>
+      <dgm:t>
+        <a:bodyPr/>
+        <a:lstStyle/>
+        <a:p>
+          <a:endParaRPr lang="it-IT"/>
+        </a:p>
+      </dgm:t>
     </dgm:pt>
     <dgm:pt modelId="{90A6C12F-0C5B-41AA-800B-BC261948D502}" type="pres">
       <dgm:prSet presAssocID="{69128290-2081-4E68-9847-58EDCBA92F91}" presName="nodeRect" presStyleLbl="alignNode1" presStyleIdx="2" presStyleCnt="4">
@@ -2388,6 +2451,13 @@
         </dgm:presLayoutVars>
       </dgm:prSet>
       <dgm:spPr/>
+      <dgm:t>
+        <a:bodyPr/>
+        <a:lstStyle/>
+        <a:p>
+          <a:endParaRPr lang="it-IT"/>
+        </a:p>
+      </dgm:t>
     </dgm:pt>
     <dgm:pt modelId="{5207E8C7-2978-4161-BB6B-FA32F17DB40E}" type="pres">
       <dgm:prSet presAssocID="{74213363-BB68-426E-A0CC-21F1F889B241}" presName="sibTrans" presStyleCnt="0"/>
@@ -2404,6 +2474,13 @@
     <dgm:pt modelId="{111876E3-FB47-4A52-921E-F224A2DA1E4F}" type="pres">
       <dgm:prSet presAssocID="{FAD5C1CB-738E-495D-BCD1-F08D3C5A4857}" presName="bgRect" presStyleLbl="alignNode1" presStyleIdx="3" presStyleCnt="4" custScaleY="120730" custLinFactNeighborY="1104"/>
       <dgm:spPr/>
+      <dgm:t>
+        <a:bodyPr/>
+        <a:lstStyle/>
+        <a:p>
+          <a:endParaRPr lang="it-IT"/>
+        </a:p>
+      </dgm:t>
     </dgm:pt>
     <dgm:pt modelId="{C6062BE6-03FD-4D78-8D04-682DA997199E}" type="pres">
       <dgm:prSet presAssocID="{8EA8D63B-5055-4222-B75F-31C6865837C1}" presName="sibTransNodeRect" presStyleLbl="alignNode1" presStyleIdx="3" presStyleCnt="4" custFlipVert="0" custScaleX="40187" custScaleY="43746" custLinFactNeighborX="-519" custLinFactNeighborY="-63716">
@@ -2413,6 +2490,13 @@
         </dgm:presLayoutVars>
       </dgm:prSet>
       <dgm:spPr/>
+      <dgm:t>
+        <a:bodyPr/>
+        <a:lstStyle/>
+        <a:p>
+          <a:endParaRPr lang="it-IT"/>
+        </a:p>
+      </dgm:t>
     </dgm:pt>
     <dgm:pt modelId="{AD949F35-F3D8-47CB-BAFE-886FD2F5C80C}" type="pres">
       <dgm:prSet presAssocID="{FAD5C1CB-738E-495D-BCD1-F08D3C5A4857}" presName="nodeRect" presStyleLbl="alignNode1" presStyleIdx="3" presStyleCnt="4">
@@ -2421,26 +2505,33 @@
         </dgm:presLayoutVars>
       </dgm:prSet>
       <dgm:spPr/>
+      <dgm:t>
+        <a:bodyPr/>
+        <a:lstStyle/>
+        <a:p>
+          <a:endParaRPr lang="it-IT"/>
+        </a:p>
+      </dgm:t>
     </dgm:pt>
   </dgm:ptLst>
   <dgm:cxnLst>
+    <dgm:cxn modelId="{C4D48EA3-0480-45FE-94DF-C0C9D6C3DD05}" srcId="{0B489E6A-972E-44EF-AE19-718816D9EC2C}" destId="{69128290-2081-4E68-9847-58EDCBA92F91}" srcOrd="2" destOrd="0" parTransId="{94B35E93-77A0-4648-B537-2A2FE90D2063}" sibTransId="{74213363-BB68-426E-A0CC-21F1F889B241}"/>
+    <dgm:cxn modelId="{CE6C7BB8-15EA-2048-B228-030FA55ECF84}" type="presOf" srcId="{FAD5C1CB-738E-495D-BCD1-F08D3C5A4857}" destId="{AD949F35-F3D8-47CB-BAFE-886FD2F5C80C}" srcOrd="1" destOrd="0" presId="urn:microsoft.com/office/officeart/2016/7/layout/LinearBlockProcessNumbered"/>
     <dgm:cxn modelId="{813CC900-FB8A-7A45-8324-E78956BE43F7}" type="presOf" srcId="{FAD5C1CB-738E-495D-BCD1-F08D3C5A4857}" destId="{111876E3-FB47-4A52-921E-F224A2DA1E4F}" srcOrd="0" destOrd="0" presId="urn:microsoft.com/office/officeart/2016/7/layout/LinearBlockProcessNumbered"/>
-    <dgm:cxn modelId="{8E21630D-EB8E-3A45-AD3F-0A8605CD83B7}" type="presOf" srcId="{0B489E6A-972E-44EF-AE19-718816D9EC2C}" destId="{7FB67A7E-5E1A-4449-97AB-32219E2FEE08}" srcOrd="0" destOrd="0" presId="urn:microsoft.com/office/officeart/2016/7/layout/LinearBlockProcessNumbered"/>
+    <dgm:cxn modelId="{0EC79391-BFF9-7840-BBD0-D9BD14A97FF3}" type="presOf" srcId="{8EA8D63B-5055-4222-B75F-31C6865837C1}" destId="{C6062BE6-03FD-4D78-8D04-682DA997199E}" srcOrd="0" destOrd="0" presId="urn:microsoft.com/office/officeart/2016/7/layout/LinearBlockProcessNumbered"/>
+    <dgm:cxn modelId="{19A2FFD2-51BD-9C48-BB11-9BA32DE54841}" type="presOf" srcId="{A789788D-2BC7-42BE-99DA-4C675B5F87DB}" destId="{A74A78AE-5941-4D66-84EF-38B1D9F8FA7E}" srcOrd="0" destOrd="0" presId="urn:microsoft.com/office/officeart/2016/7/layout/LinearBlockProcessNumbered"/>
     <dgm:cxn modelId="{C6BBC415-EC39-E54C-AD3B-DBA6B7600147}" type="presOf" srcId="{74213363-BB68-426E-A0CC-21F1F889B241}" destId="{7849BBA6-D266-42A9-B6C6-AD9C6F999483}" srcOrd="0" destOrd="0" presId="urn:microsoft.com/office/officeart/2016/7/layout/LinearBlockProcessNumbered"/>
     <dgm:cxn modelId="{1AE20D66-AA4D-0042-AC65-4F7887F5ADF9}" type="presOf" srcId="{FACD17B6-2F4D-48E5-8D87-4BDB4BF8BBCA}" destId="{AC1DAF9E-D9B9-41BE-8EC2-F8DE89D3885F}" srcOrd="0" destOrd="0" presId="urn:microsoft.com/office/officeart/2016/7/layout/LinearBlockProcessNumbered"/>
+    <dgm:cxn modelId="{99BAADD8-0CD4-164B-A56D-685844EB825E}" type="presOf" srcId="{9B872567-EFDF-4C1B-8AFB-BC96F3FFEBFA}" destId="{8ECF17BF-C584-46A0-9C82-D0A8DD07CACF}" srcOrd="1" destOrd="0" presId="urn:microsoft.com/office/officeart/2016/7/layout/LinearBlockProcessNumbered"/>
+    <dgm:cxn modelId="{11CA90D8-6205-5948-9E5F-4558052370AE}" type="presOf" srcId="{9B872567-EFDF-4C1B-8AFB-BC96F3FFEBFA}" destId="{6110B588-C671-416F-89BF-E26F13F8955B}" srcOrd="0" destOrd="0" presId="urn:microsoft.com/office/officeart/2016/7/layout/LinearBlockProcessNumbered"/>
+    <dgm:cxn modelId="{EEFAC975-EA67-9D43-81C6-0DEBA00395DC}" type="presOf" srcId="{69128290-2081-4E68-9847-58EDCBA92F91}" destId="{FAE33C77-3AA2-465C-A7FC-A45C00119CA3}" srcOrd="0" destOrd="0" presId="urn:microsoft.com/office/officeart/2016/7/layout/LinearBlockProcessNumbered"/>
     <dgm:cxn modelId="{555BB654-D054-428A-BF8F-C61D5FCA1AD4}" srcId="{0B489E6A-972E-44EF-AE19-718816D9EC2C}" destId="{9B872567-EFDF-4C1B-8AFB-BC96F3FFEBFA}" srcOrd="0" destOrd="0" parTransId="{58B70363-741A-4A55-8DAE-0828CE7E6240}" sibTransId="{FACD17B6-2F4D-48E5-8D87-4BDB4BF8BBCA}"/>
-    <dgm:cxn modelId="{EEFAC975-EA67-9D43-81C6-0DEBA00395DC}" type="presOf" srcId="{69128290-2081-4E68-9847-58EDCBA92F91}" destId="{FAE33C77-3AA2-465C-A7FC-A45C00119CA3}" srcOrd="0" destOrd="0" presId="urn:microsoft.com/office/officeart/2016/7/layout/LinearBlockProcessNumbered"/>
+    <dgm:cxn modelId="{7664DF91-BFB6-440D-9EDB-2905780A2858}" srcId="{0B489E6A-972E-44EF-AE19-718816D9EC2C}" destId="{FAD5C1CB-738E-495D-BCD1-F08D3C5A4857}" srcOrd="3" destOrd="0" parTransId="{5A3D2556-DCAE-49A0-9495-ED80ED829676}" sibTransId="{8EA8D63B-5055-4222-B75F-31C6865837C1}"/>
+    <dgm:cxn modelId="{FD5AEE82-406B-2D4D-930B-9327A63DAECB}" type="presOf" srcId="{A789788D-2BC7-42BE-99DA-4C675B5F87DB}" destId="{5EE1BECF-F457-49B4-9844-C1E148E40E0D}" srcOrd="1" destOrd="0" presId="urn:microsoft.com/office/officeart/2016/7/layout/LinearBlockProcessNumbered"/>
+    <dgm:cxn modelId="{8E21630D-EB8E-3A45-AD3F-0A8605CD83B7}" type="presOf" srcId="{0B489E6A-972E-44EF-AE19-718816D9EC2C}" destId="{7FB67A7E-5E1A-4449-97AB-32219E2FEE08}" srcOrd="0" destOrd="0" presId="urn:microsoft.com/office/officeart/2016/7/layout/LinearBlockProcessNumbered"/>
+    <dgm:cxn modelId="{CC95E389-4DE9-45FD-A6F7-E7AFB0ECB8DC}" srcId="{0B489E6A-972E-44EF-AE19-718816D9EC2C}" destId="{A789788D-2BC7-42BE-99DA-4C675B5F87DB}" srcOrd="1" destOrd="0" parTransId="{E2E3FD5C-3D83-4148-A48A-DCECD48BCBE1}" sibTransId="{4F4F8776-F9C4-4919-9907-F0EA7B5E8299}"/>
     <dgm:cxn modelId="{1F181680-1D9C-274D-AA2B-1FA16C4CF1EE}" type="presOf" srcId="{4F4F8776-F9C4-4919-9907-F0EA7B5E8299}" destId="{5E7B9680-9FC6-4DC8-9B13-653326B1FEFE}" srcOrd="0" destOrd="0" presId="urn:microsoft.com/office/officeart/2016/7/layout/LinearBlockProcessNumbered"/>
-    <dgm:cxn modelId="{FD5AEE82-406B-2D4D-930B-9327A63DAECB}" type="presOf" srcId="{A789788D-2BC7-42BE-99DA-4C675B5F87DB}" destId="{5EE1BECF-F457-49B4-9844-C1E148E40E0D}" srcOrd="1" destOrd="0" presId="urn:microsoft.com/office/officeart/2016/7/layout/LinearBlockProcessNumbered"/>
-    <dgm:cxn modelId="{CC95E389-4DE9-45FD-A6F7-E7AFB0ECB8DC}" srcId="{0B489E6A-972E-44EF-AE19-718816D9EC2C}" destId="{A789788D-2BC7-42BE-99DA-4C675B5F87DB}" srcOrd="1" destOrd="0" parTransId="{E2E3FD5C-3D83-4148-A48A-DCECD48BCBE1}" sibTransId="{4F4F8776-F9C4-4919-9907-F0EA7B5E8299}"/>
-    <dgm:cxn modelId="{0EC79391-BFF9-7840-BBD0-D9BD14A97FF3}" type="presOf" srcId="{8EA8D63B-5055-4222-B75F-31C6865837C1}" destId="{C6062BE6-03FD-4D78-8D04-682DA997199E}" srcOrd="0" destOrd="0" presId="urn:microsoft.com/office/officeart/2016/7/layout/LinearBlockProcessNumbered"/>
-    <dgm:cxn modelId="{7664DF91-BFB6-440D-9EDB-2905780A2858}" srcId="{0B489E6A-972E-44EF-AE19-718816D9EC2C}" destId="{FAD5C1CB-738E-495D-BCD1-F08D3C5A4857}" srcOrd="3" destOrd="0" parTransId="{5A3D2556-DCAE-49A0-9495-ED80ED829676}" sibTransId="{8EA8D63B-5055-4222-B75F-31C6865837C1}"/>
-    <dgm:cxn modelId="{C4D48EA3-0480-45FE-94DF-C0C9D6C3DD05}" srcId="{0B489E6A-972E-44EF-AE19-718816D9EC2C}" destId="{69128290-2081-4E68-9847-58EDCBA92F91}" srcOrd="2" destOrd="0" parTransId="{94B35E93-77A0-4648-B537-2A2FE90D2063}" sibTransId="{74213363-BB68-426E-A0CC-21F1F889B241}"/>
     <dgm:cxn modelId="{7CEA08AF-52C4-9C4A-80C1-9EA0AD141EA3}" type="presOf" srcId="{69128290-2081-4E68-9847-58EDCBA92F91}" destId="{90A6C12F-0C5B-41AA-800B-BC261948D502}" srcOrd="1" destOrd="0" presId="urn:microsoft.com/office/officeart/2016/7/layout/LinearBlockProcessNumbered"/>
-    <dgm:cxn modelId="{CE6C7BB8-15EA-2048-B228-030FA55ECF84}" type="presOf" srcId="{FAD5C1CB-738E-495D-BCD1-F08D3C5A4857}" destId="{AD949F35-F3D8-47CB-BAFE-886FD2F5C80C}" srcOrd="1" destOrd="0" presId="urn:microsoft.com/office/officeart/2016/7/layout/LinearBlockProcessNumbered"/>
-    <dgm:cxn modelId="{19A2FFD2-51BD-9C48-BB11-9BA32DE54841}" type="presOf" srcId="{A789788D-2BC7-42BE-99DA-4C675B5F87DB}" destId="{A74A78AE-5941-4D66-84EF-38B1D9F8FA7E}" srcOrd="0" destOrd="0" presId="urn:microsoft.com/office/officeart/2016/7/layout/LinearBlockProcessNumbered"/>
-    <dgm:cxn modelId="{11CA90D8-6205-5948-9E5F-4558052370AE}" type="presOf" srcId="{9B872567-EFDF-4C1B-8AFB-BC96F3FFEBFA}" destId="{6110B588-C671-416F-89BF-E26F13F8955B}" srcOrd="0" destOrd="0" presId="urn:microsoft.com/office/officeart/2016/7/layout/LinearBlockProcessNumbered"/>
-    <dgm:cxn modelId="{99BAADD8-0CD4-164B-A56D-685844EB825E}" type="presOf" srcId="{9B872567-EFDF-4C1B-8AFB-BC96F3FFEBFA}" destId="{8ECF17BF-C584-46A0-9C82-D0A8DD07CACF}" srcOrd="1" destOrd="0" presId="urn:microsoft.com/office/officeart/2016/7/layout/LinearBlockProcessNumbered"/>
     <dgm:cxn modelId="{F1E39E1F-EF8A-2248-B66C-FA62A8805C87}" type="presParOf" srcId="{7FB67A7E-5E1A-4449-97AB-32219E2FEE08}" destId="{DF13AF8B-7744-4589-BEE8-8D137E2B3F84}" srcOrd="0" destOrd="0" presId="urn:microsoft.com/office/officeart/2016/7/layout/LinearBlockProcessNumbered"/>
     <dgm:cxn modelId="{7CD6A067-6785-0E4F-888B-0646FF88B0A0}" type="presParOf" srcId="{DF13AF8B-7744-4589-BEE8-8D137E2B3F84}" destId="{6110B588-C671-416F-89BF-E26F13F8955B}" srcOrd="0" destOrd="0" presId="urn:microsoft.com/office/officeart/2016/7/layout/LinearBlockProcessNumbered"/>
     <dgm:cxn modelId="{C4D91AD3-79E4-C941-8C47-79664217B5E3}" type="presParOf" srcId="{DF13AF8B-7744-4589-BEE8-8D137E2B3F84}" destId="{AC1DAF9E-D9B9-41BE-8EC2-F8DE89D3885F}" srcOrd="1" destOrd="0" presId="urn:microsoft.com/office/officeart/2016/7/layout/LinearBlockProcessNumbered"/>
@@ -3003,6 +3094,13 @@
         </dgm:presLayoutVars>
       </dgm:prSet>
       <dgm:spPr/>
+      <dgm:t>
+        <a:bodyPr/>
+        <a:lstStyle/>
+        <a:p>
+          <a:endParaRPr lang="it-IT"/>
+        </a:p>
+      </dgm:t>
     </dgm:pt>
     <dgm:pt modelId="{EC400221-5B3E-4704-830F-E6B0FE6BE857}" type="pres">
       <dgm:prSet presAssocID="{B3213BC7-026C-4063-842C-922F37494025}" presName="node" presStyleLbl="node1" presStyleIdx="0" presStyleCnt="8">
@@ -3011,6 +3109,13 @@
         </dgm:presLayoutVars>
       </dgm:prSet>
       <dgm:spPr/>
+      <dgm:t>
+        <a:bodyPr/>
+        <a:lstStyle/>
+        <a:p>
+          <a:endParaRPr lang="it-IT"/>
+        </a:p>
+      </dgm:t>
     </dgm:pt>
     <dgm:pt modelId="{18825C66-8611-43D0-8C5F-0E51E820CA72}" type="pres">
       <dgm:prSet presAssocID="{C89F1AAD-9C46-44EF-BF00-F52F6D4F9E86}" presName="sibTrans" presStyleCnt="0"/>
@@ -3023,6 +3128,13 @@
         </dgm:presLayoutVars>
       </dgm:prSet>
       <dgm:spPr/>
+      <dgm:t>
+        <a:bodyPr/>
+        <a:lstStyle/>
+        <a:p>
+          <a:endParaRPr lang="it-IT"/>
+        </a:p>
+      </dgm:t>
     </dgm:pt>
     <dgm:pt modelId="{C8464BB5-880B-4A6E-B497-93A90AA9D90D}" type="pres">
       <dgm:prSet presAssocID="{224D462D-A87C-463C-B4AC-5539F7E40D23}" presName="sibTrans" presStyleCnt="0"/>
@@ -3035,6 +3147,13 @@
         </dgm:presLayoutVars>
       </dgm:prSet>
       <dgm:spPr/>
+      <dgm:t>
+        <a:bodyPr/>
+        <a:lstStyle/>
+        <a:p>
+          <a:endParaRPr lang="it-IT"/>
+        </a:p>
+      </dgm:t>
     </dgm:pt>
     <dgm:pt modelId="{5A42969C-E213-4748-B273-1843D77C6EA4}" type="pres">
       <dgm:prSet presAssocID="{5F286498-3DD1-4AE4-8EE0-6EB9187B8C58}" presName="sibTrans" presStyleCnt="0"/>
@@ -3047,6 +3166,13 @@
         </dgm:presLayoutVars>
       </dgm:prSet>
       <dgm:spPr/>
+      <dgm:t>
+        <a:bodyPr/>
+        <a:lstStyle/>
+        <a:p>
+          <a:endParaRPr lang="it-IT"/>
+        </a:p>
+      </dgm:t>
     </dgm:pt>
     <dgm:pt modelId="{7B120E63-2AD1-4744-8344-228BA899F3CA}" type="pres">
       <dgm:prSet presAssocID="{85B4F3AD-433A-4BF4-9895-4EAC0752368E}" presName="sibTrans" presStyleCnt="0"/>
@@ -3059,6 +3185,13 @@
         </dgm:presLayoutVars>
       </dgm:prSet>
       <dgm:spPr/>
+      <dgm:t>
+        <a:bodyPr/>
+        <a:lstStyle/>
+        <a:p>
+          <a:endParaRPr lang="it-IT"/>
+        </a:p>
+      </dgm:t>
     </dgm:pt>
     <dgm:pt modelId="{7E51F8D1-A041-416F-BED3-C51F74ABC606}" type="pres">
       <dgm:prSet presAssocID="{E4555F18-99C2-4A68-9F74-B6DC760C6DD3}" presName="sibTrans" presStyleCnt="0"/>
@@ -3071,6 +3204,13 @@
         </dgm:presLayoutVars>
       </dgm:prSet>
       <dgm:spPr/>
+      <dgm:t>
+        <a:bodyPr/>
+        <a:lstStyle/>
+        <a:p>
+          <a:endParaRPr lang="it-IT"/>
+        </a:p>
+      </dgm:t>
     </dgm:pt>
     <dgm:pt modelId="{D6CA05BA-210B-4A13-A6FA-A5D571F0F75D}" type="pres">
       <dgm:prSet presAssocID="{AD91095F-7D21-4A5F-9B3B-1B9B0104D6BD}" presName="sibTrans" presStyleCnt="0"/>
@@ -3083,6 +3223,13 @@
         </dgm:presLayoutVars>
       </dgm:prSet>
       <dgm:spPr/>
+      <dgm:t>
+        <a:bodyPr/>
+        <a:lstStyle/>
+        <a:p>
+          <a:endParaRPr lang="it-IT"/>
+        </a:p>
+      </dgm:t>
     </dgm:pt>
     <dgm:pt modelId="{B82CA663-A151-4E06-A648-21850004D6BC}" type="pres">
       <dgm:prSet presAssocID="{D6D29D83-24C9-4A8F-94CD-9A44F67E1D24}" presName="sibTrans" presStyleCnt="0"/>
@@ -3095,26 +3242,33 @@
         </dgm:presLayoutVars>
       </dgm:prSet>
       <dgm:spPr/>
+      <dgm:t>
+        <a:bodyPr/>
+        <a:lstStyle/>
+        <a:p>
+          <a:endParaRPr lang="it-IT"/>
+        </a:p>
+      </dgm:t>
     </dgm:pt>
   </dgm:ptLst>
   <dgm:cxnLst>
+    <dgm:cxn modelId="{1E8F23FE-1587-8F4E-97F0-7F555239172A}" type="presOf" srcId="{EA1637CB-9BDB-4F9E-A15F-6BB2FFBA0653}" destId="{60B40670-08B0-46AC-AEE4-D93FB4D67BE6}" srcOrd="0" destOrd="0" presId="urn:microsoft.com/office/officeart/2005/8/layout/default"/>
+    <dgm:cxn modelId="{B37AD556-4B89-934E-AEB7-53EC36C5C8B5}" type="presOf" srcId="{ADA23775-9C5C-4DED-90A7-BEDF571F2915}" destId="{0B091D1A-1755-41DB-AA33-3D92F130E811}" srcOrd="0" destOrd="0" presId="urn:microsoft.com/office/officeart/2005/8/layout/default"/>
+    <dgm:cxn modelId="{1CB80AA1-29C3-4483-97F0-415B798A0DF8}" srcId="{ADA23775-9C5C-4DED-90A7-BEDF571F2915}" destId="{B3213BC7-026C-4063-842C-922F37494025}" srcOrd="0" destOrd="0" parTransId="{E348462D-34BE-454A-8049-61F7B9B6D19D}" sibTransId="{C89F1AAD-9C46-44EF-BF00-F52F6D4F9E86}"/>
+    <dgm:cxn modelId="{99C573FA-CFAF-4179-82AB-24E0F5ECF53A}" srcId="{ADA23775-9C5C-4DED-90A7-BEDF571F2915}" destId="{90938726-65B3-4E11-8EEB-E4AAF84CA339}" srcOrd="4" destOrd="0" parTransId="{01860D45-C6AE-4463-8AD6-466976EF0CA7}" sibTransId="{E4555F18-99C2-4A68-9F74-B6DC760C6DD3}"/>
+    <dgm:cxn modelId="{404ADCC5-3AD5-0A41-80BB-C3909EFA9979}" type="presOf" srcId="{562704B0-2F52-4ACB-AE49-A0E819B65BD4}" destId="{57435459-264B-4997-B063-0203792E95E0}" srcOrd="0" destOrd="0" presId="urn:microsoft.com/office/officeart/2005/8/layout/default"/>
+    <dgm:cxn modelId="{34B30748-5883-F349-9AAD-F77246323104}" type="presOf" srcId="{E9B5EB73-B77F-48F3-BDE3-1AC8717EF9BB}" destId="{BC21A1B2-DFE8-4892-AB2D-1A2BB1AC7BF5}" srcOrd="0" destOrd="0" presId="urn:microsoft.com/office/officeart/2005/8/layout/default"/>
+    <dgm:cxn modelId="{E80E4AA2-BE2C-E944-9D88-50F4EE7F590E}" type="presOf" srcId="{C522442E-1D47-4F8E-86B3-FD8E1C94F0D7}" destId="{913BEC82-19A7-481C-812D-21D9AD447867}" srcOrd="0" destOrd="0" presId="urn:microsoft.com/office/officeart/2005/8/layout/default"/>
+    <dgm:cxn modelId="{0738C3F5-BF55-6A4E-BFB9-06D7D6C4F6B0}" type="presOf" srcId="{3F5B9A0C-11F5-423D-B7F8-66978FC464D8}" destId="{F516814E-CC30-4267-B271-855545C72895}" srcOrd="0" destOrd="0" presId="urn:microsoft.com/office/officeart/2005/8/layout/default"/>
+    <dgm:cxn modelId="{997B29ED-64C2-E645-9F30-A6D5E63AF8BF}" type="presOf" srcId="{42117951-3DC0-49A3-9C13-4F8D9A6CBB39}" destId="{14839345-A8D4-4FB8-BAA9-6A6E99A04A53}" srcOrd="0" destOrd="0" presId="urn:microsoft.com/office/officeart/2005/8/layout/default"/>
+    <dgm:cxn modelId="{6951FD11-75A6-4A61-8688-ED9E1CC47539}" srcId="{ADA23775-9C5C-4DED-90A7-BEDF571F2915}" destId="{42117951-3DC0-49A3-9C13-4F8D9A6CBB39}" srcOrd="1" destOrd="0" parTransId="{A8E2D20B-1666-4668-9DB3-5E08BAE040BA}" sibTransId="{224D462D-A87C-463C-B4AC-5539F7E40D23}"/>
+    <dgm:cxn modelId="{FE70ACC0-02E7-4718-9218-D51A4867C883}" srcId="{ADA23775-9C5C-4DED-90A7-BEDF571F2915}" destId="{EA1637CB-9BDB-4F9E-A15F-6BB2FFBA0653}" srcOrd="6" destOrd="0" parTransId="{B10FF396-4CFE-45A0-8082-A0B152CD9973}" sibTransId="{D6D29D83-24C9-4A8F-94CD-9A44F67E1D24}"/>
+    <dgm:cxn modelId="{81700F7F-4335-4E1C-980E-632D3897E0F2}" srcId="{ADA23775-9C5C-4DED-90A7-BEDF571F2915}" destId="{562704B0-2F52-4ACB-AE49-A0E819B65BD4}" srcOrd="5" destOrd="0" parTransId="{989E4511-207D-4E94-AAD8-2B658955DB2F}" sibTransId="{AD91095F-7D21-4A5F-9B3B-1B9B0104D6BD}"/>
+    <dgm:cxn modelId="{3D6D65C7-51E5-404A-9456-55D1EC46311A}" type="presOf" srcId="{B3213BC7-026C-4063-842C-922F37494025}" destId="{EC400221-5B3E-4704-830F-E6B0FE6BE857}" srcOrd="0" destOrd="0" presId="urn:microsoft.com/office/officeart/2005/8/layout/default"/>
+    <dgm:cxn modelId="{B1C0D951-F45D-406B-BEA3-042705860F26}" srcId="{ADA23775-9C5C-4DED-90A7-BEDF571F2915}" destId="{E9B5EB73-B77F-48F3-BDE3-1AC8717EF9BB}" srcOrd="3" destOrd="0" parTransId="{87D79049-2918-43B9-AF5D-686C741E3655}" sibTransId="{85B4F3AD-433A-4BF4-9895-4EAC0752368E}"/>
+    <dgm:cxn modelId="{FCD30331-521C-42AB-99C7-D0DB153D57F9}" srcId="{ADA23775-9C5C-4DED-90A7-BEDF571F2915}" destId="{3F5B9A0C-11F5-423D-B7F8-66978FC464D8}" srcOrd="7" destOrd="0" parTransId="{D036466B-6284-4EC1-AEA6-CA69F8C9BD87}" sibTransId="{00E3115F-D182-484A-8321-E97D8830A384}"/>
+    <dgm:cxn modelId="{396156EA-A77A-AB47-9F24-99915C93DC50}" type="presOf" srcId="{90938726-65B3-4E11-8EEB-E4AAF84CA339}" destId="{298A701D-5DA2-4BDE-89E7-030D332FFA74}" srcOrd="0" destOrd="0" presId="urn:microsoft.com/office/officeart/2005/8/layout/default"/>
     <dgm:cxn modelId="{999CF001-6A76-4C31-AC48-5A26B96630E1}" srcId="{ADA23775-9C5C-4DED-90A7-BEDF571F2915}" destId="{C522442E-1D47-4F8E-86B3-FD8E1C94F0D7}" srcOrd="2" destOrd="0" parTransId="{1B467899-BB5F-4159-82C4-FEDC10E754DB}" sibTransId="{5F286498-3DD1-4AE4-8EE0-6EB9187B8C58}"/>
-    <dgm:cxn modelId="{6951FD11-75A6-4A61-8688-ED9E1CC47539}" srcId="{ADA23775-9C5C-4DED-90A7-BEDF571F2915}" destId="{42117951-3DC0-49A3-9C13-4F8D9A6CBB39}" srcOrd="1" destOrd="0" parTransId="{A8E2D20B-1666-4668-9DB3-5E08BAE040BA}" sibTransId="{224D462D-A87C-463C-B4AC-5539F7E40D23}"/>
-    <dgm:cxn modelId="{FCD30331-521C-42AB-99C7-D0DB153D57F9}" srcId="{ADA23775-9C5C-4DED-90A7-BEDF571F2915}" destId="{3F5B9A0C-11F5-423D-B7F8-66978FC464D8}" srcOrd="7" destOrd="0" parTransId="{D036466B-6284-4EC1-AEA6-CA69F8C9BD87}" sibTransId="{00E3115F-D182-484A-8321-E97D8830A384}"/>
-    <dgm:cxn modelId="{34B30748-5883-F349-9AAD-F77246323104}" type="presOf" srcId="{E9B5EB73-B77F-48F3-BDE3-1AC8717EF9BB}" destId="{BC21A1B2-DFE8-4892-AB2D-1A2BB1AC7BF5}" srcOrd="0" destOrd="0" presId="urn:microsoft.com/office/officeart/2005/8/layout/default"/>
-    <dgm:cxn modelId="{B1C0D951-F45D-406B-BEA3-042705860F26}" srcId="{ADA23775-9C5C-4DED-90A7-BEDF571F2915}" destId="{E9B5EB73-B77F-48F3-BDE3-1AC8717EF9BB}" srcOrd="3" destOrd="0" parTransId="{87D79049-2918-43B9-AF5D-686C741E3655}" sibTransId="{85B4F3AD-433A-4BF4-9895-4EAC0752368E}"/>
-    <dgm:cxn modelId="{B37AD556-4B89-934E-AEB7-53EC36C5C8B5}" type="presOf" srcId="{ADA23775-9C5C-4DED-90A7-BEDF571F2915}" destId="{0B091D1A-1755-41DB-AA33-3D92F130E811}" srcOrd="0" destOrd="0" presId="urn:microsoft.com/office/officeart/2005/8/layout/default"/>
-    <dgm:cxn modelId="{81700F7F-4335-4E1C-980E-632D3897E0F2}" srcId="{ADA23775-9C5C-4DED-90A7-BEDF571F2915}" destId="{562704B0-2F52-4ACB-AE49-A0E819B65BD4}" srcOrd="5" destOrd="0" parTransId="{989E4511-207D-4E94-AAD8-2B658955DB2F}" sibTransId="{AD91095F-7D21-4A5F-9B3B-1B9B0104D6BD}"/>
-    <dgm:cxn modelId="{1CB80AA1-29C3-4483-97F0-415B798A0DF8}" srcId="{ADA23775-9C5C-4DED-90A7-BEDF571F2915}" destId="{B3213BC7-026C-4063-842C-922F37494025}" srcOrd="0" destOrd="0" parTransId="{E348462D-34BE-454A-8049-61F7B9B6D19D}" sibTransId="{C89F1AAD-9C46-44EF-BF00-F52F6D4F9E86}"/>
-    <dgm:cxn modelId="{E80E4AA2-BE2C-E944-9D88-50F4EE7F590E}" type="presOf" srcId="{C522442E-1D47-4F8E-86B3-FD8E1C94F0D7}" destId="{913BEC82-19A7-481C-812D-21D9AD447867}" srcOrd="0" destOrd="0" presId="urn:microsoft.com/office/officeart/2005/8/layout/default"/>
-    <dgm:cxn modelId="{FE70ACC0-02E7-4718-9218-D51A4867C883}" srcId="{ADA23775-9C5C-4DED-90A7-BEDF571F2915}" destId="{EA1637CB-9BDB-4F9E-A15F-6BB2FFBA0653}" srcOrd="6" destOrd="0" parTransId="{B10FF396-4CFE-45A0-8082-A0B152CD9973}" sibTransId="{D6D29D83-24C9-4A8F-94CD-9A44F67E1D24}"/>
-    <dgm:cxn modelId="{404ADCC5-3AD5-0A41-80BB-C3909EFA9979}" type="presOf" srcId="{562704B0-2F52-4ACB-AE49-A0E819B65BD4}" destId="{57435459-264B-4997-B063-0203792E95E0}" srcOrd="0" destOrd="0" presId="urn:microsoft.com/office/officeart/2005/8/layout/default"/>
-    <dgm:cxn modelId="{3D6D65C7-51E5-404A-9456-55D1EC46311A}" type="presOf" srcId="{B3213BC7-026C-4063-842C-922F37494025}" destId="{EC400221-5B3E-4704-830F-E6B0FE6BE857}" srcOrd="0" destOrd="0" presId="urn:microsoft.com/office/officeart/2005/8/layout/default"/>
-    <dgm:cxn modelId="{396156EA-A77A-AB47-9F24-99915C93DC50}" type="presOf" srcId="{90938726-65B3-4E11-8EEB-E4AAF84CA339}" destId="{298A701D-5DA2-4BDE-89E7-030D332FFA74}" srcOrd="0" destOrd="0" presId="urn:microsoft.com/office/officeart/2005/8/layout/default"/>
-    <dgm:cxn modelId="{997B29ED-64C2-E645-9F30-A6D5E63AF8BF}" type="presOf" srcId="{42117951-3DC0-49A3-9C13-4F8D9A6CBB39}" destId="{14839345-A8D4-4FB8-BAA9-6A6E99A04A53}" srcOrd="0" destOrd="0" presId="urn:microsoft.com/office/officeart/2005/8/layout/default"/>
-    <dgm:cxn modelId="{0738C3F5-BF55-6A4E-BFB9-06D7D6C4F6B0}" type="presOf" srcId="{3F5B9A0C-11F5-423D-B7F8-66978FC464D8}" destId="{F516814E-CC30-4267-B271-855545C72895}" srcOrd="0" destOrd="0" presId="urn:microsoft.com/office/officeart/2005/8/layout/default"/>
-    <dgm:cxn modelId="{99C573FA-CFAF-4179-82AB-24E0F5ECF53A}" srcId="{ADA23775-9C5C-4DED-90A7-BEDF571F2915}" destId="{90938726-65B3-4E11-8EEB-E4AAF84CA339}" srcOrd="4" destOrd="0" parTransId="{01860D45-C6AE-4463-8AD6-466976EF0CA7}" sibTransId="{E4555F18-99C2-4A68-9F74-B6DC760C6DD3}"/>
-    <dgm:cxn modelId="{1E8F23FE-1587-8F4E-97F0-7F555239172A}" type="presOf" srcId="{EA1637CB-9BDB-4F9E-A15F-6BB2FFBA0653}" destId="{60B40670-08B0-46AC-AEE4-D93FB4D67BE6}" srcOrd="0" destOrd="0" presId="urn:microsoft.com/office/officeart/2005/8/layout/default"/>
     <dgm:cxn modelId="{9A1791EF-0D69-E24C-8A46-2BE02199F3AC}" type="presParOf" srcId="{0B091D1A-1755-41DB-AA33-3D92F130E811}" destId="{EC400221-5B3E-4704-830F-E6B0FE6BE857}" srcOrd="0" destOrd="0" presId="urn:microsoft.com/office/officeart/2005/8/layout/default"/>
     <dgm:cxn modelId="{64872DCA-A621-CA47-9D57-3E69A67A82B6}" type="presParOf" srcId="{0B091D1A-1755-41DB-AA33-3D92F130E811}" destId="{18825C66-8611-43D0-8C5F-0E51E820CA72}" srcOrd="1" destOrd="0" presId="urn:microsoft.com/office/officeart/2005/8/layout/default"/>
     <dgm:cxn modelId="{BDA9D887-60A5-BF46-AC4D-2A98DEF3FDC8}" type="presParOf" srcId="{0B091D1A-1755-41DB-AA33-3D92F130E811}" destId="{14839345-A8D4-4FB8-BAA9-6A6E99A04A53}" srcOrd="2" destOrd="0" presId="urn:microsoft.com/office/officeart/2005/8/layout/default"/>
@@ -3240,7 +3394,7 @@
         </a:bodyPr>
         <a:lstStyle/>
         <a:p>
-          <a:pPr marL="0" lvl="0" indent="0" algn="l" defTabSz="1155700">
+          <a:pPr lvl="0" algn="l" defTabSz="1155700">
             <a:lnSpc>
               <a:spcPct val="90000"/>
             </a:lnSpc>
@@ -3250,7 +3404,6 @@
             <a:spcAft>
               <a:spcPct val="35000"/>
             </a:spcAft>
-            <a:buNone/>
           </a:pPr>
           <a:r>
             <a:rPr lang="it-IT" sz="2600" kern="1200" dirty="0"/>
@@ -3258,7 +3411,7 @@
           </a:r>
         </a:p>
         <a:p>
-          <a:pPr marL="0" lvl="0" indent="0" algn="l" defTabSz="1155700">
+          <a:pPr lvl="0" algn="l" defTabSz="1155700">
             <a:lnSpc>
               <a:spcPct val="90000"/>
             </a:lnSpc>
@@ -3268,7 +3421,6 @@
             <a:spcAft>
               <a:spcPct val="35000"/>
             </a:spcAft>
-            <a:buNone/>
           </a:pPr>
           <a:r>
             <a:rPr lang="it-IT" sz="1600" kern="1200" dirty="0"/>
@@ -3281,7 +3433,7 @@
           <a:endParaRPr lang="it-IT" sz="1600" kern="1200" dirty="0"/>
         </a:p>
         <a:p>
-          <a:pPr marL="0" lvl="0" indent="0" algn="l" defTabSz="1155700">
+          <a:pPr lvl="0" algn="l" defTabSz="1155700">
             <a:lnSpc>
               <a:spcPct val="90000"/>
             </a:lnSpc>
@@ -3291,7 +3443,6 @@
             <a:spcAft>
               <a:spcPct val="35000"/>
             </a:spcAft>
-            <a:buNone/>
           </a:pPr>
           <a:r>
             <a:rPr lang="it-IT" sz="1600" kern="1200" dirty="0"/>
@@ -3312,7 +3463,7 @@
           <a:endParaRPr lang="it-IT" sz="1600" kern="1200" dirty="0"/>
         </a:p>
         <a:p>
-          <a:pPr marL="0" lvl="0" indent="0" algn="l" defTabSz="1155700">
+          <a:pPr lvl="0" algn="l" defTabSz="1155700">
             <a:lnSpc>
               <a:spcPct val="90000"/>
             </a:lnSpc>
@@ -3322,7 +3473,6 @@
             <a:spcAft>
               <a:spcPct val="35000"/>
             </a:spcAft>
-            <a:buNone/>
           </a:pPr>
           <a:r>
             <a:rPr lang="it-IT" sz="1600" kern="1200" dirty="0"/>
@@ -3335,7 +3485,7 @@
           <a:endParaRPr lang="it-IT" sz="1600" kern="1200" dirty="0"/>
         </a:p>
         <a:p>
-          <a:pPr marL="0" lvl="0" indent="0" algn="l" defTabSz="1155700">
+          <a:pPr lvl="0" algn="l" defTabSz="1155700">
             <a:lnSpc>
               <a:spcPct val="90000"/>
             </a:lnSpc>
@@ -3345,7 +3495,6 @@
             <a:spcAft>
               <a:spcPct val="35000"/>
             </a:spcAft>
-            <a:buNone/>
           </a:pPr>
           <a:r>
             <a:rPr lang="it-IT" sz="1600" kern="1200" dirty="0"/>
@@ -3366,7 +3515,7 @@
           <a:endParaRPr lang="it-IT" sz="1600" kern="1200" dirty="0"/>
         </a:p>
         <a:p>
-          <a:pPr marL="0" lvl="0" indent="0" algn="l" defTabSz="1155700">
+          <a:pPr lvl="0" algn="l" defTabSz="1155700">
             <a:lnSpc>
               <a:spcPct val="90000"/>
             </a:lnSpc>
@@ -3376,7 +3525,6 @@
             <a:spcAft>
               <a:spcPct val="35000"/>
             </a:spcAft>
-            <a:buNone/>
           </a:pPr>
           <a:endParaRPr lang="en-US" sz="1600" kern="1200" dirty="0"/>
         </a:p>
@@ -3434,7 +3582,7 @@
         </a:bodyPr>
         <a:lstStyle/>
         <a:p>
-          <a:pPr marL="0" lvl="0" indent="0" algn="l" defTabSz="622300">
+          <a:pPr lvl="0" algn="l" defTabSz="622300">
             <a:lnSpc>
               <a:spcPct val="90000"/>
             </a:lnSpc>
@@ -3444,7 +3592,6 @@
             <a:spcAft>
               <a:spcPct val="35000"/>
             </a:spcAft>
-            <a:buNone/>
           </a:pPr>
           <a:endParaRPr lang="en-US" sz="1400" kern="1200" dirty="0"/>
         </a:p>
@@ -3545,7 +3692,7 @@
         </a:bodyPr>
         <a:lstStyle/>
         <a:p>
-          <a:pPr marL="0" lvl="0" indent="0" algn="l" defTabSz="1155700">
+          <a:pPr lvl="0" algn="l" defTabSz="1155700">
             <a:lnSpc>
               <a:spcPct val="90000"/>
             </a:lnSpc>
@@ -3555,7 +3702,6 @@
             <a:spcAft>
               <a:spcPct val="35000"/>
             </a:spcAft>
-            <a:buNone/>
           </a:pPr>
           <a:r>
             <a:rPr lang="en-US" sz="2600" kern="1200" dirty="0" err="1"/>
@@ -3572,7 +3718,7 @@
           <a:endParaRPr lang="en-US" sz="2600" kern="1200" dirty="0"/>
         </a:p>
         <a:p>
-          <a:pPr marL="0" lvl="0" indent="0" algn="l" defTabSz="1155700">
+          <a:pPr lvl="0" algn="l" defTabSz="1155700">
             <a:lnSpc>
               <a:spcPct val="90000"/>
             </a:lnSpc>
@@ -3582,7 +3728,6 @@
             <a:spcAft>
               <a:spcPct val="35000"/>
             </a:spcAft>
-            <a:buNone/>
           </a:pPr>
           <a:r>
             <a:rPr lang="en-US" sz="1600" kern="1200" dirty="0"/>
@@ -3619,7 +3764,7 @@
           <a:endParaRPr lang="en-US" sz="1600" kern="1200" dirty="0"/>
         </a:p>
         <a:p>
-          <a:pPr marL="0" lvl="0" indent="0" algn="l" defTabSz="1155700">
+          <a:pPr lvl="0" algn="l" defTabSz="1155700">
             <a:lnSpc>
               <a:spcPct val="90000"/>
             </a:lnSpc>
@@ -3629,7 +3774,6 @@
             <a:spcAft>
               <a:spcPct val="35000"/>
             </a:spcAft>
-            <a:buNone/>
           </a:pPr>
           <a:r>
             <a:rPr lang="en-US" sz="1600" kern="1200" dirty="0"/>
@@ -3653,7 +3797,7 @@
           </a:r>
         </a:p>
         <a:p>
-          <a:pPr marL="0" lvl="0" indent="0" algn="ctr" defTabSz="1155700">
+          <a:pPr lvl="0" algn="ctr" defTabSz="1155700">
             <a:lnSpc>
               <a:spcPct val="90000"/>
             </a:lnSpc>
@@ -3663,12 +3807,11 @@
             <a:spcAft>
               <a:spcPct val="35000"/>
             </a:spcAft>
-            <a:buNone/>
           </a:pPr>
           <a:endParaRPr lang="en-US" sz="1600" kern="1200" dirty="0"/>
         </a:p>
         <a:p>
-          <a:pPr marL="0" lvl="0" indent="0" algn="ctr" defTabSz="1155700">
+          <a:pPr lvl="0" algn="ctr" defTabSz="1155700">
             <a:lnSpc>
               <a:spcPct val="90000"/>
             </a:lnSpc>
@@ -3678,12 +3821,11 @@
             <a:spcAft>
               <a:spcPct val="35000"/>
             </a:spcAft>
-            <a:buNone/>
           </a:pPr>
           <a:endParaRPr lang="en-US" sz="1600" kern="1200" dirty="0"/>
         </a:p>
         <a:p>
-          <a:pPr marL="0" lvl="0" indent="0" algn="ctr" defTabSz="1155700">
+          <a:pPr lvl="0" algn="ctr" defTabSz="1155700">
             <a:lnSpc>
               <a:spcPct val="90000"/>
             </a:lnSpc>
@@ -3693,7 +3835,6 @@
             <a:spcAft>
               <a:spcPct val="35000"/>
             </a:spcAft>
-            <a:buNone/>
           </a:pPr>
           <a:endParaRPr lang="en-US" sz="1600" kern="1200" dirty="0"/>
         </a:p>
@@ -3751,7 +3892,7 @@
         </a:bodyPr>
         <a:lstStyle/>
         <a:p>
-          <a:pPr marL="0" lvl="0" indent="0" algn="l" defTabSz="2933700">
+          <a:pPr lvl="0" algn="l" defTabSz="2933700">
             <a:lnSpc>
               <a:spcPct val="90000"/>
             </a:lnSpc>
@@ -3761,7 +3902,6 @@
             <a:spcAft>
               <a:spcPct val="35000"/>
             </a:spcAft>
-            <a:buNone/>
           </a:pPr>
           <a:endParaRPr lang="en-US" sz="6600" kern="1200" dirty="0"/>
         </a:p>
@@ -3862,7 +4002,7 @@
         </a:bodyPr>
         <a:lstStyle/>
         <a:p>
-          <a:pPr marL="0" lvl="0" indent="0" algn="l" defTabSz="1155700">
+          <a:pPr lvl="0" algn="l" defTabSz="1155700">
             <a:lnSpc>
               <a:spcPct val="90000"/>
             </a:lnSpc>
@@ -3872,7 +4012,6 @@
             <a:spcAft>
               <a:spcPct val="35000"/>
             </a:spcAft>
-            <a:buNone/>
           </a:pPr>
           <a:r>
             <a:rPr lang="en-US" sz="2600" kern="1200" dirty="0" err="1"/>
@@ -3889,7 +4028,7 @@
           <a:endParaRPr lang="en-US" sz="2600" kern="1200" dirty="0"/>
         </a:p>
         <a:p>
-          <a:pPr marL="0" lvl="0" indent="0" algn="l" defTabSz="1155700">
+          <a:pPr lvl="0" algn="l" defTabSz="1155700">
             <a:lnSpc>
               <a:spcPct val="90000"/>
             </a:lnSpc>
@@ -3899,7 +4038,6 @@
             <a:spcAft>
               <a:spcPct val="35000"/>
             </a:spcAft>
-            <a:buNone/>
           </a:pPr>
           <a:r>
             <a:rPr lang="en-US" sz="1600" kern="1200" dirty="0"/>
@@ -3940,7 +4078,7 @@
           <a:endParaRPr lang="en-US" sz="1600" kern="1200" dirty="0"/>
         </a:p>
         <a:p>
-          <a:pPr marL="0" lvl="0" indent="0" algn="l" defTabSz="1155700">
+          <a:pPr lvl="0" algn="l" defTabSz="1155700">
             <a:lnSpc>
               <a:spcPct val="90000"/>
             </a:lnSpc>
@@ -3950,7 +4088,6 @@
             <a:spcAft>
               <a:spcPct val="35000"/>
             </a:spcAft>
-            <a:buNone/>
           </a:pPr>
           <a:r>
             <a:rPr lang="en-US" sz="1600" kern="1200" dirty="0"/>
@@ -4011,7 +4148,7 @@
           <a:endParaRPr lang="en-US" sz="1600" kern="1200" dirty="0"/>
         </a:p>
         <a:p>
-          <a:pPr marL="0" lvl="0" indent="0" algn="l" defTabSz="1155700">
+          <a:pPr lvl="0" algn="l" defTabSz="1155700">
             <a:lnSpc>
               <a:spcPct val="90000"/>
             </a:lnSpc>
@@ -4021,7 +4158,6 @@
             <a:spcAft>
               <a:spcPct val="35000"/>
             </a:spcAft>
-            <a:buNone/>
           </a:pPr>
           <a:endParaRPr lang="en-US" sz="2600" kern="1200" dirty="0"/>
         </a:p>
@@ -4079,7 +4215,7 @@
         </a:bodyPr>
         <a:lstStyle/>
         <a:p>
-          <a:pPr marL="0" lvl="0" indent="0" algn="l" defTabSz="2933700">
+          <a:pPr lvl="0" algn="l" defTabSz="2933700">
             <a:lnSpc>
               <a:spcPct val="90000"/>
             </a:lnSpc>
@@ -4089,7 +4225,6 @@
             <a:spcAft>
               <a:spcPct val="35000"/>
             </a:spcAft>
-            <a:buNone/>
           </a:pPr>
           <a:endParaRPr lang="en-US" sz="6600" kern="1200" dirty="0"/>
         </a:p>
@@ -4190,7 +4325,7 @@
         </a:bodyPr>
         <a:lstStyle/>
         <a:p>
-          <a:pPr marL="0" lvl="0" indent="0" algn="l" defTabSz="1155700">
+          <a:pPr lvl="0" algn="l" defTabSz="1155700">
             <a:lnSpc>
               <a:spcPct val="90000"/>
             </a:lnSpc>
@@ -4200,7 +4335,6 @@
             <a:spcAft>
               <a:spcPct val="35000"/>
             </a:spcAft>
-            <a:buNone/>
           </a:pPr>
           <a:r>
             <a:rPr lang="en-US" sz="2600" kern="1200" dirty="0" err="1"/>
@@ -4217,7 +4351,7 @@
           <a:endParaRPr lang="en-US" sz="2600" kern="1200" dirty="0"/>
         </a:p>
         <a:p>
-          <a:pPr marL="0" lvl="0" indent="0" algn="l" defTabSz="1155700">
+          <a:pPr lvl="0" algn="l" defTabSz="1155700">
             <a:lnSpc>
               <a:spcPct val="90000"/>
             </a:lnSpc>
@@ -4227,7 +4361,6 @@
             <a:spcAft>
               <a:spcPct val="35000"/>
             </a:spcAft>
-            <a:buNone/>
           </a:pPr>
           <a:r>
             <a:rPr lang="en-US" sz="1600" kern="1200" dirty="0"/>
@@ -4272,7 +4405,7 @@
           <a:endParaRPr lang="en-US" sz="1600" kern="1200" dirty="0"/>
         </a:p>
         <a:p>
-          <a:pPr marL="0" lvl="0" indent="0" algn="l" defTabSz="1155700">
+          <a:pPr lvl="0" algn="l" defTabSz="1155700">
             <a:lnSpc>
               <a:spcPct val="90000"/>
             </a:lnSpc>
@@ -4282,7 +4415,6 @@
             <a:spcAft>
               <a:spcPct val="35000"/>
             </a:spcAft>
-            <a:buNone/>
           </a:pPr>
           <a:endParaRPr lang="en-US" sz="1600" kern="1200" dirty="0"/>
         </a:p>
@@ -4340,7 +4472,7 @@
         </a:bodyPr>
         <a:lstStyle/>
         <a:p>
-          <a:pPr marL="0" lvl="0" indent="0" algn="l" defTabSz="755650">
+          <a:pPr lvl="0" algn="l" defTabSz="755650">
             <a:lnSpc>
               <a:spcPct val="90000"/>
             </a:lnSpc>
@@ -4350,7 +4482,6 @@
             <a:spcAft>
               <a:spcPct val="35000"/>
             </a:spcAft>
-            <a:buNone/>
           </a:pPr>
           <a:endParaRPr lang="en-US" sz="1700" kern="1200" dirty="0"/>
         </a:p>
@@ -4445,7 +4576,7 @@
         </a:bodyPr>
         <a:lstStyle/>
         <a:p>
-          <a:pPr marL="0" lvl="0" indent="0" algn="ctr" defTabSz="1422400">
+          <a:pPr lvl="0" algn="ctr" defTabSz="1422400">
             <a:lnSpc>
               <a:spcPct val="90000"/>
             </a:lnSpc>
@@ -4455,7 +4586,6 @@
             <a:spcAft>
               <a:spcPct val="35000"/>
             </a:spcAft>
-            <a:buNone/>
           </a:pPr>
           <a:r>
             <a:rPr lang="it-IT" sz="3200" kern="1200" dirty="0"/>
@@ -4543,7 +4673,7 @@
         </a:bodyPr>
         <a:lstStyle/>
         <a:p>
-          <a:pPr marL="0" lvl="0" indent="0" algn="ctr" defTabSz="1422400">
+          <a:pPr lvl="0" algn="ctr" defTabSz="1422400">
             <a:lnSpc>
               <a:spcPct val="90000"/>
             </a:lnSpc>
@@ -4553,7 +4683,6 @@
             <a:spcAft>
               <a:spcPct val="35000"/>
             </a:spcAft>
-            <a:buNone/>
           </a:pPr>
           <a:r>
             <a:rPr lang="it-IT" sz="3200" kern="1200" dirty="0"/>
@@ -4635,7 +4764,7 @@
         </a:bodyPr>
         <a:lstStyle/>
         <a:p>
-          <a:pPr marL="0" lvl="0" indent="0" algn="ctr" defTabSz="1422400">
+          <a:pPr lvl="0" algn="ctr" defTabSz="1422400">
             <a:lnSpc>
               <a:spcPct val="90000"/>
             </a:lnSpc>
@@ -4645,7 +4774,6 @@
             <a:spcAft>
               <a:spcPct val="35000"/>
             </a:spcAft>
-            <a:buNone/>
           </a:pPr>
           <a:r>
             <a:rPr lang="it-IT" sz="3200" kern="1200"/>
@@ -4729,7 +4857,7 @@
         </a:bodyPr>
         <a:lstStyle/>
         <a:p>
-          <a:pPr marL="0" lvl="0" indent="0" algn="ctr" defTabSz="1422400">
+          <a:pPr lvl="0" algn="ctr" defTabSz="1422400">
             <a:lnSpc>
               <a:spcPct val="90000"/>
             </a:lnSpc>
@@ -4739,7 +4867,6 @@
             <a:spcAft>
               <a:spcPct val="35000"/>
             </a:spcAft>
-            <a:buNone/>
           </a:pPr>
           <a:r>
             <a:rPr lang="it-IT" sz="3200" kern="1200" dirty="0"/>
@@ -4823,7 +4950,7 @@
         </a:bodyPr>
         <a:lstStyle/>
         <a:p>
-          <a:pPr marL="0" lvl="0" indent="0" algn="ctr" defTabSz="1422400">
+          <a:pPr lvl="0" algn="ctr" defTabSz="1422400">
             <a:lnSpc>
               <a:spcPct val="90000"/>
             </a:lnSpc>
@@ -4833,7 +4960,6 @@
             <a:spcAft>
               <a:spcPct val="35000"/>
             </a:spcAft>
-            <a:buNone/>
           </a:pPr>
           <a:r>
             <a:rPr lang="it-IT" sz="3200" kern="1200" dirty="0"/>
@@ -4915,7 +5041,7 @@
         </a:bodyPr>
         <a:lstStyle/>
         <a:p>
-          <a:pPr marL="0" lvl="0" indent="0" algn="ctr" defTabSz="1422400">
+          <a:pPr lvl="0" algn="ctr" defTabSz="1422400">
             <a:lnSpc>
               <a:spcPct val="90000"/>
             </a:lnSpc>
@@ -4925,7 +5051,6 @@
             <a:spcAft>
               <a:spcPct val="35000"/>
             </a:spcAft>
-            <a:buNone/>
           </a:pPr>
           <a:r>
             <a:rPr lang="it-IT" sz="3200" kern="1200" dirty="0"/>
@@ -5009,7 +5134,7 @@
         </a:bodyPr>
         <a:lstStyle/>
         <a:p>
-          <a:pPr marL="0" lvl="0" indent="0" algn="ctr" defTabSz="1422400">
+          <a:pPr lvl="0" algn="ctr" defTabSz="1422400">
             <a:lnSpc>
               <a:spcPct val="90000"/>
             </a:lnSpc>
@@ -5019,7 +5144,6 @@
             <a:spcAft>
               <a:spcPct val="35000"/>
             </a:spcAft>
-            <a:buNone/>
           </a:pPr>
           <a:r>
             <a:rPr lang="it-IT" sz="3200" kern="1200" dirty="0"/>
@@ -5106,7 +5230,7 @@
         </a:bodyPr>
         <a:lstStyle/>
         <a:p>
-          <a:pPr marL="0" lvl="0" indent="0" algn="ctr" defTabSz="1422400">
+          <a:pPr lvl="0" algn="ctr" defTabSz="1422400">
             <a:lnSpc>
               <a:spcPct val="90000"/>
             </a:lnSpc>
@@ -5116,7 +5240,6 @@
             <a:spcAft>
               <a:spcPct val="35000"/>
             </a:spcAft>
-            <a:buNone/>
           </a:pPr>
           <a:r>
             <a:rPr lang="it-IT" sz="3200" kern="1200" dirty="0"/>
@@ -5388,7 +5511,7 @@
   </dgm:layoutNode>
   <dgm:extLst>
     <a:ext uri="{4F341089-5ED1-44EC-B178-C955D00A3D55}">
-      <dgm1611:autoBuNodeInfoLst xmlns:dgm1611="http://schemas.microsoft.com/office/drawing/2016/11/diagram">
+      <dgm1611:autoBuNodeInfoLst xmlns:dgm1611="http://schemas.microsoft.com/office/drawing/2016/11/diagram" xmlns="">
         <dgm1611:autoBuNodeInfo lvl="1" ptType="sibTrans">
           <dgm1611:buPr prefix="" leadZeros="1">
             <a:buAutoNum type="arabicParenBoth"/>
@@ -7723,7 +7846,7 @@
           <a:p>
             <a:fld id="{AF89CFBA-E078-4C41-A575-83366E02218D}" type="datetimeFigureOut">
               <a:rPr lang="it-IT" smtClean="0"/>
-              <a:t>28/05/2018</a:t>
+              <a:t>28/05/18</a:t>
             </a:fld>
             <a:endParaRPr lang="it-IT"/>
           </a:p>
@@ -7881,7 +8004,7 @@
           <a:p>
             <a:fld id="{FCB28800-713D-6840-B5F3-37F5C6941456}" type="slidenum">
               <a:rPr lang="it-IT" smtClean="0"/>
-              <a:t>‹N›</a:t>
+              <a:t>‹n.›</a:t>
             </a:fld>
             <a:endParaRPr lang="it-IT"/>
           </a:p>
@@ -8119,7 +8242,7 @@
           <a:p>
             <a:fld id="{D775947D-044B-614B-8E36-7404D1B77440}" type="datetimeFigureOut">
               <a:rPr lang="it-IT" smtClean="0"/>
-              <a:t>28/05/2018</a:t>
+              <a:t>28/05/18</a:t>
             </a:fld>
             <a:endParaRPr lang="it-IT"/>
           </a:p>
@@ -8161,7 +8284,7 @@
           <a:p>
             <a:fld id="{57FD6837-3DD8-C040-8A46-1B9F3D0E0FFF}" type="slidenum">
               <a:rPr lang="it-IT" smtClean="0"/>
-              <a:t>‹N›</a:t>
+              <a:t>‹n.›</a:t>
             </a:fld>
             <a:endParaRPr lang="it-IT"/>
           </a:p>
@@ -8282,7 +8405,7 @@
           <a:p>
             <a:fld id="{D775947D-044B-614B-8E36-7404D1B77440}" type="datetimeFigureOut">
               <a:rPr lang="it-IT" smtClean="0"/>
-              <a:t>28/05/2018</a:t>
+              <a:t>28/05/18</a:t>
             </a:fld>
             <a:endParaRPr lang="it-IT"/>
           </a:p>
@@ -8324,7 +8447,7 @@
           <a:p>
             <a:fld id="{57FD6837-3DD8-C040-8A46-1B9F3D0E0FFF}" type="slidenum">
               <a:rPr lang="it-IT" smtClean="0"/>
-              <a:t>‹N›</a:t>
+              <a:t>‹n.›</a:t>
             </a:fld>
             <a:endParaRPr lang="it-IT"/>
           </a:p>
@@ -8455,7 +8578,7 @@
           <a:p>
             <a:fld id="{D775947D-044B-614B-8E36-7404D1B77440}" type="datetimeFigureOut">
               <a:rPr lang="it-IT" smtClean="0"/>
-              <a:t>28/05/2018</a:t>
+              <a:t>28/05/18</a:t>
             </a:fld>
             <a:endParaRPr lang="it-IT"/>
           </a:p>
@@ -8497,7 +8620,7 @@
           <a:p>
             <a:fld id="{57FD6837-3DD8-C040-8A46-1B9F3D0E0FFF}" type="slidenum">
               <a:rPr lang="it-IT" smtClean="0"/>
-              <a:t>‹N›</a:t>
+              <a:t>‹n.›</a:t>
             </a:fld>
             <a:endParaRPr lang="it-IT"/>
           </a:p>
@@ -8618,7 +8741,7 @@
           <a:p>
             <a:fld id="{D775947D-044B-614B-8E36-7404D1B77440}" type="datetimeFigureOut">
               <a:rPr lang="it-IT" smtClean="0"/>
-              <a:t>28/05/2018</a:t>
+              <a:t>28/05/18</a:t>
             </a:fld>
             <a:endParaRPr lang="it-IT"/>
           </a:p>
@@ -8660,7 +8783,7 @@
           <a:p>
             <a:fld id="{57FD6837-3DD8-C040-8A46-1B9F3D0E0FFF}" type="slidenum">
               <a:rPr lang="it-IT" smtClean="0"/>
-              <a:t>‹N›</a:t>
+              <a:t>‹n.›</a:t>
             </a:fld>
             <a:endParaRPr lang="it-IT"/>
           </a:p>
@@ -8858,7 +8981,7 @@
           <a:p>
             <a:fld id="{D775947D-044B-614B-8E36-7404D1B77440}" type="datetimeFigureOut">
               <a:rPr lang="it-IT" smtClean="0"/>
-              <a:t>28/05/2018</a:t>
+              <a:t>28/05/18</a:t>
             </a:fld>
             <a:endParaRPr lang="it-IT"/>
           </a:p>
@@ -8900,7 +9023,7 @@
           <a:p>
             <a:fld id="{57FD6837-3DD8-C040-8A46-1B9F3D0E0FFF}" type="slidenum">
               <a:rPr lang="it-IT" smtClean="0"/>
-              <a:t>‹N›</a:t>
+              <a:t>‹n.›</a:t>
             </a:fld>
             <a:endParaRPr lang="it-IT"/>
           </a:p>
@@ -9082,7 +9205,7 @@
           <a:p>
             <a:fld id="{D775947D-044B-614B-8E36-7404D1B77440}" type="datetimeFigureOut">
               <a:rPr lang="it-IT" smtClean="0"/>
-              <a:t>28/05/2018</a:t>
+              <a:t>28/05/18</a:t>
             </a:fld>
             <a:endParaRPr lang="it-IT"/>
           </a:p>
@@ -9124,7 +9247,7 @@
           <a:p>
             <a:fld id="{57FD6837-3DD8-C040-8A46-1B9F3D0E0FFF}" type="slidenum">
               <a:rPr lang="it-IT" smtClean="0"/>
-              <a:t>‹N›</a:t>
+              <a:t>‹n.›</a:t>
             </a:fld>
             <a:endParaRPr lang="it-IT"/>
           </a:p>
@@ -9441,7 +9564,7 @@
           <a:p>
             <a:fld id="{D775947D-044B-614B-8E36-7404D1B77440}" type="datetimeFigureOut">
               <a:rPr lang="it-IT" smtClean="0"/>
-              <a:t>28/05/2018</a:t>
+              <a:t>28/05/18</a:t>
             </a:fld>
             <a:endParaRPr lang="it-IT"/>
           </a:p>
@@ -9483,7 +9606,7 @@
           <a:p>
             <a:fld id="{57FD6837-3DD8-C040-8A46-1B9F3D0E0FFF}" type="slidenum">
               <a:rPr lang="it-IT" smtClean="0"/>
-              <a:t>‹N›</a:t>
+              <a:t>‹n.›</a:t>
             </a:fld>
             <a:endParaRPr lang="it-IT"/>
           </a:p>
@@ -9553,7 +9676,7 @@
           <a:p>
             <a:fld id="{D775947D-044B-614B-8E36-7404D1B77440}" type="datetimeFigureOut">
               <a:rPr lang="it-IT" smtClean="0"/>
-              <a:t>28/05/2018</a:t>
+              <a:t>28/05/18</a:t>
             </a:fld>
             <a:endParaRPr lang="it-IT"/>
           </a:p>
@@ -9595,7 +9718,7 @@
           <a:p>
             <a:fld id="{57FD6837-3DD8-C040-8A46-1B9F3D0E0FFF}" type="slidenum">
               <a:rPr lang="it-IT" smtClean="0"/>
-              <a:t>‹N›</a:t>
+              <a:t>‹n.›</a:t>
             </a:fld>
             <a:endParaRPr lang="it-IT"/>
           </a:p>
@@ -9643,7 +9766,7 @@
           <a:p>
             <a:fld id="{D775947D-044B-614B-8E36-7404D1B77440}" type="datetimeFigureOut">
               <a:rPr lang="it-IT" smtClean="0"/>
-              <a:t>28/05/2018</a:t>
+              <a:t>28/05/18</a:t>
             </a:fld>
             <a:endParaRPr lang="it-IT"/>
           </a:p>
@@ -9685,7 +9808,7 @@
           <a:p>
             <a:fld id="{57FD6837-3DD8-C040-8A46-1B9F3D0E0FFF}" type="slidenum">
               <a:rPr lang="it-IT" smtClean="0"/>
-              <a:t>‹N›</a:t>
+              <a:t>‹n.›</a:t>
             </a:fld>
             <a:endParaRPr lang="it-IT"/>
           </a:p>
@@ -9913,7 +10036,7 @@
           <a:p>
             <a:fld id="{D775947D-044B-614B-8E36-7404D1B77440}" type="datetimeFigureOut">
               <a:rPr lang="it-IT" smtClean="0"/>
-              <a:t>28/05/2018</a:t>
+              <a:t>28/05/18</a:t>
             </a:fld>
             <a:endParaRPr lang="it-IT"/>
           </a:p>
@@ -9955,7 +10078,7 @@
           <a:p>
             <a:fld id="{57FD6837-3DD8-C040-8A46-1B9F3D0E0FFF}" type="slidenum">
               <a:rPr lang="it-IT" smtClean="0"/>
-              <a:t>‹N›</a:t>
+              <a:t>‹n.›</a:t>
             </a:fld>
             <a:endParaRPr lang="it-IT"/>
           </a:p>
@@ -10160,7 +10283,7 @@
           <a:p>
             <a:fld id="{D775947D-044B-614B-8E36-7404D1B77440}" type="datetimeFigureOut">
               <a:rPr lang="it-IT" smtClean="0"/>
-              <a:t>28/05/2018</a:t>
+              <a:t>28/05/18</a:t>
             </a:fld>
             <a:endParaRPr lang="it-IT"/>
           </a:p>
@@ -10202,7 +10325,7 @@
           <a:p>
             <a:fld id="{57FD6837-3DD8-C040-8A46-1B9F3D0E0FFF}" type="slidenum">
               <a:rPr lang="it-IT" smtClean="0"/>
-              <a:t>‹N›</a:t>
+              <a:t>‹n.›</a:t>
             </a:fld>
             <a:endParaRPr lang="it-IT"/>
           </a:p>
@@ -10366,7 +10489,7 @@
           <a:p>
             <a:fld id="{D775947D-044B-614B-8E36-7404D1B77440}" type="datetimeFigureOut">
               <a:rPr lang="it-IT" smtClean="0"/>
-              <a:t>28/05/2018</a:t>
+              <a:t>28/05/18</a:t>
             </a:fld>
             <a:endParaRPr lang="it-IT"/>
           </a:p>
@@ -10444,7 +10567,7 @@
           <a:p>
             <a:fld id="{57FD6837-3DD8-C040-8A46-1B9F3D0E0FFF}" type="slidenum">
               <a:rPr lang="it-IT" smtClean="0"/>
-              <a:t>‹N›</a:t>
+              <a:t>‹n.›</a:t>
             </a:fld>
             <a:endParaRPr lang="it-IT"/>
           </a:p>
@@ -10806,7 +10929,7 @@
           <p:cNvPr id="11" name="Immagine 10">
             <a:extLst>
               <a:ext uri="{FF2B5EF4-FFF2-40B4-BE49-F238E27FC236}">
-                <a16:creationId xmlns:a16="http://schemas.microsoft.com/office/drawing/2014/main" id="{19E2129C-A575-42F4-AB71-59B9444C164B}"/>
+                <a16:creationId xmlns="" xmlns:a16="http://schemas.microsoft.com/office/drawing/2014/main" id="{19E2129C-A575-42F4-AB71-59B9444C164B}"/>
               </a:ext>
             </a:extLst>
           </p:cNvPr>
@@ -10899,11 +11022,23 @@
               </a:rPr>
               <a:t>Laboratorio di simulazioni finanziarie</a:t>
             </a:r>
+            <a:r>
+              <a:rPr lang="it-IT" b="1" dirty="0">
+                <a:latin typeface="+mn-lt"/>
+              </a:rPr>
+              <a:t/>
+            </a:r>
             <a:br>
               <a:rPr lang="it-IT" b="1" dirty="0">
                 <a:latin typeface="+mn-lt"/>
               </a:rPr>
             </a:br>
+            <a:r>
+              <a:rPr lang="it-IT" b="1" dirty="0">
+                <a:latin typeface="+mn-lt"/>
+              </a:rPr>
+              <a:t/>
+            </a:r>
             <a:br>
               <a:rPr lang="it-IT" b="1" dirty="0">
                 <a:latin typeface="+mn-lt"/>
@@ -10971,6 +11106,13 @@
   <p:clrMapOvr>
     <a:masterClrMapping/>
   </p:clrMapOvr>
+  <p:timing>
+    <p:tnLst>
+      <p:par>
+        <p:cTn id="1" dur="indefinite" restart="never" nodeType="tmRoot"/>
+      </p:par>
+    </p:tnLst>
+  </p:timing>
 </p:sld>
 </file>
 
@@ -11102,7 +11244,7 @@
           <p:cNvPr id="10" name="Segnaposto contenuto 2">
             <a:extLst>
               <a:ext uri="{FF2B5EF4-FFF2-40B4-BE49-F238E27FC236}">
-                <a16:creationId xmlns:a16="http://schemas.microsoft.com/office/drawing/2014/main" id="{1080FD01-1484-43D4-A1C5-7D0508973CE6}"/>
+                <a16:creationId xmlns="" xmlns:a16="http://schemas.microsoft.com/office/drawing/2014/main" id="{1080FD01-1484-43D4-A1C5-7D0508973CE6}"/>
               </a:ext>
             </a:extLst>
           </p:cNvPr>
@@ -11428,6 +11570,13 @@
   <p:clrMapOvr>
     <a:masterClrMapping/>
   </p:clrMapOvr>
+  <p:timing>
+    <p:tnLst>
+      <p:par>
+        <p:cTn id="1" dur="indefinite" restart="never" nodeType="tmRoot"/>
+      </p:par>
+    </p:tnLst>
+  </p:timing>
 </p:sld>
 </file>
 
@@ -11784,7 +11933,7 @@
                       <m:dPr>
                         <m:ctrlPr>
                           <a:rPr lang="it-IT" i="1">
-                            <a:latin typeface="Cambria Math" panose="02040503050406030204" pitchFamily="18" charset="0"/>
+                            <a:latin typeface="Cambria Math" charset="0"/>
                             <a:ea typeface="Calibri" panose="020F0502020204030204" pitchFamily="34" charset="0"/>
                             <a:cs typeface="Times New Roman" panose="02020603050405020304" pitchFamily="18" charset="0"/>
                           </a:rPr>
@@ -11813,7 +11962,7 @@
                       <m:fPr>
                         <m:ctrlPr>
                           <a:rPr lang="it-IT" i="1">
-                            <a:latin typeface="Cambria Math" panose="02040503050406030204" pitchFamily="18" charset="0"/>
+                            <a:latin typeface="Cambria Math" charset="0"/>
                             <a:ea typeface="Calibri" panose="020F0502020204030204" pitchFamily="34" charset="0"/>
                             <a:cs typeface="Times New Roman" panose="02020603050405020304" pitchFamily="18" charset="0"/>
                           </a:rPr>
@@ -11824,7 +11973,7 @@
                           <m:sSupPr>
                             <m:ctrlPr>
                               <a:rPr lang="it-IT" i="1">
-                                <a:latin typeface="Cambria Math" panose="02040503050406030204" pitchFamily="18" charset="0"/>
+                                <a:latin typeface="Cambria Math" charset="0"/>
                                 <a:ea typeface="Calibri" panose="020F0502020204030204" pitchFamily="34" charset="0"/>
                                 <a:cs typeface="Times New Roman" panose="02020603050405020304" pitchFamily="18" charset="0"/>
                               </a:rPr>
@@ -11875,7 +12024,7 @@
                       <m:sSupPr>
                         <m:ctrlPr>
                           <a:rPr lang="it-IT" i="1">
-                            <a:latin typeface="Cambria Math" panose="02040503050406030204" pitchFamily="18" charset="0"/>
+                            <a:latin typeface="Cambria Math" charset="0"/>
                             <a:ea typeface="Calibri" panose="020F0502020204030204" pitchFamily="34" charset="0"/>
                             <a:cs typeface="Times New Roman" panose="02020603050405020304" pitchFamily="18" charset="0"/>
                           </a:rPr>
@@ -12040,7 +12189,7 @@
                           <m:ctrlPr>
                             <a:rPr lang="it-IT" sz="2400" i="1">
                               <a:effectLst/>
-                              <a:latin typeface="Cambria Math" panose="02040503050406030204" pitchFamily="18" charset="0"/>
+                              <a:latin typeface="Cambria Math" charset="0"/>
                             </a:rPr>
                           </m:ctrlPr>
                         </m:dPr>
@@ -12073,7 +12222,7 @@
                           <m:ctrlPr>
                             <a:rPr lang="it-IT" sz="2400" i="1">
                               <a:effectLst/>
-                              <a:latin typeface="Cambria Math" panose="02040503050406030204" pitchFamily="18" charset="0"/>
+                              <a:latin typeface="Cambria Math" charset="0"/>
                             </a:rPr>
                           </m:ctrlPr>
                         </m:naryPr>
@@ -12123,7 +12272,7 @@
                               <m:ctrlPr>
                                 <a:rPr lang="it-IT" sz="2400" i="1">
                                   <a:effectLst/>
-                                  <a:latin typeface="Cambria Math" panose="02040503050406030204" pitchFamily="18" charset="0"/>
+                                  <a:latin typeface="Cambria Math" charset="0"/>
                                 </a:rPr>
                               </m:ctrlPr>
                             </m:fPr>
@@ -12133,7 +12282,7 @@
                                   <m:ctrlPr>
                                     <a:rPr lang="it-IT" sz="2400" i="1">
                                       <a:effectLst/>
-                                      <a:latin typeface="Cambria Math" panose="02040503050406030204" pitchFamily="18" charset="0"/>
+                                      <a:latin typeface="Cambria Math" charset="0"/>
                                     </a:rPr>
                                   </m:ctrlPr>
                                 </m:sSupPr>
@@ -12174,7 +12323,7 @@
                                   <m:ctrlPr>
                                     <a:rPr lang="it-IT" sz="2400" i="1">
                                       <a:effectLst/>
-                                      <a:latin typeface="Cambria Math" panose="02040503050406030204" pitchFamily="18" charset="0"/>
+                                      <a:latin typeface="Cambria Math" charset="0"/>
                                     </a:rPr>
                                   </m:ctrlPr>
                                 </m:sSupPr>
@@ -12293,6 +12442,13 @@
   <p:clrMapOvr>
     <a:masterClrMapping/>
   </p:clrMapOvr>
+  <p:timing>
+    <p:tnLst>
+      <p:par>
+        <p:cTn id="1" dur="indefinite" restart="never" nodeType="tmRoot"/>
+      </p:par>
+    </p:tnLst>
+  </p:timing>
 </p:sld>
 </file>
 
@@ -12543,6 +12699,13 @@
   <p:clrMapOvr>
     <a:masterClrMapping/>
   </p:clrMapOvr>
+  <p:timing>
+    <p:tnLst>
+      <p:par>
+        <p:cTn id="1" dur="indefinite" restart="never" nodeType="tmRoot"/>
+      </p:par>
+    </p:tnLst>
+  </p:timing>
 </p:sld>
 </file>
 
@@ -13017,7 +13180,7 @@
               <p:cNvPr id="13" name="Segnaposto contenuto 2">
                 <a:extLst>
                   <a:ext uri="{FF2B5EF4-FFF2-40B4-BE49-F238E27FC236}">
-                    <a16:creationId xmlns:a16="http://schemas.microsoft.com/office/drawing/2014/main" id="{1080FD01-1484-43D4-A1C5-7D0508973CE6}"/>
+                    <a16:creationId xmlns="" xmlns:a16="http://schemas.microsoft.com/office/drawing/2014/main" id="{1080FD01-1484-43D4-A1C5-7D0508973CE6}"/>
                   </a:ext>
                 </a:extLst>
               </p:cNvPr>
@@ -13230,7 +13393,7 @@
                         <m:dPr>
                           <m:ctrlPr>
                             <a:rPr lang="it-IT" sz="4800" i="1">
-                              <a:latin typeface="Cambria Math" panose="02040503050406030204" pitchFamily="18" charset="0"/>
+                              <a:latin typeface="Cambria Math" charset="0"/>
                               <a:ea typeface="Calibri" panose="020F0502020204030204" pitchFamily="34" charset="0"/>
                               <a:cs typeface="Times New Roman" panose="02020603050405020304" pitchFamily="18" charset="0"/>
                             </a:rPr>
@@ -13259,7 +13422,7 @@
                         <m:fPr>
                           <m:ctrlPr>
                             <a:rPr lang="it-IT" sz="4800" i="1">
-                              <a:latin typeface="Cambria Math" panose="02040503050406030204" pitchFamily="18" charset="0"/>
+                              <a:latin typeface="Cambria Math" charset="0"/>
                               <a:ea typeface="Calibri" panose="020F0502020204030204" pitchFamily="34" charset="0"/>
                               <a:cs typeface="Times New Roman" panose="02020603050405020304" pitchFamily="18" charset="0"/>
                             </a:rPr>
@@ -13270,7 +13433,7 @@
                             <m:sSupPr>
                               <m:ctrlPr>
                                 <a:rPr lang="it-IT" sz="4800" i="1">
-                                  <a:latin typeface="Cambria Math" panose="02040503050406030204" pitchFamily="18" charset="0"/>
+                                  <a:latin typeface="Cambria Math" charset="0"/>
                                   <a:ea typeface="Calibri" panose="020F0502020204030204" pitchFamily="34" charset="0"/>
                                   <a:cs typeface="Times New Roman" panose="02020603050405020304" pitchFamily="18" charset="0"/>
                                 </a:rPr>
@@ -13291,7 +13454,7 @@
                                 <m:fPr>
                                   <m:ctrlPr>
                                     <a:rPr lang="it-IT" sz="4800" i="1">
-                                      <a:latin typeface="Cambria Math" panose="02040503050406030204" pitchFamily="18" charset="0"/>
+                                      <a:latin typeface="Cambria Math" charset="0"/>
                                       <a:ea typeface="Calibri" panose="020F0502020204030204" pitchFamily="34" charset="0"/>
                                       <a:cs typeface="Times New Roman" panose="02020603050405020304" pitchFamily="18" charset="0"/>
                                     </a:rPr>
@@ -13310,7 +13473,7 @@
                                     <m:sSupPr>
                                       <m:ctrlPr>
                                         <a:rPr lang="it-IT" sz="4800" i="1">
-                                          <a:latin typeface="Cambria Math" panose="02040503050406030204" pitchFamily="18" charset="0"/>
+                                          <a:latin typeface="Cambria Math" charset="0"/>
                                           <a:ea typeface="Calibri" panose="020F0502020204030204" pitchFamily="34" charset="0"/>
                                           <a:cs typeface="Times New Roman" panose="02020603050405020304" pitchFamily="18" charset="0"/>
                                         </a:rPr>
@@ -13321,7 +13484,7 @@
                                         <m:dPr>
                                           <m:ctrlPr>
                                             <a:rPr lang="it-IT" sz="4800" i="1">
-                                              <a:latin typeface="Cambria Math" panose="02040503050406030204" pitchFamily="18" charset="0"/>
+                                              <a:latin typeface="Cambria Math" charset="0"/>
                                               <a:ea typeface="Calibri" panose="020F0502020204030204" pitchFamily="34" charset="0"/>
                                               <a:cs typeface="Times New Roman" panose="02020603050405020304" pitchFamily="18" charset="0"/>
                                             </a:rPr>
@@ -13332,7 +13495,7 @@
                                             <m:funcPr>
                                               <m:ctrlPr>
                                                 <a:rPr lang="it-IT" sz="4800" i="1">
-                                                  <a:latin typeface="Cambria Math" panose="02040503050406030204" pitchFamily="18" charset="0"/>
+                                                  <a:latin typeface="Cambria Math" charset="0"/>
                                                   <a:ea typeface="Calibri" panose="020F0502020204030204" pitchFamily="34" charset="0"/>
                                                   <a:cs typeface="Times New Roman" panose="02020603050405020304" pitchFamily="18" charset="0"/>
                                                 </a:rPr>
@@ -13353,7 +13516,7 @@
                                                 <m:dPr>
                                                   <m:ctrlPr>
                                                     <a:rPr lang="it-IT" sz="4800" i="1">
-                                                      <a:latin typeface="Cambria Math" panose="02040503050406030204" pitchFamily="18" charset="0"/>
+                                                      <a:latin typeface="Cambria Math" charset="0"/>
                                                       <a:ea typeface="Calibri" panose="020F0502020204030204" pitchFamily="34" charset="0"/>
                                                       <a:cs typeface="Times New Roman" panose="02020603050405020304" pitchFamily="18" charset="0"/>
                                                     </a:rPr>
@@ -13416,7 +13579,7 @@
                                     <m:sSupPr>
                                       <m:ctrlPr>
                                         <a:rPr lang="it-IT" sz="4800" i="1">
-                                          <a:latin typeface="Cambria Math" panose="02040503050406030204" pitchFamily="18" charset="0"/>
+                                          <a:latin typeface="Cambria Math" charset="0"/>
                                           <a:ea typeface="Calibri" panose="020F0502020204030204" pitchFamily="34" charset="0"/>
                                           <a:cs typeface="Times New Roman" panose="02020603050405020304" pitchFamily="18" charset="0"/>
                                         </a:rPr>
@@ -13454,7 +13617,7 @@
                               <m:degHide m:val="on"/>
                               <m:ctrlPr>
                                 <a:rPr lang="it-IT" sz="4800" i="1">
-                                  <a:latin typeface="Cambria Math" panose="02040503050406030204" pitchFamily="18" charset="0"/>
+                                  <a:latin typeface="Cambria Math" charset="0"/>
                                   <a:ea typeface="Calibri" panose="020F0502020204030204" pitchFamily="34" charset="0"/>
                                   <a:cs typeface="Times New Roman" panose="02020603050405020304" pitchFamily="18" charset="0"/>
                                 </a:rPr>
@@ -13482,7 +13645,7 @@
                                 <m:sSupPr>
                                   <m:ctrlPr>
                                     <a:rPr lang="it-IT" sz="4800" i="1">
-                                      <a:latin typeface="Cambria Math" panose="02040503050406030204" pitchFamily="18" charset="0"/>
+                                      <a:latin typeface="Cambria Math" charset="0"/>
                                       <a:ea typeface="Calibri" panose="020F0502020204030204" pitchFamily="34" charset="0"/>
                                       <a:cs typeface="Times New Roman" panose="02020603050405020304" pitchFamily="18" charset="0"/>
                                     </a:rPr>
@@ -13602,10 +13765,2411 @@
   <p:clrMapOvr>
     <a:masterClrMapping/>
   </p:clrMapOvr>
+  <p:timing>
+    <p:tnLst>
+      <p:par>
+        <p:cTn id="1" dur="indefinite" restart="never" nodeType="tmRoot"/>
+      </p:par>
+    </p:tnLst>
+  </p:timing>
 </p:sld>
 </file>
 
 <file path=ppt/slides/slide14.xml><?xml version="1.0" encoding="utf-8"?>
+<p:sld xmlns:a="http://schemas.openxmlformats.org/drawingml/2006/main" xmlns:r="http://schemas.openxmlformats.org/officeDocument/2006/relationships" xmlns:p="http://schemas.openxmlformats.org/presentationml/2006/main">
+  <p:cSld>
+    <p:spTree>
+      <p:nvGrpSpPr>
+        <p:cNvPr id="1" name=""/>
+        <p:cNvGrpSpPr/>
+        <p:nvPr/>
+      </p:nvGrpSpPr>
+      <p:grpSpPr>
+        <a:xfrm>
+          <a:off x="0" y="0"/>
+          <a:ext cx="0" cy="0"/>
+          <a:chOff x="0" y="0"/>
+          <a:chExt cx="0" cy="0"/>
+        </a:xfrm>
+      </p:grpSpPr>
+      <p:sp>
+        <p:nvSpPr>
+          <p:cNvPr id="4" name="Titolo 1"/>
+          <p:cNvSpPr txBox="1">
+            <a:spLocks/>
+          </p:cNvSpPr>
+          <p:nvPr/>
+        </p:nvSpPr>
+        <p:spPr>
+          <a:xfrm>
+            <a:off x="838198" y="91726"/>
+            <a:ext cx="10515600" cy="1325563"/>
+          </a:xfrm>
+          <a:prstGeom prst="rect">
+            <a:avLst/>
+          </a:prstGeom>
+        </p:spPr>
+        <p:txBody>
+          <a:bodyPr vert="horz" lIns="91440" tIns="45720" rIns="91440" bIns="45720" rtlCol="0" anchor="b">
+            <a:normAutofit/>
+          </a:bodyPr>
+          <a:lstStyle>
+            <a:lvl1pPr algn="ctr" defTabSz="914400" rtl="0" eaLnBrk="1" latinLnBrk="0" hangingPunct="1">
+              <a:lnSpc>
+                <a:spcPct val="90000"/>
+              </a:lnSpc>
+              <a:spcBef>
+                <a:spcPct val="0"/>
+              </a:spcBef>
+              <a:buNone/>
+              <a:defRPr sz="6000" kern="1200">
+                <a:solidFill>
+                  <a:schemeClr val="tx1"/>
+                </a:solidFill>
+                <a:latin typeface="+mj-lt"/>
+                <a:ea typeface="+mj-ea"/>
+                <a:cs typeface="+mj-cs"/>
+              </a:defRPr>
+            </a:lvl1pPr>
+          </a:lstStyle>
+          <a:p>
+            <a:endParaRPr lang="it-IT" sz="4000" dirty="0">
+              <a:latin typeface="Bodoni MT" pitchFamily="18" charset="0"/>
+            </a:endParaRPr>
+          </a:p>
+        </p:txBody>
+      </p:sp>
+      <p:sp>
+        <p:nvSpPr>
+          <p:cNvPr id="5" name="Segnaposto contenuto 2"/>
+          <p:cNvSpPr txBox="1">
+            <a:spLocks/>
+          </p:cNvSpPr>
+          <p:nvPr/>
+        </p:nvSpPr>
+        <p:spPr>
+          <a:xfrm>
+            <a:off x="838200" y="2285999"/>
+            <a:ext cx="10515600" cy="3849903"/>
+          </a:xfrm>
+          <a:prstGeom prst="rect">
+            <a:avLst/>
+          </a:prstGeom>
+        </p:spPr>
+        <p:txBody>
+          <a:bodyPr vert="horz" lIns="91440" tIns="45720" rIns="91440" bIns="45720" rtlCol="0">
+            <a:normAutofit/>
+          </a:bodyPr>
+          <a:lstStyle>
+            <a:lvl1pPr marL="0" indent="0" algn="ctr" defTabSz="914400" rtl="0" eaLnBrk="1" latinLnBrk="0" hangingPunct="1">
+              <a:lnSpc>
+                <a:spcPct val="90000"/>
+              </a:lnSpc>
+              <a:spcBef>
+                <a:spcPts val="1000"/>
+              </a:spcBef>
+              <a:buFont typeface="Arial" panose="020B0604020202020204" pitchFamily="34" charset="0"/>
+              <a:buNone/>
+              <a:defRPr sz="2400" kern="1200">
+                <a:solidFill>
+                  <a:schemeClr val="tx1"/>
+                </a:solidFill>
+                <a:latin typeface="+mn-lt"/>
+                <a:ea typeface="+mn-ea"/>
+                <a:cs typeface="+mn-cs"/>
+              </a:defRPr>
+            </a:lvl1pPr>
+            <a:lvl2pPr marL="457200" indent="0" algn="ctr" defTabSz="914400" rtl="0" eaLnBrk="1" latinLnBrk="0" hangingPunct="1">
+              <a:lnSpc>
+                <a:spcPct val="90000"/>
+              </a:lnSpc>
+              <a:spcBef>
+                <a:spcPts val="500"/>
+              </a:spcBef>
+              <a:buFont typeface="Arial" panose="020B0604020202020204" pitchFamily="34" charset="0"/>
+              <a:buNone/>
+              <a:defRPr sz="2000" kern="1200">
+                <a:solidFill>
+                  <a:schemeClr val="tx1"/>
+                </a:solidFill>
+                <a:latin typeface="+mn-lt"/>
+                <a:ea typeface="+mn-ea"/>
+                <a:cs typeface="+mn-cs"/>
+              </a:defRPr>
+            </a:lvl2pPr>
+            <a:lvl3pPr marL="914400" indent="0" algn="ctr" defTabSz="914400" rtl="0" eaLnBrk="1" latinLnBrk="0" hangingPunct="1">
+              <a:lnSpc>
+                <a:spcPct val="90000"/>
+              </a:lnSpc>
+              <a:spcBef>
+                <a:spcPts val="500"/>
+              </a:spcBef>
+              <a:buFont typeface="Arial" panose="020B0604020202020204" pitchFamily="34" charset="0"/>
+              <a:buNone/>
+              <a:defRPr sz="1800" kern="1200">
+                <a:solidFill>
+                  <a:schemeClr val="tx1"/>
+                </a:solidFill>
+                <a:latin typeface="+mn-lt"/>
+                <a:ea typeface="+mn-ea"/>
+                <a:cs typeface="+mn-cs"/>
+              </a:defRPr>
+            </a:lvl3pPr>
+            <a:lvl4pPr marL="1371600" indent="0" algn="ctr" defTabSz="914400" rtl="0" eaLnBrk="1" latinLnBrk="0" hangingPunct="1">
+              <a:lnSpc>
+                <a:spcPct val="90000"/>
+              </a:lnSpc>
+              <a:spcBef>
+                <a:spcPts val="500"/>
+              </a:spcBef>
+              <a:buFont typeface="Arial" panose="020B0604020202020204" pitchFamily="34" charset="0"/>
+              <a:buNone/>
+              <a:defRPr sz="1600" kern="1200">
+                <a:solidFill>
+                  <a:schemeClr val="tx1"/>
+                </a:solidFill>
+                <a:latin typeface="+mn-lt"/>
+                <a:ea typeface="+mn-ea"/>
+                <a:cs typeface="+mn-cs"/>
+              </a:defRPr>
+            </a:lvl4pPr>
+            <a:lvl5pPr marL="1828800" indent="0" algn="ctr" defTabSz="914400" rtl="0" eaLnBrk="1" latinLnBrk="0" hangingPunct="1">
+              <a:lnSpc>
+                <a:spcPct val="90000"/>
+              </a:lnSpc>
+              <a:spcBef>
+                <a:spcPts val="500"/>
+              </a:spcBef>
+              <a:buFont typeface="Arial" panose="020B0604020202020204" pitchFamily="34" charset="0"/>
+              <a:buNone/>
+              <a:defRPr sz="1600" kern="1200">
+                <a:solidFill>
+                  <a:schemeClr val="tx1"/>
+                </a:solidFill>
+                <a:latin typeface="+mn-lt"/>
+                <a:ea typeface="+mn-ea"/>
+                <a:cs typeface="+mn-cs"/>
+              </a:defRPr>
+            </a:lvl5pPr>
+            <a:lvl6pPr marL="2286000" indent="0" algn="ctr" defTabSz="914400" rtl="0" eaLnBrk="1" latinLnBrk="0" hangingPunct="1">
+              <a:lnSpc>
+                <a:spcPct val="90000"/>
+              </a:lnSpc>
+              <a:spcBef>
+                <a:spcPts val="500"/>
+              </a:spcBef>
+              <a:buFont typeface="Arial" panose="020B0604020202020204" pitchFamily="34" charset="0"/>
+              <a:buNone/>
+              <a:defRPr sz="1600" kern="1200">
+                <a:solidFill>
+                  <a:schemeClr val="tx1"/>
+                </a:solidFill>
+                <a:latin typeface="+mn-lt"/>
+                <a:ea typeface="+mn-ea"/>
+                <a:cs typeface="+mn-cs"/>
+              </a:defRPr>
+            </a:lvl6pPr>
+            <a:lvl7pPr marL="2743200" indent="0" algn="ctr" defTabSz="914400" rtl="0" eaLnBrk="1" latinLnBrk="0" hangingPunct="1">
+              <a:lnSpc>
+                <a:spcPct val="90000"/>
+              </a:lnSpc>
+              <a:spcBef>
+                <a:spcPts val="500"/>
+              </a:spcBef>
+              <a:buFont typeface="Arial" panose="020B0604020202020204" pitchFamily="34" charset="0"/>
+              <a:buNone/>
+              <a:defRPr sz="1600" kern="1200">
+                <a:solidFill>
+                  <a:schemeClr val="tx1"/>
+                </a:solidFill>
+                <a:latin typeface="+mn-lt"/>
+                <a:ea typeface="+mn-ea"/>
+                <a:cs typeface="+mn-cs"/>
+              </a:defRPr>
+            </a:lvl7pPr>
+            <a:lvl8pPr marL="3200400" indent="0" algn="ctr" defTabSz="914400" rtl="0" eaLnBrk="1" latinLnBrk="0" hangingPunct="1">
+              <a:lnSpc>
+                <a:spcPct val="90000"/>
+              </a:lnSpc>
+              <a:spcBef>
+                <a:spcPts val="500"/>
+              </a:spcBef>
+              <a:buFont typeface="Arial" panose="020B0604020202020204" pitchFamily="34" charset="0"/>
+              <a:buNone/>
+              <a:defRPr sz="1600" kern="1200">
+                <a:solidFill>
+                  <a:schemeClr val="tx1"/>
+                </a:solidFill>
+                <a:latin typeface="+mn-lt"/>
+                <a:ea typeface="+mn-ea"/>
+                <a:cs typeface="+mn-cs"/>
+              </a:defRPr>
+            </a:lvl8pPr>
+            <a:lvl9pPr marL="3657600" indent="0" algn="ctr" defTabSz="914400" rtl="0" eaLnBrk="1" latinLnBrk="0" hangingPunct="1">
+              <a:lnSpc>
+                <a:spcPct val="90000"/>
+              </a:lnSpc>
+              <a:spcBef>
+                <a:spcPts val="500"/>
+              </a:spcBef>
+              <a:buFont typeface="Arial" panose="020B0604020202020204" pitchFamily="34" charset="0"/>
+              <a:buNone/>
+              <a:defRPr sz="1600" kern="1200">
+                <a:solidFill>
+                  <a:schemeClr val="tx1"/>
+                </a:solidFill>
+                <a:latin typeface="+mn-lt"/>
+                <a:ea typeface="+mn-ea"/>
+                <a:cs typeface="+mn-cs"/>
+              </a:defRPr>
+            </a:lvl9pPr>
+          </a:lstStyle>
+          <a:p>
+            <a:pPr marL="514350" indent="-514350" algn="l">
+              <a:buFont typeface="+mj-lt"/>
+              <a:buAutoNum type="arabicPeriod"/>
+            </a:pPr>
+            <a:r>
+              <a:rPr lang="it-IT" dirty="0"/>
+              <a:t>Il rischio operativo a livello attuariale </a:t>
+            </a:r>
+          </a:p>
+          <a:p>
+            <a:pPr marL="514350" indent="-514350" algn="l">
+              <a:buFont typeface="+mj-lt"/>
+              <a:buAutoNum type="arabicPeriod"/>
+            </a:pPr>
+            <a:r>
+              <a:rPr lang="it-IT" dirty="0"/>
+              <a:t>Il </a:t>
+            </a:r>
+            <a:r>
+              <a:rPr lang="it-IT" dirty="0" err="1"/>
+              <a:t>Loss</a:t>
+            </a:r>
+            <a:r>
+              <a:rPr lang="it-IT" dirty="0"/>
+              <a:t> Distribution </a:t>
+            </a:r>
+            <a:r>
+              <a:rPr lang="it-IT" dirty="0" err="1"/>
+              <a:t>Approach</a:t>
+            </a:r>
+            <a:r>
+              <a:rPr lang="it-IT" dirty="0"/>
+              <a:t> (LDA)</a:t>
+            </a:r>
+          </a:p>
+          <a:p>
+            <a:pPr marL="514350" indent="-514350" algn="l">
+              <a:buFont typeface="+mj-lt"/>
+              <a:buAutoNum type="arabicPeriod"/>
+            </a:pPr>
+            <a:r>
+              <a:rPr lang="it-IT" b="1" dirty="0">
+                <a:solidFill>
+                  <a:srgbClr val="00B050"/>
+                </a:solidFill>
+              </a:rPr>
+              <a:t>Indicatori di rischio: VAR (</a:t>
+            </a:r>
+            <a:r>
+              <a:rPr lang="it-IT" b="1" i="1" dirty="0">
+                <a:solidFill>
+                  <a:srgbClr val="00B050"/>
+                </a:solidFill>
+              </a:rPr>
+              <a:t>Value </a:t>
+            </a:r>
+            <a:r>
+              <a:rPr lang="it-IT" b="1" i="1" dirty="0" err="1">
+                <a:solidFill>
+                  <a:srgbClr val="00B050"/>
+                </a:solidFill>
+              </a:rPr>
+              <a:t>at</a:t>
+            </a:r>
+            <a:r>
+              <a:rPr lang="it-IT" b="1" i="1" dirty="0">
+                <a:solidFill>
+                  <a:srgbClr val="00B050"/>
+                </a:solidFill>
+              </a:rPr>
+              <a:t> </a:t>
+            </a:r>
+            <a:r>
+              <a:rPr lang="it-IT" b="1" i="1" dirty="0" err="1">
+                <a:solidFill>
+                  <a:srgbClr val="00B050"/>
+                </a:solidFill>
+              </a:rPr>
+              <a:t>risk</a:t>
+            </a:r>
+            <a:r>
+              <a:rPr lang="it-IT" b="1" dirty="0">
+                <a:solidFill>
+                  <a:srgbClr val="00B050"/>
+                </a:solidFill>
+              </a:rPr>
+              <a:t>) &amp; CAR (</a:t>
+            </a:r>
+            <a:r>
+              <a:rPr lang="it-IT" b="1" i="1" dirty="0">
+                <a:solidFill>
+                  <a:srgbClr val="00B050"/>
+                </a:solidFill>
+              </a:rPr>
+              <a:t>Capital </a:t>
+            </a:r>
+            <a:r>
+              <a:rPr lang="it-IT" b="1" i="1" dirty="0" err="1">
+                <a:solidFill>
+                  <a:srgbClr val="00B050"/>
+                </a:solidFill>
+              </a:rPr>
+              <a:t>at</a:t>
+            </a:r>
+            <a:r>
+              <a:rPr lang="it-IT" b="1" i="1" dirty="0">
+                <a:solidFill>
+                  <a:srgbClr val="00B050"/>
+                </a:solidFill>
+              </a:rPr>
+              <a:t> </a:t>
+            </a:r>
+            <a:r>
+              <a:rPr lang="it-IT" b="1" i="1" dirty="0" err="1">
+                <a:solidFill>
+                  <a:srgbClr val="00B050"/>
+                </a:solidFill>
+              </a:rPr>
+              <a:t>risk</a:t>
+            </a:r>
+            <a:r>
+              <a:rPr lang="it-IT" b="1" dirty="0">
+                <a:solidFill>
+                  <a:srgbClr val="00B050"/>
+                </a:solidFill>
+              </a:rPr>
+              <a:t>)</a:t>
+            </a:r>
+          </a:p>
+          <a:p>
+            <a:pPr marL="514350" indent="-514350" algn="l">
+              <a:buFont typeface="+mj-lt"/>
+              <a:buAutoNum type="arabicPeriod"/>
+            </a:pPr>
+            <a:r>
+              <a:rPr lang="it-IT" dirty="0"/>
+              <a:t>Applicazioni: modellizzazione della perdita e simulazione monte </a:t>
+            </a:r>
+            <a:r>
+              <a:rPr lang="it-IT" dirty="0" err="1"/>
+              <a:t>carlo</a:t>
+            </a:r>
+            <a:endParaRPr lang="it-IT" dirty="0"/>
+          </a:p>
+          <a:p>
+            <a:pPr marL="514350" indent="-514350" algn="l">
+              <a:buFont typeface="+mj-lt"/>
+              <a:buAutoNum type="arabicPeriod"/>
+            </a:pPr>
+            <a:r>
+              <a:rPr lang="it-IT" dirty="0"/>
+              <a:t>Confronto fra distribuzioni</a:t>
+            </a:r>
+          </a:p>
+          <a:p>
+            <a:pPr marL="514350" indent="-514350" algn="l">
+              <a:buFont typeface="+mj-lt"/>
+              <a:buAutoNum type="arabicPeriod"/>
+            </a:pPr>
+            <a:r>
+              <a:rPr lang="it-IT" dirty="0"/>
+              <a:t>Vantaggi e limiti del </a:t>
+            </a:r>
+            <a:r>
+              <a:rPr lang="it-IT" dirty="0" err="1"/>
+              <a:t>Loss</a:t>
+            </a:r>
+            <a:r>
+              <a:rPr lang="it-IT" dirty="0"/>
+              <a:t> Distribution </a:t>
+            </a:r>
+            <a:r>
+              <a:rPr lang="it-IT" dirty="0" err="1"/>
+              <a:t>Approach</a:t>
+            </a:r>
+            <a:endParaRPr lang="it-IT" dirty="0"/>
+          </a:p>
+          <a:p>
+            <a:pPr marL="514350" indent="-514350" algn="l">
+              <a:buFont typeface="+mj-lt"/>
+              <a:buAutoNum type="arabicPeriod"/>
+            </a:pPr>
+            <a:endParaRPr lang="it-IT" dirty="0"/>
+          </a:p>
+        </p:txBody>
+      </p:sp>
+      <p:sp>
+        <p:nvSpPr>
+          <p:cNvPr id="7" name="CasellaDiTesto 6"/>
+          <p:cNvSpPr txBox="1"/>
+          <p:nvPr/>
+        </p:nvSpPr>
+        <p:spPr>
+          <a:xfrm>
+            <a:off x="1172814" y="6308035"/>
+            <a:ext cx="9846368" cy="261610"/>
+          </a:xfrm>
+          <a:prstGeom prst="rect">
+            <a:avLst/>
+          </a:prstGeom>
+          <a:noFill/>
+        </p:spPr>
+        <p:txBody>
+          <a:bodyPr wrap="square" rtlCol="0">
+            <a:spAutoFit/>
+          </a:bodyPr>
+          <a:lstStyle/>
+          <a:p>
+            <a:pPr algn="ctr"/>
+            <a:r>
+              <a:rPr lang="it-IT" sz="1100" i="1" dirty="0"/>
+              <a:t>ERIK HOLLER  - ELIA SCARPARO- STEFANO ZAMPIERO</a:t>
+            </a:r>
+          </a:p>
+        </p:txBody>
+      </p:sp>
+      <p:sp>
+        <p:nvSpPr>
+          <p:cNvPr id="9" name="CasellaDiTesto 8"/>
+          <p:cNvSpPr txBox="1"/>
+          <p:nvPr/>
+        </p:nvSpPr>
+        <p:spPr>
+          <a:xfrm>
+            <a:off x="7281376" y="112014"/>
+            <a:ext cx="4532908" cy="307777"/>
+          </a:xfrm>
+          <a:prstGeom prst="rect">
+            <a:avLst/>
+          </a:prstGeom>
+          <a:noFill/>
+        </p:spPr>
+        <p:txBody>
+          <a:bodyPr wrap="none" rtlCol="0">
+            <a:spAutoFit/>
+          </a:bodyPr>
+          <a:lstStyle/>
+          <a:p>
+            <a:r>
+              <a:rPr lang="it-IT" sz="1400" i="1" dirty="0"/>
+              <a:t>LABORATORIO DI SIMULAZIONI FINANZIARIE A.A. 2017-2018</a:t>
+            </a:r>
+          </a:p>
+        </p:txBody>
+      </p:sp>
+    </p:spTree>
+    <p:extLst>
+      <p:ext uri="{BB962C8B-B14F-4D97-AF65-F5344CB8AC3E}">
+        <p14:creationId xmlns:p14="http://schemas.microsoft.com/office/powerpoint/2010/main" val="1541896462"/>
+      </p:ext>
+    </p:extLst>
+  </p:cSld>
+  <p:clrMapOvr>
+    <a:masterClrMapping/>
+  </p:clrMapOvr>
+  <p:timing>
+    <p:tnLst>
+      <p:par>
+        <p:cTn id="1" dur="indefinite" restart="never" nodeType="tmRoot"/>
+      </p:par>
+    </p:tnLst>
+  </p:timing>
+</p:sld>
+</file>
+
+<file path=ppt/slides/slide15.xml><?xml version="1.0" encoding="utf-8"?>
+<p:sld xmlns:a="http://schemas.openxmlformats.org/drawingml/2006/main" xmlns:r="http://schemas.openxmlformats.org/officeDocument/2006/relationships" xmlns:p="http://schemas.openxmlformats.org/presentationml/2006/main">
+  <p:cSld>
+    <p:spTree>
+      <p:nvGrpSpPr>
+        <p:cNvPr id="1" name=""/>
+        <p:cNvGrpSpPr/>
+        <p:nvPr/>
+      </p:nvGrpSpPr>
+      <p:grpSpPr>
+        <a:xfrm>
+          <a:off x="0" y="0"/>
+          <a:ext cx="0" cy="0"/>
+          <a:chOff x="0" y="0"/>
+          <a:chExt cx="0" cy="0"/>
+        </a:xfrm>
+      </p:grpSpPr>
+      <p:sp>
+        <p:nvSpPr>
+          <p:cNvPr id="4" name="Titolo 1"/>
+          <p:cNvSpPr txBox="1">
+            <a:spLocks/>
+          </p:cNvSpPr>
+          <p:nvPr/>
+        </p:nvSpPr>
+        <p:spPr>
+          <a:xfrm>
+            <a:off x="838198" y="91726"/>
+            <a:ext cx="10515600" cy="1325563"/>
+          </a:xfrm>
+          <a:prstGeom prst="rect">
+            <a:avLst/>
+          </a:prstGeom>
+        </p:spPr>
+        <p:txBody>
+          <a:bodyPr vert="horz" lIns="91440" tIns="45720" rIns="91440" bIns="45720" rtlCol="0" anchor="b">
+            <a:normAutofit/>
+          </a:bodyPr>
+          <a:lstStyle>
+            <a:lvl1pPr algn="ctr" defTabSz="914400" rtl="0" eaLnBrk="1" latinLnBrk="0" hangingPunct="1">
+              <a:lnSpc>
+                <a:spcPct val="90000"/>
+              </a:lnSpc>
+              <a:spcBef>
+                <a:spcPct val="0"/>
+              </a:spcBef>
+              <a:buNone/>
+              <a:defRPr sz="6000" kern="1200">
+                <a:solidFill>
+                  <a:schemeClr val="tx1"/>
+                </a:solidFill>
+                <a:latin typeface="+mj-lt"/>
+                <a:ea typeface="+mj-ea"/>
+                <a:cs typeface="+mj-cs"/>
+              </a:defRPr>
+            </a:lvl1pPr>
+          </a:lstStyle>
+          <a:p>
+            <a:endParaRPr lang="it-IT" sz="4000" dirty="0">
+              <a:latin typeface="Bodoni MT" pitchFamily="18" charset="0"/>
+            </a:endParaRPr>
+          </a:p>
+        </p:txBody>
+      </p:sp>
+      <p:sp>
+        <p:nvSpPr>
+          <p:cNvPr id="7" name="CasellaDiTesto 6"/>
+          <p:cNvSpPr txBox="1"/>
+          <p:nvPr/>
+        </p:nvSpPr>
+        <p:spPr>
+          <a:xfrm>
+            <a:off x="1172814" y="6308035"/>
+            <a:ext cx="9846368" cy="261610"/>
+          </a:xfrm>
+          <a:prstGeom prst="rect">
+            <a:avLst/>
+          </a:prstGeom>
+          <a:noFill/>
+        </p:spPr>
+        <p:txBody>
+          <a:bodyPr wrap="square" rtlCol="0">
+            <a:spAutoFit/>
+          </a:bodyPr>
+          <a:lstStyle/>
+          <a:p>
+            <a:pPr algn="ctr"/>
+            <a:r>
+              <a:rPr lang="it-IT" sz="1100" i="1" dirty="0"/>
+              <a:t>ERIK HOLLER  - ELIA SCARPARO- STEFANO ZAMPIERO</a:t>
+            </a:r>
+          </a:p>
+        </p:txBody>
+      </p:sp>
+      <p:sp>
+        <p:nvSpPr>
+          <p:cNvPr id="9" name="CasellaDiTesto 8"/>
+          <p:cNvSpPr txBox="1"/>
+          <p:nvPr/>
+        </p:nvSpPr>
+        <p:spPr>
+          <a:xfrm>
+            <a:off x="7281376" y="112014"/>
+            <a:ext cx="4532908" cy="307777"/>
+          </a:xfrm>
+          <a:prstGeom prst="rect">
+            <a:avLst/>
+          </a:prstGeom>
+          <a:noFill/>
+        </p:spPr>
+        <p:txBody>
+          <a:bodyPr wrap="none" rtlCol="0">
+            <a:spAutoFit/>
+          </a:bodyPr>
+          <a:lstStyle/>
+          <a:p>
+            <a:r>
+              <a:rPr lang="it-IT" sz="1400" i="1" dirty="0"/>
+              <a:t>LABORATORIO DI SIMULAZIONI FINANZIARIE A.A. 2017-2018</a:t>
+            </a:r>
+          </a:p>
+        </p:txBody>
+      </p:sp>
+      <p:sp>
+        <p:nvSpPr>
+          <p:cNvPr id="6" name="Segnaposto contenuto 2">
+            <a:extLst>
+              <a:ext uri="{FF2B5EF4-FFF2-40B4-BE49-F238E27FC236}">
+                <a16:creationId xmlns="" xmlns:a16="http://schemas.microsoft.com/office/drawing/2014/main" id="{3E1B8146-377A-4E32-B838-476B02B1AB2C}"/>
+              </a:ext>
+            </a:extLst>
+          </p:cNvPr>
+          <p:cNvSpPr txBox="1">
+            <a:spLocks/>
+          </p:cNvSpPr>
+          <p:nvPr/>
+        </p:nvSpPr>
+        <p:spPr>
+          <a:xfrm>
+            <a:off x="559591" y="1568635"/>
+            <a:ext cx="11072813" cy="4454012"/>
+          </a:xfrm>
+          <a:prstGeom prst="rect">
+            <a:avLst/>
+          </a:prstGeom>
+        </p:spPr>
+        <p:txBody>
+          <a:bodyPr vert="horz" lIns="91440" tIns="45720" rIns="91440" bIns="45720" rtlCol="0" anchor="ctr">
+            <a:normAutofit/>
+          </a:bodyPr>
+          <a:lstStyle>
+            <a:lvl1pPr marL="0" indent="0" algn="ctr" defTabSz="914400" rtl="0" eaLnBrk="1" latinLnBrk="0" hangingPunct="1">
+              <a:lnSpc>
+                <a:spcPct val="90000"/>
+              </a:lnSpc>
+              <a:spcBef>
+                <a:spcPts val="1000"/>
+              </a:spcBef>
+              <a:buFont typeface="Arial"/>
+              <a:buNone/>
+              <a:defRPr sz="2400" kern="1200">
+                <a:solidFill>
+                  <a:schemeClr val="tx1"/>
+                </a:solidFill>
+                <a:latin typeface="+mn-lt"/>
+                <a:ea typeface="+mn-ea"/>
+                <a:cs typeface="+mn-cs"/>
+              </a:defRPr>
+            </a:lvl1pPr>
+            <a:lvl2pPr marL="457200" indent="0" algn="ctr" defTabSz="914400" rtl="0" eaLnBrk="1" latinLnBrk="0" hangingPunct="1">
+              <a:lnSpc>
+                <a:spcPct val="90000"/>
+              </a:lnSpc>
+              <a:spcBef>
+                <a:spcPts val="500"/>
+              </a:spcBef>
+              <a:buFont typeface="Arial"/>
+              <a:buNone/>
+              <a:defRPr sz="2000" kern="1200">
+                <a:solidFill>
+                  <a:schemeClr val="tx1"/>
+                </a:solidFill>
+                <a:latin typeface="+mn-lt"/>
+                <a:ea typeface="+mn-ea"/>
+                <a:cs typeface="+mn-cs"/>
+              </a:defRPr>
+            </a:lvl2pPr>
+            <a:lvl3pPr marL="914400" indent="0" algn="ctr" defTabSz="914400" rtl="0" eaLnBrk="1" latinLnBrk="0" hangingPunct="1">
+              <a:lnSpc>
+                <a:spcPct val="90000"/>
+              </a:lnSpc>
+              <a:spcBef>
+                <a:spcPts val="500"/>
+              </a:spcBef>
+              <a:buFont typeface="Arial"/>
+              <a:buNone/>
+              <a:defRPr sz="1800" kern="1200">
+                <a:solidFill>
+                  <a:schemeClr val="tx1"/>
+                </a:solidFill>
+                <a:latin typeface="+mn-lt"/>
+                <a:ea typeface="+mn-ea"/>
+                <a:cs typeface="+mn-cs"/>
+              </a:defRPr>
+            </a:lvl3pPr>
+            <a:lvl4pPr marL="1371600" indent="0" algn="ctr" defTabSz="914400" rtl="0" eaLnBrk="1" latinLnBrk="0" hangingPunct="1">
+              <a:lnSpc>
+                <a:spcPct val="90000"/>
+              </a:lnSpc>
+              <a:spcBef>
+                <a:spcPts val="500"/>
+              </a:spcBef>
+              <a:buFont typeface="Arial"/>
+              <a:buNone/>
+              <a:defRPr sz="1600" kern="1200">
+                <a:solidFill>
+                  <a:schemeClr val="tx1"/>
+                </a:solidFill>
+                <a:latin typeface="+mn-lt"/>
+                <a:ea typeface="+mn-ea"/>
+                <a:cs typeface="+mn-cs"/>
+              </a:defRPr>
+            </a:lvl4pPr>
+            <a:lvl5pPr marL="1828800" indent="0" algn="ctr" defTabSz="914400" rtl="0" eaLnBrk="1" latinLnBrk="0" hangingPunct="1">
+              <a:lnSpc>
+                <a:spcPct val="90000"/>
+              </a:lnSpc>
+              <a:spcBef>
+                <a:spcPts val="500"/>
+              </a:spcBef>
+              <a:buFont typeface="Arial"/>
+              <a:buNone/>
+              <a:defRPr sz="1600" kern="1200">
+                <a:solidFill>
+                  <a:schemeClr val="tx1"/>
+                </a:solidFill>
+                <a:latin typeface="+mn-lt"/>
+                <a:ea typeface="+mn-ea"/>
+                <a:cs typeface="+mn-cs"/>
+              </a:defRPr>
+            </a:lvl5pPr>
+            <a:lvl6pPr marL="2286000" indent="0" algn="ctr" defTabSz="914400" rtl="0" eaLnBrk="1" latinLnBrk="0" hangingPunct="1">
+              <a:lnSpc>
+                <a:spcPct val="90000"/>
+              </a:lnSpc>
+              <a:spcBef>
+                <a:spcPts val="500"/>
+              </a:spcBef>
+              <a:buFont typeface="Arial"/>
+              <a:buNone/>
+              <a:defRPr sz="1600" kern="1200">
+                <a:solidFill>
+                  <a:schemeClr val="tx1"/>
+                </a:solidFill>
+                <a:latin typeface="+mn-lt"/>
+                <a:ea typeface="+mn-ea"/>
+                <a:cs typeface="+mn-cs"/>
+              </a:defRPr>
+            </a:lvl6pPr>
+            <a:lvl7pPr marL="2743200" indent="0" algn="ctr" defTabSz="914400" rtl="0" eaLnBrk="1" latinLnBrk="0" hangingPunct="1">
+              <a:lnSpc>
+                <a:spcPct val="90000"/>
+              </a:lnSpc>
+              <a:spcBef>
+                <a:spcPts val="500"/>
+              </a:spcBef>
+              <a:buFont typeface="Arial"/>
+              <a:buNone/>
+              <a:defRPr sz="1600" kern="1200">
+                <a:solidFill>
+                  <a:schemeClr val="tx1"/>
+                </a:solidFill>
+                <a:latin typeface="+mn-lt"/>
+                <a:ea typeface="+mn-ea"/>
+                <a:cs typeface="+mn-cs"/>
+              </a:defRPr>
+            </a:lvl7pPr>
+            <a:lvl8pPr marL="3200400" indent="0" algn="ctr" defTabSz="914400" rtl="0" eaLnBrk="1" latinLnBrk="0" hangingPunct="1">
+              <a:lnSpc>
+                <a:spcPct val="90000"/>
+              </a:lnSpc>
+              <a:spcBef>
+                <a:spcPts val="500"/>
+              </a:spcBef>
+              <a:buFont typeface="Arial"/>
+              <a:buNone/>
+              <a:defRPr sz="1600" kern="1200">
+                <a:solidFill>
+                  <a:schemeClr val="tx1"/>
+                </a:solidFill>
+                <a:latin typeface="+mn-lt"/>
+                <a:ea typeface="+mn-ea"/>
+                <a:cs typeface="+mn-cs"/>
+              </a:defRPr>
+            </a:lvl8pPr>
+            <a:lvl9pPr marL="3657600" indent="0" algn="ctr" defTabSz="914400" rtl="0" eaLnBrk="1" latinLnBrk="0" hangingPunct="1">
+              <a:lnSpc>
+                <a:spcPct val="90000"/>
+              </a:lnSpc>
+              <a:spcBef>
+                <a:spcPts val="500"/>
+              </a:spcBef>
+              <a:buFont typeface="Arial"/>
+              <a:buNone/>
+              <a:defRPr sz="1600" kern="1200">
+                <a:solidFill>
+                  <a:schemeClr val="tx1"/>
+                </a:solidFill>
+                <a:latin typeface="+mn-lt"/>
+                <a:ea typeface="+mn-ea"/>
+                <a:cs typeface="+mn-cs"/>
+              </a:defRPr>
+            </a:lvl9pPr>
+          </a:lstStyle>
+          <a:p>
+            <a:r>
+              <a:rPr lang="it-IT" dirty="0">
+                <a:cs typeface="Times New Roman" panose="02020603050405020304" pitchFamily="18" charset="0"/>
+              </a:rPr>
+              <a:t>Misura di rischio che sintetizza il rischio di perdite operative e cioè l’incertezza della variabile casuale L;</a:t>
+            </a:r>
+          </a:p>
+          <a:p>
+            <a:r>
+              <a:rPr lang="it-IT" dirty="0">
+                <a:cs typeface="Times New Roman" panose="02020603050405020304" pitchFamily="18" charset="0"/>
+              </a:rPr>
+              <a:t> </a:t>
+            </a:r>
+          </a:p>
+          <a:p>
+            <a:r>
+              <a:rPr lang="it-IT" dirty="0">
+                <a:cs typeface="Times New Roman" panose="02020603050405020304" pitchFamily="18" charset="0"/>
+              </a:rPr>
+              <a:t>Il VAR si definisce come la massima perdita in un certo intervallo di tempo [</a:t>
+            </a:r>
+            <a:r>
+              <a:rPr lang="it-IT" dirty="0" err="1">
+                <a:cs typeface="Times New Roman" panose="02020603050405020304" pitchFamily="18" charset="0"/>
+              </a:rPr>
+              <a:t>t,T</a:t>
+            </a:r>
+            <a:r>
+              <a:rPr lang="it-IT" dirty="0">
+                <a:cs typeface="Times New Roman" panose="02020603050405020304" pitchFamily="18" charset="0"/>
+              </a:rPr>
+              <a:t>] con un dato livello di confidenza (1-α). </a:t>
+            </a:r>
+          </a:p>
+        </p:txBody>
+      </p:sp>
+      <p:sp>
+        <p:nvSpPr>
+          <p:cNvPr id="2" name="CasellaDiTesto 1"/>
+          <p:cNvSpPr txBox="1"/>
+          <p:nvPr/>
+        </p:nvSpPr>
+        <p:spPr>
+          <a:xfrm>
+            <a:off x="1189768" y="498154"/>
+            <a:ext cx="9812458" cy="707886"/>
+          </a:xfrm>
+          <a:prstGeom prst="rect">
+            <a:avLst/>
+          </a:prstGeom>
+          <a:noFill/>
+        </p:spPr>
+        <p:txBody>
+          <a:bodyPr wrap="square" rtlCol="0">
+            <a:spAutoFit/>
+          </a:bodyPr>
+          <a:lstStyle/>
+          <a:p>
+            <a:pPr algn="ctr"/>
+            <a:r>
+              <a:rPr lang="it-IT" dirty="0"/>
+              <a:t> </a:t>
+            </a:r>
+            <a:r>
+              <a:rPr lang="it-IT" sz="4000" dirty="0"/>
+              <a:t>Value </a:t>
+            </a:r>
+            <a:r>
+              <a:rPr lang="it-IT" sz="4000" dirty="0" err="1"/>
+              <a:t>at</a:t>
+            </a:r>
+            <a:r>
+              <a:rPr lang="it-IT" sz="4000" dirty="0"/>
+              <a:t> </a:t>
+            </a:r>
+            <a:r>
+              <a:rPr lang="it-IT" sz="4000" dirty="0" err="1"/>
+              <a:t>Risk</a:t>
+            </a:r>
+            <a:r>
+              <a:rPr lang="it-IT" sz="4000" dirty="0"/>
+              <a:t> </a:t>
+            </a:r>
+          </a:p>
+        </p:txBody>
+      </p:sp>
+    </p:spTree>
+    <p:extLst>
+      <p:ext uri="{BB962C8B-B14F-4D97-AF65-F5344CB8AC3E}">
+        <p14:creationId xmlns:p14="http://schemas.microsoft.com/office/powerpoint/2010/main" val="1577174601"/>
+      </p:ext>
+    </p:extLst>
+  </p:cSld>
+  <p:clrMapOvr>
+    <a:masterClrMapping/>
+  </p:clrMapOvr>
+  <p:timing>
+    <p:tnLst>
+      <p:par>
+        <p:cTn id="1" dur="indefinite" restart="never" nodeType="tmRoot"/>
+      </p:par>
+    </p:tnLst>
+  </p:timing>
+</p:sld>
+</file>
+
+<file path=ppt/slides/slide16.xml><?xml version="1.0" encoding="utf-8"?>
+<p:sld xmlns:a="http://schemas.openxmlformats.org/drawingml/2006/main" xmlns:r="http://schemas.openxmlformats.org/officeDocument/2006/relationships" xmlns:p="http://schemas.openxmlformats.org/presentationml/2006/main">
+  <p:cSld>
+    <p:spTree>
+      <p:nvGrpSpPr>
+        <p:cNvPr id="1" name=""/>
+        <p:cNvGrpSpPr/>
+        <p:nvPr/>
+      </p:nvGrpSpPr>
+      <p:grpSpPr>
+        <a:xfrm>
+          <a:off x="0" y="0"/>
+          <a:ext cx="0" cy="0"/>
+          <a:chOff x="0" y="0"/>
+          <a:chExt cx="0" cy="0"/>
+        </a:xfrm>
+      </p:grpSpPr>
+      <p:sp>
+        <p:nvSpPr>
+          <p:cNvPr id="4" name="Titolo 1"/>
+          <p:cNvSpPr txBox="1">
+            <a:spLocks/>
+          </p:cNvSpPr>
+          <p:nvPr/>
+        </p:nvSpPr>
+        <p:spPr>
+          <a:xfrm>
+            <a:off x="838198" y="91726"/>
+            <a:ext cx="10515600" cy="1325563"/>
+          </a:xfrm>
+          <a:prstGeom prst="rect">
+            <a:avLst/>
+          </a:prstGeom>
+        </p:spPr>
+        <p:txBody>
+          <a:bodyPr vert="horz" lIns="91440" tIns="45720" rIns="91440" bIns="45720" rtlCol="0" anchor="b">
+            <a:normAutofit/>
+          </a:bodyPr>
+          <a:lstStyle>
+            <a:lvl1pPr algn="ctr" defTabSz="914400" rtl="0" eaLnBrk="1" latinLnBrk="0" hangingPunct="1">
+              <a:lnSpc>
+                <a:spcPct val="90000"/>
+              </a:lnSpc>
+              <a:spcBef>
+                <a:spcPct val="0"/>
+              </a:spcBef>
+              <a:buNone/>
+              <a:defRPr sz="6000" kern="1200">
+                <a:solidFill>
+                  <a:schemeClr val="tx1"/>
+                </a:solidFill>
+                <a:latin typeface="+mj-lt"/>
+                <a:ea typeface="+mj-ea"/>
+                <a:cs typeface="+mj-cs"/>
+              </a:defRPr>
+            </a:lvl1pPr>
+          </a:lstStyle>
+          <a:p>
+            <a:endParaRPr lang="it-IT" sz="4000" dirty="0">
+              <a:latin typeface="Bodoni MT" pitchFamily="18" charset="0"/>
+            </a:endParaRPr>
+          </a:p>
+        </p:txBody>
+      </p:sp>
+      <p:sp>
+        <p:nvSpPr>
+          <p:cNvPr id="7" name="CasellaDiTesto 6"/>
+          <p:cNvSpPr txBox="1"/>
+          <p:nvPr/>
+        </p:nvSpPr>
+        <p:spPr>
+          <a:xfrm>
+            <a:off x="1172814" y="6308035"/>
+            <a:ext cx="9846368" cy="261610"/>
+          </a:xfrm>
+          <a:prstGeom prst="rect">
+            <a:avLst/>
+          </a:prstGeom>
+          <a:noFill/>
+        </p:spPr>
+        <p:txBody>
+          <a:bodyPr wrap="square" rtlCol="0">
+            <a:spAutoFit/>
+          </a:bodyPr>
+          <a:lstStyle/>
+          <a:p>
+            <a:pPr algn="ctr"/>
+            <a:r>
+              <a:rPr lang="it-IT" sz="1100" i="1" dirty="0"/>
+              <a:t>ERIK HOLLER  - ELIA SCARPARO- STEFANO ZAMPIERO</a:t>
+            </a:r>
+          </a:p>
+        </p:txBody>
+      </p:sp>
+      <p:sp>
+        <p:nvSpPr>
+          <p:cNvPr id="9" name="CasellaDiTesto 8"/>
+          <p:cNvSpPr txBox="1"/>
+          <p:nvPr/>
+        </p:nvSpPr>
+        <p:spPr>
+          <a:xfrm>
+            <a:off x="7281376" y="112014"/>
+            <a:ext cx="4532908" cy="307777"/>
+          </a:xfrm>
+          <a:prstGeom prst="rect">
+            <a:avLst/>
+          </a:prstGeom>
+          <a:noFill/>
+        </p:spPr>
+        <p:txBody>
+          <a:bodyPr wrap="none" rtlCol="0">
+            <a:spAutoFit/>
+          </a:bodyPr>
+          <a:lstStyle/>
+          <a:p>
+            <a:r>
+              <a:rPr lang="it-IT" sz="1400" i="1" dirty="0"/>
+              <a:t>LABORATORIO DI SIMULAZIONI FINANZIARIE A.A. 2017-2018</a:t>
+            </a:r>
+          </a:p>
+        </p:txBody>
+      </p:sp>
+      <p:sp>
+        <p:nvSpPr>
+          <p:cNvPr id="6" name="CasellaDiTesto 5"/>
+          <p:cNvSpPr txBox="1"/>
+          <p:nvPr/>
+        </p:nvSpPr>
+        <p:spPr>
+          <a:xfrm>
+            <a:off x="1358100" y="564597"/>
+            <a:ext cx="9812458" cy="707886"/>
+          </a:xfrm>
+          <a:prstGeom prst="rect">
+            <a:avLst/>
+          </a:prstGeom>
+          <a:noFill/>
+        </p:spPr>
+        <p:txBody>
+          <a:bodyPr wrap="square" rtlCol="0">
+            <a:spAutoFit/>
+          </a:bodyPr>
+          <a:lstStyle/>
+          <a:p>
+            <a:pPr algn="ctr"/>
+            <a:r>
+              <a:rPr lang="it-IT" dirty="0"/>
+              <a:t> </a:t>
+            </a:r>
+            <a:r>
+              <a:rPr lang="it-IT" sz="4000" dirty="0"/>
+              <a:t>Capital </a:t>
+            </a:r>
+            <a:r>
+              <a:rPr lang="it-IT" sz="4000" dirty="0" err="1"/>
+              <a:t>at</a:t>
+            </a:r>
+            <a:r>
+              <a:rPr lang="it-IT" sz="4000" dirty="0"/>
+              <a:t> </a:t>
+            </a:r>
+            <a:r>
+              <a:rPr lang="it-IT" sz="4000" dirty="0" err="1"/>
+              <a:t>Risk</a:t>
+            </a:r>
+            <a:r>
+              <a:rPr lang="it-IT" sz="4000" dirty="0"/>
+              <a:t> </a:t>
+            </a:r>
+          </a:p>
+        </p:txBody>
+      </p:sp>
+      <p:sp>
+        <p:nvSpPr>
+          <p:cNvPr id="10" name="Segnaposto contenuto 2">
+            <a:extLst>
+              <a:ext uri="{FF2B5EF4-FFF2-40B4-BE49-F238E27FC236}">
+                <a16:creationId xmlns="" xmlns:a16="http://schemas.microsoft.com/office/drawing/2014/main" id="{3E1B8146-377A-4E32-B838-476B02B1AB2C}"/>
+              </a:ext>
+            </a:extLst>
+          </p:cNvPr>
+          <p:cNvSpPr txBox="1">
+            <a:spLocks/>
+          </p:cNvSpPr>
+          <p:nvPr/>
+        </p:nvSpPr>
+        <p:spPr>
+          <a:xfrm>
+            <a:off x="714375" y="2084440"/>
+            <a:ext cx="11099909" cy="4454012"/>
+          </a:xfrm>
+          <a:prstGeom prst="rect">
+            <a:avLst/>
+          </a:prstGeom>
+        </p:spPr>
+        <p:txBody>
+          <a:bodyPr vert="horz" lIns="91440" tIns="45720" rIns="91440" bIns="45720" rtlCol="0">
+            <a:normAutofit/>
+          </a:bodyPr>
+          <a:lstStyle>
+            <a:lvl1pPr marL="0" indent="0" algn="ctr" defTabSz="914400" rtl="0" eaLnBrk="1" latinLnBrk="0" hangingPunct="1">
+              <a:lnSpc>
+                <a:spcPct val="90000"/>
+              </a:lnSpc>
+              <a:spcBef>
+                <a:spcPts val="1000"/>
+              </a:spcBef>
+              <a:buFont typeface="Arial"/>
+              <a:buNone/>
+              <a:defRPr sz="2400" kern="1200">
+                <a:solidFill>
+                  <a:schemeClr val="tx1"/>
+                </a:solidFill>
+                <a:latin typeface="+mn-lt"/>
+                <a:ea typeface="+mn-ea"/>
+                <a:cs typeface="+mn-cs"/>
+              </a:defRPr>
+            </a:lvl1pPr>
+            <a:lvl2pPr marL="457200" indent="0" algn="ctr" defTabSz="914400" rtl="0" eaLnBrk="1" latinLnBrk="0" hangingPunct="1">
+              <a:lnSpc>
+                <a:spcPct val="90000"/>
+              </a:lnSpc>
+              <a:spcBef>
+                <a:spcPts val="500"/>
+              </a:spcBef>
+              <a:buFont typeface="Arial"/>
+              <a:buNone/>
+              <a:defRPr sz="2000" kern="1200">
+                <a:solidFill>
+                  <a:schemeClr val="tx1"/>
+                </a:solidFill>
+                <a:latin typeface="+mn-lt"/>
+                <a:ea typeface="+mn-ea"/>
+                <a:cs typeface="+mn-cs"/>
+              </a:defRPr>
+            </a:lvl2pPr>
+            <a:lvl3pPr marL="914400" indent="0" algn="ctr" defTabSz="914400" rtl="0" eaLnBrk="1" latinLnBrk="0" hangingPunct="1">
+              <a:lnSpc>
+                <a:spcPct val="90000"/>
+              </a:lnSpc>
+              <a:spcBef>
+                <a:spcPts val="500"/>
+              </a:spcBef>
+              <a:buFont typeface="Arial"/>
+              <a:buNone/>
+              <a:defRPr sz="1800" kern="1200">
+                <a:solidFill>
+                  <a:schemeClr val="tx1"/>
+                </a:solidFill>
+                <a:latin typeface="+mn-lt"/>
+                <a:ea typeface="+mn-ea"/>
+                <a:cs typeface="+mn-cs"/>
+              </a:defRPr>
+            </a:lvl3pPr>
+            <a:lvl4pPr marL="1371600" indent="0" algn="ctr" defTabSz="914400" rtl="0" eaLnBrk="1" latinLnBrk="0" hangingPunct="1">
+              <a:lnSpc>
+                <a:spcPct val="90000"/>
+              </a:lnSpc>
+              <a:spcBef>
+                <a:spcPts val="500"/>
+              </a:spcBef>
+              <a:buFont typeface="Arial"/>
+              <a:buNone/>
+              <a:defRPr sz="1600" kern="1200">
+                <a:solidFill>
+                  <a:schemeClr val="tx1"/>
+                </a:solidFill>
+                <a:latin typeface="+mn-lt"/>
+                <a:ea typeface="+mn-ea"/>
+                <a:cs typeface="+mn-cs"/>
+              </a:defRPr>
+            </a:lvl4pPr>
+            <a:lvl5pPr marL="1828800" indent="0" algn="ctr" defTabSz="914400" rtl="0" eaLnBrk="1" latinLnBrk="0" hangingPunct="1">
+              <a:lnSpc>
+                <a:spcPct val="90000"/>
+              </a:lnSpc>
+              <a:spcBef>
+                <a:spcPts val="500"/>
+              </a:spcBef>
+              <a:buFont typeface="Arial"/>
+              <a:buNone/>
+              <a:defRPr sz="1600" kern="1200">
+                <a:solidFill>
+                  <a:schemeClr val="tx1"/>
+                </a:solidFill>
+                <a:latin typeface="+mn-lt"/>
+                <a:ea typeface="+mn-ea"/>
+                <a:cs typeface="+mn-cs"/>
+              </a:defRPr>
+            </a:lvl5pPr>
+            <a:lvl6pPr marL="2286000" indent="0" algn="ctr" defTabSz="914400" rtl="0" eaLnBrk="1" latinLnBrk="0" hangingPunct="1">
+              <a:lnSpc>
+                <a:spcPct val="90000"/>
+              </a:lnSpc>
+              <a:spcBef>
+                <a:spcPts val="500"/>
+              </a:spcBef>
+              <a:buFont typeface="Arial"/>
+              <a:buNone/>
+              <a:defRPr sz="1600" kern="1200">
+                <a:solidFill>
+                  <a:schemeClr val="tx1"/>
+                </a:solidFill>
+                <a:latin typeface="+mn-lt"/>
+                <a:ea typeface="+mn-ea"/>
+                <a:cs typeface="+mn-cs"/>
+              </a:defRPr>
+            </a:lvl6pPr>
+            <a:lvl7pPr marL="2743200" indent="0" algn="ctr" defTabSz="914400" rtl="0" eaLnBrk="1" latinLnBrk="0" hangingPunct="1">
+              <a:lnSpc>
+                <a:spcPct val="90000"/>
+              </a:lnSpc>
+              <a:spcBef>
+                <a:spcPts val="500"/>
+              </a:spcBef>
+              <a:buFont typeface="Arial"/>
+              <a:buNone/>
+              <a:defRPr sz="1600" kern="1200">
+                <a:solidFill>
+                  <a:schemeClr val="tx1"/>
+                </a:solidFill>
+                <a:latin typeface="+mn-lt"/>
+                <a:ea typeface="+mn-ea"/>
+                <a:cs typeface="+mn-cs"/>
+              </a:defRPr>
+            </a:lvl7pPr>
+            <a:lvl8pPr marL="3200400" indent="0" algn="ctr" defTabSz="914400" rtl="0" eaLnBrk="1" latinLnBrk="0" hangingPunct="1">
+              <a:lnSpc>
+                <a:spcPct val="90000"/>
+              </a:lnSpc>
+              <a:spcBef>
+                <a:spcPts val="500"/>
+              </a:spcBef>
+              <a:buFont typeface="Arial"/>
+              <a:buNone/>
+              <a:defRPr sz="1600" kern="1200">
+                <a:solidFill>
+                  <a:schemeClr val="tx1"/>
+                </a:solidFill>
+                <a:latin typeface="+mn-lt"/>
+                <a:ea typeface="+mn-ea"/>
+                <a:cs typeface="+mn-cs"/>
+              </a:defRPr>
+            </a:lvl8pPr>
+            <a:lvl9pPr marL="3657600" indent="0" algn="ctr" defTabSz="914400" rtl="0" eaLnBrk="1" latinLnBrk="0" hangingPunct="1">
+              <a:lnSpc>
+                <a:spcPct val="90000"/>
+              </a:lnSpc>
+              <a:spcBef>
+                <a:spcPts val="500"/>
+              </a:spcBef>
+              <a:buFont typeface="Arial"/>
+              <a:buNone/>
+              <a:defRPr sz="1600" kern="1200">
+                <a:solidFill>
+                  <a:schemeClr val="tx1"/>
+                </a:solidFill>
+                <a:latin typeface="+mn-lt"/>
+                <a:ea typeface="+mn-ea"/>
+                <a:cs typeface="+mn-cs"/>
+              </a:defRPr>
+            </a:lvl9pPr>
+          </a:lstStyle>
+          <a:p>
+            <a:pPr marL="457200" indent="-457200" algn="l">
+              <a:buFont typeface="Arial" charset="0"/>
+              <a:buChar char="•"/>
+            </a:pPr>
+            <a:r>
+              <a:rPr lang="it-IT" dirty="0">
+                <a:cs typeface="Times New Roman" panose="02020603050405020304" pitchFamily="18" charset="0"/>
+              </a:rPr>
+              <a:t>Capitale necessario a coprire una perdita potenziale entro un determinato livello di confidenza ed entro un determinato orizzonte di tempo. </a:t>
+            </a:r>
+          </a:p>
+          <a:p>
+            <a:pPr marL="457200" indent="-457200" algn="l">
+              <a:buFont typeface="Arial" charset="0"/>
+              <a:buChar char="•"/>
+            </a:pPr>
+            <a:endParaRPr lang="it-IT" dirty="0">
+              <a:cs typeface="Times New Roman" panose="02020603050405020304" pitchFamily="18" charset="0"/>
+            </a:endParaRPr>
+          </a:p>
+          <a:p>
+            <a:pPr marL="457200" indent="-457200" algn="l">
+              <a:buFont typeface="Arial" charset="0"/>
+              <a:buChar char="•"/>
+            </a:pPr>
+            <a:r>
+              <a:rPr lang="it-IT" dirty="0">
+                <a:cs typeface="Times New Roman" panose="02020603050405020304" pitchFamily="18" charset="0"/>
+              </a:rPr>
+              <a:t>Il Capitale economico permette di allocare alle diverse linee di business della banca la giusta quantità di capitale per valutarne poi la reddittività. </a:t>
+            </a:r>
+          </a:p>
+          <a:p>
+            <a:pPr marL="457200" indent="-457200" algn="l">
+              <a:buFont typeface="Arial" charset="0"/>
+              <a:buChar char="•"/>
+            </a:pPr>
+            <a:endParaRPr lang="it-IT" dirty="0">
+              <a:cs typeface="Times New Roman" panose="02020603050405020304" pitchFamily="18" charset="0"/>
+            </a:endParaRPr>
+          </a:p>
+          <a:p>
+            <a:pPr marL="457200" indent="-457200" algn="l">
+              <a:buFont typeface="Arial" charset="0"/>
+              <a:buChar char="•"/>
+            </a:pPr>
+            <a:r>
+              <a:rPr lang="it-IT" dirty="0">
+                <a:cs typeface="Times New Roman" panose="02020603050405020304" pitchFamily="18" charset="0"/>
+              </a:rPr>
+              <a:t>Il capitale economico è pari alla perdita inattesa e cioè alla differenza tra la perdita corrispondente ad un determinato livello di confidenza scelto dalla banca e alla perdita attesa.</a:t>
+            </a:r>
+          </a:p>
+        </p:txBody>
+      </p:sp>
+    </p:spTree>
+    <p:extLst>
+      <p:ext uri="{BB962C8B-B14F-4D97-AF65-F5344CB8AC3E}">
+        <p14:creationId xmlns:p14="http://schemas.microsoft.com/office/powerpoint/2010/main" val="256534590"/>
+      </p:ext>
+    </p:extLst>
+  </p:cSld>
+  <p:clrMapOvr>
+    <a:masterClrMapping/>
+  </p:clrMapOvr>
+  <p:timing>
+    <p:tnLst>
+      <p:par>
+        <p:cTn id="1" dur="indefinite" restart="never" nodeType="tmRoot"/>
+      </p:par>
+    </p:tnLst>
+  </p:timing>
+</p:sld>
+</file>
+
+<file path=ppt/slides/slide17.xml><?xml version="1.0" encoding="utf-8"?>
+<p:sld xmlns:a="http://schemas.openxmlformats.org/drawingml/2006/main" xmlns:r="http://schemas.openxmlformats.org/officeDocument/2006/relationships" xmlns:p="http://schemas.openxmlformats.org/presentationml/2006/main">
+  <p:cSld>
+    <p:spTree>
+      <p:nvGrpSpPr>
+        <p:cNvPr id="1" name=""/>
+        <p:cNvGrpSpPr/>
+        <p:nvPr/>
+      </p:nvGrpSpPr>
+      <p:grpSpPr>
+        <a:xfrm>
+          <a:off x="0" y="0"/>
+          <a:ext cx="0" cy="0"/>
+          <a:chOff x="0" y="0"/>
+          <a:chExt cx="0" cy="0"/>
+        </a:xfrm>
+      </p:grpSpPr>
+      <p:sp>
+        <p:nvSpPr>
+          <p:cNvPr id="4" name="Titolo 1"/>
+          <p:cNvSpPr txBox="1">
+            <a:spLocks/>
+          </p:cNvSpPr>
+          <p:nvPr/>
+        </p:nvSpPr>
+        <p:spPr>
+          <a:xfrm>
+            <a:off x="838198" y="91726"/>
+            <a:ext cx="10515600" cy="1325563"/>
+          </a:xfrm>
+          <a:prstGeom prst="rect">
+            <a:avLst/>
+          </a:prstGeom>
+        </p:spPr>
+        <p:txBody>
+          <a:bodyPr vert="horz" lIns="91440" tIns="45720" rIns="91440" bIns="45720" rtlCol="0" anchor="b">
+            <a:normAutofit/>
+          </a:bodyPr>
+          <a:lstStyle>
+            <a:lvl1pPr algn="ctr" defTabSz="914400" rtl="0" eaLnBrk="1" latinLnBrk="0" hangingPunct="1">
+              <a:lnSpc>
+                <a:spcPct val="90000"/>
+              </a:lnSpc>
+              <a:spcBef>
+                <a:spcPct val="0"/>
+              </a:spcBef>
+              <a:buNone/>
+              <a:defRPr sz="6000" kern="1200">
+                <a:solidFill>
+                  <a:schemeClr val="tx1"/>
+                </a:solidFill>
+                <a:latin typeface="+mj-lt"/>
+                <a:ea typeface="+mj-ea"/>
+                <a:cs typeface="+mj-cs"/>
+              </a:defRPr>
+            </a:lvl1pPr>
+          </a:lstStyle>
+          <a:p>
+            <a:endParaRPr lang="it-IT" sz="4000" dirty="0">
+              <a:latin typeface="Bodoni MT" pitchFamily="18" charset="0"/>
+            </a:endParaRPr>
+          </a:p>
+        </p:txBody>
+      </p:sp>
+      <p:sp>
+        <p:nvSpPr>
+          <p:cNvPr id="5" name="Segnaposto contenuto 2"/>
+          <p:cNvSpPr txBox="1">
+            <a:spLocks/>
+          </p:cNvSpPr>
+          <p:nvPr/>
+        </p:nvSpPr>
+        <p:spPr>
+          <a:xfrm>
+            <a:off x="838200" y="2285999"/>
+            <a:ext cx="10515600" cy="3849903"/>
+          </a:xfrm>
+          <a:prstGeom prst="rect">
+            <a:avLst/>
+          </a:prstGeom>
+        </p:spPr>
+        <p:txBody>
+          <a:bodyPr vert="horz" lIns="91440" tIns="45720" rIns="91440" bIns="45720" rtlCol="0">
+            <a:normAutofit/>
+          </a:bodyPr>
+          <a:lstStyle>
+            <a:lvl1pPr marL="0" indent="0" algn="ctr" defTabSz="914400" rtl="0" eaLnBrk="1" latinLnBrk="0" hangingPunct="1">
+              <a:lnSpc>
+                <a:spcPct val="90000"/>
+              </a:lnSpc>
+              <a:spcBef>
+                <a:spcPts val="1000"/>
+              </a:spcBef>
+              <a:buFont typeface="Arial" panose="020B0604020202020204" pitchFamily="34" charset="0"/>
+              <a:buNone/>
+              <a:defRPr sz="2400" kern="1200">
+                <a:solidFill>
+                  <a:schemeClr val="tx1"/>
+                </a:solidFill>
+                <a:latin typeface="+mn-lt"/>
+                <a:ea typeface="+mn-ea"/>
+                <a:cs typeface="+mn-cs"/>
+              </a:defRPr>
+            </a:lvl1pPr>
+            <a:lvl2pPr marL="457200" indent="0" algn="ctr" defTabSz="914400" rtl="0" eaLnBrk="1" latinLnBrk="0" hangingPunct="1">
+              <a:lnSpc>
+                <a:spcPct val="90000"/>
+              </a:lnSpc>
+              <a:spcBef>
+                <a:spcPts val="500"/>
+              </a:spcBef>
+              <a:buFont typeface="Arial" panose="020B0604020202020204" pitchFamily="34" charset="0"/>
+              <a:buNone/>
+              <a:defRPr sz="2000" kern="1200">
+                <a:solidFill>
+                  <a:schemeClr val="tx1"/>
+                </a:solidFill>
+                <a:latin typeface="+mn-lt"/>
+                <a:ea typeface="+mn-ea"/>
+                <a:cs typeface="+mn-cs"/>
+              </a:defRPr>
+            </a:lvl2pPr>
+            <a:lvl3pPr marL="914400" indent="0" algn="ctr" defTabSz="914400" rtl="0" eaLnBrk="1" latinLnBrk="0" hangingPunct="1">
+              <a:lnSpc>
+                <a:spcPct val="90000"/>
+              </a:lnSpc>
+              <a:spcBef>
+                <a:spcPts val="500"/>
+              </a:spcBef>
+              <a:buFont typeface="Arial" panose="020B0604020202020204" pitchFamily="34" charset="0"/>
+              <a:buNone/>
+              <a:defRPr sz="1800" kern="1200">
+                <a:solidFill>
+                  <a:schemeClr val="tx1"/>
+                </a:solidFill>
+                <a:latin typeface="+mn-lt"/>
+                <a:ea typeface="+mn-ea"/>
+                <a:cs typeface="+mn-cs"/>
+              </a:defRPr>
+            </a:lvl3pPr>
+            <a:lvl4pPr marL="1371600" indent="0" algn="ctr" defTabSz="914400" rtl="0" eaLnBrk="1" latinLnBrk="0" hangingPunct="1">
+              <a:lnSpc>
+                <a:spcPct val="90000"/>
+              </a:lnSpc>
+              <a:spcBef>
+                <a:spcPts val="500"/>
+              </a:spcBef>
+              <a:buFont typeface="Arial" panose="020B0604020202020204" pitchFamily="34" charset="0"/>
+              <a:buNone/>
+              <a:defRPr sz="1600" kern="1200">
+                <a:solidFill>
+                  <a:schemeClr val="tx1"/>
+                </a:solidFill>
+                <a:latin typeface="+mn-lt"/>
+                <a:ea typeface="+mn-ea"/>
+                <a:cs typeface="+mn-cs"/>
+              </a:defRPr>
+            </a:lvl4pPr>
+            <a:lvl5pPr marL="1828800" indent="0" algn="ctr" defTabSz="914400" rtl="0" eaLnBrk="1" latinLnBrk="0" hangingPunct="1">
+              <a:lnSpc>
+                <a:spcPct val="90000"/>
+              </a:lnSpc>
+              <a:spcBef>
+                <a:spcPts val="500"/>
+              </a:spcBef>
+              <a:buFont typeface="Arial" panose="020B0604020202020204" pitchFamily="34" charset="0"/>
+              <a:buNone/>
+              <a:defRPr sz="1600" kern="1200">
+                <a:solidFill>
+                  <a:schemeClr val="tx1"/>
+                </a:solidFill>
+                <a:latin typeface="+mn-lt"/>
+                <a:ea typeface="+mn-ea"/>
+                <a:cs typeface="+mn-cs"/>
+              </a:defRPr>
+            </a:lvl5pPr>
+            <a:lvl6pPr marL="2286000" indent="0" algn="ctr" defTabSz="914400" rtl="0" eaLnBrk="1" latinLnBrk="0" hangingPunct="1">
+              <a:lnSpc>
+                <a:spcPct val="90000"/>
+              </a:lnSpc>
+              <a:spcBef>
+                <a:spcPts val="500"/>
+              </a:spcBef>
+              <a:buFont typeface="Arial" panose="020B0604020202020204" pitchFamily="34" charset="0"/>
+              <a:buNone/>
+              <a:defRPr sz="1600" kern="1200">
+                <a:solidFill>
+                  <a:schemeClr val="tx1"/>
+                </a:solidFill>
+                <a:latin typeface="+mn-lt"/>
+                <a:ea typeface="+mn-ea"/>
+                <a:cs typeface="+mn-cs"/>
+              </a:defRPr>
+            </a:lvl6pPr>
+            <a:lvl7pPr marL="2743200" indent="0" algn="ctr" defTabSz="914400" rtl="0" eaLnBrk="1" latinLnBrk="0" hangingPunct="1">
+              <a:lnSpc>
+                <a:spcPct val="90000"/>
+              </a:lnSpc>
+              <a:spcBef>
+                <a:spcPts val="500"/>
+              </a:spcBef>
+              <a:buFont typeface="Arial" panose="020B0604020202020204" pitchFamily="34" charset="0"/>
+              <a:buNone/>
+              <a:defRPr sz="1600" kern="1200">
+                <a:solidFill>
+                  <a:schemeClr val="tx1"/>
+                </a:solidFill>
+                <a:latin typeface="+mn-lt"/>
+                <a:ea typeface="+mn-ea"/>
+                <a:cs typeface="+mn-cs"/>
+              </a:defRPr>
+            </a:lvl7pPr>
+            <a:lvl8pPr marL="3200400" indent="0" algn="ctr" defTabSz="914400" rtl="0" eaLnBrk="1" latinLnBrk="0" hangingPunct="1">
+              <a:lnSpc>
+                <a:spcPct val="90000"/>
+              </a:lnSpc>
+              <a:spcBef>
+                <a:spcPts val="500"/>
+              </a:spcBef>
+              <a:buFont typeface="Arial" panose="020B0604020202020204" pitchFamily="34" charset="0"/>
+              <a:buNone/>
+              <a:defRPr sz="1600" kern="1200">
+                <a:solidFill>
+                  <a:schemeClr val="tx1"/>
+                </a:solidFill>
+                <a:latin typeface="+mn-lt"/>
+                <a:ea typeface="+mn-ea"/>
+                <a:cs typeface="+mn-cs"/>
+              </a:defRPr>
+            </a:lvl8pPr>
+            <a:lvl9pPr marL="3657600" indent="0" algn="ctr" defTabSz="914400" rtl="0" eaLnBrk="1" latinLnBrk="0" hangingPunct="1">
+              <a:lnSpc>
+                <a:spcPct val="90000"/>
+              </a:lnSpc>
+              <a:spcBef>
+                <a:spcPts val="500"/>
+              </a:spcBef>
+              <a:buFont typeface="Arial" panose="020B0604020202020204" pitchFamily="34" charset="0"/>
+              <a:buNone/>
+              <a:defRPr sz="1600" kern="1200">
+                <a:solidFill>
+                  <a:schemeClr val="tx1"/>
+                </a:solidFill>
+                <a:latin typeface="+mn-lt"/>
+                <a:ea typeface="+mn-ea"/>
+                <a:cs typeface="+mn-cs"/>
+              </a:defRPr>
+            </a:lvl9pPr>
+          </a:lstStyle>
+          <a:p>
+            <a:pPr marL="514350" indent="-514350" algn="l">
+              <a:buFont typeface="+mj-lt"/>
+              <a:buAutoNum type="arabicPeriod"/>
+            </a:pPr>
+            <a:r>
+              <a:rPr lang="it-IT" dirty="0"/>
+              <a:t>Il rischio operativo a livello attuariale </a:t>
+            </a:r>
+          </a:p>
+          <a:p>
+            <a:pPr marL="514350" indent="-514350" algn="l">
+              <a:buFont typeface="+mj-lt"/>
+              <a:buAutoNum type="arabicPeriod"/>
+            </a:pPr>
+            <a:r>
+              <a:rPr lang="it-IT" dirty="0"/>
+              <a:t>Il </a:t>
+            </a:r>
+            <a:r>
+              <a:rPr lang="it-IT" dirty="0" err="1"/>
+              <a:t>Loss</a:t>
+            </a:r>
+            <a:r>
+              <a:rPr lang="it-IT" dirty="0"/>
+              <a:t> Distribution </a:t>
+            </a:r>
+            <a:r>
+              <a:rPr lang="it-IT" dirty="0" err="1"/>
+              <a:t>Approach</a:t>
+            </a:r>
+            <a:r>
+              <a:rPr lang="it-IT" dirty="0"/>
+              <a:t> (LDA)</a:t>
+            </a:r>
+          </a:p>
+          <a:p>
+            <a:pPr marL="514350" indent="-514350" algn="l">
+              <a:buFont typeface="+mj-lt"/>
+              <a:buAutoNum type="arabicPeriod"/>
+            </a:pPr>
+            <a:r>
+              <a:rPr lang="it-IT" dirty="0"/>
+              <a:t>Indicatori di rischio: VAR (</a:t>
+            </a:r>
+            <a:r>
+              <a:rPr lang="it-IT" i="1" dirty="0"/>
+              <a:t>Value </a:t>
+            </a:r>
+            <a:r>
+              <a:rPr lang="it-IT" i="1" dirty="0" err="1"/>
+              <a:t>at</a:t>
+            </a:r>
+            <a:r>
+              <a:rPr lang="it-IT" i="1" dirty="0"/>
+              <a:t> </a:t>
+            </a:r>
+            <a:r>
+              <a:rPr lang="it-IT" i="1" dirty="0" err="1"/>
+              <a:t>risk</a:t>
+            </a:r>
+            <a:r>
+              <a:rPr lang="it-IT" dirty="0"/>
+              <a:t>) &amp; CAR (</a:t>
+            </a:r>
+            <a:r>
+              <a:rPr lang="it-IT" i="1" dirty="0"/>
+              <a:t>Capital </a:t>
+            </a:r>
+            <a:r>
+              <a:rPr lang="it-IT" i="1" dirty="0" err="1"/>
+              <a:t>at</a:t>
+            </a:r>
+            <a:r>
+              <a:rPr lang="it-IT" i="1" dirty="0"/>
+              <a:t> </a:t>
+            </a:r>
+            <a:r>
+              <a:rPr lang="it-IT" i="1" dirty="0" err="1"/>
+              <a:t>risk</a:t>
+            </a:r>
+            <a:r>
+              <a:rPr lang="it-IT" dirty="0"/>
+              <a:t>)</a:t>
+            </a:r>
+          </a:p>
+          <a:p>
+            <a:pPr marL="514350" indent="-514350" algn="l">
+              <a:buFont typeface="+mj-lt"/>
+              <a:buAutoNum type="arabicPeriod"/>
+            </a:pPr>
+            <a:r>
+              <a:rPr lang="it-IT" b="1" dirty="0">
+                <a:solidFill>
+                  <a:srgbClr val="00B050"/>
+                </a:solidFill>
+              </a:rPr>
+              <a:t>Applicazioni: modellizzazione della perdita e simulazione monte </a:t>
+            </a:r>
+            <a:r>
+              <a:rPr lang="it-IT" b="1" dirty="0" err="1">
+                <a:solidFill>
+                  <a:srgbClr val="00B050"/>
+                </a:solidFill>
+              </a:rPr>
+              <a:t>carlo</a:t>
+            </a:r>
+            <a:endParaRPr lang="it-IT" b="1" dirty="0">
+              <a:solidFill>
+                <a:srgbClr val="00B050"/>
+              </a:solidFill>
+            </a:endParaRPr>
+          </a:p>
+          <a:p>
+            <a:pPr marL="514350" indent="-514350" algn="l">
+              <a:buFont typeface="+mj-lt"/>
+              <a:buAutoNum type="arabicPeriod"/>
+            </a:pPr>
+            <a:r>
+              <a:rPr lang="it-IT" dirty="0"/>
+              <a:t>Confronto fra distribuzioni</a:t>
+            </a:r>
+          </a:p>
+          <a:p>
+            <a:pPr marL="514350" indent="-514350" algn="l">
+              <a:buFont typeface="+mj-lt"/>
+              <a:buAutoNum type="arabicPeriod"/>
+            </a:pPr>
+            <a:r>
+              <a:rPr lang="it-IT" dirty="0"/>
+              <a:t>Vantaggi e limiti del </a:t>
+            </a:r>
+            <a:r>
+              <a:rPr lang="it-IT" dirty="0" err="1"/>
+              <a:t>Loss</a:t>
+            </a:r>
+            <a:r>
+              <a:rPr lang="it-IT" dirty="0"/>
+              <a:t> Distribution </a:t>
+            </a:r>
+            <a:r>
+              <a:rPr lang="it-IT" dirty="0" err="1"/>
+              <a:t>Approach</a:t>
+            </a:r>
+            <a:endParaRPr lang="it-IT" dirty="0"/>
+          </a:p>
+          <a:p>
+            <a:pPr marL="514350" indent="-514350" algn="l">
+              <a:buFont typeface="+mj-lt"/>
+              <a:buAutoNum type="arabicPeriod"/>
+            </a:pPr>
+            <a:endParaRPr lang="it-IT" dirty="0"/>
+          </a:p>
+        </p:txBody>
+      </p:sp>
+      <p:sp>
+        <p:nvSpPr>
+          <p:cNvPr id="7" name="CasellaDiTesto 6"/>
+          <p:cNvSpPr txBox="1"/>
+          <p:nvPr/>
+        </p:nvSpPr>
+        <p:spPr>
+          <a:xfrm>
+            <a:off x="1172814" y="6308035"/>
+            <a:ext cx="9846368" cy="261610"/>
+          </a:xfrm>
+          <a:prstGeom prst="rect">
+            <a:avLst/>
+          </a:prstGeom>
+          <a:noFill/>
+        </p:spPr>
+        <p:txBody>
+          <a:bodyPr wrap="square" rtlCol="0">
+            <a:spAutoFit/>
+          </a:bodyPr>
+          <a:lstStyle/>
+          <a:p>
+            <a:pPr algn="ctr"/>
+            <a:r>
+              <a:rPr lang="it-IT" sz="1100" i="1" dirty="0"/>
+              <a:t>ERIK HOLLER  - ELIA SCARPARO- STEFANO ZAMPIERO</a:t>
+            </a:r>
+          </a:p>
+        </p:txBody>
+      </p:sp>
+      <p:sp>
+        <p:nvSpPr>
+          <p:cNvPr id="9" name="CasellaDiTesto 8"/>
+          <p:cNvSpPr txBox="1"/>
+          <p:nvPr/>
+        </p:nvSpPr>
+        <p:spPr>
+          <a:xfrm>
+            <a:off x="7281376" y="112014"/>
+            <a:ext cx="4532908" cy="307777"/>
+          </a:xfrm>
+          <a:prstGeom prst="rect">
+            <a:avLst/>
+          </a:prstGeom>
+          <a:noFill/>
+        </p:spPr>
+        <p:txBody>
+          <a:bodyPr wrap="none" rtlCol="0">
+            <a:spAutoFit/>
+          </a:bodyPr>
+          <a:lstStyle/>
+          <a:p>
+            <a:r>
+              <a:rPr lang="it-IT" sz="1400" i="1" dirty="0"/>
+              <a:t>LABORATORIO DI SIMULAZIONI FINANZIARIE A.A. 2017-2018</a:t>
+            </a:r>
+          </a:p>
+        </p:txBody>
+      </p:sp>
+    </p:spTree>
+    <p:extLst>
+      <p:ext uri="{BB962C8B-B14F-4D97-AF65-F5344CB8AC3E}">
+        <p14:creationId xmlns:p14="http://schemas.microsoft.com/office/powerpoint/2010/main" val="57504617"/>
+      </p:ext>
+    </p:extLst>
+  </p:cSld>
+  <p:clrMapOvr>
+    <a:masterClrMapping/>
+  </p:clrMapOvr>
+  <p:timing>
+    <p:tnLst>
+      <p:par>
+        <p:cTn id="1" dur="indefinite" restart="never" nodeType="tmRoot"/>
+      </p:par>
+    </p:tnLst>
+  </p:timing>
+</p:sld>
+</file>
+
+<file path=ppt/slides/slide18.xml><?xml version="1.0" encoding="utf-8"?>
+<p:sld xmlns:a="http://schemas.openxmlformats.org/drawingml/2006/main" xmlns:r="http://schemas.openxmlformats.org/officeDocument/2006/relationships" xmlns:p="http://schemas.openxmlformats.org/presentationml/2006/main">
+  <p:cSld>
+    <p:spTree>
+      <p:nvGrpSpPr>
+        <p:cNvPr id="1" name=""/>
+        <p:cNvGrpSpPr/>
+        <p:nvPr/>
+      </p:nvGrpSpPr>
+      <p:grpSpPr>
+        <a:xfrm>
+          <a:off x="0" y="0"/>
+          <a:ext cx="0" cy="0"/>
+          <a:chOff x="0" y="0"/>
+          <a:chExt cx="0" cy="0"/>
+        </a:xfrm>
+      </p:grpSpPr>
+      <p:sp>
+        <p:nvSpPr>
+          <p:cNvPr id="5" name="Segnaposto contenuto 2"/>
+          <p:cNvSpPr txBox="1">
+            <a:spLocks/>
+          </p:cNvSpPr>
+          <p:nvPr/>
+        </p:nvSpPr>
+        <p:spPr>
+          <a:xfrm>
+            <a:off x="952499" y="1829483"/>
+            <a:ext cx="10515600" cy="4478552"/>
+          </a:xfrm>
+          <a:prstGeom prst="rect">
+            <a:avLst/>
+          </a:prstGeom>
+        </p:spPr>
+        <p:txBody>
+          <a:bodyPr vert="horz" lIns="91440" tIns="45720" rIns="91440" bIns="45720" rtlCol="0">
+            <a:normAutofit/>
+          </a:bodyPr>
+          <a:lstStyle>
+            <a:lvl1pPr marL="0" indent="0" algn="ctr" defTabSz="914400" rtl="0" eaLnBrk="1" latinLnBrk="0" hangingPunct="1">
+              <a:lnSpc>
+                <a:spcPct val="90000"/>
+              </a:lnSpc>
+              <a:spcBef>
+                <a:spcPts val="1000"/>
+              </a:spcBef>
+              <a:buFont typeface="Arial" panose="020B0604020202020204" pitchFamily="34" charset="0"/>
+              <a:buNone/>
+              <a:defRPr sz="2400" kern="1200">
+                <a:solidFill>
+                  <a:schemeClr val="tx1"/>
+                </a:solidFill>
+                <a:latin typeface="+mn-lt"/>
+                <a:ea typeface="+mn-ea"/>
+                <a:cs typeface="+mn-cs"/>
+              </a:defRPr>
+            </a:lvl1pPr>
+            <a:lvl2pPr marL="457200" indent="0" algn="ctr" defTabSz="914400" rtl="0" eaLnBrk="1" latinLnBrk="0" hangingPunct="1">
+              <a:lnSpc>
+                <a:spcPct val="90000"/>
+              </a:lnSpc>
+              <a:spcBef>
+                <a:spcPts val="500"/>
+              </a:spcBef>
+              <a:buFont typeface="Arial" panose="020B0604020202020204" pitchFamily="34" charset="0"/>
+              <a:buNone/>
+              <a:defRPr sz="2000" kern="1200">
+                <a:solidFill>
+                  <a:schemeClr val="tx1"/>
+                </a:solidFill>
+                <a:latin typeface="+mn-lt"/>
+                <a:ea typeface="+mn-ea"/>
+                <a:cs typeface="+mn-cs"/>
+              </a:defRPr>
+            </a:lvl2pPr>
+            <a:lvl3pPr marL="914400" indent="0" algn="ctr" defTabSz="914400" rtl="0" eaLnBrk="1" latinLnBrk="0" hangingPunct="1">
+              <a:lnSpc>
+                <a:spcPct val="90000"/>
+              </a:lnSpc>
+              <a:spcBef>
+                <a:spcPts val="500"/>
+              </a:spcBef>
+              <a:buFont typeface="Arial" panose="020B0604020202020204" pitchFamily="34" charset="0"/>
+              <a:buNone/>
+              <a:defRPr sz="1800" kern="1200">
+                <a:solidFill>
+                  <a:schemeClr val="tx1"/>
+                </a:solidFill>
+                <a:latin typeface="+mn-lt"/>
+                <a:ea typeface="+mn-ea"/>
+                <a:cs typeface="+mn-cs"/>
+              </a:defRPr>
+            </a:lvl3pPr>
+            <a:lvl4pPr marL="1371600" indent="0" algn="ctr" defTabSz="914400" rtl="0" eaLnBrk="1" latinLnBrk="0" hangingPunct="1">
+              <a:lnSpc>
+                <a:spcPct val="90000"/>
+              </a:lnSpc>
+              <a:spcBef>
+                <a:spcPts val="500"/>
+              </a:spcBef>
+              <a:buFont typeface="Arial" panose="020B0604020202020204" pitchFamily="34" charset="0"/>
+              <a:buNone/>
+              <a:defRPr sz="1600" kern="1200">
+                <a:solidFill>
+                  <a:schemeClr val="tx1"/>
+                </a:solidFill>
+                <a:latin typeface="+mn-lt"/>
+                <a:ea typeface="+mn-ea"/>
+                <a:cs typeface="+mn-cs"/>
+              </a:defRPr>
+            </a:lvl4pPr>
+            <a:lvl5pPr marL="1828800" indent="0" algn="ctr" defTabSz="914400" rtl="0" eaLnBrk="1" latinLnBrk="0" hangingPunct="1">
+              <a:lnSpc>
+                <a:spcPct val="90000"/>
+              </a:lnSpc>
+              <a:spcBef>
+                <a:spcPts val="500"/>
+              </a:spcBef>
+              <a:buFont typeface="Arial" panose="020B0604020202020204" pitchFamily="34" charset="0"/>
+              <a:buNone/>
+              <a:defRPr sz="1600" kern="1200">
+                <a:solidFill>
+                  <a:schemeClr val="tx1"/>
+                </a:solidFill>
+                <a:latin typeface="+mn-lt"/>
+                <a:ea typeface="+mn-ea"/>
+                <a:cs typeface="+mn-cs"/>
+              </a:defRPr>
+            </a:lvl5pPr>
+            <a:lvl6pPr marL="2286000" indent="0" algn="ctr" defTabSz="914400" rtl="0" eaLnBrk="1" latinLnBrk="0" hangingPunct="1">
+              <a:lnSpc>
+                <a:spcPct val="90000"/>
+              </a:lnSpc>
+              <a:spcBef>
+                <a:spcPts val="500"/>
+              </a:spcBef>
+              <a:buFont typeface="Arial" panose="020B0604020202020204" pitchFamily="34" charset="0"/>
+              <a:buNone/>
+              <a:defRPr sz="1600" kern="1200">
+                <a:solidFill>
+                  <a:schemeClr val="tx1"/>
+                </a:solidFill>
+                <a:latin typeface="+mn-lt"/>
+                <a:ea typeface="+mn-ea"/>
+                <a:cs typeface="+mn-cs"/>
+              </a:defRPr>
+            </a:lvl6pPr>
+            <a:lvl7pPr marL="2743200" indent="0" algn="ctr" defTabSz="914400" rtl="0" eaLnBrk="1" latinLnBrk="0" hangingPunct="1">
+              <a:lnSpc>
+                <a:spcPct val="90000"/>
+              </a:lnSpc>
+              <a:spcBef>
+                <a:spcPts val="500"/>
+              </a:spcBef>
+              <a:buFont typeface="Arial" panose="020B0604020202020204" pitchFamily="34" charset="0"/>
+              <a:buNone/>
+              <a:defRPr sz="1600" kern="1200">
+                <a:solidFill>
+                  <a:schemeClr val="tx1"/>
+                </a:solidFill>
+                <a:latin typeface="+mn-lt"/>
+                <a:ea typeface="+mn-ea"/>
+                <a:cs typeface="+mn-cs"/>
+              </a:defRPr>
+            </a:lvl7pPr>
+            <a:lvl8pPr marL="3200400" indent="0" algn="ctr" defTabSz="914400" rtl="0" eaLnBrk="1" latinLnBrk="0" hangingPunct="1">
+              <a:lnSpc>
+                <a:spcPct val="90000"/>
+              </a:lnSpc>
+              <a:spcBef>
+                <a:spcPts val="500"/>
+              </a:spcBef>
+              <a:buFont typeface="Arial" panose="020B0604020202020204" pitchFamily="34" charset="0"/>
+              <a:buNone/>
+              <a:defRPr sz="1600" kern="1200">
+                <a:solidFill>
+                  <a:schemeClr val="tx1"/>
+                </a:solidFill>
+                <a:latin typeface="+mn-lt"/>
+                <a:ea typeface="+mn-ea"/>
+                <a:cs typeface="+mn-cs"/>
+              </a:defRPr>
+            </a:lvl8pPr>
+            <a:lvl9pPr marL="3657600" indent="0" algn="ctr" defTabSz="914400" rtl="0" eaLnBrk="1" latinLnBrk="0" hangingPunct="1">
+              <a:lnSpc>
+                <a:spcPct val="90000"/>
+              </a:lnSpc>
+              <a:spcBef>
+                <a:spcPts val="500"/>
+              </a:spcBef>
+              <a:buFont typeface="Arial" panose="020B0604020202020204" pitchFamily="34" charset="0"/>
+              <a:buNone/>
+              <a:defRPr sz="1600" kern="1200">
+                <a:solidFill>
+                  <a:schemeClr val="tx1"/>
+                </a:solidFill>
+                <a:latin typeface="+mn-lt"/>
+                <a:ea typeface="+mn-ea"/>
+                <a:cs typeface="+mn-cs"/>
+              </a:defRPr>
+            </a:lvl9pPr>
+          </a:lstStyle>
+          <a:p>
+            <a:pPr marL="514350" indent="-514350" algn="l">
+              <a:buFont typeface="+mj-lt"/>
+              <a:buAutoNum type="arabicPeriod"/>
+            </a:pPr>
+            <a:r>
+              <a:rPr lang="it-IT" dirty="0">
+                <a:cs typeface="Times New Roman" panose="02020603050405020304" pitchFamily="18" charset="0"/>
+              </a:rPr>
+              <a:t>Definizione delle distribuzioni di </a:t>
+            </a:r>
+            <a:r>
+              <a:rPr lang="it-IT" dirty="0" err="1">
+                <a:cs typeface="Times New Roman" panose="02020603050405020304" pitchFamily="18" charset="0"/>
+              </a:rPr>
+              <a:t>severity</a:t>
+            </a:r>
+            <a:r>
+              <a:rPr lang="it-IT" dirty="0">
+                <a:cs typeface="Times New Roman" panose="02020603050405020304" pitchFamily="18" charset="0"/>
+              </a:rPr>
+              <a:t> e </a:t>
+            </a:r>
+            <a:r>
+              <a:rPr lang="it-IT" dirty="0" err="1">
+                <a:cs typeface="Times New Roman" panose="02020603050405020304" pitchFamily="18" charset="0"/>
+              </a:rPr>
+              <a:t>frequency</a:t>
+            </a:r>
+            <a:r>
+              <a:rPr lang="it-IT" dirty="0">
+                <a:cs typeface="Times New Roman" panose="02020603050405020304" pitchFamily="18" charset="0"/>
+              </a:rPr>
+              <a:t> ;</a:t>
+            </a:r>
+          </a:p>
+          <a:p>
+            <a:pPr marL="514350" indent="-514350" algn="l">
+              <a:buFont typeface="+mj-lt"/>
+              <a:buAutoNum type="arabicPeriod"/>
+            </a:pPr>
+            <a:r>
+              <a:rPr lang="it-IT" dirty="0">
+                <a:cs typeface="Times New Roman" panose="02020603050405020304" pitchFamily="18" charset="0"/>
+              </a:rPr>
+              <a:t>Generazione di un numero sufficiente di scenari di </a:t>
+            </a:r>
+            <a:r>
+              <a:rPr lang="it-IT" dirty="0" err="1">
+                <a:cs typeface="Times New Roman" panose="02020603050405020304" pitchFamily="18" charset="0"/>
+              </a:rPr>
+              <a:t>frequency</a:t>
+            </a:r>
+            <a:r>
+              <a:rPr lang="it-IT" dirty="0">
+                <a:cs typeface="Times New Roman" panose="02020603050405020304" pitchFamily="18" charset="0"/>
+              </a:rPr>
+              <a:t> e </a:t>
+            </a:r>
+            <a:r>
+              <a:rPr lang="it-IT" dirty="0" err="1">
+                <a:cs typeface="Times New Roman" panose="02020603050405020304" pitchFamily="18" charset="0"/>
+              </a:rPr>
+              <a:t>severity</a:t>
+            </a:r>
+            <a:r>
+              <a:rPr lang="it-IT" dirty="0">
+                <a:cs typeface="Times New Roman" panose="02020603050405020304" pitchFamily="18" charset="0"/>
+              </a:rPr>
+              <a:t>:</a:t>
+            </a:r>
+          </a:p>
+          <a:p>
+            <a:pPr marL="800100" lvl="1" indent="-342900" algn="l">
+              <a:buFont typeface="Arial" charset="0"/>
+              <a:buChar char="•"/>
+            </a:pPr>
+            <a:r>
+              <a:rPr lang="it-IT" sz="2400" dirty="0">
+                <a:cs typeface="Times New Roman" panose="02020603050405020304" pitchFamily="18" charset="0"/>
+              </a:rPr>
+              <a:t>si genera un certo numero casuale k estraendolo dalla distribuzione di </a:t>
+            </a:r>
+            <a:r>
+              <a:rPr lang="it-IT" sz="2400" dirty="0" err="1">
+                <a:cs typeface="Times New Roman" panose="02020603050405020304" pitchFamily="18" charset="0"/>
+              </a:rPr>
+              <a:t>frequency</a:t>
+            </a:r>
+            <a:r>
+              <a:rPr lang="it-IT" sz="2400" dirty="0">
+                <a:cs typeface="Times New Roman" panose="02020603050405020304" pitchFamily="18" charset="0"/>
+              </a:rPr>
+              <a:t>;</a:t>
+            </a:r>
+          </a:p>
+          <a:p>
+            <a:pPr marL="800100" lvl="1" indent="-342900" algn="l">
+              <a:buFont typeface="Arial" charset="0"/>
+              <a:buChar char="•"/>
+            </a:pPr>
+            <a:r>
+              <a:rPr lang="it-IT" sz="2400" dirty="0">
+                <a:cs typeface="Times New Roman" panose="02020603050405020304" pitchFamily="18" charset="0"/>
+              </a:rPr>
+              <a:t>si generano k variabili x</a:t>
+            </a:r>
+            <a:r>
+              <a:rPr lang="it-IT" sz="2400" baseline="-25000" dirty="0">
+                <a:cs typeface="Times New Roman" panose="02020603050405020304" pitchFamily="18" charset="0"/>
+              </a:rPr>
+              <a:t>i </a:t>
+            </a:r>
+            <a:r>
+              <a:rPr lang="it-IT" sz="2400" dirty="0">
+                <a:cs typeface="Times New Roman" panose="02020603050405020304" pitchFamily="18" charset="0"/>
+              </a:rPr>
+              <a:t>campionate dalla distribuzione di </a:t>
+            </a:r>
+            <a:r>
+              <a:rPr lang="it-IT" sz="2400" dirty="0" err="1">
+                <a:cs typeface="Times New Roman" panose="02020603050405020304" pitchFamily="18" charset="0"/>
+              </a:rPr>
+              <a:t>severity</a:t>
+            </a:r>
+            <a:r>
+              <a:rPr lang="it-IT" sz="2400" dirty="0">
+                <a:cs typeface="Times New Roman" panose="02020603050405020304" pitchFamily="18" charset="0"/>
+              </a:rPr>
+              <a:t>;</a:t>
+            </a:r>
+          </a:p>
+          <a:p>
+            <a:pPr marL="514350" indent="-514350" algn="l">
+              <a:buFont typeface="+mj-lt"/>
+              <a:buAutoNum type="arabicPeriod"/>
+            </a:pPr>
+            <a:r>
+              <a:rPr lang="it-IT" dirty="0">
+                <a:cs typeface="Times New Roman" panose="02020603050405020304" pitchFamily="18" charset="0"/>
+              </a:rPr>
+              <a:t>Si sommano le k variabili xi individuate e si trova L (perdita operativa);</a:t>
+            </a:r>
+          </a:p>
+          <a:p>
+            <a:pPr marL="514350" indent="-514350" algn="l">
+              <a:buFont typeface="+mj-lt"/>
+              <a:buAutoNum type="arabicPeriod"/>
+            </a:pPr>
+            <a:r>
+              <a:rPr lang="it-IT" dirty="0">
+                <a:cs typeface="Times New Roman" panose="02020603050405020304" pitchFamily="18" charset="0"/>
+              </a:rPr>
+              <a:t>Si ripete il processo per un numero sufficientemente grande di scenari e si studia la distribuzione delle perdite operative così ottenuta;</a:t>
+            </a:r>
+          </a:p>
+          <a:p>
+            <a:pPr marL="514350" indent="-514350" algn="l">
+              <a:buFont typeface="+mj-lt"/>
+              <a:buAutoNum type="arabicPeriod"/>
+            </a:pPr>
+            <a:r>
+              <a:rPr lang="it-IT" dirty="0">
+                <a:cs typeface="Times New Roman" panose="02020603050405020304" pitchFamily="18" charset="0"/>
+              </a:rPr>
+              <a:t>Dalla distribuzione cumulativa empirica di L si individua il </a:t>
+            </a:r>
+            <a:r>
+              <a:rPr lang="it-IT" dirty="0" err="1">
+                <a:cs typeface="Times New Roman" panose="02020603050405020304" pitchFamily="18" charset="0"/>
+              </a:rPr>
+              <a:t>VaR</a:t>
+            </a:r>
+            <a:r>
+              <a:rPr lang="it-IT" dirty="0">
+                <a:cs typeface="Times New Roman" panose="02020603050405020304" pitchFamily="18" charset="0"/>
+              </a:rPr>
+              <a:t> come percentile al livello desiderato</a:t>
+            </a:r>
+          </a:p>
+          <a:p>
+            <a:pPr marL="514350" indent="-514350" algn="l">
+              <a:buFont typeface="+mj-lt"/>
+              <a:buAutoNum type="arabicPeriod"/>
+            </a:pPr>
+            <a:endParaRPr lang="it-IT" dirty="0"/>
+          </a:p>
+        </p:txBody>
+      </p:sp>
+      <p:sp>
+        <p:nvSpPr>
+          <p:cNvPr id="7" name="CasellaDiTesto 6"/>
+          <p:cNvSpPr txBox="1"/>
+          <p:nvPr/>
+        </p:nvSpPr>
+        <p:spPr>
+          <a:xfrm>
+            <a:off x="1172814" y="6308035"/>
+            <a:ext cx="9846368" cy="261610"/>
+          </a:xfrm>
+          <a:prstGeom prst="rect">
+            <a:avLst/>
+          </a:prstGeom>
+          <a:noFill/>
+        </p:spPr>
+        <p:txBody>
+          <a:bodyPr wrap="square" rtlCol="0">
+            <a:spAutoFit/>
+          </a:bodyPr>
+          <a:lstStyle/>
+          <a:p>
+            <a:pPr algn="ctr"/>
+            <a:r>
+              <a:rPr lang="it-IT" sz="1100" i="1" dirty="0"/>
+              <a:t>ERIK HOLLER  - ELIA SCARPARO- STEFANO ZAMPIERO</a:t>
+            </a:r>
+          </a:p>
+        </p:txBody>
+      </p:sp>
+      <p:sp>
+        <p:nvSpPr>
+          <p:cNvPr id="9" name="CasellaDiTesto 8"/>
+          <p:cNvSpPr txBox="1"/>
+          <p:nvPr/>
+        </p:nvSpPr>
+        <p:spPr>
+          <a:xfrm>
+            <a:off x="7281376" y="112014"/>
+            <a:ext cx="4532908" cy="307777"/>
+          </a:xfrm>
+          <a:prstGeom prst="rect">
+            <a:avLst/>
+          </a:prstGeom>
+          <a:noFill/>
+        </p:spPr>
+        <p:txBody>
+          <a:bodyPr wrap="none" rtlCol="0">
+            <a:spAutoFit/>
+          </a:bodyPr>
+          <a:lstStyle/>
+          <a:p>
+            <a:r>
+              <a:rPr lang="it-IT" sz="1400" i="1" dirty="0"/>
+              <a:t>LABORATORIO DI SIMULAZIONI FINANZIARIE A.A. 2017-2018</a:t>
+            </a:r>
+          </a:p>
+        </p:txBody>
+      </p:sp>
+      <p:sp>
+        <p:nvSpPr>
+          <p:cNvPr id="10" name="Titolo 1">
+            <a:extLst>
+              <a:ext uri="{FF2B5EF4-FFF2-40B4-BE49-F238E27FC236}">
+                <a16:creationId xmlns="" xmlns:a16="http://schemas.microsoft.com/office/drawing/2014/main" id="{667D2EFC-04B2-4A15-B3B1-B8C3D6F915C3}"/>
+              </a:ext>
+            </a:extLst>
+          </p:cNvPr>
+          <p:cNvSpPr txBox="1">
+            <a:spLocks/>
+          </p:cNvSpPr>
+          <p:nvPr/>
+        </p:nvSpPr>
+        <p:spPr>
+          <a:xfrm>
+            <a:off x="842961" y="419791"/>
+            <a:ext cx="10734675" cy="1325563"/>
+          </a:xfrm>
+          <a:prstGeom prst="rect">
+            <a:avLst/>
+          </a:prstGeom>
+        </p:spPr>
+        <p:txBody>
+          <a:bodyPr vert="horz" lIns="91440" tIns="45720" rIns="91440" bIns="45720" rtlCol="0" anchor="b">
+            <a:normAutofit fontScale="97500"/>
+          </a:bodyPr>
+          <a:lstStyle>
+            <a:lvl1pPr algn="ctr" defTabSz="914400" rtl="0" eaLnBrk="1" latinLnBrk="0" hangingPunct="1">
+              <a:lnSpc>
+                <a:spcPct val="90000"/>
+              </a:lnSpc>
+              <a:spcBef>
+                <a:spcPct val="0"/>
+              </a:spcBef>
+              <a:buNone/>
+              <a:defRPr sz="6000" kern="1200">
+                <a:solidFill>
+                  <a:schemeClr val="tx1"/>
+                </a:solidFill>
+                <a:latin typeface="+mj-lt"/>
+                <a:ea typeface="+mj-ea"/>
+                <a:cs typeface="+mj-cs"/>
+              </a:defRPr>
+            </a:lvl1pPr>
+          </a:lstStyle>
+          <a:p>
+            <a:r>
+              <a:rPr lang="it-IT" sz="4000" dirty="0">
+                <a:latin typeface="+mn-lt"/>
+                <a:cs typeface="Times New Roman" panose="02020603050405020304" pitchFamily="18" charset="0"/>
+              </a:rPr>
+              <a:t>Modellizzazione della perdita e simulazione </a:t>
+            </a:r>
+            <a:r>
+              <a:rPr lang="it-IT" sz="4000" b="1" dirty="0">
+                <a:latin typeface="+mn-lt"/>
+                <a:cs typeface="Times New Roman" panose="02020603050405020304" pitchFamily="18" charset="0"/>
+              </a:rPr>
+              <a:t>Monte Carlo</a:t>
+            </a:r>
+          </a:p>
+        </p:txBody>
+      </p:sp>
+    </p:spTree>
+    <p:extLst>
+      <p:ext uri="{BB962C8B-B14F-4D97-AF65-F5344CB8AC3E}">
+        <p14:creationId xmlns:p14="http://schemas.microsoft.com/office/powerpoint/2010/main" val="882985552"/>
+      </p:ext>
+    </p:extLst>
+  </p:cSld>
+  <p:clrMapOvr>
+    <a:masterClrMapping/>
+  </p:clrMapOvr>
+  <p:timing>
+    <p:tnLst>
+      <p:par>
+        <p:cTn id="1" dur="indefinite" restart="never" nodeType="tmRoot"/>
+      </p:par>
+    </p:tnLst>
+  </p:timing>
+</p:sld>
+</file>
+
+<file path=ppt/slides/slide19.xml><?xml version="1.0" encoding="utf-8"?>
 <p:sld xmlns:a="http://schemas.openxmlformats.org/drawingml/2006/main" xmlns:r="http://schemas.openxmlformats.org/officeDocument/2006/relationships" xmlns:p="http://schemas.openxmlformats.org/presentationml/2006/main">
   <p:cSld>
     <p:spTree>
@@ -14106,2544 +16670,13 @@
   <p:clrMapOvr>
     <a:masterClrMapping/>
   </p:clrMapOvr>
-</p:sld>
-</file>
-
-<file path=ppt/slides/slide15.xml><?xml version="1.0" encoding="utf-8"?>
-<p:sld xmlns:a="http://schemas.openxmlformats.org/drawingml/2006/main" xmlns:r="http://schemas.openxmlformats.org/officeDocument/2006/relationships" xmlns:p="http://schemas.openxmlformats.org/presentationml/2006/main">
-  <p:cSld>
-    <p:spTree>
-      <p:nvGrpSpPr>
-        <p:cNvPr id="1" name=""/>
-        <p:cNvGrpSpPr/>
-        <p:nvPr/>
-      </p:nvGrpSpPr>
-      <p:grpSpPr>
-        <a:xfrm>
-          <a:off x="0" y="0"/>
-          <a:ext cx="0" cy="0"/>
-          <a:chOff x="0" y="0"/>
-          <a:chExt cx="0" cy="0"/>
-        </a:xfrm>
-      </p:grpSpPr>
-      <p:sp>
-        <p:nvSpPr>
-          <p:cNvPr id="4" name="Titolo 1"/>
-          <p:cNvSpPr txBox="1">
-            <a:spLocks/>
-          </p:cNvSpPr>
-          <p:nvPr/>
-        </p:nvSpPr>
-        <p:spPr>
-          <a:xfrm>
-            <a:off x="838198" y="91726"/>
-            <a:ext cx="10515600" cy="1325563"/>
-          </a:xfrm>
-          <a:prstGeom prst="rect">
-            <a:avLst/>
-          </a:prstGeom>
-        </p:spPr>
-        <p:txBody>
-          <a:bodyPr vert="horz" lIns="91440" tIns="45720" rIns="91440" bIns="45720" rtlCol="0" anchor="b">
-            <a:normAutofit/>
-          </a:bodyPr>
-          <a:lstStyle>
-            <a:lvl1pPr algn="ctr" defTabSz="914400" rtl="0" eaLnBrk="1" latinLnBrk="0" hangingPunct="1">
-              <a:lnSpc>
-                <a:spcPct val="90000"/>
-              </a:lnSpc>
-              <a:spcBef>
-                <a:spcPct val="0"/>
-              </a:spcBef>
-              <a:buNone/>
-              <a:defRPr sz="6000" kern="1200">
-                <a:solidFill>
-                  <a:schemeClr val="tx1"/>
-                </a:solidFill>
-                <a:latin typeface="+mj-lt"/>
-                <a:ea typeface="+mj-ea"/>
-                <a:cs typeface="+mj-cs"/>
-              </a:defRPr>
-            </a:lvl1pPr>
-          </a:lstStyle>
-          <a:p>
-            <a:endParaRPr lang="it-IT" sz="4000" dirty="0">
-              <a:latin typeface="Bodoni MT" pitchFamily="18" charset="0"/>
-            </a:endParaRPr>
-          </a:p>
-        </p:txBody>
-      </p:sp>
-      <p:sp>
-        <p:nvSpPr>
-          <p:cNvPr id="7" name="CasellaDiTesto 6"/>
-          <p:cNvSpPr txBox="1"/>
-          <p:nvPr/>
-        </p:nvSpPr>
-        <p:spPr>
-          <a:xfrm>
-            <a:off x="1172814" y="6308035"/>
-            <a:ext cx="9846368" cy="261610"/>
-          </a:xfrm>
-          <a:prstGeom prst="rect">
-            <a:avLst/>
-          </a:prstGeom>
-          <a:noFill/>
-        </p:spPr>
-        <p:txBody>
-          <a:bodyPr wrap="square" rtlCol="0">
-            <a:spAutoFit/>
-          </a:bodyPr>
-          <a:lstStyle/>
-          <a:p>
-            <a:pPr algn="ctr"/>
-            <a:r>
-              <a:rPr lang="it-IT" sz="1100" i="1" dirty="0"/>
-              <a:t>ERIK HOLLER  - ELIA SCARPARO- STEFANO ZAMPIERO</a:t>
-            </a:r>
-          </a:p>
-        </p:txBody>
-      </p:sp>
-      <p:sp>
-        <p:nvSpPr>
-          <p:cNvPr id="9" name="CasellaDiTesto 8"/>
-          <p:cNvSpPr txBox="1"/>
-          <p:nvPr/>
-        </p:nvSpPr>
-        <p:spPr>
-          <a:xfrm>
-            <a:off x="7281376" y="112014"/>
-            <a:ext cx="4532908" cy="307777"/>
-          </a:xfrm>
-          <a:prstGeom prst="rect">
-            <a:avLst/>
-          </a:prstGeom>
-          <a:noFill/>
-        </p:spPr>
-        <p:txBody>
-          <a:bodyPr wrap="none" rtlCol="0">
-            <a:spAutoFit/>
-          </a:bodyPr>
-          <a:lstStyle/>
-          <a:p>
-            <a:r>
-              <a:rPr lang="it-IT" sz="1400" i="1" dirty="0"/>
-              <a:t>LABORATORIO DI SIMULAZIONI FINANZIARIE A.A. 2017-2018</a:t>
-            </a:r>
-          </a:p>
-        </p:txBody>
-      </p:sp>
-      <p:sp>
-        <p:nvSpPr>
-          <p:cNvPr id="10" name="Titolo 1"/>
-          <p:cNvSpPr txBox="1">
-            <a:spLocks/>
-          </p:cNvSpPr>
-          <p:nvPr/>
-        </p:nvSpPr>
-        <p:spPr>
-          <a:xfrm>
-            <a:off x="1206723" y="244126"/>
-            <a:ext cx="10515600" cy="1325563"/>
-          </a:xfrm>
-          <a:prstGeom prst="rect">
-            <a:avLst/>
-          </a:prstGeom>
-        </p:spPr>
-        <p:txBody>
-          <a:bodyPr vert="horz" lIns="91440" tIns="45720" rIns="91440" bIns="45720" rtlCol="0" anchor="b">
-            <a:normAutofit/>
-          </a:bodyPr>
-          <a:lstStyle>
-            <a:lvl1pPr algn="ctr" defTabSz="914400" rtl="0" eaLnBrk="1" latinLnBrk="0" hangingPunct="1">
-              <a:lnSpc>
-                <a:spcPct val="90000"/>
-              </a:lnSpc>
-              <a:spcBef>
-                <a:spcPct val="0"/>
-              </a:spcBef>
-              <a:buNone/>
-              <a:defRPr sz="6000" kern="1200">
-                <a:solidFill>
-                  <a:schemeClr val="tx1"/>
-                </a:solidFill>
-                <a:latin typeface="+mj-lt"/>
-                <a:ea typeface="+mj-ea"/>
-                <a:cs typeface="+mj-cs"/>
-              </a:defRPr>
-            </a:lvl1pPr>
-          </a:lstStyle>
-          <a:p>
-            <a:r>
-              <a:rPr lang="it-IT" sz="4000" dirty="0">
-                <a:latin typeface="+mn-lt"/>
-              </a:rPr>
-              <a:t>Vediamo alcuni valori della matrice L </a:t>
-            </a:r>
-            <a:endParaRPr lang="it-IT" sz="4000" b="1" i="1" dirty="0">
-              <a:latin typeface="+mn-lt"/>
-            </a:endParaRPr>
-          </a:p>
-        </p:txBody>
-      </p:sp>
-      <p:pic>
-        <p:nvPicPr>
-          <p:cNvPr id="12" name="Immagine 11"/>
-          <p:cNvPicPr/>
-          <p:nvPr/>
-        </p:nvPicPr>
-        <p:blipFill>
-          <a:blip r:embed="rId2">
-            <a:extLst>
-              <a:ext uri="{28A0092B-C50C-407E-A947-70E740481C1C}">
-                <a14:useLocalDpi xmlns:a14="http://schemas.microsoft.com/office/drawing/2010/main" val="0"/>
-              </a:ext>
-            </a:extLst>
-          </a:blip>
-          <a:srcRect/>
-          <a:stretch>
-            <a:fillRect/>
-          </a:stretch>
-        </p:blipFill>
-        <p:spPr bwMode="auto">
-          <a:xfrm>
-            <a:off x="1337733" y="2438400"/>
-            <a:ext cx="10016065" cy="1727200"/>
-          </a:xfrm>
-          <a:prstGeom prst="rect">
-            <a:avLst/>
-          </a:prstGeom>
-          <a:noFill/>
-          <a:ln>
-            <a:noFill/>
-          </a:ln>
-        </p:spPr>
-      </p:pic>
-    </p:spTree>
-    <p:extLst>
-      <p:ext uri="{BB962C8B-B14F-4D97-AF65-F5344CB8AC3E}">
-        <p14:creationId xmlns:p14="http://schemas.microsoft.com/office/powerpoint/2010/main" val="1690921420"/>
-      </p:ext>
-    </p:extLst>
-  </p:cSld>
-  <p:clrMapOvr>
-    <a:masterClrMapping/>
-  </p:clrMapOvr>
-</p:sld>
-</file>
-
-<file path=ppt/slides/slide16.xml><?xml version="1.0" encoding="utf-8"?>
-<p:sld xmlns:a="http://schemas.openxmlformats.org/drawingml/2006/main" xmlns:r="http://schemas.openxmlformats.org/officeDocument/2006/relationships" xmlns:p="http://schemas.openxmlformats.org/presentationml/2006/main">
-  <p:cSld>
-    <p:spTree>
-      <p:nvGrpSpPr>
-        <p:cNvPr id="1" name=""/>
-        <p:cNvGrpSpPr/>
-        <p:nvPr/>
-      </p:nvGrpSpPr>
-      <p:grpSpPr>
-        <a:xfrm>
-          <a:off x="0" y="0"/>
-          <a:ext cx="0" cy="0"/>
-          <a:chOff x="0" y="0"/>
-          <a:chExt cx="0" cy="0"/>
-        </a:xfrm>
-      </p:grpSpPr>
-      <p:sp>
-        <p:nvSpPr>
-          <p:cNvPr id="4" name="Titolo 1"/>
-          <p:cNvSpPr txBox="1">
-            <a:spLocks/>
-          </p:cNvSpPr>
-          <p:nvPr/>
-        </p:nvSpPr>
-        <p:spPr>
-          <a:xfrm>
-            <a:off x="838198" y="91726"/>
-            <a:ext cx="10515600" cy="1325563"/>
-          </a:xfrm>
-          <a:prstGeom prst="rect">
-            <a:avLst/>
-          </a:prstGeom>
-        </p:spPr>
-        <p:txBody>
-          <a:bodyPr vert="horz" lIns="91440" tIns="45720" rIns="91440" bIns="45720" rtlCol="0" anchor="b">
-            <a:normAutofit/>
-          </a:bodyPr>
-          <a:lstStyle>
-            <a:lvl1pPr algn="ctr" defTabSz="914400" rtl="0" eaLnBrk="1" latinLnBrk="0" hangingPunct="1">
-              <a:lnSpc>
-                <a:spcPct val="90000"/>
-              </a:lnSpc>
-              <a:spcBef>
-                <a:spcPct val="0"/>
-              </a:spcBef>
-              <a:buNone/>
-              <a:defRPr sz="6000" kern="1200">
-                <a:solidFill>
-                  <a:schemeClr val="tx1"/>
-                </a:solidFill>
-                <a:latin typeface="+mj-lt"/>
-                <a:ea typeface="+mj-ea"/>
-                <a:cs typeface="+mj-cs"/>
-              </a:defRPr>
-            </a:lvl1pPr>
-          </a:lstStyle>
-          <a:p>
-            <a:endParaRPr lang="it-IT" sz="4000" dirty="0">
-              <a:latin typeface="Bodoni MT" pitchFamily="18" charset="0"/>
-            </a:endParaRPr>
-          </a:p>
-        </p:txBody>
-      </p:sp>
-      <p:sp>
-        <p:nvSpPr>
-          <p:cNvPr id="5" name="Segnaposto contenuto 2"/>
-          <p:cNvSpPr txBox="1">
-            <a:spLocks/>
-          </p:cNvSpPr>
-          <p:nvPr/>
-        </p:nvSpPr>
-        <p:spPr>
-          <a:xfrm>
-            <a:off x="838200" y="2285999"/>
-            <a:ext cx="10515600" cy="3849903"/>
-          </a:xfrm>
-          <a:prstGeom prst="rect">
-            <a:avLst/>
-          </a:prstGeom>
-        </p:spPr>
-        <p:txBody>
-          <a:bodyPr vert="horz" lIns="91440" tIns="45720" rIns="91440" bIns="45720" rtlCol="0">
-            <a:normAutofit/>
-          </a:bodyPr>
-          <a:lstStyle>
-            <a:lvl1pPr marL="0" indent="0" algn="ctr" defTabSz="914400" rtl="0" eaLnBrk="1" latinLnBrk="0" hangingPunct="1">
-              <a:lnSpc>
-                <a:spcPct val="90000"/>
-              </a:lnSpc>
-              <a:spcBef>
-                <a:spcPts val="1000"/>
-              </a:spcBef>
-              <a:buFont typeface="Arial" panose="020B0604020202020204" pitchFamily="34" charset="0"/>
-              <a:buNone/>
-              <a:defRPr sz="2400" kern="1200">
-                <a:solidFill>
-                  <a:schemeClr val="tx1"/>
-                </a:solidFill>
-                <a:latin typeface="+mn-lt"/>
-                <a:ea typeface="+mn-ea"/>
-                <a:cs typeface="+mn-cs"/>
-              </a:defRPr>
-            </a:lvl1pPr>
-            <a:lvl2pPr marL="457200" indent="0" algn="ctr" defTabSz="914400" rtl="0" eaLnBrk="1" latinLnBrk="0" hangingPunct="1">
-              <a:lnSpc>
-                <a:spcPct val="90000"/>
-              </a:lnSpc>
-              <a:spcBef>
-                <a:spcPts val="500"/>
-              </a:spcBef>
-              <a:buFont typeface="Arial" panose="020B0604020202020204" pitchFamily="34" charset="0"/>
-              <a:buNone/>
-              <a:defRPr sz="2000" kern="1200">
-                <a:solidFill>
-                  <a:schemeClr val="tx1"/>
-                </a:solidFill>
-                <a:latin typeface="+mn-lt"/>
-                <a:ea typeface="+mn-ea"/>
-                <a:cs typeface="+mn-cs"/>
-              </a:defRPr>
-            </a:lvl2pPr>
-            <a:lvl3pPr marL="914400" indent="0" algn="ctr" defTabSz="914400" rtl="0" eaLnBrk="1" latinLnBrk="0" hangingPunct="1">
-              <a:lnSpc>
-                <a:spcPct val="90000"/>
-              </a:lnSpc>
-              <a:spcBef>
-                <a:spcPts val="500"/>
-              </a:spcBef>
-              <a:buFont typeface="Arial" panose="020B0604020202020204" pitchFamily="34" charset="0"/>
-              <a:buNone/>
-              <a:defRPr sz="1800" kern="1200">
-                <a:solidFill>
-                  <a:schemeClr val="tx1"/>
-                </a:solidFill>
-                <a:latin typeface="+mn-lt"/>
-                <a:ea typeface="+mn-ea"/>
-                <a:cs typeface="+mn-cs"/>
-              </a:defRPr>
-            </a:lvl3pPr>
-            <a:lvl4pPr marL="1371600" indent="0" algn="ctr" defTabSz="914400" rtl="0" eaLnBrk="1" latinLnBrk="0" hangingPunct="1">
-              <a:lnSpc>
-                <a:spcPct val="90000"/>
-              </a:lnSpc>
-              <a:spcBef>
-                <a:spcPts val="500"/>
-              </a:spcBef>
-              <a:buFont typeface="Arial" panose="020B0604020202020204" pitchFamily="34" charset="0"/>
-              <a:buNone/>
-              <a:defRPr sz="1600" kern="1200">
-                <a:solidFill>
-                  <a:schemeClr val="tx1"/>
-                </a:solidFill>
-                <a:latin typeface="+mn-lt"/>
-                <a:ea typeface="+mn-ea"/>
-                <a:cs typeface="+mn-cs"/>
-              </a:defRPr>
-            </a:lvl4pPr>
-            <a:lvl5pPr marL="1828800" indent="0" algn="ctr" defTabSz="914400" rtl="0" eaLnBrk="1" latinLnBrk="0" hangingPunct="1">
-              <a:lnSpc>
-                <a:spcPct val="90000"/>
-              </a:lnSpc>
-              <a:spcBef>
-                <a:spcPts val="500"/>
-              </a:spcBef>
-              <a:buFont typeface="Arial" panose="020B0604020202020204" pitchFamily="34" charset="0"/>
-              <a:buNone/>
-              <a:defRPr sz="1600" kern="1200">
-                <a:solidFill>
-                  <a:schemeClr val="tx1"/>
-                </a:solidFill>
-                <a:latin typeface="+mn-lt"/>
-                <a:ea typeface="+mn-ea"/>
-                <a:cs typeface="+mn-cs"/>
-              </a:defRPr>
-            </a:lvl5pPr>
-            <a:lvl6pPr marL="2286000" indent="0" algn="ctr" defTabSz="914400" rtl="0" eaLnBrk="1" latinLnBrk="0" hangingPunct="1">
-              <a:lnSpc>
-                <a:spcPct val="90000"/>
-              </a:lnSpc>
-              <a:spcBef>
-                <a:spcPts val="500"/>
-              </a:spcBef>
-              <a:buFont typeface="Arial" panose="020B0604020202020204" pitchFamily="34" charset="0"/>
-              <a:buNone/>
-              <a:defRPr sz="1600" kern="1200">
-                <a:solidFill>
-                  <a:schemeClr val="tx1"/>
-                </a:solidFill>
-                <a:latin typeface="+mn-lt"/>
-                <a:ea typeface="+mn-ea"/>
-                <a:cs typeface="+mn-cs"/>
-              </a:defRPr>
-            </a:lvl6pPr>
-            <a:lvl7pPr marL="2743200" indent="0" algn="ctr" defTabSz="914400" rtl="0" eaLnBrk="1" latinLnBrk="0" hangingPunct="1">
-              <a:lnSpc>
-                <a:spcPct val="90000"/>
-              </a:lnSpc>
-              <a:spcBef>
-                <a:spcPts val="500"/>
-              </a:spcBef>
-              <a:buFont typeface="Arial" panose="020B0604020202020204" pitchFamily="34" charset="0"/>
-              <a:buNone/>
-              <a:defRPr sz="1600" kern="1200">
-                <a:solidFill>
-                  <a:schemeClr val="tx1"/>
-                </a:solidFill>
-                <a:latin typeface="+mn-lt"/>
-                <a:ea typeface="+mn-ea"/>
-                <a:cs typeface="+mn-cs"/>
-              </a:defRPr>
-            </a:lvl7pPr>
-            <a:lvl8pPr marL="3200400" indent="0" algn="ctr" defTabSz="914400" rtl="0" eaLnBrk="1" latinLnBrk="0" hangingPunct="1">
-              <a:lnSpc>
-                <a:spcPct val="90000"/>
-              </a:lnSpc>
-              <a:spcBef>
-                <a:spcPts val="500"/>
-              </a:spcBef>
-              <a:buFont typeface="Arial" panose="020B0604020202020204" pitchFamily="34" charset="0"/>
-              <a:buNone/>
-              <a:defRPr sz="1600" kern="1200">
-                <a:solidFill>
-                  <a:schemeClr val="tx1"/>
-                </a:solidFill>
-                <a:latin typeface="+mn-lt"/>
-                <a:ea typeface="+mn-ea"/>
-                <a:cs typeface="+mn-cs"/>
-              </a:defRPr>
-            </a:lvl8pPr>
-            <a:lvl9pPr marL="3657600" indent="0" algn="ctr" defTabSz="914400" rtl="0" eaLnBrk="1" latinLnBrk="0" hangingPunct="1">
-              <a:lnSpc>
-                <a:spcPct val="90000"/>
-              </a:lnSpc>
-              <a:spcBef>
-                <a:spcPts val="500"/>
-              </a:spcBef>
-              <a:buFont typeface="Arial" panose="020B0604020202020204" pitchFamily="34" charset="0"/>
-              <a:buNone/>
-              <a:defRPr sz="1600" kern="1200">
-                <a:solidFill>
-                  <a:schemeClr val="tx1"/>
-                </a:solidFill>
-                <a:latin typeface="+mn-lt"/>
-                <a:ea typeface="+mn-ea"/>
-                <a:cs typeface="+mn-cs"/>
-              </a:defRPr>
-            </a:lvl9pPr>
-          </a:lstStyle>
-          <a:p>
-            <a:pPr marL="514350" indent="-514350" algn="l">
-              <a:buFont typeface="+mj-lt"/>
-              <a:buAutoNum type="arabicPeriod"/>
-            </a:pPr>
-            <a:r>
-              <a:rPr lang="it-IT" dirty="0"/>
-              <a:t>Il rischio operativo a livello attuariale </a:t>
-            </a:r>
-          </a:p>
-          <a:p>
-            <a:pPr marL="514350" indent="-514350" algn="l">
-              <a:buFont typeface="+mj-lt"/>
-              <a:buAutoNum type="arabicPeriod"/>
-            </a:pPr>
-            <a:r>
-              <a:rPr lang="it-IT" dirty="0"/>
-              <a:t>Il </a:t>
-            </a:r>
-            <a:r>
-              <a:rPr lang="it-IT" dirty="0" err="1"/>
-              <a:t>Loss</a:t>
-            </a:r>
-            <a:r>
-              <a:rPr lang="it-IT" dirty="0"/>
-              <a:t> Distribution </a:t>
-            </a:r>
-            <a:r>
-              <a:rPr lang="it-IT" dirty="0" err="1"/>
-              <a:t>Approach</a:t>
-            </a:r>
-            <a:r>
-              <a:rPr lang="it-IT" dirty="0"/>
-              <a:t> (LDA)</a:t>
-            </a:r>
-          </a:p>
-          <a:p>
-            <a:pPr marL="514350" indent="-514350" algn="l">
-              <a:buFont typeface="+mj-lt"/>
-              <a:buAutoNum type="arabicPeriod"/>
-            </a:pPr>
-            <a:r>
-              <a:rPr lang="it-IT" b="1" dirty="0">
-                <a:solidFill>
-                  <a:srgbClr val="00B050"/>
-                </a:solidFill>
-              </a:rPr>
-              <a:t>Indicatori di rischio: VAR (</a:t>
-            </a:r>
-            <a:r>
-              <a:rPr lang="it-IT" b="1" i="1" dirty="0">
-                <a:solidFill>
-                  <a:srgbClr val="00B050"/>
-                </a:solidFill>
-              </a:rPr>
-              <a:t>Value </a:t>
-            </a:r>
-            <a:r>
-              <a:rPr lang="it-IT" b="1" i="1" dirty="0" err="1">
-                <a:solidFill>
-                  <a:srgbClr val="00B050"/>
-                </a:solidFill>
-              </a:rPr>
-              <a:t>at</a:t>
-            </a:r>
-            <a:r>
-              <a:rPr lang="it-IT" b="1" i="1" dirty="0">
-                <a:solidFill>
-                  <a:srgbClr val="00B050"/>
-                </a:solidFill>
-              </a:rPr>
-              <a:t> </a:t>
-            </a:r>
-            <a:r>
-              <a:rPr lang="it-IT" b="1" i="1" dirty="0" err="1">
-                <a:solidFill>
-                  <a:srgbClr val="00B050"/>
-                </a:solidFill>
-              </a:rPr>
-              <a:t>risk</a:t>
-            </a:r>
-            <a:r>
-              <a:rPr lang="it-IT" b="1" dirty="0">
-                <a:solidFill>
-                  <a:srgbClr val="00B050"/>
-                </a:solidFill>
-              </a:rPr>
-              <a:t>) &amp; CAR (</a:t>
-            </a:r>
-            <a:r>
-              <a:rPr lang="it-IT" b="1" i="1" dirty="0">
-                <a:solidFill>
-                  <a:srgbClr val="00B050"/>
-                </a:solidFill>
-              </a:rPr>
-              <a:t>Capital </a:t>
-            </a:r>
-            <a:r>
-              <a:rPr lang="it-IT" b="1" i="1" dirty="0" err="1">
-                <a:solidFill>
-                  <a:srgbClr val="00B050"/>
-                </a:solidFill>
-              </a:rPr>
-              <a:t>at</a:t>
-            </a:r>
-            <a:r>
-              <a:rPr lang="it-IT" b="1" i="1" dirty="0">
-                <a:solidFill>
-                  <a:srgbClr val="00B050"/>
-                </a:solidFill>
-              </a:rPr>
-              <a:t> </a:t>
-            </a:r>
-            <a:r>
-              <a:rPr lang="it-IT" b="1" i="1" dirty="0" err="1">
-                <a:solidFill>
-                  <a:srgbClr val="00B050"/>
-                </a:solidFill>
-              </a:rPr>
-              <a:t>risk</a:t>
-            </a:r>
-            <a:r>
-              <a:rPr lang="it-IT" b="1" dirty="0">
-                <a:solidFill>
-                  <a:srgbClr val="00B050"/>
-                </a:solidFill>
-              </a:rPr>
-              <a:t>)</a:t>
-            </a:r>
-          </a:p>
-          <a:p>
-            <a:pPr marL="514350" indent="-514350" algn="l">
-              <a:buFont typeface="+mj-lt"/>
-              <a:buAutoNum type="arabicPeriod"/>
-            </a:pPr>
-            <a:r>
-              <a:rPr lang="it-IT" dirty="0"/>
-              <a:t>Applicazioni: modellizzazione della perdita e simulazione monte </a:t>
-            </a:r>
-            <a:r>
-              <a:rPr lang="it-IT" dirty="0" err="1"/>
-              <a:t>carlo</a:t>
-            </a:r>
-            <a:endParaRPr lang="it-IT" dirty="0"/>
-          </a:p>
-          <a:p>
-            <a:pPr marL="514350" indent="-514350" algn="l">
-              <a:buFont typeface="+mj-lt"/>
-              <a:buAutoNum type="arabicPeriod"/>
-            </a:pPr>
-            <a:r>
-              <a:rPr lang="it-IT" dirty="0"/>
-              <a:t>Confronto fra distribuzioni</a:t>
-            </a:r>
-          </a:p>
-          <a:p>
-            <a:pPr marL="514350" indent="-514350" algn="l">
-              <a:buFont typeface="+mj-lt"/>
-              <a:buAutoNum type="arabicPeriod"/>
-            </a:pPr>
-            <a:r>
-              <a:rPr lang="it-IT" dirty="0"/>
-              <a:t>Vantaggi e limiti del </a:t>
-            </a:r>
-            <a:r>
-              <a:rPr lang="it-IT" dirty="0" err="1"/>
-              <a:t>Loss</a:t>
-            </a:r>
-            <a:r>
-              <a:rPr lang="it-IT" dirty="0"/>
-              <a:t> Distribution </a:t>
-            </a:r>
-            <a:r>
-              <a:rPr lang="it-IT" dirty="0" err="1"/>
-              <a:t>Approach</a:t>
-            </a:r>
-            <a:endParaRPr lang="it-IT" dirty="0"/>
-          </a:p>
-          <a:p>
-            <a:pPr marL="514350" indent="-514350" algn="l">
-              <a:buFont typeface="+mj-lt"/>
-              <a:buAutoNum type="arabicPeriod"/>
-            </a:pPr>
-            <a:endParaRPr lang="it-IT" dirty="0"/>
-          </a:p>
-        </p:txBody>
-      </p:sp>
-      <p:sp>
-        <p:nvSpPr>
-          <p:cNvPr id="7" name="CasellaDiTesto 6"/>
-          <p:cNvSpPr txBox="1"/>
-          <p:nvPr/>
-        </p:nvSpPr>
-        <p:spPr>
-          <a:xfrm>
-            <a:off x="1172814" y="6308035"/>
-            <a:ext cx="9846368" cy="261610"/>
-          </a:xfrm>
-          <a:prstGeom prst="rect">
-            <a:avLst/>
-          </a:prstGeom>
-          <a:noFill/>
-        </p:spPr>
-        <p:txBody>
-          <a:bodyPr wrap="square" rtlCol="0">
-            <a:spAutoFit/>
-          </a:bodyPr>
-          <a:lstStyle/>
-          <a:p>
-            <a:pPr algn="ctr"/>
-            <a:r>
-              <a:rPr lang="it-IT" sz="1100" i="1" dirty="0"/>
-              <a:t>ERIK HOLLER  - ELIA SCARPARO- STEFANO ZAMPIERO</a:t>
-            </a:r>
-          </a:p>
-        </p:txBody>
-      </p:sp>
-      <p:sp>
-        <p:nvSpPr>
-          <p:cNvPr id="9" name="CasellaDiTesto 8"/>
-          <p:cNvSpPr txBox="1"/>
-          <p:nvPr/>
-        </p:nvSpPr>
-        <p:spPr>
-          <a:xfrm>
-            <a:off x="7281376" y="112014"/>
-            <a:ext cx="4532908" cy="307777"/>
-          </a:xfrm>
-          <a:prstGeom prst="rect">
-            <a:avLst/>
-          </a:prstGeom>
-          <a:noFill/>
-        </p:spPr>
-        <p:txBody>
-          <a:bodyPr wrap="none" rtlCol="0">
-            <a:spAutoFit/>
-          </a:bodyPr>
-          <a:lstStyle/>
-          <a:p>
-            <a:r>
-              <a:rPr lang="it-IT" sz="1400" i="1" dirty="0"/>
-              <a:t>LABORATORIO DI SIMULAZIONI FINANZIARIE A.A. 2017-2018</a:t>
-            </a:r>
-          </a:p>
-        </p:txBody>
-      </p:sp>
-    </p:spTree>
-    <p:extLst>
-      <p:ext uri="{BB962C8B-B14F-4D97-AF65-F5344CB8AC3E}">
-        <p14:creationId xmlns:p14="http://schemas.microsoft.com/office/powerpoint/2010/main" val="1541896462"/>
-      </p:ext>
-    </p:extLst>
-  </p:cSld>
-  <p:clrMapOvr>
-    <a:masterClrMapping/>
-  </p:clrMapOvr>
-</p:sld>
-</file>
-
-<file path=ppt/slides/slide17.xml><?xml version="1.0" encoding="utf-8"?>
-<p:sld xmlns:a="http://schemas.openxmlformats.org/drawingml/2006/main" xmlns:r="http://schemas.openxmlformats.org/officeDocument/2006/relationships" xmlns:p="http://schemas.openxmlformats.org/presentationml/2006/main">
-  <p:cSld>
-    <p:spTree>
-      <p:nvGrpSpPr>
-        <p:cNvPr id="1" name=""/>
-        <p:cNvGrpSpPr/>
-        <p:nvPr/>
-      </p:nvGrpSpPr>
-      <p:grpSpPr>
-        <a:xfrm>
-          <a:off x="0" y="0"/>
-          <a:ext cx="0" cy="0"/>
-          <a:chOff x="0" y="0"/>
-          <a:chExt cx="0" cy="0"/>
-        </a:xfrm>
-      </p:grpSpPr>
-      <p:sp>
-        <p:nvSpPr>
-          <p:cNvPr id="4" name="Titolo 1"/>
-          <p:cNvSpPr txBox="1">
-            <a:spLocks/>
-          </p:cNvSpPr>
-          <p:nvPr/>
-        </p:nvSpPr>
-        <p:spPr>
-          <a:xfrm>
-            <a:off x="838198" y="91726"/>
-            <a:ext cx="10515600" cy="1325563"/>
-          </a:xfrm>
-          <a:prstGeom prst="rect">
-            <a:avLst/>
-          </a:prstGeom>
-        </p:spPr>
-        <p:txBody>
-          <a:bodyPr vert="horz" lIns="91440" tIns="45720" rIns="91440" bIns="45720" rtlCol="0" anchor="b">
-            <a:normAutofit/>
-          </a:bodyPr>
-          <a:lstStyle>
-            <a:lvl1pPr algn="ctr" defTabSz="914400" rtl="0" eaLnBrk="1" latinLnBrk="0" hangingPunct="1">
-              <a:lnSpc>
-                <a:spcPct val="90000"/>
-              </a:lnSpc>
-              <a:spcBef>
-                <a:spcPct val="0"/>
-              </a:spcBef>
-              <a:buNone/>
-              <a:defRPr sz="6000" kern="1200">
-                <a:solidFill>
-                  <a:schemeClr val="tx1"/>
-                </a:solidFill>
-                <a:latin typeface="+mj-lt"/>
-                <a:ea typeface="+mj-ea"/>
-                <a:cs typeface="+mj-cs"/>
-              </a:defRPr>
-            </a:lvl1pPr>
-          </a:lstStyle>
-          <a:p>
-            <a:endParaRPr lang="it-IT" sz="4000" dirty="0">
-              <a:latin typeface="Bodoni MT" pitchFamily="18" charset="0"/>
-            </a:endParaRPr>
-          </a:p>
-        </p:txBody>
-      </p:sp>
-      <p:sp>
-        <p:nvSpPr>
-          <p:cNvPr id="7" name="CasellaDiTesto 6"/>
-          <p:cNvSpPr txBox="1"/>
-          <p:nvPr/>
-        </p:nvSpPr>
-        <p:spPr>
-          <a:xfrm>
-            <a:off x="1172814" y="6308035"/>
-            <a:ext cx="9846368" cy="261610"/>
-          </a:xfrm>
-          <a:prstGeom prst="rect">
-            <a:avLst/>
-          </a:prstGeom>
-          <a:noFill/>
-        </p:spPr>
-        <p:txBody>
-          <a:bodyPr wrap="square" rtlCol="0">
-            <a:spAutoFit/>
-          </a:bodyPr>
-          <a:lstStyle/>
-          <a:p>
-            <a:pPr algn="ctr"/>
-            <a:r>
-              <a:rPr lang="it-IT" sz="1100" i="1" dirty="0"/>
-              <a:t>ERIK HOLLER  - ELIA SCARPARO- STEFANO ZAMPIERO</a:t>
-            </a:r>
-          </a:p>
-        </p:txBody>
-      </p:sp>
-      <p:sp>
-        <p:nvSpPr>
-          <p:cNvPr id="9" name="CasellaDiTesto 8"/>
-          <p:cNvSpPr txBox="1"/>
-          <p:nvPr/>
-        </p:nvSpPr>
-        <p:spPr>
-          <a:xfrm>
-            <a:off x="7281376" y="112014"/>
-            <a:ext cx="4532908" cy="307777"/>
-          </a:xfrm>
-          <a:prstGeom prst="rect">
-            <a:avLst/>
-          </a:prstGeom>
-          <a:noFill/>
-        </p:spPr>
-        <p:txBody>
-          <a:bodyPr wrap="none" rtlCol="0">
-            <a:spAutoFit/>
-          </a:bodyPr>
-          <a:lstStyle/>
-          <a:p>
-            <a:r>
-              <a:rPr lang="it-IT" sz="1400" i="1" dirty="0"/>
-              <a:t>LABORATORIO DI SIMULAZIONI FINANZIARIE A.A. 2017-2018</a:t>
-            </a:r>
-          </a:p>
-        </p:txBody>
-      </p:sp>
-      <p:sp>
-        <p:nvSpPr>
-          <p:cNvPr id="6" name="Segnaposto contenuto 2">
-            <a:extLst>
-              <a:ext uri="{FF2B5EF4-FFF2-40B4-BE49-F238E27FC236}">
-                <a16:creationId xmlns:a16="http://schemas.microsoft.com/office/drawing/2014/main" id="{3E1B8146-377A-4E32-B838-476B02B1AB2C}"/>
-              </a:ext>
-            </a:extLst>
-          </p:cNvPr>
-          <p:cNvSpPr txBox="1">
-            <a:spLocks/>
-          </p:cNvSpPr>
-          <p:nvPr/>
-        </p:nvSpPr>
-        <p:spPr>
-          <a:xfrm>
-            <a:off x="559591" y="1568635"/>
-            <a:ext cx="11072813" cy="4454012"/>
-          </a:xfrm>
-          <a:prstGeom prst="rect">
-            <a:avLst/>
-          </a:prstGeom>
-        </p:spPr>
-        <p:txBody>
-          <a:bodyPr vert="horz" lIns="91440" tIns="45720" rIns="91440" bIns="45720" rtlCol="0" anchor="ctr">
-            <a:normAutofit/>
-          </a:bodyPr>
-          <a:lstStyle>
-            <a:lvl1pPr marL="0" indent="0" algn="ctr" defTabSz="914400" rtl="0" eaLnBrk="1" latinLnBrk="0" hangingPunct="1">
-              <a:lnSpc>
-                <a:spcPct val="90000"/>
-              </a:lnSpc>
-              <a:spcBef>
-                <a:spcPts val="1000"/>
-              </a:spcBef>
-              <a:buFont typeface="Arial"/>
-              <a:buNone/>
-              <a:defRPr sz="2400" kern="1200">
-                <a:solidFill>
-                  <a:schemeClr val="tx1"/>
-                </a:solidFill>
-                <a:latin typeface="+mn-lt"/>
-                <a:ea typeface="+mn-ea"/>
-                <a:cs typeface="+mn-cs"/>
-              </a:defRPr>
-            </a:lvl1pPr>
-            <a:lvl2pPr marL="457200" indent="0" algn="ctr" defTabSz="914400" rtl="0" eaLnBrk="1" latinLnBrk="0" hangingPunct="1">
-              <a:lnSpc>
-                <a:spcPct val="90000"/>
-              </a:lnSpc>
-              <a:spcBef>
-                <a:spcPts val="500"/>
-              </a:spcBef>
-              <a:buFont typeface="Arial"/>
-              <a:buNone/>
-              <a:defRPr sz="2000" kern="1200">
-                <a:solidFill>
-                  <a:schemeClr val="tx1"/>
-                </a:solidFill>
-                <a:latin typeface="+mn-lt"/>
-                <a:ea typeface="+mn-ea"/>
-                <a:cs typeface="+mn-cs"/>
-              </a:defRPr>
-            </a:lvl2pPr>
-            <a:lvl3pPr marL="914400" indent="0" algn="ctr" defTabSz="914400" rtl="0" eaLnBrk="1" latinLnBrk="0" hangingPunct="1">
-              <a:lnSpc>
-                <a:spcPct val="90000"/>
-              </a:lnSpc>
-              <a:spcBef>
-                <a:spcPts val="500"/>
-              </a:spcBef>
-              <a:buFont typeface="Arial"/>
-              <a:buNone/>
-              <a:defRPr sz="1800" kern="1200">
-                <a:solidFill>
-                  <a:schemeClr val="tx1"/>
-                </a:solidFill>
-                <a:latin typeface="+mn-lt"/>
-                <a:ea typeface="+mn-ea"/>
-                <a:cs typeface="+mn-cs"/>
-              </a:defRPr>
-            </a:lvl3pPr>
-            <a:lvl4pPr marL="1371600" indent="0" algn="ctr" defTabSz="914400" rtl="0" eaLnBrk="1" latinLnBrk="0" hangingPunct="1">
-              <a:lnSpc>
-                <a:spcPct val="90000"/>
-              </a:lnSpc>
-              <a:spcBef>
-                <a:spcPts val="500"/>
-              </a:spcBef>
-              <a:buFont typeface="Arial"/>
-              <a:buNone/>
-              <a:defRPr sz="1600" kern="1200">
-                <a:solidFill>
-                  <a:schemeClr val="tx1"/>
-                </a:solidFill>
-                <a:latin typeface="+mn-lt"/>
-                <a:ea typeface="+mn-ea"/>
-                <a:cs typeface="+mn-cs"/>
-              </a:defRPr>
-            </a:lvl4pPr>
-            <a:lvl5pPr marL="1828800" indent="0" algn="ctr" defTabSz="914400" rtl="0" eaLnBrk="1" latinLnBrk="0" hangingPunct="1">
-              <a:lnSpc>
-                <a:spcPct val="90000"/>
-              </a:lnSpc>
-              <a:spcBef>
-                <a:spcPts val="500"/>
-              </a:spcBef>
-              <a:buFont typeface="Arial"/>
-              <a:buNone/>
-              <a:defRPr sz="1600" kern="1200">
-                <a:solidFill>
-                  <a:schemeClr val="tx1"/>
-                </a:solidFill>
-                <a:latin typeface="+mn-lt"/>
-                <a:ea typeface="+mn-ea"/>
-                <a:cs typeface="+mn-cs"/>
-              </a:defRPr>
-            </a:lvl5pPr>
-            <a:lvl6pPr marL="2286000" indent="0" algn="ctr" defTabSz="914400" rtl="0" eaLnBrk="1" latinLnBrk="0" hangingPunct="1">
-              <a:lnSpc>
-                <a:spcPct val="90000"/>
-              </a:lnSpc>
-              <a:spcBef>
-                <a:spcPts val="500"/>
-              </a:spcBef>
-              <a:buFont typeface="Arial"/>
-              <a:buNone/>
-              <a:defRPr sz="1600" kern="1200">
-                <a:solidFill>
-                  <a:schemeClr val="tx1"/>
-                </a:solidFill>
-                <a:latin typeface="+mn-lt"/>
-                <a:ea typeface="+mn-ea"/>
-                <a:cs typeface="+mn-cs"/>
-              </a:defRPr>
-            </a:lvl6pPr>
-            <a:lvl7pPr marL="2743200" indent="0" algn="ctr" defTabSz="914400" rtl="0" eaLnBrk="1" latinLnBrk="0" hangingPunct="1">
-              <a:lnSpc>
-                <a:spcPct val="90000"/>
-              </a:lnSpc>
-              <a:spcBef>
-                <a:spcPts val="500"/>
-              </a:spcBef>
-              <a:buFont typeface="Arial"/>
-              <a:buNone/>
-              <a:defRPr sz="1600" kern="1200">
-                <a:solidFill>
-                  <a:schemeClr val="tx1"/>
-                </a:solidFill>
-                <a:latin typeface="+mn-lt"/>
-                <a:ea typeface="+mn-ea"/>
-                <a:cs typeface="+mn-cs"/>
-              </a:defRPr>
-            </a:lvl7pPr>
-            <a:lvl8pPr marL="3200400" indent="0" algn="ctr" defTabSz="914400" rtl="0" eaLnBrk="1" latinLnBrk="0" hangingPunct="1">
-              <a:lnSpc>
-                <a:spcPct val="90000"/>
-              </a:lnSpc>
-              <a:spcBef>
-                <a:spcPts val="500"/>
-              </a:spcBef>
-              <a:buFont typeface="Arial"/>
-              <a:buNone/>
-              <a:defRPr sz="1600" kern="1200">
-                <a:solidFill>
-                  <a:schemeClr val="tx1"/>
-                </a:solidFill>
-                <a:latin typeface="+mn-lt"/>
-                <a:ea typeface="+mn-ea"/>
-                <a:cs typeface="+mn-cs"/>
-              </a:defRPr>
-            </a:lvl8pPr>
-            <a:lvl9pPr marL="3657600" indent="0" algn="ctr" defTabSz="914400" rtl="0" eaLnBrk="1" latinLnBrk="0" hangingPunct="1">
-              <a:lnSpc>
-                <a:spcPct val="90000"/>
-              </a:lnSpc>
-              <a:spcBef>
-                <a:spcPts val="500"/>
-              </a:spcBef>
-              <a:buFont typeface="Arial"/>
-              <a:buNone/>
-              <a:defRPr sz="1600" kern="1200">
-                <a:solidFill>
-                  <a:schemeClr val="tx1"/>
-                </a:solidFill>
-                <a:latin typeface="+mn-lt"/>
-                <a:ea typeface="+mn-ea"/>
-                <a:cs typeface="+mn-cs"/>
-              </a:defRPr>
-            </a:lvl9pPr>
-          </a:lstStyle>
-          <a:p>
-            <a:r>
-              <a:rPr lang="it-IT" dirty="0">
-                <a:cs typeface="Times New Roman" panose="02020603050405020304" pitchFamily="18" charset="0"/>
-              </a:rPr>
-              <a:t>Misura di rischio che sintetizza il rischio di perdite operative e cioè l’incertezza della variabile casuale L;</a:t>
-            </a:r>
-          </a:p>
-          <a:p>
-            <a:r>
-              <a:rPr lang="it-IT" dirty="0">
-                <a:cs typeface="Times New Roman" panose="02020603050405020304" pitchFamily="18" charset="0"/>
-              </a:rPr>
-              <a:t> </a:t>
-            </a:r>
-          </a:p>
-          <a:p>
-            <a:r>
-              <a:rPr lang="it-IT" dirty="0">
-                <a:cs typeface="Times New Roman" panose="02020603050405020304" pitchFamily="18" charset="0"/>
-              </a:rPr>
-              <a:t>Il VAR si definisce come la massima perdita in un certo intervallo di tempo [</a:t>
-            </a:r>
-            <a:r>
-              <a:rPr lang="it-IT" dirty="0" err="1">
-                <a:cs typeface="Times New Roman" panose="02020603050405020304" pitchFamily="18" charset="0"/>
-              </a:rPr>
-              <a:t>t,T</a:t>
-            </a:r>
-            <a:r>
-              <a:rPr lang="it-IT" dirty="0">
-                <a:cs typeface="Times New Roman" panose="02020603050405020304" pitchFamily="18" charset="0"/>
-              </a:rPr>
-              <a:t>] con un dato livello di confidenza (1-α). </a:t>
-            </a:r>
-          </a:p>
-        </p:txBody>
-      </p:sp>
-      <p:sp>
-        <p:nvSpPr>
-          <p:cNvPr id="2" name="CasellaDiTesto 1"/>
-          <p:cNvSpPr txBox="1"/>
-          <p:nvPr/>
-        </p:nvSpPr>
-        <p:spPr>
-          <a:xfrm>
-            <a:off x="1189768" y="498154"/>
-            <a:ext cx="9812458" cy="707886"/>
-          </a:xfrm>
-          <a:prstGeom prst="rect">
-            <a:avLst/>
-          </a:prstGeom>
-          <a:noFill/>
-        </p:spPr>
-        <p:txBody>
-          <a:bodyPr wrap="square" rtlCol="0">
-            <a:spAutoFit/>
-          </a:bodyPr>
-          <a:lstStyle/>
-          <a:p>
-            <a:pPr algn="ctr"/>
-            <a:r>
-              <a:rPr lang="it-IT" dirty="0"/>
-              <a:t> </a:t>
-            </a:r>
-            <a:r>
-              <a:rPr lang="it-IT" sz="4000" dirty="0"/>
-              <a:t>Value </a:t>
-            </a:r>
-            <a:r>
-              <a:rPr lang="it-IT" sz="4000" dirty="0" err="1"/>
-              <a:t>at</a:t>
-            </a:r>
-            <a:r>
-              <a:rPr lang="it-IT" sz="4000" dirty="0"/>
-              <a:t> </a:t>
-            </a:r>
-            <a:r>
-              <a:rPr lang="it-IT" sz="4000" dirty="0" err="1"/>
-              <a:t>Risk</a:t>
-            </a:r>
-            <a:r>
-              <a:rPr lang="it-IT" sz="4000" dirty="0"/>
-              <a:t> </a:t>
-            </a:r>
-          </a:p>
-        </p:txBody>
-      </p:sp>
-    </p:spTree>
-    <p:extLst>
-      <p:ext uri="{BB962C8B-B14F-4D97-AF65-F5344CB8AC3E}">
-        <p14:creationId xmlns:p14="http://schemas.microsoft.com/office/powerpoint/2010/main" val="1577174601"/>
-      </p:ext>
-    </p:extLst>
-  </p:cSld>
-  <p:clrMapOvr>
-    <a:masterClrMapping/>
-  </p:clrMapOvr>
-</p:sld>
-</file>
-
-<file path=ppt/slides/slide18.xml><?xml version="1.0" encoding="utf-8"?>
-<p:sld xmlns:a="http://schemas.openxmlformats.org/drawingml/2006/main" xmlns:r="http://schemas.openxmlformats.org/officeDocument/2006/relationships" xmlns:p="http://schemas.openxmlformats.org/presentationml/2006/main">
-  <p:cSld>
-    <p:spTree>
-      <p:nvGrpSpPr>
-        <p:cNvPr id="1" name=""/>
-        <p:cNvGrpSpPr/>
-        <p:nvPr/>
-      </p:nvGrpSpPr>
-      <p:grpSpPr>
-        <a:xfrm>
-          <a:off x="0" y="0"/>
-          <a:ext cx="0" cy="0"/>
-          <a:chOff x="0" y="0"/>
-          <a:chExt cx="0" cy="0"/>
-        </a:xfrm>
-      </p:grpSpPr>
-      <p:sp>
-        <p:nvSpPr>
-          <p:cNvPr id="4" name="Titolo 1"/>
-          <p:cNvSpPr txBox="1">
-            <a:spLocks/>
-          </p:cNvSpPr>
-          <p:nvPr/>
-        </p:nvSpPr>
-        <p:spPr>
-          <a:xfrm>
-            <a:off x="838198" y="91726"/>
-            <a:ext cx="10515600" cy="1325563"/>
-          </a:xfrm>
-          <a:prstGeom prst="rect">
-            <a:avLst/>
-          </a:prstGeom>
-        </p:spPr>
-        <p:txBody>
-          <a:bodyPr vert="horz" lIns="91440" tIns="45720" rIns="91440" bIns="45720" rtlCol="0" anchor="b">
-            <a:normAutofit/>
-          </a:bodyPr>
-          <a:lstStyle>
-            <a:lvl1pPr algn="ctr" defTabSz="914400" rtl="0" eaLnBrk="1" latinLnBrk="0" hangingPunct="1">
-              <a:lnSpc>
-                <a:spcPct val="90000"/>
-              </a:lnSpc>
-              <a:spcBef>
-                <a:spcPct val="0"/>
-              </a:spcBef>
-              <a:buNone/>
-              <a:defRPr sz="6000" kern="1200">
-                <a:solidFill>
-                  <a:schemeClr val="tx1"/>
-                </a:solidFill>
-                <a:latin typeface="+mj-lt"/>
-                <a:ea typeface="+mj-ea"/>
-                <a:cs typeface="+mj-cs"/>
-              </a:defRPr>
-            </a:lvl1pPr>
-          </a:lstStyle>
-          <a:p>
-            <a:endParaRPr lang="it-IT" sz="4000" dirty="0">
-              <a:latin typeface="Bodoni MT" pitchFamily="18" charset="0"/>
-            </a:endParaRPr>
-          </a:p>
-        </p:txBody>
-      </p:sp>
-      <p:sp>
-        <p:nvSpPr>
-          <p:cNvPr id="7" name="CasellaDiTesto 6"/>
-          <p:cNvSpPr txBox="1"/>
-          <p:nvPr/>
-        </p:nvSpPr>
-        <p:spPr>
-          <a:xfrm>
-            <a:off x="1172814" y="6308035"/>
-            <a:ext cx="9846368" cy="261610"/>
-          </a:xfrm>
-          <a:prstGeom prst="rect">
-            <a:avLst/>
-          </a:prstGeom>
-          <a:noFill/>
-        </p:spPr>
-        <p:txBody>
-          <a:bodyPr wrap="square" rtlCol="0">
-            <a:spAutoFit/>
-          </a:bodyPr>
-          <a:lstStyle/>
-          <a:p>
-            <a:pPr algn="ctr"/>
-            <a:r>
-              <a:rPr lang="it-IT" sz="1100" i="1" dirty="0"/>
-              <a:t>ERIK HOLLER  - ELIA SCARPARO- STEFANO ZAMPIERO</a:t>
-            </a:r>
-          </a:p>
-        </p:txBody>
-      </p:sp>
-      <p:sp>
-        <p:nvSpPr>
-          <p:cNvPr id="9" name="CasellaDiTesto 8"/>
-          <p:cNvSpPr txBox="1"/>
-          <p:nvPr/>
-        </p:nvSpPr>
-        <p:spPr>
-          <a:xfrm>
-            <a:off x="7281376" y="112014"/>
-            <a:ext cx="4532908" cy="307777"/>
-          </a:xfrm>
-          <a:prstGeom prst="rect">
-            <a:avLst/>
-          </a:prstGeom>
-          <a:noFill/>
-        </p:spPr>
-        <p:txBody>
-          <a:bodyPr wrap="none" rtlCol="0">
-            <a:spAutoFit/>
-          </a:bodyPr>
-          <a:lstStyle/>
-          <a:p>
-            <a:r>
-              <a:rPr lang="it-IT" sz="1400" i="1" dirty="0"/>
-              <a:t>LABORATORIO DI SIMULAZIONI FINANZIARIE A.A. 2017-2018</a:t>
-            </a:r>
-          </a:p>
-        </p:txBody>
-      </p:sp>
-      <p:sp>
-        <p:nvSpPr>
-          <p:cNvPr id="6" name="CasellaDiTesto 5"/>
-          <p:cNvSpPr txBox="1"/>
-          <p:nvPr/>
-        </p:nvSpPr>
-        <p:spPr>
-          <a:xfrm>
-            <a:off x="1358100" y="564597"/>
-            <a:ext cx="9812458" cy="707886"/>
-          </a:xfrm>
-          <a:prstGeom prst="rect">
-            <a:avLst/>
-          </a:prstGeom>
-          <a:noFill/>
-        </p:spPr>
-        <p:txBody>
-          <a:bodyPr wrap="square" rtlCol="0">
-            <a:spAutoFit/>
-          </a:bodyPr>
-          <a:lstStyle/>
-          <a:p>
-            <a:pPr algn="ctr"/>
-            <a:r>
-              <a:rPr lang="it-IT" dirty="0"/>
-              <a:t> </a:t>
-            </a:r>
-            <a:r>
-              <a:rPr lang="it-IT" sz="4000" dirty="0"/>
-              <a:t>Capital </a:t>
-            </a:r>
-            <a:r>
-              <a:rPr lang="it-IT" sz="4000" dirty="0" err="1"/>
-              <a:t>at</a:t>
-            </a:r>
-            <a:r>
-              <a:rPr lang="it-IT" sz="4000" dirty="0"/>
-              <a:t> </a:t>
-            </a:r>
-            <a:r>
-              <a:rPr lang="it-IT" sz="4000" dirty="0" err="1"/>
-              <a:t>Risk</a:t>
-            </a:r>
-            <a:r>
-              <a:rPr lang="it-IT" sz="4000" dirty="0"/>
-              <a:t> </a:t>
-            </a:r>
-          </a:p>
-        </p:txBody>
-      </p:sp>
-      <p:sp>
-        <p:nvSpPr>
-          <p:cNvPr id="10" name="Segnaposto contenuto 2">
-            <a:extLst>
-              <a:ext uri="{FF2B5EF4-FFF2-40B4-BE49-F238E27FC236}">
-                <a16:creationId xmlns:a16="http://schemas.microsoft.com/office/drawing/2014/main" id="{3E1B8146-377A-4E32-B838-476B02B1AB2C}"/>
-              </a:ext>
-            </a:extLst>
-          </p:cNvPr>
-          <p:cNvSpPr txBox="1">
-            <a:spLocks/>
-          </p:cNvSpPr>
-          <p:nvPr/>
-        </p:nvSpPr>
-        <p:spPr>
-          <a:xfrm>
-            <a:off x="714375" y="2084440"/>
-            <a:ext cx="11099909" cy="4454012"/>
-          </a:xfrm>
-          <a:prstGeom prst="rect">
-            <a:avLst/>
-          </a:prstGeom>
-        </p:spPr>
-        <p:txBody>
-          <a:bodyPr vert="horz" lIns="91440" tIns="45720" rIns="91440" bIns="45720" rtlCol="0">
-            <a:normAutofit/>
-          </a:bodyPr>
-          <a:lstStyle>
-            <a:lvl1pPr marL="0" indent="0" algn="ctr" defTabSz="914400" rtl="0" eaLnBrk="1" latinLnBrk="0" hangingPunct="1">
-              <a:lnSpc>
-                <a:spcPct val="90000"/>
-              </a:lnSpc>
-              <a:spcBef>
-                <a:spcPts val="1000"/>
-              </a:spcBef>
-              <a:buFont typeface="Arial"/>
-              <a:buNone/>
-              <a:defRPr sz="2400" kern="1200">
-                <a:solidFill>
-                  <a:schemeClr val="tx1"/>
-                </a:solidFill>
-                <a:latin typeface="+mn-lt"/>
-                <a:ea typeface="+mn-ea"/>
-                <a:cs typeface="+mn-cs"/>
-              </a:defRPr>
-            </a:lvl1pPr>
-            <a:lvl2pPr marL="457200" indent="0" algn="ctr" defTabSz="914400" rtl="0" eaLnBrk="1" latinLnBrk="0" hangingPunct="1">
-              <a:lnSpc>
-                <a:spcPct val="90000"/>
-              </a:lnSpc>
-              <a:spcBef>
-                <a:spcPts val="500"/>
-              </a:spcBef>
-              <a:buFont typeface="Arial"/>
-              <a:buNone/>
-              <a:defRPr sz="2000" kern="1200">
-                <a:solidFill>
-                  <a:schemeClr val="tx1"/>
-                </a:solidFill>
-                <a:latin typeface="+mn-lt"/>
-                <a:ea typeface="+mn-ea"/>
-                <a:cs typeface="+mn-cs"/>
-              </a:defRPr>
-            </a:lvl2pPr>
-            <a:lvl3pPr marL="914400" indent="0" algn="ctr" defTabSz="914400" rtl="0" eaLnBrk="1" latinLnBrk="0" hangingPunct="1">
-              <a:lnSpc>
-                <a:spcPct val="90000"/>
-              </a:lnSpc>
-              <a:spcBef>
-                <a:spcPts val="500"/>
-              </a:spcBef>
-              <a:buFont typeface="Arial"/>
-              <a:buNone/>
-              <a:defRPr sz="1800" kern="1200">
-                <a:solidFill>
-                  <a:schemeClr val="tx1"/>
-                </a:solidFill>
-                <a:latin typeface="+mn-lt"/>
-                <a:ea typeface="+mn-ea"/>
-                <a:cs typeface="+mn-cs"/>
-              </a:defRPr>
-            </a:lvl3pPr>
-            <a:lvl4pPr marL="1371600" indent="0" algn="ctr" defTabSz="914400" rtl="0" eaLnBrk="1" latinLnBrk="0" hangingPunct="1">
-              <a:lnSpc>
-                <a:spcPct val="90000"/>
-              </a:lnSpc>
-              <a:spcBef>
-                <a:spcPts val="500"/>
-              </a:spcBef>
-              <a:buFont typeface="Arial"/>
-              <a:buNone/>
-              <a:defRPr sz="1600" kern="1200">
-                <a:solidFill>
-                  <a:schemeClr val="tx1"/>
-                </a:solidFill>
-                <a:latin typeface="+mn-lt"/>
-                <a:ea typeface="+mn-ea"/>
-                <a:cs typeface="+mn-cs"/>
-              </a:defRPr>
-            </a:lvl4pPr>
-            <a:lvl5pPr marL="1828800" indent="0" algn="ctr" defTabSz="914400" rtl="0" eaLnBrk="1" latinLnBrk="0" hangingPunct="1">
-              <a:lnSpc>
-                <a:spcPct val="90000"/>
-              </a:lnSpc>
-              <a:spcBef>
-                <a:spcPts val="500"/>
-              </a:spcBef>
-              <a:buFont typeface="Arial"/>
-              <a:buNone/>
-              <a:defRPr sz="1600" kern="1200">
-                <a:solidFill>
-                  <a:schemeClr val="tx1"/>
-                </a:solidFill>
-                <a:latin typeface="+mn-lt"/>
-                <a:ea typeface="+mn-ea"/>
-                <a:cs typeface="+mn-cs"/>
-              </a:defRPr>
-            </a:lvl5pPr>
-            <a:lvl6pPr marL="2286000" indent="0" algn="ctr" defTabSz="914400" rtl="0" eaLnBrk="1" latinLnBrk="0" hangingPunct="1">
-              <a:lnSpc>
-                <a:spcPct val="90000"/>
-              </a:lnSpc>
-              <a:spcBef>
-                <a:spcPts val="500"/>
-              </a:spcBef>
-              <a:buFont typeface="Arial"/>
-              <a:buNone/>
-              <a:defRPr sz="1600" kern="1200">
-                <a:solidFill>
-                  <a:schemeClr val="tx1"/>
-                </a:solidFill>
-                <a:latin typeface="+mn-lt"/>
-                <a:ea typeface="+mn-ea"/>
-                <a:cs typeface="+mn-cs"/>
-              </a:defRPr>
-            </a:lvl6pPr>
-            <a:lvl7pPr marL="2743200" indent="0" algn="ctr" defTabSz="914400" rtl="0" eaLnBrk="1" latinLnBrk="0" hangingPunct="1">
-              <a:lnSpc>
-                <a:spcPct val="90000"/>
-              </a:lnSpc>
-              <a:spcBef>
-                <a:spcPts val="500"/>
-              </a:spcBef>
-              <a:buFont typeface="Arial"/>
-              <a:buNone/>
-              <a:defRPr sz="1600" kern="1200">
-                <a:solidFill>
-                  <a:schemeClr val="tx1"/>
-                </a:solidFill>
-                <a:latin typeface="+mn-lt"/>
-                <a:ea typeface="+mn-ea"/>
-                <a:cs typeface="+mn-cs"/>
-              </a:defRPr>
-            </a:lvl7pPr>
-            <a:lvl8pPr marL="3200400" indent="0" algn="ctr" defTabSz="914400" rtl="0" eaLnBrk="1" latinLnBrk="0" hangingPunct="1">
-              <a:lnSpc>
-                <a:spcPct val="90000"/>
-              </a:lnSpc>
-              <a:spcBef>
-                <a:spcPts val="500"/>
-              </a:spcBef>
-              <a:buFont typeface="Arial"/>
-              <a:buNone/>
-              <a:defRPr sz="1600" kern="1200">
-                <a:solidFill>
-                  <a:schemeClr val="tx1"/>
-                </a:solidFill>
-                <a:latin typeface="+mn-lt"/>
-                <a:ea typeface="+mn-ea"/>
-                <a:cs typeface="+mn-cs"/>
-              </a:defRPr>
-            </a:lvl8pPr>
-            <a:lvl9pPr marL="3657600" indent="0" algn="ctr" defTabSz="914400" rtl="0" eaLnBrk="1" latinLnBrk="0" hangingPunct="1">
-              <a:lnSpc>
-                <a:spcPct val="90000"/>
-              </a:lnSpc>
-              <a:spcBef>
-                <a:spcPts val="500"/>
-              </a:spcBef>
-              <a:buFont typeface="Arial"/>
-              <a:buNone/>
-              <a:defRPr sz="1600" kern="1200">
-                <a:solidFill>
-                  <a:schemeClr val="tx1"/>
-                </a:solidFill>
-                <a:latin typeface="+mn-lt"/>
-                <a:ea typeface="+mn-ea"/>
-                <a:cs typeface="+mn-cs"/>
-              </a:defRPr>
-            </a:lvl9pPr>
-          </a:lstStyle>
-          <a:p>
-            <a:pPr marL="457200" indent="-457200" algn="l">
-              <a:buFont typeface="Arial" charset="0"/>
-              <a:buChar char="•"/>
-            </a:pPr>
-            <a:r>
-              <a:rPr lang="it-IT" dirty="0">
-                <a:cs typeface="Times New Roman" panose="02020603050405020304" pitchFamily="18" charset="0"/>
-              </a:rPr>
-              <a:t>Capitale necessario a coprire una perdita potenziale entro un determinato livello di confidenza ed entro un determinato orizzonte di tempo. </a:t>
-            </a:r>
-          </a:p>
-          <a:p>
-            <a:pPr marL="457200" indent="-457200" algn="l">
-              <a:buFont typeface="Arial" charset="0"/>
-              <a:buChar char="•"/>
-            </a:pPr>
-            <a:endParaRPr lang="it-IT" dirty="0">
-              <a:cs typeface="Times New Roman" panose="02020603050405020304" pitchFamily="18" charset="0"/>
-            </a:endParaRPr>
-          </a:p>
-          <a:p>
-            <a:pPr marL="457200" indent="-457200" algn="l">
-              <a:buFont typeface="Arial" charset="0"/>
-              <a:buChar char="•"/>
-            </a:pPr>
-            <a:r>
-              <a:rPr lang="it-IT" dirty="0">
-                <a:cs typeface="Times New Roman" panose="02020603050405020304" pitchFamily="18" charset="0"/>
-              </a:rPr>
-              <a:t>Il Capitale economico permette di allocare alle diverse linee di business della banca la giusta quantità di capitale per valutarne poi la reddittività. </a:t>
-            </a:r>
-          </a:p>
-          <a:p>
-            <a:pPr marL="457200" indent="-457200" algn="l">
-              <a:buFont typeface="Arial" charset="0"/>
-              <a:buChar char="•"/>
-            </a:pPr>
-            <a:endParaRPr lang="it-IT" dirty="0">
-              <a:cs typeface="Times New Roman" panose="02020603050405020304" pitchFamily="18" charset="0"/>
-            </a:endParaRPr>
-          </a:p>
-          <a:p>
-            <a:pPr marL="457200" indent="-457200" algn="l">
-              <a:buFont typeface="Arial" charset="0"/>
-              <a:buChar char="•"/>
-            </a:pPr>
-            <a:r>
-              <a:rPr lang="it-IT" dirty="0">
-                <a:cs typeface="Times New Roman" panose="02020603050405020304" pitchFamily="18" charset="0"/>
-              </a:rPr>
-              <a:t>Il capitale economico è pari alla perdita inattesa e cioè alla differenza tra la perdita corrispondente ad un determinato livello di confidenza scelto dalla banca e alla perdita attesa.</a:t>
-            </a:r>
-          </a:p>
-        </p:txBody>
-      </p:sp>
-    </p:spTree>
-    <p:extLst>
-      <p:ext uri="{BB962C8B-B14F-4D97-AF65-F5344CB8AC3E}">
-        <p14:creationId xmlns:p14="http://schemas.microsoft.com/office/powerpoint/2010/main" val="256534590"/>
-      </p:ext>
-    </p:extLst>
-  </p:cSld>
-  <p:clrMapOvr>
-    <a:masterClrMapping/>
-  </p:clrMapOvr>
-</p:sld>
-</file>
-
-<file path=ppt/slides/slide19.xml><?xml version="1.0" encoding="utf-8"?>
-<p:sld xmlns:a="http://schemas.openxmlformats.org/drawingml/2006/main" xmlns:r="http://schemas.openxmlformats.org/officeDocument/2006/relationships" xmlns:p="http://schemas.openxmlformats.org/presentationml/2006/main">
-  <p:cSld>
-    <p:spTree>
-      <p:nvGrpSpPr>
-        <p:cNvPr id="1" name=""/>
-        <p:cNvGrpSpPr/>
-        <p:nvPr/>
-      </p:nvGrpSpPr>
-      <p:grpSpPr>
-        <a:xfrm>
-          <a:off x="0" y="0"/>
-          <a:ext cx="0" cy="0"/>
-          <a:chOff x="0" y="0"/>
-          <a:chExt cx="0" cy="0"/>
-        </a:xfrm>
-      </p:grpSpPr>
-      <p:sp>
-        <p:nvSpPr>
-          <p:cNvPr id="4" name="Titolo 1"/>
-          <p:cNvSpPr txBox="1">
-            <a:spLocks/>
-          </p:cNvSpPr>
-          <p:nvPr/>
-        </p:nvSpPr>
-        <p:spPr>
-          <a:xfrm>
-            <a:off x="838198" y="91726"/>
-            <a:ext cx="10515600" cy="1325563"/>
-          </a:xfrm>
-          <a:prstGeom prst="rect">
-            <a:avLst/>
-          </a:prstGeom>
-        </p:spPr>
-        <p:txBody>
-          <a:bodyPr vert="horz" lIns="91440" tIns="45720" rIns="91440" bIns="45720" rtlCol="0" anchor="b">
-            <a:normAutofit/>
-          </a:bodyPr>
-          <a:lstStyle>
-            <a:lvl1pPr algn="ctr" defTabSz="914400" rtl="0" eaLnBrk="1" latinLnBrk="0" hangingPunct="1">
-              <a:lnSpc>
-                <a:spcPct val="90000"/>
-              </a:lnSpc>
-              <a:spcBef>
-                <a:spcPct val="0"/>
-              </a:spcBef>
-              <a:buNone/>
-              <a:defRPr sz="6000" kern="1200">
-                <a:solidFill>
-                  <a:schemeClr val="tx1"/>
-                </a:solidFill>
-                <a:latin typeface="+mj-lt"/>
-                <a:ea typeface="+mj-ea"/>
-                <a:cs typeface="+mj-cs"/>
-              </a:defRPr>
-            </a:lvl1pPr>
-          </a:lstStyle>
-          <a:p>
-            <a:pPr marL="0" marR="0" lvl="0" indent="0" algn="ctr" defTabSz="914400" rtl="0" eaLnBrk="1" fontAlgn="auto" latinLnBrk="0" hangingPunct="1">
-              <a:lnSpc>
-                <a:spcPct val="90000"/>
-              </a:lnSpc>
-              <a:spcBef>
-                <a:spcPct val="0"/>
-              </a:spcBef>
-              <a:spcAft>
-                <a:spcPts val="0"/>
-              </a:spcAft>
-              <a:buClrTx/>
-              <a:buSzTx/>
-              <a:buFontTx/>
-              <a:buNone/>
-              <a:tabLst/>
-              <a:defRPr/>
-            </a:pPr>
-            <a:endParaRPr kumimoji="0" lang="it-IT" sz="4000" b="0" i="0" u="none" strike="noStrike" kern="1200" cap="none" spc="0" normalizeH="0" baseline="0" noProof="0" dirty="0">
-              <a:ln>
-                <a:noFill/>
-              </a:ln>
-              <a:solidFill>
-                <a:prstClr val="black"/>
-              </a:solidFill>
-              <a:effectLst/>
-              <a:uLnTx/>
-              <a:uFillTx/>
-              <a:latin typeface="Bodoni MT" pitchFamily="18" charset="0"/>
-              <a:ea typeface="+mj-ea"/>
-              <a:cs typeface="+mj-cs"/>
-            </a:endParaRPr>
-          </a:p>
-        </p:txBody>
-      </p:sp>
-      <p:sp>
-        <p:nvSpPr>
-          <p:cNvPr id="5" name="Segnaposto contenuto 2"/>
-          <p:cNvSpPr txBox="1">
-            <a:spLocks/>
-          </p:cNvSpPr>
-          <p:nvPr/>
-        </p:nvSpPr>
-        <p:spPr>
-          <a:xfrm>
-            <a:off x="838200" y="2285999"/>
-            <a:ext cx="10515600" cy="3849903"/>
-          </a:xfrm>
-          <a:prstGeom prst="rect">
-            <a:avLst/>
-          </a:prstGeom>
-        </p:spPr>
-        <p:txBody>
-          <a:bodyPr vert="horz" lIns="91440" tIns="45720" rIns="91440" bIns="45720" rtlCol="0">
-            <a:normAutofit/>
-          </a:bodyPr>
-          <a:lstStyle>
-            <a:lvl1pPr marL="0" indent="0" algn="ctr" defTabSz="914400" rtl="0" eaLnBrk="1" latinLnBrk="0" hangingPunct="1">
-              <a:lnSpc>
-                <a:spcPct val="90000"/>
-              </a:lnSpc>
-              <a:spcBef>
-                <a:spcPts val="1000"/>
-              </a:spcBef>
-              <a:buFont typeface="Arial" panose="020B0604020202020204" pitchFamily="34" charset="0"/>
-              <a:buNone/>
-              <a:defRPr sz="2400" kern="1200">
-                <a:solidFill>
-                  <a:schemeClr val="tx1"/>
-                </a:solidFill>
-                <a:latin typeface="+mn-lt"/>
-                <a:ea typeface="+mn-ea"/>
-                <a:cs typeface="+mn-cs"/>
-              </a:defRPr>
-            </a:lvl1pPr>
-            <a:lvl2pPr marL="457200" indent="0" algn="ctr" defTabSz="914400" rtl="0" eaLnBrk="1" latinLnBrk="0" hangingPunct="1">
-              <a:lnSpc>
-                <a:spcPct val="90000"/>
-              </a:lnSpc>
-              <a:spcBef>
-                <a:spcPts val="500"/>
-              </a:spcBef>
-              <a:buFont typeface="Arial" panose="020B0604020202020204" pitchFamily="34" charset="0"/>
-              <a:buNone/>
-              <a:defRPr sz="2000" kern="1200">
-                <a:solidFill>
-                  <a:schemeClr val="tx1"/>
-                </a:solidFill>
-                <a:latin typeface="+mn-lt"/>
-                <a:ea typeface="+mn-ea"/>
-                <a:cs typeface="+mn-cs"/>
-              </a:defRPr>
-            </a:lvl2pPr>
-            <a:lvl3pPr marL="914400" indent="0" algn="ctr" defTabSz="914400" rtl="0" eaLnBrk="1" latinLnBrk="0" hangingPunct="1">
-              <a:lnSpc>
-                <a:spcPct val="90000"/>
-              </a:lnSpc>
-              <a:spcBef>
-                <a:spcPts val="500"/>
-              </a:spcBef>
-              <a:buFont typeface="Arial" panose="020B0604020202020204" pitchFamily="34" charset="0"/>
-              <a:buNone/>
-              <a:defRPr sz="1800" kern="1200">
-                <a:solidFill>
-                  <a:schemeClr val="tx1"/>
-                </a:solidFill>
-                <a:latin typeface="+mn-lt"/>
-                <a:ea typeface="+mn-ea"/>
-                <a:cs typeface="+mn-cs"/>
-              </a:defRPr>
-            </a:lvl3pPr>
-            <a:lvl4pPr marL="1371600" indent="0" algn="ctr" defTabSz="914400" rtl="0" eaLnBrk="1" latinLnBrk="0" hangingPunct="1">
-              <a:lnSpc>
-                <a:spcPct val="90000"/>
-              </a:lnSpc>
-              <a:spcBef>
-                <a:spcPts val="500"/>
-              </a:spcBef>
-              <a:buFont typeface="Arial" panose="020B0604020202020204" pitchFamily="34" charset="0"/>
-              <a:buNone/>
-              <a:defRPr sz="1600" kern="1200">
-                <a:solidFill>
-                  <a:schemeClr val="tx1"/>
-                </a:solidFill>
-                <a:latin typeface="+mn-lt"/>
-                <a:ea typeface="+mn-ea"/>
-                <a:cs typeface="+mn-cs"/>
-              </a:defRPr>
-            </a:lvl4pPr>
-            <a:lvl5pPr marL="1828800" indent="0" algn="ctr" defTabSz="914400" rtl="0" eaLnBrk="1" latinLnBrk="0" hangingPunct="1">
-              <a:lnSpc>
-                <a:spcPct val="90000"/>
-              </a:lnSpc>
-              <a:spcBef>
-                <a:spcPts val="500"/>
-              </a:spcBef>
-              <a:buFont typeface="Arial" panose="020B0604020202020204" pitchFamily="34" charset="0"/>
-              <a:buNone/>
-              <a:defRPr sz="1600" kern="1200">
-                <a:solidFill>
-                  <a:schemeClr val="tx1"/>
-                </a:solidFill>
-                <a:latin typeface="+mn-lt"/>
-                <a:ea typeface="+mn-ea"/>
-                <a:cs typeface="+mn-cs"/>
-              </a:defRPr>
-            </a:lvl5pPr>
-            <a:lvl6pPr marL="2286000" indent="0" algn="ctr" defTabSz="914400" rtl="0" eaLnBrk="1" latinLnBrk="0" hangingPunct="1">
-              <a:lnSpc>
-                <a:spcPct val="90000"/>
-              </a:lnSpc>
-              <a:spcBef>
-                <a:spcPts val="500"/>
-              </a:spcBef>
-              <a:buFont typeface="Arial" panose="020B0604020202020204" pitchFamily="34" charset="0"/>
-              <a:buNone/>
-              <a:defRPr sz="1600" kern="1200">
-                <a:solidFill>
-                  <a:schemeClr val="tx1"/>
-                </a:solidFill>
-                <a:latin typeface="+mn-lt"/>
-                <a:ea typeface="+mn-ea"/>
-                <a:cs typeface="+mn-cs"/>
-              </a:defRPr>
-            </a:lvl6pPr>
-            <a:lvl7pPr marL="2743200" indent="0" algn="ctr" defTabSz="914400" rtl="0" eaLnBrk="1" latinLnBrk="0" hangingPunct="1">
-              <a:lnSpc>
-                <a:spcPct val="90000"/>
-              </a:lnSpc>
-              <a:spcBef>
-                <a:spcPts val="500"/>
-              </a:spcBef>
-              <a:buFont typeface="Arial" panose="020B0604020202020204" pitchFamily="34" charset="0"/>
-              <a:buNone/>
-              <a:defRPr sz="1600" kern="1200">
-                <a:solidFill>
-                  <a:schemeClr val="tx1"/>
-                </a:solidFill>
-                <a:latin typeface="+mn-lt"/>
-                <a:ea typeface="+mn-ea"/>
-                <a:cs typeface="+mn-cs"/>
-              </a:defRPr>
-            </a:lvl7pPr>
-            <a:lvl8pPr marL="3200400" indent="0" algn="ctr" defTabSz="914400" rtl="0" eaLnBrk="1" latinLnBrk="0" hangingPunct="1">
-              <a:lnSpc>
-                <a:spcPct val="90000"/>
-              </a:lnSpc>
-              <a:spcBef>
-                <a:spcPts val="500"/>
-              </a:spcBef>
-              <a:buFont typeface="Arial" panose="020B0604020202020204" pitchFamily="34" charset="0"/>
-              <a:buNone/>
-              <a:defRPr sz="1600" kern="1200">
-                <a:solidFill>
-                  <a:schemeClr val="tx1"/>
-                </a:solidFill>
-                <a:latin typeface="+mn-lt"/>
-                <a:ea typeface="+mn-ea"/>
-                <a:cs typeface="+mn-cs"/>
-              </a:defRPr>
-            </a:lvl8pPr>
-            <a:lvl9pPr marL="3657600" indent="0" algn="ctr" defTabSz="914400" rtl="0" eaLnBrk="1" latinLnBrk="0" hangingPunct="1">
-              <a:lnSpc>
-                <a:spcPct val="90000"/>
-              </a:lnSpc>
-              <a:spcBef>
-                <a:spcPts val="500"/>
-              </a:spcBef>
-              <a:buFont typeface="Arial" panose="020B0604020202020204" pitchFamily="34" charset="0"/>
-              <a:buNone/>
-              <a:defRPr sz="1600" kern="1200">
-                <a:solidFill>
-                  <a:schemeClr val="tx1"/>
-                </a:solidFill>
-                <a:latin typeface="+mn-lt"/>
-                <a:ea typeface="+mn-ea"/>
-                <a:cs typeface="+mn-cs"/>
-              </a:defRPr>
-            </a:lvl9pPr>
-          </a:lstStyle>
-          <a:p>
-            <a:pPr marL="514350" marR="0" lvl="0" indent="-514350" algn="l" defTabSz="914400" rtl="0" eaLnBrk="1" fontAlgn="auto" latinLnBrk="0" hangingPunct="1">
-              <a:lnSpc>
-                <a:spcPct val="90000"/>
-              </a:lnSpc>
-              <a:spcBef>
-                <a:spcPts val="1000"/>
-              </a:spcBef>
-              <a:spcAft>
-                <a:spcPts val="0"/>
-              </a:spcAft>
-              <a:buClrTx/>
-              <a:buSzTx/>
-              <a:buFont typeface="+mj-lt"/>
-              <a:buAutoNum type="arabicPeriod"/>
-              <a:tabLst/>
-              <a:defRPr/>
-            </a:pPr>
-            <a:r>
-              <a:rPr kumimoji="0" lang="it-IT" sz="2400" b="0" i="0" u="none" strike="noStrike" kern="1200" cap="none" spc="0" normalizeH="0" baseline="0" noProof="0" dirty="0">
-                <a:ln>
-                  <a:noFill/>
-                </a:ln>
-                <a:solidFill>
-                  <a:prstClr val="black"/>
-                </a:solidFill>
-                <a:effectLst/>
-                <a:uLnTx/>
-                <a:uFillTx/>
-                <a:latin typeface="Calibri" panose="020F0502020204030204"/>
-                <a:ea typeface="+mn-ea"/>
-                <a:cs typeface="+mn-cs"/>
-              </a:rPr>
-              <a:t>Il rischio operativo a livello attuariale </a:t>
-            </a:r>
-          </a:p>
-          <a:p>
-            <a:pPr marL="514350" marR="0" lvl="0" indent="-514350" algn="l" defTabSz="914400" rtl="0" eaLnBrk="1" fontAlgn="auto" latinLnBrk="0" hangingPunct="1">
-              <a:lnSpc>
-                <a:spcPct val="90000"/>
-              </a:lnSpc>
-              <a:spcBef>
-                <a:spcPts val="1000"/>
-              </a:spcBef>
-              <a:spcAft>
-                <a:spcPts val="0"/>
-              </a:spcAft>
-              <a:buClrTx/>
-              <a:buSzTx/>
-              <a:buFont typeface="+mj-lt"/>
-              <a:buAutoNum type="arabicPeriod"/>
-              <a:tabLst/>
-              <a:defRPr/>
-            </a:pPr>
-            <a:r>
-              <a:rPr kumimoji="0" lang="it-IT" sz="2400" b="0" i="0" u="none" strike="noStrike" kern="1200" cap="none" spc="0" normalizeH="0" baseline="0" noProof="0" dirty="0">
-                <a:ln>
-                  <a:noFill/>
-                </a:ln>
-                <a:solidFill>
-                  <a:prstClr val="black"/>
-                </a:solidFill>
-                <a:effectLst/>
-                <a:uLnTx/>
-                <a:uFillTx/>
-                <a:latin typeface="Calibri" panose="020F0502020204030204"/>
-                <a:ea typeface="+mn-ea"/>
-                <a:cs typeface="+mn-cs"/>
-              </a:rPr>
-              <a:t>Il </a:t>
-            </a:r>
-            <a:r>
-              <a:rPr kumimoji="0" lang="it-IT" sz="2400" b="0" i="0" u="none" strike="noStrike" kern="1200" cap="none" spc="0" normalizeH="0" baseline="0" noProof="0" dirty="0" err="1">
-                <a:ln>
-                  <a:noFill/>
-                </a:ln>
-                <a:solidFill>
-                  <a:prstClr val="black"/>
-                </a:solidFill>
-                <a:effectLst/>
-                <a:uLnTx/>
-                <a:uFillTx/>
-                <a:latin typeface="Calibri" panose="020F0502020204030204"/>
-                <a:ea typeface="+mn-ea"/>
-                <a:cs typeface="+mn-cs"/>
-              </a:rPr>
-              <a:t>Loss</a:t>
-            </a:r>
-            <a:r>
-              <a:rPr kumimoji="0" lang="it-IT" sz="2400" b="0" i="0" u="none" strike="noStrike" kern="1200" cap="none" spc="0" normalizeH="0" baseline="0" noProof="0" dirty="0">
-                <a:ln>
-                  <a:noFill/>
-                </a:ln>
-                <a:solidFill>
-                  <a:prstClr val="black"/>
-                </a:solidFill>
-                <a:effectLst/>
-                <a:uLnTx/>
-                <a:uFillTx/>
-                <a:latin typeface="Calibri" panose="020F0502020204030204"/>
-                <a:ea typeface="+mn-ea"/>
-                <a:cs typeface="+mn-cs"/>
-              </a:rPr>
-              <a:t> Distribution </a:t>
-            </a:r>
-            <a:r>
-              <a:rPr kumimoji="0" lang="it-IT" sz="2400" b="0" i="0" u="none" strike="noStrike" kern="1200" cap="none" spc="0" normalizeH="0" baseline="0" noProof="0" dirty="0" err="1">
-                <a:ln>
-                  <a:noFill/>
-                </a:ln>
-                <a:solidFill>
-                  <a:prstClr val="black"/>
-                </a:solidFill>
-                <a:effectLst/>
-                <a:uLnTx/>
-                <a:uFillTx/>
-                <a:latin typeface="Calibri" panose="020F0502020204030204"/>
-                <a:ea typeface="+mn-ea"/>
-                <a:cs typeface="+mn-cs"/>
-              </a:rPr>
-              <a:t>Approach</a:t>
-            </a:r>
-            <a:r>
-              <a:rPr kumimoji="0" lang="it-IT" sz="2400" b="0" i="0" u="none" strike="noStrike" kern="1200" cap="none" spc="0" normalizeH="0" baseline="0" noProof="0" dirty="0">
-                <a:ln>
-                  <a:noFill/>
-                </a:ln>
-                <a:solidFill>
-                  <a:prstClr val="black"/>
-                </a:solidFill>
-                <a:effectLst/>
-                <a:uLnTx/>
-                <a:uFillTx/>
-                <a:latin typeface="Calibri" panose="020F0502020204030204"/>
-                <a:ea typeface="+mn-ea"/>
-                <a:cs typeface="+mn-cs"/>
-              </a:rPr>
-              <a:t> (LDA)</a:t>
-            </a:r>
-          </a:p>
-          <a:p>
-            <a:pPr marL="514350" marR="0" lvl="0" indent="-514350" algn="l" defTabSz="914400" rtl="0" eaLnBrk="1" fontAlgn="auto" latinLnBrk="0" hangingPunct="1">
-              <a:lnSpc>
-                <a:spcPct val="90000"/>
-              </a:lnSpc>
-              <a:spcBef>
-                <a:spcPts val="1000"/>
-              </a:spcBef>
-              <a:spcAft>
-                <a:spcPts val="0"/>
-              </a:spcAft>
-              <a:buClrTx/>
-              <a:buSzTx/>
-              <a:buFont typeface="+mj-lt"/>
-              <a:buAutoNum type="arabicPeriod"/>
-              <a:tabLst/>
-              <a:defRPr/>
-            </a:pPr>
-            <a:r>
-              <a:rPr kumimoji="0" lang="it-IT" sz="2400" i="0" u="none" strike="noStrike" kern="1200" cap="none" spc="0" normalizeH="0" baseline="0" noProof="0" dirty="0">
-                <a:ln>
-                  <a:noFill/>
-                </a:ln>
-                <a:effectLst/>
-                <a:uLnTx/>
-                <a:uFillTx/>
-                <a:latin typeface="Calibri" panose="020F0502020204030204"/>
-                <a:ea typeface="+mn-ea"/>
-                <a:cs typeface="+mn-cs"/>
-              </a:rPr>
-              <a:t>Indicatori di rischio: VAR (</a:t>
-            </a:r>
-            <a:r>
-              <a:rPr kumimoji="0" lang="it-IT" sz="2400" i="1" u="none" strike="noStrike" kern="1200" cap="none" spc="0" normalizeH="0" baseline="0" noProof="0" dirty="0">
-                <a:ln>
-                  <a:noFill/>
-                </a:ln>
-                <a:effectLst/>
-                <a:uLnTx/>
-                <a:uFillTx/>
-                <a:latin typeface="Calibri" panose="020F0502020204030204"/>
-                <a:ea typeface="+mn-ea"/>
-                <a:cs typeface="+mn-cs"/>
-              </a:rPr>
-              <a:t>Value </a:t>
-            </a:r>
-            <a:r>
-              <a:rPr kumimoji="0" lang="it-IT" sz="2400" i="1" u="none" strike="noStrike" kern="1200" cap="none" spc="0" normalizeH="0" baseline="0" noProof="0" dirty="0" err="1">
-                <a:ln>
-                  <a:noFill/>
-                </a:ln>
-                <a:effectLst/>
-                <a:uLnTx/>
-                <a:uFillTx/>
-                <a:latin typeface="Calibri" panose="020F0502020204030204"/>
-                <a:ea typeface="+mn-ea"/>
-                <a:cs typeface="+mn-cs"/>
-              </a:rPr>
-              <a:t>at</a:t>
-            </a:r>
-            <a:r>
-              <a:rPr kumimoji="0" lang="it-IT" sz="2400" i="1" u="none" strike="noStrike" kern="1200" cap="none" spc="0" normalizeH="0" baseline="0" noProof="0" dirty="0">
-                <a:ln>
-                  <a:noFill/>
-                </a:ln>
-                <a:effectLst/>
-                <a:uLnTx/>
-                <a:uFillTx/>
-                <a:latin typeface="Calibri" panose="020F0502020204030204"/>
-                <a:ea typeface="+mn-ea"/>
-                <a:cs typeface="+mn-cs"/>
-              </a:rPr>
-              <a:t> </a:t>
-            </a:r>
-            <a:r>
-              <a:rPr kumimoji="0" lang="it-IT" sz="2400" i="1" u="none" strike="noStrike" kern="1200" cap="none" spc="0" normalizeH="0" baseline="0" noProof="0" dirty="0" err="1">
-                <a:ln>
-                  <a:noFill/>
-                </a:ln>
-                <a:effectLst/>
-                <a:uLnTx/>
-                <a:uFillTx/>
-                <a:latin typeface="Calibri" panose="020F0502020204030204"/>
-                <a:ea typeface="+mn-ea"/>
-                <a:cs typeface="+mn-cs"/>
-              </a:rPr>
-              <a:t>risk</a:t>
-            </a:r>
-            <a:r>
-              <a:rPr kumimoji="0" lang="it-IT" sz="2400" i="0" u="none" strike="noStrike" kern="1200" cap="none" spc="0" normalizeH="0" baseline="0" noProof="0" dirty="0">
-                <a:ln>
-                  <a:noFill/>
-                </a:ln>
-                <a:effectLst/>
-                <a:uLnTx/>
-                <a:uFillTx/>
-                <a:latin typeface="Calibri" panose="020F0502020204030204"/>
-                <a:ea typeface="+mn-ea"/>
-                <a:cs typeface="+mn-cs"/>
-              </a:rPr>
-              <a:t>) &amp; CAR (</a:t>
-            </a:r>
-            <a:r>
-              <a:rPr kumimoji="0" lang="it-IT" sz="2400" i="1" u="none" strike="noStrike" kern="1200" cap="none" spc="0" normalizeH="0" baseline="0" noProof="0" dirty="0">
-                <a:ln>
-                  <a:noFill/>
-                </a:ln>
-                <a:effectLst/>
-                <a:uLnTx/>
-                <a:uFillTx/>
-                <a:latin typeface="Calibri" panose="020F0502020204030204"/>
-                <a:ea typeface="+mn-ea"/>
-                <a:cs typeface="+mn-cs"/>
-              </a:rPr>
-              <a:t>Capital </a:t>
-            </a:r>
-            <a:r>
-              <a:rPr kumimoji="0" lang="it-IT" sz="2400" i="1" u="none" strike="noStrike" kern="1200" cap="none" spc="0" normalizeH="0" baseline="0" noProof="0" dirty="0" err="1">
-                <a:ln>
-                  <a:noFill/>
-                </a:ln>
-                <a:effectLst/>
-                <a:uLnTx/>
-                <a:uFillTx/>
-                <a:latin typeface="Calibri" panose="020F0502020204030204"/>
-                <a:ea typeface="+mn-ea"/>
-                <a:cs typeface="+mn-cs"/>
-              </a:rPr>
-              <a:t>at</a:t>
-            </a:r>
-            <a:r>
-              <a:rPr kumimoji="0" lang="it-IT" sz="2400" i="1" u="none" strike="noStrike" kern="1200" cap="none" spc="0" normalizeH="0" baseline="0" noProof="0" dirty="0">
-                <a:ln>
-                  <a:noFill/>
-                </a:ln>
-                <a:effectLst/>
-                <a:uLnTx/>
-                <a:uFillTx/>
-                <a:latin typeface="Calibri" panose="020F0502020204030204"/>
-                <a:ea typeface="+mn-ea"/>
-                <a:cs typeface="+mn-cs"/>
-              </a:rPr>
-              <a:t> </a:t>
-            </a:r>
-            <a:r>
-              <a:rPr kumimoji="0" lang="it-IT" sz="2400" i="1" u="none" strike="noStrike" kern="1200" cap="none" spc="0" normalizeH="0" baseline="0" noProof="0" dirty="0" err="1">
-                <a:ln>
-                  <a:noFill/>
-                </a:ln>
-                <a:effectLst/>
-                <a:uLnTx/>
-                <a:uFillTx/>
-                <a:latin typeface="Calibri" panose="020F0502020204030204"/>
-                <a:ea typeface="+mn-ea"/>
-                <a:cs typeface="+mn-cs"/>
-              </a:rPr>
-              <a:t>risk</a:t>
-            </a:r>
-            <a:r>
-              <a:rPr kumimoji="0" lang="it-IT" sz="2400" i="0" u="none" strike="noStrike" kern="1200" cap="none" spc="0" normalizeH="0" baseline="0" noProof="0" dirty="0">
-                <a:ln>
-                  <a:noFill/>
-                </a:ln>
-                <a:effectLst/>
-                <a:uLnTx/>
-                <a:uFillTx/>
-                <a:latin typeface="Calibri" panose="020F0502020204030204"/>
-                <a:ea typeface="+mn-ea"/>
-                <a:cs typeface="+mn-cs"/>
-              </a:rPr>
-              <a:t>)</a:t>
-            </a:r>
-          </a:p>
-          <a:p>
-            <a:pPr marL="514350" marR="0" lvl="0" indent="-514350" algn="l" defTabSz="914400" rtl="0" eaLnBrk="1" fontAlgn="auto" latinLnBrk="0" hangingPunct="1">
-              <a:lnSpc>
-                <a:spcPct val="90000"/>
-              </a:lnSpc>
-              <a:spcBef>
-                <a:spcPts val="1000"/>
-              </a:spcBef>
-              <a:spcAft>
-                <a:spcPts val="0"/>
-              </a:spcAft>
-              <a:buClrTx/>
-              <a:buSzTx/>
-              <a:buFont typeface="+mj-lt"/>
-              <a:buAutoNum type="arabicPeriod"/>
-              <a:tabLst/>
-              <a:defRPr/>
-            </a:pPr>
-            <a:r>
-              <a:rPr kumimoji="0" lang="it-IT" sz="2400" b="1" i="0" u="none" strike="noStrike" kern="1200" cap="none" spc="0" normalizeH="0" baseline="0" noProof="0" dirty="0">
-                <a:ln>
-                  <a:noFill/>
-                </a:ln>
-                <a:solidFill>
-                  <a:srgbClr val="00B050"/>
-                </a:solidFill>
-                <a:effectLst/>
-                <a:uLnTx/>
-                <a:uFillTx/>
-                <a:latin typeface="Calibri" panose="020F0502020204030204"/>
-                <a:ea typeface="+mn-ea"/>
-                <a:cs typeface="+mn-cs"/>
-              </a:rPr>
-              <a:t>Applicazioni: modellizzazione della perdita e simulazione monte </a:t>
-            </a:r>
-            <a:r>
-              <a:rPr kumimoji="0" lang="it-IT" sz="2400" b="1" i="0" u="none" strike="noStrike" kern="1200" cap="none" spc="0" normalizeH="0" baseline="0" noProof="0" dirty="0" err="1">
-                <a:ln>
-                  <a:noFill/>
-                </a:ln>
-                <a:solidFill>
-                  <a:srgbClr val="00B050"/>
-                </a:solidFill>
-                <a:effectLst/>
-                <a:uLnTx/>
-                <a:uFillTx/>
-                <a:latin typeface="Calibri" panose="020F0502020204030204"/>
-                <a:ea typeface="+mn-ea"/>
-                <a:cs typeface="+mn-cs"/>
-              </a:rPr>
-              <a:t>carlo</a:t>
-            </a:r>
-            <a:endParaRPr kumimoji="0" lang="it-IT" sz="2400" b="1" i="0" u="none" strike="noStrike" kern="1200" cap="none" spc="0" normalizeH="0" baseline="0" noProof="0" dirty="0">
-              <a:ln>
-                <a:noFill/>
-              </a:ln>
-              <a:solidFill>
-                <a:srgbClr val="00B050"/>
-              </a:solidFill>
-              <a:effectLst/>
-              <a:uLnTx/>
-              <a:uFillTx/>
-              <a:latin typeface="Calibri" panose="020F0502020204030204"/>
-              <a:ea typeface="+mn-ea"/>
-              <a:cs typeface="+mn-cs"/>
-            </a:endParaRPr>
-          </a:p>
-          <a:p>
-            <a:pPr marL="514350" marR="0" lvl="0" indent="-514350" algn="l" defTabSz="914400" rtl="0" eaLnBrk="1" fontAlgn="auto" latinLnBrk="0" hangingPunct="1">
-              <a:lnSpc>
-                <a:spcPct val="90000"/>
-              </a:lnSpc>
-              <a:spcBef>
-                <a:spcPts val="1000"/>
-              </a:spcBef>
-              <a:spcAft>
-                <a:spcPts val="0"/>
-              </a:spcAft>
-              <a:buClrTx/>
-              <a:buSzTx/>
-              <a:buFont typeface="+mj-lt"/>
-              <a:buAutoNum type="arabicPeriod"/>
-              <a:tabLst/>
-              <a:defRPr/>
-            </a:pPr>
-            <a:r>
-              <a:rPr kumimoji="0" lang="it-IT" sz="2400" b="0" i="0" u="none" strike="noStrike" kern="1200" cap="none" spc="0" normalizeH="0" baseline="0" noProof="0" dirty="0">
-                <a:ln>
-                  <a:noFill/>
-                </a:ln>
-                <a:solidFill>
-                  <a:prstClr val="black"/>
-                </a:solidFill>
-                <a:effectLst/>
-                <a:uLnTx/>
-                <a:uFillTx/>
-                <a:latin typeface="Calibri" panose="020F0502020204030204"/>
-                <a:ea typeface="+mn-ea"/>
-                <a:cs typeface="+mn-cs"/>
-              </a:rPr>
-              <a:t>Confronto fra distribuzioni</a:t>
-            </a:r>
-          </a:p>
-          <a:p>
-            <a:pPr marL="514350" marR="0" lvl="0" indent="-514350" algn="l" defTabSz="914400" rtl="0" eaLnBrk="1" fontAlgn="auto" latinLnBrk="0" hangingPunct="1">
-              <a:lnSpc>
-                <a:spcPct val="90000"/>
-              </a:lnSpc>
-              <a:spcBef>
-                <a:spcPts val="1000"/>
-              </a:spcBef>
-              <a:spcAft>
-                <a:spcPts val="0"/>
-              </a:spcAft>
-              <a:buClrTx/>
-              <a:buSzTx/>
-              <a:buFont typeface="+mj-lt"/>
-              <a:buAutoNum type="arabicPeriod"/>
-              <a:tabLst/>
-              <a:defRPr/>
-            </a:pPr>
-            <a:r>
-              <a:rPr kumimoji="0" lang="it-IT" sz="2400" b="0" i="0" u="none" strike="noStrike" kern="1200" cap="none" spc="0" normalizeH="0" baseline="0" noProof="0" dirty="0">
-                <a:ln>
-                  <a:noFill/>
-                </a:ln>
-                <a:solidFill>
-                  <a:prstClr val="black"/>
-                </a:solidFill>
-                <a:effectLst/>
-                <a:uLnTx/>
-                <a:uFillTx/>
-                <a:latin typeface="Calibri" panose="020F0502020204030204"/>
-                <a:ea typeface="+mn-ea"/>
-                <a:cs typeface="+mn-cs"/>
-              </a:rPr>
-              <a:t>Vantaggi e limiti del </a:t>
-            </a:r>
-            <a:r>
-              <a:rPr kumimoji="0" lang="it-IT" sz="2400" b="0" i="0" u="none" strike="noStrike" kern="1200" cap="none" spc="0" normalizeH="0" baseline="0" noProof="0" dirty="0" err="1">
-                <a:ln>
-                  <a:noFill/>
-                </a:ln>
-                <a:solidFill>
-                  <a:prstClr val="black"/>
-                </a:solidFill>
-                <a:effectLst/>
-                <a:uLnTx/>
-                <a:uFillTx/>
-                <a:latin typeface="Calibri" panose="020F0502020204030204"/>
-                <a:ea typeface="+mn-ea"/>
-                <a:cs typeface="+mn-cs"/>
-              </a:rPr>
-              <a:t>Loss</a:t>
-            </a:r>
-            <a:r>
-              <a:rPr kumimoji="0" lang="it-IT" sz="2400" b="0" i="0" u="none" strike="noStrike" kern="1200" cap="none" spc="0" normalizeH="0" baseline="0" noProof="0" dirty="0">
-                <a:ln>
-                  <a:noFill/>
-                </a:ln>
-                <a:solidFill>
-                  <a:prstClr val="black"/>
-                </a:solidFill>
-                <a:effectLst/>
-                <a:uLnTx/>
-                <a:uFillTx/>
-                <a:latin typeface="Calibri" panose="020F0502020204030204"/>
-                <a:ea typeface="+mn-ea"/>
-                <a:cs typeface="+mn-cs"/>
-              </a:rPr>
-              <a:t> Distribution </a:t>
-            </a:r>
-            <a:r>
-              <a:rPr kumimoji="0" lang="it-IT" sz="2400" b="0" i="0" u="none" strike="noStrike" kern="1200" cap="none" spc="0" normalizeH="0" baseline="0" noProof="0" dirty="0" err="1">
-                <a:ln>
-                  <a:noFill/>
-                </a:ln>
-                <a:solidFill>
-                  <a:prstClr val="black"/>
-                </a:solidFill>
-                <a:effectLst/>
-                <a:uLnTx/>
-                <a:uFillTx/>
-                <a:latin typeface="Calibri" panose="020F0502020204030204"/>
-                <a:ea typeface="+mn-ea"/>
-                <a:cs typeface="+mn-cs"/>
-              </a:rPr>
-              <a:t>Approach</a:t>
-            </a:r>
-            <a:endParaRPr kumimoji="0" lang="it-IT" sz="2400" b="0" i="0" u="none" strike="noStrike" kern="1200" cap="none" spc="0" normalizeH="0" baseline="0" noProof="0" dirty="0">
-              <a:ln>
-                <a:noFill/>
-              </a:ln>
-              <a:solidFill>
-                <a:prstClr val="black"/>
-              </a:solidFill>
-              <a:effectLst/>
-              <a:uLnTx/>
-              <a:uFillTx/>
-              <a:latin typeface="Calibri" panose="020F0502020204030204"/>
-              <a:ea typeface="+mn-ea"/>
-              <a:cs typeface="+mn-cs"/>
-            </a:endParaRPr>
-          </a:p>
-          <a:p>
-            <a:pPr marL="514350" marR="0" lvl="0" indent="-514350" algn="l" defTabSz="914400" rtl="0" eaLnBrk="1" fontAlgn="auto" latinLnBrk="0" hangingPunct="1">
-              <a:lnSpc>
-                <a:spcPct val="90000"/>
-              </a:lnSpc>
-              <a:spcBef>
-                <a:spcPts val="1000"/>
-              </a:spcBef>
-              <a:spcAft>
-                <a:spcPts val="0"/>
-              </a:spcAft>
-              <a:buClrTx/>
-              <a:buSzTx/>
-              <a:buFont typeface="+mj-lt"/>
-              <a:buAutoNum type="arabicPeriod"/>
-              <a:tabLst/>
-              <a:defRPr/>
-            </a:pPr>
-            <a:endParaRPr kumimoji="0" lang="it-IT" sz="2400" b="0" i="0" u="none" strike="noStrike" kern="1200" cap="none" spc="0" normalizeH="0" baseline="0" noProof="0" dirty="0">
-              <a:ln>
-                <a:noFill/>
-              </a:ln>
-              <a:solidFill>
-                <a:prstClr val="black"/>
-              </a:solidFill>
-              <a:effectLst/>
-              <a:uLnTx/>
-              <a:uFillTx/>
-              <a:latin typeface="Calibri" panose="020F0502020204030204"/>
-              <a:ea typeface="+mn-ea"/>
-              <a:cs typeface="+mn-cs"/>
-            </a:endParaRPr>
-          </a:p>
-        </p:txBody>
-      </p:sp>
-      <p:sp>
-        <p:nvSpPr>
-          <p:cNvPr id="7" name="CasellaDiTesto 6"/>
-          <p:cNvSpPr txBox="1"/>
-          <p:nvPr/>
-        </p:nvSpPr>
-        <p:spPr>
-          <a:xfrm>
-            <a:off x="1172814" y="6308035"/>
-            <a:ext cx="9846368" cy="261610"/>
-          </a:xfrm>
-          <a:prstGeom prst="rect">
-            <a:avLst/>
-          </a:prstGeom>
-          <a:noFill/>
-        </p:spPr>
-        <p:txBody>
-          <a:bodyPr wrap="square" rtlCol="0">
-            <a:spAutoFit/>
-          </a:bodyPr>
-          <a:lstStyle/>
-          <a:p>
-            <a:pPr marL="0" marR="0" lvl="0" indent="0" algn="ctr" defTabSz="914400" rtl="0" eaLnBrk="1" fontAlgn="auto" latinLnBrk="0" hangingPunct="1">
-              <a:lnSpc>
-                <a:spcPct val="100000"/>
-              </a:lnSpc>
-              <a:spcBef>
-                <a:spcPts val="0"/>
-              </a:spcBef>
-              <a:spcAft>
-                <a:spcPts val="0"/>
-              </a:spcAft>
-              <a:buClrTx/>
-              <a:buSzTx/>
-              <a:buFontTx/>
-              <a:buNone/>
-              <a:tabLst/>
-              <a:defRPr/>
-            </a:pPr>
-            <a:r>
-              <a:rPr kumimoji="0" lang="it-IT" sz="1100" b="0" i="1" u="none" strike="noStrike" kern="1200" cap="none" spc="0" normalizeH="0" baseline="0" noProof="0" dirty="0">
-                <a:ln>
-                  <a:noFill/>
-                </a:ln>
-                <a:solidFill>
-                  <a:prstClr val="black"/>
-                </a:solidFill>
-                <a:effectLst/>
-                <a:uLnTx/>
-                <a:uFillTx/>
-                <a:latin typeface="Calibri" panose="020F0502020204030204"/>
-                <a:ea typeface="+mn-ea"/>
-                <a:cs typeface="+mn-cs"/>
-              </a:rPr>
-              <a:t>ERIK HOLLER  - ELIA SCARPARO- STEFANO ZAMPIERO</a:t>
-            </a:r>
-          </a:p>
-        </p:txBody>
-      </p:sp>
-      <p:sp>
-        <p:nvSpPr>
-          <p:cNvPr id="9" name="CasellaDiTesto 8"/>
-          <p:cNvSpPr txBox="1"/>
-          <p:nvPr/>
-        </p:nvSpPr>
-        <p:spPr>
-          <a:xfrm>
-            <a:off x="7281376" y="112014"/>
-            <a:ext cx="4532908" cy="307777"/>
-          </a:xfrm>
-          <a:prstGeom prst="rect">
-            <a:avLst/>
-          </a:prstGeom>
-          <a:noFill/>
-        </p:spPr>
-        <p:txBody>
-          <a:bodyPr wrap="none" rtlCol="0">
-            <a:spAutoFit/>
-          </a:bodyPr>
-          <a:lstStyle/>
-          <a:p>
-            <a:pPr marL="0" marR="0" lvl="0" indent="0" algn="l" defTabSz="914400" rtl="0" eaLnBrk="1" fontAlgn="auto" latinLnBrk="0" hangingPunct="1">
-              <a:lnSpc>
-                <a:spcPct val="100000"/>
-              </a:lnSpc>
-              <a:spcBef>
-                <a:spcPts val="0"/>
-              </a:spcBef>
-              <a:spcAft>
-                <a:spcPts val="0"/>
-              </a:spcAft>
-              <a:buClrTx/>
-              <a:buSzTx/>
-              <a:buFontTx/>
-              <a:buNone/>
-              <a:tabLst/>
-              <a:defRPr/>
-            </a:pPr>
-            <a:r>
-              <a:rPr kumimoji="0" lang="it-IT" sz="1400" b="0" i="1" u="none" strike="noStrike" kern="1200" cap="none" spc="0" normalizeH="0" baseline="0" noProof="0" dirty="0">
-                <a:ln>
-                  <a:noFill/>
-                </a:ln>
-                <a:solidFill>
-                  <a:prstClr val="black"/>
-                </a:solidFill>
-                <a:effectLst/>
-                <a:uLnTx/>
-                <a:uFillTx/>
-                <a:latin typeface="Calibri" panose="020F0502020204030204"/>
-                <a:ea typeface="+mn-ea"/>
-                <a:cs typeface="+mn-cs"/>
-              </a:rPr>
-              <a:t>LABORATORIO DI SIMULAZIONI FINANZIARIE A.A. 2017-2018</a:t>
-            </a:r>
-          </a:p>
-        </p:txBody>
-      </p:sp>
-    </p:spTree>
-    <p:extLst>
-      <p:ext uri="{BB962C8B-B14F-4D97-AF65-F5344CB8AC3E}">
-        <p14:creationId xmlns:p14="http://schemas.microsoft.com/office/powerpoint/2010/main" val="2844244389"/>
-      </p:ext>
-    </p:extLst>
-  </p:cSld>
-  <p:clrMapOvr>
-    <a:masterClrMapping/>
-  </p:clrMapOvr>
+  <p:timing>
+    <p:tnLst>
+      <p:par>
+        <p:cTn id="1" dur="indefinite" restart="never" nodeType="tmRoot"/>
+      </p:par>
+    </p:tnLst>
+  </p:timing>
 </p:sld>
 </file>
 
@@ -17110,6 +17143,13 @@
   <p:clrMapOvr>
     <a:masterClrMapping/>
   </p:clrMapOvr>
+  <p:timing>
+    <p:tnLst>
+      <p:par>
+        <p:cTn id="1" dur="indefinite" restart="never" nodeType="tmRoot"/>
+      </p:par>
+    </p:tnLst>
+  </p:timing>
 </p:sld>
 </file>
 
@@ -17132,7 +17172,7 @@
       </p:grpSpPr>
       <p:sp>
         <p:nvSpPr>
-          <p:cNvPr id="5" name="Segnaposto contenuto 2"/>
+          <p:cNvPr id="4" name="Titolo 1"/>
           <p:cNvSpPr txBox="1">
             <a:spLocks/>
           </p:cNvSpPr>
@@ -17140,367 +17180,40 @@
         </p:nvSpPr>
         <p:spPr>
           <a:xfrm>
-            <a:off x="952499" y="1829483"/>
-            <a:ext cx="10515600" cy="4478552"/>
+            <a:off x="838198" y="91726"/>
+            <a:ext cx="10515600" cy="1325563"/>
           </a:xfrm>
           <a:prstGeom prst="rect">
             <a:avLst/>
           </a:prstGeom>
         </p:spPr>
         <p:txBody>
-          <a:bodyPr vert="horz" lIns="91440" tIns="45720" rIns="91440" bIns="45720" rtlCol="0">
+          <a:bodyPr vert="horz" lIns="91440" tIns="45720" rIns="91440" bIns="45720" rtlCol="0" anchor="b">
             <a:normAutofit/>
           </a:bodyPr>
           <a:lstStyle>
-            <a:lvl1pPr marL="0" indent="0" algn="ctr" defTabSz="914400" rtl="0" eaLnBrk="1" latinLnBrk="0" hangingPunct="1">
+            <a:lvl1pPr algn="ctr" defTabSz="914400" rtl="0" eaLnBrk="1" latinLnBrk="0" hangingPunct="1">
               <a:lnSpc>
                 <a:spcPct val="90000"/>
               </a:lnSpc>
               <a:spcBef>
-                <a:spcPts val="1000"/>
+                <a:spcPct val="0"/>
               </a:spcBef>
-              <a:buFont typeface="Arial" panose="020B0604020202020204" pitchFamily="34" charset="0"/>
-              <a:buNone/>
-              <a:defRPr sz="2400" kern="1200">
+              <a:buNone/>
+              <a:defRPr sz="6000" kern="1200">
                 <a:solidFill>
                   <a:schemeClr val="tx1"/>
                 </a:solidFill>
-                <a:latin typeface="+mn-lt"/>
-                <a:ea typeface="+mn-ea"/>
-                <a:cs typeface="+mn-cs"/>
+                <a:latin typeface="+mj-lt"/>
+                <a:ea typeface="+mj-ea"/>
+                <a:cs typeface="+mj-cs"/>
               </a:defRPr>
             </a:lvl1pPr>
-            <a:lvl2pPr marL="457200" indent="0" algn="ctr" defTabSz="914400" rtl="0" eaLnBrk="1" latinLnBrk="0" hangingPunct="1">
-              <a:lnSpc>
-                <a:spcPct val="90000"/>
-              </a:lnSpc>
-              <a:spcBef>
-                <a:spcPts val="500"/>
-              </a:spcBef>
-              <a:buFont typeface="Arial" panose="020B0604020202020204" pitchFamily="34" charset="0"/>
-              <a:buNone/>
-              <a:defRPr sz="2000" kern="1200">
-                <a:solidFill>
-                  <a:schemeClr val="tx1"/>
-                </a:solidFill>
-                <a:latin typeface="+mn-lt"/>
-                <a:ea typeface="+mn-ea"/>
-                <a:cs typeface="+mn-cs"/>
-              </a:defRPr>
-            </a:lvl2pPr>
-            <a:lvl3pPr marL="914400" indent="0" algn="ctr" defTabSz="914400" rtl="0" eaLnBrk="1" latinLnBrk="0" hangingPunct="1">
-              <a:lnSpc>
-                <a:spcPct val="90000"/>
-              </a:lnSpc>
-              <a:spcBef>
-                <a:spcPts val="500"/>
-              </a:spcBef>
-              <a:buFont typeface="Arial" panose="020B0604020202020204" pitchFamily="34" charset="0"/>
-              <a:buNone/>
-              <a:defRPr sz="1800" kern="1200">
-                <a:solidFill>
-                  <a:schemeClr val="tx1"/>
-                </a:solidFill>
-                <a:latin typeface="+mn-lt"/>
-                <a:ea typeface="+mn-ea"/>
-                <a:cs typeface="+mn-cs"/>
-              </a:defRPr>
-            </a:lvl3pPr>
-            <a:lvl4pPr marL="1371600" indent="0" algn="ctr" defTabSz="914400" rtl="0" eaLnBrk="1" latinLnBrk="0" hangingPunct="1">
-              <a:lnSpc>
-                <a:spcPct val="90000"/>
-              </a:lnSpc>
-              <a:spcBef>
-                <a:spcPts val="500"/>
-              </a:spcBef>
-              <a:buFont typeface="Arial" panose="020B0604020202020204" pitchFamily="34" charset="0"/>
-              <a:buNone/>
-              <a:defRPr sz="1600" kern="1200">
-                <a:solidFill>
-                  <a:schemeClr val="tx1"/>
-                </a:solidFill>
-                <a:latin typeface="+mn-lt"/>
-                <a:ea typeface="+mn-ea"/>
-                <a:cs typeface="+mn-cs"/>
-              </a:defRPr>
-            </a:lvl4pPr>
-            <a:lvl5pPr marL="1828800" indent="0" algn="ctr" defTabSz="914400" rtl="0" eaLnBrk="1" latinLnBrk="0" hangingPunct="1">
-              <a:lnSpc>
-                <a:spcPct val="90000"/>
-              </a:lnSpc>
-              <a:spcBef>
-                <a:spcPts val="500"/>
-              </a:spcBef>
-              <a:buFont typeface="Arial" panose="020B0604020202020204" pitchFamily="34" charset="0"/>
-              <a:buNone/>
-              <a:defRPr sz="1600" kern="1200">
-                <a:solidFill>
-                  <a:schemeClr val="tx1"/>
-                </a:solidFill>
-                <a:latin typeface="+mn-lt"/>
-                <a:ea typeface="+mn-ea"/>
-                <a:cs typeface="+mn-cs"/>
-              </a:defRPr>
-            </a:lvl5pPr>
-            <a:lvl6pPr marL="2286000" indent="0" algn="ctr" defTabSz="914400" rtl="0" eaLnBrk="1" latinLnBrk="0" hangingPunct="1">
-              <a:lnSpc>
-                <a:spcPct val="90000"/>
-              </a:lnSpc>
-              <a:spcBef>
-                <a:spcPts val="500"/>
-              </a:spcBef>
-              <a:buFont typeface="Arial" panose="020B0604020202020204" pitchFamily="34" charset="0"/>
-              <a:buNone/>
-              <a:defRPr sz="1600" kern="1200">
-                <a:solidFill>
-                  <a:schemeClr val="tx1"/>
-                </a:solidFill>
-                <a:latin typeface="+mn-lt"/>
-                <a:ea typeface="+mn-ea"/>
-                <a:cs typeface="+mn-cs"/>
-              </a:defRPr>
-            </a:lvl6pPr>
-            <a:lvl7pPr marL="2743200" indent="0" algn="ctr" defTabSz="914400" rtl="0" eaLnBrk="1" latinLnBrk="0" hangingPunct="1">
-              <a:lnSpc>
-                <a:spcPct val="90000"/>
-              </a:lnSpc>
-              <a:spcBef>
-                <a:spcPts val="500"/>
-              </a:spcBef>
-              <a:buFont typeface="Arial" panose="020B0604020202020204" pitchFamily="34" charset="0"/>
-              <a:buNone/>
-              <a:defRPr sz="1600" kern="1200">
-                <a:solidFill>
-                  <a:schemeClr val="tx1"/>
-                </a:solidFill>
-                <a:latin typeface="+mn-lt"/>
-                <a:ea typeface="+mn-ea"/>
-                <a:cs typeface="+mn-cs"/>
-              </a:defRPr>
-            </a:lvl7pPr>
-            <a:lvl8pPr marL="3200400" indent="0" algn="ctr" defTabSz="914400" rtl="0" eaLnBrk="1" latinLnBrk="0" hangingPunct="1">
-              <a:lnSpc>
-                <a:spcPct val="90000"/>
-              </a:lnSpc>
-              <a:spcBef>
-                <a:spcPts val="500"/>
-              </a:spcBef>
-              <a:buFont typeface="Arial" panose="020B0604020202020204" pitchFamily="34" charset="0"/>
-              <a:buNone/>
-              <a:defRPr sz="1600" kern="1200">
-                <a:solidFill>
-                  <a:schemeClr val="tx1"/>
-                </a:solidFill>
-                <a:latin typeface="+mn-lt"/>
-                <a:ea typeface="+mn-ea"/>
-                <a:cs typeface="+mn-cs"/>
-              </a:defRPr>
-            </a:lvl8pPr>
-            <a:lvl9pPr marL="3657600" indent="0" algn="ctr" defTabSz="914400" rtl="0" eaLnBrk="1" latinLnBrk="0" hangingPunct="1">
-              <a:lnSpc>
-                <a:spcPct val="90000"/>
-              </a:lnSpc>
-              <a:spcBef>
-                <a:spcPts val="500"/>
-              </a:spcBef>
-              <a:buFont typeface="Arial" panose="020B0604020202020204" pitchFamily="34" charset="0"/>
-              <a:buNone/>
-              <a:defRPr sz="1600" kern="1200">
-                <a:solidFill>
-                  <a:schemeClr val="tx1"/>
-                </a:solidFill>
-                <a:latin typeface="+mn-lt"/>
-                <a:ea typeface="+mn-ea"/>
-                <a:cs typeface="+mn-cs"/>
-              </a:defRPr>
-            </a:lvl9pPr>
           </a:lstStyle>
           <a:p>
-            <a:pPr marL="514350" indent="-514350" algn="l">
-              <a:buFont typeface="+mj-lt"/>
-              <a:buAutoNum type="arabicPeriod"/>
-            </a:pPr>
-            <a:r>
-              <a:rPr lang="it-IT" dirty="0">
-                <a:cs typeface="Times New Roman" panose="02020603050405020304" pitchFamily="18" charset="0"/>
-              </a:rPr>
-              <a:t>Definizione delle distribuzioni di </a:t>
-            </a:r>
-            <a:r>
-              <a:rPr lang="it-IT" dirty="0" err="1">
-                <a:cs typeface="Times New Roman" panose="02020603050405020304" pitchFamily="18" charset="0"/>
-              </a:rPr>
-              <a:t>severity</a:t>
-            </a:r>
-            <a:r>
-              <a:rPr lang="it-IT" dirty="0">
-                <a:cs typeface="Times New Roman" panose="02020603050405020304" pitchFamily="18" charset="0"/>
-              </a:rPr>
-              <a:t> e </a:t>
-            </a:r>
-            <a:r>
-              <a:rPr lang="it-IT" dirty="0" err="1">
-                <a:cs typeface="Times New Roman" panose="02020603050405020304" pitchFamily="18" charset="0"/>
-              </a:rPr>
-              <a:t>frequency</a:t>
-            </a:r>
-            <a:r>
-              <a:rPr lang="it-IT" dirty="0">
-                <a:cs typeface="Times New Roman" panose="02020603050405020304" pitchFamily="18" charset="0"/>
-              </a:rPr>
-              <a:t> ;</a:t>
-            </a:r>
-          </a:p>
-          <a:p>
-            <a:pPr marL="514350" indent="-514350" algn="l">
-              <a:buFont typeface="+mj-lt"/>
-              <a:buAutoNum type="arabicPeriod"/>
-            </a:pPr>
-            <a:r>
-              <a:rPr lang="it-IT" dirty="0">
-                <a:cs typeface="Times New Roman" panose="02020603050405020304" pitchFamily="18" charset="0"/>
-              </a:rPr>
-              <a:t>Generazione di un numero sufficiente di scenari di </a:t>
-            </a:r>
-            <a:r>
-              <a:rPr lang="it-IT" dirty="0" err="1">
-                <a:cs typeface="Times New Roman" panose="02020603050405020304" pitchFamily="18" charset="0"/>
-              </a:rPr>
-              <a:t>frequency</a:t>
-            </a:r>
-            <a:r>
-              <a:rPr lang="it-IT" dirty="0">
-                <a:cs typeface="Times New Roman" panose="02020603050405020304" pitchFamily="18" charset="0"/>
-              </a:rPr>
-              <a:t> e </a:t>
-            </a:r>
-            <a:r>
-              <a:rPr lang="it-IT" dirty="0" err="1">
-                <a:cs typeface="Times New Roman" panose="02020603050405020304" pitchFamily="18" charset="0"/>
-              </a:rPr>
-              <a:t>severity</a:t>
-            </a:r>
-            <a:r>
-              <a:rPr lang="it-IT" dirty="0">
-                <a:cs typeface="Times New Roman" panose="02020603050405020304" pitchFamily="18" charset="0"/>
-              </a:rPr>
-              <a:t>:</a:t>
-            </a:r>
-          </a:p>
-          <a:p>
-            <a:pPr marL="800100" lvl="1" indent="-342900" algn="l">
-              <a:buFont typeface="Arial" charset="0"/>
-              <a:buChar char="•"/>
-            </a:pPr>
-            <a:r>
-              <a:rPr lang="it-IT" sz="2400" dirty="0">
-                <a:cs typeface="Times New Roman" panose="02020603050405020304" pitchFamily="18" charset="0"/>
-              </a:rPr>
-              <a:t>si genera un certo numero casuale k estraendolo dalla distribuzione di </a:t>
-            </a:r>
-            <a:r>
-              <a:rPr lang="it-IT" sz="2400" dirty="0" err="1">
-                <a:cs typeface="Times New Roman" panose="02020603050405020304" pitchFamily="18" charset="0"/>
-              </a:rPr>
-              <a:t>frequency</a:t>
-            </a:r>
-            <a:r>
-              <a:rPr lang="it-IT" sz="2400" dirty="0">
-                <a:cs typeface="Times New Roman" panose="02020603050405020304" pitchFamily="18" charset="0"/>
-              </a:rPr>
-              <a:t>;</a:t>
-            </a:r>
-          </a:p>
-          <a:p>
-            <a:pPr marL="800100" lvl="1" indent="-342900" algn="l">
-              <a:buFont typeface="Arial" charset="0"/>
-              <a:buChar char="•"/>
-            </a:pPr>
-            <a:r>
-              <a:rPr lang="it-IT" sz="2400" dirty="0">
-                <a:cs typeface="Times New Roman" panose="02020603050405020304" pitchFamily="18" charset="0"/>
-              </a:rPr>
-              <a:t>si generano k variabili x</a:t>
-            </a:r>
-            <a:r>
-              <a:rPr lang="it-IT" sz="2400" baseline="-25000" dirty="0">
-                <a:cs typeface="Times New Roman" panose="02020603050405020304" pitchFamily="18" charset="0"/>
-              </a:rPr>
-              <a:t>i </a:t>
-            </a:r>
-            <a:r>
-              <a:rPr lang="it-IT" sz="2400" dirty="0">
-                <a:cs typeface="Times New Roman" panose="02020603050405020304" pitchFamily="18" charset="0"/>
-              </a:rPr>
-              <a:t>campionate dalla distribuzione di </a:t>
-            </a:r>
-            <a:r>
-              <a:rPr lang="it-IT" sz="2400" dirty="0" err="1">
-                <a:cs typeface="Times New Roman" panose="02020603050405020304" pitchFamily="18" charset="0"/>
-              </a:rPr>
-              <a:t>severity</a:t>
-            </a:r>
-            <a:r>
-              <a:rPr lang="it-IT" sz="2400" dirty="0">
-                <a:cs typeface="Times New Roman" panose="02020603050405020304" pitchFamily="18" charset="0"/>
-              </a:rPr>
-              <a:t>;</a:t>
-            </a:r>
-          </a:p>
-          <a:p>
-            <a:pPr marL="514350" indent="-514350" algn="l">
-              <a:buFont typeface="+mj-lt"/>
-              <a:buAutoNum type="arabicPeriod"/>
-            </a:pPr>
-            <a:r>
-              <a:rPr lang="it-IT" dirty="0">
-                <a:cs typeface="Times New Roman" panose="02020603050405020304" pitchFamily="18" charset="0"/>
-              </a:rPr>
-              <a:t>Si sommano le k variabili xi individuate e si trova L (perdita operativa);</a:t>
-            </a:r>
-          </a:p>
-          <a:p>
-            <a:pPr marL="514350" indent="-514350" algn="l">
-              <a:buFont typeface="+mj-lt"/>
-              <a:buAutoNum type="arabicPeriod"/>
-            </a:pPr>
-            <a:r>
-              <a:rPr lang="it-IT" dirty="0">
-                <a:cs typeface="Times New Roman" panose="02020603050405020304" pitchFamily="18" charset="0"/>
-              </a:rPr>
-              <a:t>Si ripete il processo per un numero sufficientemente grande di scenari e si studia la distribuzione delle perdite operative così ottenuta;</a:t>
-            </a:r>
-          </a:p>
-          <a:p>
-            <a:pPr marL="514350" indent="-514350" algn="l">
-              <a:buFont typeface="+mj-lt"/>
-              <a:buAutoNum type="arabicPeriod"/>
-            </a:pPr>
-            <a:r>
-              <a:rPr lang="it-IT" dirty="0">
-                <a:cs typeface="Times New Roman" panose="02020603050405020304" pitchFamily="18" charset="0"/>
-              </a:rPr>
-              <a:t>Dalla distribuzione cumulativa empirica di L si individua il </a:t>
-            </a:r>
-            <a:r>
-              <a:rPr lang="it-IT" dirty="0" err="1">
-                <a:cs typeface="Times New Roman" panose="02020603050405020304" pitchFamily="18" charset="0"/>
-              </a:rPr>
-              <a:t>VaR</a:t>
-            </a:r>
-            <a:r>
-              <a:rPr lang="it-IT" dirty="0">
-                <a:cs typeface="Times New Roman" panose="02020603050405020304" pitchFamily="18" charset="0"/>
-              </a:rPr>
-              <a:t> come percentile al livello desiderato</a:t>
-            </a:r>
-          </a:p>
-          <a:p>
-            <a:pPr marL="514350" indent="-514350" algn="l">
-              <a:buFont typeface="+mj-lt"/>
-              <a:buAutoNum type="arabicPeriod"/>
-            </a:pPr>
-            <a:endParaRPr lang="it-IT" dirty="0"/>
+            <a:endParaRPr lang="it-IT" sz="4000" dirty="0">
+              <a:latin typeface="Bodoni MT" pitchFamily="18" charset="0"/>
+            </a:endParaRPr>
           </a:p>
         </p:txBody>
       </p:sp>
@@ -17565,13 +17278,7 @@
       </p:sp>
       <p:sp>
         <p:nvSpPr>
-          <p:cNvPr id="10" name="Titolo 1">
-            <a:extLst>
-              <a:ext uri="{FF2B5EF4-FFF2-40B4-BE49-F238E27FC236}">
-                <a16:creationId xmlns:a16="http://schemas.microsoft.com/office/drawing/2014/main" id="{667D2EFC-04B2-4A15-B3B1-B8C3D6F915C3}"/>
-              </a:ext>
-            </a:extLst>
-          </p:cNvPr>
+          <p:cNvPr id="10" name="Titolo 1"/>
           <p:cNvSpPr txBox="1">
             <a:spLocks/>
           </p:cNvSpPr>
@@ -17579,8 +17286,8 @@
         </p:nvSpPr>
         <p:spPr>
           <a:xfrm>
-            <a:off x="842961" y="419791"/>
-            <a:ext cx="10734675" cy="1325563"/>
+            <a:off x="1206723" y="244126"/>
+            <a:ext cx="10515600" cy="1325563"/>
           </a:xfrm>
           <a:prstGeom prst="rect">
             <a:avLst/>
@@ -17588,7 +17295,7 @@
         </p:spPr>
         <p:txBody>
           <a:bodyPr vert="horz" lIns="91440" tIns="45720" rIns="91440" bIns="45720" rtlCol="0" anchor="b">
-            <a:normAutofit fontScale="97500"/>
+            <a:normAutofit/>
           </a:bodyPr>
           <a:lstStyle>
             <a:lvl1pPr algn="ctr" defTabSz="914400" rtl="0" eaLnBrk="1" latinLnBrk="0" hangingPunct="1">
@@ -17613,30 +17320,65 @@
             <a:r>
               <a:rPr lang="it-IT" sz="4000" dirty="0">
                 <a:latin typeface="+mn-lt"/>
-                <a:cs typeface="Times New Roman" panose="02020603050405020304" pitchFamily="18" charset="0"/>
               </a:rPr>
-              <a:t>Modellizzazione della perdita e simulazione </a:t>
-            </a:r>
-            <a:r>
-              <a:rPr lang="it-IT" sz="4000" b="1" dirty="0">
-                <a:latin typeface="+mn-lt"/>
-                <a:cs typeface="Times New Roman" panose="02020603050405020304" pitchFamily="18" charset="0"/>
-              </a:rPr>
-              <a:t>Monte Carlo</a:t>
-            </a:r>
+              <a:t>Vediamo alcuni valori della matrice L </a:t>
+            </a:r>
+            <a:endParaRPr lang="it-IT" sz="4000" b="1" i="1" dirty="0">
+              <a:latin typeface="+mn-lt"/>
+            </a:endParaRPr>
           </a:p>
         </p:txBody>
       </p:sp>
+      <p:pic>
+        <p:nvPicPr>
+          <p:cNvPr id="12" name="Immagine 11"/>
+          <p:cNvPicPr/>
+          <p:nvPr/>
+        </p:nvPicPr>
+        <p:blipFill>
+          <a:blip r:embed="rId2">
+            <a:extLst>
+              <a:ext uri="{28A0092B-C50C-407E-A947-70E740481C1C}">
+                <a14:useLocalDpi xmlns:a14="http://schemas.microsoft.com/office/drawing/2010/main" val="0"/>
+              </a:ext>
+            </a:extLst>
+          </a:blip>
+          <a:srcRect/>
+          <a:stretch>
+            <a:fillRect/>
+          </a:stretch>
+        </p:blipFill>
+        <p:spPr bwMode="auto">
+          <a:xfrm>
+            <a:off x="1337733" y="2438400"/>
+            <a:ext cx="10016065" cy="1727200"/>
+          </a:xfrm>
+          <a:prstGeom prst="rect">
+            <a:avLst/>
+          </a:prstGeom>
+          <a:noFill/>
+          <a:ln>
+            <a:noFill/>
+          </a:ln>
+        </p:spPr>
+      </p:pic>
     </p:spTree>
     <p:extLst>
       <p:ext uri="{BB962C8B-B14F-4D97-AF65-F5344CB8AC3E}">
-        <p14:creationId xmlns:p14="http://schemas.microsoft.com/office/powerpoint/2010/main" val="882985552"/>
+        <p14:creationId xmlns:p14="http://schemas.microsoft.com/office/powerpoint/2010/main" val="1690921420"/>
       </p:ext>
     </p:extLst>
   </p:cSld>
   <p:clrMapOvr>
     <a:masterClrMapping/>
   </p:clrMapOvr>
+  <p:timing>
+    <p:tnLst>
+      <p:par>
+        <p:cTn id="1" dur="indefinite" restart="never" nodeType="tmRoot"/>
+      </p:par>
+    </p:tnLst>
+  </p:timing>
 </p:sld>
 </file>
 
@@ -17768,7 +17510,7 @@
           <p:cNvPr id="6" name="Segnaposto contenuto 2">
             <a:extLst>
               <a:ext uri="{FF2B5EF4-FFF2-40B4-BE49-F238E27FC236}">
-                <a16:creationId xmlns:a16="http://schemas.microsoft.com/office/drawing/2014/main" id="{3E1B8146-377A-4E32-B838-476B02B1AB2C}"/>
+                <a16:creationId xmlns="" xmlns:a16="http://schemas.microsoft.com/office/drawing/2014/main" id="{3E1B8146-377A-4E32-B838-476B02B1AB2C}"/>
               </a:ext>
             </a:extLst>
           </p:cNvPr>
@@ -18051,7 +17793,7 @@
           <p:cNvPr id="10" name="Titolo 1">
             <a:extLst>
               <a:ext uri="{FF2B5EF4-FFF2-40B4-BE49-F238E27FC236}">
-                <a16:creationId xmlns:a16="http://schemas.microsoft.com/office/drawing/2014/main" id="{679BE2B4-5311-41F8-91D1-B43FBD555747}"/>
+                <a16:creationId xmlns="" xmlns:a16="http://schemas.microsoft.com/office/drawing/2014/main" id="{679BE2B4-5311-41F8-91D1-B43FBD555747}"/>
               </a:ext>
             </a:extLst>
           </p:cNvPr>
@@ -18114,6 +17856,13 @@
   <p:clrMapOvr>
     <a:masterClrMapping/>
   </p:clrMapOvr>
+  <p:timing>
+    <p:tnLst>
+      <p:par>
+        <p:cTn id="1" dur="indefinite" restart="never" nodeType="tmRoot"/>
+      </p:par>
+    </p:tnLst>
+  </p:timing>
 </p:sld>
 </file>
 
@@ -18245,7 +17994,7 @@
           <p:cNvPr id="6" name="Titolo 1">
             <a:extLst>
               <a:ext uri="{FF2B5EF4-FFF2-40B4-BE49-F238E27FC236}">
-                <a16:creationId xmlns:a16="http://schemas.microsoft.com/office/drawing/2014/main" id="{679BE2B4-5311-41F8-91D1-B43FBD555747}"/>
+                <a16:creationId xmlns="" xmlns:a16="http://schemas.microsoft.com/office/drawing/2014/main" id="{679BE2B4-5311-41F8-91D1-B43FBD555747}"/>
               </a:ext>
             </a:extLst>
           </p:cNvPr>
@@ -18340,7 +18089,7 @@
           <p:cNvPr id="10" name="Segnaposto contenuto 2">
             <a:extLst>
               <a:ext uri="{FF2B5EF4-FFF2-40B4-BE49-F238E27FC236}">
-                <a16:creationId xmlns:a16="http://schemas.microsoft.com/office/drawing/2014/main" id="{3E1B8146-377A-4E32-B838-476B02B1AB2C}"/>
+                <a16:creationId xmlns="" xmlns:a16="http://schemas.microsoft.com/office/drawing/2014/main" id="{3E1B8146-377A-4E32-B838-476B02B1AB2C}"/>
               </a:ext>
             </a:extLst>
           </p:cNvPr>
@@ -18565,6 +18314,13 @@
   <p:clrMapOvr>
     <a:masterClrMapping/>
   </p:clrMapOvr>
+  <p:timing>
+    <p:tnLst>
+      <p:par>
+        <p:cTn id="1" dur="indefinite" restart="never" nodeType="tmRoot"/>
+      </p:par>
+    </p:tnLst>
+  </p:timing>
 </p:sld>
 </file>
 
@@ -18590,7 +18346,7 @@
           <p:cNvPr id="4" name="CasellaDiTesto 3">
             <a:extLst>
               <a:ext uri="{FF2B5EF4-FFF2-40B4-BE49-F238E27FC236}">
-                <a16:creationId xmlns:a16="http://schemas.microsoft.com/office/drawing/2014/main" id="{504D0935-8309-405C-8523-348F8982E850}"/>
+                <a16:creationId xmlns="" xmlns:a16="http://schemas.microsoft.com/office/drawing/2014/main" id="{504D0935-8309-405C-8523-348F8982E850}"/>
               </a:ext>
             </a:extLst>
           </p:cNvPr>
@@ -18600,7 +18356,7 @@
         <p:spPr>
           <a:xfrm>
             <a:off x="1172814" y="2131920"/>
-            <a:ext cx="9841549" cy="3046988"/>
+            <a:ext cx="9841549" cy="1200329"/>
           </a:xfrm>
           <a:prstGeom prst="rect">
             <a:avLst/>
@@ -18641,59 +18397,6 @@
           <a:p>
             <a:endParaRPr lang="it-IT" sz="2400" dirty="0"/>
           </a:p>
-          <a:p>
-            <a:pPr lvl="0" algn="ctr"/>
-            <a:r>
-              <a:rPr lang="it-IT" sz="2400" dirty="0"/>
-              <a:t>CASO 1		μ = 1.5		σ</a:t>
-            </a:r>
-            <a:r>
-              <a:rPr lang="it-IT" sz="2400" baseline="30000" dirty="0"/>
-              <a:t>2 </a:t>
-            </a:r>
-            <a:r>
-              <a:rPr lang="it-IT" sz="2400" dirty="0"/>
-              <a:t>= 1</a:t>
-            </a:r>
-          </a:p>
-          <a:p>
-            <a:pPr lvl="0" algn="ctr"/>
-            <a:endParaRPr lang="it-IT" sz="2400" dirty="0"/>
-          </a:p>
-          <a:p>
-            <a:pPr lvl="0" algn="ctr"/>
-            <a:r>
-              <a:rPr lang="it-IT" sz="2400" dirty="0"/>
-              <a:t>CASO 2		μ = 1.5		σ</a:t>
-            </a:r>
-            <a:r>
-              <a:rPr lang="it-IT" sz="2400" baseline="30000" dirty="0"/>
-              <a:t>2 </a:t>
-            </a:r>
-            <a:r>
-              <a:rPr lang="it-IT" sz="2400" dirty="0"/>
-              <a:t>= 2</a:t>
-            </a:r>
-          </a:p>
-          <a:p>
-            <a:pPr lvl="0" algn="ctr"/>
-            <a:endParaRPr lang="it-IT" sz="2400" dirty="0"/>
-          </a:p>
-          <a:p>
-            <a:pPr lvl="0" algn="ctr"/>
-            <a:r>
-              <a:rPr lang="it-IT" sz="2400" dirty="0"/>
-              <a:t>CASO 3 	μ = 3		σ</a:t>
-            </a:r>
-            <a:r>
-              <a:rPr lang="it-IT" sz="2400" baseline="30000" dirty="0"/>
-              <a:t>2 </a:t>
-            </a:r>
-            <a:r>
-              <a:rPr lang="it-IT" sz="2400" dirty="0"/>
-              <a:t>= 1</a:t>
-            </a:r>
-          </a:p>
         </p:txBody>
       </p:sp>
       <p:sp>
@@ -18701,7 +18404,7 @@
           <p:cNvPr id="2" name="CasellaDiTesto 1">
             <a:extLst>
               <a:ext uri="{FF2B5EF4-FFF2-40B4-BE49-F238E27FC236}">
-                <a16:creationId xmlns:a16="http://schemas.microsoft.com/office/drawing/2014/main" id="{F198FE20-DB05-4E34-A078-F69B0D355089}"/>
+                <a16:creationId xmlns="" xmlns:a16="http://schemas.microsoft.com/office/drawing/2014/main" id="{F198FE20-DB05-4E34-A078-F69B0D355089}"/>
               </a:ext>
             </a:extLst>
           </p:cNvPr>
@@ -18750,7 +18453,7 @@
           <p:cNvPr id="5" name="CasellaDiTesto 4">
             <a:extLst>
               <a:ext uri="{FF2B5EF4-FFF2-40B4-BE49-F238E27FC236}">
-                <a16:creationId xmlns:a16="http://schemas.microsoft.com/office/drawing/2014/main" id="{016D2AC4-AA99-484A-BA0D-F585B0715DD2}"/>
+                <a16:creationId xmlns="" xmlns:a16="http://schemas.microsoft.com/office/drawing/2014/main" id="{016D2AC4-AA99-484A-BA0D-F585B0715DD2}"/>
               </a:ext>
             </a:extLst>
           </p:cNvPr>
@@ -18785,7 +18488,7 @@
           <p:cNvPr id="6" name="CasellaDiTesto 5">
             <a:extLst>
               <a:ext uri="{FF2B5EF4-FFF2-40B4-BE49-F238E27FC236}">
-                <a16:creationId xmlns:a16="http://schemas.microsoft.com/office/drawing/2014/main" id="{ABAA36FB-FBBC-4740-9ED7-14A75614782B}"/>
+                <a16:creationId xmlns="" xmlns:a16="http://schemas.microsoft.com/office/drawing/2014/main" id="{ABAA36FB-FBBC-4740-9ED7-14A75614782B}"/>
               </a:ext>
             </a:extLst>
           </p:cNvPr>
@@ -18816,6 +18519,247 @@
           </a:p>
         </p:txBody>
       </p:sp>
+      <p:graphicFrame>
+        <p:nvGraphicFramePr>
+          <p:cNvPr id="7" name="Tabella 6"/>
+          <p:cNvGraphicFramePr>
+            <a:graphicFrameLocks noGrp="1"/>
+          </p:cNvGraphicFramePr>
+          <p:nvPr>
+            <p:extLst>
+              <p:ext uri="{D42A27DB-BD31-4B8C-83A1-F6EECF244321}">
+                <p14:modId xmlns:p14="http://schemas.microsoft.com/office/powerpoint/2010/main" val="1628339650"/>
+              </p:ext>
+            </p:extLst>
+          </p:nvPr>
+        </p:nvGraphicFramePr>
+        <p:xfrm>
+          <a:off x="1816983" y="3336782"/>
+          <a:ext cx="8127999" cy="1483360"/>
+        </p:xfrm>
+        <a:graphic>
+          <a:graphicData uri="http://schemas.openxmlformats.org/drawingml/2006/table">
+            <a:tbl>
+              <a:tblPr firstRow="1" bandRow="1">
+                <a:tableStyleId>{5C22544A-7EE6-4342-B048-85BDC9FD1C3A}</a:tableStyleId>
+              </a:tblPr>
+              <a:tblGrid>
+                <a:gridCol w="2709333"/>
+                <a:gridCol w="2709333"/>
+                <a:gridCol w="2709333"/>
+              </a:tblGrid>
+              <a:tr h="370840">
+                <a:tc>
+                  <a:txBody>
+                    <a:bodyPr/>
+                    <a:lstStyle/>
+                    <a:p>
+                      <a:pPr marL="0" marR="0" indent="0" algn="l" defTabSz="914400" rtl="0" eaLnBrk="1" fontAlgn="auto" latinLnBrk="0" hangingPunct="1">
+                        <a:lnSpc>
+                          <a:spcPct val="100000"/>
+                        </a:lnSpc>
+                        <a:spcBef>
+                          <a:spcPts val="0"/>
+                        </a:spcBef>
+                        <a:spcAft>
+                          <a:spcPts val="0"/>
+                        </a:spcAft>
+                        <a:buClrTx/>
+                        <a:buSzTx/>
+                        <a:buFontTx/>
+                        <a:buNone/>
+                        <a:tabLst/>
+                        <a:defRPr/>
+                      </a:pPr>
+                      <a:r>
+                        <a:rPr lang="it-IT" dirty="0" smtClean="0"/>
+                        <a:t>Caso n-esimo</a:t>
+                      </a:r>
+                    </a:p>
+                  </a:txBody>
+                  <a:tcPr/>
+                </a:tc>
+                <a:tc>
+                  <a:txBody>
+                    <a:bodyPr/>
+                    <a:lstStyle/>
+                    <a:p>
+                      <a:r>
+                        <a:rPr lang="it-IT" sz="1800" dirty="0" smtClean="0"/>
+                        <a:t>Media(</a:t>
+                      </a:r>
+                      <a:r>
+                        <a:rPr lang="it-IT" sz="1800" dirty="0" err="1" smtClean="0"/>
+                        <a:t>μ</a:t>
+                      </a:r>
+                      <a:r>
+                        <a:rPr lang="it-IT" sz="1800" dirty="0" smtClean="0"/>
+                        <a:t> )</a:t>
+                      </a:r>
+                      <a:endParaRPr lang="it-IT" dirty="0"/>
+                    </a:p>
+                  </a:txBody>
+                  <a:tcPr/>
+                </a:tc>
+                <a:tc>
+                  <a:txBody>
+                    <a:bodyPr/>
+                    <a:lstStyle/>
+                    <a:p>
+                      <a:r>
+                        <a:rPr lang="it-IT" sz="1800" dirty="0" smtClean="0"/>
+                        <a:t>Varianza (σ</a:t>
+                      </a:r>
+                      <a:r>
+                        <a:rPr lang="it-IT" sz="1800" baseline="30000" dirty="0" smtClean="0"/>
+                        <a:t>2</a:t>
+                      </a:r>
+                      <a:r>
+                        <a:rPr lang="it-IT" sz="1800" baseline="0" dirty="0" smtClean="0"/>
+                        <a:t>)</a:t>
+                      </a:r>
+                      <a:endParaRPr lang="it-IT" dirty="0"/>
+                    </a:p>
+                  </a:txBody>
+                  <a:tcPr/>
+                </a:tc>
+              </a:tr>
+              <a:tr h="370840">
+                <a:tc>
+                  <a:txBody>
+                    <a:bodyPr/>
+                    <a:lstStyle/>
+                    <a:p>
+                      <a:r>
+                        <a:rPr lang="it-IT" dirty="0" smtClean="0"/>
+                        <a:t>1</a:t>
+                      </a:r>
+                      <a:endParaRPr lang="it-IT" dirty="0"/>
+                    </a:p>
+                  </a:txBody>
+                  <a:tcPr/>
+                </a:tc>
+                <a:tc>
+                  <a:txBody>
+                    <a:bodyPr/>
+                    <a:lstStyle/>
+                    <a:p>
+                      <a:r>
+                        <a:rPr lang="it-IT" dirty="0" smtClean="0"/>
+                        <a:t>1,5</a:t>
+                      </a:r>
+                      <a:endParaRPr lang="it-IT" dirty="0"/>
+                    </a:p>
+                  </a:txBody>
+                  <a:tcPr/>
+                </a:tc>
+                <a:tc>
+                  <a:txBody>
+                    <a:bodyPr/>
+                    <a:lstStyle/>
+                    <a:p>
+                      <a:r>
+                        <a:rPr lang="it-IT" dirty="0" smtClean="0"/>
+                        <a:t>1</a:t>
+                      </a:r>
+                      <a:endParaRPr lang="it-IT" dirty="0"/>
+                    </a:p>
+                  </a:txBody>
+                  <a:tcPr/>
+                </a:tc>
+              </a:tr>
+              <a:tr h="370840">
+                <a:tc>
+                  <a:txBody>
+                    <a:bodyPr/>
+                    <a:lstStyle/>
+                    <a:p>
+                      <a:r>
+                        <a:rPr lang="it-IT" dirty="0" smtClean="0"/>
+                        <a:t>2</a:t>
+                      </a:r>
+                      <a:endParaRPr lang="it-IT" dirty="0"/>
+                    </a:p>
+                  </a:txBody>
+                  <a:tcPr/>
+                </a:tc>
+                <a:tc>
+                  <a:txBody>
+                    <a:bodyPr/>
+                    <a:lstStyle/>
+                    <a:p>
+                      <a:r>
+                        <a:rPr lang="it-IT" dirty="0" smtClean="0"/>
+                        <a:t>1,5</a:t>
+                      </a:r>
+                      <a:endParaRPr lang="it-IT" dirty="0"/>
+                    </a:p>
+                  </a:txBody>
+                  <a:tcPr/>
+                </a:tc>
+                <a:tc>
+                  <a:txBody>
+                    <a:bodyPr/>
+                    <a:lstStyle/>
+                    <a:p>
+                      <a:r>
+                        <a:rPr lang="it-IT" dirty="0" smtClean="0"/>
+                        <a:t>2</a:t>
+                      </a:r>
+                      <a:endParaRPr lang="it-IT" dirty="0"/>
+                    </a:p>
+                  </a:txBody>
+                  <a:tcPr/>
+                </a:tc>
+              </a:tr>
+              <a:tr h="370840">
+                <a:tc>
+                  <a:txBody>
+                    <a:bodyPr/>
+                    <a:lstStyle/>
+                    <a:p>
+                      <a:r>
+                        <a:rPr lang="it-IT" dirty="0" smtClean="0"/>
+                        <a:t>3</a:t>
+                      </a:r>
+                      <a:endParaRPr lang="it-IT" dirty="0"/>
+                    </a:p>
+                  </a:txBody>
+                  <a:tcPr/>
+                </a:tc>
+                <a:tc>
+                  <a:txBody>
+                    <a:bodyPr/>
+                    <a:lstStyle/>
+                    <a:p>
+                      <a:r>
+                        <a:rPr lang="it-IT" dirty="0" smtClean="0"/>
+                        <a:t>3</a:t>
+                      </a:r>
+                      <a:endParaRPr lang="it-IT" dirty="0"/>
+                    </a:p>
+                  </a:txBody>
+                  <a:tcPr/>
+                </a:tc>
+                <a:tc>
+                  <a:txBody>
+                    <a:bodyPr/>
+                    <a:lstStyle/>
+                    <a:p>
+                      <a:r>
+                        <a:rPr lang="it-IT" dirty="0" smtClean="0"/>
+                        <a:t>1</a:t>
+                      </a:r>
+                      <a:endParaRPr lang="it-IT" dirty="0"/>
+                    </a:p>
+                  </a:txBody>
+                  <a:tcPr/>
+                </a:tc>
+              </a:tr>
+            </a:tbl>
+          </a:graphicData>
+        </a:graphic>
+      </p:graphicFrame>
     </p:spTree>
     <p:extLst>
       <p:ext uri="{BB962C8B-B14F-4D97-AF65-F5344CB8AC3E}">
@@ -18826,6 +18770,13 @@
   <p:clrMapOvr>
     <a:masterClrMapping/>
   </p:clrMapOvr>
+  <p:timing>
+    <p:tnLst>
+      <p:par>
+        <p:cTn id="1" dur="indefinite" restart="never" nodeType="tmRoot"/>
+      </p:par>
+    </p:tnLst>
+  </p:timing>
 </p:sld>
 </file>
 
@@ -18933,6 +18884,13 @@
   <p:clrMapOvr>
     <a:masterClrMapping/>
   </p:clrMapOvr>
+  <p:timing>
+    <p:tnLst>
+      <p:par>
+        <p:cTn id="1" dur="indefinite" restart="never" nodeType="tmRoot"/>
+      </p:par>
+    </p:tnLst>
+  </p:timing>
 </p:sld>
 </file>
 
@@ -18993,6 +18951,13 @@
   <p:clrMapOvr>
     <a:masterClrMapping/>
   </p:clrMapOvr>
+  <p:timing>
+    <p:tnLst>
+      <p:par>
+        <p:cTn id="1" dur="indefinite" restart="never" nodeType="tmRoot"/>
+      </p:par>
+    </p:tnLst>
+  </p:timing>
 </p:sld>
 </file>
 
@@ -19053,6 +19018,13 @@
   <p:clrMapOvr>
     <a:masterClrMapping/>
   </p:clrMapOvr>
+  <p:timing>
+    <p:tnLst>
+      <p:par>
+        <p:cTn id="1" dur="indefinite" restart="never" nodeType="tmRoot"/>
+      </p:par>
+    </p:tnLst>
+  </p:timing>
 </p:sld>
 </file>
 
@@ -19513,6 +19485,13 @@
   <p:clrMapOvr>
     <a:masterClrMapping/>
   </p:clrMapOvr>
+  <p:timing>
+    <p:tnLst>
+      <p:par>
+        <p:cTn id="1" dur="indefinite" restart="never" nodeType="tmRoot"/>
+      </p:par>
+    </p:tnLst>
+  </p:timing>
 </p:sld>
 </file>
 
@@ -19535,115 +19514,350 @@
       </p:grpSpPr>
       <p:sp>
         <p:nvSpPr>
-          <p:cNvPr id="6" name="CasellaDiTesto 5">
-            <a:extLst>
-              <a:ext uri="{FF2B5EF4-FFF2-40B4-BE49-F238E27FC236}">
-                <a16:creationId xmlns:a16="http://schemas.microsoft.com/office/drawing/2014/main" id="{6FDE832F-F371-41AB-B1CC-2AC9B9FAB3B7}"/>
-              </a:ext>
-            </a:extLst>
-          </p:cNvPr>
-          <p:cNvSpPr txBox="1"/>
+          <p:cNvPr id="4" name="Titolo 1"/>
+          <p:cNvSpPr txBox="1">
+            <a:spLocks/>
+          </p:cNvSpPr>
           <p:nvPr/>
         </p:nvSpPr>
         <p:spPr>
           <a:xfrm>
-            <a:off x="1172814" y="6308035"/>
-            <a:ext cx="9846368" cy="261610"/>
+            <a:off x="838198" y="91726"/>
+            <a:ext cx="10515600" cy="1325563"/>
           </a:xfrm>
           <a:prstGeom prst="rect">
             <a:avLst/>
           </a:prstGeom>
-          <a:noFill/>
         </p:spPr>
         <p:txBody>
-          <a:bodyPr wrap="square" rtlCol="0">
-            <a:spAutoFit/>
+          <a:bodyPr vert="horz" lIns="91440" tIns="45720" rIns="91440" bIns="45720" rtlCol="0" anchor="b">
+            <a:normAutofit/>
           </a:bodyPr>
-          <a:lstStyle/>
-          <a:p>
-            <a:pPr algn="ctr"/>
-            <a:r>
-              <a:rPr lang="it-IT" sz="1100" i="1" dirty="0"/>
-              <a:t>ERIK HOLLER  - ELIA SCARPARO- STEFANO ZAMPIERO</a:t>
-            </a:r>
-          </a:p>
-        </p:txBody>
-      </p:sp>
-      <p:sp>
-        <p:nvSpPr>
-          <p:cNvPr id="7" name="CasellaDiTesto 6">
-            <a:extLst>
-              <a:ext uri="{FF2B5EF4-FFF2-40B4-BE49-F238E27FC236}">
-                <a16:creationId xmlns:a16="http://schemas.microsoft.com/office/drawing/2014/main" id="{A8190D3D-8F34-4903-BC36-3F1924FD2C0E}"/>
-              </a:ext>
-            </a:extLst>
-          </p:cNvPr>
-          <p:cNvSpPr txBox="1"/>
-          <p:nvPr/>
-        </p:nvSpPr>
-        <p:spPr>
-          <a:xfrm>
-            <a:off x="7281376" y="112014"/>
-            <a:ext cx="4532908" cy="307777"/>
-          </a:xfrm>
-          <a:prstGeom prst="rect">
-            <a:avLst/>
-          </a:prstGeom>
-          <a:noFill/>
-        </p:spPr>
-        <p:txBody>
-          <a:bodyPr wrap="none" rtlCol="0">
-            <a:spAutoFit/>
-          </a:bodyPr>
-          <a:lstStyle/>
-          <a:p>
-            <a:r>
-              <a:rPr lang="it-IT" sz="1400" i="1" dirty="0"/>
-              <a:t>LABORATORIO DI SIMULAZIONI FINANZIARIE A.A. 2017-2018</a:t>
-            </a:r>
+          <a:lstStyle>
+            <a:lvl1pPr algn="ctr" defTabSz="914400" rtl="0" eaLnBrk="1" latinLnBrk="0" hangingPunct="1">
+              <a:lnSpc>
+                <a:spcPct val="90000"/>
+              </a:lnSpc>
+              <a:spcBef>
+                <a:spcPct val="0"/>
+              </a:spcBef>
+              <a:buNone/>
+              <a:defRPr sz="6000" kern="1200">
+                <a:solidFill>
+                  <a:schemeClr val="tx1"/>
+                </a:solidFill>
+                <a:latin typeface="+mj-lt"/>
+                <a:ea typeface="+mj-ea"/>
+                <a:cs typeface="+mj-cs"/>
+              </a:defRPr>
+            </a:lvl1pPr>
+          </a:lstStyle>
+          <a:p>
+            <a:endParaRPr lang="it-IT" sz="4000" dirty="0">
+              <a:latin typeface="Bodoni MT" pitchFamily="18" charset="0"/>
+            </a:endParaRPr>
           </a:p>
         </p:txBody>
       </p:sp>
       <p:pic>
         <p:nvPicPr>
-          <p:cNvPr id="8" name="Immagine 7">
-            <a:extLst>
-              <a:ext uri="{FF2B5EF4-FFF2-40B4-BE49-F238E27FC236}">
-                <a16:creationId xmlns:a16="http://schemas.microsoft.com/office/drawing/2014/main" id="{5F4C4FA5-D239-410A-802A-E395AFB39B48}"/>
-              </a:ext>
-            </a:extLst>
-          </p:cNvPr>
+          <p:cNvPr id="2" name="Immagine 1"/>
           <p:cNvPicPr>
             <a:picLocks noChangeAspect="1"/>
           </p:cNvPicPr>
           <p:nvPr/>
         </p:nvPicPr>
         <p:blipFill>
-          <a:blip r:embed="rId2"/>
+          <a:blip r:embed="rId2">
+            <a:extLst>
+              <a:ext uri="{28A0092B-C50C-407E-A947-70E740481C1C}">
+                <a14:useLocalDpi xmlns:a14="http://schemas.microsoft.com/office/drawing/2010/main" val="0"/>
+              </a:ext>
+            </a:extLst>
+          </a:blip>
           <a:stretch>
             <a:fillRect/>
           </a:stretch>
         </p:blipFill>
         <p:spPr>
           <a:xfrm>
-            <a:off x="346221" y="1877740"/>
-            <a:ext cx="11499557" cy="3102520"/>
+            <a:off x="2539998" y="189730"/>
+            <a:ext cx="7112000" cy="5334000"/>
           </a:xfrm>
           <a:prstGeom prst="rect">
             <a:avLst/>
           </a:prstGeom>
         </p:spPr>
       </p:pic>
+      <p:graphicFrame>
+        <p:nvGraphicFramePr>
+          <p:cNvPr id="6" name="Tabella 5"/>
+          <p:cNvGraphicFramePr>
+            <a:graphicFrameLocks noGrp="1"/>
+          </p:cNvGraphicFramePr>
+          <p:nvPr>
+            <p:extLst>
+              <p:ext uri="{D42A27DB-BD31-4B8C-83A1-F6EECF244321}">
+                <p14:modId xmlns:p14="http://schemas.microsoft.com/office/powerpoint/2010/main" val="125422710"/>
+              </p:ext>
+            </p:extLst>
+          </p:nvPr>
+        </p:nvGraphicFramePr>
+        <p:xfrm>
+          <a:off x="2031998" y="5621734"/>
+          <a:ext cx="8128000" cy="1107440"/>
+        </p:xfrm>
+        <a:graphic>
+          <a:graphicData uri="http://schemas.openxmlformats.org/drawingml/2006/table">
+            <a:tbl>
+              <a:tblPr firstRow="1" bandRow="1">
+                <a:tableStyleId>{B301B821-A1FF-4177-AEE7-76D212191A09}</a:tableStyleId>
+              </a:tblPr>
+              <a:tblGrid>
+                <a:gridCol w="2032000"/>
+                <a:gridCol w="2032000"/>
+                <a:gridCol w="2032000"/>
+                <a:gridCol w="2032000"/>
+              </a:tblGrid>
+              <a:tr h="0">
+                <a:tc>
+                  <a:txBody>
+                    <a:bodyPr/>
+                    <a:lstStyle/>
+                    <a:p>
+                      <a:pPr algn="l"/>
+                      <a:r>
+                        <a:rPr lang="it-IT" dirty="0" smtClean="0"/>
+                        <a:t>Caso n-esimo</a:t>
+                      </a:r>
+                      <a:endParaRPr lang="it-IT" dirty="0"/>
+                    </a:p>
+                  </a:txBody>
+                  <a:tcPr/>
+                </a:tc>
+                <a:tc>
+                  <a:txBody>
+                    <a:bodyPr/>
+                    <a:lstStyle/>
+                    <a:p>
+                      <a:pPr algn="l"/>
+                      <a:r>
+                        <a:rPr lang="it-IT" dirty="0" smtClean="0"/>
+                        <a:t>Value </a:t>
+                      </a:r>
+                      <a:r>
+                        <a:rPr lang="it-IT" dirty="0" err="1" smtClean="0"/>
+                        <a:t>at</a:t>
+                      </a:r>
+                      <a:r>
+                        <a:rPr lang="it-IT" dirty="0" smtClean="0"/>
+                        <a:t> </a:t>
+                      </a:r>
+                      <a:r>
+                        <a:rPr lang="it-IT" dirty="0" err="1" smtClean="0"/>
+                        <a:t>Risk</a:t>
+                      </a:r>
+                      <a:endParaRPr lang="it-IT" dirty="0"/>
+                    </a:p>
+                  </a:txBody>
+                  <a:tcPr/>
+                </a:tc>
+                <a:tc>
+                  <a:txBody>
+                    <a:bodyPr/>
+                    <a:lstStyle/>
+                    <a:p>
+                      <a:pPr algn="l"/>
+                      <a:r>
+                        <a:rPr lang="it-IT" dirty="0" err="1" smtClean="0"/>
+                        <a:t>Expected</a:t>
+                      </a:r>
+                      <a:r>
+                        <a:rPr lang="it-IT" baseline="0" dirty="0" smtClean="0"/>
+                        <a:t> </a:t>
+                      </a:r>
+                      <a:r>
+                        <a:rPr lang="it-IT" baseline="0" dirty="0" err="1" smtClean="0"/>
+                        <a:t>Loss</a:t>
+                      </a:r>
+                      <a:endParaRPr lang="it-IT" dirty="0"/>
+                    </a:p>
+                  </a:txBody>
+                  <a:tcPr/>
+                </a:tc>
+                <a:tc>
+                  <a:txBody>
+                    <a:bodyPr/>
+                    <a:lstStyle/>
+                    <a:p>
+                      <a:pPr algn="l"/>
+                      <a:r>
+                        <a:rPr lang="it-IT" dirty="0" smtClean="0"/>
+                        <a:t>Capital </a:t>
+                      </a:r>
+                      <a:r>
+                        <a:rPr lang="it-IT" dirty="0" err="1" smtClean="0"/>
+                        <a:t>at</a:t>
+                      </a:r>
+                      <a:r>
+                        <a:rPr lang="it-IT" dirty="0" smtClean="0"/>
+                        <a:t> </a:t>
+                      </a:r>
+                      <a:r>
+                        <a:rPr lang="it-IT" dirty="0" err="1" smtClean="0"/>
+                        <a:t>Risk</a:t>
+                      </a:r>
+                      <a:endParaRPr lang="it-IT" dirty="0"/>
+                    </a:p>
+                  </a:txBody>
+                  <a:tcPr/>
+                </a:tc>
+              </a:tr>
+              <a:tr h="370840">
+                <a:tc>
+                  <a:txBody>
+                    <a:bodyPr/>
+                    <a:lstStyle/>
+                    <a:p>
+                      <a:pPr algn="l"/>
+                      <a:r>
+                        <a:rPr lang="it-IT" dirty="0" smtClean="0"/>
+                        <a:t>1</a:t>
+                      </a:r>
+                      <a:endParaRPr lang="it-IT" dirty="0"/>
+                    </a:p>
+                  </a:txBody>
+                  <a:tcPr/>
+                </a:tc>
+                <a:tc>
+                  <a:txBody>
+                    <a:bodyPr/>
+                    <a:lstStyle/>
+                    <a:p>
+                      <a:pPr algn="l"/>
+                      <a:r>
+                        <a:rPr lang="it-IT" dirty="0" smtClean="0"/>
+                        <a:t>132,86</a:t>
+                      </a:r>
+                      <a:endParaRPr lang="it-IT" dirty="0"/>
+                    </a:p>
+                  </a:txBody>
+                  <a:tcPr/>
+                </a:tc>
+                <a:tc>
+                  <a:txBody>
+                    <a:bodyPr/>
+                    <a:lstStyle/>
+                    <a:p>
+                      <a:pPr algn="l"/>
+                      <a:r>
+                        <a:rPr lang="it-IT" dirty="0" smtClean="0"/>
+                        <a:t>36,61</a:t>
+                      </a:r>
+                      <a:endParaRPr lang="it-IT" dirty="0"/>
+                    </a:p>
+                  </a:txBody>
+                  <a:tcPr/>
+                </a:tc>
+                <a:tc>
+                  <a:txBody>
+                    <a:bodyPr/>
+                    <a:lstStyle/>
+                    <a:p>
+                      <a:pPr algn="l"/>
+                      <a:r>
+                        <a:rPr lang="it-IT" dirty="0" smtClean="0"/>
+                        <a:t>96,24</a:t>
+                      </a:r>
+                      <a:endParaRPr lang="it-IT" dirty="0"/>
+                    </a:p>
+                  </a:txBody>
+                  <a:tcPr/>
+                </a:tc>
+              </a:tr>
+              <a:tr h="370840">
+                <a:tc>
+                  <a:txBody>
+                    <a:bodyPr/>
+                    <a:lstStyle/>
+                    <a:p>
+                      <a:pPr algn="l"/>
+                      <a:r>
+                        <a:rPr lang="it-IT" dirty="0" smtClean="0"/>
+                        <a:t>2</a:t>
+                      </a:r>
+                      <a:endParaRPr lang="it-IT" dirty="0"/>
+                    </a:p>
+                  </a:txBody>
+                  <a:tcPr/>
+                </a:tc>
+                <a:tc>
+                  <a:txBody>
+                    <a:bodyPr/>
+                    <a:lstStyle/>
+                    <a:p>
+                      <a:pPr algn="l"/>
+                      <a:r>
+                        <a:rPr lang="it-IT" dirty="0" smtClean="0"/>
+                        <a:t>252,20</a:t>
+                      </a:r>
+                      <a:endParaRPr lang="it-IT" dirty="0"/>
+                    </a:p>
+                  </a:txBody>
+                  <a:tcPr/>
+                </a:tc>
+                <a:tc>
+                  <a:txBody>
+                    <a:bodyPr/>
+                    <a:lstStyle/>
+                    <a:p>
+                      <a:pPr algn="l"/>
+                      <a:r>
+                        <a:rPr lang="it-IT" dirty="0" smtClean="0"/>
+                        <a:t>55,74</a:t>
+                      </a:r>
+                      <a:endParaRPr lang="it-IT" dirty="0"/>
+                    </a:p>
+                  </a:txBody>
+                  <a:tcPr/>
+                </a:tc>
+                <a:tc>
+                  <a:txBody>
+                    <a:bodyPr/>
+                    <a:lstStyle/>
+                    <a:p>
+                      <a:pPr algn="l"/>
+                      <a:r>
+                        <a:rPr lang="it-IT" dirty="0" smtClean="0"/>
+                        <a:t>196,45</a:t>
+                      </a:r>
+                      <a:endParaRPr lang="it-IT" dirty="0"/>
+                    </a:p>
+                  </a:txBody>
+                  <a:tcPr/>
+                </a:tc>
+              </a:tr>
+            </a:tbl>
+          </a:graphicData>
+        </a:graphic>
+      </p:graphicFrame>
     </p:spTree>
     <p:extLst>
       <p:ext uri="{BB962C8B-B14F-4D97-AF65-F5344CB8AC3E}">
-        <p14:creationId xmlns:p14="http://schemas.microsoft.com/office/powerpoint/2010/main" val="1170329898"/>
+        <p14:creationId xmlns:p14="http://schemas.microsoft.com/office/powerpoint/2010/main" val="1263849502"/>
       </p:ext>
     </p:extLst>
   </p:cSld>
   <p:clrMapOvr>
     <a:masterClrMapping/>
   </p:clrMapOvr>
+  <p:timing>
+    <p:tnLst>
+      <p:par>
+        <p:cTn id="1" dur="indefinite" restart="never" nodeType="tmRoot"/>
+      </p:par>
+    </p:tnLst>
+  </p:timing>
 </p:sld>
 </file>
 
@@ -19713,7 +19927,7 @@
       </p:sp>
       <p:pic>
         <p:nvPicPr>
-          <p:cNvPr id="2" name="Immagine 1"/>
+          <p:cNvPr id="3" name="Immagine 2"/>
           <p:cNvPicPr>
             <a:picLocks noChangeAspect="1"/>
           </p:cNvPicPr>
@@ -19744,13 +19958,20 @@
     </p:spTree>
     <p:extLst>
       <p:ext uri="{BB962C8B-B14F-4D97-AF65-F5344CB8AC3E}">
-        <p14:creationId xmlns:p14="http://schemas.microsoft.com/office/powerpoint/2010/main" val="1263849502"/>
+        <p14:creationId xmlns:p14="http://schemas.microsoft.com/office/powerpoint/2010/main" val="1083155914"/>
       </p:ext>
     </p:extLst>
   </p:cSld>
   <p:clrMapOvr>
     <a:masterClrMapping/>
   </p:clrMapOvr>
+  <p:timing>
+    <p:tnLst>
+      <p:par>
+        <p:cTn id="1" dur="indefinite" restart="never" nodeType="tmRoot"/>
+      </p:par>
+    </p:tnLst>
+  </p:timing>
 </p:sld>
 </file>
 
@@ -20219,6 +20440,13 @@
   <p:clrMapOvr>
     <a:masterClrMapping/>
   </p:clrMapOvr>
+  <p:timing>
+    <p:tnLst>
+      <p:par>
+        <p:cTn id="1" dur="indefinite" restart="never" nodeType="tmRoot"/>
+      </p:par>
+    </p:tnLst>
+  </p:timing>
 </p:sld>
 </file>
 
@@ -20308,7 +20536,7 @@
         </p:blipFill>
         <p:spPr>
           <a:xfrm>
-            <a:off x="2540000" y="762000"/>
+            <a:off x="2539998" y="91726"/>
             <a:ext cx="7112000" cy="5334000"/>
           </a:xfrm>
           <a:prstGeom prst="rect">
@@ -20316,6 +20544,258 @@
           </a:prstGeom>
         </p:spPr>
       </p:pic>
+      <p:graphicFrame>
+        <p:nvGraphicFramePr>
+          <p:cNvPr id="5" name="Tabella 4"/>
+          <p:cNvGraphicFramePr>
+            <a:graphicFrameLocks noGrp="1"/>
+          </p:cNvGraphicFramePr>
+          <p:nvPr>
+            <p:extLst>
+              <p:ext uri="{D42A27DB-BD31-4B8C-83A1-F6EECF244321}">
+                <p14:modId xmlns:p14="http://schemas.microsoft.com/office/powerpoint/2010/main" val="1642402883"/>
+              </p:ext>
+            </p:extLst>
+          </p:nvPr>
+        </p:nvGraphicFramePr>
+        <p:xfrm>
+          <a:off x="2031998" y="5541915"/>
+          <a:ext cx="8128000" cy="1107440"/>
+        </p:xfrm>
+        <a:graphic>
+          <a:graphicData uri="http://schemas.openxmlformats.org/drawingml/2006/table">
+            <a:tbl>
+              <a:tblPr firstRow="1" bandRow="1">
+                <a:tableStyleId>{B301B821-A1FF-4177-AEE7-76D212191A09}</a:tableStyleId>
+              </a:tblPr>
+              <a:tblGrid>
+                <a:gridCol w="2032000"/>
+                <a:gridCol w="2032000"/>
+                <a:gridCol w="2032000"/>
+                <a:gridCol w="2032000"/>
+              </a:tblGrid>
+              <a:tr h="0">
+                <a:tc>
+                  <a:txBody>
+                    <a:bodyPr/>
+                    <a:lstStyle/>
+                    <a:p>
+                      <a:pPr algn="l"/>
+                      <a:r>
+                        <a:rPr lang="it-IT" dirty="0" smtClean="0"/>
+                        <a:t>Caso n-esimo</a:t>
+                      </a:r>
+                      <a:endParaRPr lang="it-IT" dirty="0"/>
+                    </a:p>
+                  </a:txBody>
+                  <a:tcPr/>
+                </a:tc>
+                <a:tc>
+                  <a:txBody>
+                    <a:bodyPr/>
+                    <a:lstStyle/>
+                    <a:p>
+                      <a:pPr algn="l"/>
+                      <a:r>
+                        <a:rPr lang="it-IT" dirty="0" smtClean="0"/>
+                        <a:t>Value </a:t>
+                      </a:r>
+                      <a:r>
+                        <a:rPr lang="it-IT" dirty="0" err="1" smtClean="0"/>
+                        <a:t>at</a:t>
+                      </a:r>
+                      <a:r>
+                        <a:rPr lang="it-IT" dirty="0" smtClean="0"/>
+                        <a:t> </a:t>
+                      </a:r>
+                      <a:r>
+                        <a:rPr lang="it-IT" dirty="0" err="1" smtClean="0"/>
+                        <a:t>Risk</a:t>
+                      </a:r>
+                      <a:endParaRPr lang="it-IT" dirty="0"/>
+                    </a:p>
+                  </a:txBody>
+                  <a:tcPr/>
+                </a:tc>
+                <a:tc>
+                  <a:txBody>
+                    <a:bodyPr/>
+                    <a:lstStyle/>
+                    <a:p>
+                      <a:pPr algn="l"/>
+                      <a:r>
+                        <a:rPr lang="it-IT" dirty="0" err="1" smtClean="0"/>
+                        <a:t>Expected</a:t>
+                      </a:r>
+                      <a:r>
+                        <a:rPr lang="it-IT" baseline="0" dirty="0" smtClean="0"/>
+                        <a:t> </a:t>
+                      </a:r>
+                      <a:r>
+                        <a:rPr lang="it-IT" baseline="0" dirty="0" err="1" smtClean="0"/>
+                        <a:t>Loss</a:t>
+                      </a:r>
+                      <a:endParaRPr lang="it-IT" dirty="0"/>
+                    </a:p>
+                  </a:txBody>
+                  <a:tcPr/>
+                </a:tc>
+                <a:tc>
+                  <a:txBody>
+                    <a:bodyPr/>
+                    <a:lstStyle/>
+                    <a:p>
+                      <a:pPr algn="l"/>
+                      <a:r>
+                        <a:rPr lang="it-IT" dirty="0" smtClean="0"/>
+                        <a:t>Capital </a:t>
+                      </a:r>
+                      <a:r>
+                        <a:rPr lang="it-IT" dirty="0" err="1" smtClean="0"/>
+                        <a:t>at</a:t>
+                      </a:r>
+                      <a:r>
+                        <a:rPr lang="it-IT" dirty="0" smtClean="0"/>
+                        <a:t> </a:t>
+                      </a:r>
+                      <a:r>
+                        <a:rPr lang="it-IT" dirty="0" err="1" smtClean="0"/>
+                        <a:t>Risk</a:t>
+                      </a:r>
+                      <a:endParaRPr lang="it-IT" dirty="0"/>
+                    </a:p>
+                  </a:txBody>
+                  <a:tcPr/>
+                </a:tc>
+              </a:tr>
+              <a:tr h="370840">
+                <a:tc>
+                  <a:txBody>
+                    <a:bodyPr/>
+                    <a:lstStyle/>
+                    <a:p>
+                      <a:pPr algn="l"/>
+                      <a:r>
+                        <a:rPr lang="it-IT" dirty="0" smtClean="0"/>
+                        <a:t>1</a:t>
+                      </a:r>
+                      <a:endParaRPr lang="it-IT" dirty="0"/>
+                    </a:p>
+                  </a:txBody>
+                  <a:tcPr/>
+                </a:tc>
+                <a:tc>
+                  <a:txBody>
+                    <a:bodyPr/>
+                    <a:lstStyle/>
+                    <a:p>
+                      <a:pPr algn="l"/>
+                      <a:r>
+                        <a:rPr lang="it-IT" dirty="0" smtClean="0"/>
+                        <a:t>132,86</a:t>
+                      </a:r>
+                      <a:endParaRPr lang="it-IT" dirty="0"/>
+                    </a:p>
+                  </a:txBody>
+                  <a:tcPr/>
+                </a:tc>
+                <a:tc>
+                  <a:txBody>
+                    <a:bodyPr/>
+                    <a:lstStyle/>
+                    <a:p>
+                      <a:pPr algn="l"/>
+                      <a:r>
+                        <a:rPr lang="it-IT" dirty="0" smtClean="0"/>
+                        <a:t>36,61</a:t>
+                      </a:r>
+                      <a:endParaRPr lang="it-IT" dirty="0"/>
+                    </a:p>
+                  </a:txBody>
+                  <a:tcPr/>
+                </a:tc>
+                <a:tc>
+                  <a:txBody>
+                    <a:bodyPr/>
+                    <a:lstStyle/>
+                    <a:p>
+                      <a:pPr algn="l"/>
+                      <a:r>
+                        <a:rPr lang="it-IT" dirty="0" smtClean="0"/>
+                        <a:t>92,24</a:t>
+                      </a:r>
+                      <a:endParaRPr lang="it-IT" dirty="0"/>
+                    </a:p>
+                  </a:txBody>
+                  <a:tcPr/>
+                </a:tc>
+              </a:tr>
+              <a:tr h="370840">
+                <a:tc>
+                  <a:txBody>
+                    <a:bodyPr/>
+                    <a:lstStyle/>
+                    <a:p>
+                      <a:pPr algn="l"/>
+                      <a:r>
+                        <a:rPr lang="it-IT" dirty="0" smtClean="0"/>
+                        <a:t>3</a:t>
+                      </a:r>
+                      <a:endParaRPr lang="it-IT" dirty="0"/>
+                    </a:p>
+                  </a:txBody>
+                  <a:tcPr/>
+                </a:tc>
+                <a:tc>
+                  <a:txBody>
+                    <a:bodyPr/>
+                    <a:lstStyle/>
+                    <a:p>
+                      <a:pPr algn="l"/>
+                      <a:r>
+                        <a:rPr lang="it-IT" dirty="0" smtClean="0"/>
+                        <a:t>602,13</a:t>
+                      </a:r>
+                      <a:endParaRPr lang="it-IT" dirty="0"/>
+                    </a:p>
+                  </a:txBody>
+                  <a:tcPr/>
+                </a:tc>
+                <a:tc>
+                  <a:txBody>
+                    <a:bodyPr/>
+                    <a:lstStyle/>
+                    <a:p>
+                      <a:pPr algn="l"/>
+                      <a:r>
+                        <a:rPr lang="it-IT" dirty="0" smtClean="0"/>
+                        <a:t>163,10</a:t>
+                      </a:r>
+                      <a:endParaRPr lang="it-IT" dirty="0"/>
+                    </a:p>
+                  </a:txBody>
+                  <a:tcPr/>
+                </a:tc>
+                <a:tc>
+                  <a:txBody>
+                    <a:bodyPr/>
+                    <a:lstStyle/>
+                    <a:p>
+                      <a:pPr algn="l"/>
+                      <a:r>
+                        <a:rPr lang="it-IT" dirty="0" smtClean="0"/>
+                        <a:t>439,02</a:t>
+                      </a:r>
+                      <a:endParaRPr lang="it-IT" dirty="0"/>
+                    </a:p>
+                  </a:txBody>
+                  <a:tcPr/>
+                </a:tc>
+              </a:tr>
+            </a:tbl>
+          </a:graphicData>
+        </a:graphic>
+      </p:graphicFrame>
     </p:spTree>
     <p:extLst>
       <p:ext uri="{BB962C8B-B14F-4D97-AF65-F5344CB8AC3E}">
@@ -20326,6 +20806,13 @@
   <p:clrMapOvr>
     <a:masterClrMapping/>
   </p:clrMapOvr>
+  <p:timing>
+    <p:tnLst>
+      <p:par>
+        <p:cTn id="1" dur="indefinite" restart="never" nodeType="tmRoot"/>
+      </p:par>
+    </p:tnLst>
+  </p:timing>
 </p:sld>
 </file>
 
@@ -20395,7 +20882,7 @@
       </p:sp>
       <p:pic>
         <p:nvPicPr>
-          <p:cNvPr id="2" name="Immagine 1"/>
+          <p:cNvPr id="3" name="Immagine 2"/>
           <p:cNvPicPr>
             <a:picLocks noChangeAspect="1"/>
           </p:cNvPicPr>
@@ -20426,13 +20913,20 @@
     </p:spTree>
     <p:extLst>
       <p:ext uri="{BB962C8B-B14F-4D97-AF65-F5344CB8AC3E}">
-        <p14:creationId xmlns:p14="http://schemas.microsoft.com/office/powerpoint/2010/main" val="83584702"/>
+        <p14:creationId xmlns:p14="http://schemas.microsoft.com/office/powerpoint/2010/main" val="304404935"/>
       </p:ext>
     </p:extLst>
   </p:cSld>
   <p:clrMapOvr>
     <a:masterClrMapping/>
   </p:clrMapOvr>
+  <p:timing>
+    <p:tnLst>
+      <p:par>
+        <p:cTn id="1" dur="indefinite" restart="never" nodeType="tmRoot"/>
+      </p:par>
+    </p:tnLst>
+  </p:timing>
 </p:sld>
 </file>
 
@@ -20502,7 +20996,7 @@
       </p:sp>
       <p:pic>
         <p:nvPicPr>
-          <p:cNvPr id="3" name="Immagine 2"/>
+          <p:cNvPr id="2" name="Immagine 1"/>
           <p:cNvPicPr>
             <a:picLocks noChangeAspect="1"/>
           </p:cNvPicPr>
@@ -20522,7 +21016,7 @@
         </p:blipFill>
         <p:spPr>
           <a:xfrm>
-            <a:off x="2540000" y="762000"/>
+            <a:off x="2539998" y="91726"/>
             <a:ext cx="7112000" cy="5334000"/>
           </a:xfrm>
           <a:prstGeom prst="rect">
@@ -20530,16 +21024,275 @@
           </a:prstGeom>
         </p:spPr>
       </p:pic>
+      <p:graphicFrame>
+        <p:nvGraphicFramePr>
+          <p:cNvPr id="7" name="Tabella 6"/>
+          <p:cNvGraphicFramePr>
+            <a:graphicFrameLocks noGrp="1"/>
+          </p:cNvGraphicFramePr>
+          <p:nvPr>
+            <p:extLst>
+              <p:ext uri="{D42A27DB-BD31-4B8C-83A1-F6EECF244321}">
+                <p14:modId xmlns:p14="http://schemas.microsoft.com/office/powerpoint/2010/main" val="1426605420"/>
+              </p:ext>
+            </p:extLst>
+          </p:nvPr>
+        </p:nvGraphicFramePr>
+        <p:xfrm>
+          <a:off x="2031998" y="5541914"/>
+          <a:ext cx="8128000" cy="1107440"/>
+        </p:xfrm>
+        <a:graphic>
+          <a:graphicData uri="http://schemas.openxmlformats.org/drawingml/2006/table">
+            <a:tbl>
+              <a:tblPr firstRow="1" bandRow="1">
+                <a:tableStyleId>{B301B821-A1FF-4177-AEE7-76D212191A09}</a:tableStyleId>
+              </a:tblPr>
+              <a:tblGrid>
+                <a:gridCol w="2032000"/>
+                <a:gridCol w="2032000"/>
+                <a:gridCol w="2032000"/>
+                <a:gridCol w="2032000"/>
+              </a:tblGrid>
+              <a:tr h="0">
+                <a:tc>
+                  <a:txBody>
+                    <a:bodyPr/>
+                    <a:lstStyle/>
+                    <a:p>
+                      <a:pPr algn="l"/>
+                      <a:r>
+                        <a:rPr lang="it-IT" dirty="0" smtClean="0"/>
+                        <a:t>Caso n-esimo</a:t>
+                      </a:r>
+                      <a:endParaRPr lang="it-IT" dirty="0"/>
+                    </a:p>
+                  </a:txBody>
+                  <a:tcPr/>
+                </a:tc>
+                <a:tc>
+                  <a:txBody>
+                    <a:bodyPr/>
+                    <a:lstStyle/>
+                    <a:p>
+                      <a:pPr algn="l"/>
+                      <a:r>
+                        <a:rPr lang="it-IT" dirty="0" smtClean="0"/>
+                        <a:t>Value </a:t>
+                      </a:r>
+                      <a:r>
+                        <a:rPr lang="it-IT" dirty="0" err="1" smtClean="0"/>
+                        <a:t>at</a:t>
+                      </a:r>
+                      <a:r>
+                        <a:rPr lang="it-IT" dirty="0" smtClean="0"/>
+                        <a:t> </a:t>
+                      </a:r>
+                      <a:r>
+                        <a:rPr lang="it-IT" dirty="0" err="1" smtClean="0"/>
+                        <a:t>Risk</a:t>
+                      </a:r>
+                      <a:endParaRPr lang="it-IT" dirty="0"/>
+                    </a:p>
+                  </a:txBody>
+                  <a:tcPr/>
+                </a:tc>
+                <a:tc>
+                  <a:txBody>
+                    <a:bodyPr/>
+                    <a:lstStyle/>
+                    <a:p>
+                      <a:pPr algn="l"/>
+                      <a:r>
+                        <a:rPr lang="it-IT" dirty="0" err="1" smtClean="0"/>
+                        <a:t>Expected</a:t>
+                      </a:r>
+                      <a:r>
+                        <a:rPr lang="it-IT" baseline="0" dirty="0" smtClean="0"/>
+                        <a:t> </a:t>
+                      </a:r>
+                      <a:r>
+                        <a:rPr lang="it-IT" baseline="0" dirty="0" err="1" smtClean="0"/>
+                        <a:t>Loss</a:t>
+                      </a:r>
+                      <a:endParaRPr lang="it-IT" dirty="0"/>
+                    </a:p>
+                  </a:txBody>
+                  <a:tcPr/>
+                </a:tc>
+                <a:tc>
+                  <a:txBody>
+                    <a:bodyPr/>
+                    <a:lstStyle/>
+                    <a:p>
+                      <a:pPr algn="l"/>
+                      <a:r>
+                        <a:rPr lang="it-IT" dirty="0" smtClean="0"/>
+                        <a:t>Capital </a:t>
+                      </a:r>
+                      <a:r>
+                        <a:rPr lang="it-IT" dirty="0" err="1" smtClean="0"/>
+                        <a:t>at</a:t>
+                      </a:r>
+                      <a:r>
+                        <a:rPr lang="it-IT" dirty="0" smtClean="0"/>
+                        <a:t> </a:t>
+                      </a:r>
+                      <a:r>
+                        <a:rPr lang="it-IT" dirty="0" err="1" smtClean="0"/>
+                        <a:t>Risk</a:t>
+                      </a:r>
+                      <a:endParaRPr lang="it-IT" dirty="0"/>
+                    </a:p>
+                  </a:txBody>
+                  <a:tcPr/>
+                </a:tc>
+              </a:tr>
+              <a:tr h="370840">
+                <a:tc>
+                  <a:txBody>
+                    <a:bodyPr/>
+                    <a:lstStyle/>
+                    <a:p>
+                      <a:pPr algn="l"/>
+                      <a:r>
+                        <a:rPr lang="it-IT" dirty="0" smtClean="0"/>
+                        <a:t>2</a:t>
+                      </a:r>
+                      <a:endParaRPr lang="it-IT" dirty="0"/>
+                    </a:p>
+                  </a:txBody>
+                  <a:tcPr/>
+                </a:tc>
+                <a:tc>
+                  <a:txBody>
+                    <a:bodyPr/>
+                    <a:lstStyle/>
+                    <a:p>
+                      <a:pPr algn="l"/>
+                      <a:r>
+                        <a:rPr lang="it-IT" dirty="0" smtClean="0"/>
+                        <a:t>132,86</a:t>
+                      </a:r>
+                      <a:endParaRPr lang="it-IT" dirty="0"/>
+                    </a:p>
+                  </a:txBody>
+                  <a:tcPr/>
+                </a:tc>
+                <a:tc>
+                  <a:txBody>
+                    <a:bodyPr/>
+                    <a:lstStyle/>
+                    <a:p>
+                      <a:pPr algn="l"/>
+                      <a:r>
+                        <a:rPr lang="it-IT" dirty="0" smtClean="0"/>
+                        <a:t>36,61</a:t>
+                      </a:r>
+                      <a:endParaRPr lang="it-IT" dirty="0"/>
+                    </a:p>
+                  </a:txBody>
+                  <a:tcPr/>
+                </a:tc>
+                <a:tc>
+                  <a:txBody>
+                    <a:bodyPr/>
+                    <a:lstStyle/>
+                    <a:p>
+                      <a:pPr algn="l"/>
+                      <a:r>
+                        <a:rPr lang="it-IT" dirty="0" smtClean="0"/>
+                        <a:t>92,24</a:t>
+                      </a:r>
+                      <a:endParaRPr lang="it-IT" dirty="0"/>
+                    </a:p>
+                  </a:txBody>
+                  <a:tcPr/>
+                </a:tc>
+              </a:tr>
+              <a:tr h="370840">
+                <a:tc>
+                  <a:txBody>
+                    <a:bodyPr/>
+                    <a:lstStyle/>
+                    <a:p>
+                      <a:pPr algn="l"/>
+                      <a:r>
+                        <a:rPr lang="it-IT" dirty="0" smtClean="0"/>
+                        <a:t>3</a:t>
+                      </a:r>
+                      <a:endParaRPr lang="it-IT" dirty="0"/>
+                    </a:p>
+                  </a:txBody>
+                  <a:tcPr/>
+                </a:tc>
+                <a:tc>
+                  <a:txBody>
+                    <a:bodyPr/>
+                    <a:lstStyle/>
+                    <a:p>
+                      <a:pPr algn="l"/>
+                      <a:r>
+                        <a:rPr lang="it-IT" dirty="0" smtClean="0"/>
+                        <a:t>602,13</a:t>
+                      </a:r>
+                      <a:endParaRPr lang="it-IT" dirty="0"/>
+                    </a:p>
+                  </a:txBody>
+                  <a:tcPr/>
+                </a:tc>
+                <a:tc>
+                  <a:txBody>
+                    <a:bodyPr/>
+                    <a:lstStyle/>
+                    <a:p>
+                      <a:pPr algn="l"/>
+                      <a:r>
+                        <a:rPr lang="it-IT" dirty="0" smtClean="0"/>
+                        <a:t>163,10</a:t>
+                      </a:r>
+                      <a:endParaRPr lang="it-IT" dirty="0"/>
+                    </a:p>
+                  </a:txBody>
+                  <a:tcPr/>
+                </a:tc>
+                <a:tc>
+                  <a:txBody>
+                    <a:bodyPr/>
+                    <a:lstStyle/>
+                    <a:p>
+                      <a:pPr algn="l"/>
+                      <a:r>
+                        <a:rPr lang="it-IT" dirty="0" smtClean="0"/>
+                        <a:t>439,02</a:t>
+                      </a:r>
+                      <a:endParaRPr lang="it-IT" dirty="0"/>
+                    </a:p>
+                  </a:txBody>
+                  <a:tcPr/>
+                </a:tc>
+              </a:tr>
+            </a:tbl>
+          </a:graphicData>
+        </a:graphic>
+      </p:graphicFrame>
     </p:spTree>
     <p:extLst>
       <p:ext uri="{BB962C8B-B14F-4D97-AF65-F5344CB8AC3E}">
-        <p14:creationId xmlns:p14="http://schemas.microsoft.com/office/powerpoint/2010/main" val="1083155914"/>
+        <p14:creationId xmlns:p14="http://schemas.microsoft.com/office/powerpoint/2010/main" val="83584702"/>
       </p:ext>
     </p:extLst>
   </p:cSld>
   <p:clrMapOvr>
     <a:masterClrMapping/>
   </p:clrMapOvr>
+  <p:timing>
+    <p:tnLst>
+      <p:par>
+        <p:cTn id="1" dur="indefinite" restart="never" nodeType="tmRoot"/>
+      </p:par>
+    </p:tnLst>
+  </p:timing>
 </p:sld>
 </file>
 
@@ -20609,113 +21362,6 @@
       </p:sp>
       <p:pic>
         <p:nvPicPr>
-          <p:cNvPr id="3" name="Immagine 2"/>
-          <p:cNvPicPr>
-            <a:picLocks noChangeAspect="1"/>
-          </p:cNvPicPr>
-          <p:nvPr/>
-        </p:nvPicPr>
-        <p:blipFill>
-          <a:blip r:embed="rId2">
-            <a:extLst>
-              <a:ext uri="{28A0092B-C50C-407E-A947-70E740481C1C}">
-                <a14:useLocalDpi xmlns:a14="http://schemas.microsoft.com/office/drawing/2010/main" val="0"/>
-              </a:ext>
-            </a:extLst>
-          </a:blip>
-          <a:stretch>
-            <a:fillRect/>
-          </a:stretch>
-        </p:blipFill>
-        <p:spPr>
-          <a:xfrm>
-            <a:off x="2540000" y="762000"/>
-            <a:ext cx="7112000" cy="5334000"/>
-          </a:xfrm>
-          <a:prstGeom prst="rect">
-            <a:avLst/>
-          </a:prstGeom>
-        </p:spPr>
-      </p:pic>
-    </p:spTree>
-    <p:extLst>
-      <p:ext uri="{BB962C8B-B14F-4D97-AF65-F5344CB8AC3E}">
-        <p14:creationId xmlns:p14="http://schemas.microsoft.com/office/powerpoint/2010/main" val="304404935"/>
-      </p:ext>
-    </p:extLst>
-  </p:cSld>
-  <p:clrMapOvr>
-    <a:masterClrMapping/>
-  </p:clrMapOvr>
-</p:sld>
-</file>
-
-<file path=ppt/slides/slide34.xml><?xml version="1.0" encoding="utf-8"?>
-<p:sld xmlns:a="http://schemas.openxmlformats.org/drawingml/2006/main" xmlns:r="http://schemas.openxmlformats.org/officeDocument/2006/relationships" xmlns:p="http://schemas.openxmlformats.org/presentationml/2006/main">
-  <p:cSld>
-    <p:spTree>
-      <p:nvGrpSpPr>
-        <p:cNvPr id="1" name=""/>
-        <p:cNvGrpSpPr/>
-        <p:nvPr/>
-      </p:nvGrpSpPr>
-      <p:grpSpPr>
-        <a:xfrm>
-          <a:off x="0" y="0"/>
-          <a:ext cx="0" cy="0"/>
-          <a:chOff x="0" y="0"/>
-          <a:chExt cx="0" cy="0"/>
-        </a:xfrm>
-      </p:grpSpPr>
-      <p:sp>
-        <p:nvSpPr>
-          <p:cNvPr id="4" name="Titolo 1"/>
-          <p:cNvSpPr txBox="1">
-            <a:spLocks/>
-          </p:cNvSpPr>
-          <p:nvPr/>
-        </p:nvSpPr>
-        <p:spPr>
-          <a:xfrm>
-            <a:off x="838198" y="91726"/>
-            <a:ext cx="10515600" cy="1325563"/>
-          </a:xfrm>
-          <a:prstGeom prst="rect">
-            <a:avLst/>
-          </a:prstGeom>
-        </p:spPr>
-        <p:txBody>
-          <a:bodyPr vert="horz" lIns="91440" tIns="45720" rIns="91440" bIns="45720" rtlCol="0" anchor="b">
-            <a:normAutofit/>
-          </a:bodyPr>
-          <a:lstStyle>
-            <a:lvl1pPr algn="ctr" defTabSz="914400" rtl="0" eaLnBrk="1" latinLnBrk="0" hangingPunct="1">
-              <a:lnSpc>
-                <a:spcPct val="90000"/>
-              </a:lnSpc>
-              <a:spcBef>
-                <a:spcPct val="0"/>
-              </a:spcBef>
-              <a:buNone/>
-              <a:defRPr sz="6000" kern="1200">
-                <a:solidFill>
-                  <a:schemeClr val="tx1"/>
-                </a:solidFill>
-                <a:latin typeface="+mj-lt"/>
-                <a:ea typeface="+mj-ea"/>
-                <a:cs typeface="+mj-cs"/>
-              </a:defRPr>
-            </a:lvl1pPr>
-          </a:lstStyle>
-          <a:p>
-            <a:endParaRPr lang="it-IT" sz="4000" dirty="0">
-              <a:latin typeface="Bodoni MT" pitchFamily="18" charset="0"/>
-            </a:endParaRPr>
-          </a:p>
-        </p:txBody>
-      </p:sp>
-      <p:pic>
-        <p:nvPicPr>
           <p:cNvPr id="2" name="Immagine 1"/>
           <p:cNvPicPr>
             <a:picLocks noChangeAspect="1"/>
@@ -20754,6 +21400,703 @@
   <p:clrMapOvr>
     <a:masterClrMapping/>
   </p:clrMapOvr>
+  <p:timing>
+    <p:tnLst>
+      <p:par>
+        <p:cTn id="1" dur="indefinite" restart="never" nodeType="tmRoot"/>
+      </p:par>
+    </p:tnLst>
+  </p:timing>
+</p:sld>
+</file>
+
+<file path=ppt/slides/slide34.xml><?xml version="1.0" encoding="utf-8"?>
+<p:sld xmlns:a="http://schemas.openxmlformats.org/drawingml/2006/main" xmlns:r="http://schemas.openxmlformats.org/officeDocument/2006/relationships" xmlns:p="http://schemas.openxmlformats.org/presentationml/2006/main">
+  <p:cSld>
+    <p:spTree>
+      <p:nvGrpSpPr>
+        <p:cNvPr id="1" name=""/>
+        <p:cNvGrpSpPr/>
+        <p:nvPr/>
+      </p:nvGrpSpPr>
+      <p:grpSpPr>
+        <a:xfrm>
+          <a:off x="0" y="0"/>
+          <a:ext cx="0" cy="0"/>
+          <a:chOff x="0" y="0"/>
+          <a:chExt cx="0" cy="0"/>
+        </a:xfrm>
+      </p:grpSpPr>
+      <p:sp>
+        <p:nvSpPr>
+          <p:cNvPr id="2" name="CasellaDiTesto 1">
+            <a:extLst>
+              <a:ext uri="{FF2B5EF4-FFF2-40B4-BE49-F238E27FC236}">
+                <a16:creationId xmlns="" xmlns:a16="http://schemas.microsoft.com/office/drawing/2014/main" id="{F198FE20-DB05-4E34-A078-F69B0D355089}"/>
+              </a:ext>
+            </a:extLst>
+          </p:cNvPr>
+          <p:cNvSpPr txBox="1"/>
+          <p:nvPr/>
+        </p:nvSpPr>
+        <p:spPr>
+          <a:xfrm>
+            <a:off x="1655618" y="586485"/>
+            <a:ext cx="8880764" cy="707886"/>
+          </a:xfrm>
+          <a:prstGeom prst="rect">
+            <a:avLst/>
+          </a:prstGeom>
+          <a:noFill/>
+        </p:spPr>
+        <p:txBody>
+          <a:bodyPr wrap="square" rtlCol="0">
+            <a:spAutoFit/>
+          </a:bodyPr>
+          <a:lstStyle/>
+          <a:p>
+            <a:pPr algn="ctr"/>
+            <a:r>
+              <a:rPr lang="it-IT" sz="4000" dirty="0" smtClean="0"/>
+              <a:t>Riepilogo </a:t>
+            </a:r>
+            <a:r>
+              <a:rPr lang="it-IT" sz="4000" dirty="0" smtClean="0"/>
+              <a:t>parametri e misure di rischio</a:t>
+            </a:r>
+            <a:endParaRPr lang="it-IT" sz="4000" dirty="0"/>
+          </a:p>
+        </p:txBody>
+      </p:sp>
+      <p:sp>
+        <p:nvSpPr>
+          <p:cNvPr id="5" name="CasellaDiTesto 4">
+            <a:extLst>
+              <a:ext uri="{FF2B5EF4-FFF2-40B4-BE49-F238E27FC236}">
+                <a16:creationId xmlns="" xmlns:a16="http://schemas.microsoft.com/office/drawing/2014/main" id="{016D2AC4-AA99-484A-BA0D-F585B0715DD2}"/>
+              </a:ext>
+            </a:extLst>
+          </p:cNvPr>
+          <p:cNvSpPr txBox="1"/>
+          <p:nvPr/>
+        </p:nvSpPr>
+        <p:spPr>
+          <a:xfrm>
+            <a:off x="7281376" y="112014"/>
+            <a:ext cx="4532908" cy="307777"/>
+          </a:xfrm>
+          <a:prstGeom prst="rect">
+            <a:avLst/>
+          </a:prstGeom>
+          <a:noFill/>
+        </p:spPr>
+        <p:txBody>
+          <a:bodyPr wrap="none" rtlCol="0">
+            <a:spAutoFit/>
+          </a:bodyPr>
+          <a:lstStyle/>
+          <a:p>
+            <a:r>
+              <a:rPr lang="it-IT" sz="1400" i="1" dirty="0"/>
+              <a:t>LABORATORIO DI SIMULAZIONI FINANZIARIE A.A. 2017-2018</a:t>
+            </a:r>
+          </a:p>
+        </p:txBody>
+      </p:sp>
+      <p:sp>
+        <p:nvSpPr>
+          <p:cNvPr id="6" name="CasellaDiTesto 5">
+            <a:extLst>
+              <a:ext uri="{FF2B5EF4-FFF2-40B4-BE49-F238E27FC236}">
+                <a16:creationId xmlns="" xmlns:a16="http://schemas.microsoft.com/office/drawing/2014/main" id="{ABAA36FB-FBBC-4740-9ED7-14A75614782B}"/>
+              </a:ext>
+            </a:extLst>
+          </p:cNvPr>
+          <p:cNvSpPr txBox="1"/>
+          <p:nvPr/>
+        </p:nvSpPr>
+        <p:spPr>
+          <a:xfrm>
+            <a:off x="1172814" y="6308035"/>
+            <a:ext cx="9846368" cy="261610"/>
+          </a:xfrm>
+          <a:prstGeom prst="rect">
+            <a:avLst/>
+          </a:prstGeom>
+          <a:noFill/>
+        </p:spPr>
+        <p:txBody>
+          <a:bodyPr wrap="square" rtlCol="0">
+            <a:spAutoFit/>
+          </a:bodyPr>
+          <a:lstStyle/>
+          <a:p>
+            <a:pPr algn="ctr"/>
+            <a:r>
+              <a:rPr lang="it-IT" sz="1100" i="1" dirty="0"/>
+              <a:t>ERIK HOLLER  - ELIA SCARPARO- STEFANO ZAMPIERO</a:t>
+            </a:r>
+          </a:p>
+        </p:txBody>
+      </p:sp>
+      <p:graphicFrame>
+        <p:nvGraphicFramePr>
+          <p:cNvPr id="9" name="Tabella 8"/>
+          <p:cNvGraphicFramePr>
+            <a:graphicFrameLocks noGrp="1"/>
+          </p:cNvGraphicFramePr>
+          <p:nvPr>
+            <p:extLst>
+              <p:ext uri="{D42A27DB-BD31-4B8C-83A1-F6EECF244321}">
+                <p14:modId xmlns:p14="http://schemas.microsoft.com/office/powerpoint/2010/main" val="1537268544"/>
+              </p:ext>
+            </p:extLst>
+          </p:nvPr>
+        </p:nvGraphicFramePr>
+        <p:xfrm>
+          <a:off x="1655618" y="3860099"/>
+          <a:ext cx="8128000" cy="1483360"/>
+        </p:xfrm>
+        <a:graphic>
+          <a:graphicData uri="http://schemas.openxmlformats.org/drawingml/2006/table">
+            <a:tbl>
+              <a:tblPr firstRow="1" bandRow="1">
+                <a:tableStyleId>{5C22544A-7EE6-4342-B048-85BDC9FD1C3A}</a:tableStyleId>
+              </a:tblPr>
+              <a:tblGrid>
+                <a:gridCol w="2032000"/>
+                <a:gridCol w="2032000"/>
+                <a:gridCol w="2032000"/>
+                <a:gridCol w="2032000"/>
+              </a:tblGrid>
+              <a:tr h="370840">
+                <a:tc>
+                  <a:txBody>
+                    <a:bodyPr/>
+                    <a:lstStyle/>
+                    <a:p>
+                      <a:r>
+                        <a:rPr lang="it-IT" dirty="0" smtClean="0"/>
+                        <a:t>Caso n-esimo</a:t>
+                      </a:r>
+                      <a:endParaRPr lang="it-IT" dirty="0"/>
+                    </a:p>
+                  </a:txBody>
+                  <a:tcPr/>
+                </a:tc>
+                <a:tc>
+                  <a:txBody>
+                    <a:bodyPr/>
+                    <a:lstStyle/>
+                    <a:p>
+                      <a:r>
+                        <a:rPr lang="it-IT" dirty="0" smtClean="0"/>
+                        <a:t>Value </a:t>
+                      </a:r>
+                      <a:r>
+                        <a:rPr lang="it-IT" dirty="0" err="1" smtClean="0"/>
+                        <a:t>at</a:t>
+                      </a:r>
+                      <a:r>
+                        <a:rPr lang="it-IT" dirty="0" smtClean="0"/>
+                        <a:t> </a:t>
+                      </a:r>
+                      <a:r>
+                        <a:rPr lang="it-IT" dirty="0" err="1" smtClean="0"/>
+                        <a:t>Risk</a:t>
+                      </a:r>
+                      <a:endParaRPr lang="it-IT" dirty="0"/>
+                    </a:p>
+                  </a:txBody>
+                  <a:tcPr/>
+                </a:tc>
+                <a:tc>
+                  <a:txBody>
+                    <a:bodyPr/>
+                    <a:lstStyle/>
+                    <a:p>
+                      <a:r>
+                        <a:rPr lang="it-IT" dirty="0" err="1" smtClean="0"/>
+                        <a:t>Expected</a:t>
+                      </a:r>
+                      <a:r>
+                        <a:rPr lang="it-IT" dirty="0" smtClean="0"/>
+                        <a:t> </a:t>
+                      </a:r>
+                      <a:r>
+                        <a:rPr lang="it-IT" dirty="0" err="1" smtClean="0"/>
+                        <a:t>Loss</a:t>
+                      </a:r>
+                      <a:endParaRPr lang="it-IT" dirty="0"/>
+                    </a:p>
+                  </a:txBody>
+                  <a:tcPr/>
+                </a:tc>
+                <a:tc>
+                  <a:txBody>
+                    <a:bodyPr/>
+                    <a:lstStyle/>
+                    <a:p>
+                      <a:r>
+                        <a:rPr lang="it-IT" dirty="0" smtClean="0"/>
+                        <a:t>Capital </a:t>
+                      </a:r>
+                      <a:r>
+                        <a:rPr lang="it-IT" dirty="0" err="1" smtClean="0"/>
+                        <a:t>at</a:t>
+                      </a:r>
+                      <a:r>
+                        <a:rPr lang="it-IT" dirty="0" smtClean="0"/>
+                        <a:t> </a:t>
+                      </a:r>
+                      <a:r>
+                        <a:rPr lang="it-IT" dirty="0" err="1" smtClean="0"/>
+                        <a:t>Risk</a:t>
+                      </a:r>
+                      <a:endParaRPr lang="it-IT" dirty="0"/>
+                    </a:p>
+                  </a:txBody>
+                  <a:tcPr/>
+                </a:tc>
+              </a:tr>
+              <a:tr h="370840">
+                <a:tc>
+                  <a:txBody>
+                    <a:bodyPr/>
+                    <a:lstStyle/>
+                    <a:p>
+                      <a:r>
+                        <a:rPr lang="it-IT" dirty="0" smtClean="0"/>
+                        <a:t>1</a:t>
+                      </a:r>
+                      <a:endParaRPr lang="it-IT" dirty="0"/>
+                    </a:p>
+                  </a:txBody>
+                  <a:tcPr/>
+                </a:tc>
+                <a:tc>
+                  <a:txBody>
+                    <a:bodyPr/>
+                    <a:lstStyle/>
+                    <a:p>
+                      <a:r>
+                        <a:rPr lang="it-IT" dirty="0" smtClean="0"/>
+                        <a:t>132,86</a:t>
+                      </a:r>
+                      <a:endParaRPr lang="it-IT" dirty="0"/>
+                    </a:p>
+                  </a:txBody>
+                  <a:tcPr/>
+                </a:tc>
+                <a:tc>
+                  <a:txBody>
+                    <a:bodyPr/>
+                    <a:lstStyle/>
+                    <a:p>
+                      <a:r>
+                        <a:rPr lang="it-IT" dirty="0" smtClean="0"/>
+                        <a:t>36,61</a:t>
+                      </a:r>
+                      <a:endParaRPr lang="it-IT" dirty="0"/>
+                    </a:p>
+                  </a:txBody>
+                  <a:tcPr/>
+                </a:tc>
+                <a:tc>
+                  <a:txBody>
+                    <a:bodyPr/>
+                    <a:lstStyle/>
+                    <a:p>
+                      <a:r>
+                        <a:rPr lang="it-IT" dirty="0" smtClean="0"/>
+                        <a:t>96,24</a:t>
+                      </a:r>
+                    </a:p>
+                  </a:txBody>
+                  <a:tcPr/>
+                </a:tc>
+              </a:tr>
+              <a:tr h="370840">
+                <a:tc>
+                  <a:txBody>
+                    <a:bodyPr/>
+                    <a:lstStyle/>
+                    <a:p>
+                      <a:r>
+                        <a:rPr lang="it-IT" dirty="0" smtClean="0"/>
+                        <a:t>2</a:t>
+                      </a:r>
+                      <a:endParaRPr lang="it-IT" dirty="0"/>
+                    </a:p>
+                  </a:txBody>
+                  <a:tcPr/>
+                </a:tc>
+                <a:tc>
+                  <a:txBody>
+                    <a:bodyPr/>
+                    <a:lstStyle/>
+                    <a:p>
+                      <a:pPr algn="l"/>
+                      <a:r>
+                        <a:rPr lang="it-IT" dirty="0" smtClean="0"/>
+                        <a:t>252,20</a:t>
+                      </a:r>
+                      <a:endParaRPr lang="it-IT" dirty="0"/>
+                    </a:p>
+                  </a:txBody>
+                  <a:tcPr/>
+                </a:tc>
+                <a:tc>
+                  <a:txBody>
+                    <a:bodyPr/>
+                    <a:lstStyle/>
+                    <a:p>
+                      <a:pPr algn="l"/>
+                      <a:r>
+                        <a:rPr lang="it-IT" dirty="0" smtClean="0"/>
+                        <a:t>55,74</a:t>
+                      </a:r>
+                      <a:endParaRPr lang="it-IT" dirty="0"/>
+                    </a:p>
+                  </a:txBody>
+                  <a:tcPr/>
+                </a:tc>
+                <a:tc>
+                  <a:txBody>
+                    <a:bodyPr/>
+                    <a:lstStyle/>
+                    <a:p>
+                      <a:pPr algn="l"/>
+                      <a:r>
+                        <a:rPr lang="it-IT" dirty="0" smtClean="0"/>
+                        <a:t>196,45</a:t>
+                      </a:r>
+                      <a:endParaRPr lang="it-IT" dirty="0"/>
+                    </a:p>
+                  </a:txBody>
+                  <a:tcPr/>
+                </a:tc>
+              </a:tr>
+              <a:tr h="370840">
+                <a:tc>
+                  <a:txBody>
+                    <a:bodyPr/>
+                    <a:lstStyle/>
+                    <a:p>
+                      <a:r>
+                        <a:rPr lang="it-IT" dirty="0" smtClean="0"/>
+                        <a:t>3</a:t>
+                      </a:r>
+                      <a:endParaRPr lang="it-IT" dirty="0"/>
+                    </a:p>
+                  </a:txBody>
+                  <a:tcPr/>
+                </a:tc>
+                <a:tc>
+                  <a:txBody>
+                    <a:bodyPr/>
+                    <a:lstStyle/>
+                    <a:p>
+                      <a:r>
+                        <a:rPr lang="it-IT" dirty="0" smtClean="0"/>
+                        <a:t>602,13</a:t>
+                      </a:r>
+                      <a:endParaRPr lang="it-IT" dirty="0"/>
+                    </a:p>
+                  </a:txBody>
+                  <a:tcPr/>
+                </a:tc>
+                <a:tc>
+                  <a:txBody>
+                    <a:bodyPr/>
+                    <a:lstStyle/>
+                    <a:p>
+                      <a:r>
+                        <a:rPr lang="it-IT" dirty="0" smtClean="0"/>
+                        <a:t>163,10</a:t>
+                      </a:r>
+                      <a:endParaRPr lang="it-IT" dirty="0"/>
+                    </a:p>
+                  </a:txBody>
+                  <a:tcPr/>
+                </a:tc>
+                <a:tc>
+                  <a:txBody>
+                    <a:bodyPr/>
+                    <a:lstStyle/>
+                    <a:p>
+                      <a:r>
+                        <a:rPr lang="it-IT" dirty="0" smtClean="0"/>
+                        <a:t>439,02</a:t>
+                      </a:r>
+                      <a:endParaRPr lang="it-IT" dirty="0"/>
+                    </a:p>
+                  </a:txBody>
+                  <a:tcPr/>
+                </a:tc>
+              </a:tr>
+            </a:tbl>
+          </a:graphicData>
+        </a:graphic>
+      </p:graphicFrame>
+      <p:graphicFrame>
+        <p:nvGraphicFramePr>
+          <p:cNvPr id="10" name="Tabella 9"/>
+          <p:cNvGraphicFramePr>
+            <a:graphicFrameLocks noGrp="1"/>
+          </p:cNvGraphicFramePr>
+          <p:nvPr>
+            <p:extLst>
+              <p:ext uri="{D42A27DB-BD31-4B8C-83A1-F6EECF244321}">
+                <p14:modId xmlns:p14="http://schemas.microsoft.com/office/powerpoint/2010/main" val="744166886"/>
+              </p:ext>
+            </p:extLst>
+          </p:nvPr>
+        </p:nvGraphicFramePr>
+        <p:xfrm>
+          <a:off x="1655619" y="1519059"/>
+          <a:ext cx="8127999" cy="1483360"/>
+        </p:xfrm>
+        <a:graphic>
+          <a:graphicData uri="http://schemas.openxmlformats.org/drawingml/2006/table">
+            <a:tbl>
+              <a:tblPr firstRow="1" bandRow="1">
+                <a:tableStyleId>{5C22544A-7EE6-4342-B048-85BDC9FD1C3A}</a:tableStyleId>
+              </a:tblPr>
+              <a:tblGrid>
+                <a:gridCol w="2709333"/>
+                <a:gridCol w="2709333"/>
+                <a:gridCol w="2709333"/>
+              </a:tblGrid>
+              <a:tr h="370840">
+                <a:tc>
+                  <a:txBody>
+                    <a:bodyPr/>
+                    <a:lstStyle/>
+                    <a:p>
+                      <a:pPr marL="0" marR="0" indent="0" algn="l" defTabSz="914400" rtl="0" eaLnBrk="1" fontAlgn="auto" latinLnBrk="0" hangingPunct="1">
+                        <a:lnSpc>
+                          <a:spcPct val="100000"/>
+                        </a:lnSpc>
+                        <a:spcBef>
+                          <a:spcPts val="0"/>
+                        </a:spcBef>
+                        <a:spcAft>
+                          <a:spcPts val="0"/>
+                        </a:spcAft>
+                        <a:buClrTx/>
+                        <a:buSzTx/>
+                        <a:buFontTx/>
+                        <a:buNone/>
+                        <a:tabLst/>
+                        <a:defRPr/>
+                      </a:pPr>
+                      <a:r>
+                        <a:rPr lang="it-IT" dirty="0" smtClean="0"/>
+                        <a:t>Caso n-esimo</a:t>
+                      </a:r>
+                    </a:p>
+                  </a:txBody>
+                  <a:tcPr/>
+                </a:tc>
+                <a:tc>
+                  <a:txBody>
+                    <a:bodyPr/>
+                    <a:lstStyle/>
+                    <a:p>
+                      <a:r>
+                        <a:rPr lang="it-IT" sz="1800" dirty="0" smtClean="0"/>
+                        <a:t>Media(</a:t>
+                      </a:r>
+                      <a:r>
+                        <a:rPr lang="it-IT" sz="1800" dirty="0" err="1" smtClean="0"/>
+                        <a:t>μ</a:t>
+                      </a:r>
+                      <a:r>
+                        <a:rPr lang="it-IT" sz="1800" dirty="0" smtClean="0"/>
+                        <a:t> )</a:t>
+                      </a:r>
+                      <a:endParaRPr lang="it-IT" dirty="0"/>
+                    </a:p>
+                  </a:txBody>
+                  <a:tcPr/>
+                </a:tc>
+                <a:tc>
+                  <a:txBody>
+                    <a:bodyPr/>
+                    <a:lstStyle/>
+                    <a:p>
+                      <a:r>
+                        <a:rPr lang="it-IT" sz="1800" dirty="0" smtClean="0"/>
+                        <a:t>Varianza (σ</a:t>
+                      </a:r>
+                      <a:r>
+                        <a:rPr lang="it-IT" sz="1800" baseline="30000" dirty="0" smtClean="0"/>
+                        <a:t>2</a:t>
+                      </a:r>
+                      <a:r>
+                        <a:rPr lang="it-IT" sz="1800" baseline="0" dirty="0" smtClean="0"/>
+                        <a:t>)</a:t>
+                      </a:r>
+                      <a:endParaRPr lang="it-IT" dirty="0"/>
+                    </a:p>
+                  </a:txBody>
+                  <a:tcPr/>
+                </a:tc>
+              </a:tr>
+              <a:tr h="370840">
+                <a:tc>
+                  <a:txBody>
+                    <a:bodyPr/>
+                    <a:lstStyle/>
+                    <a:p>
+                      <a:r>
+                        <a:rPr lang="it-IT" dirty="0" smtClean="0"/>
+                        <a:t>1</a:t>
+                      </a:r>
+                      <a:endParaRPr lang="it-IT" dirty="0"/>
+                    </a:p>
+                  </a:txBody>
+                  <a:tcPr/>
+                </a:tc>
+                <a:tc>
+                  <a:txBody>
+                    <a:bodyPr/>
+                    <a:lstStyle/>
+                    <a:p>
+                      <a:r>
+                        <a:rPr lang="it-IT" dirty="0" smtClean="0"/>
+                        <a:t>1,5</a:t>
+                      </a:r>
+                      <a:endParaRPr lang="it-IT" dirty="0"/>
+                    </a:p>
+                  </a:txBody>
+                  <a:tcPr/>
+                </a:tc>
+                <a:tc>
+                  <a:txBody>
+                    <a:bodyPr/>
+                    <a:lstStyle/>
+                    <a:p>
+                      <a:r>
+                        <a:rPr lang="it-IT" dirty="0" smtClean="0"/>
+                        <a:t>1</a:t>
+                      </a:r>
+                      <a:endParaRPr lang="it-IT" dirty="0"/>
+                    </a:p>
+                  </a:txBody>
+                  <a:tcPr/>
+                </a:tc>
+              </a:tr>
+              <a:tr h="370840">
+                <a:tc>
+                  <a:txBody>
+                    <a:bodyPr/>
+                    <a:lstStyle/>
+                    <a:p>
+                      <a:r>
+                        <a:rPr lang="it-IT" dirty="0" smtClean="0"/>
+                        <a:t>2</a:t>
+                      </a:r>
+                      <a:endParaRPr lang="it-IT" dirty="0"/>
+                    </a:p>
+                  </a:txBody>
+                  <a:tcPr/>
+                </a:tc>
+                <a:tc>
+                  <a:txBody>
+                    <a:bodyPr/>
+                    <a:lstStyle/>
+                    <a:p>
+                      <a:r>
+                        <a:rPr lang="it-IT" dirty="0" smtClean="0"/>
+                        <a:t>1,5</a:t>
+                      </a:r>
+                      <a:endParaRPr lang="it-IT" dirty="0"/>
+                    </a:p>
+                  </a:txBody>
+                  <a:tcPr/>
+                </a:tc>
+                <a:tc>
+                  <a:txBody>
+                    <a:bodyPr/>
+                    <a:lstStyle/>
+                    <a:p>
+                      <a:r>
+                        <a:rPr lang="it-IT" dirty="0" smtClean="0"/>
+                        <a:t>2</a:t>
+                      </a:r>
+                      <a:endParaRPr lang="it-IT" dirty="0"/>
+                    </a:p>
+                  </a:txBody>
+                  <a:tcPr/>
+                </a:tc>
+              </a:tr>
+              <a:tr h="370840">
+                <a:tc>
+                  <a:txBody>
+                    <a:bodyPr/>
+                    <a:lstStyle/>
+                    <a:p>
+                      <a:r>
+                        <a:rPr lang="it-IT" dirty="0" smtClean="0"/>
+                        <a:t>3</a:t>
+                      </a:r>
+                      <a:endParaRPr lang="it-IT" dirty="0"/>
+                    </a:p>
+                  </a:txBody>
+                  <a:tcPr/>
+                </a:tc>
+                <a:tc>
+                  <a:txBody>
+                    <a:bodyPr/>
+                    <a:lstStyle/>
+                    <a:p>
+                      <a:r>
+                        <a:rPr lang="it-IT" dirty="0" smtClean="0"/>
+                        <a:t>3</a:t>
+                      </a:r>
+                      <a:endParaRPr lang="it-IT" dirty="0"/>
+                    </a:p>
+                  </a:txBody>
+                  <a:tcPr/>
+                </a:tc>
+                <a:tc>
+                  <a:txBody>
+                    <a:bodyPr/>
+                    <a:lstStyle/>
+                    <a:p>
+                      <a:r>
+                        <a:rPr lang="it-IT" dirty="0" smtClean="0"/>
+                        <a:t>1</a:t>
+                      </a:r>
+                      <a:endParaRPr lang="it-IT" dirty="0"/>
+                    </a:p>
+                  </a:txBody>
+                  <a:tcPr/>
+                </a:tc>
+              </a:tr>
+            </a:tbl>
+          </a:graphicData>
+        </a:graphic>
+      </p:graphicFrame>
+    </p:spTree>
+    <p:extLst>
+      <p:ext uri="{BB962C8B-B14F-4D97-AF65-F5344CB8AC3E}">
+        <p14:creationId xmlns:p14="http://schemas.microsoft.com/office/powerpoint/2010/main" val="189537814"/>
+      </p:ext>
+    </p:extLst>
+  </p:cSld>
+  <p:clrMapOvr>
+    <a:masterClrMapping/>
+  </p:clrMapOvr>
+  <p:timing>
+    <p:tnLst>
+      <p:par>
+        <p:cTn id="1" dur="indefinite" restart="never" nodeType="tmRoot"/>
+      </p:par>
+    </p:tnLst>
+  </p:timing>
 </p:sld>
 </file>
 
@@ -21230,6 +22573,13 @@
   <p:clrMapOvr>
     <a:masterClrMapping/>
   </p:clrMapOvr>
+  <p:timing>
+    <p:tnLst>
+      <p:par>
+        <p:cTn id="1" dur="indefinite" restart="never" nodeType="tmRoot"/>
+      </p:par>
+    </p:tnLst>
+  </p:timing>
 </p:sld>
 </file>
 
@@ -21499,6 +22849,13 @@
   <p:clrMapOvr>
     <a:masterClrMapping/>
   </p:clrMapOvr>
+  <p:timing>
+    <p:tnLst>
+      <p:par>
+        <p:cTn id="1" dur="indefinite" restart="never" nodeType="tmRoot"/>
+      </p:par>
+    </p:tnLst>
+  </p:timing>
 </p:sld>
 </file>
 
@@ -21664,7 +23021,7 @@
         <p:spPr>
           <a:xfrm>
             <a:off x="1172814" y="1193493"/>
-            <a:ext cx="9520240" cy="5078313"/>
+            <a:ext cx="9520240" cy="5139869"/>
           </a:xfrm>
           <a:prstGeom prst="rect">
             <a:avLst/>
@@ -21689,8 +23046,20 @@
               <a:buChar char="•"/>
             </a:pPr>
             <a:r>
+              <a:rPr lang="it-IT" sz="2400" dirty="0" smtClean="0"/>
+              <a:t>È un modello ad alta intensità di dati. Per </a:t>
+            </a:r>
+            <a:r>
               <a:rPr lang="it-IT" sz="2400" dirty="0"/>
-              <a:t>È un modello ad alta intensità di dati. Per applicare questo metodo in modo coerente in tutta l'organizzazione, è necessaria una serie di dati completa riguardante gli eventi di perdita.</a:t>
+              <a:t>applicare questo metodo in modo coerente in tutta l'organizzazione, </a:t>
+            </a:r>
+            <a:r>
+              <a:rPr lang="it-IT" sz="2400" dirty="0" smtClean="0"/>
+              <a:t>È </a:t>
+            </a:r>
+            <a:r>
+              <a:rPr lang="it-IT" sz="2400" dirty="0"/>
+              <a:t>necessaria una serie di dati completa riguardante gli eventi di perdita.</a:t>
             </a:r>
           </a:p>
           <a:p>
@@ -21787,6 +23156,13 @@
   <p:clrMapOvr>
     <a:masterClrMapping/>
   </p:clrMapOvr>
+  <p:timing>
+    <p:tnLst>
+      <p:par>
+        <p:cTn id="1" dur="indefinite" restart="never" nodeType="tmRoot"/>
+      </p:par>
+    </p:tnLst>
+  </p:timing>
 </p:sld>
 </file>
 
@@ -21812,7 +23188,7 @@
           <p:cNvPr id="2" name="Titolo 1">
             <a:extLst>
               <a:ext uri="{FF2B5EF4-FFF2-40B4-BE49-F238E27FC236}">
-                <a16:creationId xmlns:a16="http://schemas.microsoft.com/office/drawing/2014/main" id="{CF7DA07E-2836-4BAC-BA34-C27C3C3E8269}"/>
+                <a16:creationId xmlns="" xmlns:a16="http://schemas.microsoft.com/office/drawing/2014/main" id="{CF7DA07E-2836-4BAC-BA34-C27C3C3E8269}"/>
               </a:ext>
             </a:extLst>
           </p:cNvPr>
@@ -21865,7 +23241,7 @@
           <p:cNvPr id="7" name="CasellaDiTesto 6">
             <a:extLst>
               <a:ext uri="{FF2B5EF4-FFF2-40B4-BE49-F238E27FC236}">
-                <a16:creationId xmlns:a16="http://schemas.microsoft.com/office/drawing/2014/main" id="{5B9FD2E0-A1CA-47E2-8D12-5C0F6668D2C8}"/>
+                <a16:creationId xmlns="" xmlns:a16="http://schemas.microsoft.com/office/drawing/2014/main" id="{5B9FD2E0-A1CA-47E2-8D12-5C0F6668D2C8}"/>
               </a:ext>
             </a:extLst>
           </p:cNvPr>
@@ -21900,7 +23276,7 @@
           <p:cNvPr id="8" name="CasellaDiTesto 7">
             <a:extLst>
               <a:ext uri="{FF2B5EF4-FFF2-40B4-BE49-F238E27FC236}">
-                <a16:creationId xmlns:a16="http://schemas.microsoft.com/office/drawing/2014/main" id="{9996E7DA-EAF3-404C-AB6E-37B55C1BA662}"/>
+                <a16:creationId xmlns="" xmlns:a16="http://schemas.microsoft.com/office/drawing/2014/main" id="{9996E7DA-EAF3-404C-AB6E-37B55C1BA662}"/>
               </a:ext>
             </a:extLst>
           </p:cNvPr>
@@ -21938,7 +23314,7 @@
               <p:cNvPr id="9" name="CasellaDiTesto 8">
                 <a:extLst>
                   <a:ext uri="{FF2B5EF4-FFF2-40B4-BE49-F238E27FC236}">
-                    <a16:creationId xmlns:a16="http://schemas.microsoft.com/office/drawing/2014/main" id="{F4F246AF-0E78-402B-AEAE-49FD20A0B226}"/>
+                    <a16:creationId xmlns="" xmlns:a16="http://schemas.microsoft.com/office/drawing/2014/main" id="{F4F246AF-0E78-402B-AEAE-49FD20A0B226}"/>
                   </a:ext>
                 </a:extLst>
               </p:cNvPr>
@@ -21978,7 +23354,7 @@
                         <m:dPr>
                           <m:ctrlPr>
                             <a:rPr lang="it-IT" sz="2400" b="0" i="1" smtClean="0">
-                              <a:latin typeface="Cambria Math" panose="02040503050406030204" pitchFamily="18" charset="0"/>
+                              <a:latin typeface="Cambria Math" charset="0"/>
                             </a:rPr>
                           </m:ctrlPr>
                         </m:dPr>
@@ -22011,7 +23387,7 @@
                           <m:endChr m:val="|"/>
                           <m:ctrlPr>
                             <a:rPr lang="it-IT" sz="2400" b="0" i="1" smtClean="0">
-                              <a:latin typeface="Cambria Math" panose="02040503050406030204" pitchFamily="18" charset="0"/>
+                              <a:latin typeface="Cambria Math" charset="0"/>
                               <a:ea typeface="Cambria Math" panose="02040503050406030204" pitchFamily="18" charset="0"/>
                             </a:rPr>
                           </m:ctrlPr>
@@ -22021,7 +23397,7 @@
                             <m:sSubPr>
                               <m:ctrlPr>
                                 <a:rPr lang="it-IT" sz="2400" b="0" i="1" smtClean="0">
-                                  <a:latin typeface="Cambria Math" panose="02040503050406030204" pitchFamily="18" charset="0"/>
+                                  <a:latin typeface="Cambria Math" charset="0"/>
                                   <a:ea typeface="Cambria Math" panose="02040503050406030204" pitchFamily="18" charset="0"/>
                                 </a:rPr>
                               </m:ctrlPr>
@@ -22051,7 +23427,7 @@
                         <m:sSubPr>
                           <m:ctrlPr>
                             <a:rPr lang="it-IT" sz="2400" b="0" i="1" smtClean="0">
-                              <a:latin typeface="Cambria Math" panose="02040503050406030204" pitchFamily="18" charset="0"/>
+                              <a:latin typeface="Cambria Math" charset="0"/>
                               <a:ea typeface="Cambria Math" panose="02040503050406030204" pitchFamily="18" charset="0"/>
                             </a:rPr>
                           </m:ctrlPr>
@@ -22086,7 +23462,7 @@
                         <m:sSubPr>
                           <m:ctrlPr>
                             <a:rPr lang="it-IT" sz="2400" b="0" i="1" smtClean="0">
-                              <a:latin typeface="Cambria Math" panose="02040503050406030204" pitchFamily="18" charset="0"/>
+                              <a:latin typeface="Cambria Math" charset="0"/>
                               <a:ea typeface="Cambria Math" panose="02040503050406030204" pitchFamily="18" charset="0"/>
                             </a:rPr>
                           </m:ctrlPr>
@@ -22177,7 +23553,7 @@
               <p:cNvPr id="10" name="CasellaDiTesto 9">
                 <a:extLst>
                   <a:ext uri="{FF2B5EF4-FFF2-40B4-BE49-F238E27FC236}">
-                    <a16:creationId xmlns:a16="http://schemas.microsoft.com/office/drawing/2014/main" id="{FD999C1C-59B9-48EC-B172-39C0CA5E5DD0}"/>
+                    <a16:creationId xmlns="" xmlns:a16="http://schemas.microsoft.com/office/drawing/2014/main" id="{FD999C1C-59B9-48EC-B172-39C0CA5E5DD0}"/>
                   </a:ext>
                 </a:extLst>
               </p:cNvPr>
@@ -22211,7 +23587,7 @@
                         <m:sSubSupPr>
                           <m:ctrlPr>
                             <a:rPr lang="it-IT" sz="2400" b="0" i="1" smtClean="0">
-                              <a:latin typeface="Cambria Math" panose="02040503050406030204" pitchFamily="18" charset="0"/>
+                              <a:latin typeface="Cambria Math" charset="0"/>
                               <a:ea typeface="Cambria Math" panose="02040503050406030204" pitchFamily="18" charset="0"/>
                             </a:rPr>
                           </m:ctrlPr>
@@ -22257,7 +23633,7 @@
                           <m:supHide m:val="on"/>
                           <m:ctrlPr>
                             <a:rPr lang="it-IT" sz="2400" b="0" i="1" smtClean="0">
-                              <a:latin typeface="Cambria Math" panose="02040503050406030204" pitchFamily="18" charset="0"/>
+                              <a:latin typeface="Cambria Math" charset="0"/>
                               <a:ea typeface="Cambria Math" panose="02040503050406030204" pitchFamily="18" charset="0"/>
                             </a:rPr>
                           </m:ctrlPr>
@@ -22267,7 +23643,7 @@
                             <m:sSubPr>
                               <m:ctrlPr>
                                 <a:rPr lang="it-IT" sz="2400" i="1">
-                                  <a:latin typeface="Cambria Math" panose="02040503050406030204" pitchFamily="18" charset="0"/>
+                                  <a:latin typeface="Cambria Math" charset="0"/>
                                   <a:ea typeface="Cambria Math" panose="02040503050406030204" pitchFamily="18" charset="0"/>
                                 </a:rPr>
                               </m:ctrlPr>
@@ -22302,7 +23678,7 @@
                             <m:sSubPr>
                               <m:ctrlPr>
                                 <a:rPr lang="it-IT" sz="2400" i="1">
-                                  <a:latin typeface="Cambria Math" panose="02040503050406030204" pitchFamily="18" charset="0"/>
+                                  <a:latin typeface="Cambria Math" charset="0"/>
                                   <a:ea typeface="Cambria Math" panose="02040503050406030204" pitchFamily="18" charset="0"/>
                                 </a:rPr>
                               </m:ctrlPr>
@@ -22333,7 +23709,7 @@
                             <m:fPr>
                               <m:ctrlPr>
                                 <a:rPr lang="it-IT" sz="2400" i="1" smtClean="0">
-                                  <a:latin typeface="Cambria Math" panose="02040503050406030204" pitchFamily="18" charset="0"/>
+                                  <a:latin typeface="Cambria Math" charset="0"/>
                                   <a:ea typeface="Cambria Math" panose="02040503050406030204" pitchFamily="18" charset="0"/>
                                 </a:rPr>
                               </m:ctrlPr>
@@ -22343,7 +23719,7 @@
                                 <m:sSubPr>
                                   <m:ctrlPr>
                                     <a:rPr lang="it-IT" sz="2400" i="1">
-                                      <a:latin typeface="Cambria Math" panose="02040503050406030204" pitchFamily="18" charset="0"/>
+                                      <a:latin typeface="Cambria Math" charset="0"/>
                                       <a:ea typeface="Cambria Math" panose="02040503050406030204" pitchFamily="18" charset="0"/>
                                     </a:rPr>
                                   </m:ctrlPr>
@@ -22380,7 +23756,7 @@
                                 <m:sSubPr>
                                   <m:ctrlPr>
                                     <a:rPr lang="it-IT" sz="2400" i="1">
-                                      <a:latin typeface="Cambria Math" panose="02040503050406030204" pitchFamily="18" charset="0"/>
+                                      <a:latin typeface="Cambria Math" charset="0"/>
                                       <a:ea typeface="Cambria Math" panose="02040503050406030204" pitchFamily="18" charset="0"/>
                                     </a:rPr>
                                   </m:ctrlPr>
@@ -22415,7 +23791,7 @@
                                 <m:sSubPr>
                                   <m:ctrlPr>
                                     <a:rPr lang="it-IT" sz="2400" i="1">
-                                      <a:latin typeface="Cambria Math" panose="02040503050406030204" pitchFamily="18" charset="0"/>
+                                      <a:latin typeface="Cambria Math" charset="0"/>
                                       <a:ea typeface="Cambria Math" panose="02040503050406030204" pitchFamily="18" charset="0"/>
                                     </a:rPr>
                                   </m:ctrlPr>
@@ -22513,6 +23889,13 @@
   <p:clrMapOvr>
     <a:masterClrMapping/>
   </p:clrMapOvr>
+  <p:timing>
+    <p:tnLst>
+      <p:par>
+        <p:cTn id="1" dur="indefinite" restart="never" nodeType="tmRoot"/>
+      </p:par>
+    </p:tnLst>
+  </p:timing>
 </p:sld>
 </file>
 
@@ -22538,7 +23921,7 @@
           <p:cNvPr id="4" name="Immagine 3">
             <a:extLst>
               <a:ext uri="{FF2B5EF4-FFF2-40B4-BE49-F238E27FC236}">
-                <a16:creationId xmlns:a16="http://schemas.microsoft.com/office/drawing/2014/main" id="{8C6786E0-529B-4F2A-A7AE-33B1D159A945}"/>
+                <a16:creationId xmlns="" xmlns:a16="http://schemas.microsoft.com/office/drawing/2014/main" id="{8C6786E0-529B-4F2A-A7AE-33B1D159A945}"/>
               </a:ext>
             </a:extLst>
           </p:cNvPr>
@@ -22573,6 +23956,13 @@
   <p:clrMapOvr>
     <a:masterClrMapping/>
   </p:clrMapOvr>
+  <p:timing>
+    <p:tnLst>
+      <p:par>
+        <p:cTn id="1" dur="indefinite" restart="never" nodeType="tmRoot"/>
+      </p:par>
+    </p:tnLst>
+  </p:timing>
 </p:sld>
 </file>
 
@@ -22707,7 +24097,7 @@
           <p:cNvPr id="10" name="Segnaposto contenuto 2">
             <a:extLst>
               <a:ext uri="{FF2B5EF4-FFF2-40B4-BE49-F238E27FC236}">
-                <a16:creationId xmlns:a16="http://schemas.microsoft.com/office/drawing/2014/main" id="{3E1B8146-377A-4E32-B838-476B02B1AB2C}"/>
+                <a16:creationId xmlns="" xmlns:a16="http://schemas.microsoft.com/office/drawing/2014/main" id="{3E1B8146-377A-4E32-B838-476B02B1AB2C}"/>
               </a:ext>
             </a:extLst>
           </p:cNvPr>
@@ -22967,6 +24357,13 @@
   <p:clrMapOvr>
     <a:masterClrMapping/>
   </p:clrMapOvr>
+  <p:timing>
+    <p:tnLst>
+      <p:par>
+        <p:cTn id="1" dur="indefinite" restart="never" nodeType="tmRoot"/>
+      </p:par>
+    </p:tnLst>
+  </p:timing>
 </p:sld>
 </file>
 
@@ -23308,7 +24705,7 @@
           <p:cNvPr id="10" name="Segnaposto contenuto 2">
             <a:extLst>
               <a:ext uri="{FF2B5EF4-FFF2-40B4-BE49-F238E27FC236}">
-                <a16:creationId xmlns:a16="http://schemas.microsoft.com/office/drawing/2014/main" id="{3E1B8146-377A-4E32-B838-476B02B1AB2C}"/>
+                <a16:creationId xmlns="" xmlns:a16="http://schemas.microsoft.com/office/drawing/2014/main" id="{3E1B8146-377A-4E32-B838-476B02B1AB2C}"/>
               </a:ext>
             </a:extLst>
           </p:cNvPr>
@@ -23848,6 +25245,13 @@
   <p:clrMapOvr>
     <a:masterClrMapping/>
   </p:clrMapOvr>
+  <p:timing>
+    <p:tnLst>
+      <p:par>
+        <p:cTn id="1" dur="indefinite" restart="never" nodeType="tmRoot"/>
+      </p:par>
+    </p:tnLst>
+  </p:timing>
 </p:sld>
 </file>
 
@@ -24328,7 +25732,7 @@
           <p:cNvPr id="11" name="Segnaposto contenuto 2">
             <a:extLst>
               <a:ext uri="{FF2B5EF4-FFF2-40B4-BE49-F238E27FC236}">
-                <a16:creationId xmlns:a16="http://schemas.microsoft.com/office/drawing/2014/main" id="{B53D7EDB-63A5-46AB-A539-BDB397EA2FF9}"/>
+                <a16:creationId xmlns="" xmlns:a16="http://schemas.microsoft.com/office/drawing/2014/main" id="{B53D7EDB-63A5-46AB-A539-BDB397EA2FF9}"/>
               </a:ext>
             </a:extLst>
           </p:cNvPr>
@@ -24363,6 +25767,13 @@
   <p:clrMapOvr>
     <a:masterClrMapping/>
   </p:clrMapOvr>
+  <p:timing>
+    <p:tnLst>
+      <p:par>
+        <p:cTn id="1" dur="indefinite" restart="never" nodeType="tmRoot"/>
+      </p:par>
+    </p:tnLst>
+  </p:timing>
 </p:sld>
 </file>
 
@@ -24497,7 +25908,7 @@
           <p:cNvPr id="10" name="Segnaposto contenuto 2">
             <a:extLst>
               <a:ext uri="{FF2B5EF4-FFF2-40B4-BE49-F238E27FC236}">
-                <a16:creationId xmlns:a16="http://schemas.microsoft.com/office/drawing/2014/main" id="{8AA50591-FADC-4A05-AD10-FE14CFAD38DA}"/>
+                <a16:creationId xmlns="" xmlns:a16="http://schemas.microsoft.com/office/drawing/2014/main" id="{8AA50591-FADC-4A05-AD10-FE14CFAD38DA}"/>
               </a:ext>
             </a:extLst>
           </p:cNvPr>
@@ -24532,6 +25943,13 @@
   <p:clrMapOvr>
     <a:masterClrMapping/>
   </p:clrMapOvr>
+  <p:timing>
+    <p:tnLst>
+      <p:par>
+        <p:cTn id="1" dur="indefinite" restart="never" nodeType="tmRoot"/>
+      </p:par>
+    </p:tnLst>
+  </p:timing>
 </p:sld>
 </file>
 
@@ -25020,6 +26438,13 @@
   <p:clrMapOvr>
     <a:masterClrMapping/>
   </p:clrMapOvr>
+  <p:timing>
+    <p:tnLst>
+      <p:par>
+        <p:cTn id="1" dur="indefinite" restart="never" nodeType="tmRoot"/>
+      </p:par>
+    </p:tnLst>
+  </p:timing>
 </p:sld>
 </file>
 
@@ -25497,6 +26922,13 @@
   <p:clrMapOvr>
     <a:masterClrMapping/>
   </p:clrMapOvr>
+  <p:timing>
+    <p:tnLst>
+      <p:par>
+        <p:cTn id="1" dur="indefinite" restart="never" nodeType="tmRoot"/>
+      </p:par>
+    </p:tnLst>
+  </p:timing>
 </p:sld>
 </file>
 
@@ -25648,7 +27080,7 @@
               <p:cNvPr id="10" name="Segnaposto contenuto 22">
                 <a:extLst>
                   <a:ext uri="{FF2B5EF4-FFF2-40B4-BE49-F238E27FC236}">
-                    <a16:creationId xmlns:a16="http://schemas.microsoft.com/office/drawing/2014/main" id="{AEAF27FE-C065-4136-B1A4-EE36D0BE1816}"/>
+                    <a16:creationId xmlns="" xmlns:a16="http://schemas.microsoft.com/office/drawing/2014/main" id="{AEAF27FE-C065-4136-B1A4-EE36D0BE1816}"/>
                   </a:ext>
                 </a:extLst>
               </p:cNvPr>
@@ -25963,7 +27395,7 @@
                       <m:sSupPr>
                         <m:ctrlPr>
                           <a:rPr lang="it-IT" i="1" dirty="0" smtClean="0">
-                            <a:latin typeface="Cambria Math" panose="02040503050406030204" pitchFamily="18" charset="0"/>
+                            <a:latin typeface="Cambria Math" charset="0"/>
                           </a:rPr>
                         </m:ctrlPr>
                       </m:sSupPr>
@@ -26048,7 +27480,7 @@
               <p:cNvPr id="11" name="CasellaDiTesto 10">
                 <a:extLst>
                   <a:ext uri="{FF2B5EF4-FFF2-40B4-BE49-F238E27FC236}">
-                    <a16:creationId xmlns:a16="http://schemas.microsoft.com/office/drawing/2014/main" id="{21FAE880-EF37-4E5A-87FB-C604F263EFF0}"/>
+                    <a16:creationId xmlns="" xmlns:a16="http://schemas.microsoft.com/office/drawing/2014/main" id="{21FAE880-EF37-4E5A-87FB-C604F263EFF0}"/>
                   </a:ext>
                 </a:extLst>
               </p:cNvPr>
@@ -26097,7 +27529,7 @@
                           <m:grow m:val="on"/>
                           <m:ctrlPr>
                             <a:rPr lang="it-IT" sz="3600" i="1">
-                              <a:latin typeface="Cambria Math" panose="02040503050406030204" pitchFamily="18" charset="0"/>
+                              <a:latin typeface="Cambria Math" charset="0"/>
                             </a:rPr>
                           </m:ctrlPr>
                         </m:naryPr>
@@ -26128,7 +27560,7 @@
                             <m:sSubPr>
                               <m:ctrlPr>
                                 <a:rPr lang="it-IT" sz="3600" i="1">
-                                  <a:latin typeface="Cambria Math" panose="02040503050406030204" pitchFamily="18" charset="0"/>
+                                  <a:latin typeface="Cambria Math" charset="0"/>
                                 </a:rPr>
                               </m:ctrlPr>
                             </m:sSubPr>
@@ -26216,6 +27648,13 @@
   <p:clrMapOvr>
     <a:masterClrMapping/>
   </p:clrMapOvr>
+  <p:timing>
+    <p:tnLst>
+      <p:par>
+        <p:cTn id="1" dur="indefinite" restart="never" nodeType="tmRoot"/>
+      </p:par>
+    </p:tnLst>
+  </p:timing>
 </p:sld>
 </file>
 
